--- a/paper/pwp_tmp_shiralab.pptx
+++ b/paper/pwp_tmp_shiralab.pptx
@@ -3773,6 +3773,218 @@
               <a:latin typeface="Segoe UI" panose="020B0502040204020203" pitchFamily="34" charset="0"/>
               <a:ea typeface="游ゴシック Medium" panose="020B0500000000000000" pitchFamily="50" charset="-128"/>
               <a:cs typeface="ＭＳ Ｐゴシック" charset="0"/>
+            </a:endParaRPr>
+          </a:p>
+        </p:txBody>
+      </p:sp>
+      <p:sp>
+        <p:nvSpPr>
+          <p:cNvPr id="2" name="正方形/長方形 1">
+            <a:extLst>
+              <a:ext uri="{FF2B5EF4-FFF2-40B4-BE49-F238E27FC236}">
+                <a16:creationId xmlns:a16="http://schemas.microsoft.com/office/drawing/2014/main" id="{DC0FC17B-937E-C02B-5EFD-620B951BBE5A}"/>
+              </a:ext>
+            </a:extLst>
+          </p:cNvPr>
+          <p:cNvSpPr/>
+          <p:nvPr userDrawn="1"/>
+        </p:nvSpPr>
+        <p:spPr>
+          <a:xfrm>
+            <a:off x="6876256" y="951415"/>
+            <a:ext cx="2237792" cy="338554"/>
+          </a:xfrm>
+          <a:prstGeom prst="rect">
+            <a:avLst/>
+          </a:prstGeom>
+        </p:spPr>
+        <p:txBody>
+          <a:bodyPr wrap="square">
+            <a:spAutoFit/>
+          </a:bodyPr>
+          <a:lstStyle>
+            <a:defPPr>
+              <a:defRPr lang="ja-JP"/>
+            </a:defPPr>
+            <a:lvl1pPr algn="l" rtl="0" fontAlgn="base">
+              <a:spcBef>
+                <a:spcPct val="0"/>
+              </a:spcBef>
+              <a:spcAft>
+                <a:spcPct val="0"/>
+              </a:spcAft>
+              <a:defRPr kumimoji="1" sz="2400" kern="1200">
+                <a:solidFill>
+                  <a:schemeClr val="tx1"/>
+                </a:solidFill>
+                <a:latin typeface="Times New Roman" charset="0"/>
+                <a:ea typeface="ＭＳ Ｐゴシック" charset="0"/>
+                <a:cs typeface="ＭＳ Ｐゴシック" charset="0"/>
+              </a:defRPr>
+            </a:lvl1pPr>
+            <a:lvl2pPr marL="457200" algn="l" rtl="0" fontAlgn="base">
+              <a:spcBef>
+                <a:spcPct val="0"/>
+              </a:spcBef>
+              <a:spcAft>
+                <a:spcPct val="0"/>
+              </a:spcAft>
+              <a:defRPr kumimoji="1" sz="2400" kern="1200">
+                <a:solidFill>
+                  <a:schemeClr val="tx1"/>
+                </a:solidFill>
+                <a:latin typeface="Times New Roman" charset="0"/>
+                <a:ea typeface="ＭＳ Ｐゴシック" charset="0"/>
+                <a:cs typeface="ＭＳ Ｐゴシック" charset="0"/>
+              </a:defRPr>
+            </a:lvl2pPr>
+            <a:lvl3pPr marL="914400" algn="l" rtl="0" fontAlgn="base">
+              <a:spcBef>
+                <a:spcPct val="0"/>
+              </a:spcBef>
+              <a:spcAft>
+                <a:spcPct val="0"/>
+              </a:spcAft>
+              <a:defRPr kumimoji="1" sz="2400" kern="1200">
+                <a:solidFill>
+                  <a:schemeClr val="tx1"/>
+                </a:solidFill>
+                <a:latin typeface="Times New Roman" charset="0"/>
+                <a:ea typeface="ＭＳ Ｐゴシック" charset="0"/>
+                <a:cs typeface="ＭＳ Ｐゴシック" charset="0"/>
+              </a:defRPr>
+            </a:lvl3pPr>
+            <a:lvl4pPr marL="1371600" algn="l" rtl="0" fontAlgn="base">
+              <a:spcBef>
+                <a:spcPct val="0"/>
+              </a:spcBef>
+              <a:spcAft>
+                <a:spcPct val="0"/>
+              </a:spcAft>
+              <a:defRPr kumimoji="1" sz="2400" kern="1200">
+                <a:solidFill>
+                  <a:schemeClr val="tx1"/>
+                </a:solidFill>
+                <a:latin typeface="Times New Roman" charset="0"/>
+                <a:ea typeface="ＭＳ Ｐゴシック" charset="0"/>
+                <a:cs typeface="ＭＳ Ｐゴシック" charset="0"/>
+              </a:defRPr>
+            </a:lvl4pPr>
+            <a:lvl5pPr marL="1828800" algn="l" rtl="0" fontAlgn="base">
+              <a:spcBef>
+                <a:spcPct val="0"/>
+              </a:spcBef>
+              <a:spcAft>
+                <a:spcPct val="0"/>
+              </a:spcAft>
+              <a:defRPr kumimoji="1" sz="2400" kern="1200">
+                <a:solidFill>
+                  <a:schemeClr val="tx1"/>
+                </a:solidFill>
+                <a:latin typeface="Times New Roman" charset="0"/>
+                <a:ea typeface="ＭＳ Ｐゴシック" charset="0"/>
+                <a:cs typeface="ＭＳ Ｐゴシック" charset="0"/>
+              </a:defRPr>
+            </a:lvl5pPr>
+            <a:lvl6pPr marL="2286000" algn="l" defTabSz="457200" rtl="0" eaLnBrk="1" latinLnBrk="0" hangingPunct="1">
+              <a:defRPr kumimoji="1" sz="2400" kern="1200">
+                <a:solidFill>
+                  <a:schemeClr val="tx1"/>
+                </a:solidFill>
+                <a:latin typeface="Times New Roman" charset="0"/>
+                <a:ea typeface="ＭＳ Ｐゴシック" charset="0"/>
+                <a:cs typeface="ＭＳ Ｐゴシック" charset="0"/>
+              </a:defRPr>
+            </a:lvl6pPr>
+            <a:lvl7pPr marL="2743200" algn="l" defTabSz="457200" rtl="0" eaLnBrk="1" latinLnBrk="0" hangingPunct="1">
+              <a:defRPr kumimoji="1" sz="2400" kern="1200">
+                <a:solidFill>
+                  <a:schemeClr val="tx1"/>
+                </a:solidFill>
+                <a:latin typeface="Times New Roman" charset="0"/>
+                <a:ea typeface="ＭＳ Ｐゴシック" charset="0"/>
+                <a:cs typeface="ＭＳ Ｐゴシック" charset="0"/>
+              </a:defRPr>
+            </a:lvl7pPr>
+            <a:lvl8pPr marL="3200400" algn="l" defTabSz="457200" rtl="0" eaLnBrk="1" latinLnBrk="0" hangingPunct="1">
+              <a:defRPr kumimoji="1" sz="2400" kern="1200">
+                <a:solidFill>
+                  <a:schemeClr val="tx1"/>
+                </a:solidFill>
+                <a:latin typeface="Times New Roman" charset="0"/>
+                <a:ea typeface="ＭＳ Ｐゴシック" charset="0"/>
+                <a:cs typeface="ＭＳ Ｐゴシック" charset="0"/>
+              </a:defRPr>
+            </a:lvl8pPr>
+            <a:lvl9pPr marL="3657600" algn="l" defTabSz="457200" rtl="0" eaLnBrk="1" latinLnBrk="0" hangingPunct="1">
+              <a:defRPr kumimoji="1" sz="2400" kern="1200">
+                <a:solidFill>
+                  <a:schemeClr val="tx1"/>
+                </a:solidFill>
+                <a:latin typeface="Times New Roman" charset="0"/>
+                <a:ea typeface="ＭＳ Ｐゴシック" charset="0"/>
+                <a:cs typeface="ＭＳ Ｐゴシック" charset="0"/>
+              </a:defRPr>
+            </a:lvl9pPr>
+          </a:lstStyle>
+          <a:p>
+            <a:pPr marL="0" marR="0" indent="0" algn="l" defTabSz="914400" rtl="0" eaLnBrk="1" fontAlgn="base" latinLnBrk="0" hangingPunct="1">
+              <a:lnSpc>
+                <a:spcPct val="100000"/>
+              </a:lnSpc>
+              <a:spcBef>
+                <a:spcPct val="0"/>
+              </a:spcBef>
+              <a:spcAft>
+                <a:spcPct val="0"/>
+              </a:spcAft>
+              <a:buClrTx/>
+              <a:buSzTx/>
+              <a:buFontTx/>
+              <a:buNone/>
+              <a:tabLst/>
+              <a:defRPr/>
+            </a:pPr>
+            <a:r>
+              <a:rPr lang="en-US" altLang="ja-JP" sz="1600" b="1" i="1" dirty="0">
+                <a:solidFill>
+                  <a:schemeClr val="bg1"/>
+                </a:solidFill>
+                <a:latin typeface="Times New Roman" panose="02020603050405020304" pitchFamily="18" charset="0"/>
+                <a:ea typeface="游ゴシック Medium" panose="020B0500000000000000" pitchFamily="50" charset="-128"/>
+                <a:cs typeface="Times New Roman" panose="02020603050405020304" pitchFamily="18" charset="0"/>
+              </a:rPr>
+              <a:t>Shitara lab.,</a:t>
+            </a:r>
+            <a:r>
+              <a:rPr lang="ja-JP" altLang="en-US" sz="1600" b="1" i="1">
+                <a:solidFill>
+                  <a:schemeClr val="bg1"/>
+                </a:solidFill>
+                <a:latin typeface="Times New Roman" panose="02020603050405020304" pitchFamily="18" charset="0"/>
+                <a:ea typeface="游ゴシック Medium" panose="020B0500000000000000" pitchFamily="50" charset="-128"/>
+                <a:cs typeface="Times New Roman" panose="02020603050405020304" pitchFamily="18" charset="0"/>
+              </a:rPr>
+              <a:t> </a:t>
+            </a:r>
+            <a:r>
+              <a:rPr lang="en-US" altLang="ja-JP" sz="1600" b="1" i="1" dirty="0">
+                <a:solidFill>
+                  <a:schemeClr val="bg1"/>
+                </a:solidFill>
+                <a:latin typeface="Times New Roman" panose="02020603050405020304" pitchFamily="18" charset="0"/>
+                <a:ea typeface="游ゴシック Medium" panose="020B0500000000000000" pitchFamily="50" charset="-128"/>
+                <a:cs typeface="Times New Roman" panose="02020603050405020304" pitchFamily="18" charset="0"/>
+              </a:rPr>
+              <a:t>TMCIIT</a:t>
+            </a:r>
+            <a:endParaRPr lang="ja-JP" altLang="en-US" sz="1600" b="1" i="1" dirty="0">
+              <a:solidFill>
+                <a:schemeClr val="bg1"/>
+              </a:solidFill>
+              <a:latin typeface="Times New Roman" panose="02020603050405020304" pitchFamily="18" charset="0"/>
+              <a:ea typeface="游ゴシック Medium" panose="020B0500000000000000" pitchFamily="50" charset="-128"/>
+              <a:cs typeface="Times New Roman" panose="02020603050405020304" pitchFamily="18" charset="0"/>
             </a:endParaRPr>
           </a:p>
         </p:txBody>

--- a/paper/pwp_tmp_shiralab.pptx
+++ b/paper/pwp_tmp_shiralab.pptx
@@ -5,10 +5,26 @@
     <p:sldMasterId id="2147483660" r:id="rId1"/>
   </p:sldMasterIdLst>
   <p:notesMasterIdLst>
-    <p:notesMasterId r:id="rId3"/>
+    <p:notesMasterId r:id="rId19"/>
   </p:notesMasterIdLst>
   <p:sldIdLst>
     <p:sldId id="256" r:id="rId2"/>
+    <p:sldId id="257" r:id="rId3"/>
+    <p:sldId id="259" r:id="rId4"/>
+    <p:sldId id="266" r:id="rId5"/>
+    <p:sldId id="269" r:id="rId6"/>
+    <p:sldId id="270" r:id="rId7"/>
+    <p:sldId id="271" r:id="rId8"/>
+    <p:sldId id="272" r:id="rId9"/>
+    <p:sldId id="265" r:id="rId10"/>
+    <p:sldId id="263" r:id="rId11"/>
+    <p:sldId id="258" r:id="rId12"/>
+    <p:sldId id="260" r:id="rId13"/>
+    <p:sldId id="264" r:id="rId14"/>
+    <p:sldId id="261" r:id="rId15"/>
+    <p:sldId id="262" r:id="rId16"/>
+    <p:sldId id="267" r:id="rId17"/>
+    <p:sldId id="268" r:id="rId18"/>
   </p:sldIdLst>
   <p:sldSz cx="9144000" cy="6858000" type="screen4x3"/>
   <p:notesSz cx="6858000" cy="9144000"/>
@@ -208,7 +224,7 @@
           <a:p>
             <a:fld id="{2BFE9D47-A5E2-4416-924B-D108B50498DE}" type="datetimeFigureOut">
               <a:rPr kumimoji="1" lang="ja-JP" altLang="en-US" smtClean="0"/>
-              <a:t>2025/2/20</a:t>
+              <a:t>2025/2/25</a:t>
             </a:fld>
             <a:endParaRPr kumimoji="1" lang="ja-JP" altLang="en-US"/>
           </a:p>
@@ -558,17 +574,17 @@
                 <a:solidFill>
                   <a:schemeClr val="tx1"/>
                 </a:solidFill>
-                <a:latin typeface="+mj-lt"/>
+                <a:latin typeface="BIZ UDPゴシック" panose="020B0400000000000000" pitchFamily="50" charset="-128"/>
+                <a:ea typeface="BIZ UDPゴシック" panose="020B0400000000000000" pitchFamily="50" charset="-128"/>
               </a:defRPr>
             </a:lvl1pPr>
           </a:lstStyle>
           <a:p>
             <a:pPr lvl="0"/>
             <a:r>
-              <a:rPr lang="ja-JP" altLang="en-US" noProof="0"/>
+              <a:rPr lang="ja-JP" altLang="en-US" noProof="0" dirty="0"/>
               <a:t>マスター サブタイトルの書式設定</a:t>
             </a:r>
-            <a:endParaRPr lang="ja-JP" altLang="en-US" noProof="0" dirty="0"/>
           </a:p>
         </p:txBody>
       </p:sp>
@@ -604,10 +620,9 @@
           </a:lstStyle>
           <a:p>
             <a:r>
-              <a:rPr kumimoji="1" lang="ja-JP" altLang="en-US"/>
+              <a:rPr kumimoji="1" lang="ja-JP" altLang="en-US" dirty="0"/>
               <a:t>マスター タイトルの書式設定</a:t>
             </a:r>
-            <a:endParaRPr kumimoji="1" lang="ja-JP" altLang="en-US" dirty="0"/>
           </a:p>
         </p:txBody>
       </p:sp>
@@ -784,88 +799,102 @@
           <a:bodyPr vert="horz"/>
           <a:lstStyle>
             <a:lvl1pPr>
-              <a:defRPr sz="3200"/>
+              <a:defRPr sz="3200">
+                <a:latin typeface="BIZ UDPゴシック" panose="020B0400000000000000" pitchFamily="50" charset="-128"/>
+                <a:ea typeface="BIZ UDPゴシック" panose="020B0400000000000000" pitchFamily="50" charset="-128"/>
+              </a:defRPr>
             </a:lvl1pPr>
             <a:lvl2pPr>
-              <a:defRPr sz="2800"/>
+              <a:defRPr sz="2800">
+                <a:latin typeface="BIZ UDPゴシック" panose="020B0400000000000000" pitchFamily="50" charset="-128"/>
+                <a:ea typeface="BIZ UDPゴシック" panose="020B0400000000000000" pitchFamily="50" charset="-128"/>
+              </a:defRPr>
             </a:lvl2pPr>
             <a:lvl3pPr>
-              <a:defRPr sz="2400"/>
+              <a:defRPr sz="2400">
+                <a:latin typeface="BIZ UDPゴシック" panose="020B0400000000000000" pitchFamily="50" charset="-128"/>
+                <a:ea typeface="BIZ UDPゴシック" panose="020B0400000000000000" pitchFamily="50" charset="-128"/>
+              </a:defRPr>
             </a:lvl3pPr>
             <a:lvl4pPr>
-              <a:defRPr sz="2400"/>
+              <a:defRPr sz="2400">
+                <a:latin typeface="BIZ UDPゴシック" panose="020B0400000000000000" pitchFamily="50" charset="-128"/>
+                <a:ea typeface="BIZ UDPゴシック" panose="020B0400000000000000" pitchFamily="50" charset="-128"/>
+              </a:defRPr>
             </a:lvl4pPr>
             <a:lvl5pPr>
-              <a:defRPr sz="2000"/>
+              <a:defRPr sz="2000">
+                <a:latin typeface="BIZ UDPゴシック" panose="020B0400000000000000" pitchFamily="50" charset="-128"/>
+                <a:ea typeface="BIZ UDPゴシック" panose="020B0400000000000000" pitchFamily="50" charset="-128"/>
+              </a:defRPr>
             </a:lvl5pPr>
           </a:lstStyle>
           <a:p>
             <a:pPr lvl="0"/>
             <a:r>
-              <a:rPr lang="ja-JP" altLang="en-US"/>
+              <a:rPr lang="ja-JP" altLang="en-US" dirty="0"/>
               <a:t>マスター テキストの書式設定</a:t>
             </a:r>
           </a:p>
           <a:p>
             <a:pPr lvl="1"/>
             <a:r>
-              <a:rPr lang="ja-JP" altLang="en-US"/>
+              <a:rPr lang="ja-JP" altLang="en-US" dirty="0"/>
               <a:t>第 </a:t>
             </a:r>
             <a:r>
-              <a:rPr lang="en-US" altLang="ja-JP"/>
+              <a:rPr lang="en-US" altLang="ja-JP" dirty="0"/>
               <a:t>2 </a:t>
             </a:r>
             <a:r>
-              <a:rPr lang="ja-JP" altLang="en-US"/>
+              <a:rPr lang="ja-JP" altLang="en-US" dirty="0"/>
               <a:t>レベル</a:t>
             </a:r>
           </a:p>
           <a:p>
             <a:pPr lvl="2"/>
             <a:r>
-              <a:rPr lang="ja-JP" altLang="en-US"/>
+              <a:rPr lang="ja-JP" altLang="en-US" dirty="0"/>
               <a:t>第 </a:t>
             </a:r>
             <a:r>
-              <a:rPr lang="en-US" altLang="ja-JP"/>
+              <a:rPr lang="en-US" altLang="ja-JP" dirty="0"/>
               <a:t>3 </a:t>
             </a:r>
             <a:r>
-              <a:rPr lang="ja-JP" altLang="en-US"/>
+              <a:rPr lang="ja-JP" altLang="en-US" dirty="0"/>
               <a:t>レベル</a:t>
             </a:r>
           </a:p>
           <a:p>
             <a:pPr lvl="3"/>
             <a:r>
-              <a:rPr lang="ja-JP" altLang="en-US"/>
+              <a:rPr lang="ja-JP" altLang="en-US" dirty="0"/>
               <a:t>第 </a:t>
             </a:r>
             <a:r>
-              <a:rPr lang="en-US" altLang="ja-JP"/>
+              <a:rPr lang="en-US" altLang="ja-JP" dirty="0"/>
               <a:t>4 </a:t>
             </a:r>
             <a:r>
-              <a:rPr lang="ja-JP" altLang="en-US"/>
+              <a:rPr lang="ja-JP" altLang="en-US" dirty="0"/>
               <a:t>レベル</a:t>
             </a:r>
           </a:p>
           <a:p>
             <a:pPr lvl="4"/>
             <a:r>
-              <a:rPr lang="ja-JP" altLang="en-US"/>
+              <a:rPr lang="ja-JP" altLang="en-US" dirty="0"/>
               <a:t>第 </a:t>
             </a:r>
             <a:r>
-              <a:rPr lang="en-US" altLang="ja-JP"/>
+              <a:rPr lang="en-US" altLang="ja-JP" dirty="0"/>
               <a:t>5 </a:t>
             </a:r>
             <a:r>
-              <a:rPr lang="ja-JP" altLang="en-US"/>
+              <a:rPr lang="ja-JP" altLang="en-US" dirty="0"/>
               <a:t>レベル</a:t>
             </a:r>
-            <a:endParaRPr lang="ja-JP" altLang="en-US" dirty="0"/>
           </a:p>
         </p:txBody>
       </p:sp>
@@ -929,6 +958,100 @@
   </p:cSld>
   <p:clrMapOvr>
     <a:overrideClrMapping bg1="lt1" tx1="dk1" bg2="lt2" tx2="dk2" accent1="accent1" accent2="accent2" accent3="accent3" accent4="accent4" accent5="accent5" accent6="accent6" hlink="hlink" folHlink="folHlink"/>
+  </p:clrMapOvr>
+</p:sldLayout>
+</file>
+
+<file path=ppt/slideLayouts/slideLayout12.xml><?xml version="1.0" encoding="utf-8"?>
+<p:sldLayout xmlns:a="http://schemas.openxmlformats.org/drawingml/2006/main" xmlns:r="http://schemas.openxmlformats.org/officeDocument/2006/relationships" xmlns:p="http://schemas.openxmlformats.org/presentationml/2006/main" preserve="1" userDrawn="1">
+  <p:cSld name="ユーザー設定レイアウト">
+    <p:spTree>
+      <p:nvGrpSpPr>
+        <p:cNvPr id="1" name=""/>
+        <p:cNvGrpSpPr/>
+        <p:nvPr/>
+      </p:nvGrpSpPr>
+      <p:grpSpPr>
+        <a:xfrm>
+          <a:off x="0" y="0"/>
+          <a:ext cx="0" cy="0"/>
+          <a:chOff x="0" y="0"/>
+          <a:chExt cx="0" cy="0"/>
+        </a:xfrm>
+      </p:grpSpPr>
+      <p:sp>
+        <p:nvSpPr>
+          <p:cNvPr id="2" name="タイトル 1">
+            <a:extLst>
+              <a:ext uri="{FF2B5EF4-FFF2-40B4-BE49-F238E27FC236}">
+                <a16:creationId xmlns:a16="http://schemas.microsoft.com/office/drawing/2014/main" id="{6A846BDE-3CDF-4409-2488-723EF2BB47D7}"/>
+              </a:ext>
+            </a:extLst>
+          </p:cNvPr>
+          <p:cNvSpPr>
+            <a:spLocks noGrp="1"/>
+          </p:cNvSpPr>
+          <p:nvPr>
+            <p:ph type="title"/>
+          </p:nvPr>
+        </p:nvSpPr>
+        <p:spPr/>
+        <p:txBody>
+          <a:bodyPr/>
+          <a:lstStyle>
+            <a:lvl1pPr>
+              <a:defRPr>
+                <a:latin typeface="BIZ UDPゴシック" panose="020B0400000000000000" pitchFamily="50" charset="-128"/>
+                <a:ea typeface="BIZ UDPゴシック" panose="020B0400000000000000" pitchFamily="50" charset="-128"/>
+              </a:defRPr>
+            </a:lvl1pPr>
+          </a:lstStyle>
+          <a:p>
+            <a:r>
+              <a:rPr kumimoji="1" lang="ja-JP" altLang="en-US" dirty="0"/>
+              <a:t>マスター タイトルの書式設定</a:t>
+            </a:r>
+          </a:p>
+        </p:txBody>
+      </p:sp>
+      <p:sp>
+        <p:nvSpPr>
+          <p:cNvPr id="3" name="スライド番号プレースホルダー 2">
+            <a:extLst>
+              <a:ext uri="{FF2B5EF4-FFF2-40B4-BE49-F238E27FC236}">
+                <a16:creationId xmlns:a16="http://schemas.microsoft.com/office/drawing/2014/main" id="{9EC4E2DD-12EB-C728-E4CE-E0B6A69F2A76}"/>
+              </a:ext>
+            </a:extLst>
+          </p:cNvPr>
+          <p:cNvSpPr>
+            <a:spLocks noGrp="1"/>
+          </p:cNvSpPr>
+          <p:nvPr>
+            <p:ph type="sldNum" sz="quarter" idx="10"/>
+          </p:nvPr>
+        </p:nvSpPr>
+        <p:spPr/>
+        <p:txBody>
+          <a:bodyPr/>
+          <a:lstStyle/>
+          <a:p>
+            <a:fld id="{D2D8002D-B5B0-4BAC-B1F6-782DDCCE6D9C}" type="slidenum">
+              <a:rPr kumimoji="1" lang="ja-JP" altLang="en-US" smtClean="0"/>
+              <a:t>‹#›</a:t>
+            </a:fld>
+            <a:endParaRPr kumimoji="1" lang="ja-JP" altLang="en-US"/>
+          </a:p>
+        </p:txBody>
+      </p:sp>
+    </p:spTree>
+    <p:extLst>
+      <p:ext uri="{BB962C8B-B14F-4D97-AF65-F5344CB8AC3E}">
+        <p14:creationId xmlns:p14="http://schemas.microsoft.com/office/powerpoint/2010/main" val="2934434468"/>
+      </p:ext>
+    </p:extLst>
+  </p:cSld>
+  <p:clrMapOvr>
+    <a:masterClrMapping/>
   </p:clrMapOvr>
 </p:sldLayout>
 </file>
@@ -4004,6 +4127,7 @@
     <p:sldLayoutId id="2147483669" r:id="rId9"/>
     <p:sldLayoutId id="2147483670" r:id="rId10"/>
     <p:sldLayoutId id="2147483671" r:id="rId11"/>
+    <p:sldLayoutId id="2147483672" r:id="rId12"/>
   </p:sldLayoutIdLst>
   <p:hf hdr="0" ftr="0" dt="0"/>
   <p:txStyles>
@@ -4022,8 +4146,8 @@
           <a:solidFill>
             <a:schemeClr val="tx1"/>
           </a:solidFill>
-          <a:latin typeface="Segoe UI" panose="020B0502040204020203" pitchFamily="34" charset="0"/>
-          <a:ea typeface="游ゴシック Medium" panose="020B0500000000000000" pitchFamily="50" charset="-128"/>
+          <a:latin typeface="BIZ UDPゴシック" panose="020B0400000000000000" pitchFamily="50" charset="-128"/>
+          <a:ea typeface="BIZ UDPゴシック" panose="020B0400000000000000" pitchFamily="50" charset="-128"/>
           <a:cs typeface="+mj-cs"/>
         </a:defRPr>
       </a:lvl1pPr>
@@ -4502,12 +4626,24 @@
             <p:ph type="subTitle" idx="1"/>
           </p:nvPr>
         </p:nvSpPr>
-        <p:spPr/>
+        <p:spPr>
+          <a:xfrm>
+            <a:off x="2238555" y="3399656"/>
+            <a:ext cx="4666890" cy="1760555"/>
+          </a:xfrm>
+        </p:spPr>
         <p:txBody>
           <a:bodyPr/>
           <a:lstStyle/>
           <a:p>
-            <a:endParaRPr kumimoji="1" lang="ja-JP" altLang="en-US"/>
+            <a:r>
+              <a:rPr kumimoji="1" lang="en-US" altLang="ja-JP" dirty="0"/>
+              <a:t>T-5-16 </a:t>
+            </a:r>
+            <a:r>
+              <a:rPr kumimoji="1" lang="ja-JP" altLang="en-US" dirty="0"/>
+              <a:t>下沢 亮太郎</a:t>
+            </a:r>
           </a:p>
         </p:txBody>
       </p:sp>
@@ -4527,12 +4663,51 @@
             <p:ph type="title"/>
           </p:nvPr>
         </p:nvSpPr>
-        <p:spPr/>
+        <p:spPr>
+          <a:xfrm>
+            <a:off x="24647" y="1135838"/>
+            <a:ext cx="9122007" cy="1905000"/>
+          </a:xfrm>
+        </p:spPr>
         <p:txBody>
           <a:bodyPr/>
           <a:lstStyle/>
           <a:p>
-            <a:endParaRPr kumimoji="1" lang="ja-JP" altLang="en-US"/>
+            <a:pPr algn="ctr"/>
+            <a:r>
+              <a:rPr kumimoji="1" lang="ja-JP" altLang="en-US" dirty="0">
+                <a:latin typeface="BIZ UDPゴシック" panose="020B0400000000000000" pitchFamily="50" charset="-128"/>
+                <a:ea typeface="BIZ UDPゴシック" panose="020B0400000000000000" pitchFamily="50" charset="-128"/>
+              </a:rPr>
+              <a:t>クロスレイヤシミュレータにおける</a:t>
+            </a:r>
+            <a:br>
+              <a:rPr kumimoji="1" lang="en-US" altLang="ja-JP" dirty="0">
+                <a:latin typeface="BIZ UDPゴシック" panose="020B0400000000000000" pitchFamily="50" charset="-128"/>
+                <a:ea typeface="BIZ UDPゴシック" panose="020B0400000000000000" pitchFamily="50" charset="-128"/>
+              </a:rPr>
+            </a:br>
+            <a:r>
+              <a:rPr kumimoji="1" lang="ja-JP" altLang="en-US" dirty="0">
+                <a:latin typeface="BIZ UDPゴシック" panose="020B0400000000000000" pitchFamily="50" charset="-128"/>
+                <a:ea typeface="BIZ UDPゴシック" panose="020B0400000000000000" pitchFamily="50" charset="-128"/>
+              </a:rPr>
+              <a:t>無線</a:t>
+            </a:r>
+            <a:r>
+              <a:rPr kumimoji="1" lang="en-US" altLang="ja-JP" dirty="0">
+                <a:latin typeface="BIZ UDPゴシック" panose="020B0400000000000000" pitchFamily="50" charset="-128"/>
+                <a:ea typeface="BIZ UDPゴシック" panose="020B0400000000000000" pitchFamily="50" charset="-128"/>
+              </a:rPr>
+              <a:t>LAN</a:t>
+            </a:r>
+            <a:r>
+              <a:rPr kumimoji="1" lang="ja-JP" altLang="en-US" dirty="0">
+                <a:latin typeface="BIZ UDPゴシック" panose="020B0400000000000000" pitchFamily="50" charset="-128"/>
+                <a:ea typeface="BIZ UDPゴシック" panose="020B0400000000000000" pitchFamily="50" charset="-128"/>
+              </a:rPr>
+              <a:t>評価モデルの検討</a:t>
+            </a:r>
           </a:p>
         </p:txBody>
       </p:sp>
@@ -4547,6 +4722,2893 @@
     <a:masterClrMapping/>
   </p:clrMapOvr>
 </p:sld>
+</file>
+
+<file path=ppt/slides/slide10.xml><?xml version="1.0" encoding="utf-8"?>
+<p:sld xmlns:a="http://schemas.openxmlformats.org/drawingml/2006/main" xmlns:r="http://schemas.openxmlformats.org/officeDocument/2006/relationships" xmlns:p="http://schemas.openxmlformats.org/presentationml/2006/main">
+  <p:cSld>
+    <p:spTree>
+      <p:nvGrpSpPr>
+        <p:cNvPr id="1" name="">
+          <a:extLst>
+            <a:ext uri="{FF2B5EF4-FFF2-40B4-BE49-F238E27FC236}">
+              <a16:creationId xmlns:a16="http://schemas.microsoft.com/office/drawing/2014/main" id="{2FE0F538-E07F-4259-73D8-4FEABCD07590}"/>
+            </a:ext>
+          </a:extLst>
+        </p:cNvPr>
+        <p:cNvGrpSpPr/>
+        <p:nvPr/>
+      </p:nvGrpSpPr>
+      <p:grpSpPr>
+        <a:xfrm>
+          <a:off x="0" y="0"/>
+          <a:ext cx="0" cy="0"/>
+          <a:chOff x="0" y="0"/>
+          <a:chExt cx="0" cy="0"/>
+        </a:xfrm>
+      </p:grpSpPr>
+      <p:sp>
+        <p:nvSpPr>
+          <p:cNvPr id="2" name="コンテンツ プレースホルダー 1">
+            <a:extLst>
+              <a:ext uri="{FF2B5EF4-FFF2-40B4-BE49-F238E27FC236}">
+                <a16:creationId xmlns:a16="http://schemas.microsoft.com/office/drawing/2014/main" id="{B6F6704A-6D90-C400-713A-ED599B6A8BFA}"/>
+              </a:ext>
+            </a:extLst>
+          </p:cNvPr>
+          <p:cNvSpPr>
+            <a:spLocks noGrp="1"/>
+          </p:cNvSpPr>
+          <p:nvPr>
+            <p:ph idx="1"/>
+          </p:nvPr>
+        </p:nvSpPr>
+        <p:spPr>
+          <a:xfrm>
+            <a:off x="457872" y="1561514"/>
+            <a:ext cx="8002560" cy="4943446"/>
+          </a:xfrm>
+        </p:spPr>
+        <p:txBody>
+          <a:bodyPr/>
+          <a:lstStyle/>
+          <a:p>
+            <a:r>
+              <a:rPr kumimoji="1" lang="en-US" altLang="ja-JP" dirty="0">
+                <a:latin typeface="BIZ UDPゴシック" panose="020B0400000000000000" pitchFamily="50" charset="-128"/>
+                <a:ea typeface="BIZ UDPゴシック" panose="020B0400000000000000" pitchFamily="50" charset="-128"/>
+              </a:rPr>
+              <a:t>IEEE802.11a, 24Mbps</a:t>
+            </a:r>
+            <a:r>
+              <a:rPr kumimoji="1" lang="ja-JP" altLang="en-US" dirty="0">
+                <a:latin typeface="BIZ UDPゴシック" panose="020B0400000000000000" pitchFamily="50" charset="-128"/>
+                <a:ea typeface="BIZ UDPゴシック" panose="020B0400000000000000" pitchFamily="50" charset="-128"/>
+              </a:rPr>
+              <a:t>固定で端末数</a:t>
+            </a:r>
+            <a:r>
+              <a:rPr kumimoji="1" lang="en-US" altLang="ja-JP" dirty="0">
+                <a:latin typeface="BIZ UDPゴシック" panose="020B0400000000000000" pitchFamily="50" charset="-128"/>
+                <a:ea typeface="BIZ UDPゴシック" panose="020B0400000000000000" pitchFamily="50" charset="-128"/>
+              </a:rPr>
+              <a:t>1</a:t>
+            </a:r>
+            <a:r>
+              <a:rPr kumimoji="1" lang="ja-JP" altLang="en-US" dirty="0">
+                <a:latin typeface="BIZ UDPゴシック" panose="020B0400000000000000" pitchFamily="50" charset="-128"/>
+                <a:ea typeface="BIZ UDPゴシック" panose="020B0400000000000000" pitchFamily="50" charset="-128"/>
+              </a:rPr>
+              <a:t>～</a:t>
+            </a:r>
+            <a:r>
+              <a:rPr kumimoji="1" lang="en-US" altLang="ja-JP" dirty="0">
+                <a:latin typeface="BIZ UDPゴシック" panose="020B0400000000000000" pitchFamily="50" charset="-128"/>
+                <a:ea typeface="BIZ UDPゴシック" panose="020B0400000000000000" pitchFamily="50" charset="-128"/>
+              </a:rPr>
+              <a:t>80</a:t>
+            </a:r>
+            <a:r>
+              <a:rPr kumimoji="1" lang="ja-JP" altLang="en-US" dirty="0">
+                <a:latin typeface="BIZ UDPゴシック" panose="020B0400000000000000" pitchFamily="50" charset="-128"/>
+                <a:ea typeface="BIZ UDPゴシック" panose="020B0400000000000000" pitchFamily="50" charset="-128"/>
+              </a:rPr>
+              <a:t>台で</a:t>
+            </a:r>
+            <a:r>
+              <a:rPr kumimoji="1" lang="en-US" altLang="ja-JP" dirty="0">
+                <a:latin typeface="BIZ UDPゴシック" panose="020B0400000000000000" pitchFamily="50" charset="-128"/>
+                <a:ea typeface="BIZ UDPゴシック" panose="020B0400000000000000" pitchFamily="50" charset="-128"/>
+              </a:rPr>
+              <a:t>10</a:t>
+            </a:r>
+            <a:r>
+              <a:rPr lang="ja-JP" altLang="en-US" dirty="0">
+                <a:latin typeface="BIZ UDPゴシック" panose="020B0400000000000000" pitchFamily="50" charset="-128"/>
+                <a:ea typeface="BIZ UDPゴシック" panose="020B0400000000000000" pitchFamily="50" charset="-128"/>
+              </a:rPr>
+              <a:t>づつ変化させ</a:t>
+            </a:r>
+            <a:r>
+              <a:rPr lang="en-US" altLang="ja-JP" dirty="0">
+                <a:latin typeface="BIZ UDPゴシック" panose="020B0400000000000000" pitchFamily="50" charset="-128"/>
+                <a:ea typeface="BIZ UDPゴシック" panose="020B0400000000000000" pitchFamily="50" charset="-128"/>
+              </a:rPr>
+              <a:t>1000</a:t>
+            </a:r>
+            <a:r>
+              <a:rPr lang="ja-JP" altLang="en-US" dirty="0">
+                <a:latin typeface="BIZ UDPゴシック" panose="020B0400000000000000" pitchFamily="50" charset="-128"/>
+                <a:ea typeface="BIZ UDPゴシック" panose="020B0400000000000000" pitchFamily="50" charset="-128"/>
+              </a:rPr>
+              <a:t>回行った平均をプロットした</a:t>
+            </a:r>
+            <a:r>
+              <a:rPr lang="en-US" altLang="ja-JP" dirty="0">
+                <a:latin typeface="BIZ UDPゴシック" panose="020B0400000000000000" pitchFamily="50" charset="-128"/>
+                <a:ea typeface="BIZ UDPゴシック" panose="020B0400000000000000" pitchFamily="50" charset="-128"/>
+              </a:rPr>
+              <a:t>.</a:t>
+            </a:r>
+          </a:p>
+          <a:p>
+            <a:endParaRPr kumimoji="1" lang="en-US" altLang="ja-JP" dirty="0">
+              <a:latin typeface="BIZ UDPゴシック" panose="020B0400000000000000" pitchFamily="50" charset="-128"/>
+              <a:ea typeface="BIZ UDPゴシック" panose="020B0400000000000000" pitchFamily="50" charset="-128"/>
+            </a:endParaRPr>
+          </a:p>
+          <a:p>
+            <a:r>
+              <a:rPr lang="ja-JP" altLang="en-US" dirty="0">
+                <a:latin typeface="BIZ UDPゴシック" panose="020B0400000000000000" pitchFamily="50" charset="-128"/>
+                <a:ea typeface="BIZ UDPゴシック" panose="020B0400000000000000" pitchFamily="50" charset="-128"/>
+              </a:rPr>
+              <a:t>参考値は文献を元にシミュレーションした値と比較を行った</a:t>
+            </a:r>
+            <a:r>
+              <a:rPr lang="en-US" altLang="ja-JP" dirty="0">
+                <a:latin typeface="BIZ UDPゴシック" panose="020B0400000000000000" pitchFamily="50" charset="-128"/>
+                <a:ea typeface="BIZ UDPゴシック" panose="020B0400000000000000" pitchFamily="50" charset="-128"/>
+              </a:rPr>
+              <a:t>.</a:t>
+            </a:r>
+            <a:endParaRPr kumimoji="1" lang="ja-JP" altLang="en-US" dirty="0">
+              <a:latin typeface="BIZ UDPゴシック" panose="020B0400000000000000" pitchFamily="50" charset="-128"/>
+              <a:ea typeface="BIZ UDPゴシック" panose="020B0400000000000000" pitchFamily="50" charset="-128"/>
+            </a:endParaRPr>
+          </a:p>
+        </p:txBody>
+      </p:sp>
+      <p:sp>
+        <p:nvSpPr>
+          <p:cNvPr id="3" name="タイトル 2">
+            <a:extLst>
+              <a:ext uri="{FF2B5EF4-FFF2-40B4-BE49-F238E27FC236}">
+                <a16:creationId xmlns:a16="http://schemas.microsoft.com/office/drawing/2014/main" id="{9CB9116B-A045-9A8C-6831-14EFCB9F0071}"/>
+              </a:ext>
+            </a:extLst>
+          </p:cNvPr>
+          <p:cNvSpPr>
+            <a:spLocks noGrp="1"/>
+          </p:cNvSpPr>
+          <p:nvPr>
+            <p:ph type="title"/>
+          </p:nvPr>
+        </p:nvSpPr>
+        <p:spPr/>
+        <p:txBody>
+          <a:bodyPr/>
+          <a:lstStyle/>
+          <a:p>
+            <a:r>
+              <a:rPr kumimoji="1" lang="ja-JP" altLang="en-US" dirty="0">
+                <a:latin typeface="BIZ UDPゴシック" panose="020B0400000000000000" pitchFamily="50" charset="-128"/>
+                <a:ea typeface="BIZ UDPゴシック" panose="020B0400000000000000" pitchFamily="50" charset="-128"/>
+              </a:rPr>
+              <a:t>シミュレーション</a:t>
+            </a:r>
+            <a:r>
+              <a:rPr kumimoji="1" lang="en-US" altLang="ja-JP" dirty="0">
+                <a:latin typeface="BIZ UDPゴシック" panose="020B0400000000000000" pitchFamily="50" charset="-128"/>
+                <a:ea typeface="BIZ UDPゴシック" panose="020B0400000000000000" pitchFamily="50" charset="-128"/>
+              </a:rPr>
+              <a:t>1 </a:t>
+            </a:r>
+            <a:r>
+              <a:rPr kumimoji="1" lang="ja-JP" altLang="en-US" dirty="0">
+                <a:latin typeface="BIZ UDPゴシック" panose="020B0400000000000000" pitchFamily="50" charset="-128"/>
+                <a:ea typeface="BIZ UDPゴシック" panose="020B0400000000000000" pitchFamily="50" charset="-128"/>
+              </a:rPr>
+              <a:t>概要</a:t>
+            </a:r>
+          </a:p>
+        </p:txBody>
+      </p:sp>
+      <p:sp>
+        <p:nvSpPr>
+          <p:cNvPr id="4" name="スライド番号プレースホルダー 3">
+            <a:extLst>
+              <a:ext uri="{FF2B5EF4-FFF2-40B4-BE49-F238E27FC236}">
+                <a16:creationId xmlns:a16="http://schemas.microsoft.com/office/drawing/2014/main" id="{B927F47D-1EF9-011D-4763-E183171326AC}"/>
+              </a:ext>
+            </a:extLst>
+          </p:cNvPr>
+          <p:cNvSpPr>
+            <a:spLocks noGrp="1"/>
+          </p:cNvSpPr>
+          <p:nvPr>
+            <p:ph type="sldNum" sz="quarter" idx="10"/>
+          </p:nvPr>
+        </p:nvSpPr>
+        <p:spPr/>
+        <p:txBody>
+          <a:bodyPr/>
+          <a:lstStyle/>
+          <a:p>
+            <a:fld id="{D2D8002D-B5B0-4BAC-B1F6-782DDCCE6D9C}" type="slidenum">
+              <a:rPr kumimoji="1" lang="ja-JP" altLang="en-US" smtClean="0"/>
+              <a:t>10</a:t>
+            </a:fld>
+            <a:endParaRPr kumimoji="1" lang="ja-JP" altLang="en-US"/>
+          </a:p>
+        </p:txBody>
+      </p:sp>
+      <p:sp>
+        <p:nvSpPr>
+          <p:cNvPr id="5" name="テキスト ボックス 4">
+            <a:extLst>
+              <a:ext uri="{FF2B5EF4-FFF2-40B4-BE49-F238E27FC236}">
+                <a16:creationId xmlns:a16="http://schemas.microsoft.com/office/drawing/2014/main" id="{A3E6C40E-A84A-7BB9-B988-E01F851283AE}"/>
+              </a:ext>
+            </a:extLst>
+          </p:cNvPr>
+          <p:cNvSpPr txBox="1"/>
+          <p:nvPr/>
+        </p:nvSpPr>
+        <p:spPr>
+          <a:xfrm>
+            <a:off x="172803" y="6128679"/>
+            <a:ext cx="8362600" cy="738664"/>
+          </a:xfrm>
+          <a:prstGeom prst="rect">
+            <a:avLst/>
+          </a:prstGeom>
+          <a:noFill/>
+        </p:spPr>
+        <p:txBody>
+          <a:bodyPr wrap="square" rtlCol="0">
+            <a:spAutoFit/>
+          </a:bodyPr>
+          <a:lstStyle/>
+          <a:p>
+            <a:r>
+              <a:rPr lang="en-GB" altLang="ja-JP" sz="1400" b="0" dirty="0">
+                <a:solidFill>
+                  <a:schemeClr val="tx1">
+                    <a:lumMod val="50000"/>
+                  </a:schemeClr>
+                </a:solidFill>
+                <a:effectLst/>
+                <a:latin typeface="BIZ UDPゴシック" panose="020B0400000000000000" pitchFamily="50" charset="-128"/>
+                <a:ea typeface="BIZ UDPゴシック" panose="020B0400000000000000" pitchFamily="50" charset="-128"/>
+              </a:rPr>
+              <a:t>Y. </a:t>
+            </a:r>
+            <a:r>
+              <a:rPr lang="en-GB" altLang="ja-JP" sz="1400" b="0" dirty="0" err="1">
+                <a:solidFill>
+                  <a:schemeClr val="tx1">
+                    <a:lumMod val="50000"/>
+                  </a:schemeClr>
+                </a:solidFill>
+                <a:effectLst/>
+                <a:latin typeface="BIZ UDPゴシック" panose="020B0400000000000000" pitchFamily="50" charset="-128"/>
+                <a:ea typeface="BIZ UDPゴシック" panose="020B0400000000000000" pitchFamily="50" charset="-128"/>
+              </a:rPr>
+              <a:t>Morino</a:t>
+            </a:r>
+            <a:r>
+              <a:rPr lang="en-GB" altLang="ja-JP" sz="1400" b="0" dirty="0">
+                <a:solidFill>
+                  <a:schemeClr val="tx1">
+                    <a:lumMod val="50000"/>
+                  </a:schemeClr>
+                </a:solidFill>
+                <a:effectLst/>
+                <a:latin typeface="BIZ UDPゴシック" panose="020B0400000000000000" pitchFamily="50" charset="-128"/>
+                <a:ea typeface="BIZ UDPゴシック" panose="020B0400000000000000" pitchFamily="50" charset="-128"/>
+              </a:rPr>
+              <a:t>, T. </a:t>
+            </a:r>
+            <a:r>
+              <a:rPr lang="en-GB" altLang="ja-JP" sz="1400" b="0" dirty="0" err="1">
+                <a:solidFill>
+                  <a:schemeClr val="tx1">
+                    <a:lumMod val="50000"/>
+                  </a:schemeClr>
+                </a:solidFill>
+                <a:effectLst/>
+                <a:latin typeface="BIZ UDPゴシック" panose="020B0400000000000000" pitchFamily="50" charset="-128"/>
+                <a:ea typeface="BIZ UDPゴシック" panose="020B0400000000000000" pitchFamily="50" charset="-128"/>
+              </a:rPr>
+              <a:t>Hiraguri</a:t>
+            </a:r>
+            <a:r>
+              <a:rPr lang="en-GB" altLang="ja-JP" sz="1400" b="0" dirty="0">
+                <a:solidFill>
+                  <a:schemeClr val="tx1">
+                    <a:lumMod val="50000"/>
+                  </a:schemeClr>
+                </a:solidFill>
+                <a:effectLst/>
+                <a:latin typeface="BIZ UDPゴシック" panose="020B0400000000000000" pitchFamily="50" charset="-128"/>
+                <a:ea typeface="BIZ UDPゴシック" panose="020B0400000000000000" pitchFamily="50" charset="-128"/>
+              </a:rPr>
+              <a:t>, H. Yoshino, K. </a:t>
+            </a:r>
+            <a:r>
+              <a:rPr lang="en-GB" altLang="ja-JP" sz="1400" b="0" dirty="0" err="1">
+                <a:solidFill>
+                  <a:schemeClr val="tx1">
+                    <a:lumMod val="50000"/>
+                  </a:schemeClr>
+                </a:solidFill>
+                <a:effectLst/>
+                <a:latin typeface="BIZ UDPゴシック" panose="020B0400000000000000" pitchFamily="50" charset="-128"/>
+                <a:ea typeface="BIZ UDPゴシック" panose="020B0400000000000000" pitchFamily="50" charset="-128"/>
+              </a:rPr>
+              <a:t>Nishimori</a:t>
+            </a:r>
+            <a:r>
+              <a:rPr lang="en-GB" altLang="ja-JP" sz="1400" b="0" dirty="0">
+                <a:solidFill>
+                  <a:schemeClr val="tx1">
+                    <a:lumMod val="50000"/>
+                  </a:schemeClr>
+                </a:solidFill>
+                <a:effectLst/>
+                <a:latin typeface="BIZ UDPゴシック" panose="020B0400000000000000" pitchFamily="50" charset="-128"/>
+                <a:ea typeface="BIZ UDPゴシック" panose="020B0400000000000000" pitchFamily="50" charset="-128"/>
+              </a:rPr>
+              <a:t>, T. Matsuda, ``A Novel Collision Avoidance Scheme Using Optimized Contention Window in Dense Wireless LAN Environments‘’ </a:t>
+            </a:r>
+            <a:r>
+              <a:rPr lang="en-GB" altLang="ja-JP" sz="1400" b="0" i="1" dirty="0">
+                <a:solidFill>
+                  <a:schemeClr val="tx1">
+                    <a:lumMod val="50000"/>
+                  </a:schemeClr>
+                </a:solidFill>
+                <a:effectLst/>
+                <a:latin typeface="BIZ UDPゴシック" panose="020B0400000000000000" pitchFamily="50" charset="-128"/>
+                <a:ea typeface="BIZ UDPゴシック" panose="020B0400000000000000" pitchFamily="50" charset="-128"/>
+              </a:rPr>
+              <a:t>IEICE TRANS. COMMUN.</a:t>
+            </a:r>
+            <a:r>
+              <a:rPr lang="ja-JP" altLang="en-US" sz="1400" i="1" dirty="0">
+                <a:solidFill>
+                  <a:schemeClr val="tx1">
+                    <a:lumMod val="50000"/>
+                  </a:schemeClr>
+                </a:solidFill>
+                <a:latin typeface="BIZ UDPゴシック" panose="020B0400000000000000" pitchFamily="50" charset="-128"/>
+                <a:ea typeface="BIZ UDPゴシック" panose="020B0400000000000000" pitchFamily="50" charset="-128"/>
+              </a:rPr>
+              <a:t>　</a:t>
+            </a:r>
+            <a:r>
+              <a:rPr lang="en-GB" altLang="ja-JP" sz="1400" b="0" dirty="0">
+                <a:solidFill>
+                  <a:schemeClr val="tx1">
+                    <a:lumMod val="50000"/>
+                  </a:schemeClr>
+                </a:solidFill>
+                <a:effectLst/>
+                <a:latin typeface="BIZ UDPゴシック" panose="020B0400000000000000" pitchFamily="50" charset="-128"/>
+                <a:ea typeface="BIZ UDPゴシック" panose="020B0400000000000000" pitchFamily="50" charset="-128"/>
+              </a:rPr>
+              <a:t>, VOL.E99-B, NO.11 NOVEMBER 2016</a:t>
+            </a:r>
+          </a:p>
+        </p:txBody>
+      </p:sp>
+    </p:spTree>
+    <p:extLst>
+      <p:ext uri="{BB962C8B-B14F-4D97-AF65-F5344CB8AC3E}">
+        <p14:creationId xmlns:p14="http://schemas.microsoft.com/office/powerpoint/2010/main" val="4057020991"/>
+      </p:ext>
+    </p:extLst>
+  </p:cSld>
+  <p:clrMapOvr>
+    <a:masterClrMapping/>
+  </p:clrMapOvr>
+</p:sld>
+</file>
+
+<file path=ppt/slides/slide11.xml><?xml version="1.0" encoding="utf-8"?>
+<p:sld xmlns:a="http://schemas.openxmlformats.org/drawingml/2006/main" xmlns:r="http://schemas.openxmlformats.org/officeDocument/2006/relationships" xmlns:p="http://schemas.openxmlformats.org/presentationml/2006/main">
+  <p:cSld>
+    <p:spTree>
+      <p:nvGrpSpPr>
+        <p:cNvPr id="1" name="">
+          <a:extLst>
+            <a:ext uri="{FF2B5EF4-FFF2-40B4-BE49-F238E27FC236}">
+              <a16:creationId xmlns:a16="http://schemas.microsoft.com/office/drawing/2014/main" id="{44110E82-7865-DD08-8E02-E5340E5CEE9C}"/>
+            </a:ext>
+          </a:extLst>
+        </p:cNvPr>
+        <p:cNvGrpSpPr/>
+        <p:nvPr/>
+      </p:nvGrpSpPr>
+      <p:grpSpPr>
+        <a:xfrm>
+          <a:off x="0" y="0"/>
+          <a:ext cx="0" cy="0"/>
+          <a:chOff x="0" y="0"/>
+          <a:chExt cx="0" cy="0"/>
+        </a:xfrm>
+      </p:grpSpPr>
+      <p:sp>
+        <p:nvSpPr>
+          <p:cNvPr id="3" name="タイトル 2">
+            <a:extLst>
+              <a:ext uri="{FF2B5EF4-FFF2-40B4-BE49-F238E27FC236}">
+                <a16:creationId xmlns:a16="http://schemas.microsoft.com/office/drawing/2014/main" id="{E013A383-D2DB-7FA7-5DF7-BBEAF4C6AA8C}"/>
+              </a:ext>
+            </a:extLst>
+          </p:cNvPr>
+          <p:cNvSpPr>
+            <a:spLocks noGrp="1"/>
+          </p:cNvSpPr>
+          <p:nvPr>
+            <p:ph type="title"/>
+          </p:nvPr>
+        </p:nvSpPr>
+        <p:spPr/>
+        <p:txBody>
+          <a:bodyPr/>
+          <a:lstStyle/>
+          <a:p>
+            <a:r>
+              <a:rPr kumimoji="1" lang="ja-JP" altLang="en-US" dirty="0">
+                <a:latin typeface="BIZ UDPゴシック" panose="020B0400000000000000" pitchFamily="50" charset="-128"/>
+                <a:ea typeface="BIZ UDPゴシック" panose="020B0400000000000000" pitchFamily="50" charset="-128"/>
+              </a:rPr>
+              <a:t>シミュレーション</a:t>
+            </a:r>
+            <a:r>
+              <a:rPr kumimoji="1" lang="en-US" altLang="ja-JP" dirty="0">
+                <a:latin typeface="BIZ UDPゴシック" panose="020B0400000000000000" pitchFamily="50" charset="-128"/>
+                <a:ea typeface="BIZ UDPゴシック" panose="020B0400000000000000" pitchFamily="50" charset="-128"/>
+              </a:rPr>
+              <a:t>1 </a:t>
+            </a:r>
+            <a:r>
+              <a:rPr kumimoji="1" lang="ja-JP" altLang="en-US" dirty="0"/>
+              <a:t>評価</a:t>
+            </a:r>
+          </a:p>
+        </p:txBody>
+      </p:sp>
+      <p:sp>
+        <p:nvSpPr>
+          <p:cNvPr id="4" name="スライド番号プレースホルダー 3">
+            <a:extLst>
+              <a:ext uri="{FF2B5EF4-FFF2-40B4-BE49-F238E27FC236}">
+                <a16:creationId xmlns:a16="http://schemas.microsoft.com/office/drawing/2014/main" id="{D9849139-4208-B835-D766-896E67790B93}"/>
+              </a:ext>
+            </a:extLst>
+          </p:cNvPr>
+          <p:cNvSpPr>
+            <a:spLocks noGrp="1"/>
+          </p:cNvSpPr>
+          <p:nvPr>
+            <p:ph type="sldNum" sz="quarter" idx="10"/>
+          </p:nvPr>
+        </p:nvSpPr>
+        <p:spPr/>
+        <p:txBody>
+          <a:bodyPr/>
+          <a:lstStyle/>
+          <a:p>
+            <a:fld id="{D2D8002D-B5B0-4BAC-B1F6-782DDCCE6D9C}" type="slidenum">
+              <a:rPr kumimoji="1" lang="ja-JP" altLang="en-US" smtClean="0"/>
+              <a:t>11</a:t>
+            </a:fld>
+            <a:endParaRPr kumimoji="1" lang="ja-JP" altLang="en-US"/>
+          </a:p>
+        </p:txBody>
+      </p:sp>
+      <p:pic>
+        <p:nvPicPr>
+          <p:cNvPr id="6" name="図 5" descr="グラフ, 折れ線グラフ&#10;&#10;AI によって生成されたコンテンツは間違っている可能性があります。">
+            <a:extLst>
+              <a:ext uri="{FF2B5EF4-FFF2-40B4-BE49-F238E27FC236}">
+                <a16:creationId xmlns:a16="http://schemas.microsoft.com/office/drawing/2014/main" id="{429FD1DD-C816-8148-D1AE-EBC5640AECF7}"/>
+              </a:ext>
+            </a:extLst>
+          </p:cNvPr>
+          <p:cNvPicPr>
+            <a:picLocks noChangeAspect="1"/>
+          </p:cNvPicPr>
+          <p:nvPr/>
+        </p:nvPicPr>
+        <p:blipFill>
+          <a:blip r:embed="rId2">
+            <a:extLst>
+              <a:ext uri="{28A0092B-C50C-407E-A947-70E740481C1C}">
+                <a14:useLocalDpi xmlns:a14="http://schemas.microsoft.com/office/drawing/2010/main" val="0"/>
+              </a:ext>
+            </a:extLst>
+          </a:blip>
+          <a:stretch>
+            <a:fillRect/>
+          </a:stretch>
+        </p:blipFill>
+        <p:spPr>
+          <a:xfrm>
+            <a:off x="475433" y="1340768"/>
+            <a:ext cx="8193133" cy="5082862"/>
+          </a:xfrm>
+          <a:prstGeom prst="rect">
+            <a:avLst/>
+          </a:prstGeom>
+        </p:spPr>
+      </p:pic>
+    </p:spTree>
+    <p:extLst>
+      <p:ext uri="{BB962C8B-B14F-4D97-AF65-F5344CB8AC3E}">
+        <p14:creationId xmlns:p14="http://schemas.microsoft.com/office/powerpoint/2010/main" val="3529924986"/>
+      </p:ext>
+    </p:extLst>
+  </p:cSld>
+  <p:clrMapOvr>
+    <a:masterClrMapping/>
+  </p:clrMapOvr>
+</p:sld>
+</file>
+
+<file path=ppt/slides/slide12.xml><?xml version="1.0" encoding="utf-8"?>
+<p:sld xmlns:a="http://schemas.openxmlformats.org/drawingml/2006/main" xmlns:r="http://schemas.openxmlformats.org/officeDocument/2006/relationships" xmlns:p="http://schemas.openxmlformats.org/presentationml/2006/main">
+  <p:cSld>
+    <p:spTree>
+      <p:nvGrpSpPr>
+        <p:cNvPr id="1" name="">
+          <a:extLst>
+            <a:ext uri="{FF2B5EF4-FFF2-40B4-BE49-F238E27FC236}">
+              <a16:creationId xmlns:a16="http://schemas.microsoft.com/office/drawing/2014/main" id="{AEFA28B8-1973-1137-3DE7-A6F7ECBD2282}"/>
+            </a:ext>
+          </a:extLst>
+        </p:cNvPr>
+        <p:cNvGrpSpPr/>
+        <p:nvPr/>
+      </p:nvGrpSpPr>
+      <p:grpSpPr>
+        <a:xfrm>
+          <a:off x="0" y="0"/>
+          <a:ext cx="0" cy="0"/>
+          <a:chOff x="0" y="0"/>
+          <a:chExt cx="0" cy="0"/>
+        </a:xfrm>
+      </p:grpSpPr>
+      <p:sp>
+        <p:nvSpPr>
+          <p:cNvPr id="3" name="タイトル 2">
+            <a:extLst>
+              <a:ext uri="{FF2B5EF4-FFF2-40B4-BE49-F238E27FC236}">
+                <a16:creationId xmlns:a16="http://schemas.microsoft.com/office/drawing/2014/main" id="{53A04FDF-39B0-3FC7-6981-009A554979D8}"/>
+              </a:ext>
+            </a:extLst>
+          </p:cNvPr>
+          <p:cNvSpPr>
+            <a:spLocks noGrp="1"/>
+          </p:cNvSpPr>
+          <p:nvPr>
+            <p:ph type="title"/>
+          </p:nvPr>
+        </p:nvSpPr>
+        <p:spPr/>
+        <p:txBody>
+          <a:bodyPr/>
+          <a:lstStyle/>
+          <a:p>
+            <a:r>
+              <a:rPr kumimoji="1" lang="ja-JP" altLang="en-US" dirty="0">
+                <a:latin typeface="BIZ UDPゴシック" panose="020B0400000000000000" pitchFamily="50" charset="-128"/>
+                <a:ea typeface="BIZ UDPゴシック" panose="020B0400000000000000" pitchFamily="50" charset="-128"/>
+              </a:rPr>
+              <a:t>シミュレーション</a:t>
+            </a:r>
+            <a:r>
+              <a:rPr kumimoji="1" lang="en-US" altLang="ja-JP" dirty="0">
+                <a:latin typeface="BIZ UDPゴシック" panose="020B0400000000000000" pitchFamily="50" charset="-128"/>
+                <a:ea typeface="BIZ UDPゴシック" panose="020B0400000000000000" pitchFamily="50" charset="-128"/>
+              </a:rPr>
+              <a:t>1 </a:t>
+            </a:r>
+            <a:r>
+              <a:rPr kumimoji="1" lang="ja-JP" altLang="en-US" dirty="0"/>
+              <a:t>評価</a:t>
+            </a:r>
+          </a:p>
+        </p:txBody>
+      </p:sp>
+      <p:sp>
+        <p:nvSpPr>
+          <p:cNvPr id="4" name="スライド番号プレースホルダー 3">
+            <a:extLst>
+              <a:ext uri="{FF2B5EF4-FFF2-40B4-BE49-F238E27FC236}">
+                <a16:creationId xmlns:a16="http://schemas.microsoft.com/office/drawing/2014/main" id="{E02087B3-FA3F-D288-4445-7A65AFD3AFAD}"/>
+              </a:ext>
+            </a:extLst>
+          </p:cNvPr>
+          <p:cNvSpPr>
+            <a:spLocks noGrp="1"/>
+          </p:cNvSpPr>
+          <p:nvPr>
+            <p:ph type="sldNum" sz="quarter" idx="10"/>
+          </p:nvPr>
+        </p:nvSpPr>
+        <p:spPr/>
+        <p:txBody>
+          <a:bodyPr/>
+          <a:lstStyle/>
+          <a:p>
+            <a:fld id="{D2D8002D-B5B0-4BAC-B1F6-782DDCCE6D9C}" type="slidenum">
+              <a:rPr kumimoji="1" lang="ja-JP" altLang="en-US" smtClean="0"/>
+              <a:t>12</a:t>
+            </a:fld>
+            <a:endParaRPr kumimoji="1" lang="ja-JP" altLang="en-US"/>
+          </a:p>
+        </p:txBody>
+      </p:sp>
+      <p:pic>
+        <p:nvPicPr>
+          <p:cNvPr id="6" name="図 5" descr="グラフ, 折れ線グラフ&#10;&#10;AI によって生成されたコンテンツは間違っている可能性があります。">
+            <a:extLst>
+              <a:ext uri="{FF2B5EF4-FFF2-40B4-BE49-F238E27FC236}">
+                <a16:creationId xmlns:a16="http://schemas.microsoft.com/office/drawing/2014/main" id="{99FA7C2A-5ACB-EB04-F3D1-2352B8726112}"/>
+              </a:ext>
+            </a:extLst>
+          </p:cNvPr>
+          <p:cNvPicPr>
+            <a:picLocks noChangeAspect="1"/>
+          </p:cNvPicPr>
+          <p:nvPr/>
+        </p:nvPicPr>
+        <p:blipFill>
+          <a:blip r:embed="rId2">
+            <a:extLst>
+              <a:ext uri="{28A0092B-C50C-407E-A947-70E740481C1C}">
+                <a14:useLocalDpi xmlns:a14="http://schemas.microsoft.com/office/drawing/2010/main" val="0"/>
+              </a:ext>
+            </a:extLst>
+          </a:blip>
+          <a:stretch>
+            <a:fillRect/>
+          </a:stretch>
+        </p:blipFill>
+        <p:spPr>
+          <a:xfrm>
+            <a:off x="133586" y="1916832"/>
+            <a:ext cx="5450267" cy="3381241"/>
+          </a:xfrm>
+          <a:prstGeom prst="rect">
+            <a:avLst/>
+          </a:prstGeom>
+        </p:spPr>
+      </p:pic>
+      <p:sp>
+        <p:nvSpPr>
+          <p:cNvPr id="2" name="テキスト ボックス 1">
+            <a:extLst>
+              <a:ext uri="{FF2B5EF4-FFF2-40B4-BE49-F238E27FC236}">
+                <a16:creationId xmlns:a16="http://schemas.microsoft.com/office/drawing/2014/main" id="{A3C6957D-FBCF-49A5-D0D0-456B07E4D0A7}"/>
+              </a:ext>
+            </a:extLst>
+          </p:cNvPr>
+          <p:cNvSpPr txBox="1"/>
+          <p:nvPr/>
+        </p:nvSpPr>
+        <p:spPr>
+          <a:xfrm>
+            <a:off x="5485797" y="2564904"/>
+            <a:ext cx="3648088" cy="2431435"/>
+          </a:xfrm>
+          <a:prstGeom prst="rect">
+            <a:avLst/>
+          </a:prstGeom>
+          <a:noFill/>
+        </p:spPr>
+        <p:txBody>
+          <a:bodyPr wrap="square" rtlCol="0">
+            <a:spAutoFit/>
+          </a:bodyPr>
+          <a:lstStyle/>
+          <a:p>
+            <a:pPr marL="285750" indent="-285750">
+              <a:buFont typeface="Arial" panose="020B0604020202020204" pitchFamily="34" charset="0"/>
+              <a:buChar char="•"/>
+            </a:pPr>
+            <a:r>
+              <a:rPr kumimoji="1" lang="ja-JP" altLang="en-US" sz="2000" dirty="0">
+                <a:solidFill>
+                  <a:schemeClr val="tx1">
+                    <a:lumMod val="50000"/>
+                  </a:schemeClr>
+                </a:solidFill>
+                <a:latin typeface="BIZ UDPゴシック" panose="020B0400000000000000" pitchFamily="50" charset="-128"/>
+                <a:ea typeface="BIZ UDPゴシック" panose="020B0400000000000000" pitchFamily="50" charset="-128"/>
+              </a:rPr>
+              <a:t>傾向は概ね一致している</a:t>
+            </a:r>
+            <a:endParaRPr kumimoji="1" lang="en-US" altLang="ja-JP" sz="2000" dirty="0">
+              <a:solidFill>
+                <a:schemeClr val="tx1">
+                  <a:lumMod val="50000"/>
+                </a:schemeClr>
+              </a:solidFill>
+              <a:latin typeface="BIZ UDPゴシック" panose="020B0400000000000000" pitchFamily="50" charset="-128"/>
+              <a:ea typeface="BIZ UDPゴシック" panose="020B0400000000000000" pitchFamily="50" charset="-128"/>
+            </a:endParaRPr>
+          </a:p>
+          <a:p>
+            <a:endParaRPr kumimoji="1" lang="en-US" altLang="ja-JP" sz="1600" dirty="0">
+              <a:solidFill>
+                <a:schemeClr val="tx1">
+                  <a:lumMod val="50000"/>
+                </a:schemeClr>
+              </a:solidFill>
+              <a:latin typeface="BIZ UDPゴシック" panose="020B0400000000000000" pitchFamily="50" charset="-128"/>
+              <a:ea typeface="BIZ UDPゴシック" panose="020B0400000000000000" pitchFamily="50" charset="-128"/>
+            </a:endParaRPr>
+          </a:p>
+          <a:p>
+            <a:pPr marL="285750" indent="-285750">
+              <a:buFont typeface="Arial" panose="020B0604020202020204" pitchFamily="34" charset="0"/>
+              <a:buChar char="•"/>
+            </a:pPr>
+            <a:r>
+              <a:rPr kumimoji="1" lang="ja-JP" altLang="en-US" sz="2000" dirty="0">
+                <a:solidFill>
+                  <a:schemeClr val="tx1">
+                    <a:lumMod val="50000"/>
+                  </a:schemeClr>
+                </a:solidFill>
+                <a:latin typeface="BIZ UDPゴシック" panose="020B0400000000000000" pitchFamily="50" charset="-128"/>
+                <a:ea typeface="BIZ UDPゴシック" panose="020B0400000000000000" pitchFamily="50" charset="-128"/>
+              </a:rPr>
+              <a:t>差が一番大きい</a:t>
+            </a:r>
+            <a:r>
+              <a:rPr kumimoji="1" lang="en-US" altLang="ja-JP" sz="2000" dirty="0">
+                <a:solidFill>
+                  <a:schemeClr val="tx1">
+                    <a:lumMod val="50000"/>
+                  </a:schemeClr>
+                </a:solidFill>
+                <a:latin typeface="BIZ UDPゴシック" panose="020B0400000000000000" pitchFamily="50" charset="-128"/>
+                <a:ea typeface="BIZ UDPゴシック" panose="020B0400000000000000" pitchFamily="50" charset="-128"/>
+              </a:rPr>
+              <a:t>80</a:t>
+            </a:r>
+            <a:r>
+              <a:rPr kumimoji="1" lang="ja-JP" altLang="en-US" sz="2000" dirty="0">
+                <a:solidFill>
+                  <a:schemeClr val="tx1">
+                    <a:lumMod val="50000"/>
+                  </a:schemeClr>
+                </a:solidFill>
+                <a:latin typeface="BIZ UDPゴシック" panose="020B0400000000000000" pitchFamily="50" charset="-128"/>
+                <a:ea typeface="BIZ UDPゴシック" panose="020B0400000000000000" pitchFamily="50" charset="-128"/>
+              </a:rPr>
+              <a:t>台の場合でも誤差が約</a:t>
+            </a:r>
+            <a:r>
+              <a:rPr lang="en-US" altLang="ja-JP" sz="2000" dirty="0">
+                <a:solidFill>
+                  <a:schemeClr val="tx1">
+                    <a:lumMod val="50000"/>
+                  </a:schemeClr>
+                </a:solidFill>
+                <a:latin typeface="BIZ UDPゴシック" panose="020B0400000000000000" pitchFamily="50" charset="-128"/>
+                <a:ea typeface="BIZ UDPゴシック" panose="020B0400000000000000" pitchFamily="50" charset="-128"/>
+              </a:rPr>
+              <a:t>2.75%</a:t>
+            </a:r>
+          </a:p>
+          <a:p>
+            <a:pPr marL="285750" indent="-285750">
+              <a:buFont typeface="Arial" panose="020B0604020202020204" pitchFamily="34" charset="0"/>
+              <a:buChar char="•"/>
+            </a:pPr>
+            <a:endParaRPr kumimoji="1" lang="en-US" altLang="ja-JP" sz="1600" dirty="0">
+              <a:solidFill>
+                <a:schemeClr val="tx1">
+                  <a:lumMod val="50000"/>
+                </a:schemeClr>
+              </a:solidFill>
+              <a:latin typeface="BIZ UDPゴシック" panose="020B0400000000000000" pitchFamily="50" charset="-128"/>
+              <a:ea typeface="BIZ UDPゴシック" panose="020B0400000000000000" pitchFamily="50" charset="-128"/>
+            </a:endParaRPr>
+          </a:p>
+          <a:p>
+            <a:pPr marL="285750" indent="-285750">
+              <a:buFont typeface="Arial" panose="020B0604020202020204" pitchFamily="34" charset="0"/>
+              <a:buChar char="•"/>
+            </a:pPr>
+            <a:r>
+              <a:rPr kumimoji="1" lang="ja-JP" altLang="en-US" sz="2000" dirty="0">
+                <a:solidFill>
+                  <a:schemeClr val="tx1">
+                    <a:lumMod val="50000"/>
+                  </a:schemeClr>
+                </a:solidFill>
+                <a:latin typeface="BIZ UDPゴシック" panose="020B0400000000000000" pitchFamily="50" charset="-128"/>
+                <a:ea typeface="BIZ UDPゴシック" panose="020B0400000000000000" pitchFamily="50" charset="-128"/>
+              </a:rPr>
+              <a:t>差が生まれたのは文献とのモデル化方法の違いが考えられる</a:t>
+            </a:r>
+          </a:p>
+        </p:txBody>
+      </p:sp>
+    </p:spTree>
+    <p:extLst>
+      <p:ext uri="{BB962C8B-B14F-4D97-AF65-F5344CB8AC3E}">
+        <p14:creationId xmlns:p14="http://schemas.microsoft.com/office/powerpoint/2010/main" val="2822520875"/>
+      </p:ext>
+    </p:extLst>
+  </p:cSld>
+  <p:clrMapOvr>
+    <a:masterClrMapping/>
+  </p:clrMapOvr>
+</p:sld>
+</file>
+
+<file path=ppt/slides/slide13.xml><?xml version="1.0" encoding="utf-8"?>
+<p:sld xmlns:a="http://schemas.openxmlformats.org/drawingml/2006/main" xmlns:r="http://schemas.openxmlformats.org/officeDocument/2006/relationships" xmlns:p="http://schemas.openxmlformats.org/presentationml/2006/main">
+  <p:cSld>
+    <p:spTree>
+      <p:nvGrpSpPr>
+        <p:cNvPr id="1" name="">
+          <a:extLst>
+            <a:ext uri="{FF2B5EF4-FFF2-40B4-BE49-F238E27FC236}">
+              <a16:creationId xmlns:a16="http://schemas.microsoft.com/office/drawing/2014/main" id="{10CDBC50-89E7-1112-F8BF-0150C423881F}"/>
+            </a:ext>
+          </a:extLst>
+        </p:cNvPr>
+        <p:cNvGrpSpPr/>
+        <p:nvPr/>
+      </p:nvGrpSpPr>
+      <p:grpSpPr>
+        <a:xfrm>
+          <a:off x="0" y="0"/>
+          <a:ext cx="0" cy="0"/>
+          <a:chOff x="0" y="0"/>
+          <a:chExt cx="0" cy="0"/>
+        </a:xfrm>
+      </p:grpSpPr>
+      <p:sp>
+        <p:nvSpPr>
+          <p:cNvPr id="2" name="コンテンツ プレースホルダー 1">
+            <a:extLst>
+              <a:ext uri="{FF2B5EF4-FFF2-40B4-BE49-F238E27FC236}">
+                <a16:creationId xmlns:a16="http://schemas.microsoft.com/office/drawing/2014/main" id="{20935ACE-2B28-9961-8B47-248B667157E3}"/>
+              </a:ext>
+            </a:extLst>
+          </p:cNvPr>
+          <p:cNvSpPr>
+            <a:spLocks noGrp="1"/>
+          </p:cNvSpPr>
+          <p:nvPr>
+            <p:ph idx="1"/>
+          </p:nvPr>
+        </p:nvSpPr>
+        <p:spPr>
+          <a:xfrm>
+            <a:off x="432000" y="1484784"/>
+            <a:ext cx="8249601" cy="5053771"/>
+          </a:xfrm>
+        </p:spPr>
+        <p:txBody>
+          <a:bodyPr>
+            <a:normAutofit lnSpcReduction="10000"/>
+          </a:bodyPr>
+          <a:lstStyle/>
+          <a:p>
+            <a:r>
+              <a:rPr kumimoji="1" lang="ja-JP" altLang="en-US" dirty="0">
+                <a:latin typeface="BIZ UDPゴシック" panose="020B0400000000000000" pitchFamily="50" charset="-128"/>
+                <a:ea typeface="BIZ UDPゴシック" panose="020B0400000000000000" pitchFamily="50" charset="-128"/>
+              </a:rPr>
+              <a:t>参考にした文献では</a:t>
+            </a:r>
+            <a:r>
+              <a:rPr kumimoji="1" lang="en-US" altLang="ja-JP" dirty="0">
+                <a:latin typeface="BIZ UDPゴシック" panose="020B0400000000000000" pitchFamily="50" charset="-128"/>
+                <a:ea typeface="BIZ UDPゴシック" panose="020B0400000000000000" pitchFamily="50" charset="-128"/>
+              </a:rPr>
+              <a:t>24Mbps</a:t>
+            </a:r>
+            <a:r>
+              <a:rPr kumimoji="1" lang="ja-JP" altLang="en-US" dirty="0">
+                <a:latin typeface="BIZ UDPゴシック" panose="020B0400000000000000" pitchFamily="50" charset="-128"/>
+                <a:ea typeface="BIZ UDPゴシック" panose="020B0400000000000000" pitchFamily="50" charset="-128"/>
+              </a:rPr>
+              <a:t>の場合のみなので他の伝送レートで同じ傾向が出るか確認する</a:t>
+            </a:r>
+            <a:r>
+              <a:rPr kumimoji="1" lang="en-US" altLang="ja-JP" dirty="0">
+                <a:latin typeface="BIZ UDPゴシック" panose="020B0400000000000000" pitchFamily="50" charset="-128"/>
+                <a:ea typeface="BIZ UDPゴシック" panose="020B0400000000000000" pitchFamily="50" charset="-128"/>
+              </a:rPr>
+              <a:t>.</a:t>
+            </a:r>
+          </a:p>
+          <a:p>
+            <a:endParaRPr lang="en-US" altLang="ja-JP" sz="1600" dirty="0">
+              <a:latin typeface="BIZ UDPゴシック" panose="020B0400000000000000" pitchFamily="50" charset="-128"/>
+              <a:ea typeface="BIZ UDPゴシック" panose="020B0400000000000000" pitchFamily="50" charset="-128"/>
+            </a:endParaRPr>
+          </a:p>
+          <a:p>
+            <a:r>
+              <a:rPr kumimoji="1" lang="en-US" altLang="ja-JP" dirty="0">
+                <a:latin typeface="BIZ UDPゴシック" panose="020B0400000000000000" pitchFamily="50" charset="-128"/>
+                <a:ea typeface="BIZ UDPゴシック" panose="020B0400000000000000" pitchFamily="50" charset="-128"/>
+              </a:rPr>
+              <a:t>IEEE 802.11a</a:t>
+            </a:r>
+            <a:r>
+              <a:rPr kumimoji="1" lang="ja-JP" altLang="en-US" dirty="0">
+                <a:latin typeface="BIZ UDPゴシック" panose="020B0400000000000000" pitchFamily="50" charset="-128"/>
+                <a:ea typeface="BIZ UDPゴシック" panose="020B0400000000000000" pitchFamily="50" charset="-128"/>
+              </a:rPr>
+              <a:t>において</a:t>
+            </a:r>
+            <a:r>
+              <a:rPr kumimoji="1" lang="en-US" altLang="ja-JP" dirty="0">
+                <a:latin typeface="BIZ UDPゴシック" panose="020B0400000000000000" pitchFamily="50" charset="-128"/>
+                <a:ea typeface="BIZ UDPゴシック" panose="020B0400000000000000" pitchFamily="50" charset="-128"/>
+              </a:rPr>
+              <a:t>MCS Index</a:t>
+            </a:r>
+            <a:r>
+              <a:rPr kumimoji="1" lang="ja-JP" altLang="en-US" dirty="0">
+                <a:latin typeface="BIZ UDPゴシック" panose="020B0400000000000000" pitchFamily="50" charset="-128"/>
+                <a:ea typeface="BIZ UDPゴシック" panose="020B0400000000000000" pitchFamily="50" charset="-128"/>
+              </a:rPr>
+              <a:t>で定義されている全ての伝送レートでシミュレーションを行った</a:t>
+            </a:r>
+            <a:r>
+              <a:rPr kumimoji="1" lang="en-US" altLang="ja-JP" dirty="0">
+                <a:latin typeface="BIZ UDPゴシック" panose="020B0400000000000000" pitchFamily="50" charset="-128"/>
+                <a:ea typeface="BIZ UDPゴシック" panose="020B0400000000000000" pitchFamily="50" charset="-128"/>
+              </a:rPr>
+              <a:t>.</a:t>
+            </a:r>
+          </a:p>
+          <a:p>
+            <a:endParaRPr lang="en-US" altLang="ja-JP" sz="1600" dirty="0">
+              <a:latin typeface="BIZ UDPゴシック" panose="020B0400000000000000" pitchFamily="50" charset="-128"/>
+              <a:ea typeface="BIZ UDPゴシック" panose="020B0400000000000000" pitchFamily="50" charset="-128"/>
+            </a:endParaRPr>
+          </a:p>
+          <a:p>
+            <a:r>
+              <a:rPr kumimoji="1" lang="ja-JP" altLang="en-US" dirty="0">
+                <a:latin typeface="BIZ UDPゴシック" panose="020B0400000000000000" pitchFamily="50" charset="-128"/>
+                <a:ea typeface="BIZ UDPゴシック" panose="020B0400000000000000" pitchFamily="50" charset="-128"/>
+              </a:rPr>
+              <a:t>全ての伝送レートの場合で端末数</a:t>
+            </a:r>
+            <a:r>
+              <a:rPr kumimoji="1" lang="en-US" altLang="ja-JP" dirty="0">
+                <a:latin typeface="BIZ UDPゴシック" panose="020B0400000000000000" pitchFamily="50" charset="-128"/>
+                <a:ea typeface="BIZ UDPゴシック" panose="020B0400000000000000" pitchFamily="50" charset="-128"/>
+              </a:rPr>
+              <a:t>1</a:t>
+            </a:r>
+            <a:r>
+              <a:rPr kumimoji="1" lang="ja-JP" altLang="en-US" dirty="0">
+                <a:latin typeface="BIZ UDPゴシック" panose="020B0400000000000000" pitchFamily="50" charset="-128"/>
+                <a:ea typeface="BIZ UDPゴシック" panose="020B0400000000000000" pitchFamily="50" charset="-128"/>
+              </a:rPr>
+              <a:t>～</a:t>
+            </a:r>
+            <a:r>
+              <a:rPr kumimoji="1" lang="en-US" altLang="ja-JP" dirty="0">
+                <a:latin typeface="BIZ UDPゴシック" panose="020B0400000000000000" pitchFamily="50" charset="-128"/>
+                <a:ea typeface="BIZ UDPゴシック" panose="020B0400000000000000" pitchFamily="50" charset="-128"/>
+              </a:rPr>
+              <a:t>80</a:t>
+            </a:r>
+            <a:r>
+              <a:rPr kumimoji="1" lang="ja-JP" altLang="en-US" dirty="0">
+                <a:latin typeface="BIZ UDPゴシック" panose="020B0400000000000000" pitchFamily="50" charset="-128"/>
+                <a:ea typeface="BIZ UDPゴシック" panose="020B0400000000000000" pitchFamily="50" charset="-128"/>
+              </a:rPr>
+              <a:t>台で</a:t>
+            </a:r>
+            <a:r>
+              <a:rPr kumimoji="1" lang="en-US" altLang="ja-JP" dirty="0">
+                <a:latin typeface="BIZ UDPゴシック" panose="020B0400000000000000" pitchFamily="50" charset="-128"/>
+                <a:ea typeface="BIZ UDPゴシック" panose="020B0400000000000000" pitchFamily="50" charset="-128"/>
+              </a:rPr>
+              <a:t>10</a:t>
+            </a:r>
+            <a:r>
+              <a:rPr lang="ja-JP" altLang="en-US" dirty="0">
+                <a:latin typeface="BIZ UDPゴシック" panose="020B0400000000000000" pitchFamily="50" charset="-128"/>
+                <a:ea typeface="BIZ UDPゴシック" panose="020B0400000000000000" pitchFamily="50" charset="-128"/>
+              </a:rPr>
+              <a:t>づつ変化させ</a:t>
+            </a:r>
+            <a:r>
+              <a:rPr lang="en-US" altLang="ja-JP" dirty="0">
+                <a:latin typeface="BIZ UDPゴシック" panose="020B0400000000000000" pitchFamily="50" charset="-128"/>
+                <a:ea typeface="BIZ UDPゴシック" panose="020B0400000000000000" pitchFamily="50" charset="-128"/>
+              </a:rPr>
+              <a:t>1000</a:t>
+            </a:r>
+            <a:r>
+              <a:rPr lang="ja-JP" altLang="en-US" dirty="0">
+                <a:latin typeface="BIZ UDPゴシック" panose="020B0400000000000000" pitchFamily="50" charset="-128"/>
+                <a:ea typeface="BIZ UDPゴシック" panose="020B0400000000000000" pitchFamily="50" charset="-128"/>
+              </a:rPr>
+              <a:t>回行った平均をプロットした</a:t>
+            </a:r>
+            <a:r>
+              <a:rPr lang="en-US" altLang="ja-JP" dirty="0">
+                <a:latin typeface="BIZ UDPゴシック" panose="020B0400000000000000" pitchFamily="50" charset="-128"/>
+                <a:ea typeface="BIZ UDPゴシック" panose="020B0400000000000000" pitchFamily="50" charset="-128"/>
+              </a:rPr>
+              <a:t>.</a:t>
+            </a:r>
+          </a:p>
+          <a:p>
+            <a:endParaRPr kumimoji="1" lang="ja-JP" altLang="en-US" dirty="0">
+              <a:latin typeface="BIZ UDPゴシック" panose="020B0400000000000000" pitchFamily="50" charset="-128"/>
+              <a:ea typeface="BIZ UDPゴシック" panose="020B0400000000000000" pitchFamily="50" charset="-128"/>
+            </a:endParaRPr>
+          </a:p>
+        </p:txBody>
+      </p:sp>
+      <p:sp>
+        <p:nvSpPr>
+          <p:cNvPr id="3" name="タイトル 2">
+            <a:extLst>
+              <a:ext uri="{FF2B5EF4-FFF2-40B4-BE49-F238E27FC236}">
+                <a16:creationId xmlns:a16="http://schemas.microsoft.com/office/drawing/2014/main" id="{792DF79F-53EC-6492-27D4-C4CE21260984}"/>
+              </a:ext>
+            </a:extLst>
+          </p:cNvPr>
+          <p:cNvSpPr>
+            <a:spLocks noGrp="1"/>
+          </p:cNvSpPr>
+          <p:nvPr>
+            <p:ph type="title"/>
+          </p:nvPr>
+        </p:nvSpPr>
+        <p:spPr/>
+        <p:txBody>
+          <a:bodyPr/>
+          <a:lstStyle/>
+          <a:p>
+            <a:r>
+              <a:rPr kumimoji="1" lang="ja-JP" altLang="en-US" dirty="0">
+                <a:latin typeface="BIZ UDPゴシック" panose="020B0400000000000000" pitchFamily="50" charset="-128"/>
+                <a:ea typeface="BIZ UDPゴシック" panose="020B0400000000000000" pitchFamily="50" charset="-128"/>
+              </a:rPr>
+              <a:t>シミュレーション</a:t>
+            </a:r>
+            <a:r>
+              <a:rPr kumimoji="1" lang="en-US" altLang="ja-JP" dirty="0">
+                <a:latin typeface="BIZ UDPゴシック" panose="020B0400000000000000" pitchFamily="50" charset="-128"/>
+                <a:ea typeface="BIZ UDPゴシック" panose="020B0400000000000000" pitchFamily="50" charset="-128"/>
+              </a:rPr>
+              <a:t>2 </a:t>
+            </a:r>
+            <a:r>
+              <a:rPr kumimoji="1" lang="ja-JP" altLang="en-US" dirty="0">
+                <a:latin typeface="BIZ UDPゴシック" panose="020B0400000000000000" pitchFamily="50" charset="-128"/>
+                <a:ea typeface="BIZ UDPゴシック" panose="020B0400000000000000" pitchFamily="50" charset="-128"/>
+              </a:rPr>
+              <a:t>概要</a:t>
+            </a:r>
+          </a:p>
+        </p:txBody>
+      </p:sp>
+      <p:sp>
+        <p:nvSpPr>
+          <p:cNvPr id="4" name="スライド番号プレースホルダー 3">
+            <a:extLst>
+              <a:ext uri="{FF2B5EF4-FFF2-40B4-BE49-F238E27FC236}">
+                <a16:creationId xmlns:a16="http://schemas.microsoft.com/office/drawing/2014/main" id="{4A7F6FD0-8C01-A212-5468-756D136C5291}"/>
+              </a:ext>
+            </a:extLst>
+          </p:cNvPr>
+          <p:cNvSpPr>
+            <a:spLocks noGrp="1"/>
+          </p:cNvSpPr>
+          <p:nvPr>
+            <p:ph type="sldNum" sz="quarter" idx="10"/>
+          </p:nvPr>
+        </p:nvSpPr>
+        <p:spPr/>
+        <p:txBody>
+          <a:bodyPr/>
+          <a:lstStyle/>
+          <a:p>
+            <a:fld id="{D2D8002D-B5B0-4BAC-B1F6-782DDCCE6D9C}" type="slidenum">
+              <a:rPr kumimoji="1" lang="ja-JP" altLang="en-US" smtClean="0"/>
+              <a:t>13</a:t>
+            </a:fld>
+            <a:endParaRPr kumimoji="1" lang="ja-JP" altLang="en-US"/>
+          </a:p>
+        </p:txBody>
+      </p:sp>
+    </p:spTree>
+    <p:extLst>
+      <p:ext uri="{BB962C8B-B14F-4D97-AF65-F5344CB8AC3E}">
+        <p14:creationId xmlns:p14="http://schemas.microsoft.com/office/powerpoint/2010/main" val="2778652111"/>
+      </p:ext>
+    </p:extLst>
+  </p:cSld>
+  <p:clrMapOvr>
+    <a:masterClrMapping/>
+  </p:clrMapOvr>
+</p:sld>
+</file>
+
+<file path=ppt/slides/slide14.xml><?xml version="1.0" encoding="utf-8"?>
+<p:sld xmlns:a="http://schemas.openxmlformats.org/drawingml/2006/main" xmlns:r="http://schemas.openxmlformats.org/officeDocument/2006/relationships" xmlns:p="http://schemas.openxmlformats.org/presentationml/2006/main">
+  <p:cSld>
+    <p:spTree>
+      <p:nvGrpSpPr>
+        <p:cNvPr id="1" name="">
+          <a:extLst>
+            <a:ext uri="{FF2B5EF4-FFF2-40B4-BE49-F238E27FC236}">
+              <a16:creationId xmlns:a16="http://schemas.microsoft.com/office/drawing/2014/main" id="{E2F1B8E4-1CC8-0F3C-E652-C13C3A997D35}"/>
+            </a:ext>
+          </a:extLst>
+        </p:cNvPr>
+        <p:cNvGrpSpPr/>
+        <p:nvPr/>
+      </p:nvGrpSpPr>
+      <p:grpSpPr>
+        <a:xfrm>
+          <a:off x="0" y="0"/>
+          <a:ext cx="0" cy="0"/>
+          <a:chOff x="0" y="0"/>
+          <a:chExt cx="0" cy="0"/>
+        </a:xfrm>
+      </p:grpSpPr>
+      <p:sp>
+        <p:nvSpPr>
+          <p:cNvPr id="3" name="タイトル 2">
+            <a:extLst>
+              <a:ext uri="{FF2B5EF4-FFF2-40B4-BE49-F238E27FC236}">
+                <a16:creationId xmlns:a16="http://schemas.microsoft.com/office/drawing/2014/main" id="{166C4C12-8542-B4B7-AB84-9218B191B6DC}"/>
+              </a:ext>
+            </a:extLst>
+          </p:cNvPr>
+          <p:cNvSpPr>
+            <a:spLocks noGrp="1"/>
+          </p:cNvSpPr>
+          <p:nvPr>
+            <p:ph type="title"/>
+          </p:nvPr>
+        </p:nvSpPr>
+        <p:spPr/>
+        <p:txBody>
+          <a:bodyPr/>
+          <a:lstStyle/>
+          <a:p>
+            <a:r>
+              <a:rPr kumimoji="1" lang="ja-JP" altLang="en-US" dirty="0">
+                <a:latin typeface="BIZ UDPゴシック" panose="020B0400000000000000" pitchFamily="50" charset="-128"/>
+                <a:ea typeface="BIZ UDPゴシック" panose="020B0400000000000000" pitchFamily="50" charset="-128"/>
+              </a:rPr>
+              <a:t>シミュレーション</a:t>
+            </a:r>
+            <a:r>
+              <a:rPr kumimoji="1" lang="en-US" altLang="ja-JP" dirty="0">
+                <a:latin typeface="BIZ UDPゴシック" panose="020B0400000000000000" pitchFamily="50" charset="-128"/>
+                <a:ea typeface="BIZ UDPゴシック" panose="020B0400000000000000" pitchFamily="50" charset="-128"/>
+              </a:rPr>
+              <a:t>2 </a:t>
+            </a:r>
+            <a:r>
+              <a:rPr kumimoji="1" lang="ja-JP" altLang="en-US" dirty="0">
+                <a:latin typeface="BIZ UDPゴシック" panose="020B0400000000000000" pitchFamily="50" charset="-128"/>
+                <a:ea typeface="BIZ UDPゴシック" panose="020B0400000000000000" pitchFamily="50" charset="-128"/>
+              </a:rPr>
+              <a:t>評価</a:t>
+            </a:r>
+          </a:p>
+        </p:txBody>
+      </p:sp>
+      <p:sp>
+        <p:nvSpPr>
+          <p:cNvPr id="4" name="スライド番号プレースホルダー 3">
+            <a:extLst>
+              <a:ext uri="{FF2B5EF4-FFF2-40B4-BE49-F238E27FC236}">
+                <a16:creationId xmlns:a16="http://schemas.microsoft.com/office/drawing/2014/main" id="{03E71732-CD46-5ED7-2BBE-1E63F1D98655}"/>
+              </a:ext>
+            </a:extLst>
+          </p:cNvPr>
+          <p:cNvSpPr>
+            <a:spLocks noGrp="1"/>
+          </p:cNvSpPr>
+          <p:nvPr>
+            <p:ph type="sldNum" sz="quarter" idx="10"/>
+          </p:nvPr>
+        </p:nvSpPr>
+        <p:spPr/>
+        <p:txBody>
+          <a:bodyPr/>
+          <a:lstStyle/>
+          <a:p>
+            <a:fld id="{D2D8002D-B5B0-4BAC-B1F6-782DDCCE6D9C}" type="slidenum">
+              <a:rPr kumimoji="1" lang="ja-JP" altLang="en-US" smtClean="0"/>
+              <a:t>14</a:t>
+            </a:fld>
+            <a:endParaRPr kumimoji="1" lang="ja-JP" altLang="en-US"/>
+          </a:p>
+        </p:txBody>
+      </p:sp>
+      <p:pic>
+        <p:nvPicPr>
+          <p:cNvPr id="6" name="図 5" descr="グラフ, 折れ線グラフ&#10;&#10;AI によって生成されたコンテンツは間違っている可能性があります。">
+            <a:extLst>
+              <a:ext uri="{FF2B5EF4-FFF2-40B4-BE49-F238E27FC236}">
+                <a16:creationId xmlns:a16="http://schemas.microsoft.com/office/drawing/2014/main" id="{A73016BB-7BB7-A715-435F-CB4D9C529B38}"/>
+              </a:ext>
+            </a:extLst>
+          </p:cNvPr>
+          <p:cNvPicPr>
+            <a:picLocks noChangeAspect="1"/>
+          </p:cNvPicPr>
+          <p:nvPr/>
+        </p:nvPicPr>
+        <p:blipFill>
+          <a:blip r:embed="rId2">
+            <a:extLst>
+              <a:ext uri="{28A0092B-C50C-407E-A947-70E740481C1C}">
+                <a14:useLocalDpi xmlns:a14="http://schemas.microsoft.com/office/drawing/2010/main" val="0"/>
+              </a:ext>
+            </a:extLst>
+          </a:blip>
+          <a:stretch>
+            <a:fillRect/>
+          </a:stretch>
+        </p:blipFill>
+        <p:spPr>
+          <a:xfrm>
+            <a:off x="580636" y="1412776"/>
+            <a:ext cx="7982728" cy="5065786"/>
+          </a:xfrm>
+          <a:prstGeom prst="rect">
+            <a:avLst/>
+          </a:prstGeom>
+        </p:spPr>
+      </p:pic>
+    </p:spTree>
+    <p:extLst>
+      <p:ext uri="{BB962C8B-B14F-4D97-AF65-F5344CB8AC3E}">
+        <p14:creationId xmlns:p14="http://schemas.microsoft.com/office/powerpoint/2010/main" val="101874019"/>
+      </p:ext>
+    </p:extLst>
+  </p:cSld>
+  <p:clrMapOvr>
+    <a:masterClrMapping/>
+  </p:clrMapOvr>
+</p:sld>
+</file>
+
+<file path=ppt/slides/slide15.xml><?xml version="1.0" encoding="utf-8"?>
+<p:sld xmlns:a="http://schemas.openxmlformats.org/drawingml/2006/main" xmlns:r="http://schemas.openxmlformats.org/officeDocument/2006/relationships" xmlns:p="http://schemas.openxmlformats.org/presentationml/2006/main">
+  <p:cSld>
+    <p:spTree>
+      <p:nvGrpSpPr>
+        <p:cNvPr id="1" name="">
+          <a:extLst>
+            <a:ext uri="{FF2B5EF4-FFF2-40B4-BE49-F238E27FC236}">
+              <a16:creationId xmlns:a16="http://schemas.microsoft.com/office/drawing/2014/main" id="{417A76D7-7473-6153-882D-762B7F8806E5}"/>
+            </a:ext>
+          </a:extLst>
+        </p:cNvPr>
+        <p:cNvGrpSpPr/>
+        <p:nvPr/>
+      </p:nvGrpSpPr>
+      <p:grpSpPr>
+        <a:xfrm>
+          <a:off x="0" y="0"/>
+          <a:ext cx="0" cy="0"/>
+          <a:chOff x="0" y="0"/>
+          <a:chExt cx="0" cy="0"/>
+        </a:xfrm>
+      </p:grpSpPr>
+      <p:sp>
+        <p:nvSpPr>
+          <p:cNvPr id="3" name="タイトル 2">
+            <a:extLst>
+              <a:ext uri="{FF2B5EF4-FFF2-40B4-BE49-F238E27FC236}">
+                <a16:creationId xmlns:a16="http://schemas.microsoft.com/office/drawing/2014/main" id="{FBF46105-ACD3-EEE1-CDAB-9D5D8C6CB2E9}"/>
+              </a:ext>
+            </a:extLst>
+          </p:cNvPr>
+          <p:cNvSpPr>
+            <a:spLocks noGrp="1"/>
+          </p:cNvSpPr>
+          <p:nvPr>
+            <p:ph type="title"/>
+          </p:nvPr>
+        </p:nvSpPr>
+        <p:spPr/>
+        <p:txBody>
+          <a:bodyPr/>
+          <a:lstStyle/>
+          <a:p>
+            <a:r>
+              <a:rPr kumimoji="1" lang="ja-JP" altLang="en-US" dirty="0">
+                <a:latin typeface="BIZ UDPゴシック" panose="020B0400000000000000" pitchFamily="50" charset="-128"/>
+                <a:ea typeface="BIZ UDPゴシック" panose="020B0400000000000000" pitchFamily="50" charset="-128"/>
+              </a:rPr>
+              <a:t>シミュレーション</a:t>
+            </a:r>
+            <a:r>
+              <a:rPr kumimoji="1" lang="en-US" altLang="ja-JP" dirty="0">
+                <a:latin typeface="BIZ UDPゴシック" panose="020B0400000000000000" pitchFamily="50" charset="-128"/>
+                <a:ea typeface="BIZ UDPゴシック" panose="020B0400000000000000" pitchFamily="50" charset="-128"/>
+              </a:rPr>
+              <a:t>2 </a:t>
+            </a:r>
+            <a:r>
+              <a:rPr kumimoji="1" lang="ja-JP" altLang="en-US" dirty="0">
+                <a:latin typeface="BIZ UDPゴシック" panose="020B0400000000000000" pitchFamily="50" charset="-128"/>
+                <a:ea typeface="BIZ UDPゴシック" panose="020B0400000000000000" pitchFamily="50" charset="-128"/>
+              </a:rPr>
+              <a:t>評価</a:t>
+            </a:r>
+          </a:p>
+        </p:txBody>
+      </p:sp>
+      <p:sp>
+        <p:nvSpPr>
+          <p:cNvPr id="4" name="スライド番号プレースホルダー 3">
+            <a:extLst>
+              <a:ext uri="{FF2B5EF4-FFF2-40B4-BE49-F238E27FC236}">
+                <a16:creationId xmlns:a16="http://schemas.microsoft.com/office/drawing/2014/main" id="{0BD7B5FD-9F50-0770-732E-E6934259F195}"/>
+              </a:ext>
+            </a:extLst>
+          </p:cNvPr>
+          <p:cNvSpPr>
+            <a:spLocks noGrp="1"/>
+          </p:cNvSpPr>
+          <p:nvPr>
+            <p:ph type="sldNum" sz="quarter" idx="10"/>
+          </p:nvPr>
+        </p:nvSpPr>
+        <p:spPr/>
+        <p:txBody>
+          <a:bodyPr/>
+          <a:lstStyle/>
+          <a:p>
+            <a:fld id="{D2D8002D-B5B0-4BAC-B1F6-782DDCCE6D9C}" type="slidenum">
+              <a:rPr kumimoji="1" lang="ja-JP" altLang="en-US" smtClean="0"/>
+              <a:t>15</a:t>
+            </a:fld>
+            <a:endParaRPr kumimoji="1" lang="ja-JP" altLang="en-US"/>
+          </a:p>
+        </p:txBody>
+      </p:sp>
+      <p:pic>
+        <p:nvPicPr>
+          <p:cNvPr id="7" name="図 6" descr="グラフ, 折れ線グラフ&#10;&#10;AI によって生成されたコンテンツは間違っている可能性があります。">
+            <a:extLst>
+              <a:ext uri="{FF2B5EF4-FFF2-40B4-BE49-F238E27FC236}">
+                <a16:creationId xmlns:a16="http://schemas.microsoft.com/office/drawing/2014/main" id="{AD92EECE-BD57-4C63-3B10-852DB1C90E31}"/>
+              </a:ext>
+            </a:extLst>
+          </p:cNvPr>
+          <p:cNvPicPr>
+            <a:picLocks noChangeAspect="1"/>
+          </p:cNvPicPr>
+          <p:nvPr/>
+        </p:nvPicPr>
+        <p:blipFill>
+          <a:blip r:embed="rId2">
+            <a:extLst>
+              <a:ext uri="{28A0092B-C50C-407E-A947-70E740481C1C}">
+                <a14:useLocalDpi xmlns:a14="http://schemas.microsoft.com/office/drawing/2010/main" val="0"/>
+              </a:ext>
+            </a:extLst>
+          </a:blip>
+          <a:stretch>
+            <a:fillRect/>
+          </a:stretch>
+        </p:blipFill>
+        <p:spPr>
+          <a:xfrm>
+            <a:off x="107504" y="1988840"/>
+            <a:ext cx="5446613" cy="3456384"/>
+          </a:xfrm>
+          <a:prstGeom prst="rect">
+            <a:avLst/>
+          </a:prstGeom>
+        </p:spPr>
+      </p:pic>
+      <p:sp>
+        <p:nvSpPr>
+          <p:cNvPr id="8" name="テキスト ボックス 7">
+            <a:extLst>
+              <a:ext uri="{FF2B5EF4-FFF2-40B4-BE49-F238E27FC236}">
+                <a16:creationId xmlns:a16="http://schemas.microsoft.com/office/drawing/2014/main" id="{0BF48449-991C-3976-E259-FF35BC8C5AC9}"/>
+              </a:ext>
+            </a:extLst>
+          </p:cNvPr>
+          <p:cNvSpPr txBox="1"/>
+          <p:nvPr/>
+        </p:nvSpPr>
+        <p:spPr>
+          <a:xfrm>
+            <a:off x="5485797" y="2564904"/>
+            <a:ext cx="3648088" cy="707886"/>
+          </a:xfrm>
+          <a:prstGeom prst="rect">
+            <a:avLst/>
+          </a:prstGeom>
+          <a:noFill/>
+        </p:spPr>
+        <p:txBody>
+          <a:bodyPr wrap="square" rtlCol="0">
+            <a:spAutoFit/>
+          </a:bodyPr>
+          <a:lstStyle/>
+          <a:p>
+            <a:pPr marL="285750" indent="-285750">
+              <a:buFont typeface="Arial" panose="020B0604020202020204" pitchFamily="34" charset="0"/>
+              <a:buChar char="•"/>
+            </a:pPr>
+            <a:r>
+              <a:rPr kumimoji="1" lang="ja-JP" altLang="en-US" sz="2000" dirty="0">
+                <a:solidFill>
+                  <a:schemeClr val="tx1">
+                    <a:lumMod val="50000"/>
+                  </a:schemeClr>
+                </a:solidFill>
+                <a:latin typeface="BIZ UDPゴシック" panose="020B0400000000000000" pitchFamily="50" charset="-128"/>
+                <a:ea typeface="BIZ UDPゴシック" panose="020B0400000000000000" pitchFamily="50" charset="-128"/>
+              </a:rPr>
+              <a:t>どの伝送レートでも同じ傾向が見られる</a:t>
+            </a:r>
+            <a:r>
+              <a:rPr kumimoji="1" lang="en-US" altLang="ja-JP" sz="2000" dirty="0">
+                <a:solidFill>
+                  <a:schemeClr val="tx1">
+                    <a:lumMod val="50000"/>
+                  </a:schemeClr>
+                </a:solidFill>
+                <a:latin typeface="BIZ UDPゴシック" panose="020B0400000000000000" pitchFamily="50" charset="-128"/>
+                <a:ea typeface="BIZ UDPゴシック" panose="020B0400000000000000" pitchFamily="50" charset="-128"/>
+              </a:rPr>
+              <a:t>.</a:t>
+            </a:r>
+            <a:endParaRPr kumimoji="1" lang="ja-JP" altLang="en-US" sz="2000" dirty="0">
+              <a:solidFill>
+                <a:schemeClr val="tx1">
+                  <a:lumMod val="50000"/>
+                </a:schemeClr>
+              </a:solidFill>
+              <a:latin typeface="BIZ UDPゴシック" panose="020B0400000000000000" pitchFamily="50" charset="-128"/>
+              <a:ea typeface="BIZ UDPゴシック" panose="020B0400000000000000" pitchFamily="50" charset="-128"/>
+            </a:endParaRPr>
+          </a:p>
+        </p:txBody>
+      </p:sp>
+    </p:spTree>
+    <p:extLst>
+      <p:ext uri="{BB962C8B-B14F-4D97-AF65-F5344CB8AC3E}">
+        <p14:creationId xmlns:p14="http://schemas.microsoft.com/office/powerpoint/2010/main" val="34638939"/>
+      </p:ext>
+    </p:extLst>
+  </p:cSld>
+  <p:clrMapOvr>
+    <a:masterClrMapping/>
+  </p:clrMapOvr>
+</p:sld>
+</file>
+
+<file path=ppt/slides/slide16.xml><?xml version="1.0" encoding="utf-8"?>
+<p:sld xmlns:a="http://schemas.openxmlformats.org/drawingml/2006/main" xmlns:r="http://schemas.openxmlformats.org/officeDocument/2006/relationships" xmlns:p="http://schemas.openxmlformats.org/presentationml/2006/main">
+  <p:cSld>
+    <p:spTree>
+      <p:nvGrpSpPr>
+        <p:cNvPr id="1" name="">
+          <a:extLst>
+            <a:ext uri="{FF2B5EF4-FFF2-40B4-BE49-F238E27FC236}">
+              <a16:creationId xmlns:a16="http://schemas.microsoft.com/office/drawing/2014/main" id="{96E6721C-A458-DD04-0CB1-CC05F961D8BD}"/>
+            </a:ext>
+          </a:extLst>
+        </p:cNvPr>
+        <p:cNvGrpSpPr/>
+        <p:nvPr/>
+      </p:nvGrpSpPr>
+      <p:grpSpPr>
+        <a:xfrm>
+          <a:off x="0" y="0"/>
+          <a:ext cx="0" cy="0"/>
+          <a:chOff x="0" y="0"/>
+          <a:chExt cx="0" cy="0"/>
+        </a:xfrm>
+      </p:grpSpPr>
+      <p:sp>
+        <p:nvSpPr>
+          <p:cNvPr id="2" name="コンテンツ プレースホルダー 1">
+            <a:extLst>
+              <a:ext uri="{FF2B5EF4-FFF2-40B4-BE49-F238E27FC236}">
+                <a16:creationId xmlns:a16="http://schemas.microsoft.com/office/drawing/2014/main" id="{6099A8B6-058E-51DA-86DE-6B6C8F60CB4D}"/>
+              </a:ext>
+            </a:extLst>
+          </p:cNvPr>
+          <p:cNvSpPr>
+            <a:spLocks noGrp="1"/>
+          </p:cNvSpPr>
+          <p:nvPr>
+            <p:ph idx="1"/>
+          </p:nvPr>
+        </p:nvSpPr>
+        <p:spPr/>
+        <p:txBody>
+          <a:bodyPr/>
+          <a:lstStyle/>
+          <a:p>
+            <a:endParaRPr kumimoji="1" lang="ja-JP" altLang="en-US" dirty="0"/>
+          </a:p>
+        </p:txBody>
+      </p:sp>
+      <p:sp>
+        <p:nvSpPr>
+          <p:cNvPr id="3" name="タイトル 2">
+            <a:extLst>
+              <a:ext uri="{FF2B5EF4-FFF2-40B4-BE49-F238E27FC236}">
+                <a16:creationId xmlns:a16="http://schemas.microsoft.com/office/drawing/2014/main" id="{50A31307-13AD-8DFD-3E6F-000BB962E0E8}"/>
+              </a:ext>
+            </a:extLst>
+          </p:cNvPr>
+          <p:cNvSpPr>
+            <a:spLocks noGrp="1"/>
+          </p:cNvSpPr>
+          <p:nvPr>
+            <p:ph type="title"/>
+          </p:nvPr>
+        </p:nvSpPr>
+        <p:spPr/>
+        <p:txBody>
+          <a:bodyPr/>
+          <a:lstStyle/>
+          <a:p>
+            <a:r>
+              <a:rPr kumimoji="1" lang="ja-JP" altLang="en-US" dirty="0">
+                <a:latin typeface="BIZ UDPゴシック" panose="020B0400000000000000" pitchFamily="50" charset="-128"/>
+                <a:ea typeface="BIZ UDPゴシック" panose="020B0400000000000000" pitchFamily="50" charset="-128"/>
+              </a:rPr>
+              <a:t>今後</a:t>
+            </a:r>
+          </a:p>
+        </p:txBody>
+      </p:sp>
+      <p:sp>
+        <p:nvSpPr>
+          <p:cNvPr id="4" name="スライド番号プレースホルダー 3">
+            <a:extLst>
+              <a:ext uri="{FF2B5EF4-FFF2-40B4-BE49-F238E27FC236}">
+                <a16:creationId xmlns:a16="http://schemas.microsoft.com/office/drawing/2014/main" id="{7D85303D-91FC-411E-36AF-5E81AC67D278}"/>
+              </a:ext>
+            </a:extLst>
+          </p:cNvPr>
+          <p:cNvSpPr>
+            <a:spLocks noGrp="1"/>
+          </p:cNvSpPr>
+          <p:nvPr>
+            <p:ph type="sldNum" sz="quarter" idx="10"/>
+          </p:nvPr>
+        </p:nvSpPr>
+        <p:spPr/>
+        <p:txBody>
+          <a:bodyPr/>
+          <a:lstStyle/>
+          <a:p>
+            <a:fld id="{D2D8002D-B5B0-4BAC-B1F6-782DDCCE6D9C}" type="slidenum">
+              <a:rPr kumimoji="1" lang="ja-JP" altLang="en-US" smtClean="0"/>
+              <a:t>16</a:t>
+            </a:fld>
+            <a:endParaRPr kumimoji="1" lang="ja-JP" altLang="en-US"/>
+          </a:p>
+        </p:txBody>
+      </p:sp>
+    </p:spTree>
+    <p:extLst>
+      <p:ext uri="{BB962C8B-B14F-4D97-AF65-F5344CB8AC3E}">
+        <p14:creationId xmlns:p14="http://schemas.microsoft.com/office/powerpoint/2010/main" val="1153359279"/>
+      </p:ext>
+    </p:extLst>
+  </p:cSld>
+  <p:clrMapOvr>
+    <a:masterClrMapping/>
+  </p:clrMapOvr>
+</p:sld>
+</file>
+
+<file path=ppt/slides/slide17.xml><?xml version="1.0" encoding="utf-8"?>
+<p:sld xmlns:a="http://schemas.openxmlformats.org/drawingml/2006/main" xmlns:r="http://schemas.openxmlformats.org/officeDocument/2006/relationships" xmlns:p="http://schemas.openxmlformats.org/presentationml/2006/main">
+  <p:cSld>
+    <p:spTree>
+      <p:nvGrpSpPr>
+        <p:cNvPr id="1" name="">
+          <a:extLst>
+            <a:ext uri="{FF2B5EF4-FFF2-40B4-BE49-F238E27FC236}">
+              <a16:creationId xmlns:a16="http://schemas.microsoft.com/office/drawing/2014/main" id="{A56BC01D-7D12-71E1-C65F-FC9176FFA25E}"/>
+            </a:ext>
+          </a:extLst>
+        </p:cNvPr>
+        <p:cNvGrpSpPr/>
+        <p:nvPr/>
+      </p:nvGrpSpPr>
+      <p:grpSpPr>
+        <a:xfrm>
+          <a:off x="0" y="0"/>
+          <a:ext cx="0" cy="0"/>
+          <a:chOff x="0" y="0"/>
+          <a:chExt cx="0" cy="0"/>
+        </a:xfrm>
+      </p:grpSpPr>
+      <p:sp>
+        <p:nvSpPr>
+          <p:cNvPr id="2" name="コンテンツ プレースホルダー 1">
+            <a:extLst>
+              <a:ext uri="{FF2B5EF4-FFF2-40B4-BE49-F238E27FC236}">
+                <a16:creationId xmlns:a16="http://schemas.microsoft.com/office/drawing/2014/main" id="{C2E2AEE6-3646-0BF4-E51B-7A9D23340C66}"/>
+              </a:ext>
+            </a:extLst>
+          </p:cNvPr>
+          <p:cNvSpPr>
+            <a:spLocks noGrp="1"/>
+          </p:cNvSpPr>
+          <p:nvPr>
+            <p:ph idx="1"/>
+          </p:nvPr>
+        </p:nvSpPr>
+        <p:spPr/>
+        <p:txBody>
+          <a:bodyPr/>
+          <a:lstStyle/>
+          <a:p>
+            <a:endParaRPr kumimoji="1" lang="ja-JP" altLang="en-US" dirty="0"/>
+          </a:p>
+        </p:txBody>
+      </p:sp>
+      <p:sp>
+        <p:nvSpPr>
+          <p:cNvPr id="3" name="タイトル 2">
+            <a:extLst>
+              <a:ext uri="{FF2B5EF4-FFF2-40B4-BE49-F238E27FC236}">
+                <a16:creationId xmlns:a16="http://schemas.microsoft.com/office/drawing/2014/main" id="{42160CD2-B2F8-A44A-5FEF-31E4209FD604}"/>
+              </a:ext>
+            </a:extLst>
+          </p:cNvPr>
+          <p:cNvSpPr>
+            <a:spLocks noGrp="1"/>
+          </p:cNvSpPr>
+          <p:nvPr>
+            <p:ph type="title"/>
+          </p:nvPr>
+        </p:nvSpPr>
+        <p:spPr/>
+        <p:txBody>
+          <a:bodyPr/>
+          <a:lstStyle/>
+          <a:p>
+            <a:r>
+              <a:rPr kumimoji="1" lang="ja-JP" altLang="en-US" dirty="0">
+                <a:latin typeface="BIZ UDPゴシック" panose="020B0400000000000000" pitchFamily="50" charset="-128"/>
+                <a:ea typeface="BIZ UDPゴシック" panose="020B0400000000000000" pitchFamily="50" charset="-128"/>
+              </a:rPr>
+              <a:t>シミュレーション</a:t>
+            </a:r>
+            <a:r>
+              <a:rPr kumimoji="1" lang="en-US" altLang="ja-JP" dirty="0">
+                <a:latin typeface="BIZ UDPゴシック" panose="020B0400000000000000" pitchFamily="50" charset="-128"/>
+                <a:ea typeface="BIZ UDPゴシック" panose="020B0400000000000000" pitchFamily="50" charset="-128"/>
+              </a:rPr>
+              <a:t>2 </a:t>
+            </a:r>
+            <a:r>
+              <a:rPr kumimoji="1" lang="ja-JP" altLang="en-US" dirty="0">
+                <a:latin typeface="BIZ UDPゴシック" panose="020B0400000000000000" pitchFamily="50" charset="-128"/>
+                <a:ea typeface="BIZ UDPゴシック" panose="020B0400000000000000" pitchFamily="50" charset="-128"/>
+              </a:rPr>
+              <a:t>評価</a:t>
+            </a:r>
+          </a:p>
+        </p:txBody>
+      </p:sp>
+      <p:sp>
+        <p:nvSpPr>
+          <p:cNvPr id="4" name="スライド番号プレースホルダー 3">
+            <a:extLst>
+              <a:ext uri="{FF2B5EF4-FFF2-40B4-BE49-F238E27FC236}">
+                <a16:creationId xmlns:a16="http://schemas.microsoft.com/office/drawing/2014/main" id="{E05102C6-6A4D-47C9-4F84-64E9077CB389}"/>
+              </a:ext>
+            </a:extLst>
+          </p:cNvPr>
+          <p:cNvSpPr>
+            <a:spLocks noGrp="1"/>
+          </p:cNvSpPr>
+          <p:nvPr>
+            <p:ph type="sldNum" sz="quarter" idx="10"/>
+          </p:nvPr>
+        </p:nvSpPr>
+        <p:spPr/>
+        <p:txBody>
+          <a:bodyPr/>
+          <a:lstStyle/>
+          <a:p>
+            <a:fld id="{D2D8002D-B5B0-4BAC-B1F6-782DDCCE6D9C}" type="slidenum">
+              <a:rPr kumimoji="1" lang="ja-JP" altLang="en-US" smtClean="0"/>
+              <a:t>17</a:t>
+            </a:fld>
+            <a:endParaRPr kumimoji="1" lang="ja-JP" altLang="en-US"/>
+          </a:p>
+        </p:txBody>
+      </p:sp>
+    </p:spTree>
+    <p:extLst>
+      <p:ext uri="{BB962C8B-B14F-4D97-AF65-F5344CB8AC3E}">
+        <p14:creationId xmlns:p14="http://schemas.microsoft.com/office/powerpoint/2010/main" val="2267368293"/>
+      </p:ext>
+    </p:extLst>
+  </p:cSld>
+  <p:clrMapOvr>
+    <a:masterClrMapping/>
+  </p:clrMapOvr>
+</p:sld>
+</file>
+
+<file path=ppt/slides/slide2.xml><?xml version="1.0" encoding="utf-8"?>
+<p:sld xmlns:a="http://schemas.openxmlformats.org/drawingml/2006/main" xmlns:r="http://schemas.openxmlformats.org/officeDocument/2006/relationships" xmlns:p="http://schemas.openxmlformats.org/presentationml/2006/main">
+  <p:cSld>
+    <p:spTree>
+      <p:nvGrpSpPr>
+        <p:cNvPr id="1" name=""/>
+        <p:cNvGrpSpPr/>
+        <p:nvPr/>
+      </p:nvGrpSpPr>
+      <p:grpSpPr>
+        <a:xfrm>
+          <a:off x="0" y="0"/>
+          <a:ext cx="0" cy="0"/>
+          <a:chOff x="0" y="0"/>
+          <a:chExt cx="0" cy="0"/>
+        </a:xfrm>
+      </p:grpSpPr>
+      <p:sp>
+        <p:nvSpPr>
+          <p:cNvPr id="2" name="コンテンツ プレースホルダー 1">
+            <a:extLst>
+              <a:ext uri="{FF2B5EF4-FFF2-40B4-BE49-F238E27FC236}">
+                <a16:creationId xmlns:a16="http://schemas.microsoft.com/office/drawing/2014/main" id="{FD21DD23-E211-477C-C8F2-601D6C729D20}"/>
+              </a:ext>
+            </a:extLst>
+          </p:cNvPr>
+          <p:cNvSpPr>
+            <a:spLocks noGrp="1"/>
+          </p:cNvSpPr>
+          <p:nvPr>
+            <p:ph idx="1"/>
+          </p:nvPr>
+        </p:nvSpPr>
+        <p:spPr/>
+        <p:txBody>
+          <a:bodyPr/>
+          <a:lstStyle/>
+          <a:p>
+            <a:endParaRPr kumimoji="1" lang="ja-JP" altLang="en-US"/>
+          </a:p>
+        </p:txBody>
+      </p:sp>
+      <p:sp>
+        <p:nvSpPr>
+          <p:cNvPr id="3" name="タイトル 2">
+            <a:extLst>
+              <a:ext uri="{FF2B5EF4-FFF2-40B4-BE49-F238E27FC236}">
+                <a16:creationId xmlns:a16="http://schemas.microsoft.com/office/drawing/2014/main" id="{AC2366C3-92D4-DCD4-1E97-473306EDC2F5}"/>
+              </a:ext>
+            </a:extLst>
+          </p:cNvPr>
+          <p:cNvSpPr>
+            <a:spLocks noGrp="1"/>
+          </p:cNvSpPr>
+          <p:nvPr>
+            <p:ph type="title"/>
+          </p:nvPr>
+        </p:nvSpPr>
+        <p:spPr/>
+        <p:txBody>
+          <a:bodyPr/>
+          <a:lstStyle/>
+          <a:p>
+            <a:r>
+              <a:rPr kumimoji="1" lang="ja-JP" altLang="en-US" dirty="0">
+                <a:latin typeface="BIZ UDPゴシック" panose="020B0400000000000000" pitchFamily="50" charset="-128"/>
+                <a:ea typeface="BIZ UDPゴシック" panose="020B0400000000000000" pitchFamily="50" charset="-128"/>
+              </a:rPr>
+              <a:t>研究背景</a:t>
+            </a:r>
+          </a:p>
+        </p:txBody>
+      </p:sp>
+      <p:sp>
+        <p:nvSpPr>
+          <p:cNvPr id="4" name="スライド番号プレースホルダー 3">
+            <a:extLst>
+              <a:ext uri="{FF2B5EF4-FFF2-40B4-BE49-F238E27FC236}">
+                <a16:creationId xmlns:a16="http://schemas.microsoft.com/office/drawing/2014/main" id="{A00BBF1C-01C2-9A72-0F70-3EA287D416BF}"/>
+              </a:ext>
+            </a:extLst>
+          </p:cNvPr>
+          <p:cNvSpPr>
+            <a:spLocks noGrp="1"/>
+          </p:cNvSpPr>
+          <p:nvPr>
+            <p:ph type="sldNum" sz="quarter" idx="10"/>
+          </p:nvPr>
+        </p:nvSpPr>
+        <p:spPr/>
+        <p:txBody>
+          <a:bodyPr/>
+          <a:lstStyle/>
+          <a:p>
+            <a:fld id="{D2D8002D-B5B0-4BAC-B1F6-782DDCCE6D9C}" type="slidenum">
+              <a:rPr kumimoji="1" lang="ja-JP" altLang="en-US" smtClean="0"/>
+              <a:t>2</a:t>
+            </a:fld>
+            <a:endParaRPr kumimoji="1" lang="ja-JP" altLang="en-US"/>
+          </a:p>
+        </p:txBody>
+      </p:sp>
+    </p:spTree>
+    <p:extLst>
+      <p:ext uri="{BB962C8B-B14F-4D97-AF65-F5344CB8AC3E}">
+        <p14:creationId xmlns:p14="http://schemas.microsoft.com/office/powerpoint/2010/main" val="827726908"/>
+      </p:ext>
+    </p:extLst>
+  </p:cSld>
+  <p:clrMapOvr>
+    <a:masterClrMapping/>
+  </p:clrMapOvr>
+</p:sld>
+</file>
+
+<file path=ppt/slides/slide3.xml><?xml version="1.0" encoding="utf-8"?>
+<p:sld xmlns:a="http://schemas.openxmlformats.org/drawingml/2006/main" xmlns:r="http://schemas.openxmlformats.org/officeDocument/2006/relationships" xmlns:p="http://schemas.openxmlformats.org/presentationml/2006/main">
+  <p:cSld>
+    <p:spTree>
+      <p:nvGrpSpPr>
+        <p:cNvPr id="1" name="">
+          <a:extLst>
+            <a:ext uri="{FF2B5EF4-FFF2-40B4-BE49-F238E27FC236}">
+              <a16:creationId xmlns:a16="http://schemas.microsoft.com/office/drawing/2014/main" id="{B73D2354-6F1B-E22A-7CAF-BD8D5CF05E8F}"/>
+            </a:ext>
+          </a:extLst>
+        </p:cNvPr>
+        <p:cNvGrpSpPr/>
+        <p:nvPr/>
+      </p:nvGrpSpPr>
+      <p:grpSpPr>
+        <a:xfrm>
+          <a:off x="0" y="0"/>
+          <a:ext cx="0" cy="0"/>
+          <a:chOff x="0" y="0"/>
+          <a:chExt cx="0" cy="0"/>
+        </a:xfrm>
+      </p:grpSpPr>
+      <p:sp>
+        <p:nvSpPr>
+          <p:cNvPr id="2" name="コンテンツ プレースホルダー 1">
+            <a:extLst>
+              <a:ext uri="{FF2B5EF4-FFF2-40B4-BE49-F238E27FC236}">
+                <a16:creationId xmlns:a16="http://schemas.microsoft.com/office/drawing/2014/main" id="{762F9B75-2C68-857E-263B-C3E1F5FD85E6}"/>
+              </a:ext>
+            </a:extLst>
+          </p:cNvPr>
+          <p:cNvSpPr>
+            <a:spLocks noGrp="1"/>
+          </p:cNvSpPr>
+          <p:nvPr>
+            <p:ph idx="1"/>
+          </p:nvPr>
+        </p:nvSpPr>
+        <p:spPr/>
+        <p:txBody>
+          <a:bodyPr/>
+          <a:lstStyle/>
+          <a:p>
+            <a:endParaRPr kumimoji="1" lang="ja-JP" altLang="en-US" dirty="0"/>
+          </a:p>
+        </p:txBody>
+      </p:sp>
+      <p:sp>
+        <p:nvSpPr>
+          <p:cNvPr id="3" name="タイトル 2">
+            <a:extLst>
+              <a:ext uri="{FF2B5EF4-FFF2-40B4-BE49-F238E27FC236}">
+                <a16:creationId xmlns:a16="http://schemas.microsoft.com/office/drawing/2014/main" id="{2BA56188-C93D-EF27-A835-E09553580762}"/>
+              </a:ext>
+            </a:extLst>
+          </p:cNvPr>
+          <p:cNvSpPr>
+            <a:spLocks noGrp="1"/>
+          </p:cNvSpPr>
+          <p:nvPr>
+            <p:ph type="title"/>
+          </p:nvPr>
+        </p:nvSpPr>
+        <p:spPr/>
+        <p:txBody>
+          <a:bodyPr/>
+          <a:lstStyle/>
+          <a:p>
+            <a:r>
+              <a:rPr kumimoji="1" lang="ja-JP" altLang="en-US" dirty="0">
+                <a:latin typeface="BIZ UDPゴシック" panose="020B0400000000000000" pitchFamily="50" charset="-128"/>
+                <a:ea typeface="BIZ UDPゴシック" panose="020B0400000000000000" pitchFamily="50" charset="-128"/>
+              </a:rPr>
+              <a:t>研究背景</a:t>
+            </a:r>
+          </a:p>
+        </p:txBody>
+      </p:sp>
+      <p:sp>
+        <p:nvSpPr>
+          <p:cNvPr id="4" name="スライド番号プレースホルダー 3">
+            <a:extLst>
+              <a:ext uri="{FF2B5EF4-FFF2-40B4-BE49-F238E27FC236}">
+                <a16:creationId xmlns:a16="http://schemas.microsoft.com/office/drawing/2014/main" id="{67EC9935-B917-D011-B5F9-FD2BCE0EA095}"/>
+              </a:ext>
+            </a:extLst>
+          </p:cNvPr>
+          <p:cNvSpPr>
+            <a:spLocks noGrp="1"/>
+          </p:cNvSpPr>
+          <p:nvPr>
+            <p:ph type="sldNum" sz="quarter" idx="10"/>
+          </p:nvPr>
+        </p:nvSpPr>
+        <p:spPr/>
+        <p:txBody>
+          <a:bodyPr/>
+          <a:lstStyle/>
+          <a:p>
+            <a:fld id="{D2D8002D-B5B0-4BAC-B1F6-782DDCCE6D9C}" type="slidenum">
+              <a:rPr kumimoji="1" lang="ja-JP" altLang="en-US" smtClean="0"/>
+              <a:t>3</a:t>
+            </a:fld>
+            <a:endParaRPr kumimoji="1" lang="ja-JP" altLang="en-US"/>
+          </a:p>
+        </p:txBody>
+      </p:sp>
+    </p:spTree>
+    <p:extLst>
+      <p:ext uri="{BB962C8B-B14F-4D97-AF65-F5344CB8AC3E}">
+        <p14:creationId xmlns:p14="http://schemas.microsoft.com/office/powerpoint/2010/main" val="1194054372"/>
+      </p:ext>
+    </p:extLst>
+  </p:cSld>
+  <p:clrMapOvr>
+    <a:masterClrMapping/>
+  </p:clrMapOvr>
+</p:sld>
+</file>
+
+<file path=ppt/slides/slide4.xml><?xml version="1.0" encoding="utf-8"?>
+<p:sld xmlns:a="http://schemas.openxmlformats.org/drawingml/2006/main" xmlns:r="http://schemas.openxmlformats.org/officeDocument/2006/relationships" xmlns:p="http://schemas.openxmlformats.org/presentationml/2006/main">
+  <p:cSld>
+    <p:spTree>
+      <p:nvGrpSpPr>
+        <p:cNvPr id="1" name="">
+          <a:extLst>
+            <a:ext uri="{FF2B5EF4-FFF2-40B4-BE49-F238E27FC236}">
+              <a16:creationId xmlns:a16="http://schemas.microsoft.com/office/drawing/2014/main" id="{A1F081F9-9ED3-1C6B-0638-142D46AB86DA}"/>
+            </a:ext>
+          </a:extLst>
+        </p:cNvPr>
+        <p:cNvGrpSpPr/>
+        <p:nvPr/>
+      </p:nvGrpSpPr>
+      <p:grpSpPr>
+        <a:xfrm>
+          <a:off x="0" y="0"/>
+          <a:ext cx="0" cy="0"/>
+          <a:chOff x="0" y="0"/>
+          <a:chExt cx="0" cy="0"/>
+        </a:xfrm>
+      </p:grpSpPr>
+      <p:sp>
+        <p:nvSpPr>
+          <p:cNvPr id="2" name="コンテンツ プレースホルダー 1">
+            <a:extLst>
+              <a:ext uri="{FF2B5EF4-FFF2-40B4-BE49-F238E27FC236}">
+                <a16:creationId xmlns:a16="http://schemas.microsoft.com/office/drawing/2014/main" id="{742340E6-D0DE-D740-EB06-0226C27312AA}"/>
+              </a:ext>
+            </a:extLst>
+          </p:cNvPr>
+          <p:cNvSpPr>
+            <a:spLocks noGrp="1"/>
+          </p:cNvSpPr>
+          <p:nvPr>
+            <p:ph idx="1"/>
+          </p:nvPr>
+        </p:nvSpPr>
+        <p:spPr/>
+        <p:txBody>
+          <a:bodyPr/>
+          <a:lstStyle/>
+          <a:p>
+            <a:endParaRPr kumimoji="1" lang="ja-JP" altLang="en-US" dirty="0"/>
+          </a:p>
+        </p:txBody>
+      </p:sp>
+      <p:sp>
+        <p:nvSpPr>
+          <p:cNvPr id="3" name="タイトル 2">
+            <a:extLst>
+              <a:ext uri="{FF2B5EF4-FFF2-40B4-BE49-F238E27FC236}">
+                <a16:creationId xmlns:a16="http://schemas.microsoft.com/office/drawing/2014/main" id="{EABD366C-B7E9-40A8-CC4B-3904F88788A2}"/>
+              </a:ext>
+            </a:extLst>
+          </p:cNvPr>
+          <p:cNvSpPr>
+            <a:spLocks noGrp="1"/>
+          </p:cNvSpPr>
+          <p:nvPr>
+            <p:ph type="title"/>
+          </p:nvPr>
+        </p:nvSpPr>
+        <p:spPr/>
+        <p:txBody>
+          <a:bodyPr/>
+          <a:lstStyle/>
+          <a:p>
+            <a:r>
+              <a:rPr kumimoji="1" lang="ja-JP" altLang="en-US" dirty="0">
+                <a:latin typeface="BIZ UDPゴシック" panose="020B0400000000000000" pitchFamily="50" charset="-128"/>
+                <a:ea typeface="BIZ UDPゴシック" panose="020B0400000000000000" pitchFamily="50" charset="-128"/>
+              </a:rPr>
+              <a:t>研究背景</a:t>
+            </a:r>
+          </a:p>
+        </p:txBody>
+      </p:sp>
+      <p:sp>
+        <p:nvSpPr>
+          <p:cNvPr id="4" name="スライド番号プレースホルダー 3">
+            <a:extLst>
+              <a:ext uri="{FF2B5EF4-FFF2-40B4-BE49-F238E27FC236}">
+                <a16:creationId xmlns:a16="http://schemas.microsoft.com/office/drawing/2014/main" id="{B9DF0942-D05D-DFEA-E362-84EB97E8634F}"/>
+              </a:ext>
+            </a:extLst>
+          </p:cNvPr>
+          <p:cNvSpPr>
+            <a:spLocks noGrp="1"/>
+          </p:cNvSpPr>
+          <p:nvPr>
+            <p:ph type="sldNum" sz="quarter" idx="10"/>
+          </p:nvPr>
+        </p:nvSpPr>
+        <p:spPr/>
+        <p:txBody>
+          <a:bodyPr/>
+          <a:lstStyle/>
+          <a:p>
+            <a:fld id="{D2D8002D-B5B0-4BAC-B1F6-782DDCCE6D9C}" type="slidenum">
+              <a:rPr kumimoji="1" lang="ja-JP" altLang="en-US" smtClean="0"/>
+              <a:t>4</a:t>
+            </a:fld>
+            <a:endParaRPr kumimoji="1" lang="ja-JP" altLang="en-US"/>
+          </a:p>
+        </p:txBody>
+      </p:sp>
+    </p:spTree>
+    <p:extLst>
+      <p:ext uri="{BB962C8B-B14F-4D97-AF65-F5344CB8AC3E}">
+        <p14:creationId xmlns:p14="http://schemas.microsoft.com/office/powerpoint/2010/main" val="1801130398"/>
+      </p:ext>
+    </p:extLst>
+  </p:cSld>
+  <p:clrMapOvr>
+    <a:masterClrMapping/>
+  </p:clrMapOvr>
+</p:sld>
+</file>
+
+<file path=ppt/slides/slide5.xml><?xml version="1.0" encoding="utf-8"?>
+<p:sld xmlns:a="http://schemas.openxmlformats.org/drawingml/2006/main" xmlns:r="http://schemas.openxmlformats.org/officeDocument/2006/relationships" xmlns:p="http://schemas.openxmlformats.org/presentationml/2006/main">
+  <p:cSld>
+    <p:spTree>
+      <p:nvGrpSpPr>
+        <p:cNvPr id="1" name="">
+          <a:extLst>
+            <a:ext uri="{FF2B5EF4-FFF2-40B4-BE49-F238E27FC236}">
+              <a16:creationId xmlns:a16="http://schemas.microsoft.com/office/drawing/2014/main" id="{B3F7A18B-5147-AF9D-35EA-B82F25259DEB}"/>
+            </a:ext>
+          </a:extLst>
+        </p:cNvPr>
+        <p:cNvGrpSpPr/>
+        <p:nvPr/>
+      </p:nvGrpSpPr>
+      <p:grpSpPr>
+        <a:xfrm>
+          <a:off x="0" y="0"/>
+          <a:ext cx="0" cy="0"/>
+          <a:chOff x="0" y="0"/>
+          <a:chExt cx="0" cy="0"/>
+        </a:xfrm>
+      </p:grpSpPr>
+      <p:sp>
+        <p:nvSpPr>
+          <p:cNvPr id="2" name="コンテンツ プレースホルダー 1">
+            <a:extLst>
+              <a:ext uri="{FF2B5EF4-FFF2-40B4-BE49-F238E27FC236}">
+                <a16:creationId xmlns:a16="http://schemas.microsoft.com/office/drawing/2014/main" id="{E5B5BE93-2FA8-5193-E3C0-E18FEB02F05A}"/>
+              </a:ext>
+            </a:extLst>
+          </p:cNvPr>
+          <p:cNvSpPr>
+            <a:spLocks noGrp="1"/>
+          </p:cNvSpPr>
+          <p:nvPr>
+            <p:ph idx="1"/>
+          </p:nvPr>
+        </p:nvSpPr>
+        <p:spPr/>
+        <p:txBody>
+          <a:bodyPr/>
+          <a:lstStyle/>
+          <a:p>
+            <a:endParaRPr kumimoji="1" lang="ja-JP" altLang="en-US" dirty="0"/>
+          </a:p>
+        </p:txBody>
+      </p:sp>
+      <p:sp>
+        <p:nvSpPr>
+          <p:cNvPr id="3" name="タイトル 2">
+            <a:extLst>
+              <a:ext uri="{FF2B5EF4-FFF2-40B4-BE49-F238E27FC236}">
+                <a16:creationId xmlns:a16="http://schemas.microsoft.com/office/drawing/2014/main" id="{D682CB34-F464-5AEF-9044-63096C5439FD}"/>
+              </a:ext>
+            </a:extLst>
+          </p:cNvPr>
+          <p:cNvSpPr>
+            <a:spLocks noGrp="1"/>
+          </p:cNvSpPr>
+          <p:nvPr>
+            <p:ph type="title"/>
+          </p:nvPr>
+        </p:nvSpPr>
+        <p:spPr/>
+        <p:txBody>
+          <a:bodyPr/>
+          <a:lstStyle/>
+          <a:p>
+            <a:r>
+              <a:rPr kumimoji="1" lang="en-US" altLang="ja-JP" dirty="0">
+                <a:latin typeface="BIZ UDPゴシック" panose="020B0400000000000000" pitchFamily="50" charset="-128"/>
+                <a:ea typeface="BIZ UDPゴシック" panose="020B0400000000000000" pitchFamily="50" charset="-128"/>
+              </a:rPr>
+              <a:t>CSMA/CA</a:t>
+            </a:r>
+            <a:endParaRPr kumimoji="1" lang="ja-JP" altLang="en-US" dirty="0">
+              <a:latin typeface="BIZ UDPゴシック" panose="020B0400000000000000" pitchFamily="50" charset="-128"/>
+              <a:ea typeface="BIZ UDPゴシック" panose="020B0400000000000000" pitchFamily="50" charset="-128"/>
+            </a:endParaRPr>
+          </a:p>
+        </p:txBody>
+      </p:sp>
+      <p:sp>
+        <p:nvSpPr>
+          <p:cNvPr id="4" name="スライド番号プレースホルダー 3">
+            <a:extLst>
+              <a:ext uri="{FF2B5EF4-FFF2-40B4-BE49-F238E27FC236}">
+                <a16:creationId xmlns:a16="http://schemas.microsoft.com/office/drawing/2014/main" id="{51ADBA82-A37F-80F7-D952-E4203BB9C639}"/>
+              </a:ext>
+            </a:extLst>
+          </p:cNvPr>
+          <p:cNvSpPr>
+            <a:spLocks noGrp="1"/>
+          </p:cNvSpPr>
+          <p:nvPr>
+            <p:ph type="sldNum" sz="quarter" idx="10"/>
+          </p:nvPr>
+        </p:nvSpPr>
+        <p:spPr/>
+        <p:txBody>
+          <a:bodyPr/>
+          <a:lstStyle/>
+          <a:p>
+            <a:fld id="{D2D8002D-B5B0-4BAC-B1F6-782DDCCE6D9C}" type="slidenum">
+              <a:rPr kumimoji="1" lang="ja-JP" altLang="en-US" smtClean="0"/>
+              <a:t>5</a:t>
+            </a:fld>
+            <a:endParaRPr kumimoji="1" lang="ja-JP" altLang="en-US"/>
+          </a:p>
+        </p:txBody>
+      </p:sp>
+    </p:spTree>
+    <p:extLst>
+      <p:ext uri="{BB962C8B-B14F-4D97-AF65-F5344CB8AC3E}">
+        <p14:creationId xmlns:p14="http://schemas.microsoft.com/office/powerpoint/2010/main" val="220260839"/>
+      </p:ext>
+    </p:extLst>
+  </p:cSld>
+  <p:clrMapOvr>
+    <a:masterClrMapping/>
+  </p:clrMapOvr>
+</p:sld>
+</file>
+
+<file path=ppt/slides/slide6.xml><?xml version="1.0" encoding="utf-8"?>
+<p:sld xmlns:a="http://schemas.openxmlformats.org/drawingml/2006/main" xmlns:r="http://schemas.openxmlformats.org/officeDocument/2006/relationships" xmlns:p="http://schemas.openxmlformats.org/presentationml/2006/main">
+  <p:cSld>
+    <p:spTree>
+      <p:nvGrpSpPr>
+        <p:cNvPr id="1" name="">
+          <a:extLst>
+            <a:ext uri="{FF2B5EF4-FFF2-40B4-BE49-F238E27FC236}">
+              <a16:creationId xmlns:a16="http://schemas.microsoft.com/office/drawing/2014/main" id="{E8AA060E-2CBB-C7E1-6D32-694859CC2EAF}"/>
+            </a:ext>
+          </a:extLst>
+        </p:cNvPr>
+        <p:cNvGrpSpPr/>
+        <p:nvPr/>
+      </p:nvGrpSpPr>
+      <p:grpSpPr>
+        <a:xfrm>
+          <a:off x="0" y="0"/>
+          <a:ext cx="0" cy="0"/>
+          <a:chOff x="0" y="0"/>
+          <a:chExt cx="0" cy="0"/>
+        </a:xfrm>
+      </p:grpSpPr>
+      <p:sp>
+        <p:nvSpPr>
+          <p:cNvPr id="2" name="コンテンツ プレースホルダー 1">
+            <a:extLst>
+              <a:ext uri="{FF2B5EF4-FFF2-40B4-BE49-F238E27FC236}">
+                <a16:creationId xmlns:a16="http://schemas.microsoft.com/office/drawing/2014/main" id="{7A15E683-C2B8-6A7A-C87F-702E3DFA0B8A}"/>
+              </a:ext>
+            </a:extLst>
+          </p:cNvPr>
+          <p:cNvSpPr>
+            <a:spLocks noGrp="1"/>
+          </p:cNvSpPr>
+          <p:nvPr>
+            <p:ph idx="1"/>
+          </p:nvPr>
+        </p:nvSpPr>
+        <p:spPr/>
+        <p:txBody>
+          <a:bodyPr/>
+          <a:lstStyle/>
+          <a:p>
+            <a:endParaRPr kumimoji="1" lang="ja-JP" altLang="en-US" dirty="0"/>
+          </a:p>
+        </p:txBody>
+      </p:sp>
+      <p:sp>
+        <p:nvSpPr>
+          <p:cNvPr id="3" name="タイトル 2">
+            <a:extLst>
+              <a:ext uri="{FF2B5EF4-FFF2-40B4-BE49-F238E27FC236}">
+                <a16:creationId xmlns:a16="http://schemas.microsoft.com/office/drawing/2014/main" id="{116E2AED-0A53-00C0-22EC-9272221C1133}"/>
+              </a:ext>
+            </a:extLst>
+          </p:cNvPr>
+          <p:cNvSpPr>
+            <a:spLocks noGrp="1"/>
+          </p:cNvSpPr>
+          <p:nvPr>
+            <p:ph type="title"/>
+          </p:nvPr>
+        </p:nvSpPr>
+        <p:spPr/>
+        <p:txBody>
+          <a:bodyPr/>
+          <a:lstStyle/>
+          <a:p>
+            <a:r>
+              <a:rPr kumimoji="1" lang="en-US" altLang="ja-JP" dirty="0">
+                <a:latin typeface="BIZ UDPゴシック" panose="020B0400000000000000" pitchFamily="50" charset="-128"/>
+                <a:ea typeface="BIZ UDPゴシック" panose="020B0400000000000000" pitchFamily="50" charset="-128"/>
+              </a:rPr>
+              <a:t>2</a:t>
+            </a:r>
+            <a:r>
+              <a:rPr kumimoji="1" lang="ja-JP" altLang="en-US" dirty="0">
+                <a:latin typeface="BIZ UDPゴシック" panose="020B0400000000000000" pitchFamily="50" charset="-128"/>
+                <a:ea typeface="BIZ UDPゴシック" panose="020B0400000000000000" pitchFamily="50" charset="-128"/>
+              </a:rPr>
+              <a:t>進数バックオフ方式</a:t>
+            </a:r>
+          </a:p>
+        </p:txBody>
+      </p:sp>
+      <p:sp>
+        <p:nvSpPr>
+          <p:cNvPr id="4" name="スライド番号プレースホルダー 3">
+            <a:extLst>
+              <a:ext uri="{FF2B5EF4-FFF2-40B4-BE49-F238E27FC236}">
+                <a16:creationId xmlns:a16="http://schemas.microsoft.com/office/drawing/2014/main" id="{65C93932-DAEB-3D70-EA7B-D453FE666E64}"/>
+              </a:ext>
+            </a:extLst>
+          </p:cNvPr>
+          <p:cNvSpPr>
+            <a:spLocks noGrp="1"/>
+          </p:cNvSpPr>
+          <p:nvPr>
+            <p:ph type="sldNum" sz="quarter" idx="10"/>
+          </p:nvPr>
+        </p:nvSpPr>
+        <p:spPr/>
+        <p:txBody>
+          <a:bodyPr/>
+          <a:lstStyle/>
+          <a:p>
+            <a:fld id="{D2D8002D-B5B0-4BAC-B1F6-782DDCCE6D9C}" type="slidenum">
+              <a:rPr kumimoji="1" lang="ja-JP" altLang="en-US" smtClean="0"/>
+              <a:t>6</a:t>
+            </a:fld>
+            <a:endParaRPr kumimoji="1" lang="ja-JP" altLang="en-US"/>
+          </a:p>
+        </p:txBody>
+      </p:sp>
+    </p:spTree>
+    <p:extLst>
+      <p:ext uri="{BB962C8B-B14F-4D97-AF65-F5344CB8AC3E}">
+        <p14:creationId xmlns:p14="http://schemas.microsoft.com/office/powerpoint/2010/main" val="1630363695"/>
+      </p:ext>
+    </p:extLst>
+  </p:cSld>
+  <p:clrMapOvr>
+    <a:masterClrMapping/>
+  </p:clrMapOvr>
+</p:sld>
+</file>
+
+<file path=ppt/slides/slide7.xml><?xml version="1.0" encoding="utf-8"?>
+<p:sld xmlns:a="http://schemas.openxmlformats.org/drawingml/2006/main" xmlns:r="http://schemas.openxmlformats.org/officeDocument/2006/relationships" xmlns:p="http://schemas.openxmlformats.org/presentationml/2006/main">
+  <p:cSld>
+    <p:spTree>
+      <p:nvGrpSpPr>
+        <p:cNvPr id="1" name="">
+          <a:extLst>
+            <a:ext uri="{FF2B5EF4-FFF2-40B4-BE49-F238E27FC236}">
+              <a16:creationId xmlns:a16="http://schemas.microsoft.com/office/drawing/2014/main" id="{8FC69660-CE16-E2B8-B8FB-9DE543DB1481}"/>
+            </a:ext>
+          </a:extLst>
+        </p:cNvPr>
+        <p:cNvGrpSpPr/>
+        <p:nvPr/>
+      </p:nvGrpSpPr>
+      <p:grpSpPr>
+        <a:xfrm>
+          <a:off x="0" y="0"/>
+          <a:ext cx="0" cy="0"/>
+          <a:chOff x="0" y="0"/>
+          <a:chExt cx="0" cy="0"/>
+        </a:xfrm>
+      </p:grpSpPr>
+      <p:sp>
+        <p:nvSpPr>
+          <p:cNvPr id="2" name="コンテンツ プレースホルダー 1">
+            <a:extLst>
+              <a:ext uri="{FF2B5EF4-FFF2-40B4-BE49-F238E27FC236}">
+                <a16:creationId xmlns:a16="http://schemas.microsoft.com/office/drawing/2014/main" id="{1071BD96-9073-38BC-EB6E-1FA6BA466FE0}"/>
+              </a:ext>
+            </a:extLst>
+          </p:cNvPr>
+          <p:cNvSpPr>
+            <a:spLocks noGrp="1"/>
+          </p:cNvSpPr>
+          <p:nvPr>
+            <p:ph idx="1"/>
+          </p:nvPr>
+        </p:nvSpPr>
+        <p:spPr/>
+        <p:txBody>
+          <a:bodyPr/>
+          <a:lstStyle/>
+          <a:p>
+            <a:endParaRPr kumimoji="1" lang="ja-JP" altLang="en-US" dirty="0"/>
+          </a:p>
+        </p:txBody>
+      </p:sp>
+      <p:sp>
+        <p:nvSpPr>
+          <p:cNvPr id="3" name="タイトル 2">
+            <a:extLst>
+              <a:ext uri="{FF2B5EF4-FFF2-40B4-BE49-F238E27FC236}">
+                <a16:creationId xmlns:a16="http://schemas.microsoft.com/office/drawing/2014/main" id="{F6FCAAAF-9978-2EB1-36EE-8A11C2AE9CA1}"/>
+              </a:ext>
+            </a:extLst>
+          </p:cNvPr>
+          <p:cNvSpPr>
+            <a:spLocks noGrp="1"/>
+          </p:cNvSpPr>
+          <p:nvPr>
+            <p:ph type="title"/>
+          </p:nvPr>
+        </p:nvSpPr>
+        <p:spPr/>
+        <p:txBody>
+          <a:bodyPr/>
+          <a:lstStyle/>
+          <a:p>
+            <a:r>
+              <a:rPr kumimoji="1" lang="en-US" altLang="ja-JP" dirty="0">
+                <a:latin typeface="BIZ UDPゴシック" panose="020B0400000000000000" pitchFamily="50" charset="-128"/>
+                <a:ea typeface="BIZ UDPゴシック" panose="020B0400000000000000" pitchFamily="50" charset="-128"/>
+              </a:rPr>
+              <a:t>IFS</a:t>
+            </a:r>
+            <a:r>
+              <a:rPr kumimoji="1" lang="ja-JP" altLang="en-US" dirty="0">
+                <a:latin typeface="BIZ UDPゴシック" panose="020B0400000000000000" pitchFamily="50" charset="-128"/>
+                <a:ea typeface="BIZ UDPゴシック" panose="020B0400000000000000" pitchFamily="50" charset="-128"/>
+              </a:rPr>
+              <a:t>による優先制御</a:t>
+            </a:r>
+          </a:p>
+        </p:txBody>
+      </p:sp>
+      <p:sp>
+        <p:nvSpPr>
+          <p:cNvPr id="4" name="スライド番号プレースホルダー 3">
+            <a:extLst>
+              <a:ext uri="{FF2B5EF4-FFF2-40B4-BE49-F238E27FC236}">
+                <a16:creationId xmlns:a16="http://schemas.microsoft.com/office/drawing/2014/main" id="{3343D5DC-8606-35C8-33E1-0496CBB4589C}"/>
+              </a:ext>
+            </a:extLst>
+          </p:cNvPr>
+          <p:cNvSpPr>
+            <a:spLocks noGrp="1"/>
+          </p:cNvSpPr>
+          <p:nvPr>
+            <p:ph type="sldNum" sz="quarter" idx="10"/>
+          </p:nvPr>
+        </p:nvSpPr>
+        <p:spPr/>
+        <p:txBody>
+          <a:bodyPr/>
+          <a:lstStyle/>
+          <a:p>
+            <a:fld id="{D2D8002D-B5B0-4BAC-B1F6-782DDCCE6D9C}" type="slidenum">
+              <a:rPr kumimoji="1" lang="ja-JP" altLang="en-US" smtClean="0"/>
+              <a:t>7</a:t>
+            </a:fld>
+            <a:endParaRPr kumimoji="1" lang="ja-JP" altLang="en-US"/>
+          </a:p>
+        </p:txBody>
+      </p:sp>
+    </p:spTree>
+    <p:extLst>
+      <p:ext uri="{BB962C8B-B14F-4D97-AF65-F5344CB8AC3E}">
+        <p14:creationId xmlns:p14="http://schemas.microsoft.com/office/powerpoint/2010/main" val="1115127879"/>
+      </p:ext>
+    </p:extLst>
+  </p:cSld>
+  <p:clrMapOvr>
+    <a:masterClrMapping/>
+  </p:clrMapOvr>
+</p:sld>
+</file>
+
+<file path=ppt/slides/slide8.xml><?xml version="1.0" encoding="utf-8"?>
+<p:sld xmlns:a="http://schemas.openxmlformats.org/drawingml/2006/main" xmlns:r="http://schemas.openxmlformats.org/officeDocument/2006/relationships" xmlns:p="http://schemas.openxmlformats.org/presentationml/2006/main">
+  <p:cSld>
+    <p:spTree>
+      <p:nvGrpSpPr>
+        <p:cNvPr id="1" name="">
+          <a:extLst>
+            <a:ext uri="{FF2B5EF4-FFF2-40B4-BE49-F238E27FC236}">
+              <a16:creationId xmlns:a16="http://schemas.microsoft.com/office/drawing/2014/main" id="{4FB049C4-A779-EBFB-607A-CA3EBEBC1977}"/>
+            </a:ext>
+          </a:extLst>
+        </p:cNvPr>
+        <p:cNvGrpSpPr/>
+        <p:nvPr/>
+      </p:nvGrpSpPr>
+      <p:grpSpPr>
+        <a:xfrm>
+          <a:off x="0" y="0"/>
+          <a:ext cx="0" cy="0"/>
+          <a:chOff x="0" y="0"/>
+          <a:chExt cx="0" cy="0"/>
+        </a:xfrm>
+      </p:grpSpPr>
+      <p:sp>
+        <p:nvSpPr>
+          <p:cNvPr id="2" name="コンテンツ プレースホルダー 1">
+            <a:extLst>
+              <a:ext uri="{FF2B5EF4-FFF2-40B4-BE49-F238E27FC236}">
+                <a16:creationId xmlns:a16="http://schemas.microsoft.com/office/drawing/2014/main" id="{F40F9C34-45BE-ED18-17F3-1A3E96C2A37C}"/>
+              </a:ext>
+            </a:extLst>
+          </p:cNvPr>
+          <p:cNvSpPr>
+            <a:spLocks noGrp="1"/>
+          </p:cNvSpPr>
+          <p:nvPr>
+            <p:ph idx="1"/>
+          </p:nvPr>
+        </p:nvSpPr>
+        <p:spPr/>
+        <p:txBody>
+          <a:bodyPr/>
+          <a:lstStyle/>
+          <a:p>
+            <a:endParaRPr kumimoji="1" lang="ja-JP" altLang="en-US" dirty="0"/>
+          </a:p>
+        </p:txBody>
+      </p:sp>
+      <p:sp>
+        <p:nvSpPr>
+          <p:cNvPr id="3" name="タイトル 2">
+            <a:extLst>
+              <a:ext uri="{FF2B5EF4-FFF2-40B4-BE49-F238E27FC236}">
+                <a16:creationId xmlns:a16="http://schemas.microsoft.com/office/drawing/2014/main" id="{EB4B560E-5F2B-1E72-57EA-4A00E9A6DB4E}"/>
+              </a:ext>
+            </a:extLst>
+          </p:cNvPr>
+          <p:cNvSpPr>
+            <a:spLocks noGrp="1"/>
+          </p:cNvSpPr>
+          <p:nvPr>
+            <p:ph type="title"/>
+          </p:nvPr>
+        </p:nvSpPr>
+        <p:spPr/>
+        <p:txBody>
+          <a:bodyPr/>
+          <a:lstStyle/>
+          <a:p>
+            <a:r>
+              <a:rPr kumimoji="1" lang="ja-JP" altLang="en-US" dirty="0">
+                <a:latin typeface="BIZ UDPゴシック" panose="020B0400000000000000" pitchFamily="50" charset="-128"/>
+                <a:ea typeface="BIZ UDPゴシック" panose="020B0400000000000000" pitchFamily="50" charset="-128"/>
+              </a:rPr>
+              <a:t>フレーム構成モデル化</a:t>
+            </a:r>
+          </a:p>
+        </p:txBody>
+      </p:sp>
+      <p:sp>
+        <p:nvSpPr>
+          <p:cNvPr id="4" name="スライド番号プレースホルダー 3">
+            <a:extLst>
+              <a:ext uri="{FF2B5EF4-FFF2-40B4-BE49-F238E27FC236}">
+                <a16:creationId xmlns:a16="http://schemas.microsoft.com/office/drawing/2014/main" id="{27D3065E-8507-0462-7570-7453DA1B0291}"/>
+              </a:ext>
+            </a:extLst>
+          </p:cNvPr>
+          <p:cNvSpPr>
+            <a:spLocks noGrp="1"/>
+          </p:cNvSpPr>
+          <p:nvPr>
+            <p:ph type="sldNum" sz="quarter" idx="10"/>
+          </p:nvPr>
+        </p:nvSpPr>
+        <p:spPr/>
+        <p:txBody>
+          <a:bodyPr/>
+          <a:lstStyle/>
+          <a:p>
+            <a:fld id="{D2D8002D-B5B0-4BAC-B1F6-782DDCCE6D9C}" type="slidenum">
+              <a:rPr kumimoji="1" lang="ja-JP" altLang="en-US" smtClean="0"/>
+              <a:t>8</a:t>
+            </a:fld>
+            <a:endParaRPr kumimoji="1" lang="ja-JP" altLang="en-US"/>
+          </a:p>
+        </p:txBody>
+      </p:sp>
+    </p:spTree>
+    <p:extLst>
+      <p:ext uri="{BB962C8B-B14F-4D97-AF65-F5344CB8AC3E}">
+        <p14:creationId xmlns:p14="http://schemas.microsoft.com/office/powerpoint/2010/main" val="1373590454"/>
+      </p:ext>
+    </p:extLst>
+  </p:cSld>
+  <p:clrMapOvr>
+    <a:masterClrMapping/>
+  </p:clrMapOvr>
+</p:sld>
+</file>
+
+<file path=ppt/slides/slide9.xml><?xml version="1.0" encoding="utf-8"?>
+<p:sld xmlns:a="http://schemas.openxmlformats.org/drawingml/2006/main" xmlns:r="http://schemas.openxmlformats.org/officeDocument/2006/relationships" xmlns:p="http://schemas.openxmlformats.org/presentationml/2006/main">
+  <p:cSld>
+    <p:spTree>
+      <p:nvGrpSpPr>
+        <p:cNvPr id="1" name="">
+          <a:extLst>
+            <a:ext uri="{FF2B5EF4-FFF2-40B4-BE49-F238E27FC236}">
+              <a16:creationId xmlns:a16="http://schemas.microsoft.com/office/drawing/2014/main" id="{296CFBB2-69B5-7FD0-2C3B-F784A35AC7CF}"/>
+            </a:ext>
+          </a:extLst>
+        </p:cNvPr>
+        <p:cNvGrpSpPr/>
+        <p:nvPr/>
+      </p:nvGrpSpPr>
+      <p:grpSpPr>
+        <a:xfrm>
+          <a:off x="0" y="0"/>
+          <a:ext cx="0" cy="0"/>
+          <a:chOff x="0" y="0"/>
+          <a:chExt cx="0" cy="0"/>
+        </a:xfrm>
+      </p:grpSpPr>
+      <p:sp>
+        <p:nvSpPr>
+          <p:cNvPr id="2" name="コンテンツ プレースホルダー 1">
+            <a:extLst>
+              <a:ext uri="{FF2B5EF4-FFF2-40B4-BE49-F238E27FC236}">
+                <a16:creationId xmlns:a16="http://schemas.microsoft.com/office/drawing/2014/main" id="{FE3D1148-66CC-FCBC-1D88-0E2AF91A967E}"/>
+              </a:ext>
+            </a:extLst>
+          </p:cNvPr>
+          <p:cNvSpPr>
+            <a:spLocks noGrp="1"/>
+          </p:cNvSpPr>
+          <p:nvPr>
+            <p:ph idx="1"/>
+          </p:nvPr>
+        </p:nvSpPr>
+        <p:spPr>
+          <a:xfrm>
+            <a:off x="-51908" y="1268760"/>
+            <a:ext cx="9208100" cy="2160240"/>
+          </a:xfrm>
+        </p:spPr>
+        <p:txBody>
+          <a:bodyPr>
+            <a:normAutofit/>
+          </a:bodyPr>
+          <a:lstStyle/>
+          <a:p>
+            <a:r>
+              <a:rPr lang="ja-JP" altLang="en-US" sz="2400" dirty="0">
+                <a:latin typeface="BIZ UDPゴシック" panose="020B0400000000000000" pitchFamily="50" charset="-128"/>
+                <a:ea typeface="BIZ UDPゴシック" panose="020B0400000000000000" pitchFamily="50" charset="-128"/>
+              </a:rPr>
+              <a:t>受信感度</a:t>
+            </a:r>
+            <a:r>
+              <a:rPr lang="en-US" altLang="ja-JP" sz="2400" dirty="0">
+                <a:latin typeface="BIZ UDPゴシック" panose="020B0400000000000000" pitchFamily="50" charset="-128"/>
+                <a:ea typeface="BIZ UDPゴシック" panose="020B0400000000000000" pitchFamily="50" charset="-128"/>
+              </a:rPr>
+              <a:t>(RSSI (Received Signal Strength Indicator))</a:t>
+            </a:r>
+            <a:r>
+              <a:rPr lang="ja-JP" altLang="en-US" sz="2400" dirty="0">
+                <a:latin typeface="BIZ UDPゴシック" panose="020B0400000000000000" pitchFamily="50" charset="-128"/>
+                <a:ea typeface="BIZ UDPゴシック" panose="020B0400000000000000" pitchFamily="50" charset="-128"/>
+              </a:rPr>
+              <a:t>から</a:t>
+            </a:r>
+            <a:r>
+              <a:rPr lang="en-US" altLang="ja-JP" sz="2400" dirty="0">
+                <a:latin typeface="BIZ UDPゴシック" panose="020B0400000000000000" pitchFamily="50" charset="-128"/>
+                <a:ea typeface="BIZ UDPゴシック" panose="020B0400000000000000" pitchFamily="50" charset="-128"/>
+              </a:rPr>
+              <a:t>,MCS(Modulation and Coding Scheme)</a:t>
+            </a:r>
+            <a:r>
+              <a:rPr lang="ja-JP" altLang="en-US" sz="2400" dirty="0">
+                <a:latin typeface="BIZ UDPゴシック" panose="020B0400000000000000" pitchFamily="50" charset="-128"/>
+                <a:ea typeface="BIZ UDPゴシック" panose="020B0400000000000000" pitchFamily="50" charset="-128"/>
+              </a:rPr>
+              <a:t> </a:t>
+            </a:r>
+            <a:r>
+              <a:rPr lang="en-US" altLang="ja-JP" sz="2400" dirty="0">
+                <a:latin typeface="BIZ UDPゴシック" panose="020B0400000000000000" pitchFamily="50" charset="-128"/>
+                <a:ea typeface="BIZ UDPゴシック" panose="020B0400000000000000" pitchFamily="50" charset="-128"/>
+              </a:rPr>
+              <a:t>Index</a:t>
+            </a:r>
+            <a:r>
+              <a:rPr lang="ja-JP" altLang="en-US" sz="2400" dirty="0">
+                <a:latin typeface="BIZ UDPゴシック" panose="020B0400000000000000" pitchFamily="50" charset="-128"/>
+                <a:ea typeface="BIZ UDPゴシック" panose="020B0400000000000000" pitchFamily="50" charset="-128"/>
+              </a:rPr>
+              <a:t>に基づいて伝送レートが決められる</a:t>
+            </a:r>
+            <a:r>
+              <a:rPr lang="en-US" altLang="ja-JP" sz="2400" dirty="0">
+                <a:latin typeface="BIZ UDPゴシック" panose="020B0400000000000000" pitchFamily="50" charset="-128"/>
+                <a:ea typeface="BIZ UDPゴシック" panose="020B0400000000000000" pitchFamily="50" charset="-128"/>
+              </a:rPr>
+              <a:t>.</a:t>
+            </a:r>
+          </a:p>
+          <a:p>
+            <a:r>
+              <a:rPr kumimoji="1" lang="ja-JP" altLang="en-US" sz="2400" dirty="0">
+                <a:latin typeface="BIZ UDPゴシック" panose="020B0400000000000000" pitchFamily="50" charset="-128"/>
+                <a:ea typeface="BIZ UDPゴシック" panose="020B0400000000000000" pitchFamily="50" charset="-128"/>
+              </a:rPr>
+              <a:t>本シミュレータは物理層のシミュレータから伝送レート</a:t>
+            </a:r>
+            <a:r>
+              <a:rPr lang="ja-JP" altLang="en-US" sz="2400" dirty="0">
+                <a:latin typeface="BIZ UDPゴシック" panose="020B0400000000000000" pitchFamily="50" charset="-128"/>
+                <a:ea typeface="BIZ UDPゴシック" panose="020B0400000000000000" pitchFamily="50" charset="-128"/>
+              </a:rPr>
+              <a:t>を受け取る</a:t>
+            </a:r>
+            <a:r>
+              <a:rPr lang="en-US" altLang="ja-JP" sz="2400" dirty="0">
+                <a:latin typeface="BIZ UDPゴシック" panose="020B0400000000000000" pitchFamily="50" charset="-128"/>
+                <a:ea typeface="BIZ UDPゴシック" panose="020B0400000000000000" pitchFamily="50" charset="-128"/>
+              </a:rPr>
+              <a:t>.</a:t>
+            </a:r>
+            <a:endParaRPr kumimoji="1" lang="ja-JP" altLang="en-US" sz="2400" dirty="0">
+              <a:latin typeface="BIZ UDPゴシック" panose="020B0400000000000000" pitchFamily="50" charset="-128"/>
+              <a:ea typeface="BIZ UDPゴシック" panose="020B0400000000000000" pitchFamily="50" charset="-128"/>
+            </a:endParaRPr>
+          </a:p>
+        </p:txBody>
+      </p:sp>
+      <p:sp>
+        <p:nvSpPr>
+          <p:cNvPr id="3" name="タイトル 2">
+            <a:extLst>
+              <a:ext uri="{FF2B5EF4-FFF2-40B4-BE49-F238E27FC236}">
+                <a16:creationId xmlns:a16="http://schemas.microsoft.com/office/drawing/2014/main" id="{559E97F9-2EBD-9C24-79A4-6D101FF020F5}"/>
+              </a:ext>
+            </a:extLst>
+          </p:cNvPr>
+          <p:cNvSpPr>
+            <a:spLocks noGrp="1"/>
+          </p:cNvSpPr>
+          <p:nvPr>
+            <p:ph type="title"/>
+          </p:nvPr>
+        </p:nvSpPr>
+        <p:spPr/>
+        <p:txBody>
+          <a:bodyPr/>
+          <a:lstStyle/>
+          <a:p>
+            <a:r>
+              <a:rPr kumimoji="1" lang="en-US" altLang="ja-JP" dirty="0">
+                <a:latin typeface="BIZ UDPゴシック" panose="020B0400000000000000" pitchFamily="50" charset="-128"/>
+                <a:ea typeface="BIZ UDPゴシック" panose="020B0400000000000000" pitchFamily="50" charset="-128"/>
+              </a:rPr>
+              <a:t>MCS Index</a:t>
+            </a:r>
+            <a:endParaRPr kumimoji="1" lang="ja-JP" altLang="en-US" dirty="0">
+              <a:latin typeface="BIZ UDPゴシック" panose="020B0400000000000000" pitchFamily="50" charset="-128"/>
+              <a:ea typeface="BIZ UDPゴシック" panose="020B0400000000000000" pitchFamily="50" charset="-128"/>
+            </a:endParaRPr>
+          </a:p>
+        </p:txBody>
+      </p:sp>
+      <p:sp>
+        <p:nvSpPr>
+          <p:cNvPr id="4" name="スライド番号プレースホルダー 3">
+            <a:extLst>
+              <a:ext uri="{FF2B5EF4-FFF2-40B4-BE49-F238E27FC236}">
+                <a16:creationId xmlns:a16="http://schemas.microsoft.com/office/drawing/2014/main" id="{308574BC-7B6C-C5D1-9D3B-A09DA4531823}"/>
+              </a:ext>
+            </a:extLst>
+          </p:cNvPr>
+          <p:cNvSpPr>
+            <a:spLocks noGrp="1"/>
+          </p:cNvSpPr>
+          <p:nvPr>
+            <p:ph type="sldNum" sz="quarter" idx="10"/>
+          </p:nvPr>
+        </p:nvSpPr>
+        <p:spPr/>
+        <p:txBody>
+          <a:bodyPr/>
+          <a:lstStyle/>
+          <a:p>
+            <a:fld id="{D2D8002D-B5B0-4BAC-B1F6-782DDCCE6D9C}" type="slidenum">
+              <a:rPr kumimoji="1" lang="ja-JP" altLang="en-US" smtClean="0"/>
+              <a:t>9</a:t>
+            </a:fld>
+            <a:endParaRPr kumimoji="1" lang="ja-JP" altLang="en-US"/>
+          </a:p>
+        </p:txBody>
+      </p:sp>
+      <p:pic>
+        <p:nvPicPr>
+          <p:cNvPr id="12" name="図 11" descr="\documentclass{jsarticle}&#10;\usepackage{amsmath}&#10;\usepackage[T1]{fontenc}&#10;\usepackage{lmodern}&#10;\usepackage{caption}&#10;\pagestyle{empty}&#10;&#10;\begin{document}&#10;&#10;&#10;\begin{table*}&#10;  \centering&#10;  \caption*{IEEE 802.11a/gのMCSインデックスと要求RSSI}&#10;  \begin{tabular}{c|c|c|c|c|c|c}&#10;      \hline&#10;      \multicolumn{4}{c|}{IEEE 802.11a} &amp; \multicolumn{3}{c}{IEEE 802.11g} \\&#10;      \hline&#10;      変調方式 &amp; 符号化率 &amp; レート (Mbps) &amp; RSSI (dBm) &amp; 変調方式 &amp; レート (Mbps) &amp; RSSI (dBm) \\&#10;      \hline&#10;      BPSK &amp; 1/2 &amp; 6 &amp; -82 &amp; DBPSK/CCK &amp; 1 &amp; -94 \\&#10;      BPSK &amp; 3/4 &amp; 9 &amp; -81 &amp; DQPSK/CCK &amp; 2 &amp; -91 \\&#10;      QPSK &amp; 1/2 &amp; 12 &amp; -79 &amp; CCK &amp; 5.5 &amp; -89 \\&#10;      QPSK &amp; 3/4 &amp; 18 &amp; -77 &amp; CCK &amp; 11 &amp; -85 \\&#10;      16-QAM &amp; 1/2 &amp; 24 &amp; -74 &amp; BPSK-OFDM &amp; 6 &amp; -82 \\&#10;      16-QAM &amp; 3/4 &amp; 36 &amp; -70 &amp; QPSK-OFDM &amp; 12 &amp; -79 \\&#10;      64-QAM &amp; 2/3 &amp; 48 &amp; -66 &amp; 16QAM-OFDM &amp; 24 &amp; -74 \\&#10;      64-QAM &amp; 3/4 &amp; 54 &amp; -65 &amp; 64QAM-OFDM &amp; 54 &amp; -65 \\&#10;      \hline&#10;  \end{tabular}&#10;\end{table*}&#10;&#10;&#10;\end{document}" title="IguanaTex Bitmap Display">
+            <a:extLst>
+              <a:ext uri="{FF2B5EF4-FFF2-40B4-BE49-F238E27FC236}">
+                <a16:creationId xmlns:a16="http://schemas.microsoft.com/office/drawing/2014/main" id="{868FEF3A-E731-B11C-6044-45CF5EC670A3}"/>
+              </a:ext>
+            </a:extLst>
+          </p:cNvPr>
+          <p:cNvPicPr>
+            <a:picLocks noChangeAspect="1"/>
+          </p:cNvPicPr>
+          <p:nvPr>
+            <p:custDataLst>
+              <p:tags r:id="rId1"/>
+            </p:custDataLst>
+          </p:nvPr>
+        </p:nvPicPr>
+        <p:blipFill>
+          <a:blip r:embed="rId3" cstate="print">
+            <a:extLst>
+              <a:ext uri="{28A0092B-C50C-407E-A947-70E740481C1C}">
+                <a14:useLocalDpi xmlns:a14="http://schemas.microsoft.com/office/drawing/2010/main" val="0"/>
+              </a:ext>
+            </a:extLst>
+          </a:blip>
+          <a:stretch>
+            <a:fillRect/>
+          </a:stretch>
+        </p:blipFill>
+        <p:spPr>
+          <a:xfrm>
+            <a:off x="488059" y="3174660"/>
+            <a:ext cx="8167882" cy="3168351"/>
+          </a:xfrm>
+          <a:prstGeom prst="rect">
+            <a:avLst/>
+          </a:prstGeom>
+        </p:spPr>
+      </p:pic>
+    </p:spTree>
+    <p:extLst>
+      <p:ext uri="{BB962C8B-B14F-4D97-AF65-F5344CB8AC3E}">
+        <p14:creationId xmlns:p14="http://schemas.microsoft.com/office/powerpoint/2010/main" val="4271752203"/>
+      </p:ext>
+    </p:extLst>
+  </p:cSld>
+  <p:clrMapOvr>
+    <a:masterClrMapping/>
+  </p:clrMapOvr>
+</p:sld>
+</file>
+
+<file path=ppt/tags/tag1.xml><?xml version="1.0" encoding="utf-8"?>
+<p:tagLst xmlns:a="http://schemas.openxmlformats.org/drawingml/2006/main" xmlns:r="http://schemas.openxmlformats.org/officeDocument/2006/relationships" xmlns:p="http://schemas.openxmlformats.org/presentationml/2006/main">
+  <p:tag name="OUTPUTDPI" val="1200"/>
+  <p:tag name="ORIGINALHEIGHT" val="372.2218"/>
+  <p:tag name="ORIGINALWIDTH" val="959.573"/>
+  <p:tag name="OUTPUTTYPE" val="PNG"/>
+  <p:tag name="IGUANATEXVERSION" val="160"/>
+  <p:tag name="LATEXADDIN" val="\documentclass{jsarticle}&#10;\usepackage{amsmath}&#10;\usepackage[T1]{fontenc}&#10;\usepackage{lmodern}&#10;\usepackage{caption}&#10;\pagestyle{empty}&#10;&#10;\begin{document}&#10;&#10;&#10;\begin{table*}&#10;  \centering&#10;  \caption*{IEEE 802.11a/gのMCSインデックスと要求RSSI}&#10;  \begin{tabular}{c|c|c|c|c|c|c}&#10;      \hline&#10;      \multicolumn{4}{c|}{IEEE 802.11a} &amp; \multicolumn{3}{c}{IEEE 802.11g} \\&#10;      \hline&#10;      変調方式 &amp; 符号化率 &amp; レート (Mbps) &amp; RSSI (dBm) &amp; 変調方式 &amp; レート (Mbps) &amp; RSSI (dBm) \\&#10;      \hline&#10;      BPSK &amp; 1/2 &amp; 6 &amp; -82 &amp; DBPSK/CCK &amp; 1 &amp; -94 \\&#10;      BPSK &amp; 3/4 &amp; 9 &amp; -81 &amp; DQPSK/CCK &amp; 2 &amp; -91 \\&#10;      QPSK &amp; 1/2 &amp; 12 &amp; -79 &amp; CCK &amp; 5.5 &amp; -89 \\&#10;      QPSK &amp; 3/4 &amp; 18 &amp; -77 &amp; CCK &amp; 11 &amp; -85 \\&#10;      16-QAM &amp; 1/2 &amp; 24 &amp; -74 &amp; BPSK-OFDM &amp; 6 &amp; -82 \\&#10;      16-QAM &amp; 3/4 &amp; 36 &amp; -70 &amp; QPSK-OFDM &amp; 12 &amp; -79 \\&#10;      64-QAM &amp; 2/3 &amp; 48 &amp; -66 &amp; 16QAM-OFDM &amp; 24 &amp; -74 \\&#10;      64-QAM &amp; 3/4 &amp; 54 &amp; -65 &amp; 64QAM-OFDM &amp; 54 &amp; -65 \\&#10;      \hline&#10;  \end{tabular}&#10;\end{table*}&#10;&#10;&#10;\end{document}"/>
+  <p:tag name="IGUANATEXSIZE" val="60"/>
+  <p:tag name="IGUANATEXCURSOR" val="191"/>
+  <p:tag name="TRANSPARENCY" val="True"/>
+  <p:tag name="LATEXENGINEID" val="4"/>
+  <p:tag name="TEMPFOLDER" val="c:\temptex\"/>
+  <p:tag name="LATEXFORMHEIGHT" val="320"/>
+  <p:tag name="LATEXFORMWIDTH" val="385"/>
+  <p:tag name="LATEXFORMWRAP" val="True"/>
+  <p:tag name="BITMAPVECTOR" val="0"/>
+</p:tagLst>
 </file>
 
 <file path=ppt/theme/theme1.xml><?xml version="1.0" encoding="utf-8"?>

--- a/paper/pwp_tmp_shiralab.pptx
+++ b/paper/pwp_tmp_shiralab.pptx
@@ -5,26 +5,24 @@
     <p:sldMasterId id="2147483660" r:id="rId1"/>
   </p:sldMasterIdLst>
   <p:notesMasterIdLst>
-    <p:notesMasterId r:id="rId19"/>
+    <p:notesMasterId r:id="rId17"/>
   </p:notesMasterIdLst>
   <p:sldIdLst>
     <p:sldId id="256" r:id="rId2"/>
-    <p:sldId id="257" r:id="rId3"/>
-    <p:sldId id="259" r:id="rId4"/>
-    <p:sldId id="266" r:id="rId5"/>
-    <p:sldId id="269" r:id="rId6"/>
+    <p:sldId id="259" r:id="rId3"/>
+    <p:sldId id="257" r:id="rId4"/>
+    <p:sldId id="273" r:id="rId5"/>
+    <p:sldId id="274" r:id="rId6"/>
     <p:sldId id="270" r:id="rId7"/>
     <p:sldId id="271" r:id="rId8"/>
     <p:sldId id="272" r:id="rId9"/>
     <p:sldId id="265" r:id="rId10"/>
-    <p:sldId id="263" r:id="rId11"/>
-    <p:sldId id="258" r:id="rId12"/>
-    <p:sldId id="260" r:id="rId13"/>
-    <p:sldId id="264" r:id="rId14"/>
-    <p:sldId id="261" r:id="rId15"/>
-    <p:sldId id="262" r:id="rId16"/>
-    <p:sldId id="267" r:id="rId17"/>
-    <p:sldId id="268" r:id="rId18"/>
+    <p:sldId id="260" r:id="rId11"/>
+    <p:sldId id="261" r:id="rId12"/>
+    <p:sldId id="262" r:id="rId13"/>
+    <p:sldId id="275" r:id="rId14"/>
+    <p:sldId id="268" r:id="rId15"/>
+    <p:sldId id="267" r:id="rId16"/>
   </p:sldIdLst>
   <p:sldSz cx="9144000" cy="6858000" type="screen4x3"/>
   <p:notesSz cx="6858000" cy="9144000"/>
@@ -521,6 +519,377 @@
     </a:lvl9pPr>
   </p:notesStyle>
 </p:notesMaster>
+</file>
+
+<file path=ppt/notesSlides/notesSlide1.xml><?xml version="1.0" encoding="utf-8"?>
+<p:notes xmlns:a="http://schemas.openxmlformats.org/drawingml/2006/main" xmlns:r="http://schemas.openxmlformats.org/officeDocument/2006/relationships" xmlns:p="http://schemas.openxmlformats.org/presentationml/2006/main">
+  <p:cSld>
+    <p:spTree>
+      <p:nvGrpSpPr>
+        <p:cNvPr id="1" name=""/>
+        <p:cNvGrpSpPr/>
+        <p:nvPr/>
+      </p:nvGrpSpPr>
+      <p:grpSpPr>
+        <a:xfrm>
+          <a:off x="0" y="0"/>
+          <a:ext cx="0" cy="0"/>
+          <a:chOff x="0" y="0"/>
+          <a:chExt cx="0" cy="0"/>
+        </a:xfrm>
+      </p:grpSpPr>
+      <p:sp>
+        <p:nvSpPr>
+          <p:cNvPr id="2" name="Slide Image Placeholder 1"/>
+          <p:cNvSpPr>
+            <a:spLocks noGrp="1" noRot="1" noChangeAspect="1"/>
+          </p:cNvSpPr>
+          <p:nvPr>
+            <p:ph type="sldImg"/>
+          </p:nvPr>
+        </p:nvSpPr>
+        <p:spPr/>
+      </p:sp>
+      <p:sp>
+        <p:nvSpPr>
+          <p:cNvPr id="3" name="Notes Placeholder 2"/>
+          <p:cNvSpPr>
+            <a:spLocks noGrp="1"/>
+          </p:cNvSpPr>
+          <p:nvPr>
+            <p:ph type="body" idx="1"/>
+          </p:nvPr>
+        </p:nvSpPr>
+        <p:spPr/>
+        <p:txBody>
+          <a:bodyPr/>
+          <a:lstStyle/>
+          <a:p>
+            <a:endParaRPr lang="en-GB"/>
+          </a:p>
+        </p:txBody>
+      </p:sp>
+      <p:sp>
+        <p:nvSpPr>
+          <p:cNvPr id="4" name="Slide Number Placeholder 3"/>
+          <p:cNvSpPr>
+            <a:spLocks noGrp="1"/>
+          </p:cNvSpPr>
+          <p:nvPr>
+            <p:ph type="sldNum" sz="quarter" idx="5"/>
+          </p:nvPr>
+        </p:nvSpPr>
+        <p:spPr/>
+        <p:txBody>
+          <a:bodyPr/>
+          <a:lstStyle/>
+          <a:p>
+            <a:fld id="{D6349F50-0211-4302-8A79-63D7B7674E84}" type="slidenum">
+              <a:rPr kumimoji="1" lang="ja-JP" altLang="en-US" smtClean="0"/>
+              <a:t>1</a:t>
+            </a:fld>
+            <a:endParaRPr kumimoji="1" lang="ja-JP" altLang="en-US"/>
+          </a:p>
+        </p:txBody>
+      </p:sp>
+    </p:spTree>
+    <p:extLst>
+      <p:ext uri="{BB962C8B-B14F-4D97-AF65-F5344CB8AC3E}">
+        <p14:creationId xmlns:p14="http://schemas.microsoft.com/office/powerpoint/2010/main" val="245356482"/>
+      </p:ext>
+    </p:extLst>
+  </p:cSld>
+  <p:clrMapOvr>
+    <a:masterClrMapping/>
+  </p:clrMapOvr>
+</p:notes>
+</file>
+
+<file path=ppt/notesSlides/notesSlide2.xml><?xml version="1.0" encoding="utf-8"?>
+<p:notes xmlns:a="http://schemas.openxmlformats.org/drawingml/2006/main" xmlns:r="http://schemas.openxmlformats.org/officeDocument/2006/relationships" xmlns:p="http://schemas.openxmlformats.org/presentationml/2006/main">
+  <p:cSld>
+    <p:spTree>
+      <p:nvGrpSpPr>
+        <p:cNvPr id="1" name=""/>
+        <p:cNvGrpSpPr/>
+        <p:nvPr/>
+      </p:nvGrpSpPr>
+      <p:grpSpPr>
+        <a:xfrm>
+          <a:off x="0" y="0"/>
+          <a:ext cx="0" cy="0"/>
+          <a:chOff x="0" y="0"/>
+          <a:chExt cx="0" cy="0"/>
+        </a:xfrm>
+      </p:grpSpPr>
+      <p:sp>
+        <p:nvSpPr>
+          <p:cNvPr id="2" name="Slide Image Placeholder 1"/>
+          <p:cNvSpPr>
+            <a:spLocks noGrp="1" noRot="1" noChangeAspect="1"/>
+          </p:cNvSpPr>
+          <p:nvPr>
+            <p:ph type="sldImg"/>
+          </p:nvPr>
+        </p:nvSpPr>
+        <p:spPr/>
+      </p:sp>
+      <p:sp>
+        <p:nvSpPr>
+          <p:cNvPr id="3" name="Notes Placeholder 2"/>
+          <p:cNvSpPr>
+            <a:spLocks noGrp="1"/>
+          </p:cNvSpPr>
+          <p:nvPr>
+            <p:ph type="body" idx="1"/>
+          </p:nvPr>
+        </p:nvSpPr>
+        <p:spPr/>
+        <p:txBody>
+          <a:bodyPr/>
+          <a:lstStyle/>
+          <a:p>
+            <a:endParaRPr lang="en-GB" dirty="0"/>
+          </a:p>
+        </p:txBody>
+      </p:sp>
+      <p:sp>
+        <p:nvSpPr>
+          <p:cNvPr id="4" name="Slide Number Placeholder 3"/>
+          <p:cNvSpPr>
+            <a:spLocks noGrp="1"/>
+          </p:cNvSpPr>
+          <p:nvPr>
+            <p:ph type="sldNum" sz="quarter" idx="5"/>
+          </p:nvPr>
+        </p:nvSpPr>
+        <p:spPr/>
+        <p:txBody>
+          <a:bodyPr/>
+          <a:lstStyle/>
+          <a:p>
+            <a:fld id="{D6349F50-0211-4302-8A79-63D7B7674E84}" type="slidenum">
+              <a:rPr kumimoji="1" lang="ja-JP" altLang="en-US" smtClean="0"/>
+              <a:t>3</a:t>
+            </a:fld>
+            <a:endParaRPr kumimoji="1" lang="ja-JP" altLang="en-US"/>
+          </a:p>
+        </p:txBody>
+      </p:sp>
+    </p:spTree>
+    <p:extLst>
+      <p:ext uri="{BB962C8B-B14F-4D97-AF65-F5344CB8AC3E}">
+        <p14:creationId xmlns:p14="http://schemas.microsoft.com/office/powerpoint/2010/main" val="1662668158"/>
+      </p:ext>
+    </p:extLst>
+  </p:cSld>
+  <p:clrMapOvr>
+    <a:masterClrMapping/>
+  </p:clrMapOvr>
+</p:notes>
+</file>
+
+<file path=ppt/notesSlides/notesSlide3.xml><?xml version="1.0" encoding="utf-8"?>
+<p:notes xmlns:a="http://schemas.openxmlformats.org/drawingml/2006/main" xmlns:r="http://schemas.openxmlformats.org/officeDocument/2006/relationships" xmlns:p="http://schemas.openxmlformats.org/presentationml/2006/main">
+  <p:cSld>
+    <p:spTree>
+      <p:nvGrpSpPr>
+        <p:cNvPr id="1" name=""/>
+        <p:cNvGrpSpPr/>
+        <p:nvPr/>
+      </p:nvGrpSpPr>
+      <p:grpSpPr>
+        <a:xfrm>
+          <a:off x="0" y="0"/>
+          <a:ext cx="0" cy="0"/>
+          <a:chOff x="0" y="0"/>
+          <a:chExt cx="0" cy="0"/>
+        </a:xfrm>
+      </p:grpSpPr>
+      <p:sp>
+        <p:nvSpPr>
+          <p:cNvPr id="2" name="Slide Image Placeholder 1"/>
+          <p:cNvSpPr>
+            <a:spLocks noGrp="1" noRot="1" noChangeAspect="1"/>
+          </p:cNvSpPr>
+          <p:nvPr>
+            <p:ph type="sldImg"/>
+          </p:nvPr>
+        </p:nvSpPr>
+        <p:spPr/>
+      </p:sp>
+      <p:sp>
+        <p:nvSpPr>
+          <p:cNvPr id="3" name="Notes Placeholder 2"/>
+          <p:cNvSpPr>
+            <a:spLocks noGrp="1"/>
+          </p:cNvSpPr>
+          <p:nvPr>
+            <p:ph type="body" idx="1"/>
+          </p:nvPr>
+        </p:nvSpPr>
+        <p:spPr/>
+        <p:txBody>
+          <a:bodyPr/>
+          <a:lstStyle/>
+          <a:p>
+            <a:endParaRPr lang="en-GB"/>
+          </a:p>
+        </p:txBody>
+      </p:sp>
+      <p:sp>
+        <p:nvSpPr>
+          <p:cNvPr id="4" name="Slide Number Placeholder 3"/>
+          <p:cNvSpPr>
+            <a:spLocks noGrp="1"/>
+          </p:cNvSpPr>
+          <p:nvPr>
+            <p:ph type="sldNum" sz="quarter" idx="5"/>
+          </p:nvPr>
+        </p:nvSpPr>
+        <p:spPr/>
+        <p:txBody>
+          <a:bodyPr/>
+          <a:lstStyle/>
+          <a:p>
+            <a:fld id="{D6349F50-0211-4302-8A79-63D7B7674E84}" type="slidenum">
+              <a:rPr kumimoji="1" lang="ja-JP" altLang="en-US" smtClean="0"/>
+              <a:t>4</a:t>
+            </a:fld>
+            <a:endParaRPr kumimoji="1" lang="ja-JP" altLang="en-US"/>
+          </a:p>
+        </p:txBody>
+      </p:sp>
+    </p:spTree>
+    <p:extLst>
+      <p:ext uri="{BB962C8B-B14F-4D97-AF65-F5344CB8AC3E}">
+        <p14:creationId xmlns:p14="http://schemas.microsoft.com/office/powerpoint/2010/main" val="2838598348"/>
+      </p:ext>
+    </p:extLst>
+  </p:cSld>
+  <p:clrMapOvr>
+    <a:masterClrMapping/>
+  </p:clrMapOvr>
+</p:notes>
+</file>
+
+<file path=ppt/notesSlides/notesSlide4.xml><?xml version="1.0" encoding="utf-8"?>
+<p:notes xmlns:a="http://schemas.openxmlformats.org/drawingml/2006/main" xmlns:r="http://schemas.openxmlformats.org/officeDocument/2006/relationships" xmlns:p="http://schemas.openxmlformats.org/presentationml/2006/main">
+  <p:cSld>
+    <p:spTree>
+      <p:nvGrpSpPr>
+        <p:cNvPr id="1" name=""/>
+        <p:cNvGrpSpPr/>
+        <p:nvPr/>
+      </p:nvGrpSpPr>
+      <p:grpSpPr>
+        <a:xfrm>
+          <a:off x="0" y="0"/>
+          <a:ext cx="0" cy="0"/>
+          <a:chOff x="0" y="0"/>
+          <a:chExt cx="0" cy="0"/>
+        </a:xfrm>
+      </p:grpSpPr>
+      <p:sp>
+        <p:nvSpPr>
+          <p:cNvPr id="2" name="Slide Image Placeholder 1"/>
+          <p:cNvSpPr>
+            <a:spLocks noGrp="1" noRot="1" noChangeAspect="1"/>
+          </p:cNvSpPr>
+          <p:nvPr>
+            <p:ph type="sldImg"/>
+          </p:nvPr>
+        </p:nvSpPr>
+        <p:spPr/>
+      </p:sp>
+      <p:sp>
+        <p:nvSpPr>
+          <p:cNvPr id="3" name="Notes Placeholder 2"/>
+          <p:cNvSpPr>
+            <a:spLocks noGrp="1"/>
+          </p:cNvSpPr>
+          <p:nvPr>
+            <p:ph type="body" idx="1"/>
+          </p:nvPr>
+        </p:nvSpPr>
+        <p:spPr/>
+        <p:txBody>
+          <a:bodyPr/>
+          <a:lstStyle/>
+          <a:p>
+            <a:r>
+              <a:rPr lang="ja-JP" altLang="en-US" dirty="0"/>
+              <a:t>②優先順位によりどの</a:t>
+            </a:r>
+            <a:r>
+              <a:rPr lang="en-GB" altLang="ja-JP" dirty="0"/>
+              <a:t>IFS</a:t>
+            </a:r>
+            <a:r>
+              <a:rPr lang="ja-JP" altLang="en-US" dirty="0"/>
+              <a:t>が使われるかが決定される</a:t>
+            </a:r>
+            <a:endParaRPr lang="en-GB" altLang="ja-JP" dirty="0"/>
+          </a:p>
+          <a:p>
+            <a:r>
+              <a:rPr lang="ja-JP" altLang="en-US" dirty="0"/>
+              <a:t>④失敗すると再送制御が必要となる優先度の高い制御フレームは</a:t>
+            </a:r>
+            <a:r>
+              <a:rPr lang="en-GB" altLang="ja-JP" dirty="0"/>
+              <a:t>DIFS</a:t>
+            </a:r>
+            <a:r>
+              <a:rPr lang="ja-JP" altLang="en-US" dirty="0"/>
+              <a:t>時間待つと他端末のデータフレームと競合する可能性があるため、より短い</a:t>
+            </a:r>
+            <a:r>
+              <a:rPr lang="en-GB" altLang="ja-JP" dirty="0"/>
+              <a:t>SIFS</a:t>
+            </a:r>
+            <a:r>
+              <a:rPr lang="ja-JP" altLang="en-US" dirty="0"/>
+              <a:t>を用いることで優先的に送信する</a:t>
+            </a:r>
+            <a:endParaRPr lang="en-GB" dirty="0"/>
+          </a:p>
+        </p:txBody>
+      </p:sp>
+      <p:sp>
+        <p:nvSpPr>
+          <p:cNvPr id="4" name="Slide Number Placeholder 3"/>
+          <p:cNvSpPr>
+            <a:spLocks noGrp="1"/>
+          </p:cNvSpPr>
+          <p:nvPr>
+            <p:ph type="sldNum" sz="quarter" idx="5"/>
+          </p:nvPr>
+        </p:nvSpPr>
+        <p:spPr/>
+        <p:txBody>
+          <a:bodyPr/>
+          <a:lstStyle/>
+          <a:p>
+            <a:fld id="{D6349F50-0211-4302-8A79-63D7B7674E84}" type="slidenum">
+              <a:rPr kumimoji="1" lang="ja-JP" altLang="en-US" smtClean="0"/>
+              <a:t>7</a:t>
+            </a:fld>
+            <a:endParaRPr kumimoji="1" lang="ja-JP" altLang="en-US"/>
+          </a:p>
+        </p:txBody>
+      </p:sp>
+    </p:spTree>
+    <p:extLst>
+      <p:ext uri="{BB962C8B-B14F-4D97-AF65-F5344CB8AC3E}">
+        <p14:creationId xmlns:p14="http://schemas.microsoft.com/office/powerpoint/2010/main" val="3777915472"/>
+      </p:ext>
+    </p:extLst>
+  </p:cSld>
+  <p:clrMapOvr>
+    <a:masterClrMapping/>
+  </p:clrMapOvr>
+</p:notes>
 </file>
 
 <file path=ppt/slideLayouts/slideLayout1.xml><?xml version="1.0" encoding="utf-8"?>
@@ -4732,551 +5101,6 @@
         <p:cNvPr id="1" name="">
           <a:extLst>
             <a:ext uri="{FF2B5EF4-FFF2-40B4-BE49-F238E27FC236}">
-              <a16:creationId xmlns:a16="http://schemas.microsoft.com/office/drawing/2014/main" id="{2FE0F538-E07F-4259-73D8-4FEABCD07590}"/>
-            </a:ext>
-          </a:extLst>
-        </p:cNvPr>
-        <p:cNvGrpSpPr/>
-        <p:nvPr/>
-      </p:nvGrpSpPr>
-      <p:grpSpPr>
-        <a:xfrm>
-          <a:off x="0" y="0"/>
-          <a:ext cx="0" cy="0"/>
-          <a:chOff x="0" y="0"/>
-          <a:chExt cx="0" cy="0"/>
-        </a:xfrm>
-      </p:grpSpPr>
-      <p:sp>
-        <p:nvSpPr>
-          <p:cNvPr id="2" name="コンテンツ プレースホルダー 1">
-            <a:extLst>
-              <a:ext uri="{FF2B5EF4-FFF2-40B4-BE49-F238E27FC236}">
-                <a16:creationId xmlns:a16="http://schemas.microsoft.com/office/drawing/2014/main" id="{B6F6704A-6D90-C400-713A-ED599B6A8BFA}"/>
-              </a:ext>
-            </a:extLst>
-          </p:cNvPr>
-          <p:cNvSpPr>
-            <a:spLocks noGrp="1"/>
-          </p:cNvSpPr>
-          <p:nvPr>
-            <p:ph idx="1"/>
-          </p:nvPr>
-        </p:nvSpPr>
-        <p:spPr>
-          <a:xfrm>
-            <a:off x="457872" y="1561514"/>
-            <a:ext cx="8002560" cy="4943446"/>
-          </a:xfrm>
-        </p:spPr>
-        <p:txBody>
-          <a:bodyPr/>
-          <a:lstStyle/>
-          <a:p>
-            <a:r>
-              <a:rPr kumimoji="1" lang="en-US" altLang="ja-JP" dirty="0">
-                <a:latin typeface="BIZ UDPゴシック" panose="020B0400000000000000" pitchFamily="50" charset="-128"/>
-                <a:ea typeface="BIZ UDPゴシック" panose="020B0400000000000000" pitchFamily="50" charset="-128"/>
-              </a:rPr>
-              <a:t>IEEE802.11a, 24Mbps</a:t>
-            </a:r>
-            <a:r>
-              <a:rPr kumimoji="1" lang="ja-JP" altLang="en-US" dirty="0">
-                <a:latin typeface="BIZ UDPゴシック" panose="020B0400000000000000" pitchFamily="50" charset="-128"/>
-                <a:ea typeface="BIZ UDPゴシック" panose="020B0400000000000000" pitchFamily="50" charset="-128"/>
-              </a:rPr>
-              <a:t>固定で端末数</a:t>
-            </a:r>
-            <a:r>
-              <a:rPr kumimoji="1" lang="en-US" altLang="ja-JP" dirty="0">
-                <a:latin typeface="BIZ UDPゴシック" panose="020B0400000000000000" pitchFamily="50" charset="-128"/>
-                <a:ea typeface="BIZ UDPゴシック" panose="020B0400000000000000" pitchFamily="50" charset="-128"/>
-              </a:rPr>
-              <a:t>1</a:t>
-            </a:r>
-            <a:r>
-              <a:rPr kumimoji="1" lang="ja-JP" altLang="en-US" dirty="0">
-                <a:latin typeface="BIZ UDPゴシック" panose="020B0400000000000000" pitchFamily="50" charset="-128"/>
-                <a:ea typeface="BIZ UDPゴシック" panose="020B0400000000000000" pitchFamily="50" charset="-128"/>
-              </a:rPr>
-              <a:t>～</a:t>
-            </a:r>
-            <a:r>
-              <a:rPr kumimoji="1" lang="en-US" altLang="ja-JP" dirty="0">
-                <a:latin typeface="BIZ UDPゴシック" panose="020B0400000000000000" pitchFamily="50" charset="-128"/>
-                <a:ea typeface="BIZ UDPゴシック" panose="020B0400000000000000" pitchFamily="50" charset="-128"/>
-              </a:rPr>
-              <a:t>80</a:t>
-            </a:r>
-            <a:r>
-              <a:rPr kumimoji="1" lang="ja-JP" altLang="en-US" dirty="0">
-                <a:latin typeface="BIZ UDPゴシック" panose="020B0400000000000000" pitchFamily="50" charset="-128"/>
-                <a:ea typeface="BIZ UDPゴシック" panose="020B0400000000000000" pitchFamily="50" charset="-128"/>
-              </a:rPr>
-              <a:t>台で</a:t>
-            </a:r>
-            <a:r>
-              <a:rPr kumimoji="1" lang="en-US" altLang="ja-JP" dirty="0">
-                <a:latin typeface="BIZ UDPゴシック" panose="020B0400000000000000" pitchFamily="50" charset="-128"/>
-                <a:ea typeface="BIZ UDPゴシック" panose="020B0400000000000000" pitchFamily="50" charset="-128"/>
-              </a:rPr>
-              <a:t>10</a:t>
-            </a:r>
-            <a:r>
-              <a:rPr lang="ja-JP" altLang="en-US" dirty="0">
-                <a:latin typeface="BIZ UDPゴシック" panose="020B0400000000000000" pitchFamily="50" charset="-128"/>
-                <a:ea typeface="BIZ UDPゴシック" panose="020B0400000000000000" pitchFamily="50" charset="-128"/>
-              </a:rPr>
-              <a:t>づつ変化させ</a:t>
-            </a:r>
-            <a:r>
-              <a:rPr lang="en-US" altLang="ja-JP" dirty="0">
-                <a:latin typeface="BIZ UDPゴシック" panose="020B0400000000000000" pitchFamily="50" charset="-128"/>
-                <a:ea typeface="BIZ UDPゴシック" panose="020B0400000000000000" pitchFamily="50" charset="-128"/>
-              </a:rPr>
-              <a:t>1000</a:t>
-            </a:r>
-            <a:r>
-              <a:rPr lang="ja-JP" altLang="en-US" dirty="0">
-                <a:latin typeface="BIZ UDPゴシック" panose="020B0400000000000000" pitchFamily="50" charset="-128"/>
-                <a:ea typeface="BIZ UDPゴシック" panose="020B0400000000000000" pitchFamily="50" charset="-128"/>
-              </a:rPr>
-              <a:t>回行った平均をプロットした</a:t>
-            </a:r>
-            <a:r>
-              <a:rPr lang="en-US" altLang="ja-JP" dirty="0">
-                <a:latin typeface="BIZ UDPゴシック" panose="020B0400000000000000" pitchFamily="50" charset="-128"/>
-                <a:ea typeface="BIZ UDPゴシック" panose="020B0400000000000000" pitchFamily="50" charset="-128"/>
-              </a:rPr>
-              <a:t>.</a:t>
-            </a:r>
-          </a:p>
-          <a:p>
-            <a:endParaRPr kumimoji="1" lang="en-US" altLang="ja-JP" dirty="0">
-              <a:latin typeface="BIZ UDPゴシック" panose="020B0400000000000000" pitchFamily="50" charset="-128"/>
-              <a:ea typeface="BIZ UDPゴシック" panose="020B0400000000000000" pitchFamily="50" charset="-128"/>
-            </a:endParaRPr>
-          </a:p>
-          <a:p>
-            <a:r>
-              <a:rPr lang="ja-JP" altLang="en-US" dirty="0">
-                <a:latin typeface="BIZ UDPゴシック" panose="020B0400000000000000" pitchFamily="50" charset="-128"/>
-                <a:ea typeface="BIZ UDPゴシック" panose="020B0400000000000000" pitchFamily="50" charset="-128"/>
-              </a:rPr>
-              <a:t>参考値は文献を元にシミュレーションした値と比較を行った</a:t>
-            </a:r>
-            <a:r>
-              <a:rPr lang="en-US" altLang="ja-JP" dirty="0">
-                <a:latin typeface="BIZ UDPゴシック" panose="020B0400000000000000" pitchFamily="50" charset="-128"/>
-                <a:ea typeface="BIZ UDPゴシック" panose="020B0400000000000000" pitchFamily="50" charset="-128"/>
-              </a:rPr>
-              <a:t>.</a:t>
-            </a:r>
-            <a:endParaRPr kumimoji="1" lang="ja-JP" altLang="en-US" dirty="0">
-              <a:latin typeface="BIZ UDPゴシック" panose="020B0400000000000000" pitchFamily="50" charset="-128"/>
-              <a:ea typeface="BIZ UDPゴシック" panose="020B0400000000000000" pitchFamily="50" charset="-128"/>
-            </a:endParaRPr>
-          </a:p>
-        </p:txBody>
-      </p:sp>
-      <p:sp>
-        <p:nvSpPr>
-          <p:cNvPr id="3" name="タイトル 2">
-            <a:extLst>
-              <a:ext uri="{FF2B5EF4-FFF2-40B4-BE49-F238E27FC236}">
-                <a16:creationId xmlns:a16="http://schemas.microsoft.com/office/drawing/2014/main" id="{9CB9116B-A045-9A8C-6831-14EFCB9F0071}"/>
-              </a:ext>
-            </a:extLst>
-          </p:cNvPr>
-          <p:cNvSpPr>
-            <a:spLocks noGrp="1"/>
-          </p:cNvSpPr>
-          <p:nvPr>
-            <p:ph type="title"/>
-          </p:nvPr>
-        </p:nvSpPr>
-        <p:spPr/>
-        <p:txBody>
-          <a:bodyPr/>
-          <a:lstStyle/>
-          <a:p>
-            <a:r>
-              <a:rPr kumimoji="1" lang="ja-JP" altLang="en-US" dirty="0">
-                <a:latin typeface="BIZ UDPゴシック" panose="020B0400000000000000" pitchFamily="50" charset="-128"/>
-                <a:ea typeface="BIZ UDPゴシック" panose="020B0400000000000000" pitchFamily="50" charset="-128"/>
-              </a:rPr>
-              <a:t>シミュレーション</a:t>
-            </a:r>
-            <a:r>
-              <a:rPr kumimoji="1" lang="en-US" altLang="ja-JP" dirty="0">
-                <a:latin typeface="BIZ UDPゴシック" panose="020B0400000000000000" pitchFamily="50" charset="-128"/>
-                <a:ea typeface="BIZ UDPゴシック" panose="020B0400000000000000" pitchFamily="50" charset="-128"/>
-              </a:rPr>
-              <a:t>1 </a:t>
-            </a:r>
-            <a:r>
-              <a:rPr kumimoji="1" lang="ja-JP" altLang="en-US" dirty="0">
-                <a:latin typeface="BIZ UDPゴシック" panose="020B0400000000000000" pitchFamily="50" charset="-128"/>
-                <a:ea typeface="BIZ UDPゴシック" panose="020B0400000000000000" pitchFamily="50" charset="-128"/>
-              </a:rPr>
-              <a:t>概要</a:t>
-            </a:r>
-          </a:p>
-        </p:txBody>
-      </p:sp>
-      <p:sp>
-        <p:nvSpPr>
-          <p:cNvPr id="4" name="スライド番号プレースホルダー 3">
-            <a:extLst>
-              <a:ext uri="{FF2B5EF4-FFF2-40B4-BE49-F238E27FC236}">
-                <a16:creationId xmlns:a16="http://schemas.microsoft.com/office/drawing/2014/main" id="{B927F47D-1EF9-011D-4763-E183171326AC}"/>
-              </a:ext>
-            </a:extLst>
-          </p:cNvPr>
-          <p:cNvSpPr>
-            <a:spLocks noGrp="1"/>
-          </p:cNvSpPr>
-          <p:nvPr>
-            <p:ph type="sldNum" sz="quarter" idx="10"/>
-          </p:nvPr>
-        </p:nvSpPr>
-        <p:spPr/>
-        <p:txBody>
-          <a:bodyPr/>
-          <a:lstStyle/>
-          <a:p>
-            <a:fld id="{D2D8002D-B5B0-4BAC-B1F6-782DDCCE6D9C}" type="slidenum">
-              <a:rPr kumimoji="1" lang="ja-JP" altLang="en-US" smtClean="0"/>
-              <a:t>10</a:t>
-            </a:fld>
-            <a:endParaRPr kumimoji="1" lang="ja-JP" altLang="en-US"/>
-          </a:p>
-        </p:txBody>
-      </p:sp>
-      <p:sp>
-        <p:nvSpPr>
-          <p:cNvPr id="5" name="テキスト ボックス 4">
-            <a:extLst>
-              <a:ext uri="{FF2B5EF4-FFF2-40B4-BE49-F238E27FC236}">
-                <a16:creationId xmlns:a16="http://schemas.microsoft.com/office/drawing/2014/main" id="{A3E6C40E-A84A-7BB9-B988-E01F851283AE}"/>
-              </a:ext>
-            </a:extLst>
-          </p:cNvPr>
-          <p:cNvSpPr txBox="1"/>
-          <p:nvPr/>
-        </p:nvSpPr>
-        <p:spPr>
-          <a:xfrm>
-            <a:off x="172803" y="6128679"/>
-            <a:ext cx="8362600" cy="738664"/>
-          </a:xfrm>
-          <a:prstGeom prst="rect">
-            <a:avLst/>
-          </a:prstGeom>
-          <a:noFill/>
-        </p:spPr>
-        <p:txBody>
-          <a:bodyPr wrap="square" rtlCol="0">
-            <a:spAutoFit/>
-          </a:bodyPr>
-          <a:lstStyle/>
-          <a:p>
-            <a:r>
-              <a:rPr lang="en-GB" altLang="ja-JP" sz="1400" b="0" dirty="0">
-                <a:solidFill>
-                  <a:schemeClr val="tx1">
-                    <a:lumMod val="50000"/>
-                  </a:schemeClr>
-                </a:solidFill>
-                <a:effectLst/>
-                <a:latin typeface="BIZ UDPゴシック" panose="020B0400000000000000" pitchFamily="50" charset="-128"/>
-                <a:ea typeface="BIZ UDPゴシック" panose="020B0400000000000000" pitchFamily="50" charset="-128"/>
-              </a:rPr>
-              <a:t>Y. </a:t>
-            </a:r>
-            <a:r>
-              <a:rPr lang="en-GB" altLang="ja-JP" sz="1400" b="0" dirty="0" err="1">
-                <a:solidFill>
-                  <a:schemeClr val="tx1">
-                    <a:lumMod val="50000"/>
-                  </a:schemeClr>
-                </a:solidFill>
-                <a:effectLst/>
-                <a:latin typeface="BIZ UDPゴシック" panose="020B0400000000000000" pitchFamily="50" charset="-128"/>
-                <a:ea typeface="BIZ UDPゴシック" panose="020B0400000000000000" pitchFamily="50" charset="-128"/>
-              </a:rPr>
-              <a:t>Morino</a:t>
-            </a:r>
-            <a:r>
-              <a:rPr lang="en-GB" altLang="ja-JP" sz="1400" b="0" dirty="0">
-                <a:solidFill>
-                  <a:schemeClr val="tx1">
-                    <a:lumMod val="50000"/>
-                  </a:schemeClr>
-                </a:solidFill>
-                <a:effectLst/>
-                <a:latin typeface="BIZ UDPゴシック" panose="020B0400000000000000" pitchFamily="50" charset="-128"/>
-                <a:ea typeface="BIZ UDPゴシック" panose="020B0400000000000000" pitchFamily="50" charset="-128"/>
-              </a:rPr>
-              <a:t>, T. </a:t>
-            </a:r>
-            <a:r>
-              <a:rPr lang="en-GB" altLang="ja-JP" sz="1400" b="0" dirty="0" err="1">
-                <a:solidFill>
-                  <a:schemeClr val="tx1">
-                    <a:lumMod val="50000"/>
-                  </a:schemeClr>
-                </a:solidFill>
-                <a:effectLst/>
-                <a:latin typeface="BIZ UDPゴシック" panose="020B0400000000000000" pitchFamily="50" charset="-128"/>
-                <a:ea typeface="BIZ UDPゴシック" panose="020B0400000000000000" pitchFamily="50" charset="-128"/>
-              </a:rPr>
-              <a:t>Hiraguri</a:t>
-            </a:r>
-            <a:r>
-              <a:rPr lang="en-GB" altLang="ja-JP" sz="1400" b="0" dirty="0">
-                <a:solidFill>
-                  <a:schemeClr val="tx1">
-                    <a:lumMod val="50000"/>
-                  </a:schemeClr>
-                </a:solidFill>
-                <a:effectLst/>
-                <a:latin typeface="BIZ UDPゴシック" panose="020B0400000000000000" pitchFamily="50" charset="-128"/>
-                <a:ea typeface="BIZ UDPゴシック" panose="020B0400000000000000" pitchFamily="50" charset="-128"/>
-              </a:rPr>
-              <a:t>, H. Yoshino, K. </a:t>
-            </a:r>
-            <a:r>
-              <a:rPr lang="en-GB" altLang="ja-JP" sz="1400" b="0" dirty="0" err="1">
-                <a:solidFill>
-                  <a:schemeClr val="tx1">
-                    <a:lumMod val="50000"/>
-                  </a:schemeClr>
-                </a:solidFill>
-                <a:effectLst/>
-                <a:latin typeface="BIZ UDPゴシック" panose="020B0400000000000000" pitchFamily="50" charset="-128"/>
-                <a:ea typeface="BIZ UDPゴシック" panose="020B0400000000000000" pitchFamily="50" charset="-128"/>
-              </a:rPr>
-              <a:t>Nishimori</a:t>
-            </a:r>
-            <a:r>
-              <a:rPr lang="en-GB" altLang="ja-JP" sz="1400" b="0" dirty="0">
-                <a:solidFill>
-                  <a:schemeClr val="tx1">
-                    <a:lumMod val="50000"/>
-                  </a:schemeClr>
-                </a:solidFill>
-                <a:effectLst/>
-                <a:latin typeface="BIZ UDPゴシック" panose="020B0400000000000000" pitchFamily="50" charset="-128"/>
-                <a:ea typeface="BIZ UDPゴシック" panose="020B0400000000000000" pitchFamily="50" charset="-128"/>
-              </a:rPr>
-              <a:t>, T. Matsuda, ``A Novel Collision Avoidance Scheme Using Optimized Contention Window in Dense Wireless LAN Environments‘’ </a:t>
-            </a:r>
-            <a:r>
-              <a:rPr lang="en-GB" altLang="ja-JP" sz="1400" b="0" i="1" dirty="0">
-                <a:solidFill>
-                  <a:schemeClr val="tx1">
-                    <a:lumMod val="50000"/>
-                  </a:schemeClr>
-                </a:solidFill>
-                <a:effectLst/>
-                <a:latin typeface="BIZ UDPゴシック" panose="020B0400000000000000" pitchFamily="50" charset="-128"/>
-                <a:ea typeface="BIZ UDPゴシック" panose="020B0400000000000000" pitchFamily="50" charset="-128"/>
-              </a:rPr>
-              <a:t>IEICE TRANS. COMMUN.</a:t>
-            </a:r>
-            <a:r>
-              <a:rPr lang="ja-JP" altLang="en-US" sz="1400" i="1" dirty="0">
-                <a:solidFill>
-                  <a:schemeClr val="tx1">
-                    <a:lumMod val="50000"/>
-                  </a:schemeClr>
-                </a:solidFill>
-                <a:latin typeface="BIZ UDPゴシック" panose="020B0400000000000000" pitchFamily="50" charset="-128"/>
-                <a:ea typeface="BIZ UDPゴシック" panose="020B0400000000000000" pitchFamily="50" charset="-128"/>
-              </a:rPr>
-              <a:t>　</a:t>
-            </a:r>
-            <a:r>
-              <a:rPr lang="en-GB" altLang="ja-JP" sz="1400" b="0" dirty="0">
-                <a:solidFill>
-                  <a:schemeClr val="tx1">
-                    <a:lumMod val="50000"/>
-                  </a:schemeClr>
-                </a:solidFill>
-                <a:effectLst/>
-                <a:latin typeface="BIZ UDPゴシック" panose="020B0400000000000000" pitchFamily="50" charset="-128"/>
-                <a:ea typeface="BIZ UDPゴシック" panose="020B0400000000000000" pitchFamily="50" charset="-128"/>
-              </a:rPr>
-              <a:t>, VOL.E99-B, NO.11 NOVEMBER 2016</a:t>
-            </a:r>
-          </a:p>
-        </p:txBody>
-      </p:sp>
-    </p:spTree>
-    <p:extLst>
-      <p:ext uri="{BB962C8B-B14F-4D97-AF65-F5344CB8AC3E}">
-        <p14:creationId xmlns:p14="http://schemas.microsoft.com/office/powerpoint/2010/main" val="4057020991"/>
-      </p:ext>
-    </p:extLst>
-  </p:cSld>
-  <p:clrMapOvr>
-    <a:masterClrMapping/>
-  </p:clrMapOvr>
-</p:sld>
-</file>
-
-<file path=ppt/slides/slide11.xml><?xml version="1.0" encoding="utf-8"?>
-<p:sld xmlns:a="http://schemas.openxmlformats.org/drawingml/2006/main" xmlns:r="http://schemas.openxmlformats.org/officeDocument/2006/relationships" xmlns:p="http://schemas.openxmlformats.org/presentationml/2006/main">
-  <p:cSld>
-    <p:spTree>
-      <p:nvGrpSpPr>
-        <p:cNvPr id="1" name="">
-          <a:extLst>
-            <a:ext uri="{FF2B5EF4-FFF2-40B4-BE49-F238E27FC236}">
-              <a16:creationId xmlns:a16="http://schemas.microsoft.com/office/drawing/2014/main" id="{44110E82-7865-DD08-8E02-E5340E5CEE9C}"/>
-            </a:ext>
-          </a:extLst>
-        </p:cNvPr>
-        <p:cNvGrpSpPr/>
-        <p:nvPr/>
-      </p:nvGrpSpPr>
-      <p:grpSpPr>
-        <a:xfrm>
-          <a:off x="0" y="0"/>
-          <a:ext cx="0" cy="0"/>
-          <a:chOff x="0" y="0"/>
-          <a:chExt cx="0" cy="0"/>
-        </a:xfrm>
-      </p:grpSpPr>
-      <p:sp>
-        <p:nvSpPr>
-          <p:cNvPr id="3" name="タイトル 2">
-            <a:extLst>
-              <a:ext uri="{FF2B5EF4-FFF2-40B4-BE49-F238E27FC236}">
-                <a16:creationId xmlns:a16="http://schemas.microsoft.com/office/drawing/2014/main" id="{E013A383-D2DB-7FA7-5DF7-BBEAF4C6AA8C}"/>
-              </a:ext>
-            </a:extLst>
-          </p:cNvPr>
-          <p:cNvSpPr>
-            <a:spLocks noGrp="1"/>
-          </p:cNvSpPr>
-          <p:nvPr>
-            <p:ph type="title"/>
-          </p:nvPr>
-        </p:nvSpPr>
-        <p:spPr/>
-        <p:txBody>
-          <a:bodyPr/>
-          <a:lstStyle/>
-          <a:p>
-            <a:r>
-              <a:rPr kumimoji="1" lang="ja-JP" altLang="en-US" dirty="0">
-                <a:latin typeface="BIZ UDPゴシック" panose="020B0400000000000000" pitchFamily="50" charset="-128"/>
-                <a:ea typeface="BIZ UDPゴシック" panose="020B0400000000000000" pitchFamily="50" charset="-128"/>
-              </a:rPr>
-              <a:t>シミュレーション</a:t>
-            </a:r>
-            <a:r>
-              <a:rPr kumimoji="1" lang="en-US" altLang="ja-JP" dirty="0">
-                <a:latin typeface="BIZ UDPゴシック" panose="020B0400000000000000" pitchFamily="50" charset="-128"/>
-                <a:ea typeface="BIZ UDPゴシック" panose="020B0400000000000000" pitchFamily="50" charset="-128"/>
-              </a:rPr>
-              <a:t>1 </a:t>
-            </a:r>
-            <a:r>
-              <a:rPr kumimoji="1" lang="ja-JP" altLang="en-US" dirty="0"/>
-              <a:t>評価</a:t>
-            </a:r>
-          </a:p>
-        </p:txBody>
-      </p:sp>
-      <p:sp>
-        <p:nvSpPr>
-          <p:cNvPr id="4" name="スライド番号プレースホルダー 3">
-            <a:extLst>
-              <a:ext uri="{FF2B5EF4-FFF2-40B4-BE49-F238E27FC236}">
-                <a16:creationId xmlns:a16="http://schemas.microsoft.com/office/drawing/2014/main" id="{D9849139-4208-B835-D766-896E67790B93}"/>
-              </a:ext>
-            </a:extLst>
-          </p:cNvPr>
-          <p:cNvSpPr>
-            <a:spLocks noGrp="1"/>
-          </p:cNvSpPr>
-          <p:nvPr>
-            <p:ph type="sldNum" sz="quarter" idx="10"/>
-          </p:nvPr>
-        </p:nvSpPr>
-        <p:spPr/>
-        <p:txBody>
-          <a:bodyPr/>
-          <a:lstStyle/>
-          <a:p>
-            <a:fld id="{D2D8002D-B5B0-4BAC-B1F6-782DDCCE6D9C}" type="slidenum">
-              <a:rPr kumimoji="1" lang="ja-JP" altLang="en-US" smtClean="0"/>
-              <a:t>11</a:t>
-            </a:fld>
-            <a:endParaRPr kumimoji="1" lang="ja-JP" altLang="en-US"/>
-          </a:p>
-        </p:txBody>
-      </p:sp>
-      <p:pic>
-        <p:nvPicPr>
-          <p:cNvPr id="6" name="図 5" descr="グラフ, 折れ線グラフ&#10;&#10;AI によって生成されたコンテンツは間違っている可能性があります。">
-            <a:extLst>
-              <a:ext uri="{FF2B5EF4-FFF2-40B4-BE49-F238E27FC236}">
-                <a16:creationId xmlns:a16="http://schemas.microsoft.com/office/drawing/2014/main" id="{429FD1DD-C816-8148-D1AE-EBC5640AECF7}"/>
-              </a:ext>
-            </a:extLst>
-          </p:cNvPr>
-          <p:cNvPicPr>
-            <a:picLocks noChangeAspect="1"/>
-          </p:cNvPicPr>
-          <p:nvPr/>
-        </p:nvPicPr>
-        <p:blipFill>
-          <a:blip r:embed="rId2">
-            <a:extLst>
-              <a:ext uri="{28A0092B-C50C-407E-A947-70E740481C1C}">
-                <a14:useLocalDpi xmlns:a14="http://schemas.microsoft.com/office/drawing/2010/main" val="0"/>
-              </a:ext>
-            </a:extLst>
-          </a:blip>
-          <a:stretch>
-            <a:fillRect/>
-          </a:stretch>
-        </p:blipFill>
-        <p:spPr>
-          <a:xfrm>
-            <a:off x="475433" y="1340768"/>
-            <a:ext cx="8193133" cy="5082862"/>
-          </a:xfrm>
-          <a:prstGeom prst="rect">
-            <a:avLst/>
-          </a:prstGeom>
-        </p:spPr>
-      </p:pic>
-    </p:spTree>
-    <p:extLst>
-      <p:ext uri="{BB962C8B-B14F-4D97-AF65-F5344CB8AC3E}">
-        <p14:creationId xmlns:p14="http://schemas.microsoft.com/office/powerpoint/2010/main" val="3529924986"/>
-      </p:ext>
-    </p:extLst>
-  </p:cSld>
-  <p:clrMapOvr>
-    <a:masterClrMapping/>
-  </p:clrMapOvr>
-</p:sld>
-</file>
-
-<file path=ppt/slides/slide12.xml><?xml version="1.0" encoding="utf-8"?>
-<p:sld xmlns:a="http://schemas.openxmlformats.org/drawingml/2006/main" xmlns:r="http://schemas.openxmlformats.org/officeDocument/2006/relationships" xmlns:p="http://schemas.openxmlformats.org/presentationml/2006/main">
-  <p:cSld>
-    <p:spTree>
-      <p:nvGrpSpPr>
-        <p:cNvPr id="1" name="">
-          <a:extLst>
-            <a:ext uri="{FF2B5EF4-FFF2-40B4-BE49-F238E27FC236}">
               <a16:creationId xmlns:a16="http://schemas.microsoft.com/office/drawing/2014/main" id="{AEFA28B8-1973-1137-3DE7-A6F7ECBD2282}"/>
             </a:ext>
           </a:extLst>
@@ -5357,7 +5181,7 @@
           <a:p>
             <a:fld id="{D2D8002D-B5B0-4BAC-B1F6-782DDCCE6D9C}" type="slidenum">
               <a:rPr kumimoji="1" lang="ja-JP" altLang="en-US" smtClean="0"/>
-              <a:t>12</a:t>
+              <a:t>10</a:t>
             </a:fld>
             <a:endParaRPr kumimoji="1" lang="ja-JP" altLang="en-US"/>
           </a:p>
@@ -5391,8 +5215,8 @@
         </p:blipFill>
         <p:spPr>
           <a:xfrm>
-            <a:off x="133586" y="1916832"/>
-            <a:ext cx="5450267" cy="3381241"/>
+            <a:off x="107504" y="1988840"/>
+            <a:ext cx="4410683" cy="2736304"/>
           </a:xfrm>
           <a:prstGeom prst="rect">
             <a:avLst/>
@@ -5413,8 +5237,8 @@
         </p:nvSpPr>
         <p:spPr>
           <a:xfrm>
-            <a:off x="5485797" y="2564904"/>
-            <a:ext cx="3648088" cy="2431435"/>
+            <a:off x="2915816" y="4115689"/>
+            <a:ext cx="5807752" cy="1938992"/>
           </a:xfrm>
           <a:prstGeom prst="rect">
             <a:avLst/>
@@ -5432,7 +5256,7 @@
               <a:buChar char="•"/>
             </a:pPr>
             <a:r>
-              <a:rPr kumimoji="1" lang="ja-JP" altLang="en-US" sz="2000" dirty="0">
+              <a:rPr kumimoji="1" lang="ja-JP" altLang="en-US" sz="2400" dirty="0">
                 <a:solidFill>
                   <a:schemeClr val="tx1">
                     <a:lumMod val="50000"/>
@@ -5443,7 +5267,7 @@
               </a:rPr>
               <a:t>傾向は概ね一致している</a:t>
             </a:r>
-            <a:endParaRPr kumimoji="1" lang="en-US" altLang="ja-JP" sz="2000" dirty="0">
+            <a:endParaRPr kumimoji="1" lang="en-US" altLang="ja-JP" sz="2400" dirty="0">
               <a:solidFill>
                 <a:schemeClr val="tx1">
                   <a:lumMod val="50000"/>
@@ -5454,7 +5278,59 @@
             </a:endParaRPr>
           </a:p>
           <a:p>
-            <a:endParaRPr kumimoji="1" lang="en-US" altLang="ja-JP" sz="1600" dirty="0">
+            <a:pPr marL="285750" indent="-285750">
+              <a:buFont typeface="Arial" panose="020B0604020202020204" pitchFamily="34" charset="0"/>
+              <a:buChar char="•"/>
+            </a:pPr>
+            <a:r>
+              <a:rPr kumimoji="1" lang="ja-JP" altLang="en-US" sz="2400" dirty="0">
+                <a:solidFill>
+                  <a:schemeClr val="tx1">
+                    <a:lumMod val="50000"/>
+                  </a:schemeClr>
+                </a:solidFill>
+                <a:latin typeface="BIZ UDPゴシック" panose="020B0400000000000000" pitchFamily="50" charset="-128"/>
+                <a:ea typeface="BIZ UDPゴシック" panose="020B0400000000000000" pitchFamily="50" charset="-128"/>
+              </a:rPr>
+              <a:t>差が一番大きい</a:t>
+            </a:r>
+            <a:r>
+              <a:rPr kumimoji="1" lang="en-US" altLang="ja-JP" sz="2400" dirty="0">
+                <a:solidFill>
+                  <a:schemeClr val="tx1">
+                    <a:lumMod val="50000"/>
+                  </a:schemeClr>
+                </a:solidFill>
+                <a:latin typeface="BIZ UDPゴシック" panose="020B0400000000000000" pitchFamily="50" charset="-128"/>
+                <a:ea typeface="BIZ UDPゴシック" panose="020B0400000000000000" pitchFamily="50" charset="-128"/>
+              </a:rPr>
+              <a:t>80</a:t>
+            </a:r>
+            <a:r>
+              <a:rPr kumimoji="1" lang="ja-JP" altLang="en-US" sz="2400" dirty="0">
+                <a:solidFill>
+                  <a:schemeClr val="tx1">
+                    <a:lumMod val="50000"/>
+                  </a:schemeClr>
+                </a:solidFill>
+                <a:latin typeface="BIZ UDPゴシック" panose="020B0400000000000000" pitchFamily="50" charset="-128"/>
+                <a:ea typeface="BIZ UDPゴシック" panose="020B0400000000000000" pitchFamily="50" charset="-128"/>
+              </a:rPr>
+              <a:t>台の場合でも誤差が約</a:t>
+            </a:r>
+            <a:r>
+              <a:rPr lang="en-US" altLang="ja-JP" sz="2400" dirty="0">
+                <a:solidFill>
+                  <a:schemeClr val="tx1">
+                    <a:lumMod val="50000"/>
+                  </a:schemeClr>
+                </a:solidFill>
+                <a:latin typeface="BIZ UDPゴシック" panose="020B0400000000000000" pitchFamily="50" charset="-128"/>
+                <a:ea typeface="BIZ UDPゴシック" panose="020B0400000000000000" pitchFamily="50" charset="-128"/>
+              </a:rPr>
+              <a:t>2.75%</a:t>
+            </a:r>
+            <a:endParaRPr kumimoji="1" lang="en-US" altLang="ja-JP" sz="2400" dirty="0">
               <a:solidFill>
                 <a:schemeClr val="tx1">
                   <a:lumMod val="50000"/>
@@ -5470,76 +5346,7 @@
               <a:buChar char="•"/>
             </a:pPr>
             <a:r>
-              <a:rPr kumimoji="1" lang="ja-JP" altLang="en-US" sz="2000" dirty="0">
-                <a:solidFill>
-                  <a:schemeClr val="tx1">
-                    <a:lumMod val="50000"/>
-                  </a:schemeClr>
-                </a:solidFill>
-                <a:latin typeface="BIZ UDPゴシック" panose="020B0400000000000000" pitchFamily="50" charset="-128"/>
-                <a:ea typeface="BIZ UDPゴシック" panose="020B0400000000000000" pitchFamily="50" charset="-128"/>
-              </a:rPr>
-              <a:t>差が一番大きい</a:t>
-            </a:r>
-            <a:r>
-              <a:rPr kumimoji="1" lang="en-US" altLang="ja-JP" sz="2000" dirty="0">
-                <a:solidFill>
-                  <a:schemeClr val="tx1">
-                    <a:lumMod val="50000"/>
-                  </a:schemeClr>
-                </a:solidFill>
-                <a:latin typeface="BIZ UDPゴシック" panose="020B0400000000000000" pitchFamily="50" charset="-128"/>
-                <a:ea typeface="BIZ UDPゴシック" panose="020B0400000000000000" pitchFamily="50" charset="-128"/>
-              </a:rPr>
-              <a:t>80</a:t>
-            </a:r>
-            <a:r>
-              <a:rPr kumimoji="1" lang="ja-JP" altLang="en-US" sz="2000" dirty="0">
-                <a:solidFill>
-                  <a:schemeClr val="tx1">
-                    <a:lumMod val="50000"/>
-                  </a:schemeClr>
-                </a:solidFill>
-                <a:latin typeface="BIZ UDPゴシック" panose="020B0400000000000000" pitchFamily="50" charset="-128"/>
-                <a:ea typeface="BIZ UDPゴシック" panose="020B0400000000000000" pitchFamily="50" charset="-128"/>
-              </a:rPr>
-              <a:t>台の場合でも誤差が約</a:t>
-            </a:r>
-            <a:r>
-              <a:rPr lang="en-US" altLang="ja-JP" sz="2000" dirty="0">
-                <a:solidFill>
-                  <a:schemeClr val="tx1">
-                    <a:lumMod val="50000"/>
-                  </a:schemeClr>
-                </a:solidFill>
-                <a:latin typeface="BIZ UDPゴシック" panose="020B0400000000000000" pitchFamily="50" charset="-128"/>
-                <a:ea typeface="BIZ UDPゴシック" panose="020B0400000000000000" pitchFamily="50" charset="-128"/>
-              </a:rPr>
-              <a:t>2.75%</a:t>
-            </a:r>
-          </a:p>
-          <a:p>
-            <a:pPr marL="285750" indent="-285750">
-              <a:buFont typeface="Arial" panose="020B0604020202020204" pitchFamily="34" charset="0"/>
-              <a:buChar char="•"/>
-            </a:pPr>
-            <a:endParaRPr kumimoji="1" lang="en-US" altLang="ja-JP" sz="1600" dirty="0">
-              <a:solidFill>
-                <a:schemeClr val="tx1">
-                  <a:lumMod val="50000"/>
-                </a:schemeClr>
-              </a:solidFill>
-              <a:latin typeface="BIZ UDPゴシック" panose="020B0400000000000000" pitchFamily="50" charset="-128"/>
-              <a:ea typeface="BIZ UDPゴシック" panose="020B0400000000000000" pitchFamily="50" charset="-128"/>
-            </a:endParaRPr>
-          </a:p>
-          <a:p>
-            <a:pPr marL="285750" indent="-285750">
-              <a:buFont typeface="Arial" panose="020B0604020202020204" pitchFamily="34" charset="0"/>
-              <a:buChar char="•"/>
-            </a:pPr>
-            <a:r>
-              <a:rPr kumimoji="1" lang="ja-JP" altLang="en-US" sz="2000" dirty="0">
+              <a:rPr kumimoji="1" lang="ja-JP" altLang="en-US" sz="2400" dirty="0">
                 <a:solidFill>
                   <a:schemeClr val="tx1">
                     <a:lumMod val="50000"/>
@@ -5566,303 +5373,7 @@
 </p:sld>
 </file>
 
-<file path=ppt/slides/slide13.xml><?xml version="1.0" encoding="utf-8"?>
-<p:sld xmlns:a="http://schemas.openxmlformats.org/drawingml/2006/main" xmlns:r="http://schemas.openxmlformats.org/officeDocument/2006/relationships" xmlns:p="http://schemas.openxmlformats.org/presentationml/2006/main">
-  <p:cSld>
-    <p:spTree>
-      <p:nvGrpSpPr>
-        <p:cNvPr id="1" name="">
-          <a:extLst>
-            <a:ext uri="{FF2B5EF4-FFF2-40B4-BE49-F238E27FC236}">
-              <a16:creationId xmlns:a16="http://schemas.microsoft.com/office/drawing/2014/main" id="{10CDBC50-89E7-1112-F8BF-0150C423881F}"/>
-            </a:ext>
-          </a:extLst>
-        </p:cNvPr>
-        <p:cNvGrpSpPr/>
-        <p:nvPr/>
-      </p:nvGrpSpPr>
-      <p:grpSpPr>
-        <a:xfrm>
-          <a:off x="0" y="0"/>
-          <a:ext cx="0" cy="0"/>
-          <a:chOff x="0" y="0"/>
-          <a:chExt cx="0" cy="0"/>
-        </a:xfrm>
-      </p:grpSpPr>
-      <p:sp>
-        <p:nvSpPr>
-          <p:cNvPr id="2" name="コンテンツ プレースホルダー 1">
-            <a:extLst>
-              <a:ext uri="{FF2B5EF4-FFF2-40B4-BE49-F238E27FC236}">
-                <a16:creationId xmlns:a16="http://schemas.microsoft.com/office/drawing/2014/main" id="{20935ACE-2B28-9961-8B47-248B667157E3}"/>
-              </a:ext>
-            </a:extLst>
-          </p:cNvPr>
-          <p:cNvSpPr>
-            <a:spLocks noGrp="1"/>
-          </p:cNvSpPr>
-          <p:nvPr>
-            <p:ph idx="1"/>
-          </p:nvPr>
-        </p:nvSpPr>
-        <p:spPr>
-          <a:xfrm>
-            <a:off x="432000" y="1484784"/>
-            <a:ext cx="8249601" cy="5053771"/>
-          </a:xfrm>
-        </p:spPr>
-        <p:txBody>
-          <a:bodyPr>
-            <a:normAutofit lnSpcReduction="10000"/>
-          </a:bodyPr>
-          <a:lstStyle/>
-          <a:p>
-            <a:r>
-              <a:rPr kumimoji="1" lang="ja-JP" altLang="en-US" dirty="0">
-                <a:latin typeface="BIZ UDPゴシック" panose="020B0400000000000000" pitchFamily="50" charset="-128"/>
-                <a:ea typeface="BIZ UDPゴシック" panose="020B0400000000000000" pitchFamily="50" charset="-128"/>
-              </a:rPr>
-              <a:t>参考にした文献では</a:t>
-            </a:r>
-            <a:r>
-              <a:rPr kumimoji="1" lang="en-US" altLang="ja-JP" dirty="0">
-                <a:latin typeface="BIZ UDPゴシック" panose="020B0400000000000000" pitchFamily="50" charset="-128"/>
-                <a:ea typeface="BIZ UDPゴシック" panose="020B0400000000000000" pitchFamily="50" charset="-128"/>
-              </a:rPr>
-              <a:t>24Mbps</a:t>
-            </a:r>
-            <a:r>
-              <a:rPr kumimoji="1" lang="ja-JP" altLang="en-US" dirty="0">
-                <a:latin typeface="BIZ UDPゴシック" panose="020B0400000000000000" pitchFamily="50" charset="-128"/>
-                <a:ea typeface="BIZ UDPゴシック" panose="020B0400000000000000" pitchFamily="50" charset="-128"/>
-              </a:rPr>
-              <a:t>の場合のみなので他の伝送レートで同じ傾向が出るか確認する</a:t>
-            </a:r>
-            <a:r>
-              <a:rPr kumimoji="1" lang="en-US" altLang="ja-JP" dirty="0">
-                <a:latin typeface="BIZ UDPゴシック" panose="020B0400000000000000" pitchFamily="50" charset="-128"/>
-                <a:ea typeface="BIZ UDPゴシック" panose="020B0400000000000000" pitchFamily="50" charset="-128"/>
-              </a:rPr>
-              <a:t>.</a:t>
-            </a:r>
-          </a:p>
-          <a:p>
-            <a:endParaRPr lang="en-US" altLang="ja-JP" sz="1600" dirty="0">
-              <a:latin typeface="BIZ UDPゴシック" panose="020B0400000000000000" pitchFamily="50" charset="-128"/>
-              <a:ea typeface="BIZ UDPゴシック" panose="020B0400000000000000" pitchFamily="50" charset="-128"/>
-            </a:endParaRPr>
-          </a:p>
-          <a:p>
-            <a:r>
-              <a:rPr kumimoji="1" lang="en-US" altLang="ja-JP" dirty="0">
-                <a:latin typeface="BIZ UDPゴシック" panose="020B0400000000000000" pitchFamily="50" charset="-128"/>
-                <a:ea typeface="BIZ UDPゴシック" panose="020B0400000000000000" pitchFamily="50" charset="-128"/>
-              </a:rPr>
-              <a:t>IEEE 802.11a</a:t>
-            </a:r>
-            <a:r>
-              <a:rPr kumimoji="1" lang="ja-JP" altLang="en-US" dirty="0">
-                <a:latin typeface="BIZ UDPゴシック" panose="020B0400000000000000" pitchFamily="50" charset="-128"/>
-                <a:ea typeface="BIZ UDPゴシック" panose="020B0400000000000000" pitchFamily="50" charset="-128"/>
-              </a:rPr>
-              <a:t>において</a:t>
-            </a:r>
-            <a:r>
-              <a:rPr kumimoji="1" lang="en-US" altLang="ja-JP" dirty="0">
-                <a:latin typeface="BIZ UDPゴシック" panose="020B0400000000000000" pitchFamily="50" charset="-128"/>
-                <a:ea typeface="BIZ UDPゴシック" panose="020B0400000000000000" pitchFamily="50" charset="-128"/>
-              </a:rPr>
-              <a:t>MCS Index</a:t>
-            </a:r>
-            <a:r>
-              <a:rPr kumimoji="1" lang="ja-JP" altLang="en-US" dirty="0">
-                <a:latin typeface="BIZ UDPゴシック" panose="020B0400000000000000" pitchFamily="50" charset="-128"/>
-                <a:ea typeface="BIZ UDPゴシック" panose="020B0400000000000000" pitchFamily="50" charset="-128"/>
-              </a:rPr>
-              <a:t>で定義されている全ての伝送レートでシミュレーションを行った</a:t>
-            </a:r>
-            <a:r>
-              <a:rPr kumimoji="1" lang="en-US" altLang="ja-JP" dirty="0">
-                <a:latin typeface="BIZ UDPゴシック" panose="020B0400000000000000" pitchFamily="50" charset="-128"/>
-                <a:ea typeface="BIZ UDPゴシック" panose="020B0400000000000000" pitchFamily="50" charset="-128"/>
-              </a:rPr>
-              <a:t>.</a:t>
-            </a:r>
-          </a:p>
-          <a:p>
-            <a:endParaRPr lang="en-US" altLang="ja-JP" sz="1600" dirty="0">
-              <a:latin typeface="BIZ UDPゴシック" panose="020B0400000000000000" pitchFamily="50" charset="-128"/>
-              <a:ea typeface="BIZ UDPゴシック" panose="020B0400000000000000" pitchFamily="50" charset="-128"/>
-            </a:endParaRPr>
-          </a:p>
-          <a:p>
-            <a:r>
-              <a:rPr kumimoji="1" lang="ja-JP" altLang="en-US" dirty="0">
-                <a:latin typeface="BIZ UDPゴシック" panose="020B0400000000000000" pitchFamily="50" charset="-128"/>
-                <a:ea typeface="BIZ UDPゴシック" panose="020B0400000000000000" pitchFamily="50" charset="-128"/>
-              </a:rPr>
-              <a:t>全ての伝送レートの場合で端末数</a:t>
-            </a:r>
-            <a:r>
-              <a:rPr kumimoji="1" lang="en-US" altLang="ja-JP" dirty="0">
-                <a:latin typeface="BIZ UDPゴシック" panose="020B0400000000000000" pitchFamily="50" charset="-128"/>
-                <a:ea typeface="BIZ UDPゴシック" panose="020B0400000000000000" pitchFamily="50" charset="-128"/>
-              </a:rPr>
-              <a:t>1</a:t>
-            </a:r>
-            <a:r>
-              <a:rPr kumimoji="1" lang="ja-JP" altLang="en-US" dirty="0">
-                <a:latin typeface="BIZ UDPゴシック" panose="020B0400000000000000" pitchFamily="50" charset="-128"/>
-                <a:ea typeface="BIZ UDPゴシック" panose="020B0400000000000000" pitchFamily="50" charset="-128"/>
-              </a:rPr>
-              <a:t>～</a:t>
-            </a:r>
-            <a:r>
-              <a:rPr kumimoji="1" lang="en-US" altLang="ja-JP" dirty="0">
-                <a:latin typeface="BIZ UDPゴシック" panose="020B0400000000000000" pitchFamily="50" charset="-128"/>
-                <a:ea typeface="BIZ UDPゴシック" panose="020B0400000000000000" pitchFamily="50" charset="-128"/>
-              </a:rPr>
-              <a:t>80</a:t>
-            </a:r>
-            <a:r>
-              <a:rPr kumimoji="1" lang="ja-JP" altLang="en-US" dirty="0">
-                <a:latin typeface="BIZ UDPゴシック" panose="020B0400000000000000" pitchFamily="50" charset="-128"/>
-                <a:ea typeface="BIZ UDPゴシック" panose="020B0400000000000000" pitchFamily="50" charset="-128"/>
-              </a:rPr>
-              <a:t>台で</a:t>
-            </a:r>
-            <a:r>
-              <a:rPr kumimoji="1" lang="en-US" altLang="ja-JP" dirty="0">
-                <a:latin typeface="BIZ UDPゴシック" panose="020B0400000000000000" pitchFamily="50" charset="-128"/>
-                <a:ea typeface="BIZ UDPゴシック" panose="020B0400000000000000" pitchFamily="50" charset="-128"/>
-              </a:rPr>
-              <a:t>10</a:t>
-            </a:r>
-            <a:r>
-              <a:rPr lang="ja-JP" altLang="en-US" dirty="0">
-                <a:latin typeface="BIZ UDPゴシック" panose="020B0400000000000000" pitchFamily="50" charset="-128"/>
-                <a:ea typeface="BIZ UDPゴシック" panose="020B0400000000000000" pitchFamily="50" charset="-128"/>
-              </a:rPr>
-              <a:t>づつ変化させ</a:t>
-            </a:r>
-            <a:r>
-              <a:rPr lang="en-US" altLang="ja-JP" dirty="0">
-                <a:latin typeface="BIZ UDPゴシック" panose="020B0400000000000000" pitchFamily="50" charset="-128"/>
-                <a:ea typeface="BIZ UDPゴシック" panose="020B0400000000000000" pitchFamily="50" charset="-128"/>
-              </a:rPr>
-              <a:t>1000</a:t>
-            </a:r>
-            <a:r>
-              <a:rPr lang="ja-JP" altLang="en-US" dirty="0">
-                <a:latin typeface="BIZ UDPゴシック" panose="020B0400000000000000" pitchFamily="50" charset="-128"/>
-                <a:ea typeface="BIZ UDPゴシック" panose="020B0400000000000000" pitchFamily="50" charset="-128"/>
-              </a:rPr>
-              <a:t>回行った平均をプロットした</a:t>
-            </a:r>
-            <a:r>
-              <a:rPr lang="en-US" altLang="ja-JP" dirty="0">
-                <a:latin typeface="BIZ UDPゴシック" panose="020B0400000000000000" pitchFamily="50" charset="-128"/>
-                <a:ea typeface="BIZ UDPゴシック" panose="020B0400000000000000" pitchFamily="50" charset="-128"/>
-              </a:rPr>
-              <a:t>.</a:t>
-            </a:r>
-          </a:p>
-          <a:p>
-            <a:endParaRPr kumimoji="1" lang="ja-JP" altLang="en-US" dirty="0">
-              <a:latin typeface="BIZ UDPゴシック" panose="020B0400000000000000" pitchFamily="50" charset="-128"/>
-              <a:ea typeface="BIZ UDPゴシック" panose="020B0400000000000000" pitchFamily="50" charset="-128"/>
-            </a:endParaRPr>
-          </a:p>
-        </p:txBody>
-      </p:sp>
-      <p:sp>
-        <p:nvSpPr>
-          <p:cNvPr id="3" name="タイトル 2">
-            <a:extLst>
-              <a:ext uri="{FF2B5EF4-FFF2-40B4-BE49-F238E27FC236}">
-                <a16:creationId xmlns:a16="http://schemas.microsoft.com/office/drawing/2014/main" id="{792DF79F-53EC-6492-27D4-C4CE21260984}"/>
-              </a:ext>
-            </a:extLst>
-          </p:cNvPr>
-          <p:cNvSpPr>
-            <a:spLocks noGrp="1"/>
-          </p:cNvSpPr>
-          <p:nvPr>
-            <p:ph type="title"/>
-          </p:nvPr>
-        </p:nvSpPr>
-        <p:spPr/>
-        <p:txBody>
-          <a:bodyPr/>
-          <a:lstStyle/>
-          <a:p>
-            <a:r>
-              <a:rPr kumimoji="1" lang="ja-JP" altLang="en-US" dirty="0">
-                <a:latin typeface="BIZ UDPゴシック" panose="020B0400000000000000" pitchFamily="50" charset="-128"/>
-                <a:ea typeface="BIZ UDPゴシック" panose="020B0400000000000000" pitchFamily="50" charset="-128"/>
-              </a:rPr>
-              <a:t>シミュレーション</a:t>
-            </a:r>
-            <a:r>
-              <a:rPr kumimoji="1" lang="en-US" altLang="ja-JP" dirty="0">
-                <a:latin typeface="BIZ UDPゴシック" panose="020B0400000000000000" pitchFamily="50" charset="-128"/>
-                <a:ea typeface="BIZ UDPゴシック" panose="020B0400000000000000" pitchFamily="50" charset="-128"/>
-              </a:rPr>
-              <a:t>2 </a:t>
-            </a:r>
-            <a:r>
-              <a:rPr kumimoji="1" lang="ja-JP" altLang="en-US" dirty="0">
-                <a:latin typeface="BIZ UDPゴシック" panose="020B0400000000000000" pitchFamily="50" charset="-128"/>
-                <a:ea typeface="BIZ UDPゴシック" panose="020B0400000000000000" pitchFamily="50" charset="-128"/>
-              </a:rPr>
-              <a:t>概要</a:t>
-            </a:r>
-          </a:p>
-        </p:txBody>
-      </p:sp>
-      <p:sp>
-        <p:nvSpPr>
-          <p:cNvPr id="4" name="スライド番号プレースホルダー 3">
-            <a:extLst>
-              <a:ext uri="{FF2B5EF4-FFF2-40B4-BE49-F238E27FC236}">
-                <a16:creationId xmlns:a16="http://schemas.microsoft.com/office/drawing/2014/main" id="{4A7F6FD0-8C01-A212-5468-756D136C5291}"/>
-              </a:ext>
-            </a:extLst>
-          </p:cNvPr>
-          <p:cNvSpPr>
-            <a:spLocks noGrp="1"/>
-          </p:cNvSpPr>
-          <p:nvPr>
-            <p:ph type="sldNum" sz="quarter" idx="10"/>
-          </p:nvPr>
-        </p:nvSpPr>
-        <p:spPr/>
-        <p:txBody>
-          <a:bodyPr/>
-          <a:lstStyle/>
-          <a:p>
-            <a:fld id="{D2D8002D-B5B0-4BAC-B1F6-782DDCCE6D9C}" type="slidenum">
-              <a:rPr kumimoji="1" lang="ja-JP" altLang="en-US" smtClean="0"/>
-              <a:t>13</a:t>
-            </a:fld>
-            <a:endParaRPr kumimoji="1" lang="ja-JP" altLang="en-US"/>
-          </a:p>
-        </p:txBody>
-      </p:sp>
-    </p:spTree>
-    <p:extLst>
-      <p:ext uri="{BB962C8B-B14F-4D97-AF65-F5344CB8AC3E}">
-        <p14:creationId xmlns:p14="http://schemas.microsoft.com/office/powerpoint/2010/main" val="2778652111"/>
-      </p:ext>
-    </p:extLst>
-  </p:cSld>
-  <p:clrMapOvr>
-    <a:masterClrMapping/>
-  </p:clrMapOvr>
-</p:sld>
-</file>
-
-<file path=ppt/slides/slide14.xml><?xml version="1.0" encoding="utf-8"?>
+<file path=ppt/slides/slide11.xml><?xml version="1.0" encoding="utf-8"?>
 <p:sld xmlns:a="http://schemas.openxmlformats.org/drawingml/2006/main" xmlns:r="http://schemas.openxmlformats.org/officeDocument/2006/relationships" xmlns:p="http://schemas.openxmlformats.org/presentationml/2006/main">
   <p:cSld>
     <p:spTree>
@@ -5953,7 +5464,7 @@
           <a:p>
             <a:fld id="{D2D8002D-B5B0-4BAC-B1F6-782DDCCE6D9C}" type="slidenum">
               <a:rPr kumimoji="1" lang="ja-JP" altLang="en-US" smtClean="0"/>
-              <a:t>14</a:t>
+              <a:t>11</a:t>
             </a:fld>
             <a:endParaRPr kumimoji="1" lang="ja-JP" altLang="en-US"/>
           </a:p>
@@ -6008,7 +5519,7 @@
 </p:sld>
 </file>
 
-<file path=ppt/slides/slide15.xml><?xml version="1.0" encoding="utf-8"?>
+<file path=ppt/slides/slide12.xml><?xml version="1.0" encoding="utf-8"?>
 <p:sld xmlns:a="http://schemas.openxmlformats.org/drawingml/2006/main" xmlns:r="http://schemas.openxmlformats.org/officeDocument/2006/relationships" xmlns:p="http://schemas.openxmlformats.org/presentationml/2006/main">
   <p:cSld>
     <p:spTree>
@@ -6099,7 +5610,7 @@
           <a:p>
             <a:fld id="{D2D8002D-B5B0-4BAC-B1F6-782DDCCE6D9C}" type="slidenum">
               <a:rPr kumimoji="1" lang="ja-JP" altLang="en-US" smtClean="0"/>
-              <a:t>15</a:t>
+              <a:t>12</a:t>
             </a:fld>
             <a:endParaRPr kumimoji="1" lang="ja-JP" altLang="en-US"/>
           </a:p>
@@ -6133,8 +5644,8 @@
         </p:blipFill>
         <p:spPr>
           <a:xfrm>
-            <a:off x="107504" y="1988840"/>
-            <a:ext cx="5446613" cy="3456384"/>
+            <a:off x="884188" y="1401622"/>
+            <a:ext cx="7375623" cy="4680520"/>
           </a:xfrm>
           <a:prstGeom prst="rect">
             <a:avLst/>
@@ -6155,8 +5666,8 @@
         </p:nvSpPr>
         <p:spPr>
           <a:xfrm>
-            <a:off x="5485797" y="2564904"/>
-            <a:ext cx="3648088" cy="707886"/>
+            <a:off x="683568" y="6165304"/>
+            <a:ext cx="7648251" cy="461665"/>
           </a:xfrm>
           <a:prstGeom prst="rect">
             <a:avLst/>
@@ -6174,7 +5685,7 @@
               <a:buChar char="•"/>
             </a:pPr>
             <a:r>
-              <a:rPr kumimoji="1" lang="ja-JP" altLang="en-US" sz="2000" dirty="0">
+              <a:rPr kumimoji="1" lang="ja-JP" altLang="en-US" sz="2400" dirty="0">
                 <a:solidFill>
                   <a:schemeClr val="tx1">
                     <a:lumMod val="50000"/>
@@ -6183,10 +5694,10 @@
                 <a:latin typeface="BIZ UDPゴシック" panose="020B0400000000000000" pitchFamily="50" charset="-128"/>
                 <a:ea typeface="BIZ UDPゴシック" panose="020B0400000000000000" pitchFamily="50" charset="-128"/>
               </a:rPr>
-              <a:t>どの伝送レートでも同じ傾向が見られる</a:t>
-            </a:r>
-            <a:r>
-              <a:rPr kumimoji="1" lang="en-US" altLang="ja-JP" sz="2000" dirty="0">
+              <a:t>どの伝送レートでも</a:t>
+            </a:r>
+            <a:r>
+              <a:rPr kumimoji="1" lang="en-GB" altLang="ja-JP" sz="2400" dirty="0">
                 <a:solidFill>
                   <a:schemeClr val="tx1">
                     <a:lumMod val="50000"/>
@@ -6195,9 +5706,33 @@
                 <a:latin typeface="BIZ UDPゴシック" panose="020B0400000000000000" pitchFamily="50" charset="-128"/>
                 <a:ea typeface="BIZ UDPゴシック" panose="020B0400000000000000" pitchFamily="50" charset="-128"/>
               </a:rPr>
+              <a:t>24Mbps</a:t>
+            </a:r>
+            <a:r>
+              <a:rPr kumimoji="1" lang="ja-JP" altLang="en-US" sz="2400" dirty="0">
+                <a:solidFill>
+                  <a:schemeClr val="tx1">
+                    <a:lumMod val="50000"/>
+                  </a:schemeClr>
+                </a:solidFill>
+                <a:latin typeface="BIZ UDPゴシック" panose="020B0400000000000000" pitchFamily="50" charset="-128"/>
+                <a:ea typeface="BIZ UDPゴシック" panose="020B0400000000000000" pitchFamily="50" charset="-128"/>
+              </a:rPr>
+              <a:t>と同じ傾向が見られる</a:t>
+            </a:r>
+            <a:r>
+              <a:rPr kumimoji="1" lang="en-US" altLang="ja-JP" sz="2400" dirty="0">
+                <a:solidFill>
+                  <a:schemeClr val="tx1">
+                    <a:lumMod val="50000"/>
+                  </a:schemeClr>
+                </a:solidFill>
+                <a:latin typeface="BIZ UDPゴシック" panose="020B0400000000000000" pitchFamily="50" charset="-128"/>
+                <a:ea typeface="BIZ UDPゴシック" panose="020B0400000000000000" pitchFamily="50" charset="-128"/>
+              </a:rPr>
               <a:t>.</a:t>
             </a:r>
-            <a:endParaRPr kumimoji="1" lang="ja-JP" altLang="en-US" sz="2000" dirty="0">
+            <a:endParaRPr kumimoji="1" lang="ja-JP" altLang="en-US" sz="2400" dirty="0">
               <a:solidFill>
                 <a:schemeClr val="tx1">
                   <a:lumMod val="50000"/>
@@ -6222,7 +5757,397 @@
 </p:sld>
 </file>
 
-<file path=ppt/slides/slide16.xml><?xml version="1.0" encoding="utf-8"?>
+<file path=ppt/slides/slide13.xml><?xml version="1.0" encoding="utf-8"?>
+<p:sld xmlns:a="http://schemas.openxmlformats.org/drawingml/2006/main" xmlns:r="http://schemas.openxmlformats.org/officeDocument/2006/relationships" xmlns:p="http://schemas.openxmlformats.org/presentationml/2006/main">
+  <p:cSld>
+    <p:spTree>
+      <p:nvGrpSpPr>
+        <p:cNvPr id="1" name="">
+          <a:extLst>
+            <a:ext uri="{FF2B5EF4-FFF2-40B4-BE49-F238E27FC236}">
+              <a16:creationId xmlns:a16="http://schemas.microsoft.com/office/drawing/2014/main" id="{36808184-B2DA-44CB-33AA-D4C08B0DAF2E}"/>
+            </a:ext>
+          </a:extLst>
+        </p:cNvPr>
+        <p:cNvGrpSpPr/>
+        <p:nvPr/>
+      </p:nvGrpSpPr>
+      <p:grpSpPr>
+        <a:xfrm>
+          <a:off x="0" y="0"/>
+          <a:ext cx="0" cy="0"/>
+          <a:chOff x="0" y="0"/>
+          <a:chExt cx="0" cy="0"/>
+        </a:xfrm>
+      </p:grpSpPr>
+      <p:sp>
+        <p:nvSpPr>
+          <p:cNvPr id="2" name="コンテンツ プレースホルダー 1">
+            <a:extLst>
+              <a:ext uri="{FF2B5EF4-FFF2-40B4-BE49-F238E27FC236}">
+                <a16:creationId xmlns:a16="http://schemas.microsoft.com/office/drawing/2014/main" id="{01C10007-1771-FE4E-7208-C7C8AF6DAA73}"/>
+              </a:ext>
+            </a:extLst>
+          </p:cNvPr>
+          <p:cNvSpPr>
+            <a:spLocks noGrp="1"/>
+          </p:cNvSpPr>
+          <p:nvPr>
+            <p:ph idx="1"/>
+          </p:nvPr>
+        </p:nvSpPr>
+        <p:spPr/>
+        <p:txBody>
+          <a:bodyPr>
+            <a:normAutofit/>
+          </a:bodyPr>
+          <a:lstStyle/>
+          <a:p>
+            <a:r>
+              <a:rPr kumimoji="1" lang="ja-JP" altLang="en-US" dirty="0">
+                <a:latin typeface="BIZ UDPGothic" panose="020B0400000000000000" pitchFamily="34" charset="-128"/>
+                <a:ea typeface="BIZ UDPGothic" panose="020B0400000000000000" pitchFamily="34" charset="-128"/>
+              </a:rPr>
+              <a:t>無線</a:t>
+            </a:r>
+            <a:r>
+              <a:rPr kumimoji="1" lang="en-US" altLang="ja-JP" dirty="0">
+                <a:latin typeface="BIZ UDPGothic" panose="020B0400000000000000" pitchFamily="34" charset="-128"/>
+                <a:ea typeface="BIZ UDPGothic" panose="020B0400000000000000" pitchFamily="34" charset="-128"/>
+              </a:rPr>
+              <a:t>LAN</a:t>
+            </a:r>
+            <a:r>
+              <a:rPr kumimoji="1" lang="ja-JP" altLang="en-US" dirty="0">
+                <a:latin typeface="BIZ UDPGothic" panose="020B0400000000000000" pitchFamily="34" charset="-128"/>
+                <a:ea typeface="BIZ UDPGothic" panose="020B0400000000000000" pitchFamily="34" charset="-128"/>
+              </a:rPr>
+              <a:t>シミュレータを開発した</a:t>
+            </a:r>
+            <a:endParaRPr kumimoji="1" lang="en-GB" altLang="ja-JP" dirty="0">
+              <a:latin typeface="BIZ UDPGothic" panose="020B0400000000000000" pitchFamily="34" charset="-128"/>
+              <a:ea typeface="BIZ UDPGothic" panose="020B0400000000000000" pitchFamily="34" charset="-128"/>
+            </a:endParaRPr>
+          </a:p>
+          <a:p>
+            <a:pPr lvl="1"/>
+            <a:r>
+              <a:rPr kumimoji="1" lang="ja-JP" altLang="en-US" dirty="0">
+                <a:latin typeface="BIZ UDPGothic" panose="020B0400000000000000" pitchFamily="34" charset="-128"/>
+                <a:ea typeface="BIZ UDPGothic" panose="020B0400000000000000" pitchFamily="34" charset="-128"/>
+              </a:rPr>
+              <a:t>理論値とも大きな差は無かった</a:t>
+            </a:r>
+            <a:endParaRPr kumimoji="1" lang="en-GB" altLang="ja-JP" dirty="0">
+              <a:latin typeface="BIZ UDPGothic" panose="020B0400000000000000" pitchFamily="34" charset="-128"/>
+              <a:ea typeface="BIZ UDPGothic" panose="020B0400000000000000" pitchFamily="34" charset="-128"/>
+            </a:endParaRPr>
+          </a:p>
+          <a:p>
+            <a:pPr lvl="1"/>
+            <a:r>
+              <a:rPr lang="ja-JP" altLang="en-US" dirty="0">
+                <a:latin typeface="BIZ UDPGothic" panose="020B0400000000000000" pitchFamily="34" charset="-128"/>
+                <a:ea typeface="BIZ UDPGothic" panose="020B0400000000000000" pitchFamily="34" charset="-128"/>
+              </a:rPr>
+              <a:t>各伝送レートで同じ傾向を示した</a:t>
+            </a:r>
+            <a:endParaRPr lang="en-GB" altLang="ja-JP" dirty="0">
+              <a:latin typeface="BIZ UDPGothic" panose="020B0400000000000000" pitchFamily="34" charset="-128"/>
+              <a:ea typeface="BIZ UDPGothic" panose="020B0400000000000000" pitchFamily="34" charset="-128"/>
+            </a:endParaRPr>
+          </a:p>
+          <a:p>
+            <a:pPr lvl="1"/>
+            <a:endParaRPr lang="en-GB" altLang="ja-JP" dirty="0">
+              <a:latin typeface="BIZ UDPGothic" panose="020B0400000000000000" pitchFamily="34" charset="-128"/>
+              <a:ea typeface="BIZ UDPGothic" panose="020B0400000000000000" pitchFamily="34" charset="-128"/>
+            </a:endParaRPr>
+          </a:p>
+          <a:p>
+            <a:r>
+              <a:rPr kumimoji="1" lang="ja-JP" altLang="en-US" dirty="0">
+                <a:latin typeface="BIZ UDPGothic" panose="020B0400000000000000" pitchFamily="34" charset="-128"/>
+                <a:ea typeface="BIZ UDPGothic" panose="020B0400000000000000" pitchFamily="34" charset="-128"/>
+              </a:rPr>
+              <a:t>今後</a:t>
+            </a:r>
+            <a:endParaRPr kumimoji="1" lang="en-GB" altLang="ja-JP" dirty="0">
+              <a:latin typeface="BIZ UDPGothic" panose="020B0400000000000000" pitchFamily="34" charset="-128"/>
+              <a:ea typeface="BIZ UDPGothic" panose="020B0400000000000000" pitchFamily="34" charset="-128"/>
+            </a:endParaRPr>
+          </a:p>
+          <a:p>
+            <a:pPr lvl="1"/>
+            <a:r>
+              <a:rPr kumimoji="1" lang="ja-JP" altLang="en-US" dirty="0">
+                <a:latin typeface="BIZ UDPGothic" panose="020B0400000000000000" pitchFamily="34" charset="-128"/>
+                <a:ea typeface="BIZ UDPGothic" panose="020B0400000000000000" pitchFamily="34" charset="-128"/>
+              </a:rPr>
+              <a:t>送信間隔を連続ではなくポアソン分布に</a:t>
+            </a:r>
+            <a:endParaRPr kumimoji="1" lang="en-GB" altLang="ja-JP" dirty="0">
+              <a:latin typeface="BIZ UDPGothic" panose="020B0400000000000000" pitchFamily="34" charset="-128"/>
+              <a:ea typeface="BIZ UDPGothic" panose="020B0400000000000000" pitchFamily="34" charset="-128"/>
+            </a:endParaRPr>
+          </a:p>
+          <a:p>
+            <a:pPr lvl="1"/>
+            <a:r>
+              <a:rPr lang="ja-JP" altLang="en-US" dirty="0">
+                <a:latin typeface="BIZ UDPGothic" panose="020B0400000000000000" pitchFamily="34" charset="-128"/>
+                <a:ea typeface="BIZ UDPGothic" panose="020B0400000000000000" pitchFamily="34" charset="-128"/>
+              </a:rPr>
+              <a:t>端末ごとに伝送速度を反映させる</a:t>
+            </a:r>
+            <a:endParaRPr lang="en-GB" altLang="ja-JP" dirty="0">
+              <a:latin typeface="BIZ UDPGothic" panose="020B0400000000000000" pitchFamily="34" charset="-128"/>
+              <a:ea typeface="BIZ UDPGothic" panose="020B0400000000000000" pitchFamily="34" charset="-128"/>
+            </a:endParaRPr>
+          </a:p>
+          <a:p>
+            <a:pPr lvl="1"/>
+            <a:r>
+              <a:rPr kumimoji="1" lang="ja-JP" altLang="en-US" dirty="0">
+                <a:latin typeface="BIZ UDPGothic" panose="020B0400000000000000" pitchFamily="34" charset="-128"/>
+                <a:ea typeface="BIZ UDPGothic" panose="020B0400000000000000" pitchFamily="34" charset="-128"/>
+              </a:rPr>
+              <a:t>位置情報を踏まえて受信時の</a:t>
+            </a:r>
+            <a:r>
+              <a:rPr kumimoji="1" lang="en-US" altLang="ja-JP" dirty="0">
+                <a:latin typeface="BIZ UDPGothic" panose="020B0400000000000000" pitchFamily="34" charset="-128"/>
+                <a:ea typeface="BIZ UDPGothic" panose="020B0400000000000000" pitchFamily="34" charset="-128"/>
+              </a:rPr>
+              <a:t>SNR</a:t>
+            </a:r>
+            <a:r>
+              <a:rPr kumimoji="1" lang="ja-JP" altLang="en-US" dirty="0">
+                <a:latin typeface="BIZ UDPGothic" panose="020B0400000000000000" pitchFamily="34" charset="-128"/>
+                <a:ea typeface="BIZ UDPGothic" panose="020B0400000000000000" pitchFamily="34" charset="-128"/>
+              </a:rPr>
+              <a:t>からキャプチャ効果でより実環境に近づける</a:t>
+            </a:r>
+          </a:p>
+          <a:p>
+            <a:pPr lvl="1"/>
+            <a:endParaRPr kumimoji="1" lang="ja-JP" altLang="en-US" dirty="0">
+              <a:latin typeface="BIZ UDPGothic" panose="020B0400000000000000" pitchFamily="34" charset="-128"/>
+              <a:ea typeface="BIZ UDPGothic" panose="020B0400000000000000" pitchFamily="34" charset="-128"/>
+            </a:endParaRPr>
+          </a:p>
+        </p:txBody>
+      </p:sp>
+      <p:sp>
+        <p:nvSpPr>
+          <p:cNvPr id="3" name="タイトル 2">
+            <a:extLst>
+              <a:ext uri="{FF2B5EF4-FFF2-40B4-BE49-F238E27FC236}">
+                <a16:creationId xmlns:a16="http://schemas.microsoft.com/office/drawing/2014/main" id="{3930A6C0-E2BC-7754-898A-9C9E2C947347}"/>
+              </a:ext>
+            </a:extLst>
+          </p:cNvPr>
+          <p:cNvSpPr>
+            <a:spLocks noGrp="1"/>
+          </p:cNvSpPr>
+          <p:nvPr>
+            <p:ph type="title"/>
+          </p:nvPr>
+        </p:nvSpPr>
+        <p:spPr/>
+        <p:txBody>
+          <a:bodyPr/>
+          <a:lstStyle/>
+          <a:p>
+            <a:r>
+              <a:rPr lang="ja-JP" altLang="en-US" dirty="0"/>
+              <a:t>まとめ</a:t>
+            </a:r>
+            <a:endParaRPr kumimoji="1" lang="ja-JP" altLang="en-US" dirty="0">
+              <a:latin typeface="BIZ UDPゴシック" panose="020B0400000000000000" pitchFamily="50" charset="-128"/>
+              <a:ea typeface="BIZ UDPゴシック" panose="020B0400000000000000" pitchFamily="50" charset="-128"/>
+            </a:endParaRPr>
+          </a:p>
+        </p:txBody>
+      </p:sp>
+      <p:sp>
+        <p:nvSpPr>
+          <p:cNvPr id="4" name="スライド番号プレースホルダー 3">
+            <a:extLst>
+              <a:ext uri="{FF2B5EF4-FFF2-40B4-BE49-F238E27FC236}">
+                <a16:creationId xmlns:a16="http://schemas.microsoft.com/office/drawing/2014/main" id="{9572793B-94FB-7482-FE64-DBBA97CE0D98}"/>
+              </a:ext>
+            </a:extLst>
+          </p:cNvPr>
+          <p:cNvSpPr>
+            <a:spLocks noGrp="1"/>
+          </p:cNvSpPr>
+          <p:nvPr>
+            <p:ph type="sldNum" sz="quarter" idx="10"/>
+          </p:nvPr>
+        </p:nvSpPr>
+        <p:spPr/>
+        <p:txBody>
+          <a:bodyPr/>
+          <a:lstStyle/>
+          <a:p>
+            <a:fld id="{D2D8002D-B5B0-4BAC-B1F6-782DDCCE6D9C}" type="slidenum">
+              <a:rPr kumimoji="1" lang="ja-JP" altLang="en-US" smtClean="0"/>
+              <a:t>13</a:t>
+            </a:fld>
+            <a:endParaRPr kumimoji="1" lang="ja-JP" altLang="en-US"/>
+          </a:p>
+        </p:txBody>
+      </p:sp>
+    </p:spTree>
+    <p:extLst>
+      <p:ext uri="{BB962C8B-B14F-4D97-AF65-F5344CB8AC3E}">
+        <p14:creationId xmlns:p14="http://schemas.microsoft.com/office/powerpoint/2010/main" val="843638580"/>
+      </p:ext>
+    </p:extLst>
+  </p:cSld>
+  <p:clrMapOvr>
+    <a:masterClrMapping/>
+  </p:clrMapOvr>
+</p:sld>
+</file>
+
+<file path=ppt/slides/slide14.xml><?xml version="1.0" encoding="utf-8"?>
+<p:sld xmlns:a="http://schemas.openxmlformats.org/drawingml/2006/main" xmlns:r="http://schemas.openxmlformats.org/officeDocument/2006/relationships" xmlns:p="http://schemas.openxmlformats.org/presentationml/2006/main">
+  <p:cSld>
+    <p:spTree>
+      <p:nvGrpSpPr>
+        <p:cNvPr id="1" name="">
+          <a:extLst>
+            <a:ext uri="{FF2B5EF4-FFF2-40B4-BE49-F238E27FC236}">
+              <a16:creationId xmlns:a16="http://schemas.microsoft.com/office/drawing/2014/main" id="{A56BC01D-7D12-71E1-C65F-FC9176FFA25E}"/>
+            </a:ext>
+          </a:extLst>
+        </p:cNvPr>
+        <p:cNvGrpSpPr/>
+        <p:nvPr/>
+      </p:nvGrpSpPr>
+      <p:grpSpPr>
+        <a:xfrm>
+          <a:off x="0" y="0"/>
+          <a:ext cx="0" cy="0"/>
+          <a:chOff x="0" y="0"/>
+          <a:chExt cx="0" cy="0"/>
+        </a:xfrm>
+      </p:grpSpPr>
+      <p:sp>
+        <p:nvSpPr>
+          <p:cNvPr id="2" name="コンテンツ プレースホルダー 1">
+            <a:extLst>
+              <a:ext uri="{FF2B5EF4-FFF2-40B4-BE49-F238E27FC236}">
+                <a16:creationId xmlns:a16="http://schemas.microsoft.com/office/drawing/2014/main" id="{C2E2AEE6-3646-0BF4-E51B-7A9D23340C66}"/>
+              </a:ext>
+            </a:extLst>
+          </p:cNvPr>
+          <p:cNvSpPr>
+            <a:spLocks noGrp="1"/>
+          </p:cNvSpPr>
+          <p:nvPr>
+            <p:ph idx="1"/>
+          </p:nvPr>
+        </p:nvSpPr>
+        <p:spPr/>
+        <p:txBody>
+          <a:bodyPr/>
+          <a:lstStyle/>
+          <a:p>
+            <a:endParaRPr kumimoji="1" lang="ja-JP" altLang="en-US" dirty="0"/>
+          </a:p>
+        </p:txBody>
+      </p:sp>
+      <p:sp>
+        <p:nvSpPr>
+          <p:cNvPr id="3" name="タイトル 2">
+            <a:extLst>
+              <a:ext uri="{FF2B5EF4-FFF2-40B4-BE49-F238E27FC236}">
+                <a16:creationId xmlns:a16="http://schemas.microsoft.com/office/drawing/2014/main" id="{42160CD2-B2F8-A44A-5FEF-31E4209FD604}"/>
+              </a:ext>
+            </a:extLst>
+          </p:cNvPr>
+          <p:cNvSpPr>
+            <a:spLocks noGrp="1"/>
+          </p:cNvSpPr>
+          <p:nvPr>
+            <p:ph type="title"/>
+          </p:nvPr>
+        </p:nvSpPr>
+        <p:spPr/>
+        <p:txBody>
+          <a:bodyPr/>
+          <a:lstStyle/>
+          <a:p>
+            <a:r>
+              <a:rPr kumimoji="1" lang="ja-JP" altLang="en-US" dirty="0">
+                <a:latin typeface="BIZ UDPゴシック" panose="020B0400000000000000" pitchFamily="50" charset="-128"/>
+                <a:ea typeface="BIZ UDPゴシック" panose="020B0400000000000000" pitchFamily="50" charset="-128"/>
+              </a:rPr>
+              <a:t>シミュレーション</a:t>
+            </a:r>
+            <a:r>
+              <a:rPr kumimoji="1" lang="en-US" altLang="ja-JP" dirty="0">
+                <a:latin typeface="BIZ UDPゴシック" panose="020B0400000000000000" pitchFamily="50" charset="-128"/>
+                <a:ea typeface="BIZ UDPゴシック" panose="020B0400000000000000" pitchFamily="50" charset="-128"/>
+              </a:rPr>
+              <a:t>2 </a:t>
+            </a:r>
+            <a:r>
+              <a:rPr kumimoji="1" lang="ja-JP" altLang="en-US" dirty="0">
+                <a:latin typeface="BIZ UDPゴシック" panose="020B0400000000000000" pitchFamily="50" charset="-128"/>
+                <a:ea typeface="BIZ UDPゴシック" panose="020B0400000000000000" pitchFamily="50" charset="-128"/>
+              </a:rPr>
+              <a:t>評価</a:t>
+            </a:r>
+          </a:p>
+        </p:txBody>
+      </p:sp>
+      <p:sp>
+        <p:nvSpPr>
+          <p:cNvPr id="4" name="スライド番号プレースホルダー 3">
+            <a:extLst>
+              <a:ext uri="{FF2B5EF4-FFF2-40B4-BE49-F238E27FC236}">
+                <a16:creationId xmlns:a16="http://schemas.microsoft.com/office/drawing/2014/main" id="{E05102C6-6A4D-47C9-4F84-64E9077CB389}"/>
+              </a:ext>
+            </a:extLst>
+          </p:cNvPr>
+          <p:cNvSpPr>
+            <a:spLocks noGrp="1"/>
+          </p:cNvSpPr>
+          <p:nvPr>
+            <p:ph type="sldNum" sz="quarter" idx="10"/>
+          </p:nvPr>
+        </p:nvSpPr>
+        <p:spPr/>
+        <p:txBody>
+          <a:bodyPr/>
+          <a:lstStyle/>
+          <a:p>
+            <a:fld id="{D2D8002D-B5B0-4BAC-B1F6-782DDCCE6D9C}" type="slidenum">
+              <a:rPr kumimoji="1" lang="ja-JP" altLang="en-US" smtClean="0"/>
+              <a:t>14</a:t>
+            </a:fld>
+            <a:endParaRPr kumimoji="1" lang="ja-JP" altLang="en-US"/>
+          </a:p>
+        </p:txBody>
+      </p:sp>
+    </p:spTree>
+    <p:extLst>
+      <p:ext uri="{BB962C8B-B14F-4D97-AF65-F5344CB8AC3E}">
+        <p14:creationId xmlns:p14="http://schemas.microsoft.com/office/powerpoint/2010/main" val="2267368293"/>
+      </p:ext>
+    </p:extLst>
+  </p:cSld>
+  <p:clrMapOvr>
+    <a:masterClrMapping/>
+  </p:clrMapOvr>
+</p:sld>
+</file>
+
+<file path=ppt/slides/slide15.xml><?xml version="1.0" encoding="utf-8"?>
 <p:sld xmlns:a="http://schemas.openxmlformats.org/drawingml/2006/main" xmlns:r="http://schemas.openxmlformats.org/officeDocument/2006/relationships" xmlns:p="http://schemas.openxmlformats.org/presentationml/2006/main">
   <p:cSld>
     <p:spTree>
@@ -6266,7 +6191,53 @@
           <a:bodyPr/>
           <a:lstStyle/>
           <a:p>
-            <a:endParaRPr kumimoji="1" lang="ja-JP" altLang="en-US" dirty="0"/>
+            <a:r>
+              <a:rPr kumimoji="1" lang="ja-JP" altLang="en-US" dirty="0">
+                <a:latin typeface="BIZ UDPGothic" panose="020B0400000000000000" pitchFamily="34" charset="-128"/>
+                <a:ea typeface="BIZ UDPGothic" panose="020B0400000000000000" pitchFamily="34" charset="-128"/>
+              </a:rPr>
+              <a:t>送信間隔</a:t>
+            </a:r>
+            <a:endParaRPr kumimoji="1" lang="en-GB" altLang="ja-JP" dirty="0">
+              <a:latin typeface="BIZ UDPGothic" panose="020B0400000000000000" pitchFamily="34" charset="-128"/>
+              <a:ea typeface="BIZ UDPGothic" panose="020B0400000000000000" pitchFamily="34" charset="-128"/>
+            </a:endParaRPr>
+          </a:p>
+          <a:p>
+            <a:r>
+              <a:rPr lang="ja-JP" altLang="en-US" dirty="0">
+                <a:latin typeface="BIZ UDPGothic" panose="020B0400000000000000" pitchFamily="34" charset="-128"/>
+                <a:ea typeface="BIZ UDPGothic" panose="020B0400000000000000" pitchFamily="34" charset="-128"/>
+              </a:rPr>
+              <a:t>端末ごとに伝送速度を反映させる</a:t>
+            </a:r>
+            <a:endParaRPr lang="en-GB" altLang="ja-JP" dirty="0">
+              <a:latin typeface="BIZ UDPGothic" panose="020B0400000000000000" pitchFamily="34" charset="-128"/>
+              <a:ea typeface="BIZ UDPGothic" panose="020B0400000000000000" pitchFamily="34" charset="-128"/>
+            </a:endParaRPr>
+          </a:p>
+          <a:p>
+            <a:r>
+              <a:rPr kumimoji="1" lang="ja-JP" altLang="en-US" dirty="0">
+                <a:latin typeface="BIZ UDPGothic" panose="020B0400000000000000" pitchFamily="34" charset="-128"/>
+                <a:ea typeface="BIZ UDPGothic" panose="020B0400000000000000" pitchFamily="34" charset="-128"/>
+              </a:rPr>
+              <a:t>位置情報を踏まえて受信時の</a:t>
+            </a:r>
+            <a:r>
+              <a:rPr kumimoji="1" lang="en-US" altLang="ja-JP" dirty="0">
+                <a:latin typeface="BIZ UDPGothic" panose="020B0400000000000000" pitchFamily="34" charset="-128"/>
+                <a:ea typeface="BIZ UDPGothic" panose="020B0400000000000000" pitchFamily="34" charset="-128"/>
+              </a:rPr>
+              <a:t>SNR</a:t>
+            </a:r>
+            <a:r>
+              <a:rPr kumimoji="1" lang="ja-JP" altLang="en-US" dirty="0">
+                <a:latin typeface="BIZ UDPGothic" panose="020B0400000000000000" pitchFamily="34" charset="-128"/>
+                <a:ea typeface="BIZ UDPGothic" panose="020B0400000000000000" pitchFamily="34" charset="-128"/>
+              </a:rPr>
+              <a:t>からキャプチャ効果でより実環境に近づける</a:t>
+            </a:r>
           </a:p>
         </p:txBody>
       </p:sp>
@@ -6324,7 +6295,7 @@
           <a:p>
             <a:fld id="{D2D8002D-B5B0-4BAC-B1F6-782DDCCE6D9C}" type="slidenum">
               <a:rPr kumimoji="1" lang="ja-JP" altLang="en-US" smtClean="0"/>
-              <a:t>16</a:t>
+              <a:t>15</a:t>
             </a:fld>
             <a:endParaRPr kumimoji="1" lang="ja-JP" altLang="en-US"/>
           </a:p>
@@ -6343,257 +6314,7 @@
 </p:sld>
 </file>
 
-<file path=ppt/slides/slide17.xml><?xml version="1.0" encoding="utf-8"?>
-<p:sld xmlns:a="http://schemas.openxmlformats.org/drawingml/2006/main" xmlns:r="http://schemas.openxmlformats.org/officeDocument/2006/relationships" xmlns:p="http://schemas.openxmlformats.org/presentationml/2006/main">
-  <p:cSld>
-    <p:spTree>
-      <p:nvGrpSpPr>
-        <p:cNvPr id="1" name="">
-          <a:extLst>
-            <a:ext uri="{FF2B5EF4-FFF2-40B4-BE49-F238E27FC236}">
-              <a16:creationId xmlns:a16="http://schemas.microsoft.com/office/drawing/2014/main" id="{A56BC01D-7D12-71E1-C65F-FC9176FFA25E}"/>
-            </a:ext>
-          </a:extLst>
-        </p:cNvPr>
-        <p:cNvGrpSpPr/>
-        <p:nvPr/>
-      </p:nvGrpSpPr>
-      <p:grpSpPr>
-        <a:xfrm>
-          <a:off x="0" y="0"/>
-          <a:ext cx="0" cy="0"/>
-          <a:chOff x="0" y="0"/>
-          <a:chExt cx="0" cy="0"/>
-        </a:xfrm>
-      </p:grpSpPr>
-      <p:sp>
-        <p:nvSpPr>
-          <p:cNvPr id="2" name="コンテンツ プレースホルダー 1">
-            <a:extLst>
-              <a:ext uri="{FF2B5EF4-FFF2-40B4-BE49-F238E27FC236}">
-                <a16:creationId xmlns:a16="http://schemas.microsoft.com/office/drawing/2014/main" id="{C2E2AEE6-3646-0BF4-E51B-7A9D23340C66}"/>
-              </a:ext>
-            </a:extLst>
-          </p:cNvPr>
-          <p:cNvSpPr>
-            <a:spLocks noGrp="1"/>
-          </p:cNvSpPr>
-          <p:nvPr>
-            <p:ph idx="1"/>
-          </p:nvPr>
-        </p:nvSpPr>
-        <p:spPr/>
-        <p:txBody>
-          <a:bodyPr/>
-          <a:lstStyle/>
-          <a:p>
-            <a:endParaRPr kumimoji="1" lang="ja-JP" altLang="en-US" dirty="0"/>
-          </a:p>
-        </p:txBody>
-      </p:sp>
-      <p:sp>
-        <p:nvSpPr>
-          <p:cNvPr id="3" name="タイトル 2">
-            <a:extLst>
-              <a:ext uri="{FF2B5EF4-FFF2-40B4-BE49-F238E27FC236}">
-                <a16:creationId xmlns:a16="http://schemas.microsoft.com/office/drawing/2014/main" id="{42160CD2-B2F8-A44A-5FEF-31E4209FD604}"/>
-              </a:ext>
-            </a:extLst>
-          </p:cNvPr>
-          <p:cNvSpPr>
-            <a:spLocks noGrp="1"/>
-          </p:cNvSpPr>
-          <p:nvPr>
-            <p:ph type="title"/>
-          </p:nvPr>
-        </p:nvSpPr>
-        <p:spPr/>
-        <p:txBody>
-          <a:bodyPr/>
-          <a:lstStyle/>
-          <a:p>
-            <a:r>
-              <a:rPr kumimoji="1" lang="ja-JP" altLang="en-US" dirty="0">
-                <a:latin typeface="BIZ UDPゴシック" panose="020B0400000000000000" pitchFamily="50" charset="-128"/>
-                <a:ea typeface="BIZ UDPゴシック" panose="020B0400000000000000" pitchFamily="50" charset="-128"/>
-              </a:rPr>
-              <a:t>シミュレーション</a:t>
-            </a:r>
-            <a:r>
-              <a:rPr kumimoji="1" lang="en-US" altLang="ja-JP" dirty="0">
-                <a:latin typeface="BIZ UDPゴシック" panose="020B0400000000000000" pitchFamily="50" charset="-128"/>
-                <a:ea typeface="BIZ UDPゴシック" panose="020B0400000000000000" pitchFamily="50" charset="-128"/>
-              </a:rPr>
-              <a:t>2 </a:t>
-            </a:r>
-            <a:r>
-              <a:rPr kumimoji="1" lang="ja-JP" altLang="en-US" dirty="0">
-                <a:latin typeface="BIZ UDPゴシック" panose="020B0400000000000000" pitchFamily="50" charset="-128"/>
-                <a:ea typeface="BIZ UDPゴシック" panose="020B0400000000000000" pitchFamily="50" charset="-128"/>
-              </a:rPr>
-              <a:t>評価</a:t>
-            </a:r>
-          </a:p>
-        </p:txBody>
-      </p:sp>
-      <p:sp>
-        <p:nvSpPr>
-          <p:cNvPr id="4" name="スライド番号プレースホルダー 3">
-            <a:extLst>
-              <a:ext uri="{FF2B5EF4-FFF2-40B4-BE49-F238E27FC236}">
-                <a16:creationId xmlns:a16="http://schemas.microsoft.com/office/drawing/2014/main" id="{E05102C6-6A4D-47C9-4F84-64E9077CB389}"/>
-              </a:ext>
-            </a:extLst>
-          </p:cNvPr>
-          <p:cNvSpPr>
-            <a:spLocks noGrp="1"/>
-          </p:cNvSpPr>
-          <p:nvPr>
-            <p:ph type="sldNum" sz="quarter" idx="10"/>
-          </p:nvPr>
-        </p:nvSpPr>
-        <p:spPr/>
-        <p:txBody>
-          <a:bodyPr/>
-          <a:lstStyle/>
-          <a:p>
-            <a:fld id="{D2D8002D-B5B0-4BAC-B1F6-782DDCCE6D9C}" type="slidenum">
-              <a:rPr kumimoji="1" lang="ja-JP" altLang="en-US" smtClean="0"/>
-              <a:t>17</a:t>
-            </a:fld>
-            <a:endParaRPr kumimoji="1" lang="ja-JP" altLang="en-US"/>
-          </a:p>
-        </p:txBody>
-      </p:sp>
-    </p:spTree>
-    <p:extLst>
-      <p:ext uri="{BB962C8B-B14F-4D97-AF65-F5344CB8AC3E}">
-        <p14:creationId xmlns:p14="http://schemas.microsoft.com/office/powerpoint/2010/main" val="2267368293"/>
-      </p:ext>
-    </p:extLst>
-  </p:cSld>
-  <p:clrMapOvr>
-    <a:masterClrMapping/>
-  </p:clrMapOvr>
-</p:sld>
-</file>
-
 <file path=ppt/slides/slide2.xml><?xml version="1.0" encoding="utf-8"?>
-<p:sld xmlns:a="http://schemas.openxmlformats.org/drawingml/2006/main" xmlns:r="http://schemas.openxmlformats.org/officeDocument/2006/relationships" xmlns:p="http://schemas.openxmlformats.org/presentationml/2006/main">
-  <p:cSld>
-    <p:spTree>
-      <p:nvGrpSpPr>
-        <p:cNvPr id="1" name=""/>
-        <p:cNvGrpSpPr/>
-        <p:nvPr/>
-      </p:nvGrpSpPr>
-      <p:grpSpPr>
-        <a:xfrm>
-          <a:off x="0" y="0"/>
-          <a:ext cx="0" cy="0"/>
-          <a:chOff x="0" y="0"/>
-          <a:chExt cx="0" cy="0"/>
-        </a:xfrm>
-      </p:grpSpPr>
-      <p:sp>
-        <p:nvSpPr>
-          <p:cNvPr id="2" name="コンテンツ プレースホルダー 1">
-            <a:extLst>
-              <a:ext uri="{FF2B5EF4-FFF2-40B4-BE49-F238E27FC236}">
-                <a16:creationId xmlns:a16="http://schemas.microsoft.com/office/drawing/2014/main" id="{FD21DD23-E211-477C-C8F2-601D6C729D20}"/>
-              </a:ext>
-            </a:extLst>
-          </p:cNvPr>
-          <p:cNvSpPr>
-            <a:spLocks noGrp="1"/>
-          </p:cNvSpPr>
-          <p:nvPr>
-            <p:ph idx="1"/>
-          </p:nvPr>
-        </p:nvSpPr>
-        <p:spPr/>
-        <p:txBody>
-          <a:bodyPr/>
-          <a:lstStyle/>
-          <a:p>
-            <a:endParaRPr kumimoji="1" lang="ja-JP" altLang="en-US"/>
-          </a:p>
-        </p:txBody>
-      </p:sp>
-      <p:sp>
-        <p:nvSpPr>
-          <p:cNvPr id="3" name="タイトル 2">
-            <a:extLst>
-              <a:ext uri="{FF2B5EF4-FFF2-40B4-BE49-F238E27FC236}">
-                <a16:creationId xmlns:a16="http://schemas.microsoft.com/office/drawing/2014/main" id="{AC2366C3-92D4-DCD4-1E97-473306EDC2F5}"/>
-              </a:ext>
-            </a:extLst>
-          </p:cNvPr>
-          <p:cNvSpPr>
-            <a:spLocks noGrp="1"/>
-          </p:cNvSpPr>
-          <p:nvPr>
-            <p:ph type="title"/>
-          </p:nvPr>
-        </p:nvSpPr>
-        <p:spPr/>
-        <p:txBody>
-          <a:bodyPr/>
-          <a:lstStyle/>
-          <a:p>
-            <a:r>
-              <a:rPr kumimoji="1" lang="ja-JP" altLang="en-US" dirty="0">
-                <a:latin typeface="BIZ UDPゴシック" panose="020B0400000000000000" pitchFamily="50" charset="-128"/>
-                <a:ea typeface="BIZ UDPゴシック" panose="020B0400000000000000" pitchFamily="50" charset="-128"/>
-              </a:rPr>
-              <a:t>研究背景</a:t>
-            </a:r>
-          </a:p>
-        </p:txBody>
-      </p:sp>
-      <p:sp>
-        <p:nvSpPr>
-          <p:cNvPr id="4" name="スライド番号プレースホルダー 3">
-            <a:extLst>
-              <a:ext uri="{FF2B5EF4-FFF2-40B4-BE49-F238E27FC236}">
-                <a16:creationId xmlns:a16="http://schemas.microsoft.com/office/drawing/2014/main" id="{A00BBF1C-01C2-9A72-0F70-3EA287D416BF}"/>
-              </a:ext>
-            </a:extLst>
-          </p:cNvPr>
-          <p:cNvSpPr>
-            <a:spLocks noGrp="1"/>
-          </p:cNvSpPr>
-          <p:nvPr>
-            <p:ph type="sldNum" sz="quarter" idx="10"/>
-          </p:nvPr>
-        </p:nvSpPr>
-        <p:spPr/>
-        <p:txBody>
-          <a:bodyPr/>
-          <a:lstStyle/>
-          <a:p>
-            <a:fld id="{D2D8002D-B5B0-4BAC-B1F6-782DDCCE6D9C}" type="slidenum">
-              <a:rPr kumimoji="1" lang="ja-JP" altLang="en-US" smtClean="0"/>
-              <a:t>2</a:t>
-            </a:fld>
-            <a:endParaRPr kumimoji="1" lang="ja-JP" altLang="en-US"/>
-          </a:p>
-        </p:txBody>
-      </p:sp>
-    </p:spTree>
-    <p:extLst>
-      <p:ext uri="{BB962C8B-B14F-4D97-AF65-F5344CB8AC3E}">
-        <p14:creationId xmlns:p14="http://schemas.microsoft.com/office/powerpoint/2010/main" val="827726908"/>
-      </p:ext>
-    </p:extLst>
-  </p:cSld>
-  <p:clrMapOvr>
-    <a:masterClrMapping/>
-  </p:clrMapOvr>
-</p:sld>
-</file>
-
-<file path=ppt/slides/slide3.xml><?xml version="1.0" encoding="utf-8"?>
 <p:sld xmlns:a="http://schemas.openxmlformats.org/drawingml/2006/main" xmlns:r="http://schemas.openxmlformats.org/officeDocument/2006/relationships" xmlns:p="http://schemas.openxmlformats.org/presentationml/2006/main">
   <p:cSld>
     <p:spTree>
@@ -6695,7 +6416,7 @@
           <a:p>
             <a:fld id="{D2D8002D-B5B0-4BAC-B1F6-782DDCCE6D9C}" type="slidenum">
               <a:rPr kumimoji="1" lang="ja-JP" altLang="en-US" smtClean="0"/>
-              <a:t>3</a:t>
+              <a:t>2</a:t>
             </a:fld>
             <a:endParaRPr kumimoji="1" lang="ja-JP" altLang="en-US"/>
           </a:p>
@@ -6705,6 +6426,2172 @@
     <p:extLst>
       <p:ext uri="{BB962C8B-B14F-4D97-AF65-F5344CB8AC3E}">
         <p14:creationId xmlns:p14="http://schemas.microsoft.com/office/powerpoint/2010/main" val="1194054372"/>
+      </p:ext>
+    </p:extLst>
+  </p:cSld>
+  <p:clrMapOvr>
+    <a:masterClrMapping/>
+  </p:clrMapOvr>
+</p:sld>
+</file>
+
+<file path=ppt/slides/slide3.xml><?xml version="1.0" encoding="utf-8"?>
+<p:sld xmlns:a="http://schemas.openxmlformats.org/drawingml/2006/main" xmlns:r="http://schemas.openxmlformats.org/officeDocument/2006/relationships" xmlns:p="http://schemas.openxmlformats.org/presentationml/2006/main">
+  <p:cSld>
+    <p:spTree>
+      <p:nvGrpSpPr>
+        <p:cNvPr id="1" name=""/>
+        <p:cNvGrpSpPr/>
+        <p:nvPr/>
+      </p:nvGrpSpPr>
+      <p:grpSpPr>
+        <a:xfrm>
+          <a:off x="0" y="0"/>
+          <a:ext cx="0" cy="0"/>
+          <a:chOff x="0" y="0"/>
+          <a:chExt cx="0" cy="0"/>
+        </a:xfrm>
+      </p:grpSpPr>
+      <p:sp>
+        <p:nvSpPr>
+          <p:cNvPr id="3" name="タイトル 2">
+            <a:extLst>
+              <a:ext uri="{FF2B5EF4-FFF2-40B4-BE49-F238E27FC236}">
+                <a16:creationId xmlns:a16="http://schemas.microsoft.com/office/drawing/2014/main" id="{AC2366C3-92D4-DCD4-1E97-473306EDC2F5}"/>
+              </a:ext>
+            </a:extLst>
+          </p:cNvPr>
+          <p:cNvSpPr>
+            <a:spLocks noGrp="1"/>
+          </p:cNvSpPr>
+          <p:nvPr>
+            <p:ph type="title"/>
+          </p:nvPr>
+        </p:nvSpPr>
+        <p:spPr/>
+        <p:txBody>
+          <a:bodyPr/>
+          <a:lstStyle/>
+          <a:p>
+            <a:r>
+              <a:rPr kumimoji="1" lang="ja-JP" altLang="en-US" dirty="0">
+                <a:latin typeface="BIZ UDPゴシック" panose="020B0400000000000000" pitchFamily="50" charset="-128"/>
+                <a:ea typeface="BIZ UDPゴシック" panose="020B0400000000000000" pitchFamily="50" charset="-128"/>
+              </a:rPr>
+              <a:t>研究背景</a:t>
+            </a:r>
+          </a:p>
+        </p:txBody>
+      </p:sp>
+      <p:sp>
+        <p:nvSpPr>
+          <p:cNvPr id="4" name="スライド番号プレースホルダー 3">
+            <a:extLst>
+              <a:ext uri="{FF2B5EF4-FFF2-40B4-BE49-F238E27FC236}">
+                <a16:creationId xmlns:a16="http://schemas.microsoft.com/office/drawing/2014/main" id="{A00BBF1C-01C2-9A72-0F70-3EA287D416BF}"/>
+              </a:ext>
+            </a:extLst>
+          </p:cNvPr>
+          <p:cNvSpPr>
+            <a:spLocks noGrp="1"/>
+          </p:cNvSpPr>
+          <p:nvPr>
+            <p:ph type="sldNum" sz="quarter" idx="10"/>
+          </p:nvPr>
+        </p:nvSpPr>
+        <p:spPr/>
+        <p:txBody>
+          <a:bodyPr/>
+          <a:lstStyle/>
+          <a:p>
+            <a:fld id="{D2D8002D-B5B0-4BAC-B1F6-782DDCCE6D9C}" type="slidenum">
+              <a:rPr kumimoji="1" lang="ja-JP" altLang="en-US" smtClean="0"/>
+              <a:t>3</a:t>
+            </a:fld>
+            <a:endParaRPr kumimoji="1" lang="ja-JP" altLang="en-US"/>
+          </a:p>
+        </p:txBody>
+      </p:sp>
+      <p:sp>
+        <p:nvSpPr>
+          <p:cNvPr id="5" name="正方形/長方形 21">
+            <a:extLst>
+              <a:ext uri="{FF2B5EF4-FFF2-40B4-BE49-F238E27FC236}">
+                <a16:creationId xmlns:a16="http://schemas.microsoft.com/office/drawing/2014/main" id="{AEF8C392-2A51-09DD-9F3A-B08023C664D8}"/>
+              </a:ext>
+            </a:extLst>
+          </p:cNvPr>
+          <p:cNvSpPr/>
+          <p:nvPr/>
+        </p:nvSpPr>
+        <p:spPr>
+          <a:xfrm>
+            <a:off x="2649326" y="3654631"/>
+            <a:ext cx="1791940" cy="593013"/>
+          </a:xfrm>
+          <a:prstGeom prst="rect">
+            <a:avLst/>
+          </a:prstGeom>
+          <a:solidFill>
+            <a:schemeClr val="bg2">
+              <a:lumMod val="25000"/>
+              <a:lumOff val="75000"/>
+            </a:schemeClr>
+          </a:solidFill>
+          <a:ln>
+            <a:noFill/>
+          </a:ln>
+        </p:spPr>
+        <p:txBody>
+          <a:bodyPr wrap="square" rtlCol="0" anchor="ctr">
+            <a:spAutoFit/>
+          </a:bodyPr>
+          <a:lstStyle/>
+          <a:p>
+            <a:pPr algn="ctr"/>
+            <a:endParaRPr kumimoji="1" lang="ja-JP" altLang="en-US" kern="0" dirty="0">
+              <a:latin typeface="+mn-lt"/>
+              <a:ea typeface="+mn-ea"/>
+            </a:endParaRPr>
+          </a:p>
+        </p:txBody>
+      </p:sp>
+      <p:sp>
+        <p:nvSpPr>
+          <p:cNvPr id="6" name="コンテンツ プレースホルダー 1">
+            <a:extLst>
+              <a:ext uri="{FF2B5EF4-FFF2-40B4-BE49-F238E27FC236}">
+                <a16:creationId xmlns:a16="http://schemas.microsoft.com/office/drawing/2014/main" id="{737D2DAF-0384-E769-6161-873D5D82CC29}"/>
+              </a:ext>
+            </a:extLst>
+          </p:cNvPr>
+          <p:cNvSpPr txBox="1">
+            <a:spLocks/>
+          </p:cNvSpPr>
+          <p:nvPr/>
+        </p:nvSpPr>
+        <p:spPr>
+          <a:xfrm>
+            <a:off x="229303" y="1344900"/>
+            <a:ext cx="8135393" cy="953517"/>
+          </a:xfrm>
+          <a:prstGeom prst="rect">
+            <a:avLst/>
+          </a:prstGeom>
+        </p:spPr>
+        <p:txBody>
+          <a:bodyPr vert="horz" lIns="91440" tIns="45720" rIns="91440" bIns="45720" rtlCol="0">
+            <a:normAutofit/>
+          </a:bodyPr>
+          <a:lstStyle>
+            <a:lvl1pPr marL="342900" indent="-342900" algn="l" rtl="0" eaLnBrk="1" fontAlgn="base" hangingPunct="1">
+              <a:spcBef>
+                <a:spcPct val="20000"/>
+              </a:spcBef>
+              <a:spcAft>
+                <a:spcPct val="0"/>
+              </a:spcAft>
+              <a:buClr>
+                <a:srgbClr val="494949"/>
+              </a:buClr>
+              <a:buSzPct val="75000"/>
+              <a:buFont typeface="Wingdings" pitchFamily="2" charset="2"/>
+              <a:buChar char="n"/>
+              <a:defRPr kumimoji="1" sz="3200" baseline="0">
+                <a:solidFill>
+                  <a:srgbClr val="494949"/>
+                </a:solidFill>
+                <a:latin typeface="Segoe UI" panose="020B0502040204020203" pitchFamily="34" charset="0"/>
+                <a:ea typeface="游ゴシック Medium" panose="020B0500000000000000" pitchFamily="50" charset="-128"/>
+                <a:cs typeface="+mn-cs"/>
+              </a:defRPr>
+            </a:lvl1pPr>
+            <a:lvl2pPr marL="742950" indent="-285750" algn="l" rtl="0" eaLnBrk="1" fontAlgn="base" hangingPunct="1">
+              <a:spcBef>
+                <a:spcPct val="20000"/>
+              </a:spcBef>
+              <a:spcAft>
+                <a:spcPct val="0"/>
+              </a:spcAft>
+              <a:buClr>
+                <a:srgbClr val="494949"/>
+              </a:buClr>
+              <a:buSzPct val="75000"/>
+              <a:buChar char="–"/>
+              <a:defRPr kumimoji="1" sz="2800" baseline="0">
+                <a:solidFill>
+                  <a:srgbClr val="494949"/>
+                </a:solidFill>
+                <a:latin typeface="Segoe UI" panose="020B0502040204020203" pitchFamily="34" charset="0"/>
+                <a:ea typeface="游ゴシック Medium" panose="020B0500000000000000" pitchFamily="50" charset="-128"/>
+              </a:defRPr>
+            </a:lvl2pPr>
+            <a:lvl3pPr marL="1143000" indent="-228600" algn="l" rtl="0" eaLnBrk="1" fontAlgn="base" hangingPunct="1">
+              <a:spcBef>
+                <a:spcPct val="20000"/>
+              </a:spcBef>
+              <a:spcAft>
+                <a:spcPct val="0"/>
+              </a:spcAft>
+              <a:buClr>
+                <a:srgbClr val="494949"/>
+              </a:buClr>
+              <a:buSzPct val="75000"/>
+              <a:buFont typeface="Wingdings" pitchFamily="2" charset="2"/>
+              <a:buChar char="n"/>
+              <a:defRPr kumimoji="1" sz="2400" baseline="0">
+                <a:solidFill>
+                  <a:srgbClr val="494949"/>
+                </a:solidFill>
+                <a:latin typeface="Segoe UI" panose="020B0502040204020203" pitchFamily="34" charset="0"/>
+                <a:ea typeface="游ゴシック Medium" panose="020B0500000000000000" pitchFamily="50" charset="-128"/>
+              </a:defRPr>
+            </a:lvl3pPr>
+            <a:lvl4pPr marL="1600200" indent="-228600" algn="l" rtl="0" eaLnBrk="1" fontAlgn="base" hangingPunct="1">
+              <a:spcBef>
+                <a:spcPct val="20000"/>
+              </a:spcBef>
+              <a:spcAft>
+                <a:spcPct val="0"/>
+              </a:spcAft>
+              <a:buClr>
+                <a:srgbClr val="494949"/>
+              </a:buClr>
+              <a:buSzPct val="80000"/>
+              <a:buChar char="–"/>
+              <a:defRPr kumimoji="1" sz="2400" baseline="0">
+                <a:solidFill>
+                  <a:srgbClr val="494949"/>
+                </a:solidFill>
+                <a:latin typeface="Segoe UI" panose="020B0502040204020203" pitchFamily="34" charset="0"/>
+                <a:ea typeface="游ゴシック Medium" panose="020B0500000000000000" pitchFamily="50" charset="-128"/>
+              </a:defRPr>
+            </a:lvl4pPr>
+            <a:lvl5pPr marL="2057400" indent="-228600" algn="l" rtl="0" eaLnBrk="1" fontAlgn="base" hangingPunct="1">
+              <a:spcBef>
+                <a:spcPct val="20000"/>
+              </a:spcBef>
+              <a:spcAft>
+                <a:spcPct val="0"/>
+              </a:spcAft>
+              <a:buClr>
+                <a:srgbClr val="494949"/>
+              </a:buClr>
+              <a:buSzPct val="65000"/>
+              <a:buFont typeface="Wingdings" pitchFamily="2" charset="2"/>
+              <a:buChar char="n"/>
+              <a:defRPr kumimoji="1" sz="2000" baseline="0">
+                <a:solidFill>
+                  <a:srgbClr val="494949"/>
+                </a:solidFill>
+                <a:latin typeface="Segoe UI" panose="020B0502040204020203" pitchFamily="34" charset="0"/>
+                <a:ea typeface="游ゴシック Medium" panose="020B0500000000000000" pitchFamily="50" charset="-128"/>
+              </a:defRPr>
+            </a:lvl5pPr>
+            <a:lvl6pPr marL="2514600" indent="-228600" algn="l" rtl="0" eaLnBrk="1" fontAlgn="base" hangingPunct="1">
+              <a:spcBef>
+                <a:spcPct val="20000"/>
+              </a:spcBef>
+              <a:spcAft>
+                <a:spcPct val="0"/>
+              </a:spcAft>
+              <a:buClr>
+                <a:schemeClr val="tx1"/>
+              </a:buClr>
+              <a:buSzPct val="65000"/>
+              <a:buFont typeface="Wingdings" charset="0"/>
+              <a:buChar char="l"/>
+              <a:defRPr kumimoji="1" sz="2000">
+                <a:solidFill>
+                  <a:schemeClr val="tx1"/>
+                </a:solidFill>
+                <a:latin typeface="+mn-lt"/>
+                <a:ea typeface="+mn-ea"/>
+              </a:defRPr>
+            </a:lvl6pPr>
+            <a:lvl7pPr marL="2971800" indent="-228600" algn="l" rtl="0" eaLnBrk="1" fontAlgn="base" hangingPunct="1">
+              <a:spcBef>
+                <a:spcPct val="20000"/>
+              </a:spcBef>
+              <a:spcAft>
+                <a:spcPct val="0"/>
+              </a:spcAft>
+              <a:buClr>
+                <a:schemeClr val="tx1"/>
+              </a:buClr>
+              <a:buSzPct val="65000"/>
+              <a:buFont typeface="Wingdings" charset="0"/>
+              <a:buChar char="l"/>
+              <a:defRPr kumimoji="1" sz="2000">
+                <a:solidFill>
+                  <a:schemeClr val="tx1"/>
+                </a:solidFill>
+                <a:latin typeface="+mn-lt"/>
+                <a:ea typeface="+mn-ea"/>
+              </a:defRPr>
+            </a:lvl7pPr>
+            <a:lvl8pPr marL="3429000" indent="-228600" algn="l" rtl="0" eaLnBrk="1" fontAlgn="base" hangingPunct="1">
+              <a:spcBef>
+                <a:spcPct val="20000"/>
+              </a:spcBef>
+              <a:spcAft>
+                <a:spcPct val="0"/>
+              </a:spcAft>
+              <a:buClr>
+                <a:schemeClr val="tx1"/>
+              </a:buClr>
+              <a:buSzPct val="65000"/>
+              <a:buFont typeface="Wingdings" charset="0"/>
+              <a:buChar char="l"/>
+              <a:defRPr kumimoji="1" sz="2000">
+                <a:solidFill>
+                  <a:schemeClr val="tx1"/>
+                </a:solidFill>
+                <a:latin typeface="+mn-lt"/>
+                <a:ea typeface="+mn-ea"/>
+              </a:defRPr>
+            </a:lvl8pPr>
+            <a:lvl9pPr marL="3886200" indent="-228600" algn="l" rtl="0" eaLnBrk="1" fontAlgn="base" hangingPunct="1">
+              <a:spcBef>
+                <a:spcPct val="20000"/>
+              </a:spcBef>
+              <a:spcAft>
+                <a:spcPct val="0"/>
+              </a:spcAft>
+              <a:buClr>
+                <a:schemeClr val="tx1"/>
+              </a:buClr>
+              <a:buSzPct val="65000"/>
+              <a:buFont typeface="Wingdings" charset="0"/>
+              <a:buChar char="l"/>
+              <a:defRPr kumimoji="1" sz="2000">
+                <a:solidFill>
+                  <a:schemeClr val="tx1"/>
+                </a:solidFill>
+                <a:latin typeface="+mn-lt"/>
+                <a:ea typeface="+mn-ea"/>
+              </a:defRPr>
+            </a:lvl9pPr>
+          </a:lstStyle>
+          <a:p>
+            <a:pPr>
+              <a:buFont typeface="Segoe UI" panose="020B0502040204020203" pitchFamily="34" charset="0"/>
+              <a:buChar char="−"/>
+            </a:pPr>
+            <a:r>
+              <a:rPr lang="ja-JP" altLang="en-US" sz="2000" kern="0" dirty="0"/>
+              <a:t>他レイヤを含めたクロスレイヤ評価が難しい</a:t>
+            </a:r>
+            <a:endParaRPr lang="en-US" altLang="ja-JP" sz="2000" kern="0" dirty="0"/>
+          </a:p>
+          <a:p>
+            <a:pPr>
+              <a:buFont typeface="Segoe UI" panose="020B0502040204020203" pitchFamily="34" charset="0"/>
+              <a:buChar char="−"/>
+            </a:pPr>
+            <a:r>
+              <a:rPr lang="ja-JP" altLang="en-US" sz="2000" kern="0" dirty="0"/>
+              <a:t>装置を開発して実験を行う必要がある</a:t>
+            </a:r>
+            <a:endParaRPr lang="en-US" altLang="ja-JP" sz="1800" kern="0" dirty="0"/>
+          </a:p>
+        </p:txBody>
+      </p:sp>
+      <p:sp>
+        <p:nvSpPr>
+          <p:cNvPr id="7" name="正方形/長方形 5">
+            <a:extLst>
+              <a:ext uri="{FF2B5EF4-FFF2-40B4-BE49-F238E27FC236}">
+                <a16:creationId xmlns:a16="http://schemas.microsoft.com/office/drawing/2014/main" id="{8D6A3D0E-4A8C-87CE-8C21-F43D35F7AB2B}"/>
+              </a:ext>
+            </a:extLst>
+          </p:cNvPr>
+          <p:cNvSpPr/>
+          <p:nvPr/>
+        </p:nvSpPr>
+        <p:spPr>
+          <a:xfrm>
+            <a:off x="1299885" y="2629367"/>
+            <a:ext cx="1225399" cy="2795025"/>
+          </a:xfrm>
+          <a:prstGeom prst="rect">
+            <a:avLst/>
+          </a:prstGeom>
+          <a:solidFill>
+            <a:schemeClr val="accent5">
+              <a:lumMod val="20000"/>
+              <a:lumOff val="80000"/>
+            </a:schemeClr>
+          </a:solidFill>
+          <a:ln>
+            <a:noFill/>
+          </a:ln>
+        </p:spPr>
+        <p:txBody>
+          <a:bodyPr wrap="square" rtlCol="0" anchor="ctr">
+            <a:spAutoFit/>
+          </a:bodyPr>
+          <a:lstStyle/>
+          <a:p>
+            <a:pPr algn="ctr"/>
+            <a:endParaRPr kumimoji="1" lang="ja-JP" altLang="en-US" kern="0" dirty="0">
+              <a:latin typeface="+mn-lt"/>
+              <a:ea typeface="+mn-ea"/>
+            </a:endParaRPr>
+          </a:p>
+        </p:txBody>
+      </p:sp>
+      <p:sp>
+        <p:nvSpPr>
+          <p:cNvPr id="8" name="正方形/長方形 6">
+            <a:extLst>
+              <a:ext uri="{FF2B5EF4-FFF2-40B4-BE49-F238E27FC236}">
+                <a16:creationId xmlns:a16="http://schemas.microsoft.com/office/drawing/2014/main" id="{770DD132-63B3-ABBF-5FA2-9C6F5959C2D1}"/>
+              </a:ext>
+            </a:extLst>
+          </p:cNvPr>
+          <p:cNvSpPr/>
+          <p:nvPr/>
+        </p:nvSpPr>
+        <p:spPr>
+          <a:xfrm>
+            <a:off x="2658877" y="4975122"/>
+            <a:ext cx="1800201" cy="483495"/>
+          </a:xfrm>
+          <a:prstGeom prst="rect">
+            <a:avLst/>
+          </a:prstGeom>
+          <a:solidFill>
+            <a:schemeClr val="accent5">
+              <a:lumMod val="20000"/>
+              <a:lumOff val="80000"/>
+            </a:schemeClr>
+          </a:solidFill>
+          <a:ln>
+            <a:noFill/>
+          </a:ln>
+        </p:spPr>
+        <p:txBody>
+          <a:bodyPr wrap="square" rtlCol="0" anchor="ctr">
+            <a:spAutoFit/>
+          </a:bodyPr>
+          <a:lstStyle/>
+          <a:p>
+            <a:pPr algn="ctr"/>
+            <a:endParaRPr kumimoji="1" lang="ja-JP" altLang="en-US" kern="0" dirty="0">
+              <a:latin typeface="+mn-lt"/>
+              <a:ea typeface="+mn-ea"/>
+            </a:endParaRPr>
+          </a:p>
+        </p:txBody>
+      </p:sp>
+      <p:sp>
+        <p:nvSpPr>
+          <p:cNvPr id="9" name="テキスト ボックス 15">
+            <a:extLst>
+              <a:ext uri="{FF2B5EF4-FFF2-40B4-BE49-F238E27FC236}">
+                <a16:creationId xmlns:a16="http://schemas.microsoft.com/office/drawing/2014/main" id="{7E9F0889-BB9E-A84A-2841-2711F536B05E}"/>
+              </a:ext>
+            </a:extLst>
+          </p:cNvPr>
+          <p:cNvSpPr txBox="1"/>
+          <p:nvPr/>
+        </p:nvSpPr>
+        <p:spPr>
+          <a:xfrm>
+            <a:off x="1397940" y="3603288"/>
+            <a:ext cx="1008112" cy="707886"/>
+          </a:xfrm>
+          <a:prstGeom prst="rect">
+            <a:avLst/>
+          </a:prstGeom>
+          <a:noFill/>
+        </p:spPr>
+        <p:txBody>
+          <a:bodyPr wrap="square" rtlCol="0">
+            <a:spAutoFit/>
+          </a:bodyPr>
+          <a:lstStyle/>
+          <a:p>
+            <a:pPr algn="ctr"/>
+            <a:r>
+              <a:rPr kumimoji="1" lang="ja-JP" altLang="en-US" sz="2000" dirty="0">
+                <a:ea typeface="游ゴシック Medium" panose="020B0500000000000000" pitchFamily="50" charset="-128"/>
+              </a:rPr>
+              <a:t>統合</a:t>
+            </a:r>
+            <a:br>
+              <a:rPr kumimoji="1" lang="en-US" altLang="ja-JP" sz="2000" dirty="0">
+                <a:ea typeface="游ゴシック Medium" panose="020B0500000000000000" pitchFamily="50" charset="-128"/>
+              </a:rPr>
+            </a:br>
+            <a:r>
+              <a:rPr kumimoji="1" lang="ja-JP" altLang="en-US" sz="2000" dirty="0">
+                <a:ea typeface="游ゴシック Medium" panose="020B0500000000000000" pitchFamily="50" charset="-128"/>
+              </a:rPr>
+              <a:t>評価</a:t>
+            </a:r>
+          </a:p>
+        </p:txBody>
+      </p:sp>
+      <p:sp>
+        <p:nvSpPr>
+          <p:cNvPr id="10" name="テキスト ボックス 16">
+            <a:extLst>
+              <a:ext uri="{FF2B5EF4-FFF2-40B4-BE49-F238E27FC236}">
+                <a16:creationId xmlns:a16="http://schemas.microsoft.com/office/drawing/2014/main" id="{CE284101-95B8-82C0-DDF8-2A0AB43F67BF}"/>
+              </a:ext>
+            </a:extLst>
+          </p:cNvPr>
+          <p:cNvSpPr txBox="1"/>
+          <p:nvPr/>
+        </p:nvSpPr>
+        <p:spPr>
+          <a:xfrm>
+            <a:off x="-86268" y="3053240"/>
+            <a:ext cx="1494166" cy="400110"/>
+          </a:xfrm>
+          <a:prstGeom prst="rect">
+            <a:avLst/>
+          </a:prstGeom>
+          <a:noFill/>
+        </p:spPr>
+        <p:txBody>
+          <a:bodyPr wrap="square" rtlCol="0">
+            <a:spAutoFit/>
+          </a:bodyPr>
+          <a:lstStyle/>
+          <a:p>
+            <a:pPr algn="ctr"/>
+            <a:r>
+              <a:rPr kumimoji="1" lang="ja-JP" altLang="en-US" sz="2000" dirty="0">
+                <a:ea typeface="游ゴシック Medium" panose="020B0500000000000000" pitchFamily="50" charset="-128"/>
+              </a:rPr>
+              <a:t>上位層</a:t>
+            </a:r>
+          </a:p>
+        </p:txBody>
+      </p:sp>
+      <p:sp>
+        <p:nvSpPr>
+          <p:cNvPr id="11" name="テキスト ボックス 17">
+            <a:extLst>
+              <a:ext uri="{FF2B5EF4-FFF2-40B4-BE49-F238E27FC236}">
+                <a16:creationId xmlns:a16="http://schemas.microsoft.com/office/drawing/2014/main" id="{9E917024-474B-6AA0-30B5-23A5EA7A67A9}"/>
+              </a:ext>
+            </a:extLst>
+          </p:cNvPr>
+          <p:cNvSpPr txBox="1"/>
+          <p:nvPr/>
+        </p:nvSpPr>
+        <p:spPr>
+          <a:xfrm>
+            <a:off x="-86268" y="4605487"/>
+            <a:ext cx="1494166" cy="400110"/>
+          </a:xfrm>
+          <a:prstGeom prst="rect">
+            <a:avLst/>
+          </a:prstGeom>
+          <a:noFill/>
+        </p:spPr>
+        <p:txBody>
+          <a:bodyPr wrap="square" rtlCol="0">
+            <a:spAutoFit/>
+          </a:bodyPr>
+          <a:lstStyle/>
+          <a:p>
+            <a:pPr algn="ctr"/>
+            <a:r>
+              <a:rPr lang="ja-JP" altLang="en-US" sz="2000" dirty="0">
+                <a:ea typeface="游ゴシック Medium" panose="020B0500000000000000" pitchFamily="50" charset="-128"/>
+              </a:rPr>
+              <a:t>物理層</a:t>
+            </a:r>
+            <a:endParaRPr kumimoji="1" lang="ja-JP" altLang="en-US" sz="2000" dirty="0">
+              <a:ea typeface="游ゴシック Medium" panose="020B0500000000000000" pitchFamily="50" charset="-128"/>
+            </a:endParaRPr>
+          </a:p>
+        </p:txBody>
+      </p:sp>
+      <p:sp>
+        <p:nvSpPr>
+          <p:cNvPr id="12" name="テキスト ボックス 18">
+            <a:extLst>
+              <a:ext uri="{FF2B5EF4-FFF2-40B4-BE49-F238E27FC236}">
+                <a16:creationId xmlns:a16="http://schemas.microsoft.com/office/drawing/2014/main" id="{F1B07BD1-49A7-BA48-7E28-E89BCFCF8234}"/>
+              </a:ext>
+            </a:extLst>
+          </p:cNvPr>
+          <p:cNvSpPr txBox="1"/>
+          <p:nvPr/>
+        </p:nvSpPr>
+        <p:spPr>
+          <a:xfrm>
+            <a:off x="2796257" y="5024283"/>
+            <a:ext cx="1494166" cy="400110"/>
+          </a:xfrm>
+          <a:prstGeom prst="rect">
+            <a:avLst/>
+          </a:prstGeom>
+          <a:noFill/>
+        </p:spPr>
+        <p:txBody>
+          <a:bodyPr wrap="square" rtlCol="0">
+            <a:spAutoFit/>
+          </a:bodyPr>
+          <a:lstStyle/>
+          <a:p>
+            <a:pPr algn="ctr"/>
+            <a:r>
+              <a:rPr kumimoji="1" lang="ja-JP" altLang="en-US" sz="2000" dirty="0">
+                <a:ea typeface="游ゴシック Medium" panose="020B0500000000000000" pitchFamily="50" charset="-128"/>
+              </a:rPr>
+              <a:t>伝搬実験</a:t>
+            </a:r>
+          </a:p>
+        </p:txBody>
+      </p:sp>
+      <p:sp>
+        <p:nvSpPr>
+          <p:cNvPr id="13" name="テキスト ボックス 19">
+            <a:extLst>
+              <a:ext uri="{FF2B5EF4-FFF2-40B4-BE49-F238E27FC236}">
+                <a16:creationId xmlns:a16="http://schemas.microsoft.com/office/drawing/2014/main" id="{839DE1A7-4B92-A5E3-425F-5567BC1075F5}"/>
+              </a:ext>
+            </a:extLst>
+          </p:cNvPr>
+          <p:cNvSpPr txBox="1"/>
+          <p:nvPr/>
+        </p:nvSpPr>
+        <p:spPr>
+          <a:xfrm>
+            <a:off x="2737546" y="3609070"/>
+            <a:ext cx="1655474" cy="707886"/>
+          </a:xfrm>
+          <a:prstGeom prst="rect">
+            <a:avLst/>
+          </a:prstGeom>
+          <a:noFill/>
+        </p:spPr>
+        <p:txBody>
+          <a:bodyPr wrap="square" rtlCol="0">
+            <a:spAutoFit/>
+          </a:bodyPr>
+          <a:lstStyle/>
+          <a:p>
+            <a:pPr algn="ctr"/>
+            <a:r>
+              <a:rPr kumimoji="1" lang="en-US" altLang="ja-JP" sz="2000" dirty="0">
+                <a:ea typeface="游ゴシック Medium" panose="020B0500000000000000" pitchFamily="50" charset="-128"/>
+              </a:rPr>
+              <a:t>MAC</a:t>
+            </a:r>
+            <a:r>
+              <a:rPr kumimoji="1" lang="ja-JP" altLang="en-US" sz="2000" dirty="0">
+                <a:ea typeface="游ゴシック Medium" panose="020B0500000000000000" pitchFamily="50" charset="-128"/>
+              </a:rPr>
+              <a:t>層</a:t>
+            </a:r>
+            <a:endParaRPr kumimoji="1" lang="en-US" altLang="ja-JP" sz="2000" dirty="0">
+              <a:ea typeface="游ゴシック Medium" panose="020B0500000000000000" pitchFamily="50" charset="-128"/>
+            </a:endParaRPr>
+          </a:p>
+          <a:p>
+            <a:pPr algn="ctr"/>
+            <a:r>
+              <a:rPr kumimoji="1" lang="ja-JP" altLang="en-US" sz="2000" dirty="0">
+                <a:ea typeface="游ゴシック Medium" panose="020B0500000000000000" pitchFamily="50" charset="-128"/>
+              </a:rPr>
+              <a:t>評価</a:t>
+            </a:r>
+          </a:p>
+        </p:txBody>
+      </p:sp>
+      <p:sp>
+        <p:nvSpPr>
+          <p:cNvPr id="14" name="正方形/長方形 24">
+            <a:extLst>
+              <a:ext uri="{FF2B5EF4-FFF2-40B4-BE49-F238E27FC236}">
+                <a16:creationId xmlns:a16="http://schemas.microsoft.com/office/drawing/2014/main" id="{29B5FA7A-FC7E-4092-4DA9-FEAE18C27FE7}"/>
+              </a:ext>
+            </a:extLst>
+          </p:cNvPr>
+          <p:cNvSpPr/>
+          <p:nvPr/>
+        </p:nvSpPr>
+        <p:spPr>
+          <a:xfrm>
+            <a:off x="2658877" y="3465382"/>
+            <a:ext cx="1784343" cy="116695"/>
+          </a:xfrm>
+          <a:prstGeom prst="rect">
+            <a:avLst/>
+          </a:prstGeom>
+          <a:solidFill>
+            <a:schemeClr val="bg2">
+              <a:lumMod val="25000"/>
+              <a:lumOff val="75000"/>
+            </a:schemeClr>
+          </a:solidFill>
+          <a:ln>
+            <a:noFill/>
+          </a:ln>
+        </p:spPr>
+        <p:txBody>
+          <a:bodyPr wrap="square" rtlCol="0" anchor="ctr">
+            <a:spAutoFit/>
+          </a:bodyPr>
+          <a:lstStyle/>
+          <a:p>
+            <a:pPr algn="ctr"/>
+            <a:endParaRPr kumimoji="1" lang="ja-JP" altLang="en-US" kern="0" dirty="0">
+              <a:latin typeface="+mn-lt"/>
+              <a:ea typeface="+mn-ea"/>
+            </a:endParaRPr>
+          </a:p>
+        </p:txBody>
+      </p:sp>
+      <p:sp>
+        <p:nvSpPr>
+          <p:cNvPr id="15" name="正方形/長方形 26">
+            <a:extLst>
+              <a:ext uri="{FF2B5EF4-FFF2-40B4-BE49-F238E27FC236}">
+                <a16:creationId xmlns:a16="http://schemas.microsoft.com/office/drawing/2014/main" id="{4820AA2A-FC2F-A0D6-A593-F7689FFAE5A3}"/>
+              </a:ext>
+            </a:extLst>
+          </p:cNvPr>
+          <p:cNvSpPr/>
+          <p:nvPr/>
+        </p:nvSpPr>
+        <p:spPr>
+          <a:xfrm>
+            <a:off x="2666808" y="3285366"/>
+            <a:ext cx="1784343" cy="116695"/>
+          </a:xfrm>
+          <a:prstGeom prst="rect">
+            <a:avLst/>
+          </a:prstGeom>
+          <a:solidFill>
+            <a:schemeClr val="bg2">
+              <a:lumMod val="25000"/>
+              <a:lumOff val="75000"/>
+            </a:schemeClr>
+          </a:solidFill>
+          <a:ln>
+            <a:noFill/>
+          </a:ln>
+        </p:spPr>
+        <p:txBody>
+          <a:bodyPr wrap="square" rtlCol="0" anchor="ctr">
+            <a:spAutoFit/>
+          </a:bodyPr>
+          <a:lstStyle/>
+          <a:p>
+            <a:pPr algn="ctr"/>
+            <a:endParaRPr kumimoji="1" lang="ja-JP" altLang="en-US" kern="0" dirty="0">
+              <a:latin typeface="+mn-lt"/>
+              <a:ea typeface="+mn-ea"/>
+            </a:endParaRPr>
+          </a:p>
+        </p:txBody>
+      </p:sp>
+      <p:sp>
+        <p:nvSpPr>
+          <p:cNvPr id="16" name="テキスト ボックス 28">
+            <a:extLst>
+              <a:ext uri="{FF2B5EF4-FFF2-40B4-BE49-F238E27FC236}">
+                <a16:creationId xmlns:a16="http://schemas.microsoft.com/office/drawing/2014/main" id="{62CFEDDD-6FAF-1126-F27A-E7A7EEEFC8D9}"/>
+              </a:ext>
+            </a:extLst>
+          </p:cNvPr>
+          <p:cNvSpPr txBox="1"/>
+          <p:nvPr/>
+        </p:nvSpPr>
+        <p:spPr>
+          <a:xfrm rot="16200000">
+            <a:off x="2931931" y="3174329"/>
+            <a:ext cx="1008112" cy="523220"/>
+          </a:xfrm>
+          <a:prstGeom prst="rect">
+            <a:avLst/>
+          </a:prstGeom>
+          <a:noFill/>
+        </p:spPr>
+        <p:txBody>
+          <a:bodyPr wrap="square" rtlCol="0">
+            <a:spAutoFit/>
+          </a:bodyPr>
+          <a:lstStyle/>
+          <a:p>
+            <a:pPr algn="ctr"/>
+            <a:r>
+              <a:rPr kumimoji="1" lang="en-US" altLang="ja-JP" sz="2800" dirty="0">
+                <a:ea typeface="游ゴシック Medium" panose="020B0500000000000000" pitchFamily="50" charset="-128"/>
+              </a:rPr>
+              <a:t>…</a:t>
+            </a:r>
+            <a:endParaRPr kumimoji="1" lang="ja-JP" altLang="en-US" sz="2800" dirty="0">
+              <a:ea typeface="游ゴシック Medium" panose="020B0500000000000000" pitchFamily="50" charset="-128"/>
+            </a:endParaRPr>
+          </a:p>
+        </p:txBody>
+      </p:sp>
+      <p:sp>
+        <p:nvSpPr>
+          <p:cNvPr id="17" name="テキスト ボックス 29">
+            <a:extLst>
+              <a:ext uri="{FF2B5EF4-FFF2-40B4-BE49-F238E27FC236}">
+                <a16:creationId xmlns:a16="http://schemas.microsoft.com/office/drawing/2014/main" id="{4A5D74B4-7CC9-8C3A-1422-404DDA15A02F}"/>
+              </a:ext>
+            </a:extLst>
+          </p:cNvPr>
+          <p:cNvSpPr txBox="1"/>
+          <p:nvPr/>
+        </p:nvSpPr>
+        <p:spPr>
+          <a:xfrm>
+            <a:off x="1353500" y="2148127"/>
+            <a:ext cx="1008112" cy="400110"/>
+          </a:xfrm>
+          <a:prstGeom prst="rect">
+            <a:avLst/>
+          </a:prstGeom>
+          <a:noFill/>
+        </p:spPr>
+        <p:txBody>
+          <a:bodyPr wrap="square" rtlCol="0">
+            <a:spAutoFit/>
+          </a:bodyPr>
+          <a:lstStyle/>
+          <a:p>
+            <a:pPr algn="ctr"/>
+            <a:r>
+              <a:rPr kumimoji="1" lang="ja-JP" altLang="en-US" sz="2000" dirty="0">
+                <a:ea typeface="游ゴシック Medium" panose="020B0500000000000000" pitchFamily="50" charset="-128"/>
+              </a:rPr>
+              <a:t>実験</a:t>
+            </a:r>
+          </a:p>
+        </p:txBody>
+      </p:sp>
+      <p:sp>
+        <p:nvSpPr>
+          <p:cNvPr id="18" name="テキスト ボックス 30">
+            <a:extLst>
+              <a:ext uri="{FF2B5EF4-FFF2-40B4-BE49-F238E27FC236}">
+                <a16:creationId xmlns:a16="http://schemas.microsoft.com/office/drawing/2014/main" id="{75BA88C3-0848-2284-7F12-3431FADD275A}"/>
+              </a:ext>
+            </a:extLst>
+          </p:cNvPr>
+          <p:cNvSpPr txBox="1"/>
+          <p:nvPr/>
+        </p:nvSpPr>
+        <p:spPr>
+          <a:xfrm>
+            <a:off x="2444699" y="2138597"/>
+            <a:ext cx="2201194" cy="400110"/>
+          </a:xfrm>
+          <a:prstGeom prst="rect">
+            <a:avLst/>
+          </a:prstGeom>
+          <a:noFill/>
+        </p:spPr>
+        <p:txBody>
+          <a:bodyPr wrap="square" rtlCol="0">
+            <a:spAutoFit/>
+          </a:bodyPr>
+          <a:lstStyle/>
+          <a:p>
+            <a:pPr algn="ctr"/>
+            <a:r>
+              <a:rPr kumimoji="1" lang="ja-JP" altLang="en-US" sz="2000" dirty="0">
+                <a:ea typeface="游ゴシック Medium" panose="020B0500000000000000" pitchFamily="50" charset="-128"/>
+              </a:rPr>
+              <a:t>実験</a:t>
+            </a:r>
+            <a:r>
+              <a:rPr kumimoji="1" lang="en-US" altLang="ja-JP" sz="2000" dirty="0">
+                <a:ea typeface="游ゴシック Medium" panose="020B0500000000000000" pitchFamily="50" charset="-128"/>
+              </a:rPr>
+              <a:t>/</a:t>
+            </a:r>
+            <a:r>
+              <a:rPr kumimoji="1" lang="ja-JP" altLang="en-US" sz="2000" dirty="0">
+                <a:ea typeface="游ゴシック Medium" panose="020B0500000000000000" pitchFamily="50" charset="-128"/>
+              </a:rPr>
+              <a:t>計算機</a:t>
+            </a:r>
+          </a:p>
+        </p:txBody>
+      </p:sp>
+      <p:sp>
+        <p:nvSpPr>
+          <p:cNvPr id="19" name="正方形/長方形 32">
+            <a:extLst>
+              <a:ext uri="{FF2B5EF4-FFF2-40B4-BE49-F238E27FC236}">
+                <a16:creationId xmlns:a16="http://schemas.microsoft.com/office/drawing/2014/main" id="{3CB4D069-01F6-4C7C-012F-84447386E2B6}"/>
+              </a:ext>
+            </a:extLst>
+          </p:cNvPr>
+          <p:cNvSpPr/>
+          <p:nvPr/>
+        </p:nvSpPr>
+        <p:spPr>
+          <a:xfrm>
+            <a:off x="4602543" y="3654303"/>
+            <a:ext cx="1791940" cy="593013"/>
+          </a:xfrm>
+          <a:prstGeom prst="rect">
+            <a:avLst/>
+          </a:prstGeom>
+          <a:solidFill>
+            <a:schemeClr val="bg2">
+              <a:lumMod val="25000"/>
+              <a:lumOff val="75000"/>
+            </a:schemeClr>
+          </a:solidFill>
+          <a:ln>
+            <a:noFill/>
+          </a:ln>
+        </p:spPr>
+        <p:txBody>
+          <a:bodyPr wrap="square" rtlCol="0" anchor="ctr">
+            <a:spAutoFit/>
+          </a:bodyPr>
+          <a:lstStyle/>
+          <a:p>
+            <a:pPr algn="ctr"/>
+            <a:endParaRPr kumimoji="1" lang="ja-JP" altLang="en-US" kern="0" dirty="0">
+              <a:latin typeface="+mn-lt"/>
+              <a:ea typeface="+mn-ea"/>
+            </a:endParaRPr>
+          </a:p>
+        </p:txBody>
+      </p:sp>
+      <p:sp>
+        <p:nvSpPr>
+          <p:cNvPr id="20" name="正方形/長方形 33">
+            <a:extLst>
+              <a:ext uri="{FF2B5EF4-FFF2-40B4-BE49-F238E27FC236}">
+                <a16:creationId xmlns:a16="http://schemas.microsoft.com/office/drawing/2014/main" id="{6E73F406-7019-5674-F9D8-AE7C0F177EF7}"/>
+              </a:ext>
+            </a:extLst>
+          </p:cNvPr>
+          <p:cNvSpPr/>
+          <p:nvPr/>
+        </p:nvSpPr>
+        <p:spPr>
+          <a:xfrm>
+            <a:off x="4612094" y="4977697"/>
+            <a:ext cx="1800201" cy="483495"/>
+          </a:xfrm>
+          <a:prstGeom prst="rect">
+            <a:avLst/>
+          </a:prstGeom>
+          <a:solidFill>
+            <a:schemeClr val="bg2">
+              <a:lumMod val="25000"/>
+              <a:lumOff val="75000"/>
+            </a:schemeClr>
+          </a:solidFill>
+          <a:ln>
+            <a:noFill/>
+          </a:ln>
+        </p:spPr>
+        <p:txBody>
+          <a:bodyPr wrap="square" rtlCol="0" anchor="ctr">
+            <a:spAutoFit/>
+          </a:bodyPr>
+          <a:lstStyle/>
+          <a:p>
+            <a:pPr algn="ctr"/>
+            <a:endParaRPr kumimoji="1" lang="ja-JP" altLang="en-US" kern="0" dirty="0">
+              <a:latin typeface="+mn-lt"/>
+              <a:ea typeface="+mn-ea"/>
+            </a:endParaRPr>
+          </a:p>
+        </p:txBody>
+      </p:sp>
+      <p:sp>
+        <p:nvSpPr>
+          <p:cNvPr id="21" name="テキスト ボックス 34">
+            <a:extLst>
+              <a:ext uri="{FF2B5EF4-FFF2-40B4-BE49-F238E27FC236}">
+                <a16:creationId xmlns:a16="http://schemas.microsoft.com/office/drawing/2014/main" id="{A7C47D11-101D-7FB3-AF1E-E5516A228D73}"/>
+              </a:ext>
+            </a:extLst>
+          </p:cNvPr>
+          <p:cNvSpPr txBox="1"/>
+          <p:nvPr/>
+        </p:nvSpPr>
+        <p:spPr>
+          <a:xfrm>
+            <a:off x="4443439" y="4945206"/>
+            <a:ext cx="2189466" cy="531614"/>
+          </a:xfrm>
+          <a:prstGeom prst="rect">
+            <a:avLst/>
+          </a:prstGeom>
+          <a:noFill/>
+        </p:spPr>
+        <p:txBody>
+          <a:bodyPr wrap="square" rtlCol="0">
+            <a:spAutoFit/>
+          </a:bodyPr>
+          <a:lstStyle/>
+          <a:p>
+            <a:pPr algn="ctr"/>
+            <a:r>
+              <a:rPr kumimoji="1" lang="ja-JP" altLang="en-US" sz="1600" dirty="0">
+                <a:ea typeface="游ゴシック Medium" panose="020B0500000000000000" pitchFamily="50" charset="-128"/>
+              </a:rPr>
+              <a:t>電波伝搬</a:t>
+            </a:r>
+            <a:br>
+              <a:rPr kumimoji="1" lang="en-US" altLang="ja-JP" sz="1600" dirty="0">
+                <a:ea typeface="游ゴシック Medium" panose="020B0500000000000000" pitchFamily="50" charset="-128"/>
+              </a:rPr>
+            </a:br>
+            <a:r>
+              <a:rPr kumimoji="1" lang="ja-JP" altLang="en-US" sz="1600" dirty="0">
+                <a:ea typeface="游ゴシック Medium" panose="020B0500000000000000" pitchFamily="50" charset="-128"/>
+              </a:rPr>
+              <a:t>シミュレーション</a:t>
+            </a:r>
+          </a:p>
+        </p:txBody>
+      </p:sp>
+      <p:sp>
+        <p:nvSpPr>
+          <p:cNvPr id="22" name="テキスト ボックス 35">
+            <a:extLst>
+              <a:ext uri="{FF2B5EF4-FFF2-40B4-BE49-F238E27FC236}">
+                <a16:creationId xmlns:a16="http://schemas.microsoft.com/office/drawing/2014/main" id="{718DC389-D4D1-C204-D0B0-812B5127B735}"/>
+              </a:ext>
+            </a:extLst>
+          </p:cNvPr>
+          <p:cNvSpPr txBox="1"/>
+          <p:nvPr/>
+        </p:nvSpPr>
+        <p:spPr>
+          <a:xfrm>
+            <a:off x="4708214" y="3622808"/>
+            <a:ext cx="1655474" cy="707886"/>
+          </a:xfrm>
+          <a:prstGeom prst="rect">
+            <a:avLst/>
+          </a:prstGeom>
+          <a:noFill/>
+        </p:spPr>
+        <p:txBody>
+          <a:bodyPr wrap="square" rtlCol="0">
+            <a:spAutoFit/>
+          </a:bodyPr>
+          <a:lstStyle/>
+          <a:p>
+            <a:pPr algn="ctr"/>
+            <a:r>
+              <a:rPr kumimoji="1" lang="en-US" altLang="ja-JP" sz="2000" dirty="0">
+                <a:ea typeface="游ゴシック Medium" panose="020B0500000000000000" pitchFamily="50" charset="-128"/>
+              </a:rPr>
+              <a:t>MAC</a:t>
+            </a:r>
+            <a:r>
+              <a:rPr kumimoji="1" lang="ja-JP" altLang="en-US" sz="2000" dirty="0">
+                <a:ea typeface="游ゴシック Medium" panose="020B0500000000000000" pitchFamily="50" charset="-128"/>
+              </a:rPr>
+              <a:t>層</a:t>
+            </a:r>
+            <a:endParaRPr kumimoji="1" lang="en-US" altLang="ja-JP" sz="2000" dirty="0">
+              <a:ea typeface="游ゴシック Medium" panose="020B0500000000000000" pitchFamily="50" charset="-128"/>
+            </a:endParaRPr>
+          </a:p>
+          <a:p>
+            <a:pPr algn="ctr"/>
+            <a:r>
+              <a:rPr kumimoji="1" lang="ja-JP" altLang="en-US" sz="2000" dirty="0">
+                <a:ea typeface="游ゴシック Medium" panose="020B0500000000000000" pitchFamily="50" charset="-128"/>
+              </a:rPr>
+              <a:t>評価</a:t>
+            </a:r>
+          </a:p>
+        </p:txBody>
+      </p:sp>
+      <p:sp>
+        <p:nvSpPr>
+          <p:cNvPr id="23" name="正方形/長方形 37">
+            <a:extLst>
+              <a:ext uri="{FF2B5EF4-FFF2-40B4-BE49-F238E27FC236}">
+                <a16:creationId xmlns:a16="http://schemas.microsoft.com/office/drawing/2014/main" id="{0F200464-0BFE-A5C6-56A8-395E50D2CDAB}"/>
+              </a:ext>
+            </a:extLst>
+          </p:cNvPr>
+          <p:cNvSpPr/>
+          <p:nvPr/>
+        </p:nvSpPr>
+        <p:spPr>
+          <a:xfrm>
+            <a:off x="4612094" y="3465054"/>
+            <a:ext cx="1784343" cy="116695"/>
+          </a:xfrm>
+          <a:prstGeom prst="rect">
+            <a:avLst/>
+          </a:prstGeom>
+          <a:solidFill>
+            <a:schemeClr val="bg2">
+              <a:lumMod val="25000"/>
+              <a:lumOff val="75000"/>
+            </a:schemeClr>
+          </a:solidFill>
+          <a:ln>
+            <a:noFill/>
+          </a:ln>
+        </p:spPr>
+        <p:txBody>
+          <a:bodyPr wrap="square" rtlCol="0" anchor="ctr">
+            <a:spAutoFit/>
+          </a:bodyPr>
+          <a:lstStyle/>
+          <a:p>
+            <a:pPr algn="ctr"/>
+            <a:endParaRPr kumimoji="1" lang="ja-JP" altLang="en-US" kern="0" dirty="0">
+              <a:latin typeface="+mn-lt"/>
+              <a:ea typeface="+mn-ea"/>
+            </a:endParaRPr>
+          </a:p>
+        </p:txBody>
+      </p:sp>
+      <p:sp>
+        <p:nvSpPr>
+          <p:cNvPr id="24" name="正方形/長方形 38">
+            <a:extLst>
+              <a:ext uri="{FF2B5EF4-FFF2-40B4-BE49-F238E27FC236}">
+                <a16:creationId xmlns:a16="http://schemas.microsoft.com/office/drawing/2014/main" id="{29AE06CA-C7DE-655A-DF58-52BD8440F146}"/>
+              </a:ext>
+            </a:extLst>
+          </p:cNvPr>
+          <p:cNvSpPr/>
+          <p:nvPr/>
+        </p:nvSpPr>
+        <p:spPr>
+          <a:xfrm>
+            <a:off x="4620025" y="3285038"/>
+            <a:ext cx="1784343" cy="116695"/>
+          </a:xfrm>
+          <a:prstGeom prst="rect">
+            <a:avLst/>
+          </a:prstGeom>
+          <a:solidFill>
+            <a:schemeClr val="bg2">
+              <a:lumMod val="25000"/>
+              <a:lumOff val="75000"/>
+            </a:schemeClr>
+          </a:solidFill>
+          <a:ln>
+            <a:noFill/>
+          </a:ln>
+        </p:spPr>
+        <p:txBody>
+          <a:bodyPr wrap="square" rtlCol="0" anchor="ctr">
+            <a:spAutoFit/>
+          </a:bodyPr>
+          <a:lstStyle/>
+          <a:p>
+            <a:pPr algn="ctr"/>
+            <a:endParaRPr kumimoji="1" lang="ja-JP" altLang="en-US" kern="0" dirty="0">
+              <a:latin typeface="+mn-lt"/>
+              <a:ea typeface="+mn-ea"/>
+            </a:endParaRPr>
+          </a:p>
+        </p:txBody>
+      </p:sp>
+      <p:sp>
+        <p:nvSpPr>
+          <p:cNvPr id="25" name="テキスト ボックス 40">
+            <a:extLst>
+              <a:ext uri="{FF2B5EF4-FFF2-40B4-BE49-F238E27FC236}">
+                <a16:creationId xmlns:a16="http://schemas.microsoft.com/office/drawing/2014/main" id="{86F9008D-9E40-BD27-B068-0E0062BD576A}"/>
+              </a:ext>
+            </a:extLst>
+          </p:cNvPr>
+          <p:cNvSpPr txBox="1"/>
+          <p:nvPr/>
+        </p:nvSpPr>
+        <p:spPr>
+          <a:xfrm rot="16200000">
+            <a:off x="4959733" y="3167445"/>
+            <a:ext cx="1008112" cy="523220"/>
+          </a:xfrm>
+          <a:prstGeom prst="rect">
+            <a:avLst/>
+          </a:prstGeom>
+          <a:noFill/>
+        </p:spPr>
+        <p:txBody>
+          <a:bodyPr wrap="square" rtlCol="0">
+            <a:spAutoFit/>
+          </a:bodyPr>
+          <a:lstStyle/>
+          <a:p>
+            <a:pPr algn="ctr"/>
+            <a:r>
+              <a:rPr kumimoji="1" lang="en-US" altLang="ja-JP" sz="2800" dirty="0">
+                <a:ea typeface="游ゴシック Medium" panose="020B0500000000000000" pitchFamily="50" charset="-128"/>
+              </a:rPr>
+              <a:t>…</a:t>
+            </a:r>
+            <a:endParaRPr kumimoji="1" lang="ja-JP" altLang="en-US" sz="2800" dirty="0">
+              <a:ea typeface="游ゴシック Medium" panose="020B0500000000000000" pitchFamily="50" charset="-128"/>
+            </a:endParaRPr>
+          </a:p>
+        </p:txBody>
+      </p:sp>
+      <p:sp>
+        <p:nvSpPr>
+          <p:cNvPr id="26" name="テキスト ボックス 41">
+            <a:extLst>
+              <a:ext uri="{FF2B5EF4-FFF2-40B4-BE49-F238E27FC236}">
+                <a16:creationId xmlns:a16="http://schemas.microsoft.com/office/drawing/2014/main" id="{56DEE3B9-C53C-A2D9-D0AB-4B7C034C6BCB}"/>
+              </a:ext>
+            </a:extLst>
+          </p:cNvPr>
+          <p:cNvSpPr txBox="1"/>
+          <p:nvPr/>
+        </p:nvSpPr>
+        <p:spPr>
+          <a:xfrm>
+            <a:off x="4675674" y="2134338"/>
+            <a:ext cx="1740540" cy="400110"/>
+          </a:xfrm>
+          <a:prstGeom prst="rect">
+            <a:avLst/>
+          </a:prstGeom>
+          <a:noFill/>
+        </p:spPr>
+        <p:txBody>
+          <a:bodyPr wrap="square" rtlCol="0">
+            <a:spAutoFit/>
+          </a:bodyPr>
+          <a:lstStyle/>
+          <a:p>
+            <a:pPr algn="ctr"/>
+            <a:r>
+              <a:rPr kumimoji="1" lang="ja-JP" altLang="en-US" sz="2000" dirty="0">
+                <a:ea typeface="游ゴシック Medium" panose="020B0500000000000000" pitchFamily="50" charset="-128"/>
+              </a:rPr>
+              <a:t>計算機</a:t>
+            </a:r>
+          </a:p>
+        </p:txBody>
+      </p:sp>
+      <p:sp>
+        <p:nvSpPr>
+          <p:cNvPr id="27" name="正方形/長方形 42">
+            <a:extLst>
+              <a:ext uri="{FF2B5EF4-FFF2-40B4-BE49-F238E27FC236}">
+                <a16:creationId xmlns:a16="http://schemas.microsoft.com/office/drawing/2014/main" id="{0320DDC7-DA9D-B550-A5F3-5747F46EE275}"/>
+              </a:ext>
+            </a:extLst>
+          </p:cNvPr>
+          <p:cNvSpPr/>
+          <p:nvPr/>
+        </p:nvSpPr>
+        <p:spPr>
+          <a:xfrm>
+            <a:off x="1187625" y="4337823"/>
+            <a:ext cx="5323465" cy="1243867"/>
+          </a:xfrm>
+          <a:prstGeom prst="rect">
+            <a:avLst/>
+          </a:prstGeom>
+          <a:noFill/>
+          <a:ln w="28575">
+            <a:solidFill>
+              <a:schemeClr val="accent1"/>
+            </a:solidFill>
+          </a:ln>
+        </p:spPr>
+        <p:txBody>
+          <a:bodyPr wrap="square" rtlCol="0" anchor="ctr">
+            <a:spAutoFit/>
+          </a:bodyPr>
+          <a:lstStyle/>
+          <a:p>
+            <a:pPr algn="ctr"/>
+            <a:endParaRPr kumimoji="1" lang="ja-JP" altLang="en-US" kern="0" dirty="0">
+              <a:latin typeface="+mn-lt"/>
+              <a:ea typeface="+mn-ea"/>
+            </a:endParaRPr>
+          </a:p>
+        </p:txBody>
+      </p:sp>
+      <p:sp>
+        <p:nvSpPr>
+          <p:cNvPr id="28" name="正方形/長方形 44">
+            <a:extLst>
+              <a:ext uri="{FF2B5EF4-FFF2-40B4-BE49-F238E27FC236}">
+                <a16:creationId xmlns:a16="http://schemas.microsoft.com/office/drawing/2014/main" id="{B59A7CA6-1CB2-F876-BE65-51D3747816F5}"/>
+              </a:ext>
+            </a:extLst>
+          </p:cNvPr>
+          <p:cNvSpPr/>
+          <p:nvPr/>
+        </p:nvSpPr>
+        <p:spPr>
+          <a:xfrm>
+            <a:off x="1187624" y="2520176"/>
+            <a:ext cx="5323466" cy="1817647"/>
+          </a:xfrm>
+          <a:prstGeom prst="rect">
+            <a:avLst/>
+          </a:prstGeom>
+          <a:noFill/>
+          <a:ln w="28575">
+            <a:solidFill>
+              <a:schemeClr val="accent6"/>
+            </a:solidFill>
+          </a:ln>
+        </p:spPr>
+        <p:txBody>
+          <a:bodyPr wrap="square" rtlCol="0" anchor="ctr">
+            <a:spAutoFit/>
+          </a:bodyPr>
+          <a:lstStyle/>
+          <a:p>
+            <a:pPr algn="ctr"/>
+            <a:endParaRPr kumimoji="1" lang="ja-JP" altLang="en-US" kern="0" dirty="0">
+              <a:latin typeface="+mn-lt"/>
+              <a:ea typeface="+mn-ea"/>
+            </a:endParaRPr>
+          </a:p>
+        </p:txBody>
+      </p:sp>
+      <p:sp>
+        <p:nvSpPr>
+          <p:cNvPr id="29" name="テキスト ボックス 45">
+            <a:extLst>
+              <a:ext uri="{FF2B5EF4-FFF2-40B4-BE49-F238E27FC236}">
+                <a16:creationId xmlns:a16="http://schemas.microsoft.com/office/drawing/2014/main" id="{94462DAB-3E88-C4BC-DEE5-5D602F99DEF2}"/>
+              </a:ext>
+            </a:extLst>
+          </p:cNvPr>
+          <p:cNvSpPr txBox="1"/>
+          <p:nvPr/>
+        </p:nvSpPr>
+        <p:spPr>
+          <a:xfrm>
+            <a:off x="846395" y="5624322"/>
+            <a:ext cx="2016224" cy="584775"/>
+          </a:xfrm>
+          <a:prstGeom prst="rect">
+            <a:avLst/>
+          </a:prstGeom>
+          <a:noFill/>
+        </p:spPr>
+        <p:txBody>
+          <a:bodyPr wrap="square" rtlCol="0">
+            <a:spAutoFit/>
+          </a:bodyPr>
+          <a:lstStyle/>
+          <a:p>
+            <a:pPr algn="ctr"/>
+            <a:r>
+              <a:rPr lang="ja-JP" altLang="en-US" sz="1600" dirty="0">
+                <a:solidFill>
+                  <a:schemeClr val="bg2">
+                    <a:lumMod val="75000"/>
+                    <a:lumOff val="25000"/>
+                  </a:schemeClr>
+                </a:solidFill>
+                <a:ea typeface="游ゴシック Medium" panose="020B0500000000000000" pitchFamily="50" charset="-128"/>
+              </a:rPr>
+              <a:t>高コスト</a:t>
+            </a:r>
+            <a:endParaRPr lang="en-US" altLang="ja-JP" sz="1600" dirty="0">
+              <a:solidFill>
+                <a:schemeClr val="bg2">
+                  <a:lumMod val="75000"/>
+                  <a:lumOff val="25000"/>
+                </a:schemeClr>
+              </a:solidFill>
+              <a:ea typeface="游ゴシック Medium" panose="020B0500000000000000" pitchFamily="50" charset="-128"/>
+            </a:endParaRPr>
+          </a:p>
+          <a:p>
+            <a:pPr algn="ctr"/>
+            <a:r>
+              <a:rPr kumimoji="1" lang="ja-JP" altLang="en-US" sz="1600" dirty="0">
+                <a:solidFill>
+                  <a:schemeClr val="bg2">
+                    <a:lumMod val="75000"/>
+                    <a:lumOff val="25000"/>
+                  </a:schemeClr>
+                </a:solidFill>
+                <a:ea typeface="游ゴシック Medium" panose="020B0500000000000000" pitchFamily="50" charset="-128"/>
+              </a:rPr>
+              <a:t>高リソース</a:t>
+            </a:r>
+          </a:p>
+        </p:txBody>
+      </p:sp>
+      <p:sp>
+        <p:nvSpPr>
+          <p:cNvPr id="30" name="テキスト ボックス 46">
+            <a:extLst>
+              <a:ext uri="{FF2B5EF4-FFF2-40B4-BE49-F238E27FC236}">
+                <a16:creationId xmlns:a16="http://schemas.microsoft.com/office/drawing/2014/main" id="{AED48583-1667-E69D-15ED-7EE2FF6738B4}"/>
+              </a:ext>
+            </a:extLst>
+          </p:cNvPr>
+          <p:cNvSpPr txBox="1"/>
+          <p:nvPr/>
+        </p:nvSpPr>
+        <p:spPr>
+          <a:xfrm>
+            <a:off x="2595499" y="5590368"/>
+            <a:ext cx="2106235" cy="584775"/>
+          </a:xfrm>
+          <a:prstGeom prst="rect">
+            <a:avLst/>
+          </a:prstGeom>
+          <a:noFill/>
+        </p:spPr>
+        <p:txBody>
+          <a:bodyPr wrap="square" rtlCol="0">
+            <a:spAutoFit/>
+          </a:bodyPr>
+          <a:lstStyle/>
+          <a:p>
+            <a:pPr algn="ctr"/>
+            <a:r>
+              <a:rPr kumimoji="1" lang="ja-JP" altLang="en-US" sz="1600" dirty="0">
+                <a:solidFill>
+                  <a:schemeClr val="bg2">
+                    <a:lumMod val="75000"/>
+                    <a:lumOff val="25000"/>
+                  </a:schemeClr>
+                </a:solidFill>
+                <a:ea typeface="游ゴシック Medium" panose="020B0500000000000000" pitchFamily="50" charset="-128"/>
+              </a:rPr>
+              <a:t>要実験</a:t>
+            </a:r>
+            <a:endParaRPr kumimoji="1" lang="en-US" altLang="ja-JP" sz="1600" dirty="0">
+              <a:solidFill>
+                <a:schemeClr val="bg2">
+                  <a:lumMod val="75000"/>
+                  <a:lumOff val="25000"/>
+                </a:schemeClr>
+              </a:solidFill>
+              <a:ea typeface="游ゴシック Medium" panose="020B0500000000000000" pitchFamily="50" charset="-128"/>
+            </a:endParaRPr>
+          </a:p>
+          <a:p>
+            <a:pPr algn="ctr"/>
+            <a:r>
+              <a:rPr kumimoji="1" lang="ja-JP" altLang="en-US" sz="1600" dirty="0">
+                <a:solidFill>
+                  <a:schemeClr val="bg2">
+                    <a:lumMod val="75000"/>
+                    <a:lumOff val="25000"/>
+                  </a:schemeClr>
+                </a:solidFill>
+                <a:ea typeface="游ゴシック Medium" panose="020B0500000000000000" pitchFamily="50" charset="-128"/>
+              </a:rPr>
+              <a:t>連携評価が難しい</a:t>
+            </a:r>
+          </a:p>
+        </p:txBody>
+      </p:sp>
+      <p:sp>
+        <p:nvSpPr>
+          <p:cNvPr id="31" name="テキスト ボックス 47">
+            <a:extLst>
+              <a:ext uri="{FF2B5EF4-FFF2-40B4-BE49-F238E27FC236}">
+                <a16:creationId xmlns:a16="http://schemas.microsoft.com/office/drawing/2014/main" id="{CB1DCE23-C853-6DF5-0928-8273575DD1A8}"/>
+              </a:ext>
+            </a:extLst>
+          </p:cNvPr>
+          <p:cNvSpPr txBox="1"/>
+          <p:nvPr/>
+        </p:nvSpPr>
+        <p:spPr>
+          <a:xfrm>
+            <a:off x="4521147" y="5692702"/>
+            <a:ext cx="2012332" cy="338554"/>
+          </a:xfrm>
+          <a:prstGeom prst="rect">
+            <a:avLst/>
+          </a:prstGeom>
+          <a:noFill/>
+        </p:spPr>
+        <p:txBody>
+          <a:bodyPr wrap="square" rtlCol="0">
+            <a:spAutoFit/>
+          </a:bodyPr>
+          <a:lstStyle/>
+          <a:p>
+            <a:pPr algn="ctr"/>
+            <a:r>
+              <a:rPr kumimoji="1" lang="ja-JP" altLang="en-US" sz="1600" dirty="0">
+                <a:solidFill>
+                  <a:schemeClr val="bg2">
+                    <a:lumMod val="75000"/>
+                    <a:lumOff val="25000"/>
+                  </a:schemeClr>
+                </a:solidFill>
+                <a:ea typeface="游ゴシック Medium" panose="020B0500000000000000" pitchFamily="50" charset="-128"/>
+              </a:rPr>
+              <a:t>連携評価が難しい</a:t>
+            </a:r>
+          </a:p>
+        </p:txBody>
+      </p:sp>
+      <p:sp>
+        <p:nvSpPr>
+          <p:cNvPr id="32" name="正方形/長方形 48">
+            <a:extLst>
+              <a:ext uri="{FF2B5EF4-FFF2-40B4-BE49-F238E27FC236}">
+                <a16:creationId xmlns:a16="http://schemas.microsoft.com/office/drawing/2014/main" id="{A0E347C6-AFBB-4DFD-4116-E2F168049F5A}"/>
+              </a:ext>
+            </a:extLst>
+          </p:cNvPr>
+          <p:cNvSpPr/>
+          <p:nvPr/>
+        </p:nvSpPr>
+        <p:spPr>
+          <a:xfrm>
+            <a:off x="2659867" y="2629696"/>
+            <a:ext cx="1791940" cy="593013"/>
+          </a:xfrm>
+          <a:prstGeom prst="rect">
+            <a:avLst/>
+          </a:prstGeom>
+          <a:solidFill>
+            <a:schemeClr val="bg2">
+              <a:lumMod val="25000"/>
+              <a:lumOff val="75000"/>
+            </a:schemeClr>
+          </a:solidFill>
+          <a:ln>
+            <a:noFill/>
+          </a:ln>
+        </p:spPr>
+        <p:txBody>
+          <a:bodyPr wrap="square" rtlCol="0" anchor="ctr">
+            <a:spAutoFit/>
+          </a:bodyPr>
+          <a:lstStyle/>
+          <a:p>
+            <a:pPr algn="ctr"/>
+            <a:endParaRPr kumimoji="1" lang="ja-JP" altLang="en-US" kern="0" dirty="0">
+              <a:latin typeface="+mn-lt"/>
+              <a:ea typeface="+mn-ea"/>
+            </a:endParaRPr>
+          </a:p>
+        </p:txBody>
+      </p:sp>
+      <p:sp>
+        <p:nvSpPr>
+          <p:cNvPr id="33" name="正方形/長方形 50">
+            <a:extLst>
+              <a:ext uri="{FF2B5EF4-FFF2-40B4-BE49-F238E27FC236}">
+                <a16:creationId xmlns:a16="http://schemas.microsoft.com/office/drawing/2014/main" id="{FAEEF4FA-7109-621B-5B1B-5F5E5C157D88}"/>
+              </a:ext>
+            </a:extLst>
+          </p:cNvPr>
+          <p:cNvSpPr/>
+          <p:nvPr/>
+        </p:nvSpPr>
+        <p:spPr>
+          <a:xfrm>
+            <a:off x="4613084" y="2629368"/>
+            <a:ext cx="1791940" cy="593013"/>
+          </a:xfrm>
+          <a:prstGeom prst="rect">
+            <a:avLst/>
+          </a:prstGeom>
+          <a:solidFill>
+            <a:schemeClr val="bg2">
+              <a:lumMod val="25000"/>
+              <a:lumOff val="75000"/>
+            </a:schemeClr>
+          </a:solidFill>
+          <a:ln>
+            <a:noFill/>
+          </a:ln>
+        </p:spPr>
+        <p:txBody>
+          <a:bodyPr wrap="square" rtlCol="0" anchor="ctr">
+            <a:spAutoFit/>
+          </a:bodyPr>
+          <a:lstStyle/>
+          <a:p>
+            <a:pPr algn="ctr"/>
+            <a:endParaRPr kumimoji="1" lang="ja-JP" altLang="en-US" kern="0" dirty="0">
+              <a:latin typeface="+mn-lt"/>
+              <a:ea typeface="+mn-ea"/>
+            </a:endParaRPr>
+          </a:p>
+        </p:txBody>
+      </p:sp>
+      <p:sp>
+        <p:nvSpPr>
+          <p:cNvPr id="34" name="テキスト ボックス 22">
+            <a:extLst>
+              <a:ext uri="{FF2B5EF4-FFF2-40B4-BE49-F238E27FC236}">
+                <a16:creationId xmlns:a16="http://schemas.microsoft.com/office/drawing/2014/main" id="{CD1EA756-D520-D75C-9DF3-FB0C556D9C27}"/>
+              </a:ext>
+            </a:extLst>
+          </p:cNvPr>
+          <p:cNvSpPr txBox="1"/>
+          <p:nvPr/>
+        </p:nvSpPr>
+        <p:spPr>
+          <a:xfrm>
+            <a:off x="2617457" y="2669674"/>
+            <a:ext cx="1825763" cy="523220"/>
+          </a:xfrm>
+          <a:prstGeom prst="rect">
+            <a:avLst/>
+          </a:prstGeom>
+          <a:noFill/>
+        </p:spPr>
+        <p:txBody>
+          <a:bodyPr wrap="square" rtlCol="0">
+            <a:spAutoFit/>
+          </a:bodyPr>
+          <a:lstStyle/>
+          <a:p>
+            <a:pPr algn="ctr"/>
+            <a:r>
+              <a:rPr kumimoji="1" lang="ja-JP" altLang="en-US" sz="1400" dirty="0">
+                <a:ea typeface="游ゴシック Medium" panose="020B0500000000000000" pitchFamily="50" charset="-128"/>
+              </a:rPr>
+              <a:t>アプリケーション層評価</a:t>
+            </a:r>
+          </a:p>
+        </p:txBody>
+      </p:sp>
+      <p:sp>
+        <p:nvSpPr>
+          <p:cNvPr id="35" name="テキスト ボックス 36">
+            <a:extLst>
+              <a:ext uri="{FF2B5EF4-FFF2-40B4-BE49-F238E27FC236}">
+                <a16:creationId xmlns:a16="http://schemas.microsoft.com/office/drawing/2014/main" id="{B043072E-C7F6-F7C1-EA94-B1E568D8282B}"/>
+              </a:ext>
+            </a:extLst>
+          </p:cNvPr>
+          <p:cNvSpPr txBox="1"/>
+          <p:nvPr/>
+        </p:nvSpPr>
+        <p:spPr>
+          <a:xfrm>
+            <a:off x="4570674" y="2669346"/>
+            <a:ext cx="1825763" cy="584775"/>
+          </a:xfrm>
+          <a:prstGeom prst="rect">
+            <a:avLst/>
+          </a:prstGeom>
+          <a:noFill/>
+        </p:spPr>
+        <p:txBody>
+          <a:bodyPr wrap="square" rtlCol="0">
+            <a:spAutoFit/>
+          </a:bodyPr>
+          <a:lstStyle/>
+          <a:p>
+            <a:pPr algn="ctr"/>
+            <a:r>
+              <a:rPr kumimoji="1" lang="ja-JP" altLang="en-US" sz="1600" dirty="0">
+                <a:ea typeface="游ゴシック Medium" panose="020B0500000000000000" pitchFamily="50" charset="-128"/>
+              </a:rPr>
+              <a:t>アプリケーション層評価</a:t>
+            </a:r>
+          </a:p>
+        </p:txBody>
+      </p:sp>
+      <p:sp>
+        <p:nvSpPr>
+          <p:cNvPr id="36" name="右中かっこ 51">
+            <a:extLst>
+              <a:ext uri="{FF2B5EF4-FFF2-40B4-BE49-F238E27FC236}">
+                <a16:creationId xmlns:a16="http://schemas.microsoft.com/office/drawing/2014/main" id="{5F3CACD3-85B5-6374-F597-F576B5490091}"/>
+              </a:ext>
+            </a:extLst>
+          </p:cNvPr>
+          <p:cNvSpPr/>
+          <p:nvPr/>
+        </p:nvSpPr>
+        <p:spPr bwMode="auto">
+          <a:xfrm>
+            <a:off x="6561958" y="2602396"/>
+            <a:ext cx="123908" cy="2856221"/>
+          </a:xfrm>
+          <a:prstGeom prst="rightBrace">
+            <a:avLst/>
+          </a:prstGeom>
+          <a:noFill/>
+          <a:ln w="9525" cap="flat" cmpd="sng" algn="ctr">
+            <a:solidFill>
+              <a:schemeClr val="tx1"/>
+            </a:solidFill>
+            <a:prstDash val="solid"/>
+            <a:miter lim="800000"/>
+            <a:headEnd type="none" w="med" len="med"/>
+            <a:tailEnd type="none" w="med" len="med"/>
+          </a:ln>
+          <a:effectLst/>
+        </p:spPr>
+        <p:txBody>
+          <a:bodyPr vert="horz" wrap="none" lIns="91440" tIns="45720" rIns="91440" bIns="45720" numCol="1" rtlCol="0" anchor="t" anchorCtr="0" compatLnSpc="1">
+            <a:prstTxWarp prst="textNoShape">
+              <a:avLst/>
+            </a:prstTxWarp>
+          </a:bodyPr>
+          <a:lstStyle/>
+          <a:p>
+            <a:pPr marL="0" marR="0" indent="0" algn="l" defTabSz="914400" rtl="0" eaLnBrk="1" fontAlgn="base" latinLnBrk="0" hangingPunct="1">
+              <a:lnSpc>
+                <a:spcPct val="100000"/>
+              </a:lnSpc>
+              <a:spcBef>
+                <a:spcPct val="0"/>
+              </a:spcBef>
+              <a:spcAft>
+                <a:spcPct val="0"/>
+              </a:spcAft>
+              <a:buClrTx/>
+              <a:buSzTx/>
+              <a:buFontTx/>
+              <a:buNone/>
+              <a:tabLst/>
+            </a:pPr>
+            <a:endParaRPr kumimoji="1" lang="ja-JP" altLang="en-US" sz="2400" b="0" i="0" u="none" strike="noStrike" cap="none" normalizeH="0" baseline="0">
+              <a:ln>
+                <a:noFill/>
+              </a:ln>
+              <a:solidFill>
+                <a:schemeClr val="tx1"/>
+              </a:solidFill>
+              <a:effectLst/>
+              <a:latin typeface="Times New Roman" charset="0"/>
+              <a:ea typeface="ＭＳ Ｐゴシック" charset="0"/>
+              <a:cs typeface="ＭＳ Ｐゴシック" charset="0"/>
+            </a:endParaRPr>
+          </a:p>
+        </p:txBody>
+      </p:sp>
+      <p:sp>
+        <p:nvSpPr>
+          <p:cNvPr id="37" name="テキスト ボックス 52">
+            <a:extLst>
+              <a:ext uri="{FF2B5EF4-FFF2-40B4-BE49-F238E27FC236}">
+                <a16:creationId xmlns:a16="http://schemas.microsoft.com/office/drawing/2014/main" id="{2ADB077F-924B-C53C-B8FB-089CD0AB0E87}"/>
+              </a:ext>
+            </a:extLst>
+          </p:cNvPr>
+          <p:cNvSpPr txBox="1"/>
+          <p:nvPr/>
+        </p:nvSpPr>
+        <p:spPr>
+          <a:xfrm>
+            <a:off x="6668132" y="3165104"/>
+            <a:ext cx="2438438" cy="1723549"/>
+          </a:xfrm>
+          <a:prstGeom prst="rect">
+            <a:avLst/>
+          </a:prstGeom>
+          <a:noFill/>
+        </p:spPr>
+        <p:txBody>
+          <a:bodyPr wrap="square" rtlCol="0">
+            <a:spAutoFit/>
+          </a:bodyPr>
+          <a:lstStyle/>
+          <a:p>
+            <a:pPr marL="177800" indent="-177800">
+              <a:buFont typeface="Arial" panose="020B0604020202020204" pitchFamily="34" charset="0"/>
+              <a:buChar char="•"/>
+            </a:pPr>
+            <a:r>
+              <a:rPr kumimoji="1" lang="ja-JP" altLang="en-US" dirty="0">
+                <a:solidFill>
+                  <a:schemeClr val="bg2">
+                    <a:lumMod val="75000"/>
+                    <a:lumOff val="25000"/>
+                  </a:schemeClr>
+                </a:solidFill>
+                <a:ea typeface="游ゴシック Medium" panose="020B0500000000000000" pitchFamily="50" charset="-128"/>
+              </a:rPr>
+              <a:t>他レイヤの知識</a:t>
+            </a:r>
+            <a:endParaRPr lang="en-US" altLang="ja-JP" dirty="0">
+              <a:solidFill>
+                <a:schemeClr val="bg2">
+                  <a:lumMod val="75000"/>
+                  <a:lumOff val="25000"/>
+                </a:schemeClr>
+              </a:solidFill>
+              <a:ea typeface="游ゴシック Medium" panose="020B0500000000000000" pitchFamily="50" charset="-128"/>
+            </a:endParaRPr>
+          </a:p>
+          <a:p>
+            <a:pPr marL="177800" indent="-177800">
+              <a:buFont typeface="Arial" panose="020B0604020202020204" pitchFamily="34" charset="0"/>
+              <a:buChar char="•"/>
+            </a:pPr>
+            <a:r>
+              <a:rPr kumimoji="1" lang="ja-JP" altLang="en-US" dirty="0">
+                <a:solidFill>
+                  <a:schemeClr val="bg2">
+                    <a:lumMod val="75000"/>
+                    <a:lumOff val="25000"/>
+                  </a:schemeClr>
+                </a:solidFill>
+                <a:ea typeface="游ゴシック Medium" panose="020B0500000000000000" pitchFamily="50" charset="-128"/>
+              </a:rPr>
+              <a:t>専門的な評価方法</a:t>
+            </a:r>
+            <a:endParaRPr lang="en-US" altLang="ja-JP" dirty="0">
+              <a:solidFill>
+                <a:schemeClr val="bg2">
+                  <a:lumMod val="75000"/>
+                  <a:lumOff val="25000"/>
+                </a:schemeClr>
+              </a:solidFill>
+              <a:ea typeface="游ゴシック Medium" panose="020B0500000000000000" pitchFamily="50" charset="-128"/>
+            </a:endParaRPr>
+          </a:p>
+          <a:p>
+            <a:pPr marL="177800" indent="-177800">
+              <a:buFont typeface="Arial" panose="020B0604020202020204" pitchFamily="34" charset="0"/>
+              <a:buChar char="•"/>
+            </a:pPr>
+            <a:r>
+              <a:rPr kumimoji="1" lang="ja-JP" altLang="en-US" dirty="0">
+                <a:solidFill>
+                  <a:schemeClr val="bg2">
+                    <a:lumMod val="75000"/>
+                    <a:lumOff val="25000"/>
+                  </a:schemeClr>
+                </a:solidFill>
+                <a:ea typeface="游ゴシック Medium" panose="020B0500000000000000" pitchFamily="50" charset="-128"/>
+              </a:rPr>
+              <a:t>コーディングスキル</a:t>
+            </a:r>
+            <a:endParaRPr kumimoji="1" lang="en-US" altLang="ja-JP" dirty="0">
+              <a:solidFill>
+                <a:schemeClr val="bg2">
+                  <a:lumMod val="75000"/>
+                  <a:lumOff val="25000"/>
+                </a:schemeClr>
+              </a:solidFill>
+              <a:ea typeface="游ゴシック Medium" panose="020B0500000000000000" pitchFamily="50" charset="-128"/>
+            </a:endParaRPr>
+          </a:p>
+          <a:p>
+            <a:pPr marL="177800" indent="-177800">
+              <a:buFont typeface="Arial" panose="020B0604020202020204" pitchFamily="34" charset="0"/>
+              <a:buChar char="•"/>
+            </a:pPr>
+            <a:r>
+              <a:rPr kumimoji="1" lang="ja-JP" altLang="en-US" dirty="0">
+                <a:solidFill>
+                  <a:schemeClr val="bg2">
+                    <a:lumMod val="75000"/>
+                    <a:lumOff val="25000"/>
+                  </a:schemeClr>
+                </a:solidFill>
+                <a:ea typeface="游ゴシック Medium" panose="020B0500000000000000" pitchFamily="50" charset="-128"/>
+              </a:rPr>
+              <a:t>計算スキル</a:t>
+            </a:r>
+            <a:br>
+              <a:rPr kumimoji="1" lang="en-US" altLang="ja-JP" sz="1600" dirty="0">
+                <a:solidFill>
+                  <a:schemeClr val="bg2">
+                    <a:lumMod val="75000"/>
+                    <a:lumOff val="25000"/>
+                  </a:schemeClr>
+                </a:solidFill>
+                <a:ea typeface="游ゴシック Medium" panose="020B0500000000000000" pitchFamily="50" charset="-128"/>
+              </a:rPr>
+            </a:br>
+            <a:endParaRPr lang="en-US" altLang="ja-JP" sz="1600" dirty="0">
+              <a:solidFill>
+                <a:schemeClr val="bg2">
+                  <a:lumMod val="75000"/>
+                  <a:lumOff val="25000"/>
+                </a:schemeClr>
+              </a:solidFill>
+              <a:ea typeface="游ゴシック Medium" panose="020B0500000000000000" pitchFamily="50" charset="-128"/>
+            </a:endParaRPr>
+          </a:p>
+          <a:p>
+            <a:pPr algn="r"/>
+            <a:r>
+              <a:rPr kumimoji="1" lang="ja-JP" altLang="en-US" dirty="0">
+                <a:solidFill>
+                  <a:schemeClr val="bg2">
+                    <a:lumMod val="75000"/>
+                    <a:lumOff val="25000"/>
+                  </a:schemeClr>
+                </a:solidFill>
+                <a:ea typeface="游ゴシック Medium" panose="020B0500000000000000" pitchFamily="50" charset="-128"/>
+              </a:rPr>
+              <a:t>などが必要</a:t>
+            </a:r>
+          </a:p>
+        </p:txBody>
+      </p:sp>
+      <p:sp>
+        <p:nvSpPr>
+          <p:cNvPr id="38" name="テキスト ボックス 53">
+            <a:extLst>
+              <a:ext uri="{FF2B5EF4-FFF2-40B4-BE49-F238E27FC236}">
+                <a16:creationId xmlns:a16="http://schemas.microsoft.com/office/drawing/2014/main" id="{FCA0A068-A7FD-C9A0-A33A-35F4D93D21B4}"/>
+              </a:ext>
+            </a:extLst>
+          </p:cNvPr>
+          <p:cNvSpPr txBox="1"/>
+          <p:nvPr/>
+        </p:nvSpPr>
+        <p:spPr>
+          <a:xfrm>
+            <a:off x="570179" y="6122473"/>
+            <a:ext cx="8003641" cy="830997"/>
+          </a:xfrm>
+          <a:prstGeom prst="rect">
+            <a:avLst/>
+          </a:prstGeom>
+          <a:noFill/>
+        </p:spPr>
+        <p:txBody>
+          <a:bodyPr wrap="square" rtlCol="0">
+            <a:spAutoFit/>
+          </a:bodyPr>
+          <a:lstStyle/>
+          <a:p>
+            <a:pPr algn="ctr"/>
+            <a:r>
+              <a:rPr kumimoji="1" lang="ja-JP" altLang="en-US" sz="2400" b="1" dirty="0">
+                <a:solidFill>
+                  <a:srgbClr val="0070C0"/>
+                </a:solidFill>
+                <a:ea typeface="游ゴシック Medium" panose="020B0500000000000000" pitchFamily="50" charset="-128"/>
+              </a:rPr>
+              <a:t>⇒ 計算機</a:t>
+            </a:r>
+            <a:r>
+              <a:rPr lang="ja-JP" altLang="en-US" sz="2400" b="1" dirty="0">
+                <a:solidFill>
+                  <a:srgbClr val="0070C0"/>
+                </a:solidFill>
+                <a:ea typeface="游ゴシック Medium" panose="020B0500000000000000" pitchFamily="50" charset="-128"/>
+              </a:rPr>
+              <a:t>シミュレーションによる統合評価ツールにおける無線</a:t>
+            </a:r>
+            <a:r>
+              <a:rPr lang="en-US" altLang="ja-JP" sz="2400" b="1" dirty="0">
+                <a:solidFill>
+                  <a:srgbClr val="0070C0"/>
+                </a:solidFill>
+                <a:ea typeface="游ゴシック Medium" panose="020B0500000000000000" pitchFamily="50" charset="-128"/>
+              </a:rPr>
+              <a:t>LAN</a:t>
+            </a:r>
+            <a:r>
+              <a:rPr lang="ja-JP" altLang="en-US" sz="2400" b="1" dirty="0">
+                <a:solidFill>
+                  <a:srgbClr val="0070C0"/>
+                </a:solidFill>
+                <a:ea typeface="游ゴシック Medium" panose="020B0500000000000000" pitchFamily="50" charset="-128"/>
+              </a:rPr>
+              <a:t>評価モデルを開発</a:t>
+            </a:r>
+            <a:endParaRPr lang="en-US" altLang="ja-JP" sz="2400" b="1" dirty="0">
+              <a:solidFill>
+                <a:srgbClr val="0070C0"/>
+              </a:solidFill>
+              <a:ea typeface="游ゴシック Medium" panose="020B0500000000000000" pitchFamily="50" charset="-128"/>
+            </a:endParaRPr>
+          </a:p>
+        </p:txBody>
+      </p:sp>
+      <p:sp>
+        <p:nvSpPr>
+          <p:cNvPr id="39" name="正方形/長方形 49">
+            <a:extLst>
+              <a:ext uri="{FF2B5EF4-FFF2-40B4-BE49-F238E27FC236}">
+                <a16:creationId xmlns:a16="http://schemas.microsoft.com/office/drawing/2014/main" id="{8CC1A9D9-AD04-86B1-DA99-A81F12942C9D}"/>
+              </a:ext>
+            </a:extLst>
+          </p:cNvPr>
+          <p:cNvSpPr/>
+          <p:nvPr/>
+        </p:nvSpPr>
+        <p:spPr>
+          <a:xfrm>
+            <a:off x="2652131" y="4424082"/>
+            <a:ext cx="1800201" cy="483495"/>
+          </a:xfrm>
+          <a:prstGeom prst="rect">
+            <a:avLst/>
+          </a:prstGeom>
+          <a:solidFill>
+            <a:schemeClr val="bg2">
+              <a:lumMod val="25000"/>
+              <a:lumOff val="75000"/>
+            </a:schemeClr>
+          </a:solidFill>
+          <a:ln>
+            <a:noFill/>
+          </a:ln>
+        </p:spPr>
+        <p:txBody>
+          <a:bodyPr wrap="square" rtlCol="0" anchor="ctr">
+            <a:spAutoFit/>
+          </a:bodyPr>
+          <a:lstStyle/>
+          <a:p>
+            <a:pPr algn="ctr"/>
+            <a:endParaRPr kumimoji="1" lang="ja-JP" altLang="en-US" kern="0" dirty="0">
+              <a:latin typeface="+mn-lt"/>
+              <a:ea typeface="+mn-ea"/>
+            </a:endParaRPr>
+          </a:p>
+        </p:txBody>
+      </p:sp>
+      <p:sp>
+        <p:nvSpPr>
+          <p:cNvPr id="40" name="テキスト ボックス 54">
+            <a:extLst>
+              <a:ext uri="{FF2B5EF4-FFF2-40B4-BE49-F238E27FC236}">
+                <a16:creationId xmlns:a16="http://schemas.microsoft.com/office/drawing/2014/main" id="{14C03B40-3903-8C53-2483-D6804F1B26C4}"/>
+              </a:ext>
+            </a:extLst>
+          </p:cNvPr>
+          <p:cNvSpPr txBox="1"/>
+          <p:nvPr/>
+        </p:nvSpPr>
+        <p:spPr>
+          <a:xfrm>
+            <a:off x="2796257" y="4477515"/>
+            <a:ext cx="1494166" cy="400110"/>
+          </a:xfrm>
+          <a:prstGeom prst="rect">
+            <a:avLst/>
+          </a:prstGeom>
+          <a:noFill/>
+        </p:spPr>
+        <p:txBody>
+          <a:bodyPr wrap="square" rtlCol="0">
+            <a:spAutoFit/>
+          </a:bodyPr>
+          <a:lstStyle/>
+          <a:p>
+            <a:pPr algn="ctr"/>
+            <a:r>
+              <a:rPr lang="ja-JP" altLang="en-US" sz="2000" dirty="0">
+                <a:ea typeface="游ゴシック Medium" panose="020B0500000000000000" pitchFamily="50" charset="-128"/>
+              </a:rPr>
+              <a:t>信号処理</a:t>
+            </a:r>
+            <a:endParaRPr kumimoji="1" lang="ja-JP" altLang="en-US" sz="2000" dirty="0">
+              <a:ea typeface="游ゴシック Medium" panose="020B0500000000000000" pitchFamily="50" charset="-128"/>
+            </a:endParaRPr>
+          </a:p>
+        </p:txBody>
+      </p:sp>
+      <p:sp>
+        <p:nvSpPr>
+          <p:cNvPr id="41" name="正方形/長方形 55">
+            <a:extLst>
+              <a:ext uri="{FF2B5EF4-FFF2-40B4-BE49-F238E27FC236}">
+                <a16:creationId xmlns:a16="http://schemas.microsoft.com/office/drawing/2014/main" id="{03EAF876-9EC8-A795-2B21-1220A3B3182E}"/>
+              </a:ext>
+            </a:extLst>
+          </p:cNvPr>
+          <p:cNvSpPr/>
+          <p:nvPr/>
+        </p:nvSpPr>
+        <p:spPr>
+          <a:xfrm>
+            <a:off x="4618717" y="4409859"/>
+            <a:ext cx="1800201" cy="483495"/>
+          </a:xfrm>
+          <a:prstGeom prst="rect">
+            <a:avLst/>
+          </a:prstGeom>
+          <a:solidFill>
+            <a:schemeClr val="bg2">
+              <a:lumMod val="25000"/>
+              <a:lumOff val="75000"/>
+            </a:schemeClr>
+          </a:solidFill>
+          <a:ln>
+            <a:noFill/>
+          </a:ln>
+        </p:spPr>
+        <p:txBody>
+          <a:bodyPr wrap="square" rtlCol="0" anchor="ctr">
+            <a:spAutoFit/>
+          </a:bodyPr>
+          <a:lstStyle/>
+          <a:p>
+            <a:pPr algn="ctr"/>
+            <a:endParaRPr kumimoji="1" lang="ja-JP" altLang="en-US" kern="0" dirty="0">
+              <a:latin typeface="+mn-lt"/>
+              <a:ea typeface="+mn-ea"/>
+            </a:endParaRPr>
+          </a:p>
+        </p:txBody>
+      </p:sp>
+      <p:sp>
+        <p:nvSpPr>
+          <p:cNvPr id="42" name="テキスト ボックス 56">
+            <a:extLst>
+              <a:ext uri="{FF2B5EF4-FFF2-40B4-BE49-F238E27FC236}">
+                <a16:creationId xmlns:a16="http://schemas.microsoft.com/office/drawing/2014/main" id="{82427ABF-0938-6804-F8FA-E7BDBAFF6909}"/>
+              </a:ext>
+            </a:extLst>
+          </p:cNvPr>
+          <p:cNvSpPr txBox="1"/>
+          <p:nvPr/>
+        </p:nvSpPr>
+        <p:spPr>
+          <a:xfrm>
+            <a:off x="4762843" y="4463292"/>
+            <a:ext cx="1494166" cy="400110"/>
+          </a:xfrm>
+          <a:prstGeom prst="rect">
+            <a:avLst/>
+          </a:prstGeom>
+          <a:noFill/>
+        </p:spPr>
+        <p:txBody>
+          <a:bodyPr wrap="square" rtlCol="0">
+            <a:spAutoFit/>
+          </a:bodyPr>
+          <a:lstStyle/>
+          <a:p>
+            <a:pPr algn="ctr"/>
+            <a:r>
+              <a:rPr lang="ja-JP" altLang="en-US" sz="2000" dirty="0">
+                <a:ea typeface="游ゴシック Medium" panose="020B0500000000000000" pitchFamily="50" charset="-128"/>
+              </a:rPr>
+              <a:t>信号処理</a:t>
+            </a:r>
+            <a:endParaRPr kumimoji="1" lang="ja-JP" altLang="en-US" sz="2000" dirty="0">
+              <a:ea typeface="游ゴシック Medium" panose="020B0500000000000000" pitchFamily="50" charset="-128"/>
+            </a:endParaRPr>
+          </a:p>
+        </p:txBody>
+      </p:sp>
+    </p:spTree>
+    <p:extLst>
+      <p:ext uri="{BB962C8B-B14F-4D97-AF65-F5344CB8AC3E}">
+        <p14:creationId xmlns:p14="http://schemas.microsoft.com/office/powerpoint/2010/main" val="827726908"/>
       </p:ext>
     </p:extLst>
   </p:cSld>
@@ -6722,7 +8609,7 @@
         <p:cNvPr id="1" name="">
           <a:extLst>
             <a:ext uri="{FF2B5EF4-FFF2-40B4-BE49-F238E27FC236}">
-              <a16:creationId xmlns:a16="http://schemas.microsoft.com/office/drawing/2014/main" id="{A1F081F9-9ED3-1C6B-0638-142D46AB86DA}"/>
+              <a16:creationId xmlns:a16="http://schemas.microsoft.com/office/drawing/2014/main" id="{FF61B052-6D6E-64F1-F1B8-189E0FB0413B}"/>
             </a:ext>
           </a:extLst>
         </p:cNvPr>
@@ -6739,35 +8626,10 @@
       </p:grpSpPr>
       <p:sp>
         <p:nvSpPr>
-          <p:cNvPr id="2" name="コンテンツ プレースホルダー 1">
-            <a:extLst>
-              <a:ext uri="{FF2B5EF4-FFF2-40B4-BE49-F238E27FC236}">
-                <a16:creationId xmlns:a16="http://schemas.microsoft.com/office/drawing/2014/main" id="{742340E6-D0DE-D740-EB06-0226C27312AA}"/>
-              </a:ext>
-            </a:extLst>
-          </p:cNvPr>
-          <p:cNvSpPr>
-            <a:spLocks noGrp="1"/>
-          </p:cNvSpPr>
-          <p:nvPr>
-            <p:ph idx="1"/>
-          </p:nvPr>
-        </p:nvSpPr>
-        <p:spPr/>
-        <p:txBody>
-          <a:bodyPr/>
-          <a:lstStyle/>
-          <a:p>
-            <a:endParaRPr kumimoji="1" lang="ja-JP" altLang="en-US" dirty="0"/>
-          </a:p>
-        </p:txBody>
-      </p:sp>
-      <p:sp>
-        <p:nvSpPr>
           <p:cNvPr id="3" name="タイトル 2">
             <a:extLst>
               <a:ext uri="{FF2B5EF4-FFF2-40B4-BE49-F238E27FC236}">
-                <a16:creationId xmlns:a16="http://schemas.microsoft.com/office/drawing/2014/main" id="{EABD366C-B7E9-40A8-CC4B-3904F88788A2}"/>
+                <a16:creationId xmlns:a16="http://schemas.microsoft.com/office/drawing/2014/main" id="{03C1E3A5-9F35-E715-C704-F21D6A8D5DC7}"/>
               </a:ext>
             </a:extLst>
           </p:cNvPr>
@@ -6784,12 +8646,16 @@
           <a:lstStyle/>
           <a:p>
             <a:r>
-              <a:rPr kumimoji="1" lang="ja-JP" altLang="en-US" dirty="0">
+              <a:rPr kumimoji="1" lang="en-US" altLang="ja-JP" dirty="0">
                 <a:latin typeface="BIZ UDPゴシック" panose="020B0400000000000000" pitchFamily="50" charset="-128"/>
                 <a:ea typeface="BIZ UDPゴシック" panose="020B0400000000000000" pitchFamily="50" charset="-128"/>
               </a:rPr>
-              <a:t>研究背景</a:t>
-            </a:r>
+              <a:t>CSMA/CA</a:t>
+            </a:r>
+            <a:endParaRPr kumimoji="1" lang="ja-JP" altLang="en-US" dirty="0">
+              <a:latin typeface="BIZ UDPゴシック" panose="020B0400000000000000" pitchFamily="50" charset="-128"/>
+              <a:ea typeface="BIZ UDPゴシック" panose="020B0400000000000000" pitchFamily="50" charset="-128"/>
+            </a:endParaRPr>
           </a:p>
         </p:txBody>
       </p:sp>
@@ -6798,7 +8664,7 @@
           <p:cNvPr id="4" name="スライド番号プレースホルダー 3">
             <a:extLst>
               <a:ext uri="{FF2B5EF4-FFF2-40B4-BE49-F238E27FC236}">
-                <a16:creationId xmlns:a16="http://schemas.microsoft.com/office/drawing/2014/main" id="{B9DF0942-D05D-DFEA-E362-84EB97E8634F}"/>
+                <a16:creationId xmlns:a16="http://schemas.microsoft.com/office/drawing/2014/main" id="{6BAC7BB8-3101-C980-9980-09F14348E86B}"/>
               </a:ext>
             </a:extLst>
           </p:cNvPr>
@@ -6822,10 +8688,110 @@
           </a:p>
         </p:txBody>
       </p:sp>
+      <p:pic>
+        <p:nvPicPr>
+          <p:cNvPr id="6" name="Picture 5" descr="A group of blue and white squares&#10;&#10;AI-generated content may be incorrect.">
+            <a:extLst>
+              <a:ext uri="{FF2B5EF4-FFF2-40B4-BE49-F238E27FC236}">
+                <a16:creationId xmlns:a16="http://schemas.microsoft.com/office/drawing/2014/main" id="{DD76F92E-3198-9A73-DB3D-5502922A4B74}"/>
+              </a:ext>
+            </a:extLst>
+          </p:cNvPr>
+          <p:cNvPicPr>
+            <a:picLocks noChangeAspect="1"/>
+          </p:cNvPicPr>
+          <p:nvPr/>
+        </p:nvPicPr>
+        <p:blipFill>
+          <a:blip r:embed="rId3" cstate="print">
+            <a:extLst>
+              <a:ext uri="{28A0092B-C50C-407E-A947-70E740481C1C}">
+                <a14:useLocalDpi xmlns:a14="http://schemas.microsoft.com/office/drawing/2010/main" val="0"/>
+              </a:ext>
+            </a:extLst>
+          </a:blip>
+          <a:stretch>
+            <a:fillRect/>
+          </a:stretch>
+        </p:blipFill>
+        <p:spPr>
+          <a:xfrm>
+            <a:off x="-252536" y="1772816"/>
+            <a:ext cx="9326401" cy="4013515"/>
+          </a:xfrm>
+          <a:prstGeom prst="rect">
+            <a:avLst/>
+          </a:prstGeom>
+        </p:spPr>
+      </p:pic>
+      <p:sp>
+        <p:nvSpPr>
+          <p:cNvPr id="7" name="TextBox 6">
+            <a:extLst>
+              <a:ext uri="{FF2B5EF4-FFF2-40B4-BE49-F238E27FC236}">
+                <a16:creationId xmlns:a16="http://schemas.microsoft.com/office/drawing/2014/main" id="{1970F7C1-E9A5-283B-7DB7-CE519DFBC983}"/>
+              </a:ext>
+            </a:extLst>
+          </p:cNvPr>
+          <p:cNvSpPr txBox="1"/>
+          <p:nvPr/>
+        </p:nvSpPr>
+        <p:spPr>
+          <a:xfrm>
+            <a:off x="3131840" y="5973679"/>
+            <a:ext cx="2880320" cy="369332"/>
+          </a:xfrm>
+          <a:prstGeom prst="rect">
+            <a:avLst/>
+          </a:prstGeom>
+          <a:noFill/>
+        </p:spPr>
+        <p:txBody>
+          <a:bodyPr wrap="square" rtlCol="0">
+            <a:spAutoFit/>
+          </a:bodyPr>
+          <a:lstStyle/>
+          <a:p>
+            <a:pPr algn="ctr"/>
+            <a:r>
+              <a:rPr kumimoji="1" lang="ja-JP" altLang="en-US" dirty="0">
+                <a:latin typeface="BIZ UDPGothic" panose="020B0400000000000000" pitchFamily="34" charset="-128"/>
+                <a:ea typeface="BIZ UDPGothic" panose="020B0400000000000000" pitchFamily="34" charset="-128"/>
+              </a:rPr>
+              <a:t>図</a:t>
+            </a:r>
+            <a:r>
+              <a:rPr lang="en-GB" altLang="ja-JP" dirty="0">
+                <a:latin typeface="BIZ UDPGothic" panose="020B0400000000000000" pitchFamily="34" charset="-128"/>
+                <a:ea typeface="BIZ UDPGothic" panose="020B0400000000000000" pitchFamily="34" charset="-128"/>
+              </a:rPr>
+              <a:t>2</a:t>
+            </a:r>
+            <a:r>
+              <a:rPr kumimoji="1" lang="en-GB" altLang="ja-JP" dirty="0">
+                <a:latin typeface="BIZ UDPGothic" panose="020B0400000000000000" pitchFamily="34" charset="-128"/>
+                <a:ea typeface="BIZ UDPGothic" panose="020B0400000000000000" pitchFamily="34" charset="-128"/>
+              </a:rPr>
+              <a:t> CSMA/CA </a:t>
+            </a:r>
+            <a:r>
+              <a:rPr kumimoji="1" lang="ja-JP" altLang="en-US" dirty="0">
+                <a:latin typeface="BIZ UDPGothic" panose="020B0400000000000000" pitchFamily="34" charset="-128"/>
+                <a:ea typeface="BIZ UDPGothic" panose="020B0400000000000000" pitchFamily="34" charset="-128"/>
+              </a:rPr>
+              <a:t>成功時</a:t>
+            </a:r>
+            <a:endParaRPr kumimoji="1" lang="en-GB" dirty="0">
+              <a:latin typeface="BIZ UDPGothic" panose="020B0400000000000000" pitchFamily="34" charset="-128"/>
+              <a:ea typeface="BIZ UDPGothic" panose="020B0400000000000000" pitchFamily="34" charset="-128"/>
+            </a:endParaRPr>
+          </a:p>
+        </p:txBody>
+      </p:sp>
     </p:spTree>
     <p:extLst>
       <p:ext uri="{BB962C8B-B14F-4D97-AF65-F5344CB8AC3E}">
-        <p14:creationId xmlns:p14="http://schemas.microsoft.com/office/powerpoint/2010/main" val="1801130398"/>
+        <p14:creationId xmlns:p14="http://schemas.microsoft.com/office/powerpoint/2010/main" val="2815887943"/>
       </p:ext>
     </p:extLst>
   </p:cSld>
@@ -6843,7 +8809,7 @@
         <p:cNvPr id="1" name="">
           <a:extLst>
             <a:ext uri="{FF2B5EF4-FFF2-40B4-BE49-F238E27FC236}">
-              <a16:creationId xmlns:a16="http://schemas.microsoft.com/office/drawing/2014/main" id="{B3F7A18B-5147-AF9D-35EA-B82F25259DEB}"/>
+              <a16:creationId xmlns:a16="http://schemas.microsoft.com/office/drawing/2014/main" id="{F3D284A5-7B89-AF66-2CAE-CD694FB219D5}"/>
             </a:ext>
           </a:extLst>
         </p:cNvPr>
@@ -6860,35 +8826,10 @@
       </p:grpSpPr>
       <p:sp>
         <p:nvSpPr>
-          <p:cNvPr id="2" name="コンテンツ プレースホルダー 1">
-            <a:extLst>
-              <a:ext uri="{FF2B5EF4-FFF2-40B4-BE49-F238E27FC236}">
-                <a16:creationId xmlns:a16="http://schemas.microsoft.com/office/drawing/2014/main" id="{E5B5BE93-2FA8-5193-E3C0-E18FEB02F05A}"/>
-              </a:ext>
-            </a:extLst>
-          </p:cNvPr>
-          <p:cNvSpPr>
-            <a:spLocks noGrp="1"/>
-          </p:cNvSpPr>
-          <p:nvPr>
-            <p:ph idx="1"/>
-          </p:nvPr>
-        </p:nvSpPr>
-        <p:spPr/>
-        <p:txBody>
-          <a:bodyPr/>
-          <a:lstStyle/>
-          <a:p>
-            <a:endParaRPr kumimoji="1" lang="ja-JP" altLang="en-US" dirty="0"/>
-          </a:p>
-        </p:txBody>
-      </p:sp>
-      <p:sp>
-        <p:nvSpPr>
           <p:cNvPr id="3" name="タイトル 2">
             <a:extLst>
               <a:ext uri="{FF2B5EF4-FFF2-40B4-BE49-F238E27FC236}">
-                <a16:creationId xmlns:a16="http://schemas.microsoft.com/office/drawing/2014/main" id="{D682CB34-F464-5AEF-9044-63096C5439FD}"/>
+                <a16:creationId xmlns:a16="http://schemas.microsoft.com/office/drawing/2014/main" id="{28623A90-3F6A-8759-5E8A-510569354CFF}"/>
               </a:ext>
             </a:extLst>
           </p:cNvPr>
@@ -6923,7 +8864,7 @@
           <p:cNvPr id="4" name="スライド番号プレースホルダー 3">
             <a:extLst>
               <a:ext uri="{FF2B5EF4-FFF2-40B4-BE49-F238E27FC236}">
-                <a16:creationId xmlns:a16="http://schemas.microsoft.com/office/drawing/2014/main" id="{51ADBA82-A37F-80F7-D952-E4203BB9C639}"/>
+                <a16:creationId xmlns:a16="http://schemas.microsoft.com/office/drawing/2014/main" id="{A4925528-BE97-400C-D053-BB125A7518E4}"/>
               </a:ext>
             </a:extLst>
           </p:cNvPr>
@@ -6947,10 +8888,110 @@
           </a:p>
         </p:txBody>
       </p:sp>
+      <p:pic>
+        <p:nvPicPr>
+          <p:cNvPr id="6" name="Picture 5" descr="A screenshot of a computer game&#10;&#10;AI-generated content may be incorrect.">
+            <a:extLst>
+              <a:ext uri="{FF2B5EF4-FFF2-40B4-BE49-F238E27FC236}">
+                <a16:creationId xmlns:a16="http://schemas.microsoft.com/office/drawing/2014/main" id="{71CC1B61-9338-A741-76BE-DE52BAFCFA65}"/>
+              </a:ext>
+            </a:extLst>
+          </p:cNvPr>
+          <p:cNvPicPr>
+            <a:picLocks noChangeAspect="1"/>
+          </p:cNvPicPr>
+          <p:nvPr/>
+        </p:nvPicPr>
+        <p:blipFill>
+          <a:blip r:embed="rId2" cstate="print">
+            <a:extLst>
+              <a:ext uri="{28A0092B-C50C-407E-A947-70E740481C1C}">
+                <a14:useLocalDpi xmlns:a14="http://schemas.microsoft.com/office/drawing/2010/main" val="0"/>
+              </a:ext>
+            </a:extLst>
+          </a:blip>
+          <a:stretch>
+            <a:fillRect/>
+          </a:stretch>
+        </p:blipFill>
+        <p:spPr>
+          <a:xfrm>
+            <a:off x="598" y="1700808"/>
+            <a:ext cx="9144000" cy="3935021"/>
+          </a:xfrm>
+          <a:prstGeom prst="rect">
+            <a:avLst/>
+          </a:prstGeom>
+        </p:spPr>
+      </p:pic>
+      <p:sp>
+        <p:nvSpPr>
+          <p:cNvPr id="7" name="TextBox 6">
+            <a:extLst>
+              <a:ext uri="{FF2B5EF4-FFF2-40B4-BE49-F238E27FC236}">
+                <a16:creationId xmlns:a16="http://schemas.microsoft.com/office/drawing/2014/main" id="{3FC176C5-6765-0457-307E-DE8887D79DD4}"/>
+              </a:ext>
+            </a:extLst>
+          </p:cNvPr>
+          <p:cNvSpPr txBox="1"/>
+          <p:nvPr/>
+        </p:nvSpPr>
+        <p:spPr>
+          <a:xfrm>
+            <a:off x="3131840" y="5973679"/>
+            <a:ext cx="2880320" cy="369332"/>
+          </a:xfrm>
+          <a:prstGeom prst="rect">
+            <a:avLst/>
+          </a:prstGeom>
+          <a:noFill/>
+        </p:spPr>
+        <p:txBody>
+          <a:bodyPr wrap="square" rtlCol="0">
+            <a:spAutoFit/>
+          </a:bodyPr>
+          <a:lstStyle/>
+          <a:p>
+            <a:pPr algn="ctr"/>
+            <a:r>
+              <a:rPr kumimoji="1" lang="ja-JP" altLang="en-US" dirty="0">
+                <a:latin typeface="BIZ UDPGothic" panose="020B0400000000000000" pitchFamily="34" charset="-128"/>
+                <a:ea typeface="BIZ UDPGothic" panose="020B0400000000000000" pitchFamily="34" charset="-128"/>
+              </a:rPr>
+              <a:t>図</a:t>
+            </a:r>
+            <a:r>
+              <a:rPr kumimoji="1" lang="en-GB" altLang="ja-JP" dirty="0">
+                <a:latin typeface="BIZ UDPGothic" panose="020B0400000000000000" pitchFamily="34" charset="-128"/>
+                <a:ea typeface="BIZ UDPGothic" panose="020B0400000000000000" pitchFamily="34" charset="-128"/>
+              </a:rPr>
+              <a:t>3 CSMA/CA </a:t>
+            </a:r>
+            <a:r>
+              <a:rPr lang="ja-JP" altLang="en-US" dirty="0">
+                <a:latin typeface="BIZ UDPGothic" panose="020B0400000000000000" pitchFamily="34" charset="-128"/>
+                <a:ea typeface="BIZ UDPGothic" panose="020B0400000000000000" pitchFamily="34" charset="-128"/>
+              </a:rPr>
+              <a:t>衝突</a:t>
+            </a:r>
+            <a:r>
+              <a:rPr kumimoji="1" lang="ja-JP" altLang="en-US" dirty="0">
+                <a:latin typeface="BIZ UDPGothic" panose="020B0400000000000000" pitchFamily="34" charset="-128"/>
+                <a:ea typeface="BIZ UDPGothic" panose="020B0400000000000000" pitchFamily="34" charset="-128"/>
+              </a:rPr>
+              <a:t>時</a:t>
+            </a:r>
+            <a:endParaRPr kumimoji="1" lang="en-GB" dirty="0">
+              <a:latin typeface="BIZ UDPGothic" panose="020B0400000000000000" pitchFamily="34" charset="-128"/>
+              <a:ea typeface="BIZ UDPGothic" panose="020B0400000000000000" pitchFamily="34" charset="-128"/>
+            </a:endParaRPr>
+          </a:p>
+        </p:txBody>
+      </p:sp>
     </p:spTree>
     <p:extLst>
       <p:ext uri="{BB962C8B-B14F-4D97-AF65-F5344CB8AC3E}">
-        <p14:creationId xmlns:p14="http://schemas.microsoft.com/office/powerpoint/2010/main" val="220260839"/>
+        <p14:creationId xmlns:p14="http://schemas.microsoft.com/office/powerpoint/2010/main" val="4213253102"/>
       </p:ext>
     </p:extLst>
   </p:cSld>
@@ -6985,31 +9026,6 @@
       </p:grpSpPr>
       <p:sp>
         <p:nvSpPr>
-          <p:cNvPr id="2" name="コンテンツ プレースホルダー 1">
-            <a:extLst>
-              <a:ext uri="{FF2B5EF4-FFF2-40B4-BE49-F238E27FC236}">
-                <a16:creationId xmlns:a16="http://schemas.microsoft.com/office/drawing/2014/main" id="{7A15E683-C2B8-6A7A-C87F-702E3DFA0B8A}"/>
-              </a:ext>
-            </a:extLst>
-          </p:cNvPr>
-          <p:cNvSpPr>
-            <a:spLocks noGrp="1"/>
-          </p:cNvSpPr>
-          <p:nvPr>
-            <p:ph idx="1"/>
-          </p:nvPr>
-        </p:nvSpPr>
-        <p:spPr/>
-        <p:txBody>
-          <a:bodyPr/>
-          <a:lstStyle/>
-          <a:p>
-            <a:endParaRPr kumimoji="1" lang="ja-JP" altLang="en-US" dirty="0"/>
-          </a:p>
-        </p:txBody>
-      </p:sp>
-      <p:sp>
-        <p:nvSpPr>
           <p:cNvPr id="3" name="タイトル 2">
             <a:extLst>
               <a:ext uri="{FF2B5EF4-FFF2-40B4-BE49-F238E27FC236}">
@@ -7072,6 +9088,284 @@
               <a:t>6</a:t>
             </a:fld>
             <a:endParaRPr kumimoji="1" lang="ja-JP" altLang="en-US"/>
+          </a:p>
+        </p:txBody>
+      </p:sp>
+      <p:pic>
+        <p:nvPicPr>
+          <p:cNvPr id="17" name="Picture 16" descr="\documentclass{article}&#10;\usepackage{amsmath}&#10;\usepackage{fontspec} % フォント設定用&#10;\pagestyle{empty}&#10;&#10;% フォント設定&#10;\newfontfamily\TitleJFont{BIZ UDPGothic}[BoldFont=BIZ UDPGothicBold]&#10;\newfontfamily\SectionJFont{BIZ UDPGothic}[BoldFont=BIZ UDPGothicBold]&#10;&#10;\begin{document}&#10;&#10;\begin{align*}&#10;  \mathrm{CW}_{\max} &amp;= 2^{4 + n} - 1&#10;\end{align*}&#10;&#10;\vspace{-2em}&#10;&#10;\begin{align*}&#10;  s &amp;= \mathrm{randint}(0, \, \min(c_{\max}, \, 1023))&#10;  \label{slot}&#10;\end{align*}&#10;&#10;\end{document}&#10;" title="IguanaTex Picture Display">
+            <a:extLst>
+              <a:ext uri="{FF2B5EF4-FFF2-40B4-BE49-F238E27FC236}">
+                <a16:creationId xmlns:a16="http://schemas.microsoft.com/office/drawing/2014/main" id="{6F980FE1-1FF8-D78F-C566-CF9ADB72CEAE}"/>
+              </a:ext>
+            </a:extLst>
+          </p:cNvPr>
+          <p:cNvPicPr>
+            <a:picLocks noChangeAspect="1"/>
+          </p:cNvPicPr>
+          <p:nvPr>
+            <p:custDataLst>
+              <p:tags r:id="rId1"/>
+            </p:custDataLst>
+          </p:nvPr>
+        </p:nvPicPr>
+        <p:blipFill>
+          <a:blip r:embed="rId3" cstate="print">
+            <a:extLst>
+              <a:ext uri="{28A0092B-C50C-407E-A947-70E740481C1C}">
+                <a14:useLocalDpi xmlns:a14="http://schemas.microsoft.com/office/drawing/2010/main" val="0"/>
+              </a:ext>
+            </a:extLst>
+          </a:blip>
+          <a:stretch>
+            <a:fillRect/>
+          </a:stretch>
+        </p:blipFill>
+        <p:spPr>
+          <a:xfrm>
+            <a:off x="2480272" y="3539412"/>
+            <a:ext cx="4183456" cy="1077363"/>
+          </a:xfrm>
+          <a:prstGeom prst="rect">
+            <a:avLst/>
+          </a:prstGeom>
+        </p:spPr>
+      </p:pic>
+      <p:sp>
+        <p:nvSpPr>
+          <p:cNvPr id="18" name="TextBox 17">
+            <a:extLst>
+              <a:ext uri="{FF2B5EF4-FFF2-40B4-BE49-F238E27FC236}">
+                <a16:creationId xmlns:a16="http://schemas.microsoft.com/office/drawing/2014/main" id="{45749195-79C8-46AB-8FD0-176A67F9B849}"/>
+              </a:ext>
+            </a:extLst>
+          </p:cNvPr>
+          <p:cNvSpPr txBox="1"/>
+          <p:nvPr/>
+        </p:nvSpPr>
+        <p:spPr>
+          <a:xfrm>
+            <a:off x="1619672" y="1772816"/>
+            <a:ext cx="6552728" cy="646331"/>
+          </a:xfrm>
+          <a:prstGeom prst="rect">
+            <a:avLst/>
+          </a:prstGeom>
+          <a:noFill/>
+        </p:spPr>
+        <p:txBody>
+          <a:bodyPr wrap="square" rtlCol="0">
+            <a:spAutoFit/>
+          </a:bodyPr>
+          <a:lstStyle/>
+          <a:p>
+            <a:r>
+              <a:rPr lang="en-GB" altLang="ja-JP" dirty="0">
+                <a:latin typeface="BIZ UDPGothic" panose="020B0400000000000000" pitchFamily="34" charset="-128"/>
+                <a:ea typeface="BIZ UDPGothic" panose="020B0400000000000000" pitchFamily="34" charset="-128"/>
+              </a:rPr>
+              <a:t>Contention Window(CW)</a:t>
+            </a:r>
+            <a:r>
+              <a:rPr lang="ja-JP" altLang="en-US" dirty="0">
+                <a:latin typeface="BIZ UDPGothic" panose="020B0400000000000000" pitchFamily="34" charset="-128"/>
+                <a:ea typeface="BIZ UDPGothic" panose="020B0400000000000000" pitchFamily="34" charset="-128"/>
+              </a:rPr>
+              <a:t>サイズ最小値を</a:t>
+            </a:r>
+            <a:r>
+              <a:rPr lang="en-GB" altLang="ja-JP" dirty="0">
+                <a:latin typeface="BIZ UDPGothic" panose="020B0400000000000000" pitchFamily="34" charset="-128"/>
+                <a:ea typeface="BIZ UDPGothic" panose="020B0400000000000000" pitchFamily="34" charset="-128"/>
+              </a:rPr>
+              <a:t>15,</a:t>
+            </a:r>
+            <a:r>
+              <a:rPr lang="ja-JP" altLang="en-US" dirty="0">
+                <a:latin typeface="BIZ UDPGothic" panose="020B0400000000000000" pitchFamily="34" charset="-128"/>
+                <a:ea typeface="BIZ UDPGothic" panose="020B0400000000000000" pitchFamily="34" charset="-128"/>
+              </a:rPr>
+              <a:t>最大値を</a:t>
+            </a:r>
+            <a:r>
+              <a:rPr lang="en-GB" altLang="ja-JP" dirty="0">
+                <a:latin typeface="BIZ UDPGothic" panose="020B0400000000000000" pitchFamily="34" charset="-128"/>
+                <a:ea typeface="BIZ UDPGothic" panose="020B0400000000000000" pitchFamily="34" charset="-128"/>
+              </a:rPr>
+              <a:t>1023</a:t>
+            </a:r>
+            <a:r>
+              <a:rPr lang="ja-JP" altLang="en-US" dirty="0">
+                <a:latin typeface="BIZ UDPGothic" panose="020B0400000000000000" pitchFamily="34" charset="-128"/>
+                <a:ea typeface="BIZ UDPGothic" panose="020B0400000000000000" pitchFamily="34" charset="-128"/>
+              </a:rPr>
+              <a:t>として</a:t>
+            </a:r>
+            <a:endParaRPr kumimoji="1" lang="en-GB" dirty="0">
+              <a:latin typeface="BIZ UDPGothic" panose="020B0400000000000000" pitchFamily="34" charset="-128"/>
+              <a:ea typeface="BIZ UDPGothic" panose="020B0400000000000000" pitchFamily="34" charset="-128"/>
+            </a:endParaRPr>
+          </a:p>
+        </p:txBody>
+      </p:sp>
+      <p:sp>
+        <p:nvSpPr>
+          <p:cNvPr id="19" name="TextBox 18">
+            <a:extLst>
+              <a:ext uri="{FF2B5EF4-FFF2-40B4-BE49-F238E27FC236}">
+                <a16:creationId xmlns:a16="http://schemas.microsoft.com/office/drawing/2014/main" id="{42077018-A7BB-976A-F8C9-81E34F530A11}"/>
+              </a:ext>
+            </a:extLst>
+          </p:cNvPr>
+          <p:cNvSpPr txBox="1"/>
+          <p:nvPr/>
+        </p:nvSpPr>
+        <p:spPr>
+          <a:xfrm>
+            <a:off x="1593811" y="2461259"/>
+            <a:ext cx="6552728" cy="646331"/>
+          </a:xfrm>
+          <a:prstGeom prst="rect">
+            <a:avLst/>
+          </a:prstGeom>
+          <a:noFill/>
+        </p:spPr>
+        <p:txBody>
+          <a:bodyPr wrap="square" rtlCol="0">
+            <a:spAutoFit/>
+          </a:bodyPr>
+          <a:lstStyle/>
+          <a:p>
+            <a:r>
+              <a:rPr kumimoji="1" lang="en-GB" dirty="0">
+                <a:latin typeface="BIZ UDPGothic" panose="020B0400000000000000" pitchFamily="34" charset="-128"/>
+                <a:ea typeface="BIZ UDPGothic" panose="020B0400000000000000" pitchFamily="34" charset="-128"/>
+              </a:rPr>
+              <a:t>0</a:t>
+            </a:r>
+            <a:r>
+              <a:rPr kumimoji="1" lang="ja-JP" altLang="en-US" dirty="0">
+                <a:latin typeface="BIZ UDPGothic" panose="020B0400000000000000" pitchFamily="34" charset="-128"/>
+                <a:ea typeface="BIZ UDPGothic" panose="020B0400000000000000" pitchFamily="34" charset="-128"/>
+              </a:rPr>
+              <a:t>～</a:t>
+            </a:r>
+            <a:r>
+              <a:rPr kumimoji="1" lang="en-GB" altLang="ja-JP" dirty="0">
+                <a:latin typeface="BIZ UDPGothic" panose="020B0400000000000000" pitchFamily="34" charset="-128"/>
+                <a:ea typeface="BIZ UDPGothic" panose="020B0400000000000000" pitchFamily="34" charset="-128"/>
+              </a:rPr>
+              <a:t>CW</a:t>
+            </a:r>
+            <a:r>
+              <a:rPr kumimoji="1" lang="ja-JP" altLang="en-US" dirty="0">
+                <a:latin typeface="BIZ UDPGothic" panose="020B0400000000000000" pitchFamily="34" charset="-128"/>
+                <a:ea typeface="BIZ UDPGothic" panose="020B0400000000000000" pitchFamily="34" charset="-128"/>
+              </a:rPr>
+              <a:t>の範囲でランダムな値を発生させ</a:t>
+            </a:r>
+            <a:r>
+              <a:rPr kumimoji="1" lang="en-GB" altLang="ja-JP" dirty="0">
+                <a:latin typeface="BIZ UDPGothic" panose="020B0400000000000000" pitchFamily="34" charset="-128"/>
+                <a:ea typeface="BIZ UDPGothic" panose="020B0400000000000000" pitchFamily="34" charset="-128"/>
+              </a:rPr>
+              <a:t>,</a:t>
+            </a:r>
+            <a:r>
+              <a:rPr kumimoji="1" lang="ja-JP" altLang="en-US" dirty="0">
+                <a:latin typeface="BIZ UDPGothic" panose="020B0400000000000000" pitchFamily="34" charset="-128"/>
+                <a:ea typeface="BIZ UDPGothic" panose="020B0400000000000000" pitchFamily="34" charset="-128"/>
+              </a:rPr>
+              <a:t>その値を元にしたバックオフ時間が決められる</a:t>
+            </a:r>
+            <a:endParaRPr kumimoji="1" lang="en-GB" dirty="0">
+              <a:latin typeface="BIZ UDPGothic" panose="020B0400000000000000" pitchFamily="34" charset="-128"/>
+              <a:ea typeface="BIZ UDPGothic" panose="020B0400000000000000" pitchFamily="34" charset="-128"/>
+            </a:endParaRPr>
+          </a:p>
+        </p:txBody>
+      </p:sp>
+      <p:sp>
+        <p:nvSpPr>
+          <p:cNvPr id="20" name="TextBox 19">
+            <a:extLst>
+              <a:ext uri="{FF2B5EF4-FFF2-40B4-BE49-F238E27FC236}">
+                <a16:creationId xmlns:a16="http://schemas.microsoft.com/office/drawing/2014/main" id="{FFCC60F3-44CD-9BD9-54F2-E1BC32D8D883}"/>
+              </a:ext>
+            </a:extLst>
+          </p:cNvPr>
+          <p:cNvSpPr txBox="1"/>
+          <p:nvPr/>
+        </p:nvSpPr>
+        <p:spPr>
+          <a:xfrm>
+            <a:off x="1619672" y="4869160"/>
+            <a:ext cx="6552728" cy="646331"/>
+          </a:xfrm>
+          <a:prstGeom prst="rect">
+            <a:avLst/>
+          </a:prstGeom>
+          <a:noFill/>
+        </p:spPr>
+        <p:txBody>
+          <a:bodyPr wrap="square" rtlCol="0">
+            <a:spAutoFit/>
+          </a:bodyPr>
+          <a:lstStyle/>
+          <a:p>
+            <a:r>
+              <a:rPr kumimoji="1" lang="ja-JP" altLang="en-US" dirty="0">
+                <a:latin typeface="BIZ UDPGothic" panose="020B0400000000000000" pitchFamily="34" charset="-128"/>
+                <a:ea typeface="BIZ UDPGothic" panose="020B0400000000000000" pitchFamily="34" charset="-128"/>
+              </a:rPr>
+              <a:t>衝突が発生すると</a:t>
+            </a:r>
+            <a:r>
+              <a:rPr kumimoji="1" lang="en-GB" altLang="ja-JP" dirty="0">
+                <a:latin typeface="BIZ UDPGothic" panose="020B0400000000000000" pitchFamily="34" charset="-128"/>
+                <a:ea typeface="BIZ UDPGothic" panose="020B0400000000000000" pitchFamily="34" charset="-128"/>
+              </a:rPr>
+              <a:t>CW</a:t>
+            </a:r>
+            <a:r>
+              <a:rPr kumimoji="1" lang="ja-JP" altLang="en-US" dirty="0">
+                <a:latin typeface="BIZ UDPGothic" panose="020B0400000000000000" pitchFamily="34" charset="-128"/>
+                <a:ea typeface="BIZ UDPGothic" panose="020B0400000000000000" pitchFamily="34" charset="-128"/>
+              </a:rPr>
+              <a:t>サイズの最大値は</a:t>
+            </a:r>
+            <a:r>
+              <a:rPr kumimoji="1" lang="en-GB" altLang="ja-JP" dirty="0">
+                <a:latin typeface="BIZ UDPGothic" panose="020B0400000000000000" pitchFamily="34" charset="-128"/>
+                <a:ea typeface="BIZ UDPGothic" panose="020B0400000000000000" pitchFamily="34" charset="-128"/>
+              </a:rPr>
+              <a:t>2</a:t>
+            </a:r>
+            <a:r>
+              <a:rPr kumimoji="1" lang="ja-JP" altLang="en-US" dirty="0">
+                <a:latin typeface="BIZ UDPGothic" panose="020B0400000000000000" pitchFamily="34" charset="-128"/>
+                <a:ea typeface="BIZ UDPGothic" panose="020B0400000000000000" pitchFamily="34" charset="-128"/>
+              </a:rPr>
+              <a:t>倍となりバックオフ時間が長くなることで他端末と同じ</a:t>
+            </a:r>
+            <a:r>
+              <a:rPr kumimoji="1" lang="en-US" altLang="ja-JP" dirty="0">
+                <a:latin typeface="BIZ UDPGothic" panose="020B0400000000000000" pitchFamily="34" charset="-128"/>
+                <a:ea typeface="BIZ UDPGothic" panose="020B0400000000000000" pitchFamily="34" charset="-128"/>
+              </a:rPr>
+              <a:t>CW</a:t>
+            </a:r>
+            <a:r>
+              <a:rPr kumimoji="1" lang="ja-JP" altLang="en-US" dirty="0">
+                <a:latin typeface="BIZ UDPGothic" panose="020B0400000000000000" pitchFamily="34" charset="-128"/>
+                <a:ea typeface="BIZ UDPGothic" panose="020B0400000000000000" pitchFamily="34" charset="-128"/>
+              </a:rPr>
+              <a:t>サイズに</a:t>
+            </a:r>
+            <a:endParaRPr kumimoji="1" lang="en-GB" dirty="0">
+              <a:latin typeface="BIZ UDPGothic" panose="020B0400000000000000" pitchFamily="34" charset="-128"/>
+              <a:ea typeface="BIZ UDPGothic" panose="020B0400000000000000" pitchFamily="34" charset="-128"/>
+            </a:endParaRPr>
           </a:p>
         </p:txBody>
       </p:sp>
@@ -7111,31 +9405,41 @@
           <a:chExt cx="0" cy="0"/>
         </a:xfrm>
       </p:grpSpPr>
-      <p:sp>
-        <p:nvSpPr>
-          <p:cNvPr id="2" name="コンテンツ プレースホルダー 1">
+      <p:pic>
+        <p:nvPicPr>
+          <p:cNvPr id="6" name="Content Placeholder 5" descr="A black background with a black square&#10;&#10;AI-generated content may be incorrect.">
             <a:extLst>
               <a:ext uri="{FF2B5EF4-FFF2-40B4-BE49-F238E27FC236}">
-                <a16:creationId xmlns:a16="http://schemas.microsoft.com/office/drawing/2014/main" id="{1071BD96-9073-38BC-EB6E-1FA6BA466FE0}"/>
+                <a16:creationId xmlns:a16="http://schemas.microsoft.com/office/drawing/2014/main" id="{89A2913E-C75A-63D2-277E-AC8BB0348AE5}"/>
               </a:ext>
             </a:extLst>
           </p:cNvPr>
-          <p:cNvSpPr>
-            <a:spLocks noGrp="1"/>
-          </p:cNvSpPr>
+          <p:cNvPicPr>
+            <a:picLocks noGrp="1" noChangeAspect="1"/>
+          </p:cNvPicPr>
           <p:nvPr>
             <p:ph idx="1"/>
           </p:nvPr>
-        </p:nvSpPr>
-        <p:spPr/>
-        <p:txBody>
-          <a:bodyPr/>
-          <a:lstStyle/>
-          <a:p>
-            <a:endParaRPr kumimoji="1" lang="ja-JP" altLang="en-US" dirty="0"/>
-          </a:p>
-        </p:txBody>
-      </p:sp>
+        </p:nvPicPr>
+        <p:blipFill>
+          <a:blip r:embed="rId3" cstate="print">
+            <a:extLst>
+              <a:ext uri="{28A0092B-C50C-407E-A947-70E740481C1C}">
+                <a14:useLocalDpi xmlns:a14="http://schemas.microsoft.com/office/drawing/2010/main" val="0"/>
+              </a:ext>
+            </a:extLst>
+          </a:blip>
+          <a:stretch>
+            <a:fillRect/>
+          </a:stretch>
+        </p:blipFill>
+        <p:spPr>
+          <a:xfrm>
+            <a:off x="431800" y="4571487"/>
+            <a:ext cx="8280400" cy="2263967"/>
+          </a:xfrm>
+        </p:spPr>
+      </p:pic>
       <p:sp>
         <p:nvSpPr>
           <p:cNvPr id="3" name="タイトル 2">
@@ -7200,6 +9504,300 @@
               <a:t>7</a:t>
             </a:fld>
             <a:endParaRPr kumimoji="1" lang="ja-JP" altLang="en-US"/>
+          </a:p>
+        </p:txBody>
+      </p:sp>
+      <p:sp>
+        <p:nvSpPr>
+          <p:cNvPr id="7" name="TextBox 6">
+            <a:extLst>
+              <a:ext uri="{FF2B5EF4-FFF2-40B4-BE49-F238E27FC236}">
+                <a16:creationId xmlns:a16="http://schemas.microsoft.com/office/drawing/2014/main" id="{9D8C9ACD-974B-A4F8-6E0D-9F76C83C9E9B}"/>
+              </a:ext>
+            </a:extLst>
+          </p:cNvPr>
+          <p:cNvSpPr txBox="1"/>
+          <p:nvPr/>
+        </p:nvSpPr>
+        <p:spPr>
+          <a:xfrm>
+            <a:off x="-36512" y="1265231"/>
+            <a:ext cx="9144123" cy="3693319"/>
+          </a:xfrm>
+          <a:prstGeom prst="rect">
+            <a:avLst/>
+          </a:prstGeom>
+          <a:noFill/>
+        </p:spPr>
+        <p:txBody>
+          <a:bodyPr wrap="square" rtlCol="0">
+            <a:spAutoFit/>
+          </a:bodyPr>
+          <a:lstStyle/>
+          <a:p>
+            <a:pPr marL="285750" indent="-285750">
+              <a:buFont typeface="Arial" panose="020B0604020202020204" pitchFamily="34" charset="0"/>
+              <a:buChar char="•"/>
+            </a:pPr>
+            <a:r>
+              <a:rPr kumimoji="1" lang="ja-JP" altLang="en-US" sz="2400" dirty="0">
+                <a:latin typeface="BIZ UDPGothic" panose="020B0400000000000000" pitchFamily="34" charset="-128"/>
+                <a:ea typeface="BIZ UDPGothic" panose="020B0400000000000000" pitchFamily="34" charset="-128"/>
+              </a:rPr>
+              <a:t>フレーム間には</a:t>
+            </a:r>
+            <a:r>
+              <a:rPr kumimoji="1" lang="en-GB" altLang="ja-JP" sz="2400" dirty="0">
+                <a:latin typeface="BIZ UDPGothic" panose="020B0400000000000000" pitchFamily="34" charset="-128"/>
+                <a:ea typeface="BIZ UDPGothic" panose="020B0400000000000000" pitchFamily="34" charset="-128"/>
+              </a:rPr>
+              <a:t>IFS(Inter Frame Space)</a:t>
+            </a:r>
+            <a:r>
+              <a:rPr kumimoji="1" lang="ja-JP" altLang="en-US" sz="2400" dirty="0">
+                <a:latin typeface="BIZ UDPGothic" panose="020B0400000000000000" pitchFamily="34" charset="-128"/>
+                <a:ea typeface="BIZ UDPGothic" panose="020B0400000000000000" pitchFamily="34" charset="-128"/>
+              </a:rPr>
+              <a:t>と呼ばれる待機時間が設定されている</a:t>
+            </a:r>
+            <a:r>
+              <a:rPr kumimoji="1" lang="en-GB" altLang="ja-JP" sz="2400" dirty="0">
+                <a:latin typeface="BIZ UDPGothic" panose="020B0400000000000000" pitchFamily="34" charset="-128"/>
+                <a:ea typeface="BIZ UDPGothic" panose="020B0400000000000000" pitchFamily="34" charset="-128"/>
+              </a:rPr>
+              <a:t>.</a:t>
+            </a:r>
+          </a:p>
+          <a:p>
+            <a:pPr marL="285750" indent="-285750">
+              <a:buFont typeface="Arial" panose="020B0604020202020204" pitchFamily="34" charset="0"/>
+              <a:buChar char="•"/>
+            </a:pPr>
+            <a:endParaRPr kumimoji="1" lang="en-GB" altLang="ja-JP" sz="1400" dirty="0">
+              <a:latin typeface="BIZ UDPGothic" panose="020B0400000000000000" pitchFamily="34" charset="-128"/>
+              <a:ea typeface="BIZ UDPGothic" panose="020B0400000000000000" pitchFamily="34" charset="-128"/>
+            </a:endParaRPr>
+          </a:p>
+          <a:p>
+            <a:pPr marL="285750" indent="-285750">
+              <a:buFont typeface="Arial" panose="020B0604020202020204" pitchFamily="34" charset="0"/>
+              <a:buChar char="•"/>
+            </a:pPr>
+            <a:r>
+              <a:rPr lang="en-GB" altLang="ja-JP" sz="2400" dirty="0">
+                <a:latin typeface="BIZ UDPGothic" panose="020B0400000000000000" pitchFamily="34" charset="-128"/>
+                <a:ea typeface="BIZ UDPGothic" panose="020B0400000000000000" pitchFamily="34" charset="-128"/>
+              </a:rPr>
+              <a:t>6</a:t>
+            </a:r>
+            <a:r>
+              <a:rPr lang="ja-JP" altLang="en-US" sz="2400" dirty="0">
+                <a:latin typeface="BIZ UDPGothic" panose="020B0400000000000000" pitchFamily="34" charset="-128"/>
+                <a:ea typeface="BIZ UDPGothic" panose="020B0400000000000000" pitchFamily="34" charset="-128"/>
+              </a:rPr>
+              <a:t>種類あり</a:t>
+            </a:r>
+            <a:r>
+              <a:rPr lang="en-GB" altLang="ja-JP" sz="2400" dirty="0">
+                <a:latin typeface="BIZ UDPGothic" panose="020B0400000000000000" pitchFamily="34" charset="-128"/>
+                <a:ea typeface="BIZ UDPGothic" panose="020B0400000000000000" pitchFamily="34" charset="-128"/>
+              </a:rPr>
+              <a:t>,</a:t>
+            </a:r>
+            <a:r>
+              <a:rPr lang="ja-JP" altLang="en-US" sz="2400" dirty="0">
+                <a:latin typeface="BIZ UDPGothic" panose="020B0400000000000000" pitchFamily="34" charset="-128"/>
+                <a:ea typeface="BIZ UDPGothic" panose="020B0400000000000000" pitchFamily="34" charset="-128"/>
+              </a:rPr>
+              <a:t>代表的なものに</a:t>
+            </a:r>
+            <a:r>
+              <a:rPr lang="en-GB" altLang="ja-JP" sz="2400" dirty="0">
+                <a:latin typeface="BIZ UDPGothic" panose="020B0400000000000000" pitchFamily="34" charset="-128"/>
+                <a:ea typeface="BIZ UDPGothic" panose="020B0400000000000000" pitchFamily="34" charset="-128"/>
+              </a:rPr>
+              <a:t>DIFS(Distributed Inter Frame Space)</a:t>
+            </a:r>
+            <a:r>
+              <a:rPr lang="ja-JP" altLang="en-US" sz="2400" dirty="0">
+                <a:latin typeface="BIZ UDPGothic" panose="020B0400000000000000" pitchFamily="34" charset="-128"/>
+                <a:ea typeface="BIZ UDPGothic" panose="020B0400000000000000" pitchFamily="34" charset="-128"/>
+              </a:rPr>
+              <a:t>と</a:t>
+            </a:r>
+            <a:r>
+              <a:rPr lang="en-GB" altLang="ja-JP" sz="2400" dirty="0">
+                <a:latin typeface="BIZ UDPGothic" panose="020B0400000000000000" pitchFamily="34" charset="-128"/>
+                <a:ea typeface="BIZ UDPGothic" panose="020B0400000000000000" pitchFamily="34" charset="-128"/>
+              </a:rPr>
+              <a:t>SIFS(Short Inter Frame Space)</a:t>
+            </a:r>
+            <a:r>
+              <a:rPr lang="ja-JP" altLang="en-US" sz="2400" dirty="0">
+                <a:latin typeface="BIZ UDPGothic" panose="020B0400000000000000" pitchFamily="34" charset="-128"/>
+                <a:ea typeface="BIZ UDPGothic" panose="020B0400000000000000" pitchFamily="34" charset="-128"/>
+              </a:rPr>
+              <a:t>がある</a:t>
+            </a:r>
+            <a:endParaRPr lang="en-GB" altLang="ja-JP" sz="2400" dirty="0">
+              <a:latin typeface="BIZ UDPGothic" panose="020B0400000000000000" pitchFamily="34" charset="-128"/>
+              <a:ea typeface="BIZ UDPGothic" panose="020B0400000000000000" pitchFamily="34" charset="-128"/>
+            </a:endParaRPr>
+          </a:p>
+          <a:p>
+            <a:pPr marL="285750" indent="-285750">
+              <a:buFont typeface="Arial" panose="020B0604020202020204" pitchFamily="34" charset="0"/>
+              <a:buChar char="•"/>
+            </a:pPr>
+            <a:endParaRPr lang="en-GB" altLang="ja-JP" sz="1400" dirty="0">
+              <a:latin typeface="BIZ UDPGothic" panose="020B0400000000000000" pitchFamily="34" charset="-128"/>
+              <a:ea typeface="BIZ UDPGothic" panose="020B0400000000000000" pitchFamily="34" charset="-128"/>
+            </a:endParaRPr>
+          </a:p>
+          <a:p>
+            <a:pPr marL="285750" indent="-285750">
+              <a:buFont typeface="Arial" panose="020B0604020202020204" pitchFamily="34" charset="0"/>
+              <a:buChar char="•"/>
+            </a:pPr>
+            <a:r>
+              <a:rPr lang="en-GB" altLang="ja-JP" sz="2400" dirty="0">
+                <a:latin typeface="BIZ UDPGothic" panose="020B0400000000000000" pitchFamily="34" charset="-128"/>
+                <a:ea typeface="BIZ UDPGothic" panose="020B0400000000000000" pitchFamily="34" charset="-128"/>
+              </a:rPr>
+              <a:t>DIFS(34</a:t>
+            </a:r>
+            <a:r>
+              <a:rPr lang="en-US" altLang="ja-JP" sz="2400" dirty="0" err="1">
+                <a:latin typeface="BIZ UDPGothic" panose="020B0400000000000000" pitchFamily="34" charset="-128"/>
+                <a:ea typeface="BIZ UDPGothic" panose="020B0400000000000000" pitchFamily="34" charset="-128"/>
+              </a:rPr>
+              <a:t>μs</a:t>
+            </a:r>
+            <a:r>
+              <a:rPr lang="en-GB" altLang="ja-JP" sz="2400" dirty="0">
+                <a:latin typeface="BIZ UDPGothic" panose="020B0400000000000000" pitchFamily="34" charset="-128"/>
+                <a:ea typeface="BIZ UDPGothic" panose="020B0400000000000000" pitchFamily="34" charset="-128"/>
+              </a:rPr>
+              <a:t>)</a:t>
+            </a:r>
+            <a:r>
+              <a:rPr lang="ja-JP" altLang="en-US" sz="2400" dirty="0">
+                <a:latin typeface="BIZ UDPGothic" panose="020B0400000000000000" pitchFamily="34" charset="-128"/>
+                <a:ea typeface="BIZ UDPGothic" panose="020B0400000000000000" pitchFamily="34" charset="-128"/>
+              </a:rPr>
+              <a:t> </a:t>
+            </a:r>
+            <a:r>
+              <a:rPr lang="en-GB" altLang="ja-JP" sz="2400" dirty="0">
+                <a:latin typeface="BIZ UDPGothic" panose="020B0400000000000000" pitchFamily="34" charset="-128"/>
+                <a:ea typeface="BIZ UDPGothic" panose="020B0400000000000000" pitchFamily="34" charset="-128"/>
+              </a:rPr>
+              <a:t>:</a:t>
+            </a:r>
+            <a:r>
+              <a:rPr lang="ja-JP" altLang="en-US" sz="2400" dirty="0">
+                <a:latin typeface="BIZ UDPGothic" panose="020B0400000000000000" pitchFamily="34" charset="-128"/>
+                <a:ea typeface="BIZ UDPGothic" panose="020B0400000000000000" pitchFamily="34" charset="-128"/>
+              </a:rPr>
+              <a:t> データフレーム送信前に適用される</a:t>
+            </a:r>
+            <a:endParaRPr lang="en-GB" altLang="ja-JP" sz="2400" dirty="0">
+              <a:latin typeface="BIZ UDPGothic" panose="020B0400000000000000" pitchFamily="34" charset="-128"/>
+              <a:ea typeface="BIZ UDPGothic" panose="020B0400000000000000" pitchFamily="34" charset="-128"/>
+            </a:endParaRPr>
+          </a:p>
+          <a:p>
+            <a:pPr marL="285750" indent="-285750">
+              <a:buFont typeface="Arial" panose="020B0604020202020204" pitchFamily="34" charset="0"/>
+              <a:buChar char="•"/>
+            </a:pPr>
+            <a:endParaRPr lang="en-US" altLang="ja-JP" sz="1400" dirty="0">
+              <a:latin typeface="BIZ UDPGothic" panose="020B0400000000000000" pitchFamily="34" charset="-128"/>
+              <a:ea typeface="BIZ UDPGothic" panose="020B0400000000000000" pitchFamily="34" charset="-128"/>
+            </a:endParaRPr>
+          </a:p>
+          <a:p>
+            <a:pPr marL="285750" indent="-285750">
+              <a:buFont typeface="Arial" panose="020B0604020202020204" pitchFamily="34" charset="0"/>
+              <a:buChar char="•"/>
+            </a:pPr>
+            <a:r>
+              <a:rPr lang="en-US" altLang="ja-JP" sz="2400" dirty="0">
+                <a:latin typeface="BIZ UDPGothic" panose="020B0400000000000000" pitchFamily="34" charset="-128"/>
+                <a:ea typeface="BIZ UDPGothic" panose="020B0400000000000000" pitchFamily="34" charset="-128"/>
+              </a:rPr>
+              <a:t>SIFS(</a:t>
+            </a:r>
+            <a:r>
+              <a:rPr lang="en-GB" altLang="ja-JP" sz="2400" dirty="0">
+                <a:latin typeface="BIZ UDPGothic" panose="020B0400000000000000" pitchFamily="34" charset="-128"/>
+                <a:ea typeface="BIZ UDPGothic" panose="020B0400000000000000" pitchFamily="34" charset="-128"/>
+              </a:rPr>
+              <a:t>16</a:t>
+            </a:r>
+            <a:r>
+              <a:rPr lang="en-US" altLang="ja-JP" sz="2400" dirty="0" err="1">
+                <a:latin typeface="BIZ UDPGothic" panose="020B0400000000000000" pitchFamily="34" charset="-128"/>
+                <a:ea typeface="BIZ UDPGothic" panose="020B0400000000000000" pitchFamily="34" charset="-128"/>
+              </a:rPr>
+              <a:t>μs</a:t>
+            </a:r>
+            <a:r>
+              <a:rPr lang="en-US" altLang="ja-JP" sz="2400" dirty="0">
+                <a:latin typeface="BIZ UDPGothic" panose="020B0400000000000000" pitchFamily="34" charset="-128"/>
+                <a:ea typeface="BIZ UDPGothic" panose="020B0400000000000000" pitchFamily="34" charset="-128"/>
+              </a:rPr>
+              <a:t>)</a:t>
+            </a:r>
+            <a:r>
+              <a:rPr lang="ja-JP" altLang="en-US" sz="2400" dirty="0">
+                <a:latin typeface="BIZ UDPGothic" panose="020B0400000000000000" pitchFamily="34" charset="-128"/>
+                <a:ea typeface="BIZ UDPGothic" panose="020B0400000000000000" pitchFamily="34" charset="-128"/>
+              </a:rPr>
+              <a:t> </a:t>
+            </a:r>
+            <a:r>
+              <a:rPr lang="en-GB" altLang="ja-JP" sz="2400" dirty="0">
+                <a:latin typeface="BIZ UDPGothic" panose="020B0400000000000000" pitchFamily="34" charset="-128"/>
+                <a:ea typeface="BIZ UDPGothic" panose="020B0400000000000000" pitchFamily="34" charset="-128"/>
+              </a:rPr>
+              <a:t>:</a:t>
+            </a:r>
+            <a:r>
+              <a:rPr lang="ja-JP" altLang="en-US" sz="2400" dirty="0">
+                <a:latin typeface="BIZ UDPGothic" panose="020B0400000000000000" pitchFamily="34" charset="-128"/>
+                <a:ea typeface="BIZ UDPGothic" panose="020B0400000000000000" pitchFamily="34" charset="-128"/>
+              </a:rPr>
+              <a:t> </a:t>
+            </a:r>
+            <a:r>
+              <a:rPr lang="en-GB" altLang="ja-JP" sz="2400" dirty="0">
+                <a:latin typeface="BIZ UDPGothic" panose="020B0400000000000000" pitchFamily="34" charset="-128"/>
+                <a:ea typeface="BIZ UDPGothic" panose="020B0400000000000000" pitchFamily="34" charset="-128"/>
+              </a:rPr>
+              <a:t>ACK</a:t>
+            </a:r>
+            <a:r>
+              <a:rPr lang="ja-JP" altLang="en-US" sz="2400" dirty="0">
+                <a:latin typeface="BIZ UDPGothic" panose="020B0400000000000000" pitchFamily="34" charset="-128"/>
+                <a:ea typeface="BIZ UDPGothic" panose="020B0400000000000000" pitchFamily="34" charset="-128"/>
+              </a:rPr>
+              <a:t>フレームなどの優先順位が高い制御フレームに適用される</a:t>
+            </a:r>
+            <a:endParaRPr lang="en-GB" altLang="ja-JP" sz="2400" dirty="0">
+              <a:latin typeface="BIZ UDPGothic" panose="020B0400000000000000" pitchFamily="34" charset="-128"/>
+              <a:ea typeface="BIZ UDPGothic" panose="020B0400000000000000" pitchFamily="34" charset="-128"/>
+            </a:endParaRPr>
+          </a:p>
+          <a:p>
+            <a:pPr marL="285750" indent="-285750">
+              <a:buFont typeface="Arial" panose="020B0604020202020204" pitchFamily="34" charset="0"/>
+              <a:buChar char="•"/>
+            </a:pPr>
+            <a:endParaRPr lang="en-GB" altLang="ja-JP" sz="2400" dirty="0">
+              <a:latin typeface="BIZ UDPGothic" panose="020B0400000000000000" pitchFamily="34" charset="-128"/>
+              <a:ea typeface="BIZ UDPGothic" panose="020B0400000000000000" pitchFamily="34" charset="-128"/>
+            </a:endParaRPr>
           </a:p>
         </p:txBody>
       </p:sp>
@@ -7239,31 +9837,41 @@
           <a:chExt cx="0" cy="0"/>
         </a:xfrm>
       </p:grpSpPr>
-      <p:sp>
-        <p:nvSpPr>
-          <p:cNvPr id="2" name="コンテンツ プレースホルダー 1">
+      <p:pic>
+        <p:nvPicPr>
+          <p:cNvPr id="6" name="Content Placeholder 5" descr="A close-up of a piece of paper&#10;&#10;AI-generated content may be incorrect.">
             <a:extLst>
               <a:ext uri="{FF2B5EF4-FFF2-40B4-BE49-F238E27FC236}">
-                <a16:creationId xmlns:a16="http://schemas.microsoft.com/office/drawing/2014/main" id="{F40F9C34-45BE-ED18-17F3-1A3E96C2A37C}"/>
+                <a16:creationId xmlns:a16="http://schemas.microsoft.com/office/drawing/2014/main" id="{F613799B-B4AC-FA06-B484-D0513BB8136F}"/>
               </a:ext>
             </a:extLst>
           </p:cNvPr>
-          <p:cNvSpPr>
-            <a:spLocks noGrp="1"/>
-          </p:cNvSpPr>
+          <p:cNvPicPr>
+            <a:picLocks noGrp="1" noChangeAspect="1"/>
+          </p:cNvPicPr>
           <p:nvPr>
             <p:ph idx="1"/>
           </p:nvPr>
-        </p:nvSpPr>
-        <p:spPr/>
-        <p:txBody>
-          <a:bodyPr/>
-          <a:lstStyle/>
-          <a:p>
-            <a:endParaRPr kumimoji="1" lang="ja-JP" altLang="en-US" dirty="0"/>
-          </a:p>
-        </p:txBody>
-      </p:sp>
+        </p:nvPicPr>
+        <p:blipFill>
+          <a:blip r:embed="rId2" cstate="print">
+            <a:extLst>
+              <a:ext uri="{28A0092B-C50C-407E-A947-70E740481C1C}">
+                <a14:useLocalDpi xmlns:a14="http://schemas.microsoft.com/office/drawing/2010/main" val="0"/>
+              </a:ext>
+            </a:extLst>
+          </a:blip>
+          <a:stretch>
+            <a:fillRect/>
+          </a:stretch>
+        </p:blipFill>
+        <p:spPr>
+          <a:xfrm>
+            <a:off x="431800" y="4797152"/>
+            <a:ext cx="8280400" cy="1695699"/>
+          </a:xfrm>
+        </p:spPr>
+      </p:pic>
       <p:sp>
         <p:nvSpPr>
           <p:cNvPr id="3" name="タイトル 2">
@@ -7592,6 +10200,26 @@
 </file>
 
 <file path=ppt/tags/tag1.xml><?xml version="1.0" encoding="utf-8"?>
+<p:tagLst xmlns:a="http://schemas.openxmlformats.org/drawingml/2006/main" xmlns:r="http://schemas.openxmlformats.org/officeDocument/2006/relationships" xmlns:p="http://schemas.openxmlformats.org/presentationml/2006/main">
+  <p:tag name="OUTPUTDPI" val="1200"/>
+  <p:tag name="ORIGINALHEIGHT" val="442.5617"/>
+  <p:tag name="ORIGINALWIDTH" val="1718.49"/>
+  <p:tag name="OUTPUTTYPE" val="PNG"/>
+  <p:tag name="IGUANATEXVERSION" val="161"/>
+  <p:tag name="LATEXADDIN" val="\documentclass{article}&#10;\usepackage{amsmath}&#10;\usepackage{fontspec} % フォント設定用&#10;\pagestyle{empty}&#10;&#10;% フォント設定&#10;\newfontfamily\TitleJFont{BIZ UDPGothic}[BoldFont=BIZ UDPGothicBold]&#10;\newfontfamily\SectionJFont{BIZ UDPGothic}[BoldFont=BIZ UDPGothicBold]&#10;&#10;\begin{document}&#10;&#10;\begin{align*}&#10;  \mathrm{CW}_{\max} &amp;= 2^{4 + n} - 1&#10;\end{align*}&#10;&#10;\vspace{-2em}&#10;&#10;\begin{align*}&#10;  s &amp;= \mathrm{randint}(0, \, \min(c_{\max}, \, 1023))&#10;  \label{slot}&#10;\end{align*}&#10;&#10;\end{document}&#10;"/>
+  <p:tag name="IGUANATEXSIZE" val="20"/>
+  <p:tag name="IGUANATEXCURSOR" val="442"/>
+  <p:tag name="TRANSPARENCY" val="True"/>
+  <p:tag name="LATEXENGINEID" val="3"/>
+  <p:tag name="TEMPFOLDER" val="C:\temp\"/>
+  <p:tag name="LATEXFORMHEIGHT" val="320"/>
+  <p:tag name="LATEXFORMWIDTH" val="385"/>
+  <p:tag name="LATEXFORMWRAP" val="True"/>
+  <p:tag name="BITMAPVECTOR" val="0"/>
+</p:tagLst>
+</file>
+
+<file path=ppt/tags/tag2.xml><?xml version="1.0" encoding="utf-8"?>
 <p:tagLst xmlns:a="http://schemas.openxmlformats.org/drawingml/2006/main" xmlns:r="http://schemas.openxmlformats.org/officeDocument/2006/relationships" xmlns:p="http://schemas.openxmlformats.org/presentationml/2006/main">
   <p:tag name="OUTPUTDPI" val="1200"/>
   <p:tag name="ORIGINALHEIGHT" val="372.2218"/>

--- a/paper/pwp_tmp_shiralab.pptx
+++ b/paper/pwp_tmp_shiralab.pptx
@@ -5,24 +5,27 @@
     <p:sldMasterId id="2147483660" r:id="rId1"/>
   </p:sldMasterIdLst>
   <p:notesMasterIdLst>
-    <p:notesMasterId r:id="rId17"/>
+    <p:notesMasterId r:id="rId20"/>
   </p:notesMasterIdLst>
   <p:sldIdLst>
     <p:sldId id="256" r:id="rId2"/>
-    <p:sldId id="259" r:id="rId3"/>
+    <p:sldId id="276" r:id="rId3"/>
     <p:sldId id="257" r:id="rId4"/>
     <p:sldId id="273" r:id="rId5"/>
     <p:sldId id="274" r:id="rId6"/>
-    <p:sldId id="270" r:id="rId7"/>
+    <p:sldId id="277" r:id="rId7"/>
     <p:sldId id="271" r:id="rId8"/>
     <p:sldId id="272" r:id="rId9"/>
     <p:sldId id="265" r:id="rId10"/>
-    <p:sldId id="260" r:id="rId11"/>
-    <p:sldId id="261" r:id="rId12"/>
-    <p:sldId id="262" r:id="rId13"/>
-    <p:sldId id="275" r:id="rId14"/>
-    <p:sldId id="268" r:id="rId15"/>
-    <p:sldId id="267" r:id="rId16"/>
+    <p:sldId id="268" r:id="rId11"/>
+    <p:sldId id="278" r:id="rId12"/>
+    <p:sldId id="280" r:id="rId13"/>
+    <p:sldId id="260" r:id="rId14"/>
+    <p:sldId id="262" r:id="rId15"/>
+    <p:sldId id="275" r:id="rId16"/>
+    <p:sldId id="279" r:id="rId17"/>
+    <p:sldId id="267" r:id="rId18"/>
+    <p:sldId id="259" r:id="rId19"/>
   </p:sldIdLst>
   <p:sldSz cx="9144000" cy="6858000" type="screen4x3"/>
   <p:notesSz cx="6858000" cy="9144000"/>
@@ -222,7 +225,7 @@
           <a:p>
             <a:fld id="{2BFE9D47-A5E2-4416-924B-D108B50498DE}" type="datetimeFigureOut">
               <a:rPr kumimoji="1" lang="ja-JP" altLang="en-US" smtClean="0"/>
-              <a:t>2025/2/25</a:t>
+              <a:t>2025/2/27</a:t>
             </a:fld>
             <a:endParaRPr kumimoji="1" lang="ja-JP" altLang="en-US"/>
           </a:p>
@@ -605,6 +608,345 @@
 </p:notes>
 </file>
 
+<file path=ppt/notesSlides/notesSlide10.xml><?xml version="1.0" encoding="utf-8"?>
+<p:notes xmlns:a="http://schemas.openxmlformats.org/drawingml/2006/main" xmlns:r="http://schemas.openxmlformats.org/officeDocument/2006/relationships" xmlns:p="http://schemas.openxmlformats.org/presentationml/2006/main">
+  <p:cSld>
+    <p:spTree>
+      <p:nvGrpSpPr>
+        <p:cNvPr id="1" name="">
+          <a:extLst>
+            <a:ext uri="{FF2B5EF4-FFF2-40B4-BE49-F238E27FC236}">
+              <a16:creationId xmlns:a16="http://schemas.microsoft.com/office/drawing/2014/main" id="{18269874-7FC2-AECC-7DE6-34F700ABB5A8}"/>
+            </a:ext>
+          </a:extLst>
+        </p:cNvPr>
+        <p:cNvGrpSpPr/>
+        <p:nvPr/>
+      </p:nvGrpSpPr>
+      <p:grpSpPr>
+        <a:xfrm>
+          <a:off x="0" y="0"/>
+          <a:ext cx="0" cy="0"/>
+          <a:chOff x="0" y="0"/>
+          <a:chExt cx="0" cy="0"/>
+        </a:xfrm>
+      </p:grpSpPr>
+      <p:sp>
+        <p:nvSpPr>
+          <p:cNvPr id="2" name="スライド イメージ プレースホルダー 1">
+            <a:extLst>
+              <a:ext uri="{FF2B5EF4-FFF2-40B4-BE49-F238E27FC236}">
+                <a16:creationId xmlns:a16="http://schemas.microsoft.com/office/drawing/2014/main" id="{D947BBB9-E3B7-C1EE-8DDA-7321F3668A11}"/>
+              </a:ext>
+            </a:extLst>
+          </p:cNvPr>
+          <p:cNvSpPr>
+            <a:spLocks noGrp="1" noRot="1" noChangeAspect="1"/>
+          </p:cNvSpPr>
+          <p:nvPr>
+            <p:ph type="sldImg"/>
+          </p:nvPr>
+        </p:nvSpPr>
+        <p:spPr/>
+      </p:sp>
+      <p:sp>
+        <p:nvSpPr>
+          <p:cNvPr id="3" name="ノート プレースホルダー 2">
+            <a:extLst>
+              <a:ext uri="{FF2B5EF4-FFF2-40B4-BE49-F238E27FC236}">
+                <a16:creationId xmlns:a16="http://schemas.microsoft.com/office/drawing/2014/main" id="{91A455D1-EE73-37B4-BBD8-B437DD5C61B9}"/>
+              </a:ext>
+            </a:extLst>
+          </p:cNvPr>
+          <p:cNvSpPr>
+            <a:spLocks noGrp="1"/>
+          </p:cNvSpPr>
+          <p:nvPr>
+            <p:ph type="body" idx="1"/>
+          </p:nvPr>
+        </p:nvSpPr>
+        <p:spPr/>
+        <p:txBody>
+          <a:bodyPr/>
+          <a:lstStyle/>
+          <a:p>
+            <a:endParaRPr kumimoji="1" lang="ja-JP" altLang="en-US" dirty="0"/>
+          </a:p>
+        </p:txBody>
+      </p:sp>
+      <p:sp>
+        <p:nvSpPr>
+          <p:cNvPr id="4" name="スライド番号プレースホルダー 3">
+            <a:extLst>
+              <a:ext uri="{FF2B5EF4-FFF2-40B4-BE49-F238E27FC236}">
+                <a16:creationId xmlns:a16="http://schemas.microsoft.com/office/drawing/2014/main" id="{65276B6C-DC94-2286-242C-1F3FD3B763FA}"/>
+              </a:ext>
+            </a:extLst>
+          </p:cNvPr>
+          <p:cNvSpPr>
+            <a:spLocks noGrp="1"/>
+          </p:cNvSpPr>
+          <p:nvPr>
+            <p:ph type="sldNum" sz="quarter" idx="5"/>
+          </p:nvPr>
+        </p:nvSpPr>
+        <p:spPr/>
+        <p:txBody>
+          <a:bodyPr/>
+          <a:lstStyle/>
+          <a:p>
+            <a:fld id="{D6349F50-0211-4302-8A79-63D7B7674E84}" type="slidenum">
+              <a:rPr kumimoji="1" lang="ja-JP" altLang="en-US" smtClean="0"/>
+              <a:t>12</a:t>
+            </a:fld>
+            <a:endParaRPr kumimoji="1" lang="ja-JP" altLang="en-US"/>
+          </a:p>
+        </p:txBody>
+      </p:sp>
+    </p:spTree>
+    <p:extLst>
+      <p:ext uri="{BB962C8B-B14F-4D97-AF65-F5344CB8AC3E}">
+        <p14:creationId xmlns:p14="http://schemas.microsoft.com/office/powerpoint/2010/main" val="1478322880"/>
+      </p:ext>
+    </p:extLst>
+  </p:cSld>
+  <p:clrMapOvr>
+    <a:masterClrMapping/>
+  </p:clrMapOvr>
+</p:notes>
+</file>
+
+<file path=ppt/notesSlides/notesSlide11.xml><?xml version="1.0" encoding="utf-8"?>
+<p:notes xmlns:a="http://schemas.openxmlformats.org/drawingml/2006/main" xmlns:r="http://schemas.openxmlformats.org/officeDocument/2006/relationships" xmlns:p="http://schemas.openxmlformats.org/presentationml/2006/main">
+  <p:cSld>
+    <p:spTree>
+      <p:nvGrpSpPr>
+        <p:cNvPr id="1" name=""/>
+        <p:cNvGrpSpPr/>
+        <p:nvPr/>
+      </p:nvGrpSpPr>
+      <p:grpSpPr>
+        <a:xfrm>
+          <a:off x="0" y="0"/>
+          <a:ext cx="0" cy="0"/>
+          <a:chOff x="0" y="0"/>
+          <a:chExt cx="0" cy="0"/>
+        </a:xfrm>
+      </p:grpSpPr>
+      <p:sp>
+        <p:nvSpPr>
+          <p:cNvPr id="2" name="スライド イメージ プレースホルダー 1"/>
+          <p:cNvSpPr>
+            <a:spLocks noGrp="1" noRot="1" noChangeAspect="1"/>
+          </p:cNvSpPr>
+          <p:nvPr>
+            <p:ph type="sldImg"/>
+          </p:nvPr>
+        </p:nvSpPr>
+        <p:spPr/>
+      </p:sp>
+      <p:sp>
+        <p:nvSpPr>
+          <p:cNvPr id="3" name="ノート プレースホルダー 2"/>
+          <p:cNvSpPr>
+            <a:spLocks noGrp="1"/>
+          </p:cNvSpPr>
+          <p:nvPr>
+            <p:ph type="body" idx="1"/>
+          </p:nvPr>
+        </p:nvSpPr>
+        <p:spPr/>
+        <p:txBody>
+          <a:bodyPr/>
+          <a:lstStyle/>
+          <a:p>
+            <a:r>
+              <a:rPr kumimoji="1" lang="en-US" altLang="ja-JP" dirty="0"/>
+              <a:t>11a</a:t>
+            </a:r>
+            <a:r>
+              <a:rPr kumimoji="1" lang="ja-JP" altLang="en-US" dirty="0"/>
+              <a:t>規格、</a:t>
+            </a:r>
+            <a:r>
+              <a:rPr kumimoji="1" lang="en-US" altLang="ja-JP" dirty="0"/>
+              <a:t>1</a:t>
+            </a:r>
+            <a:r>
+              <a:rPr kumimoji="1" lang="ja-JP" altLang="en-US" dirty="0"/>
+              <a:t>～</a:t>
+            </a:r>
+            <a:r>
+              <a:rPr kumimoji="1" lang="en-US" altLang="ja-JP" dirty="0"/>
+              <a:t>80</a:t>
+            </a:r>
+            <a:r>
+              <a:rPr kumimoji="1" lang="ja-JP" altLang="en-US" dirty="0"/>
+              <a:t>台で</a:t>
+            </a:r>
+            <a:r>
+              <a:rPr kumimoji="1" lang="en-US" altLang="ja-JP" dirty="0"/>
+              <a:t>24Mbps</a:t>
+            </a:r>
+            <a:r>
+              <a:rPr kumimoji="1" lang="ja-JP" altLang="en-US" dirty="0"/>
+              <a:t>固定、試行回数は</a:t>
+            </a:r>
+            <a:r>
+              <a:rPr kumimoji="1" lang="en-US" altLang="ja-JP" dirty="0"/>
+              <a:t>1000</a:t>
+            </a:r>
+            <a:r>
+              <a:rPr kumimoji="1" lang="ja-JP" altLang="en-US" dirty="0"/>
+              <a:t>回</a:t>
+            </a:r>
+            <a:endParaRPr kumimoji="1" lang="en-US" altLang="ja-JP" dirty="0"/>
+          </a:p>
+          <a:p>
+            <a:endParaRPr kumimoji="1" lang="en-US" altLang="ja-JP" dirty="0"/>
+          </a:p>
+          <a:p>
+            <a:r>
+              <a:rPr kumimoji="1" lang="ja-JP" altLang="en-US" dirty="0"/>
+              <a:t>今回シミュレーションで求めた値とマルコフ連鎖モデルでシミュレーションした理論値と比較した</a:t>
+            </a:r>
+            <a:endParaRPr kumimoji="1" lang="en-US" altLang="ja-JP" dirty="0"/>
+          </a:p>
+          <a:p>
+            <a:endParaRPr kumimoji="1" lang="en-US" altLang="ja-JP" dirty="0"/>
+          </a:p>
+          <a:p>
+            <a:r>
+              <a:rPr kumimoji="1" lang="ja-JP" altLang="en-US" dirty="0"/>
+              <a:t>実際には文献よりもより現実的なパラメータで近似している</a:t>
+            </a:r>
+          </a:p>
+        </p:txBody>
+      </p:sp>
+      <p:sp>
+        <p:nvSpPr>
+          <p:cNvPr id="4" name="スライド番号プレースホルダー 3"/>
+          <p:cNvSpPr>
+            <a:spLocks noGrp="1"/>
+          </p:cNvSpPr>
+          <p:nvPr>
+            <p:ph type="sldNum" sz="quarter" idx="5"/>
+          </p:nvPr>
+        </p:nvSpPr>
+        <p:spPr/>
+        <p:txBody>
+          <a:bodyPr/>
+          <a:lstStyle/>
+          <a:p>
+            <a:fld id="{D6349F50-0211-4302-8A79-63D7B7674E84}" type="slidenum">
+              <a:rPr kumimoji="1" lang="ja-JP" altLang="en-US" smtClean="0"/>
+              <a:t>13</a:t>
+            </a:fld>
+            <a:endParaRPr kumimoji="1" lang="ja-JP" altLang="en-US"/>
+          </a:p>
+        </p:txBody>
+      </p:sp>
+    </p:spTree>
+    <p:extLst>
+      <p:ext uri="{BB962C8B-B14F-4D97-AF65-F5344CB8AC3E}">
+        <p14:creationId xmlns:p14="http://schemas.microsoft.com/office/powerpoint/2010/main" val="3090377162"/>
+      </p:ext>
+    </p:extLst>
+  </p:cSld>
+  <p:clrMapOvr>
+    <a:masterClrMapping/>
+  </p:clrMapOvr>
+</p:notes>
+</file>
+
+<file path=ppt/notesSlides/notesSlide12.xml><?xml version="1.0" encoding="utf-8"?>
+<p:notes xmlns:a="http://schemas.openxmlformats.org/drawingml/2006/main" xmlns:r="http://schemas.openxmlformats.org/officeDocument/2006/relationships" xmlns:p="http://schemas.openxmlformats.org/presentationml/2006/main">
+  <p:cSld>
+    <p:spTree>
+      <p:nvGrpSpPr>
+        <p:cNvPr id="1" name=""/>
+        <p:cNvGrpSpPr/>
+        <p:nvPr/>
+      </p:nvGrpSpPr>
+      <p:grpSpPr>
+        <a:xfrm>
+          <a:off x="0" y="0"/>
+          <a:ext cx="0" cy="0"/>
+          <a:chOff x="0" y="0"/>
+          <a:chExt cx="0" cy="0"/>
+        </a:xfrm>
+      </p:grpSpPr>
+      <p:sp>
+        <p:nvSpPr>
+          <p:cNvPr id="2" name="スライド イメージ プレースホルダー 1"/>
+          <p:cNvSpPr>
+            <a:spLocks noGrp="1" noRot="1" noChangeAspect="1"/>
+          </p:cNvSpPr>
+          <p:nvPr>
+            <p:ph type="sldImg"/>
+          </p:nvPr>
+        </p:nvSpPr>
+        <p:spPr/>
+      </p:sp>
+      <p:sp>
+        <p:nvSpPr>
+          <p:cNvPr id="3" name="ノート プレースホルダー 2"/>
+          <p:cNvSpPr>
+            <a:spLocks noGrp="1"/>
+          </p:cNvSpPr>
+          <p:nvPr>
+            <p:ph type="body" idx="1"/>
+          </p:nvPr>
+        </p:nvSpPr>
+        <p:spPr/>
+        <p:txBody>
+          <a:bodyPr/>
+          <a:lstStyle/>
+          <a:p>
+            <a:r>
+              <a:rPr kumimoji="1" lang="en-US" altLang="ja-JP" dirty="0"/>
+              <a:t>MCS Index </a:t>
+            </a:r>
+            <a:endParaRPr kumimoji="1" lang="ja-JP" altLang="en-US" dirty="0"/>
+          </a:p>
+        </p:txBody>
+      </p:sp>
+      <p:sp>
+        <p:nvSpPr>
+          <p:cNvPr id="4" name="スライド番号プレースホルダー 3"/>
+          <p:cNvSpPr>
+            <a:spLocks noGrp="1"/>
+          </p:cNvSpPr>
+          <p:nvPr>
+            <p:ph type="sldNum" sz="quarter" idx="5"/>
+          </p:nvPr>
+        </p:nvSpPr>
+        <p:spPr/>
+        <p:txBody>
+          <a:bodyPr/>
+          <a:lstStyle/>
+          <a:p>
+            <a:fld id="{D6349F50-0211-4302-8A79-63D7B7674E84}" type="slidenum">
+              <a:rPr kumimoji="1" lang="ja-JP" altLang="en-US" smtClean="0"/>
+              <a:t>14</a:t>
+            </a:fld>
+            <a:endParaRPr kumimoji="1" lang="ja-JP" altLang="en-US"/>
+          </a:p>
+        </p:txBody>
+      </p:sp>
+    </p:spTree>
+    <p:extLst>
+      <p:ext uri="{BB962C8B-B14F-4D97-AF65-F5344CB8AC3E}">
+        <p14:creationId xmlns:p14="http://schemas.microsoft.com/office/powerpoint/2010/main" val="2909012404"/>
+      </p:ext>
+    </p:extLst>
+  </p:cSld>
+  <p:clrMapOvr>
+    <a:masterClrMapping/>
+  </p:clrMapOvr>
+</p:notes>
+</file>
+
 <file path=ppt/notesSlides/notesSlide2.xml><?xml version="1.0" encoding="utf-8"?>
 <p:notes xmlns:a="http://schemas.openxmlformats.org/drawingml/2006/main" xmlns:r="http://schemas.openxmlformats.org/officeDocument/2006/relationships" xmlns:p="http://schemas.openxmlformats.org/presentationml/2006/main">
   <p:cSld>
@@ -624,7 +966,7 @@
       </p:grpSpPr>
       <p:sp>
         <p:nvSpPr>
-          <p:cNvPr id="2" name="Slide Image Placeholder 1"/>
+          <p:cNvPr id="2" name="スライド イメージ プレースホルダー 1"/>
           <p:cNvSpPr>
             <a:spLocks noGrp="1" noRot="1" noChangeAspect="1"/>
           </p:cNvSpPr>
@@ -636,7 +978,7 @@
       </p:sp>
       <p:sp>
         <p:nvSpPr>
-          <p:cNvPr id="3" name="Notes Placeholder 2"/>
+          <p:cNvPr id="3" name="ノート プレースホルダー 2"/>
           <p:cNvSpPr>
             <a:spLocks noGrp="1"/>
           </p:cNvSpPr>
@@ -649,13 +991,76 @@
           <a:bodyPr/>
           <a:lstStyle/>
           <a:p>
-            <a:endParaRPr lang="en-GB" dirty="0"/>
-          </a:p>
-        </p:txBody>
-      </p:sp>
-      <p:sp>
-        <p:nvSpPr>
-          <p:cNvPr id="4" name="Slide Number Placeholder 3"/>
+            <a:r>
+              <a:rPr kumimoji="1" lang="en-US" altLang="ja-JP" dirty="0"/>
+              <a:t>1Gbps</a:t>
+            </a:r>
+            <a:r>
+              <a:rPr kumimoji="1" lang="ja-JP" altLang="en-US" dirty="0"/>
+              <a:t>は物理層のみの評価</a:t>
+            </a:r>
+            <a:endParaRPr kumimoji="1" lang="en-US" altLang="ja-JP" dirty="0"/>
+          </a:p>
+          <a:p>
+            <a:r>
+              <a:rPr kumimoji="1" lang="en-US" altLang="ja-JP" dirty="0"/>
+              <a:t>24Mbps</a:t>
+            </a:r>
+            <a:r>
+              <a:rPr kumimoji="1" lang="ja-JP" altLang="en-US" dirty="0"/>
+              <a:t>は実際のスループット</a:t>
+            </a:r>
+            <a:endParaRPr kumimoji="1" lang="en-US" altLang="ja-JP" dirty="0"/>
+          </a:p>
+          <a:p>
+            <a:r>
+              <a:rPr kumimoji="1" lang="ja-JP" altLang="en-US" dirty="0"/>
+              <a:t>データリンク層</a:t>
+            </a:r>
+            <a:r>
+              <a:rPr kumimoji="1" lang="en-US" altLang="ja-JP" dirty="0"/>
+              <a:t>(MAC</a:t>
+            </a:r>
+            <a:r>
+              <a:rPr kumimoji="1" lang="ja-JP" altLang="en-US" dirty="0"/>
+              <a:t>層</a:t>
+            </a:r>
+            <a:r>
+              <a:rPr kumimoji="1" lang="en-US" altLang="ja-JP" dirty="0"/>
+              <a:t>)</a:t>
+            </a:r>
+          </a:p>
+          <a:p>
+            <a:r>
+              <a:rPr kumimoji="1" lang="ja-JP" altLang="en-US" dirty="0"/>
+              <a:t>通信効率</a:t>
+            </a:r>
+            <a:endParaRPr kumimoji="1" lang="en-US" altLang="ja-JP" dirty="0"/>
+          </a:p>
+          <a:p>
+            <a:endParaRPr kumimoji="1" lang="en-US" altLang="ja-JP" dirty="0"/>
+          </a:p>
+          <a:p>
+            <a:r>
+              <a:rPr kumimoji="1" lang="ja-JP" altLang="en-US" dirty="0"/>
+              <a:t>なので今回提案するようなクロスレイヤシミュレータが必要だと考えています</a:t>
+            </a:r>
+            <a:endParaRPr kumimoji="1" lang="en-US" altLang="ja-JP" dirty="0"/>
+          </a:p>
+          <a:p>
+            <a:endParaRPr kumimoji="1" lang="en-US" altLang="ja-JP" dirty="0"/>
+          </a:p>
+          <a:p>
+            <a:r>
+              <a:rPr kumimoji="1" lang="ja-JP" altLang="en-US" dirty="0"/>
+              <a:t>しかし、クロスレイヤシミュレータを作成するにあたって様々な問題があります</a:t>
+            </a:r>
+          </a:p>
+        </p:txBody>
+      </p:sp>
+      <p:sp>
+        <p:nvSpPr>
+          <p:cNvPr id="4" name="スライド番号プレースホルダー 3"/>
           <p:cNvSpPr>
             <a:spLocks noGrp="1"/>
           </p:cNvSpPr>
@@ -670,7 +1075,7 @@
           <a:p>
             <a:fld id="{D6349F50-0211-4302-8A79-63D7B7674E84}" type="slidenum">
               <a:rPr kumimoji="1" lang="ja-JP" altLang="en-US" smtClean="0"/>
-              <a:t>3</a:t>
+              <a:t>2</a:t>
             </a:fld>
             <a:endParaRPr kumimoji="1" lang="ja-JP" altLang="en-US"/>
           </a:p>
@@ -679,7 +1084,7 @@
     </p:spTree>
     <p:extLst>
       <p:ext uri="{BB962C8B-B14F-4D97-AF65-F5344CB8AC3E}">
-        <p14:creationId xmlns:p14="http://schemas.microsoft.com/office/powerpoint/2010/main" val="1662668158"/>
+        <p14:creationId xmlns:p14="http://schemas.microsoft.com/office/powerpoint/2010/main" val="3094033462"/>
       </p:ext>
     </p:extLst>
   </p:cSld>
@@ -733,7 +1138,139 @@
           <a:bodyPr/>
           <a:lstStyle/>
           <a:p>
-            <a:endParaRPr lang="en-GB"/>
+            <a:r>
+              <a:rPr lang="ja-JP" altLang="en-US" dirty="0"/>
+              <a:t>まずまずとして各レイヤに対して知識を持った上でそれを実装できるコーディングスキルが必要</a:t>
+            </a:r>
+            <a:endParaRPr lang="en-US" altLang="ja-JP" dirty="0"/>
+          </a:p>
+          <a:p>
+            <a:endParaRPr lang="en-US" altLang="ja-JP" dirty="0"/>
+          </a:p>
+          <a:p>
+            <a:r>
+              <a:rPr lang="ja-JP" altLang="en-US" dirty="0"/>
+              <a:t>全て実験で行おうとしたら相当高い実験装置を買わないといけない</a:t>
+            </a:r>
+            <a:endParaRPr lang="en-US" altLang="ja-JP" dirty="0"/>
+          </a:p>
+          <a:p>
+            <a:endParaRPr lang="en-US" altLang="ja-JP" dirty="0"/>
+          </a:p>
+          <a:p>
+            <a:r>
+              <a:rPr lang="ja-JP" altLang="en-US" dirty="0"/>
+              <a:t>両方も使うのも難しい</a:t>
+            </a:r>
+            <a:endParaRPr lang="en-US" altLang="ja-JP" dirty="0"/>
+          </a:p>
+          <a:p>
+            <a:pPr marL="0" indent="0">
+              <a:buFont typeface="Arial" panose="020B0604020202020204" pitchFamily="34" charset="0"/>
+              <a:buNone/>
+            </a:pPr>
+            <a:endParaRPr kumimoji="1" lang="en-US" altLang="ja-JP" sz="1200" dirty="0">
+              <a:latin typeface="+mn-lt"/>
+              <a:ea typeface="+mn-ea"/>
+            </a:endParaRPr>
+          </a:p>
+          <a:p>
+            <a:pPr marL="0" indent="0">
+              <a:buFont typeface="Arial" panose="020B0604020202020204" pitchFamily="34" charset="0"/>
+              <a:buNone/>
+            </a:pPr>
+            <a:r>
+              <a:rPr kumimoji="1" lang="ja-JP" altLang="en-US" sz="1200" dirty="0">
+                <a:latin typeface="+mn-lt"/>
+                <a:ea typeface="+mn-ea"/>
+              </a:rPr>
+              <a:t>今回は</a:t>
+            </a:r>
+            <a:endParaRPr kumimoji="1" lang="en-US" altLang="ja-JP" sz="1200" dirty="0">
+              <a:latin typeface="+mn-lt"/>
+              <a:ea typeface="+mn-ea"/>
+            </a:endParaRPr>
+          </a:p>
+          <a:p>
+            <a:pPr marL="0" indent="0">
+              <a:buFont typeface="Arial" panose="020B0604020202020204" pitchFamily="34" charset="0"/>
+              <a:buNone/>
+            </a:pPr>
+            <a:r>
+              <a:rPr kumimoji="1" lang="ja-JP" altLang="en-US" sz="1200" dirty="0">
+                <a:latin typeface="BIZ UDPゴシック" panose="020B0400000000000000" pitchFamily="50" charset="-128"/>
+                <a:ea typeface="BIZ UDPゴシック" panose="020B0400000000000000" pitchFamily="50" charset="-128"/>
+              </a:rPr>
+              <a:t>一般的に普及している</a:t>
+            </a:r>
+            <a:endParaRPr kumimoji="1" lang="en-US" altLang="ja-JP" sz="1200" dirty="0">
+              <a:latin typeface="BIZ UDPゴシック" panose="020B0400000000000000" pitchFamily="50" charset="-128"/>
+              <a:ea typeface="BIZ UDPゴシック" panose="020B0400000000000000" pitchFamily="50" charset="-128"/>
+            </a:endParaRPr>
+          </a:p>
+          <a:p>
+            <a:pPr marL="0" indent="0">
+              <a:buFont typeface="Arial" panose="020B0604020202020204" pitchFamily="34" charset="0"/>
+              <a:buNone/>
+            </a:pPr>
+            <a:r>
+              <a:rPr kumimoji="1" lang="ja-JP" altLang="en-US" sz="1200" dirty="0">
+                <a:latin typeface="BIZ UDPゴシック" panose="020B0400000000000000" pitchFamily="50" charset="-128"/>
+                <a:ea typeface="BIZ UDPゴシック" panose="020B0400000000000000" pitchFamily="50" charset="-128"/>
+              </a:rPr>
+              <a:t>ことから</a:t>
+            </a:r>
+            <a:endParaRPr kumimoji="1" lang="en-US" altLang="ja-JP" sz="1200" dirty="0">
+              <a:latin typeface="BIZ UDPゴシック" panose="020B0400000000000000" pitchFamily="50" charset="-128"/>
+              <a:ea typeface="BIZ UDPゴシック" panose="020B0400000000000000" pitchFamily="50" charset="-128"/>
+            </a:endParaRPr>
+          </a:p>
+          <a:p>
+            <a:pPr marL="0" indent="0">
+              <a:buFont typeface="Arial" panose="020B0604020202020204" pitchFamily="34" charset="0"/>
+              <a:buNone/>
+            </a:pPr>
+            <a:r>
+              <a:rPr lang="ja-JP" altLang="en-US" sz="1200" dirty="0">
+                <a:latin typeface="BIZ UDPゴシック" panose="020B0400000000000000" pitchFamily="50" charset="-128"/>
+                <a:ea typeface="BIZ UDPゴシック" panose="020B0400000000000000" pitchFamily="50" charset="-128"/>
+              </a:rPr>
+              <a:t>自立分散制御</a:t>
+            </a:r>
+            <a:endParaRPr lang="en-US" altLang="ja-JP" sz="1200" dirty="0">
+              <a:latin typeface="BIZ UDPゴシック" panose="020B0400000000000000" pitchFamily="50" charset="-128"/>
+              <a:ea typeface="BIZ UDPゴシック" panose="020B0400000000000000" pitchFamily="50" charset="-128"/>
+            </a:endParaRPr>
+          </a:p>
+          <a:p>
+            <a:pPr marL="0" indent="0">
+              <a:buFont typeface="Arial" panose="020B0604020202020204" pitchFamily="34" charset="0"/>
+              <a:buNone/>
+            </a:pPr>
+            <a:r>
+              <a:rPr kumimoji="1" lang="ja-JP" altLang="en-US" sz="1200" dirty="0">
+                <a:latin typeface="BIZ UDPゴシック" panose="020B0400000000000000" pitchFamily="50" charset="-128"/>
+                <a:ea typeface="BIZ UDPゴシック" panose="020B0400000000000000" pitchFamily="50" charset="-128"/>
+              </a:rPr>
+              <a:t>である</a:t>
+            </a:r>
+          </a:p>
+          <a:p>
+            <a:r>
+              <a:rPr lang="en-US" altLang="ja-JP" dirty="0"/>
+              <a:t>CSMA/CA</a:t>
+            </a:r>
+            <a:r>
+              <a:rPr lang="ja-JP" altLang="en-US" dirty="0"/>
+              <a:t>に基づいた</a:t>
+            </a:r>
+            <a:endParaRPr lang="en-US" altLang="ja-JP" dirty="0"/>
+          </a:p>
+          <a:p>
+            <a:endParaRPr lang="en-US" dirty="0"/>
+          </a:p>
+          <a:p>
+            <a:endParaRPr lang="en-GB" dirty="0"/>
           </a:p>
         </p:txBody>
       </p:sp>
@@ -754,7 +1291,7 @@
           <a:p>
             <a:fld id="{D6349F50-0211-4302-8A79-63D7B7674E84}" type="slidenum">
               <a:rPr kumimoji="1" lang="ja-JP" altLang="en-US" smtClean="0"/>
-              <a:t>4</a:t>
+              <a:t>3</a:t>
             </a:fld>
             <a:endParaRPr kumimoji="1" lang="ja-JP" altLang="en-US"/>
           </a:p>
@@ -763,7 +1300,7 @@
     </p:spTree>
     <p:extLst>
       <p:ext uri="{BB962C8B-B14F-4D97-AF65-F5344CB8AC3E}">
-        <p14:creationId xmlns:p14="http://schemas.microsoft.com/office/powerpoint/2010/main" val="2838598348"/>
+        <p14:creationId xmlns:p14="http://schemas.microsoft.com/office/powerpoint/2010/main" val="1662668158"/>
       </p:ext>
     </p:extLst>
   </p:cSld>
@@ -819,40 +1356,278 @@
           <a:p>
             <a:r>
               <a:rPr lang="ja-JP" altLang="en-US" dirty="0"/>
-              <a:t>②優先順位によりどの</a:t>
-            </a:r>
-            <a:r>
-              <a:rPr lang="en-GB" altLang="ja-JP" dirty="0"/>
-              <a:t>IFS</a:t>
+              <a:t>まず</a:t>
+            </a:r>
+            <a:r>
+              <a:rPr lang="en-US" altLang="ja-JP" dirty="0"/>
+              <a:t>CSMA/CA</a:t>
             </a:r>
             <a:r>
               <a:rPr lang="ja-JP" altLang="en-US" dirty="0"/>
-              <a:t>が使われるかが決定される</a:t>
-            </a:r>
-            <a:endParaRPr lang="en-GB" altLang="ja-JP" dirty="0"/>
-          </a:p>
-          <a:p>
+              <a:t>についての説明です</a:t>
+            </a:r>
+            <a:endParaRPr lang="en-US" altLang="ja-JP" dirty="0"/>
+          </a:p>
+          <a:p>
+            <a:endParaRPr lang="en-US" dirty="0"/>
+          </a:p>
+          <a:p>
+            <a:r>
+              <a:rPr lang="en-US" dirty="0"/>
+              <a:t>1997</a:t>
+            </a:r>
             <a:r>
               <a:rPr lang="ja-JP" altLang="en-US" dirty="0"/>
-              <a:t>④失敗すると再送制御が必要となる優先度の高い制御フレームは</a:t>
-            </a:r>
-            <a:r>
-              <a:rPr lang="en-GB" altLang="ja-JP" dirty="0"/>
+              <a:t>年から無線</a:t>
+            </a:r>
+            <a:r>
+              <a:rPr lang="en-US" altLang="ja-JP" dirty="0"/>
+              <a:t>LAN</a:t>
+            </a:r>
+            <a:r>
+              <a:rPr lang="ja-JP" altLang="en-US" dirty="0"/>
+              <a:t>に主に実装されていて、今でも実際に使われているアクセス制御プロトコルです。</a:t>
+            </a:r>
+            <a:endParaRPr lang="en-US" altLang="ja-JP" dirty="0"/>
+          </a:p>
+          <a:p>
+            <a:endParaRPr lang="en-US" altLang="ja-JP" dirty="0"/>
+          </a:p>
+          <a:p>
+            <a:r>
+              <a:rPr lang="ja-JP" altLang="en-US" dirty="0"/>
+              <a:t>先ほども言ったように自律分散制御を用いていて、</a:t>
+            </a:r>
+            <a:r>
+              <a:rPr lang="en-US" altLang="ja-JP" dirty="0"/>
+              <a:t>Wi-SUN(</a:t>
+            </a:r>
+            <a:r>
+              <a:rPr lang="ja-JP" altLang="en-US" dirty="0"/>
+              <a:t>ワイサン</a:t>
+            </a:r>
+            <a:r>
+              <a:rPr lang="en-US" altLang="ja-JP" dirty="0"/>
+              <a:t>)</a:t>
+            </a:r>
+            <a:r>
+              <a:rPr lang="ja-JP" altLang="en-US" dirty="0"/>
+              <a:t>や</a:t>
+            </a:r>
+            <a:r>
+              <a:rPr lang="en-US" altLang="ja-JP" dirty="0"/>
+              <a:t>ZigBee</a:t>
+            </a:r>
+            <a:r>
+              <a:rPr lang="ja-JP" altLang="en-US" dirty="0"/>
+              <a:t>といった</a:t>
+            </a:r>
+            <a:r>
+              <a:rPr lang="en-US" altLang="ja-JP" dirty="0" err="1"/>
+              <a:t>lpwa</a:t>
+            </a:r>
+            <a:r>
+              <a:rPr lang="en-US" altLang="ja-JP" dirty="0"/>
+              <a:t>(low power wide area)</a:t>
+            </a:r>
+            <a:r>
+              <a:rPr lang="ja-JP" altLang="en-US" dirty="0"/>
+              <a:t>でも使われている、広く使われている方式です。</a:t>
+            </a:r>
+            <a:endParaRPr lang="en-US" altLang="ja-JP" dirty="0"/>
+          </a:p>
+          <a:p>
+            <a:endParaRPr lang="en-US" altLang="ja-JP" dirty="0"/>
+          </a:p>
+          <a:p>
+            <a:r>
+              <a:rPr lang="ja-JP" altLang="en-US" dirty="0"/>
+              <a:t>簡単に動作について説明すると、</a:t>
+            </a:r>
+            <a:endParaRPr lang="en-US" altLang="ja-JP" dirty="0"/>
+          </a:p>
+          <a:p>
+            <a:endParaRPr lang="en-US" altLang="ja-JP" dirty="0"/>
+          </a:p>
+          <a:p>
+            <a:r>
+              <a:rPr lang="ja-JP" altLang="en-US" dirty="0"/>
+              <a:t>例えば、端末が一斉にフレームの送信を開始すると衝突が起きてしまいます。それを回避するために</a:t>
+            </a:r>
+            <a:endParaRPr lang="en-US" altLang="ja-JP" dirty="0"/>
+          </a:p>
+          <a:p>
+            <a:endParaRPr lang="en-US" altLang="ja-JP" dirty="0"/>
+          </a:p>
+          <a:p>
+            <a:r>
+              <a:rPr lang="ja-JP" altLang="en-US" dirty="0"/>
+              <a:t>まず端末は送信している時と受信している時間以外はキャリアセンスという聞き耳を立てています</a:t>
+            </a:r>
+            <a:endParaRPr lang="en-US" altLang="ja-JP" dirty="0"/>
+          </a:p>
+          <a:p>
+            <a:endParaRPr lang="en-US" altLang="ja-JP" dirty="0"/>
+          </a:p>
+          <a:p>
+            <a:r>
+              <a:rPr lang="ja-JP" altLang="en-US" dirty="0"/>
+              <a:t>前の送信が終わってから</a:t>
+            </a:r>
+            <a:r>
+              <a:rPr lang="en-US" altLang="ja-JP" dirty="0"/>
               <a:t>DIFS</a:t>
             </a:r>
             <a:r>
               <a:rPr lang="ja-JP" altLang="en-US" dirty="0"/>
-              <a:t>時間待つと他端末のデータフレームと競合する可能性があるため、より短い</a:t>
-            </a:r>
-            <a:r>
-              <a:rPr lang="en-GB" altLang="ja-JP" dirty="0"/>
+              <a:t>という決められた時間待機して本当に送信が終わったのか確認します</a:t>
+            </a:r>
+            <a:endParaRPr lang="en-US" altLang="ja-JP" dirty="0"/>
+          </a:p>
+          <a:p>
+            <a:endParaRPr lang="en-US" altLang="ja-JP" dirty="0"/>
+          </a:p>
+          <a:p>
+            <a:r>
+              <a:rPr lang="ja-JP" altLang="en-US" dirty="0"/>
+              <a:t>確認し終えたら</a:t>
+            </a:r>
+            <a:r>
+              <a:rPr lang="en-US" altLang="ja-JP" dirty="0"/>
+              <a:t>0</a:t>
+            </a:r>
+            <a:r>
+              <a:rPr lang="ja-JP" altLang="en-US" dirty="0"/>
+              <a:t>～</a:t>
+            </a:r>
+            <a:r>
+              <a:rPr lang="en-US" altLang="ja-JP" dirty="0"/>
+              <a:t>Contention Window</a:t>
+            </a:r>
+            <a:r>
+              <a:rPr lang="ja-JP" altLang="en-US" dirty="0"/>
+              <a:t>という決められた範囲の間でランダムな値を生成し</a:t>
+            </a:r>
+            <a:endParaRPr lang="en-US" altLang="ja-JP" dirty="0"/>
+          </a:p>
+          <a:p>
+            <a:r>
+              <a:rPr lang="ja-JP" altLang="en-US" dirty="0"/>
+              <a:t>モードが</a:t>
+            </a:r>
+            <a:r>
+              <a:rPr lang="en-US" altLang="ja-JP" dirty="0"/>
+              <a:t>a</a:t>
+            </a:r>
+            <a:r>
+              <a:rPr lang="ja-JP" altLang="en-US" dirty="0"/>
+              <a:t>だったら</a:t>
+            </a:r>
+            <a:r>
+              <a:rPr lang="en-US" altLang="ja-JP" dirty="0"/>
+              <a:t>9</a:t>
+            </a:r>
+            <a:r>
+              <a:rPr lang="ja-JP" altLang="en-US" dirty="0"/>
+              <a:t>マイクロ </a:t>
+            </a:r>
+            <a:r>
+              <a:rPr lang="en-US" altLang="ja-JP" dirty="0"/>
+              <a:t>b</a:t>
+            </a:r>
+            <a:r>
+              <a:rPr lang="ja-JP" altLang="en-US" dirty="0"/>
+              <a:t>は</a:t>
+            </a:r>
+            <a:r>
+              <a:rPr lang="en-US" altLang="ja-JP" dirty="0"/>
+              <a:t>20</a:t>
+            </a:r>
+            <a:r>
+              <a:rPr lang="ja-JP" altLang="en-US" dirty="0"/>
+              <a:t>マイクロ</a:t>
+            </a:r>
+            <a:endParaRPr lang="en-US" altLang="ja-JP" dirty="0"/>
+          </a:p>
+          <a:p>
+            <a:r>
+              <a:rPr lang="ja-JP" altLang="en-US" dirty="0"/>
+              <a:t>と決まっているのでその時間にに応じたバックオフ時間を待つ</a:t>
+            </a:r>
+            <a:endParaRPr lang="en-US" altLang="ja-JP" dirty="0"/>
+          </a:p>
+          <a:p>
+            <a:endParaRPr lang="en-US" altLang="ja-JP" dirty="0"/>
+          </a:p>
+          <a:p>
+            <a:r>
+              <a:rPr lang="ja-JP" altLang="en-US" dirty="0"/>
+              <a:t>再度キャリアセンスを行いチャネルが空いていたら</a:t>
+            </a:r>
+            <a:r>
+              <a:rPr lang="en-US" altLang="ja-JP" dirty="0"/>
+              <a:t>(Idle)</a:t>
+            </a:r>
+            <a:r>
+              <a:rPr lang="ja-JP" altLang="en-US" dirty="0"/>
+              <a:t>だったら送信を行い</a:t>
+            </a:r>
+            <a:br>
+              <a:rPr lang="en-US" altLang="ja-JP" dirty="0"/>
+            </a:br>
+            <a:endParaRPr lang="en-US" altLang="ja-JP" dirty="0"/>
+          </a:p>
+          <a:p>
+            <a:r>
+              <a:rPr lang="en-US" altLang="ja-JP" dirty="0"/>
               <a:t>SIFS</a:t>
             </a:r>
             <a:r>
               <a:rPr lang="ja-JP" altLang="en-US" dirty="0"/>
-              <a:t>を用いることで優先的に送信する</a:t>
-            </a:r>
-            <a:endParaRPr lang="en-GB" dirty="0"/>
+              <a:t>という時間待ってから</a:t>
+            </a:r>
+            <a:endParaRPr lang="en-US" altLang="ja-JP" dirty="0"/>
+          </a:p>
+          <a:p>
+            <a:r>
+              <a:rPr lang="ja-JP" altLang="en-US" dirty="0"/>
+              <a:t>確認応答の</a:t>
+            </a:r>
+            <a:r>
+              <a:rPr lang="en-US" altLang="ja-JP" dirty="0"/>
+              <a:t>ACK</a:t>
+            </a:r>
+            <a:r>
+              <a:rPr lang="ja-JP" altLang="en-US" dirty="0"/>
+              <a:t>を受け取ります</a:t>
+            </a:r>
+            <a:endParaRPr lang="en-US" altLang="ja-JP" dirty="0"/>
+          </a:p>
+          <a:p>
+            <a:endParaRPr lang="en-US" altLang="ja-JP" dirty="0"/>
+          </a:p>
+          <a:p>
+            <a:r>
+              <a:rPr lang="ja-JP" altLang="en-US" dirty="0"/>
+              <a:t>送信が行えなかった</a:t>
+            </a:r>
+            <a:r>
+              <a:rPr lang="en-US" altLang="ja-JP" dirty="0"/>
+              <a:t>(busy</a:t>
+            </a:r>
+            <a:r>
+              <a:rPr lang="ja-JP" altLang="en-US" dirty="0"/>
+              <a:t>だった</a:t>
+            </a:r>
+            <a:r>
+              <a:rPr lang="en-US" altLang="ja-JP" dirty="0"/>
+              <a:t>)</a:t>
+            </a:r>
+            <a:r>
+              <a:rPr lang="ja-JP" altLang="en-US" dirty="0"/>
+              <a:t>端末は送信ができるまでスロットを持ち越します</a:t>
+            </a:r>
+            <a:endParaRPr lang="en-US" altLang="ja-JP" dirty="0"/>
           </a:p>
         </p:txBody>
       </p:sp>
@@ -873,6 +1648,320 @@
           <a:p>
             <a:fld id="{D6349F50-0211-4302-8A79-63D7B7674E84}" type="slidenum">
               <a:rPr kumimoji="1" lang="ja-JP" altLang="en-US" smtClean="0"/>
+              <a:t>4</a:t>
+            </a:fld>
+            <a:endParaRPr kumimoji="1" lang="ja-JP" altLang="en-US"/>
+          </a:p>
+        </p:txBody>
+      </p:sp>
+    </p:spTree>
+    <p:extLst>
+      <p:ext uri="{BB962C8B-B14F-4D97-AF65-F5344CB8AC3E}">
+        <p14:creationId xmlns:p14="http://schemas.microsoft.com/office/powerpoint/2010/main" val="2838598348"/>
+      </p:ext>
+    </p:extLst>
+  </p:cSld>
+  <p:clrMapOvr>
+    <a:masterClrMapping/>
+  </p:clrMapOvr>
+</p:notes>
+</file>
+
+<file path=ppt/notesSlides/notesSlide5.xml><?xml version="1.0" encoding="utf-8"?>
+<p:notes xmlns:a="http://schemas.openxmlformats.org/drawingml/2006/main" xmlns:r="http://schemas.openxmlformats.org/officeDocument/2006/relationships" xmlns:p="http://schemas.openxmlformats.org/presentationml/2006/main">
+  <p:cSld>
+    <p:spTree>
+      <p:nvGrpSpPr>
+        <p:cNvPr id="1" name=""/>
+        <p:cNvGrpSpPr/>
+        <p:nvPr/>
+      </p:nvGrpSpPr>
+      <p:grpSpPr>
+        <a:xfrm>
+          <a:off x="0" y="0"/>
+          <a:ext cx="0" cy="0"/>
+          <a:chOff x="0" y="0"/>
+          <a:chExt cx="0" cy="0"/>
+        </a:xfrm>
+      </p:grpSpPr>
+      <p:sp>
+        <p:nvSpPr>
+          <p:cNvPr id="2" name="スライド イメージ プレースホルダー 1"/>
+          <p:cNvSpPr>
+            <a:spLocks noGrp="1" noRot="1" noChangeAspect="1"/>
+          </p:cNvSpPr>
+          <p:nvPr>
+            <p:ph type="sldImg"/>
+          </p:nvPr>
+        </p:nvSpPr>
+        <p:spPr/>
+      </p:sp>
+      <p:sp>
+        <p:nvSpPr>
+          <p:cNvPr id="3" name="ノート プレースホルダー 2"/>
+          <p:cNvSpPr>
+            <a:spLocks noGrp="1"/>
+          </p:cNvSpPr>
+          <p:nvPr>
+            <p:ph type="body" idx="1"/>
+          </p:nvPr>
+        </p:nvSpPr>
+        <p:spPr/>
+        <p:txBody>
+          <a:bodyPr/>
+          <a:lstStyle/>
+          <a:p>
+            <a:r>
+              <a:rPr kumimoji="1" lang="ja-JP" altLang="en-US" dirty="0"/>
+              <a:t>もしランダムで引いた値が同じ場合だった場合、同時に送信が行われ、衝突が発生します。</a:t>
+            </a:r>
+            <a:endParaRPr kumimoji="1" lang="en-US" altLang="ja-JP" dirty="0"/>
+          </a:p>
+          <a:p>
+            <a:endParaRPr kumimoji="1" lang="en-US" altLang="ja-JP" dirty="0"/>
+          </a:p>
+          <a:p>
+            <a:r>
+              <a:rPr kumimoji="1" lang="ja-JP" altLang="en-US" dirty="0"/>
+              <a:t>無線通信では直接衝突が確認できないため、</a:t>
+            </a:r>
+            <a:r>
+              <a:rPr kumimoji="1" lang="en-US" altLang="ja-JP" dirty="0"/>
+              <a:t>DIFS</a:t>
+            </a:r>
+            <a:r>
+              <a:rPr kumimoji="1" lang="ja-JP" altLang="en-US" dirty="0"/>
+              <a:t>時間分</a:t>
+            </a:r>
+            <a:r>
+              <a:rPr kumimoji="1" lang="en-US" altLang="ja-JP" dirty="0"/>
+              <a:t>ACK</a:t>
+            </a:r>
+            <a:r>
+              <a:rPr kumimoji="1" lang="ja-JP" altLang="en-US" dirty="0"/>
+              <a:t>が返ってこなかったら衝突したとみなして</a:t>
+            </a:r>
+            <a:endParaRPr kumimoji="1" lang="en-US" altLang="ja-JP" dirty="0"/>
+          </a:p>
+          <a:p>
+            <a:endParaRPr kumimoji="1" lang="en-US" altLang="ja-JP" dirty="0"/>
+          </a:p>
+          <a:p>
+            <a:r>
+              <a:rPr kumimoji="1" lang="en-US" altLang="ja-JP" dirty="0"/>
+              <a:t>0</a:t>
+            </a:r>
+            <a:r>
+              <a:rPr kumimoji="1" lang="ja-JP" altLang="en-US" dirty="0"/>
+              <a:t>～初回よりも大きい</a:t>
+            </a:r>
+            <a:r>
+              <a:rPr kumimoji="1" lang="en-US" altLang="ja-JP" dirty="0"/>
+              <a:t>Contention Window</a:t>
+            </a:r>
+            <a:r>
+              <a:rPr kumimoji="1" lang="ja-JP" altLang="en-US" dirty="0"/>
+              <a:t>の範囲でランダムな数のスロットを生成します</a:t>
+            </a:r>
+            <a:endParaRPr kumimoji="1" lang="en-US" altLang="ja-JP" dirty="0"/>
+          </a:p>
+        </p:txBody>
+      </p:sp>
+      <p:sp>
+        <p:nvSpPr>
+          <p:cNvPr id="4" name="スライド番号プレースホルダー 3"/>
+          <p:cNvSpPr>
+            <a:spLocks noGrp="1"/>
+          </p:cNvSpPr>
+          <p:nvPr>
+            <p:ph type="sldNum" sz="quarter" idx="5"/>
+          </p:nvPr>
+        </p:nvSpPr>
+        <p:spPr/>
+        <p:txBody>
+          <a:bodyPr/>
+          <a:lstStyle/>
+          <a:p>
+            <a:fld id="{D6349F50-0211-4302-8A79-63D7B7674E84}" type="slidenum">
+              <a:rPr kumimoji="1" lang="ja-JP" altLang="en-US" smtClean="0"/>
+              <a:t>5</a:t>
+            </a:fld>
+            <a:endParaRPr kumimoji="1" lang="ja-JP" altLang="en-US"/>
+          </a:p>
+        </p:txBody>
+      </p:sp>
+    </p:spTree>
+    <p:extLst>
+      <p:ext uri="{BB962C8B-B14F-4D97-AF65-F5344CB8AC3E}">
+        <p14:creationId xmlns:p14="http://schemas.microsoft.com/office/powerpoint/2010/main" val="3549306725"/>
+      </p:ext>
+    </p:extLst>
+  </p:cSld>
+  <p:clrMapOvr>
+    <a:masterClrMapping/>
+  </p:clrMapOvr>
+</p:notes>
+</file>
+
+<file path=ppt/notesSlides/notesSlide6.xml><?xml version="1.0" encoding="utf-8"?>
+<p:notes xmlns:a="http://schemas.openxmlformats.org/drawingml/2006/main" xmlns:r="http://schemas.openxmlformats.org/officeDocument/2006/relationships" xmlns:p="http://schemas.openxmlformats.org/presentationml/2006/main">
+  <p:cSld>
+    <p:spTree>
+      <p:nvGrpSpPr>
+        <p:cNvPr id="1" name=""/>
+        <p:cNvGrpSpPr/>
+        <p:nvPr/>
+      </p:nvGrpSpPr>
+      <p:grpSpPr>
+        <a:xfrm>
+          <a:off x="0" y="0"/>
+          <a:ext cx="0" cy="0"/>
+          <a:chOff x="0" y="0"/>
+          <a:chExt cx="0" cy="0"/>
+        </a:xfrm>
+      </p:grpSpPr>
+      <p:sp>
+        <p:nvSpPr>
+          <p:cNvPr id="2" name="Slide Image Placeholder 1"/>
+          <p:cNvSpPr>
+            <a:spLocks noGrp="1" noRot="1" noChangeAspect="1"/>
+          </p:cNvSpPr>
+          <p:nvPr>
+            <p:ph type="sldImg"/>
+          </p:nvPr>
+        </p:nvSpPr>
+        <p:spPr/>
+      </p:sp>
+      <p:sp>
+        <p:nvSpPr>
+          <p:cNvPr id="3" name="Notes Placeholder 2"/>
+          <p:cNvSpPr>
+            <a:spLocks noGrp="1"/>
+          </p:cNvSpPr>
+          <p:nvPr>
+            <p:ph type="body" idx="1"/>
+          </p:nvPr>
+        </p:nvSpPr>
+        <p:spPr/>
+        <p:txBody>
+          <a:bodyPr/>
+          <a:lstStyle/>
+          <a:p>
+            <a:r>
+              <a:rPr lang="en-US" altLang="ja-JP" dirty="0"/>
+              <a:t>IFS</a:t>
+            </a:r>
+            <a:r>
+              <a:rPr lang="ja-JP" altLang="en-US" dirty="0"/>
+              <a:t>は</a:t>
+            </a:r>
+            <a:r>
+              <a:rPr lang="en-US" altLang="ja-JP" dirty="0"/>
+              <a:t>6</a:t>
+            </a:r>
+            <a:r>
+              <a:rPr lang="ja-JP" altLang="en-US" dirty="0"/>
+              <a:t>種類あり、優先順位によってどの</a:t>
+            </a:r>
+            <a:r>
+              <a:rPr lang="en-GB" altLang="ja-JP" dirty="0"/>
+              <a:t>IFS</a:t>
+            </a:r>
+            <a:r>
+              <a:rPr lang="ja-JP" altLang="en-US" dirty="0"/>
+              <a:t>が使われるかが決定される</a:t>
+            </a:r>
+            <a:endParaRPr lang="en-GB" altLang="ja-JP" dirty="0"/>
+          </a:p>
+          <a:p>
+            <a:endParaRPr lang="en-US" altLang="ja-JP" dirty="0"/>
+          </a:p>
+          <a:p>
+            <a:r>
+              <a:rPr lang="ja-JP" altLang="en-US" dirty="0"/>
+              <a:t>代表的なものに</a:t>
+            </a:r>
+            <a:r>
+              <a:rPr lang="en-US" altLang="ja-JP" dirty="0"/>
+              <a:t>DIFS</a:t>
+            </a:r>
+            <a:r>
+              <a:rPr lang="ja-JP" altLang="en-US" dirty="0"/>
+              <a:t>と</a:t>
+            </a:r>
+            <a:r>
+              <a:rPr lang="en-US" altLang="ja-JP" dirty="0"/>
+              <a:t>SIFS</a:t>
+            </a:r>
+            <a:r>
+              <a:rPr lang="ja-JP" altLang="en-US" dirty="0"/>
+              <a:t>があります</a:t>
+            </a:r>
+            <a:endParaRPr lang="en-US" altLang="ja-JP" dirty="0"/>
+          </a:p>
+          <a:p>
+            <a:endParaRPr lang="en-US" dirty="0"/>
+          </a:p>
+          <a:p>
+            <a:r>
+              <a:rPr lang="ja-JP" altLang="en-US" dirty="0"/>
+              <a:t>確認応答のために</a:t>
+            </a:r>
+            <a:r>
+              <a:rPr lang="en-US" altLang="ja-JP" dirty="0"/>
+              <a:t>ACK</a:t>
+            </a:r>
+            <a:r>
+              <a:rPr lang="ja-JP" altLang="en-US" dirty="0"/>
+              <a:t>フレームを必ず返す必要がある</a:t>
+            </a:r>
+            <a:endParaRPr lang="en-US" altLang="ja-JP" dirty="0"/>
+          </a:p>
+          <a:p>
+            <a:br>
+              <a:rPr lang="en-US" altLang="ja-JP" dirty="0"/>
+            </a:br>
+            <a:r>
+              <a:rPr lang="ja-JP" altLang="en-US" dirty="0"/>
+              <a:t>そのために</a:t>
+            </a:r>
+            <a:r>
+              <a:rPr lang="en-US" altLang="ja-JP" dirty="0"/>
+              <a:t>SIFS</a:t>
+            </a:r>
+            <a:r>
+              <a:rPr lang="ja-JP" altLang="en-US" dirty="0"/>
+              <a:t>を使い他の端末のバックオフが始まる前に</a:t>
+            </a:r>
+            <a:r>
+              <a:rPr lang="en-US" altLang="ja-JP" dirty="0"/>
+              <a:t>ACK</a:t>
+            </a:r>
+            <a:r>
+              <a:rPr lang="ja-JP" altLang="en-US" dirty="0"/>
+              <a:t>の送信を開始する</a:t>
+            </a:r>
+            <a:endParaRPr lang="en-GB" dirty="0"/>
+          </a:p>
+        </p:txBody>
+      </p:sp>
+      <p:sp>
+        <p:nvSpPr>
+          <p:cNvPr id="4" name="Slide Number Placeholder 3"/>
+          <p:cNvSpPr>
+            <a:spLocks noGrp="1"/>
+          </p:cNvSpPr>
+          <p:nvPr>
+            <p:ph type="sldNum" sz="quarter" idx="5"/>
+          </p:nvPr>
+        </p:nvSpPr>
+        <p:spPr/>
+        <p:txBody>
+          <a:bodyPr/>
+          <a:lstStyle/>
+          <a:p>
+            <a:fld id="{D6349F50-0211-4302-8A79-63D7B7674E84}" type="slidenum">
+              <a:rPr kumimoji="1" lang="ja-JP" altLang="en-US" smtClean="0"/>
               <a:t>7</a:t>
             </a:fld>
             <a:endParaRPr kumimoji="1" lang="ja-JP" altLang="en-US"/>
@@ -883,6 +1972,334 @@
     <p:extLst>
       <p:ext uri="{BB962C8B-B14F-4D97-AF65-F5344CB8AC3E}">
         <p14:creationId xmlns:p14="http://schemas.microsoft.com/office/powerpoint/2010/main" val="3777915472"/>
+      </p:ext>
+    </p:extLst>
+  </p:cSld>
+  <p:clrMapOvr>
+    <a:masterClrMapping/>
+  </p:clrMapOvr>
+</p:notes>
+</file>
+
+<file path=ppt/notesSlides/notesSlide7.xml><?xml version="1.0" encoding="utf-8"?>
+<p:notes xmlns:a="http://schemas.openxmlformats.org/drawingml/2006/main" xmlns:r="http://schemas.openxmlformats.org/officeDocument/2006/relationships" xmlns:p="http://schemas.openxmlformats.org/presentationml/2006/main">
+  <p:cSld>
+    <p:spTree>
+      <p:nvGrpSpPr>
+        <p:cNvPr id="1" name=""/>
+        <p:cNvGrpSpPr/>
+        <p:nvPr/>
+      </p:nvGrpSpPr>
+      <p:grpSpPr>
+        <a:xfrm>
+          <a:off x="0" y="0"/>
+          <a:ext cx="0" cy="0"/>
+          <a:chOff x="0" y="0"/>
+          <a:chExt cx="0" cy="0"/>
+        </a:xfrm>
+      </p:grpSpPr>
+      <p:sp>
+        <p:nvSpPr>
+          <p:cNvPr id="2" name="スライド イメージ プレースホルダー 1"/>
+          <p:cNvSpPr>
+            <a:spLocks noGrp="1" noRot="1" noChangeAspect="1"/>
+          </p:cNvSpPr>
+          <p:nvPr>
+            <p:ph type="sldImg"/>
+          </p:nvPr>
+        </p:nvSpPr>
+        <p:spPr/>
+      </p:sp>
+      <p:sp>
+        <p:nvSpPr>
+          <p:cNvPr id="3" name="ノート プレースホルダー 2"/>
+          <p:cNvSpPr>
+            <a:spLocks noGrp="1"/>
+          </p:cNvSpPr>
+          <p:nvPr>
+            <p:ph type="body" idx="1"/>
+          </p:nvPr>
+        </p:nvSpPr>
+        <p:spPr/>
+        <p:txBody>
+          <a:bodyPr/>
+          <a:lstStyle/>
+          <a:p>
+            <a:r>
+              <a:rPr kumimoji="1" lang="ja-JP" altLang="en-US" dirty="0"/>
+              <a:t>プリアンブルは同期信号や変調方式の情報</a:t>
+            </a:r>
+            <a:endParaRPr kumimoji="1" lang="en-US" altLang="ja-JP" dirty="0"/>
+          </a:p>
+          <a:p>
+            <a:endParaRPr kumimoji="1" lang="en-US" altLang="ja-JP" dirty="0"/>
+          </a:p>
+          <a:p>
+            <a:r>
+              <a:rPr kumimoji="1" lang="en-US" altLang="ja-JP" dirty="0"/>
+              <a:t>MAC</a:t>
+            </a:r>
+            <a:r>
+              <a:rPr kumimoji="1" lang="ja-JP" altLang="en-US" dirty="0"/>
+              <a:t>ヘッダには宛先アドレスや自分のアドレス、フレームの情報が入っている</a:t>
+            </a:r>
+            <a:endParaRPr kumimoji="1" lang="en-US" altLang="ja-JP" dirty="0"/>
+          </a:p>
+          <a:p>
+            <a:endParaRPr kumimoji="1" lang="en-US" altLang="ja-JP" dirty="0"/>
+          </a:p>
+          <a:p>
+            <a:r>
+              <a:rPr kumimoji="1" lang="ja-JP" altLang="en-US" dirty="0"/>
+              <a:t>ペイロードはデータの中身</a:t>
+            </a:r>
+          </a:p>
+        </p:txBody>
+      </p:sp>
+      <p:sp>
+        <p:nvSpPr>
+          <p:cNvPr id="4" name="スライド番号プレースホルダー 3"/>
+          <p:cNvSpPr>
+            <a:spLocks noGrp="1"/>
+          </p:cNvSpPr>
+          <p:nvPr>
+            <p:ph type="sldNum" sz="quarter" idx="5"/>
+          </p:nvPr>
+        </p:nvSpPr>
+        <p:spPr/>
+        <p:txBody>
+          <a:bodyPr/>
+          <a:lstStyle/>
+          <a:p>
+            <a:fld id="{D6349F50-0211-4302-8A79-63D7B7674E84}" type="slidenum">
+              <a:rPr kumimoji="1" lang="ja-JP" altLang="en-US" smtClean="0"/>
+              <a:t>8</a:t>
+            </a:fld>
+            <a:endParaRPr kumimoji="1" lang="ja-JP" altLang="en-US"/>
+          </a:p>
+        </p:txBody>
+      </p:sp>
+    </p:spTree>
+    <p:extLst>
+      <p:ext uri="{BB962C8B-B14F-4D97-AF65-F5344CB8AC3E}">
+        <p14:creationId xmlns:p14="http://schemas.microsoft.com/office/powerpoint/2010/main" val="4293684954"/>
+      </p:ext>
+    </p:extLst>
+  </p:cSld>
+  <p:clrMapOvr>
+    <a:masterClrMapping/>
+  </p:clrMapOvr>
+</p:notes>
+</file>
+
+<file path=ppt/notesSlides/notesSlide8.xml><?xml version="1.0" encoding="utf-8"?>
+<p:notes xmlns:a="http://schemas.openxmlformats.org/drawingml/2006/main" xmlns:r="http://schemas.openxmlformats.org/officeDocument/2006/relationships" xmlns:p="http://schemas.openxmlformats.org/presentationml/2006/main">
+  <p:cSld>
+    <p:spTree>
+      <p:nvGrpSpPr>
+        <p:cNvPr id="1" name=""/>
+        <p:cNvGrpSpPr/>
+        <p:nvPr/>
+      </p:nvGrpSpPr>
+      <p:grpSpPr>
+        <a:xfrm>
+          <a:off x="0" y="0"/>
+          <a:ext cx="0" cy="0"/>
+          <a:chOff x="0" y="0"/>
+          <a:chExt cx="0" cy="0"/>
+        </a:xfrm>
+      </p:grpSpPr>
+      <p:sp>
+        <p:nvSpPr>
+          <p:cNvPr id="2" name="スライド イメージ プレースホルダー 1"/>
+          <p:cNvSpPr>
+            <a:spLocks noGrp="1" noRot="1" noChangeAspect="1"/>
+          </p:cNvSpPr>
+          <p:nvPr>
+            <p:ph type="sldImg"/>
+          </p:nvPr>
+        </p:nvSpPr>
+        <p:spPr/>
+      </p:sp>
+      <p:sp>
+        <p:nvSpPr>
+          <p:cNvPr id="3" name="ノート プレースホルダー 2"/>
+          <p:cNvSpPr>
+            <a:spLocks noGrp="1"/>
+          </p:cNvSpPr>
+          <p:nvPr>
+            <p:ph type="body" idx="1"/>
+          </p:nvPr>
+        </p:nvSpPr>
+        <p:spPr/>
+        <p:txBody>
+          <a:bodyPr/>
+          <a:lstStyle/>
+          <a:p>
+            <a:r>
+              <a:rPr kumimoji="1" lang="en-US" altLang="ja-JP" dirty="0"/>
+              <a:t>Ubuntu</a:t>
+            </a:r>
+            <a:r>
+              <a:rPr kumimoji="1" lang="ja-JP" altLang="en-US" dirty="0"/>
+              <a:t>は</a:t>
+            </a:r>
+            <a:r>
+              <a:rPr kumimoji="1" lang="en-US" altLang="ja-JP" dirty="0"/>
+              <a:t>WSL, </a:t>
+            </a:r>
+            <a:r>
+              <a:rPr kumimoji="1" lang="ja-JP" altLang="en-US" dirty="0"/>
+              <a:t>ネイティブのどちらも確認しています</a:t>
+            </a:r>
+            <a:endParaRPr kumimoji="1" lang="en-US" altLang="ja-JP" dirty="0"/>
+          </a:p>
+          <a:p>
+            <a:endParaRPr kumimoji="1" lang="en-US" altLang="ja-JP" dirty="0"/>
+          </a:p>
+          <a:p>
+            <a:r>
+              <a:rPr kumimoji="1" lang="ja-JP" altLang="en-US" dirty="0"/>
+              <a:t>バージョンの差異による影響を受けにくい後互換性</a:t>
+            </a:r>
+          </a:p>
+        </p:txBody>
+      </p:sp>
+      <p:sp>
+        <p:nvSpPr>
+          <p:cNvPr id="4" name="スライド番号プレースホルダー 3"/>
+          <p:cNvSpPr>
+            <a:spLocks noGrp="1"/>
+          </p:cNvSpPr>
+          <p:nvPr>
+            <p:ph type="sldNum" sz="quarter" idx="5"/>
+          </p:nvPr>
+        </p:nvSpPr>
+        <p:spPr/>
+        <p:txBody>
+          <a:bodyPr/>
+          <a:lstStyle/>
+          <a:p>
+            <a:fld id="{D6349F50-0211-4302-8A79-63D7B7674E84}" type="slidenum">
+              <a:rPr kumimoji="1" lang="ja-JP" altLang="en-US" smtClean="0"/>
+              <a:t>10</a:t>
+            </a:fld>
+            <a:endParaRPr kumimoji="1" lang="ja-JP" altLang="en-US"/>
+          </a:p>
+        </p:txBody>
+      </p:sp>
+    </p:spTree>
+    <p:extLst>
+      <p:ext uri="{BB962C8B-B14F-4D97-AF65-F5344CB8AC3E}">
+        <p14:creationId xmlns:p14="http://schemas.microsoft.com/office/powerpoint/2010/main" val="2178176976"/>
+      </p:ext>
+    </p:extLst>
+  </p:cSld>
+  <p:clrMapOvr>
+    <a:masterClrMapping/>
+  </p:clrMapOvr>
+</p:notes>
+</file>
+
+<file path=ppt/notesSlides/notesSlide9.xml><?xml version="1.0" encoding="utf-8"?>
+<p:notes xmlns:a="http://schemas.openxmlformats.org/drawingml/2006/main" xmlns:r="http://schemas.openxmlformats.org/officeDocument/2006/relationships" xmlns:p="http://schemas.openxmlformats.org/presentationml/2006/main">
+  <p:cSld>
+    <p:spTree>
+      <p:nvGrpSpPr>
+        <p:cNvPr id="1" name="">
+          <a:extLst>
+            <a:ext uri="{FF2B5EF4-FFF2-40B4-BE49-F238E27FC236}">
+              <a16:creationId xmlns:a16="http://schemas.microsoft.com/office/drawing/2014/main" id="{8B8D9F75-F371-0D9A-6DB1-98A4EF743DC1}"/>
+            </a:ext>
+          </a:extLst>
+        </p:cNvPr>
+        <p:cNvGrpSpPr/>
+        <p:nvPr/>
+      </p:nvGrpSpPr>
+      <p:grpSpPr>
+        <a:xfrm>
+          <a:off x="0" y="0"/>
+          <a:ext cx="0" cy="0"/>
+          <a:chOff x="0" y="0"/>
+          <a:chExt cx="0" cy="0"/>
+        </a:xfrm>
+      </p:grpSpPr>
+      <p:sp>
+        <p:nvSpPr>
+          <p:cNvPr id="2" name="スライド イメージ プレースホルダー 1">
+            <a:extLst>
+              <a:ext uri="{FF2B5EF4-FFF2-40B4-BE49-F238E27FC236}">
+                <a16:creationId xmlns:a16="http://schemas.microsoft.com/office/drawing/2014/main" id="{2D08B357-1889-BC02-802B-551775290FFC}"/>
+              </a:ext>
+            </a:extLst>
+          </p:cNvPr>
+          <p:cNvSpPr>
+            <a:spLocks noGrp="1" noRot="1" noChangeAspect="1"/>
+          </p:cNvSpPr>
+          <p:nvPr>
+            <p:ph type="sldImg"/>
+          </p:nvPr>
+        </p:nvSpPr>
+        <p:spPr/>
+      </p:sp>
+      <p:sp>
+        <p:nvSpPr>
+          <p:cNvPr id="3" name="ノート プレースホルダー 2">
+            <a:extLst>
+              <a:ext uri="{FF2B5EF4-FFF2-40B4-BE49-F238E27FC236}">
+                <a16:creationId xmlns:a16="http://schemas.microsoft.com/office/drawing/2014/main" id="{448DDE68-5071-A919-9840-0656E4FAB52D}"/>
+              </a:ext>
+            </a:extLst>
+          </p:cNvPr>
+          <p:cNvSpPr>
+            <a:spLocks noGrp="1"/>
+          </p:cNvSpPr>
+          <p:nvPr>
+            <p:ph type="body" idx="1"/>
+          </p:nvPr>
+        </p:nvSpPr>
+        <p:spPr/>
+        <p:txBody>
+          <a:bodyPr/>
+          <a:lstStyle/>
+          <a:p>
+            <a:endParaRPr kumimoji="1" lang="ja-JP" altLang="en-US" dirty="0"/>
+          </a:p>
+        </p:txBody>
+      </p:sp>
+      <p:sp>
+        <p:nvSpPr>
+          <p:cNvPr id="4" name="スライド番号プレースホルダー 3">
+            <a:extLst>
+              <a:ext uri="{FF2B5EF4-FFF2-40B4-BE49-F238E27FC236}">
+                <a16:creationId xmlns:a16="http://schemas.microsoft.com/office/drawing/2014/main" id="{E3FD2AB1-10D4-2BE8-308C-C3A5FEE4B996}"/>
+              </a:ext>
+            </a:extLst>
+          </p:cNvPr>
+          <p:cNvSpPr>
+            <a:spLocks noGrp="1"/>
+          </p:cNvSpPr>
+          <p:nvPr>
+            <p:ph type="sldNum" sz="quarter" idx="5"/>
+          </p:nvPr>
+        </p:nvSpPr>
+        <p:spPr/>
+        <p:txBody>
+          <a:bodyPr/>
+          <a:lstStyle/>
+          <a:p>
+            <a:fld id="{D6349F50-0211-4302-8A79-63D7B7674E84}" type="slidenum">
+              <a:rPr kumimoji="1" lang="ja-JP" altLang="en-US" smtClean="0"/>
+              <a:t>11</a:t>
+            </a:fld>
+            <a:endParaRPr kumimoji="1" lang="ja-JP" altLang="en-US"/>
+          </a:p>
+        </p:txBody>
+      </p:sp>
+    </p:spTree>
+    <p:extLst>
+      <p:ext uri="{BB962C8B-B14F-4D97-AF65-F5344CB8AC3E}">
+        <p14:creationId xmlns:p14="http://schemas.microsoft.com/office/powerpoint/2010/main" val="2352183407"/>
       </p:ext>
     </p:extLst>
   </p:cSld>
@@ -5101,7 +6518,7 @@
         <p:cNvPr id="1" name="">
           <a:extLst>
             <a:ext uri="{FF2B5EF4-FFF2-40B4-BE49-F238E27FC236}">
-              <a16:creationId xmlns:a16="http://schemas.microsoft.com/office/drawing/2014/main" id="{AEFA28B8-1973-1137-3DE7-A6F7ECBD2282}"/>
+              <a16:creationId xmlns:a16="http://schemas.microsoft.com/office/drawing/2014/main" id="{A56BC01D-7D12-71E1-C65F-FC9176FFA25E}"/>
             </a:ext>
           </a:extLst>
         </p:cNvPr>
@@ -5121,7 +6538,7 @@
           <p:cNvPr id="3" name="タイトル 2">
             <a:extLst>
               <a:ext uri="{FF2B5EF4-FFF2-40B4-BE49-F238E27FC236}">
-                <a16:creationId xmlns:a16="http://schemas.microsoft.com/office/drawing/2014/main" id="{53A04FDF-39B0-3FC7-6981-009A554979D8}"/>
+                <a16:creationId xmlns:a16="http://schemas.microsoft.com/office/drawing/2014/main" id="{42160CD2-B2F8-A44A-5FEF-31E4209FD604}"/>
               </a:ext>
             </a:extLst>
           </p:cNvPr>
@@ -5142,18 +6559,21 @@
                 <a:latin typeface="BIZ UDPゴシック" panose="020B0400000000000000" pitchFamily="50" charset="-128"/>
                 <a:ea typeface="BIZ UDPゴシック" panose="020B0400000000000000" pitchFamily="50" charset="-128"/>
               </a:rPr>
-              <a:t>シミュレーション</a:t>
+              <a:t>実装</a:t>
             </a:r>
             <a:r>
               <a:rPr kumimoji="1" lang="en-US" altLang="ja-JP" dirty="0">
                 <a:latin typeface="BIZ UDPゴシック" panose="020B0400000000000000" pitchFamily="50" charset="-128"/>
                 <a:ea typeface="BIZ UDPゴシック" panose="020B0400000000000000" pitchFamily="50" charset="-128"/>
               </a:rPr>
-              <a:t>1 </a:t>
-            </a:r>
-            <a:r>
-              <a:rPr kumimoji="1" lang="ja-JP" altLang="en-US" dirty="0"/>
-              <a:t>評価</a:t>
+              <a:t>,</a:t>
+            </a:r>
+            <a:r>
+              <a:rPr kumimoji="1" lang="ja-JP" altLang="en-US" dirty="0">
+                <a:latin typeface="BIZ UDPゴシック" panose="020B0400000000000000" pitchFamily="50" charset="-128"/>
+                <a:ea typeface="BIZ UDPゴシック" panose="020B0400000000000000" pitchFamily="50" charset="-128"/>
+              </a:rPr>
+              <a:t>　動作環境</a:t>
             </a:r>
           </a:p>
         </p:txBody>
@@ -5163,7 +6583,7 @@
           <p:cNvPr id="4" name="スライド番号プレースホルダー 3">
             <a:extLst>
               <a:ext uri="{FF2B5EF4-FFF2-40B4-BE49-F238E27FC236}">
-                <a16:creationId xmlns:a16="http://schemas.microsoft.com/office/drawing/2014/main" id="{E02087B3-FA3F-D288-4445-7A65AFD3AFAD}"/>
+                <a16:creationId xmlns:a16="http://schemas.microsoft.com/office/drawing/2014/main" id="{E05102C6-6A4D-47C9-4F84-64E9077CB389}"/>
               </a:ext>
             </a:extLst>
           </p:cNvPr>
@@ -5187,48 +6607,445 @@
           </a:p>
         </p:txBody>
       </p:sp>
-      <p:pic>
-        <p:nvPicPr>
-          <p:cNvPr id="6" name="図 5" descr="グラフ, 折れ線グラフ&#10;&#10;AI によって生成されたコンテンツは間違っている可能性があります。">
+      <p:graphicFrame>
+        <p:nvGraphicFramePr>
+          <p:cNvPr id="8" name="表 7">
             <a:extLst>
               <a:ext uri="{FF2B5EF4-FFF2-40B4-BE49-F238E27FC236}">
-                <a16:creationId xmlns:a16="http://schemas.microsoft.com/office/drawing/2014/main" id="{99FA7C2A-5ACB-EB04-F3D1-2352B8726112}"/>
+                <a16:creationId xmlns:a16="http://schemas.microsoft.com/office/drawing/2014/main" id="{56726BF9-FF83-390A-B27F-94BD3F876CBD}"/>
               </a:ext>
             </a:extLst>
           </p:cNvPr>
-          <p:cNvPicPr>
-            <a:picLocks noChangeAspect="1"/>
-          </p:cNvPicPr>
-          <p:nvPr/>
-        </p:nvPicPr>
-        <p:blipFill>
-          <a:blip r:embed="rId2">
-            <a:extLst>
-              <a:ext uri="{28A0092B-C50C-407E-A947-70E740481C1C}">
-                <a14:useLocalDpi xmlns:a14="http://schemas.microsoft.com/office/drawing/2010/main" val="0"/>
-              </a:ext>
-            </a:extLst>
-          </a:blip>
-          <a:stretch>
-            <a:fillRect/>
-          </a:stretch>
-        </p:blipFill>
-        <p:spPr>
-          <a:xfrm>
-            <a:off x="107504" y="1988840"/>
-            <a:ext cx="4410683" cy="2736304"/>
-          </a:xfrm>
-          <a:prstGeom prst="rect">
-            <a:avLst/>
-          </a:prstGeom>
-        </p:spPr>
-      </p:pic>
-      <p:sp>
-        <p:nvSpPr>
-          <p:cNvPr id="2" name="テキスト ボックス 1">
+          <p:cNvGraphicFramePr>
+            <a:graphicFrameLocks noGrp="1"/>
+          </p:cNvGraphicFramePr>
+          <p:nvPr>
+            <p:extLst>
+              <p:ext uri="{D42A27DB-BD31-4B8C-83A1-F6EECF244321}">
+                <p14:modId xmlns:p14="http://schemas.microsoft.com/office/powerpoint/2010/main" val="2737279059"/>
+              </p:ext>
+            </p:extLst>
+          </p:nvPr>
+        </p:nvGraphicFramePr>
+        <p:xfrm>
+          <a:off x="755576" y="2204864"/>
+          <a:ext cx="7632848" cy="1872207"/>
+        </p:xfrm>
+        <a:graphic>
+          <a:graphicData uri="http://schemas.openxmlformats.org/drawingml/2006/table">
+            <a:tbl>
+              <a:tblPr>
+                <a:tableStyleId>{5C22544A-7EE6-4342-B048-85BDC9FD1C3A}</a:tableStyleId>
+              </a:tblPr>
+              <a:tblGrid>
+                <a:gridCol w="2446622">
+                  <a:extLst>
+                    <a:ext uri="{9D8B030D-6E8A-4147-A177-3AD203B41FA5}">
+                      <a16:colId xmlns:a16="http://schemas.microsoft.com/office/drawing/2014/main" val="913250517"/>
+                    </a:ext>
+                  </a:extLst>
+                </a:gridCol>
+                <a:gridCol w="5186226">
+                  <a:extLst>
+                    <a:ext uri="{9D8B030D-6E8A-4147-A177-3AD203B41FA5}">
+                      <a16:colId xmlns:a16="http://schemas.microsoft.com/office/drawing/2014/main" val="1419453644"/>
+                    </a:ext>
+                  </a:extLst>
+                </a:gridCol>
+              </a:tblGrid>
+              <a:tr h="624069">
+                <a:tc>
+                  <a:txBody>
+                    <a:bodyPr/>
+                    <a:lstStyle/>
+                    <a:p>
+                      <a:pPr algn="ctr"/>
+                      <a:r>
+                        <a:rPr kumimoji="1" lang="ja-JP" altLang="en-US" sz="2400" dirty="0"/>
+                        <a:t>言語</a:t>
+                      </a:r>
+                    </a:p>
+                  </a:txBody>
+                  <a:tcPr anchor="ctr">
+                    <a:lnL w="12700" cap="flat" cmpd="sng" algn="ctr">
+                      <a:solidFill>
+                        <a:schemeClr val="tx1"/>
+                      </a:solidFill>
+                      <a:prstDash val="solid"/>
+                      <a:round/>
+                      <a:headEnd type="none" w="med" len="med"/>
+                      <a:tailEnd type="none" w="med" len="med"/>
+                    </a:lnL>
+                    <a:lnR w="12700" cap="flat" cmpd="sng" algn="ctr">
+                      <a:solidFill>
+                        <a:schemeClr val="tx1"/>
+                      </a:solidFill>
+                      <a:prstDash val="solid"/>
+                      <a:round/>
+                      <a:headEnd type="none" w="med" len="med"/>
+                      <a:tailEnd type="none" w="med" len="med"/>
+                    </a:lnR>
+                    <a:lnT w="12700" cap="flat" cmpd="sng" algn="ctr">
+                      <a:solidFill>
+                        <a:schemeClr val="tx1"/>
+                      </a:solidFill>
+                      <a:prstDash val="solid"/>
+                      <a:round/>
+                      <a:headEnd type="none" w="med" len="med"/>
+                      <a:tailEnd type="none" w="med" len="med"/>
+                    </a:lnT>
+                    <a:lnB w="12700" cap="flat" cmpd="sng" algn="ctr">
+                      <a:solidFill>
+                        <a:schemeClr val="tx1"/>
+                      </a:solidFill>
+                      <a:prstDash val="solid"/>
+                      <a:round/>
+                      <a:headEnd type="none" w="med" len="med"/>
+                      <a:tailEnd type="none" w="med" len="med"/>
+                    </a:lnB>
+                    <a:lnTlToBr w="12700" cmpd="sng">
+                      <a:noFill/>
+                      <a:prstDash val="solid"/>
+                    </a:lnTlToBr>
+                    <a:lnBlToTr w="12700" cmpd="sng">
+                      <a:noFill/>
+                      <a:prstDash val="solid"/>
+                    </a:lnBlToTr>
+                    <a:noFill/>
+                  </a:tcPr>
+                </a:tc>
+                <a:tc>
+                  <a:txBody>
+                    <a:bodyPr/>
+                    <a:lstStyle/>
+                    <a:p>
+                      <a:r>
+                        <a:rPr kumimoji="1" lang="en-US" altLang="ja-JP" sz="2400" dirty="0"/>
+                        <a:t>Python 3.10, 3.11</a:t>
+                      </a:r>
+                      <a:endParaRPr kumimoji="1" lang="ja-JP" altLang="en-US" sz="2400" dirty="0"/>
+                    </a:p>
+                  </a:txBody>
+                  <a:tcPr anchor="ctr">
+                    <a:lnL w="12700" cap="flat" cmpd="sng" algn="ctr">
+                      <a:solidFill>
+                        <a:schemeClr val="tx1"/>
+                      </a:solidFill>
+                      <a:prstDash val="solid"/>
+                      <a:round/>
+                      <a:headEnd type="none" w="med" len="med"/>
+                      <a:tailEnd type="none" w="med" len="med"/>
+                    </a:lnL>
+                    <a:lnR w="12700" cap="flat" cmpd="sng" algn="ctr">
+                      <a:solidFill>
+                        <a:schemeClr val="tx1"/>
+                      </a:solidFill>
+                      <a:prstDash val="solid"/>
+                      <a:round/>
+                      <a:headEnd type="none" w="med" len="med"/>
+                      <a:tailEnd type="none" w="med" len="med"/>
+                    </a:lnR>
+                    <a:lnT w="12700" cap="flat" cmpd="sng" algn="ctr">
+                      <a:solidFill>
+                        <a:schemeClr val="tx1"/>
+                      </a:solidFill>
+                      <a:prstDash val="solid"/>
+                      <a:round/>
+                      <a:headEnd type="none" w="med" len="med"/>
+                      <a:tailEnd type="none" w="med" len="med"/>
+                    </a:lnT>
+                    <a:lnB w="12700" cap="flat" cmpd="sng" algn="ctr">
+                      <a:solidFill>
+                        <a:schemeClr val="tx1"/>
+                      </a:solidFill>
+                      <a:prstDash val="solid"/>
+                      <a:round/>
+                      <a:headEnd type="none" w="med" len="med"/>
+                      <a:tailEnd type="none" w="med" len="med"/>
+                    </a:lnB>
+                    <a:lnTlToBr w="12700" cmpd="sng">
+                      <a:noFill/>
+                      <a:prstDash val="solid"/>
+                    </a:lnTlToBr>
+                    <a:lnBlToTr w="12700" cmpd="sng">
+                      <a:noFill/>
+                      <a:prstDash val="solid"/>
+                    </a:lnBlToTr>
+                    <a:noFill/>
+                  </a:tcPr>
+                </a:tc>
+                <a:extLst>
+                  <a:ext uri="{0D108BD9-81ED-4DB2-BD59-A6C34878D82A}">
+                    <a16:rowId xmlns:a16="http://schemas.microsoft.com/office/drawing/2014/main" val="3627593366"/>
+                  </a:ext>
+                </a:extLst>
+              </a:tr>
+              <a:tr h="624069">
+                <a:tc>
+                  <a:txBody>
+                    <a:bodyPr/>
+                    <a:lstStyle/>
+                    <a:p>
+                      <a:pPr algn="ctr"/>
+                      <a:r>
+                        <a:rPr kumimoji="1" lang="ja-JP" altLang="en-US" sz="2400" dirty="0"/>
+                        <a:t>ライブラリ</a:t>
+                      </a:r>
+                      <a:endParaRPr kumimoji="1" lang="en-US" altLang="ja-JP" sz="2400" dirty="0"/>
+                    </a:p>
+                  </a:txBody>
+                  <a:tcPr anchor="ctr">
+                    <a:lnL w="12700" cap="flat" cmpd="sng" algn="ctr">
+                      <a:solidFill>
+                        <a:schemeClr val="tx1"/>
+                      </a:solidFill>
+                      <a:prstDash val="solid"/>
+                      <a:round/>
+                      <a:headEnd type="none" w="med" len="med"/>
+                      <a:tailEnd type="none" w="med" len="med"/>
+                    </a:lnL>
+                    <a:lnR w="12700" cap="flat" cmpd="sng" algn="ctr">
+                      <a:solidFill>
+                        <a:schemeClr val="tx1"/>
+                      </a:solidFill>
+                      <a:prstDash val="solid"/>
+                      <a:round/>
+                      <a:headEnd type="none" w="med" len="med"/>
+                      <a:tailEnd type="none" w="med" len="med"/>
+                    </a:lnR>
+                    <a:lnT w="12700" cap="flat" cmpd="sng" algn="ctr">
+                      <a:solidFill>
+                        <a:schemeClr val="tx1"/>
+                      </a:solidFill>
+                      <a:prstDash val="solid"/>
+                      <a:round/>
+                      <a:headEnd type="none" w="med" len="med"/>
+                      <a:tailEnd type="none" w="med" len="med"/>
+                    </a:lnT>
+                    <a:lnB w="12700" cap="flat" cmpd="sng" algn="ctr">
+                      <a:solidFill>
+                        <a:schemeClr val="tx1"/>
+                      </a:solidFill>
+                      <a:prstDash val="solid"/>
+                      <a:round/>
+                      <a:headEnd type="none" w="med" len="med"/>
+                      <a:tailEnd type="none" w="med" len="med"/>
+                    </a:lnB>
+                    <a:lnTlToBr w="12700" cmpd="sng">
+                      <a:noFill/>
+                      <a:prstDash val="solid"/>
+                    </a:lnTlToBr>
+                    <a:lnBlToTr w="12700" cmpd="sng">
+                      <a:noFill/>
+                      <a:prstDash val="solid"/>
+                    </a:lnBlToTr>
+                    <a:noFill/>
+                  </a:tcPr>
+                </a:tc>
+                <a:tc>
+                  <a:txBody>
+                    <a:bodyPr/>
+                    <a:lstStyle/>
+                    <a:p>
+                      <a:r>
+                        <a:rPr kumimoji="1" lang="en-US" altLang="ja-JP" sz="2400" dirty="0"/>
+                        <a:t>random</a:t>
+                      </a:r>
+                      <a:endParaRPr kumimoji="1" lang="ja-JP" altLang="en-US" sz="2400" dirty="0"/>
+                    </a:p>
+                  </a:txBody>
+                  <a:tcPr anchor="ctr">
+                    <a:lnL w="12700" cap="flat" cmpd="sng" algn="ctr">
+                      <a:solidFill>
+                        <a:schemeClr val="tx1"/>
+                      </a:solidFill>
+                      <a:prstDash val="solid"/>
+                      <a:round/>
+                      <a:headEnd type="none" w="med" len="med"/>
+                      <a:tailEnd type="none" w="med" len="med"/>
+                    </a:lnL>
+                    <a:lnR w="12700" cap="flat" cmpd="sng" algn="ctr">
+                      <a:solidFill>
+                        <a:schemeClr val="tx1"/>
+                      </a:solidFill>
+                      <a:prstDash val="solid"/>
+                      <a:round/>
+                      <a:headEnd type="none" w="med" len="med"/>
+                      <a:tailEnd type="none" w="med" len="med"/>
+                    </a:lnR>
+                    <a:lnT w="12700" cap="flat" cmpd="sng" algn="ctr">
+                      <a:solidFill>
+                        <a:schemeClr val="tx1"/>
+                      </a:solidFill>
+                      <a:prstDash val="solid"/>
+                      <a:round/>
+                      <a:headEnd type="none" w="med" len="med"/>
+                      <a:tailEnd type="none" w="med" len="med"/>
+                    </a:lnT>
+                    <a:lnB w="12700" cap="flat" cmpd="sng" algn="ctr">
+                      <a:solidFill>
+                        <a:schemeClr val="tx1"/>
+                      </a:solidFill>
+                      <a:prstDash val="solid"/>
+                      <a:round/>
+                      <a:headEnd type="none" w="med" len="med"/>
+                      <a:tailEnd type="none" w="med" len="med"/>
+                    </a:lnB>
+                    <a:lnTlToBr w="12700" cmpd="sng">
+                      <a:noFill/>
+                      <a:prstDash val="solid"/>
+                    </a:lnTlToBr>
+                    <a:lnBlToTr w="12700" cmpd="sng">
+                      <a:noFill/>
+                      <a:prstDash val="solid"/>
+                    </a:lnBlToTr>
+                    <a:noFill/>
+                  </a:tcPr>
+                </a:tc>
+                <a:extLst>
+                  <a:ext uri="{0D108BD9-81ED-4DB2-BD59-A6C34878D82A}">
+                    <a16:rowId xmlns:a16="http://schemas.microsoft.com/office/drawing/2014/main" val="2480491704"/>
+                  </a:ext>
+                </a:extLst>
+              </a:tr>
+              <a:tr h="624069">
+                <a:tc>
+                  <a:txBody>
+                    <a:bodyPr/>
+                    <a:lstStyle/>
+                    <a:p>
+                      <a:pPr algn="ctr"/>
+                      <a:r>
+                        <a:rPr kumimoji="1" lang="en-US" altLang="ja-JP" sz="2400" dirty="0"/>
+                        <a:t>OS</a:t>
+                      </a:r>
+                      <a:endParaRPr kumimoji="1" lang="ja-JP" altLang="en-US" sz="2400" dirty="0"/>
+                    </a:p>
+                  </a:txBody>
+                  <a:tcPr anchor="ctr">
+                    <a:lnL w="12700" cap="flat" cmpd="sng" algn="ctr">
+                      <a:solidFill>
+                        <a:schemeClr val="tx1"/>
+                      </a:solidFill>
+                      <a:prstDash val="solid"/>
+                      <a:round/>
+                      <a:headEnd type="none" w="med" len="med"/>
+                      <a:tailEnd type="none" w="med" len="med"/>
+                    </a:lnL>
+                    <a:lnR w="12700" cap="flat" cmpd="sng" algn="ctr">
+                      <a:solidFill>
+                        <a:schemeClr val="tx1"/>
+                      </a:solidFill>
+                      <a:prstDash val="solid"/>
+                      <a:round/>
+                      <a:headEnd type="none" w="med" len="med"/>
+                      <a:tailEnd type="none" w="med" len="med"/>
+                    </a:lnR>
+                    <a:lnT w="12700" cap="flat" cmpd="sng" algn="ctr">
+                      <a:solidFill>
+                        <a:schemeClr val="tx1"/>
+                      </a:solidFill>
+                      <a:prstDash val="solid"/>
+                      <a:round/>
+                      <a:headEnd type="none" w="med" len="med"/>
+                      <a:tailEnd type="none" w="med" len="med"/>
+                    </a:lnT>
+                    <a:lnB w="12700" cap="flat" cmpd="sng" algn="ctr">
+                      <a:solidFill>
+                        <a:schemeClr val="tx1"/>
+                      </a:solidFill>
+                      <a:prstDash val="solid"/>
+                      <a:round/>
+                      <a:headEnd type="none" w="med" len="med"/>
+                      <a:tailEnd type="none" w="med" len="med"/>
+                    </a:lnB>
+                    <a:lnTlToBr w="12700" cmpd="sng">
+                      <a:noFill/>
+                      <a:prstDash val="solid"/>
+                    </a:lnTlToBr>
+                    <a:lnBlToTr w="12700" cmpd="sng">
+                      <a:noFill/>
+                      <a:prstDash val="solid"/>
+                    </a:lnBlToTr>
+                    <a:noFill/>
+                  </a:tcPr>
+                </a:tc>
+                <a:tc>
+                  <a:txBody>
+                    <a:bodyPr/>
+                    <a:lstStyle/>
+                    <a:p>
+                      <a:r>
+                        <a:rPr kumimoji="1" lang="en-US" altLang="ja-JP" sz="2400" dirty="0"/>
+                        <a:t>Debian 12(WSL2), Ubuntu 22.04 LTS</a:t>
+                      </a:r>
+                      <a:endParaRPr kumimoji="1" lang="ja-JP" altLang="en-US" sz="2400" dirty="0"/>
+                    </a:p>
+                  </a:txBody>
+                  <a:tcPr anchor="ctr">
+                    <a:lnL w="12700" cap="flat" cmpd="sng" algn="ctr">
+                      <a:solidFill>
+                        <a:schemeClr val="tx1"/>
+                      </a:solidFill>
+                      <a:prstDash val="solid"/>
+                      <a:round/>
+                      <a:headEnd type="none" w="med" len="med"/>
+                      <a:tailEnd type="none" w="med" len="med"/>
+                    </a:lnL>
+                    <a:lnR w="12700" cap="flat" cmpd="sng" algn="ctr">
+                      <a:solidFill>
+                        <a:schemeClr val="tx1"/>
+                      </a:solidFill>
+                      <a:prstDash val="solid"/>
+                      <a:round/>
+                      <a:headEnd type="none" w="med" len="med"/>
+                      <a:tailEnd type="none" w="med" len="med"/>
+                    </a:lnR>
+                    <a:lnT w="12700" cap="flat" cmpd="sng" algn="ctr">
+                      <a:solidFill>
+                        <a:schemeClr val="tx1"/>
+                      </a:solidFill>
+                      <a:prstDash val="solid"/>
+                      <a:round/>
+                      <a:headEnd type="none" w="med" len="med"/>
+                      <a:tailEnd type="none" w="med" len="med"/>
+                    </a:lnT>
+                    <a:lnB w="12700" cap="flat" cmpd="sng" algn="ctr">
+                      <a:solidFill>
+                        <a:schemeClr val="tx1"/>
+                      </a:solidFill>
+                      <a:prstDash val="solid"/>
+                      <a:round/>
+                      <a:headEnd type="none" w="med" len="med"/>
+                      <a:tailEnd type="none" w="med" len="med"/>
+                    </a:lnB>
+                    <a:lnTlToBr w="12700" cmpd="sng">
+                      <a:noFill/>
+                      <a:prstDash val="solid"/>
+                    </a:lnTlToBr>
+                    <a:lnBlToTr w="12700" cmpd="sng">
+                      <a:noFill/>
+                      <a:prstDash val="solid"/>
+                    </a:lnBlToTr>
+                    <a:noFill/>
+                  </a:tcPr>
+                </a:tc>
+                <a:extLst>
+                  <a:ext uri="{0D108BD9-81ED-4DB2-BD59-A6C34878D82A}">
+                    <a16:rowId xmlns:a16="http://schemas.microsoft.com/office/drawing/2014/main" val="1776728136"/>
+                  </a:ext>
+                </a:extLst>
+              </a:tr>
+            </a:tbl>
+          </a:graphicData>
+        </a:graphic>
+      </p:graphicFrame>
+      <p:sp>
+        <p:nvSpPr>
+          <p:cNvPr id="9" name="テキスト ボックス 8">
             <a:extLst>
               <a:ext uri="{FF2B5EF4-FFF2-40B4-BE49-F238E27FC236}">
-                <a16:creationId xmlns:a16="http://schemas.microsoft.com/office/drawing/2014/main" id="{A3C6957D-FBCF-49A5-D0D0-456B07E4D0A7}"/>
+                <a16:creationId xmlns:a16="http://schemas.microsoft.com/office/drawing/2014/main" id="{E22AF77A-1558-8780-7D66-959C5DC19A82}"/>
               </a:ext>
             </a:extLst>
           </p:cNvPr>
@@ -5237,8 +7054,8 @@
         </p:nvSpPr>
         <p:spPr>
           <a:xfrm>
-            <a:off x="2915816" y="4115689"/>
-            <a:ext cx="5807752" cy="1938992"/>
+            <a:off x="755576" y="4914362"/>
+            <a:ext cx="7632848" cy="830997"/>
           </a:xfrm>
           <a:prstGeom prst="rect">
             <a:avLst/>
@@ -5251,119 +7068,65 @@
           </a:bodyPr>
           <a:lstStyle/>
           <a:p>
-            <a:pPr marL="285750" indent="-285750">
-              <a:buFont typeface="Arial" panose="020B0604020202020204" pitchFamily="34" charset="0"/>
-              <a:buChar char="•"/>
-            </a:pPr>
+            <a:r>
+              <a:rPr lang="ja-JP" altLang="en-US" sz="2400" dirty="0">
+                <a:latin typeface="BIZ UDPゴシック" panose="020B0400000000000000" pitchFamily="50" charset="-128"/>
+                <a:ea typeface="BIZ UDPゴシック" panose="020B0400000000000000" pitchFamily="50" charset="-128"/>
+              </a:rPr>
+              <a:t>標準ライブラリである</a:t>
+            </a:r>
+            <a:r>
+              <a:rPr lang="en-US" altLang="ja-JP" sz="2400" dirty="0">
+                <a:latin typeface="BIZ UDPゴシック" panose="020B0400000000000000" pitchFamily="50" charset="-128"/>
+                <a:ea typeface="BIZ UDPゴシック" panose="020B0400000000000000" pitchFamily="50" charset="-128"/>
+              </a:rPr>
+              <a:t>r</a:t>
+            </a:r>
+            <a:r>
+              <a:rPr kumimoji="1" lang="en-US" altLang="ja-JP" sz="2400" dirty="0">
+                <a:latin typeface="BIZ UDPゴシック" panose="020B0400000000000000" pitchFamily="50" charset="-128"/>
+                <a:ea typeface="BIZ UDPゴシック" panose="020B0400000000000000" pitchFamily="50" charset="-128"/>
+              </a:rPr>
+              <a:t>andom</a:t>
+            </a:r>
             <a:r>
               <a:rPr kumimoji="1" lang="ja-JP" altLang="en-US" sz="2400" dirty="0">
-                <a:solidFill>
-                  <a:schemeClr val="tx1">
-                    <a:lumMod val="50000"/>
-                  </a:schemeClr>
-                </a:solidFill>
-                <a:latin typeface="BIZ UDPゴシック" panose="020B0400000000000000" pitchFamily="50" charset="-128"/>
-                <a:ea typeface="BIZ UDPゴシック" panose="020B0400000000000000" pitchFamily="50" charset="-128"/>
-              </a:rPr>
-              <a:t>傾向は概ね一致している</a:t>
+                <a:latin typeface="BIZ UDPゴシック" panose="020B0400000000000000" pitchFamily="50" charset="-128"/>
+                <a:ea typeface="BIZ UDPゴシック" panose="020B0400000000000000" pitchFamily="50" charset="-128"/>
+              </a:rPr>
+              <a:t>のみに依存するように</a:t>
             </a:r>
             <a:endParaRPr kumimoji="1" lang="en-US" altLang="ja-JP" sz="2400" dirty="0">
-              <a:solidFill>
-                <a:schemeClr val="tx1">
-                  <a:lumMod val="50000"/>
-                </a:schemeClr>
-              </a:solidFill>
               <a:latin typeface="BIZ UDPゴシック" panose="020B0400000000000000" pitchFamily="50" charset="-128"/>
               <a:ea typeface="BIZ UDPゴシック" panose="020B0400000000000000" pitchFamily="50" charset="-128"/>
             </a:endParaRPr>
           </a:p>
           <a:p>
-            <a:pPr marL="285750" indent="-285750">
-              <a:buFont typeface="Arial" panose="020B0604020202020204" pitchFamily="34" charset="0"/>
-              <a:buChar char="•"/>
-            </a:pPr>
             <a:r>
               <a:rPr kumimoji="1" lang="ja-JP" altLang="en-US" sz="2400" dirty="0">
-                <a:solidFill>
-                  <a:schemeClr val="tx1">
-                    <a:lumMod val="50000"/>
-                  </a:schemeClr>
-                </a:solidFill>
-                <a:latin typeface="BIZ UDPゴシック" panose="020B0400000000000000" pitchFamily="50" charset="-128"/>
-                <a:ea typeface="BIZ UDPゴシック" panose="020B0400000000000000" pitchFamily="50" charset="-128"/>
-              </a:rPr>
-              <a:t>差が一番大きい</a:t>
+                <a:latin typeface="BIZ UDPゴシック" panose="020B0400000000000000" pitchFamily="50" charset="-128"/>
+                <a:ea typeface="BIZ UDPゴシック" panose="020B0400000000000000" pitchFamily="50" charset="-128"/>
+              </a:rPr>
+              <a:t>設計することで後互換性のあるシミュレータを実現した</a:t>
             </a:r>
             <a:r>
               <a:rPr kumimoji="1" lang="en-US" altLang="ja-JP" sz="2400" dirty="0">
-                <a:solidFill>
-                  <a:schemeClr val="tx1">
-                    <a:lumMod val="50000"/>
-                  </a:schemeClr>
-                </a:solidFill>
-                <a:latin typeface="BIZ UDPゴシック" panose="020B0400000000000000" pitchFamily="50" charset="-128"/>
-                <a:ea typeface="BIZ UDPゴシック" panose="020B0400000000000000" pitchFamily="50" charset="-128"/>
-              </a:rPr>
-              <a:t>80</a:t>
-            </a:r>
-            <a:r>
-              <a:rPr kumimoji="1" lang="ja-JP" altLang="en-US" sz="2400" dirty="0">
-                <a:solidFill>
-                  <a:schemeClr val="tx1">
-                    <a:lumMod val="50000"/>
-                  </a:schemeClr>
-                </a:solidFill>
-                <a:latin typeface="BIZ UDPゴシック" panose="020B0400000000000000" pitchFamily="50" charset="-128"/>
-                <a:ea typeface="BIZ UDPゴシック" panose="020B0400000000000000" pitchFamily="50" charset="-128"/>
-              </a:rPr>
-              <a:t>台の場合でも誤差が約</a:t>
-            </a:r>
-            <a:r>
-              <a:rPr lang="en-US" altLang="ja-JP" sz="2400" dirty="0">
-                <a:solidFill>
-                  <a:schemeClr val="tx1">
-                    <a:lumMod val="50000"/>
-                  </a:schemeClr>
-                </a:solidFill>
-                <a:latin typeface="BIZ UDPゴシック" panose="020B0400000000000000" pitchFamily="50" charset="-128"/>
-                <a:ea typeface="BIZ UDPゴシック" panose="020B0400000000000000" pitchFamily="50" charset="-128"/>
-              </a:rPr>
-              <a:t>2.75%</a:t>
-            </a:r>
-            <a:endParaRPr kumimoji="1" lang="en-US" altLang="ja-JP" sz="2400" dirty="0">
-              <a:solidFill>
-                <a:schemeClr val="tx1">
-                  <a:lumMod val="50000"/>
-                </a:schemeClr>
-              </a:solidFill>
+                <a:latin typeface="BIZ UDPゴシック" panose="020B0400000000000000" pitchFamily="50" charset="-128"/>
+                <a:ea typeface="BIZ UDPゴシック" panose="020B0400000000000000" pitchFamily="50" charset="-128"/>
+              </a:rPr>
+              <a:t>.</a:t>
+            </a:r>
+            <a:endParaRPr kumimoji="1" lang="ja-JP" altLang="en-US" sz="2400" dirty="0">
               <a:latin typeface="BIZ UDPゴシック" panose="020B0400000000000000" pitchFamily="50" charset="-128"/>
               <a:ea typeface="BIZ UDPゴシック" panose="020B0400000000000000" pitchFamily="50" charset="-128"/>
             </a:endParaRPr>
           </a:p>
-          <a:p>
-            <a:pPr marL="285750" indent="-285750">
-              <a:buFont typeface="Arial" panose="020B0604020202020204" pitchFamily="34" charset="0"/>
-              <a:buChar char="•"/>
-            </a:pPr>
-            <a:r>
-              <a:rPr kumimoji="1" lang="ja-JP" altLang="en-US" sz="2400" dirty="0">
-                <a:solidFill>
-                  <a:schemeClr val="tx1">
-                    <a:lumMod val="50000"/>
-                  </a:schemeClr>
-                </a:solidFill>
-                <a:latin typeface="BIZ UDPゴシック" panose="020B0400000000000000" pitchFamily="50" charset="-128"/>
-                <a:ea typeface="BIZ UDPゴシック" panose="020B0400000000000000" pitchFamily="50" charset="-128"/>
-              </a:rPr>
-              <a:t>差が生まれたのは文献とのモデル化方法の違いが考えられる</a:t>
-            </a:r>
-          </a:p>
         </p:txBody>
       </p:sp>
     </p:spTree>
     <p:extLst>
       <p:ext uri="{BB962C8B-B14F-4D97-AF65-F5344CB8AC3E}">
-        <p14:creationId xmlns:p14="http://schemas.microsoft.com/office/powerpoint/2010/main" val="2822520875"/>
+        <p14:creationId xmlns:p14="http://schemas.microsoft.com/office/powerpoint/2010/main" val="2267368293"/>
       </p:ext>
     </p:extLst>
   </p:cSld>
@@ -5381,7 +7144,7 @@
         <p:cNvPr id="1" name="">
           <a:extLst>
             <a:ext uri="{FF2B5EF4-FFF2-40B4-BE49-F238E27FC236}">
-              <a16:creationId xmlns:a16="http://schemas.microsoft.com/office/drawing/2014/main" id="{E2F1B8E4-1CC8-0F3C-E652-C13C3A997D35}"/>
+              <a16:creationId xmlns:a16="http://schemas.microsoft.com/office/drawing/2014/main" id="{CCA9FE33-CEC4-4BAB-8212-2FB31A4A7B1E}"/>
             </a:ext>
           </a:extLst>
         </p:cNvPr>
@@ -5401,7 +7164,7 @@
           <p:cNvPr id="3" name="タイトル 2">
             <a:extLst>
               <a:ext uri="{FF2B5EF4-FFF2-40B4-BE49-F238E27FC236}">
-                <a16:creationId xmlns:a16="http://schemas.microsoft.com/office/drawing/2014/main" id="{166C4C12-8542-B4B7-AB84-9218B191B6DC}"/>
+                <a16:creationId xmlns:a16="http://schemas.microsoft.com/office/drawing/2014/main" id="{875FBB25-77E0-4942-2C64-F82CDD3B82F5}"/>
               </a:ext>
             </a:extLst>
           </p:cNvPr>
@@ -5422,21 +7185,7 @@
                 <a:latin typeface="BIZ UDPゴシック" panose="020B0400000000000000" pitchFamily="50" charset="-128"/>
                 <a:ea typeface="BIZ UDPゴシック" panose="020B0400000000000000" pitchFamily="50" charset="-128"/>
               </a:rPr>
-              <a:t>シミュレーション</a:t>
-            </a:r>
-            <a:r>
-              <a:rPr kumimoji="1" lang="en-US" altLang="ja-JP" dirty="0">
-                <a:latin typeface="BIZ UDPゴシック" panose="020B0400000000000000" pitchFamily="50" charset="-128"/>
-                <a:ea typeface="BIZ UDPゴシック" panose="020B0400000000000000" pitchFamily="50" charset="-128"/>
-              </a:rPr>
-              <a:t>2 </a:t>
-            </a:r>
-            <a:r>
-              <a:rPr kumimoji="1" lang="ja-JP" altLang="en-US" dirty="0">
-                <a:latin typeface="BIZ UDPゴシック" panose="020B0400000000000000" pitchFamily="50" charset="-128"/>
-                <a:ea typeface="BIZ UDPゴシック" panose="020B0400000000000000" pitchFamily="50" charset="-128"/>
-              </a:rPr>
-              <a:t>評価</a:t>
+              <a:t>実装</a:t>
             </a:r>
           </a:p>
         </p:txBody>
@@ -5446,7 +7195,7 @@
           <p:cNvPr id="4" name="スライド番号プレースホルダー 3">
             <a:extLst>
               <a:ext uri="{FF2B5EF4-FFF2-40B4-BE49-F238E27FC236}">
-                <a16:creationId xmlns:a16="http://schemas.microsoft.com/office/drawing/2014/main" id="{03E71732-CD46-5ED7-2BBE-1E63F1D98655}"/>
+                <a16:creationId xmlns:a16="http://schemas.microsoft.com/office/drawing/2014/main" id="{5C16C9BF-00DF-0E53-51F9-5F52A59DB631}"/>
               </a:ext>
             </a:extLst>
           </p:cNvPr>
@@ -5470,12 +7219,1234 @@
           </a:p>
         </p:txBody>
       </p:sp>
+      <p:sp>
+        <p:nvSpPr>
+          <p:cNvPr id="2" name="テキスト ボックス 1">
+            <a:extLst>
+              <a:ext uri="{FF2B5EF4-FFF2-40B4-BE49-F238E27FC236}">
+                <a16:creationId xmlns:a16="http://schemas.microsoft.com/office/drawing/2014/main" id="{CD1F5919-7230-4D8A-79FA-99D653B7E872}"/>
+              </a:ext>
+            </a:extLst>
+          </p:cNvPr>
+          <p:cNvSpPr txBox="1"/>
+          <p:nvPr/>
+        </p:nvSpPr>
+        <p:spPr>
+          <a:xfrm>
+            <a:off x="4499992" y="2348880"/>
+            <a:ext cx="4201239" cy="646331"/>
+          </a:xfrm>
+          <a:prstGeom prst="rect">
+            <a:avLst/>
+          </a:prstGeom>
+          <a:noFill/>
+        </p:spPr>
+        <p:txBody>
+          <a:bodyPr wrap="square" rtlCol="0">
+            <a:spAutoFit/>
+          </a:bodyPr>
+          <a:lstStyle/>
+          <a:p>
+            <a:pPr marL="285750" indent="-285750">
+              <a:buFont typeface="Arial" panose="020B0604020202020204" pitchFamily="34" charset="0"/>
+              <a:buChar char="•"/>
+            </a:pPr>
+            <a:r>
+              <a:rPr kumimoji="1" lang="ja-JP" altLang="en-US" dirty="0">
+                <a:latin typeface="BIZ UDPゴシック" panose="020B0400000000000000" pitchFamily="50" charset="-128"/>
+                <a:ea typeface="BIZ UDPゴシック" panose="020B0400000000000000" pitchFamily="50" charset="-128"/>
+              </a:rPr>
+              <a:t>プロトコルを評価するために見通し内として電力は加味しない</a:t>
+            </a:r>
+          </a:p>
+        </p:txBody>
+      </p:sp>
+      <p:sp>
+        <p:nvSpPr>
+          <p:cNvPr id="5" name="テキスト ボックス 4">
+            <a:extLst>
+              <a:ext uri="{FF2B5EF4-FFF2-40B4-BE49-F238E27FC236}">
+                <a16:creationId xmlns:a16="http://schemas.microsoft.com/office/drawing/2014/main" id="{40738D59-DCA6-7C59-D5FE-4CFC182B6A71}"/>
+              </a:ext>
+            </a:extLst>
+          </p:cNvPr>
+          <p:cNvSpPr txBox="1"/>
+          <p:nvPr/>
+        </p:nvSpPr>
+        <p:spPr>
+          <a:xfrm>
+            <a:off x="5940152" y="4862922"/>
+            <a:ext cx="2304256" cy="923330"/>
+          </a:xfrm>
+          <a:prstGeom prst="rect">
+            <a:avLst/>
+          </a:prstGeom>
+          <a:noFill/>
+        </p:spPr>
+        <p:txBody>
+          <a:bodyPr wrap="square" rtlCol="0">
+            <a:spAutoFit/>
+          </a:bodyPr>
+          <a:lstStyle/>
+          <a:p>
+            <a:pPr marL="285750" indent="-285750">
+              <a:buFont typeface="Arial" panose="020B0604020202020204" pitchFamily="34" charset="0"/>
+              <a:buChar char="•"/>
+            </a:pPr>
+            <a:r>
+              <a:rPr kumimoji="1" lang="ja-JP" altLang="en-US" dirty="0">
+                <a:latin typeface="BIZ UDPゴシック" panose="020B0400000000000000" pitchFamily="50" charset="-128"/>
+                <a:ea typeface="BIZ UDPゴシック" panose="020B0400000000000000" pitchFamily="50" charset="-128"/>
+              </a:rPr>
+              <a:t>トポロジー</a:t>
+            </a:r>
+            <a:endParaRPr kumimoji="1" lang="en-US" altLang="ja-JP" dirty="0">
+              <a:latin typeface="BIZ UDPゴシック" panose="020B0400000000000000" pitchFamily="50" charset="-128"/>
+              <a:ea typeface="BIZ UDPゴシック" panose="020B0400000000000000" pitchFamily="50" charset="-128"/>
+            </a:endParaRPr>
+          </a:p>
+          <a:p>
+            <a:pPr marL="285750" indent="-285750">
+              <a:buFont typeface="Arial" panose="020B0604020202020204" pitchFamily="34" charset="0"/>
+              <a:buChar char="•"/>
+            </a:pPr>
+            <a:r>
+              <a:rPr lang="ja-JP" altLang="en-US" dirty="0">
+                <a:latin typeface="BIZ UDPゴシック" panose="020B0400000000000000" pitchFamily="50" charset="-128"/>
+                <a:ea typeface="BIZ UDPゴシック" panose="020B0400000000000000" pitchFamily="50" charset="-128"/>
+              </a:rPr>
+              <a:t>周波数</a:t>
+            </a:r>
+            <a:endParaRPr lang="en-US" altLang="ja-JP" dirty="0">
+              <a:latin typeface="BIZ UDPゴシック" panose="020B0400000000000000" pitchFamily="50" charset="-128"/>
+              <a:ea typeface="BIZ UDPゴシック" panose="020B0400000000000000" pitchFamily="50" charset="-128"/>
+            </a:endParaRPr>
+          </a:p>
+          <a:p>
+            <a:pPr marL="285750" indent="-285750">
+              <a:buFont typeface="Arial" panose="020B0604020202020204" pitchFamily="34" charset="0"/>
+              <a:buChar char="•"/>
+            </a:pPr>
+            <a:endParaRPr kumimoji="1" lang="ja-JP" altLang="en-US" dirty="0">
+              <a:latin typeface="BIZ UDPゴシック" panose="020B0400000000000000" pitchFamily="50" charset="-128"/>
+              <a:ea typeface="BIZ UDPゴシック" panose="020B0400000000000000" pitchFamily="50" charset="-128"/>
+            </a:endParaRPr>
+          </a:p>
+        </p:txBody>
+      </p:sp>
+      <p:grpSp>
+        <p:nvGrpSpPr>
+          <p:cNvPr id="36" name="グループ化 35">
+            <a:extLst>
+              <a:ext uri="{FF2B5EF4-FFF2-40B4-BE49-F238E27FC236}">
+                <a16:creationId xmlns:a16="http://schemas.microsoft.com/office/drawing/2014/main" id="{EE1D80B5-BCD1-A7F8-886C-BFA178DB2A8E}"/>
+              </a:ext>
+            </a:extLst>
+          </p:cNvPr>
+          <p:cNvGrpSpPr/>
+          <p:nvPr/>
+        </p:nvGrpSpPr>
+        <p:grpSpPr>
+          <a:xfrm>
+            <a:off x="107504" y="2204864"/>
+            <a:ext cx="4201239" cy="3302245"/>
+            <a:chOff x="78974" y="2014206"/>
+            <a:chExt cx="4201239" cy="3302245"/>
+          </a:xfrm>
+        </p:grpSpPr>
+        <p:pic>
+          <p:nvPicPr>
+            <p:cNvPr id="30" name="図 29" descr="テキスト が含まれている画像&#10;&#10;AI によって生成されたコンテンツは間違っている可能性があります。">
+              <a:extLst>
+                <a:ext uri="{FF2B5EF4-FFF2-40B4-BE49-F238E27FC236}">
+                  <a16:creationId xmlns:a16="http://schemas.microsoft.com/office/drawing/2014/main" id="{7514FF50-3731-893C-36FC-D9ECE5F60EFB}"/>
+                </a:ext>
+              </a:extLst>
+            </p:cNvPr>
+            <p:cNvPicPr>
+              <a:picLocks noChangeAspect="1"/>
+            </p:cNvPicPr>
+            <p:nvPr/>
+          </p:nvPicPr>
+          <p:blipFill>
+            <a:blip r:embed="rId3">
+              <a:extLst>
+                <a:ext uri="{28A0092B-C50C-407E-A947-70E740481C1C}">
+                  <a14:useLocalDpi xmlns:a14="http://schemas.microsoft.com/office/drawing/2010/main" val="0"/>
+                </a:ext>
+              </a:extLst>
+            </a:blip>
+            <a:stretch>
+              <a:fillRect/>
+            </a:stretch>
+          </p:blipFill>
+          <p:spPr>
+            <a:xfrm>
+              <a:off x="78974" y="2014206"/>
+              <a:ext cx="4201239" cy="3302245"/>
+            </a:xfrm>
+            <a:prstGeom prst="rect">
+              <a:avLst/>
+            </a:prstGeom>
+          </p:spPr>
+        </p:pic>
+        <p:sp>
+          <p:nvSpPr>
+            <p:cNvPr id="10" name="テキスト ボックス 9">
+              <a:extLst>
+                <a:ext uri="{FF2B5EF4-FFF2-40B4-BE49-F238E27FC236}">
+                  <a16:creationId xmlns:a16="http://schemas.microsoft.com/office/drawing/2014/main" id="{51778EFE-1110-C10B-913D-7BCB94A68CFE}"/>
+                </a:ext>
+              </a:extLst>
+            </p:cNvPr>
+            <p:cNvSpPr txBox="1"/>
+            <p:nvPr/>
+          </p:nvSpPr>
+          <p:spPr>
+            <a:xfrm>
+              <a:off x="513174" y="4724422"/>
+              <a:ext cx="772836" cy="276999"/>
+            </a:xfrm>
+            <a:prstGeom prst="rect">
+              <a:avLst/>
+            </a:prstGeom>
+            <a:noFill/>
+          </p:spPr>
+          <p:txBody>
+            <a:bodyPr wrap="square" rtlCol="0">
+              <a:spAutoFit/>
+            </a:bodyPr>
+            <a:lstStyle/>
+            <a:p>
+              <a:pPr algn="ctr"/>
+              <a:r>
+                <a:rPr kumimoji="1" lang="ja-JP" altLang="en-US" sz="1200" dirty="0">
+                  <a:latin typeface="BIZ UDPゴシック" panose="020B0400000000000000" pitchFamily="50" charset="-128"/>
+                  <a:ea typeface="BIZ UDPゴシック" panose="020B0400000000000000" pitchFamily="50" charset="-128"/>
+                </a:rPr>
+                <a:t>端末</a:t>
+              </a:r>
+              <a:r>
+                <a:rPr kumimoji="1" lang="en-US" altLang="ja-JP" sz="1200" dirty="0">
+                  <a:latin typeface="BIZ UDPゴシック" panose="020B0400000000000000" pitchFamily="50" charset="-128"/>
+                  <a:ea typeface="BIZ UDPゴシック" panose="020B0400000000000000" pitchFamily="50" charset="-128"/>
+                </a:rPr>
+                <a:t>1</a:t>
+              </a:r>
+              <a:endParaRPr kumimoji="1" lang="ja-JP" altLang="en-US" sz="1200" dirty="0">
+                <a:latin typeface="BIZ UDPゴシック" panose="020B0400000000000000" pitchFamily="50" charset="-128"/>
+                <a:ea typeface="BIZ UDPゴシック" panose="020B0400000000000000" pitchFamily="50" charset="-128"/>
+              </a:endParaRPr>
+            </a:p>
+          </p:txBody>
+        </p:sp>
+        <p:sp>
+          <p:nvSpPr>
+            <p:cNvPr id="11" name="テキスト ボックス 10">
+              <a:extLst>
+                <a:ext uri="{FF2B5EF4-FFF2-40B4-BE49-F238E27FC236}">
+                  <a16:creationId xmlns:a16="http://schemas.microsoft.com/office/drawing/2014/main" id="{A529806F-C658-967B-0847-39D6EEE6A3D0}"/>
+                </a:ext>
+              </a:extLst>
+            </p:cNvPr>
+            <p:cNvSpPr txBox="1"/>
+            <p:nvPr/>
+          </p:nvSpPr>
+          <p:spPr>
+            <a:xfrm>
+              <a:off x="993175" y="4743437"/>
+              <a:ext cx="837093" cy="276999"/>
+            </a:xfrm>
+            <a:prstGeom prst="rect">
+              <a:avLst/>
+            </a:prstGeom>
+            <a:noFill/>
+          </p:spPr>
+          <p:txBody>
+            <a:bodyPr wrap="square" rtlCol="0">
+              <a:spAutoFit/>
+            </a:bodyPr>
+            <a:lstStyle/>
+            <a:p>
+              <a:pPr algn="ctr"/>
+              <a:r>
+                <a:rPr kumimoji="1" lang="ja-JP" altLang="en-US" sz="1200" dirty="0">
+                  <a:latin typeface="BIZ UDPゴシック" panose="020B0400000000000000" pitchFamily="50" charset="-128"/>
+                  <a:ea typeface="BIZ UDPゴシック" panose="020B0400000000000000" pitchFamily="50" charset="-128"/>
+                </a:rPr>
+                <a:t>端末</a:t>
+              </a:r>
+              <a:r>
+                <a:rPr lang="en-US" altLang="ja-JP" sz="1200" dirty="0">
+                  <a:latin typeface="BIZ UDPゴシック" panose="020B0400000000000000" pitchFamily="50" charset="-128"/>
+                  <a:ea typeface="BIZ UDPゴシック" panose="020B0400000000000000" pitchFamily="50" charset="-128"/>
+                </a:rPr>
+                <a:t>2</a:t>
+              </a:r>
+              <a:endParaRPr kumimoji="1" lang="ja-JP" altLang="en-US" sz="1200" dirty="0">
+                <a:latin typeface="BIZ UDPゴシック" panose="020B0400000000000000" pitchFamily="50" charset="-128"/>
+                <a:ea typeface="BIZ UDPゴシック" panose="020B0400000000000000" pitchFamily="50" charset="-128"/>
+              </a:endParaRPr>
+            </a:p>
+          </p:txBody>
+        </p:sp>
+        <p:sp>
+          <p:nvSpPr>
+            <p:cNvPr id="12" name="テキスト ボックス 11">
+              <a:extLst>
+                <a:ext uri="{FF2B5EF4-FFF2-40B4-BE49-F238E27FC236}">
+                  <a16:creationId xmlns:a16="http://schemas.microsoft.com/office/drawing/2014/main" id="{D1CE261A-23D5-03FD-E2A4-9164EBF3BC89}"/>
+                </a:ext>
+              </a:extLst>
+            </p:cNvPr>
+            <p:cNvSpPr txBox="1"/>
+            <p:nvPr/>
+          </p:nvSpPr>
+          <p:spPr>
+            <a:xfrm>
+              <a:off x="1551675" y="4743436"/>
+              <a:ext cx="772837" cy="276999"/>
+            </a:xfrm>
+            <a:prstGeom prst="rect">
+              <a:avLst/>
+            </a:prstGeom>
+            <a:noFill/>
+          </p:spPr>
+          <p:txBody>
+            <a:bodyPr wrap="square" rtlCol="0">
+              <a:spAutoFit/>
+            </a:bodyPr>
+            <a:lstStyle/>
+            <a:p>
+              <a:pPr algn="ctr"/>
+              <a:r>
+                <a:rPr kumimoji="1" lang="ja-JP" altLang="en-US" sz="1200" dirty="0">
+                  <a:latin typeface="BIZ UDPゴシック" panose="020B0400000000000000" pitchFamily="50" charset="-128"/>
+                  <a:ea typeface="BIZ UDPゴシック" panose="020B0400000000000000" pitchFamily="50" charset="-128"/>
+                </a:rPr>
+                <a:t>端末</a:t>
+              </a:r>
+              <a:r>
+                <a:rPr kumimoji="1" lang="en-US" altLang="ja-JP" sz="1200" dirty="0">
+                  <a:latin typeface="BIZ UDPゴシック" panose="020B0400000000000000" pitchFamily="50" charset="-128"/>
+                  <a:ea typeface="BIZ UDPゴシック" panose="020B0400000000000000" pitchFamily="50" charset="-128"/>
+                </a:rPr>
+                <a:t>3</a:t>
+              </a:r>
+              <a:endParaRPr kumimoji="1" lang="ja-JP" altLang="en-US" sz="1200" dirty="0">
+                <a:latin typeface="BIZ UDPゴシック" panose="020B0400000000000000" pitchFamily="50" charset="-128"/>
+                <a:ea typeface="BIZ UDPゴシック" panose="020B0400000000000000" pitchFamily="50" charset="-128"/>
+              </a:endParaRPr>
+            </a:p>
+          </p:txBody>
+        </p:sp>
+        <p:sp>
+          <p:nvSpPr>
+            <p:cNvPr id="13" name="テキスト ボックス 12">
+              <a:extLst>
+                <a:ext uri="{FF2B5EF4-FFF2-40B4-BE49-F238E27FC236}">
+                  <a16:creationId xmlns:a16="http://schemas.microsoft.com/office/drawing/2014/main" id="{928C05BA-CCAE-61FF-76FF-E20A3A6C7ECC}"/>
+                </a:ext>
+              </a:extLst>
+            </p:cNvPr>
+            <p:cNvSpPr txBox="1"/>
+            <p:nvPr/>
+          </p:nvSpPr>
+          <p:spPr>
+            <a:xfrm>
+              <a:off x="2945949" y="4743436"/>
+              <a:ext cx="837093" cy="276999"/>
+            </a:xfrm>
+            <a:prstGeom prst="rect">
+              <a:avLst/>
+            </a:prstGeom>
+            <a:noFill/>
+          </p:spPr>
+          <p:txBody>
+            <a:bodyPr wrap="square" rtlCol="0">
+              <a:spAutoFit/>
+            </a:bodyPr>
+            <a:lstStyle/>
+            <a:p>
+              <a:pPr algn="ctr"/>
+              <a:r>
+                <a:rPr kumimoji="1" lang="ja-JP" altLang="en-US" sz="1200" dirty="0">
+                  <a:latin typeface="BIZ UDPゴシック" panose="020B0400000000000000" pitchFamily="50" charset="-128"/>
+                  <a:ea typeface="BIZ UDPゴシック" panose="020B0400000000000000" pitchFamily="50" charset="-128"/>
+                </a:rPr>
+                <a:t>端末</a:t>
+              </a:r>
+              <a:r>
+                <a:rPr lang="en-US" altLang="ja-JP" sz="1200" dirty="0">
+                  <a:latin typeface="BIZ UDPゴシック" panose="020B0400000000000000" pitchFamily="50" charset="-128"/>
+                  <a:ea typeface="BIZ UDPゴシック" panose="020B0400000000000000" pitchFamily="50" charset="-128"/>
+                </a:rPr>
+                <a:t>n</a:t>
+              </a:r>
+              <a:endParaRPr kumimoji="1" lang="ja-JP" altLang="en-US" sz="1200" dirty="0">
+                <a:latin typeface="BIZ UDPゴシック" panose="020B0400000000000000" pitchFamily="50" charset="-128"/>
+                <a:ea typeface="BIZ UDPゴシック" panose="020B0400000000000000" pitchFamily="50" charset="-128"/>
+              </a:endParaRPr>
+            </a:p>
+          </p:txBody>
+        </p:sp>
+        <p:sp>
+          <p:nvSpPr>
+            <p:cNvPr id="35" name="テキスト ボックス 34">
+              <a:extLst>
+                <a:ext uri="{FF2B5EF4-FFF2-40B4-BE49-F238E27FC236}">
+                  <a16:creationId xmlns:a16="http://schemas.microsoft.com/office/drawing/2014/main" id="{D10002D8-16EE-2809-8008-F1E59482D1BE}"/>
+                </a:ext>
+              </a:extLst>
+            </p:cNvPr>
+            <p:cNvSpPr txBox="1"/>
+            <p:nvPr/>
+          </p:nvSpPr>
+          <p:spPr>
+            <a:xfrm>
+              <a:off x="1761046" y="3140734"/>
+              <a:ext cx="837093" cy="276999"/>
+            </a:xfrm>
+            <a:prstGeom prst="rect">
+              <a:avLst/>
+            </a:prstGeom>
+            <a:noFill/>
+          </p:spPr>
+          <p:txBody>
+            <a:bodyPr wrap="square" rtlCol="0">
+              <a:spAutoFit/>
+            </a:bodyPr>
+            <a:lstStyle/>
+            <a:p>
+              <a:pPr algn="ctr"/>
+              <a:r>
+                <a:rPr kumimoji="1" lang="ja-JP" altLang="en-US" sz="1200" dirty="0">
+                  <a:latin typeface="BIZ UDPゴシック" panose="020B0400000000000000" pitchFamily="50" charset="-128"/>
+                  <a:ea typeface="BIZ UDPゴシック" panose="020B0400000000000000" pitchFamily="50" charset="-128"/>
+                </a:rPr>
+                <a:t>ルーター</a:t>
+              </a:r>
+            </a:p>
+          </p:txBody>
+        </p:sp>
+      </p:grpSp>
+      <p:sp>
+        <p:nvSpPr>
+          <p:cNvPr id="37" name="テキスト ボックス 36">
+            <a:extLst>
+              <a:ext uri="{FF2B5EF4-FFF2-40B4-BE49-F238E27FC236}">
+                <a16:creationId xmlns:a16="http://schemas.microsoft.com/office/drawing/2014/main" id="{68E09052-2741-500D-CEA9-21DC87780E34}"/>
+              </a:ext>
+            </a:extLst>
+          </p:cNvPr>
+          <p:cNvSpPr txBox="1"/>
+          <p:nvPr/>
+        </p:nvSpPr>
+        <p:spPr>
+          <a:xfrm>
+            <a:off x="4932040" y="3328902"/>
+            <a:ext cx="2304256" cy="1200329"/>
+          </a:xfrm>
+          <a:prstGeom prst="rect">
+            <a:avLst/>
+          </a:prstGeom>
+          <a:noFill/>
+        </p:spPr>
+        <p:txBody>
+          <a:bodyPr wrap="square" rtlCol="0">
+            <a:spAutoFit/>
+          </a:bodyPr>
+          <a:lstStyle/>
+          <a:p>
+            <a:pPr marL="285750" indent="-285750">
+              <a:buFont typeface="Arial" panose="020B0604020202020204" pitchFamily="34" charset="0"/>
+              <a:buChar char="•"/>
+            </a:pPr>
+            <a:r>
+              <a:rPr lang="ja-JP" altLang="en-US" dirty="0">
+                <a:latin typeface="BIZ UDPゴシック" panose="020B0400000000000000" pitchFamily="50" charset="-128"/>
+                <a:ea typeface="BIZ UDPゴシック" panose="020B0400000000000000" pitchFamily="50" charset="-128"/>
+              </a:rPr>
+              <a:t>規格</a:t>
+            </a:r>
+            <a:endParaRPr kumimoji="1" lang="en-US" altLang="ja-JP" dirty="0">
+              <a:latin typeface="BIZ UDPゴシック" panose="020B0400000000000000" pitchFamily="50" charset="-128"/>
+              <a:ea typeface="BIZ UDPゴシック" panose="020B0400000000000000" pitchFamily="50" charset="-128"/>
+            </a:endParaRPr>
+          </a:p>
+          <a:p>
+            <a:pPr marL="285750" indent="-285750">
+              <a:buFont typeface="Arial" panose="020B0604020202020204" pitchFamily="34" charset="0"/>
+              <a:buChar char="•"/>
+            </a:pPr>
+            <a:r>
+              <a:rPr lang="ja-JP" altLang="en-US" dirty="0">
+                <a:latin typeface="BIZ UDPゴシック" panose="020B0400000000000000" pitchFamily="50" charset="-128"/>
+                <a:ea typeface="BIZ UDPゴシック" panose="020B0400000000000000" pitchFamily="50" charset="-128"/>
+              </a:rPr>
+              <a:t>周波数</a:t>
+            </a:r>
+            <a:endParaRPr lang="en-US" altLang="ja-JP" dirty="0">
+              <a:latin typeface="BIZ UDPゴシック" panose="020B0400000000000000" pitchFamily="50" charset="-128"/>
+              <a:ea typeface="BIZ UDPゴシック" panose="020B0400000000000000" pitchFamily="50" charset="-128"/>
+            </a:endParaRPr>
+          </a:p>
+          <a:p>
+            <a:pPr marL="285750" indent="-285750">
+              <a:buFont typeface="Arial" panose="020B0604020202020204" pitchFamily="34" charset="0"/>
+              <a:buChar char="•"/>
+            </a:pPr>
+            <a:r>
+              <a:rPr lang="ja-JP" altLang="en-US" dirty="0">
+                <a:latin typeface="BIZ UDPゴシック" panose="020B0400000000000000" pitchFamily="50" charset="-128"/>
+                <a:ea typeface="BIZ UDPゴシック" panose="020B0400000000000000" pitchFamily="50" charset="-128"/>
+              </a:rPr>
+              <a:t>諸元</a:t>
+            </a:r>
+            <a:endParaRPr lang="en-US" altLang="ja-JP" dirty="0">
+              <a:latin typeface="BIZ UDPゴシック" panose="020B0400000000000000" pitchFamily="50" charset="-128"/>
+              <a:ea typeface="BIZ UDPゴシック" panose="020B0400000000000000" pitchFamily="50" charset="-128"/>
+            </a:endParaRPr>
+          </a:p>
+          <a:p>
+            <a:pPr marL="285750" indent="-285750">
+              <a:buFont typeface="Arial" panose="020B0604020202020204" pitchFamily="34" charset="0"/>
+              <a:buChar char="•"/>
+            </a:pPr>
+            <a:endParaRPr kumimoji="1" lang="ja-JP" altLang="en-US" dirty="0">
+              <a:latin typeface="BIZ UDPゴシック" panose="020B0400000000000000" pitchFamily="50" charset="-128"/>
+              <a:ea typeface="BIZ UDPゴシック" panose="020B0400000000000000" pitchFamily="50" charset="-128"/>
+            </a:endParaRPr>
+          </a:p>
+        </p:txBody>
+      </p:sp>
+    </p:spTree>
+    <p:extLst>
+      <p:ext uri="{BB962C8B-B14F-4D97-AF65-F5344CB8AC3E}">
+        <p14:creationId xmlns:p14="http://schemas.microsoft.com/office/powerpoint/2010/main" val="18361912"/>
+      </p:ext>
+    </p:extLst>
+  </p:cSld>
+  <p:clrMapOvr>
+    <a:masterClrMapping/>
+  </p:clrMapOvr>
+</p:sld>
+</file>
+
+<file path=ppt/slides/slide12.xml><?xml version="1.0" encoding="utf-8"?>
+<p:sld xmlns:a="http://schemas.openxmlformats.org/drawingml/2006/main" xmlns:r="http://schemas.openxmlformats.org/officeDocument/2006/relationships" xmlns:p="http://schemas.openxmlformats.org/presentationml/2006/main">
+  <p:cSld>
+    <p:spTree>
+      <p:nvGrpSpPr>
+        <p:cNvPr id="1" name="">
+          <a:extLst>
+            <a:ext uri="{FF2B5EF4-FFF2-40B4-BE49-F238E27FC236}">
+              <a16:creationId xmlns:a16="http://schemas.microsoft.com/office/drawing/2014/main" id="{73DE6B7A-B10F-E565-B72C-741CEB121C2F}"/>
+            </a:ext>
+          </a:extLst>
+        </p:cNvPr>
+        <p:cNvGrpSpPr/>
+        <p:nvPr/>
+      </p:nvGrpSpPr>
+      <p:grpSpPr>
+        <a:xfrm>
+          <a:off x="0" y="0"/>
+          <a:ext cx="0" cy="0"/>
+          <a:chOff x="0" y="0"/>
+          <a:chExt cx="0" cy="0"/>
+        </a:xfrm>
+      </p:grpSpPr>
+      <p:sp>
+        <p:nvSpPr>
+          <p:cNvPr id="3" name="タイトル 2">
+            <a:extLst>
+              <a:ext uri="{FF2B5EF4-FFF2-40B4-BE49-F238E27FC236}">
+                <a16:creationId xmlns:a16="http://schemas.microsoft.com/office/drawing/2014/main" id="{AE41B013-2D92-A350-0D2F-B5B4A63B2521}"/>
+              </a:ext>
+            </a:extLst>
+          </p:cNvPr>
+          <p:cNvSpPr>
+            <a:spLocks noGrp="1"/>
+          </p:cNvSpPr>
+          <p:nvPr>
+            <p:ph type="title"/>
+          </p:nvPr>
+        </p:nvSpPr>
+        <p:spPr/>
+        <p:txBody>
+          <a:bodyPr/>
+          <a:lstStyle/>
+          <a:p>
+            <a:r>
+              <a:rPr kumimoji="1" lang="ja-JP" altLang="en-US" dirty="0">
+                <a:latin typeface="BIZ UDPゴシック" panose="020B0400000000000000" pitchFamily="50" charset="-128"/>
+                <a:ea typeface="BIZ UDPゴシック" panose="020B0400000000000000" pitchFamily="50" charset="-128"/>
+              </a:rPr>
+              <a:t>シミュレーション 概要</a:t>
+            </a:r>
+            <a:endParaRPr kumimoji="1" lang="ja-JP" altLang="en-US" dirty="0"/>
+          </a:p>
+        </p:txBody>
+      </p:sp>
+      <p:sp>
+        <p:nvSpPr>
+          <p:cNvPr id="4" name="スライド番号プレースホルダー 3">
+            <a:extLst>
+              <a:ext uri="{FF2B5EF4-FFF2-40B4-BE49-F238E27FC236}">
+                <a16:creationId xmlns:a16="http://schemas.microsoft.com/office/drawing/2014/main" id="{FC46EFAB-A64D-3BA7-0964-638701B3426F}"/>
+              </a:ext>
+            </a:extLst>
+          </p:cNvPr>
+          <p:cNvSpPr>
+            <a:spLocks noGrp="1"/>
+          </p:cNvSpPr>
+          <p:nvPr>
+            <p:ph type="sldNum" sz="quarter" idx="10"/>
+          </p:nvPr>
+        </p:nvSpPr>
+        <p:spPr/>
+        <p:txBody>
+          <a:bodyPr/>
+          <a:lstStyle/>
+          <a:p>
+            <a:fld id="{D2D8002D-B5B0-4BAC-B1F6-782DDCCE6D9C}" type="slidenum">
+              <a:rPr kumimoji="1" lang="ja-JP" altLang="en-US" smtClean="0"/>
+              <a:t>12</a:t>
+            </a:fld>
+            <a:endParaRPr kumimoji="1" lang="ja-JP" altLang="en-US"/>
+          </a:p>
+        </p:txBody>
+      </p:sp>
+      <p:sp>
+        <p:nvSpPr>
+          <p:cNvPr id="5" name="テキスト ボックス 4">
+            <a:extLst>
+              <a:ext uri="{FF2B5EF4-FFF2-40B4-BE49-F238E27FC236}">
+                <a16:creationId xmlns:a16="http://schemas.microsoft.com/office/drawing/2014/main" id="{7DC153BA-C70F-613E-668B-BE0806A3984C}"/>
+              </a:ext>
+            </a:extLst>
+          </p:cNvPr>
+          <p:cNvSpPr txBox="1"/>
+          <p:nvPr/>
+        </p:nvSpPr>
+        <p:spPr>
+          <a:xfrm>
+            <a:off x="1131342" y="2014134"/>
+            <a:ext cx="4896544" cy="1569660"/>
+          </a:xfrm>
+          <a:prstGeom prst="rect">
+            <a:avLst/>
+          </a:prstGeom>
+          <a:noFill/>
+        </p:spPr>
+        <p:txBody>
+          <a:bodyPr wrap="square" rtlCol="0">
+            <a:spAutoFit/>
+          </a:bodyPr>
+          <a:lstStyle/>
+          <a:p>
+            <a:pPr marL="285750" indent="-285750">
+              <a:buFont typeface="Arial" panose="020B0604020202020204" pitchFamily="34" charset="0"/>
+              <a:buChar char="•"/>
+            </a:pPr>
+            <a:r>
+              <a:rPr kumimoji="1" lang="en-US" altLang="ja-JP" sz="2400" dirty="0">
+                <a:latin typeface="BIZ UDPゴシック" panose="020B0400000000000000" pitchFamily="50" charset="-128"/>
+                <a:ea typeface="BIZ UDPゴシック" panose="020B0400000000000000" pitchFamily="50" charset="-128"/>
+              </a:rPr>
+              <a:t>IEEE 802.11a </a:t>
+            </a:r>
+            <a:r>
+              <a:rPr kumimoji="1" lang="ja-JP" altLang="en-US" sz="2400" dirty="0">
+                <a:latin typeface="BIZ UDPゴシック" panose="020B0400000000000000" pitchFamily="50" charset="-128"/>
+                <a:ea typeface="BIZ UDPゴシック" panose="020B0400000000000000" pitchFamily="50" charset="-128"/>
+              </a:rPr>
+              <a:t>規格</a:t>
+            </a:r>
+            <a:endParaRPr kumimoji="1" lang="en-US" altLang="ja-JP" sz="2400" dirty="0">
+              <a:latin typeface="BIZ UDPゴシック" panose="020B0400000000000000" pitchFamily="50" charset="-128"/>
+              <a:ea typeface="BIZ UDPゴシック" panose="020B0400000000000000" pitchFamily="50" charset="-128"/>
+            </a:endParaRPr>
+          </a:p>
+          <a:p>
+            <a:pPr marL="285750" indent="-285750">
+              <a:buFont typeface="Arial" panose="020B0604020202020204" pitchFamily="34" charset="0"/>
+              <a:buChar char="•"/>
+            </a:pPr>
+            <a:r>
+              <a:rPr kumimoji="1" lang="en-US" altLang="ja-JP" sz="2400" dirty="0">
+                <a:latin typeface="BIZ UDPゴシック" panose="020B0400000000000000" pitchFamily="50" charset="-128"/>
+                <a:ea typeface="BIZ UDPゴシック" panose="020B0400000000000000" pitchFamily="50" charset="-128"/>
+              </a:rPr>
+              <a:t>24Mbps</a:t>
+            </a:r>
+            <a:r>
+              <a:rPr kumimoji="1" lang="ja-JP" altLang="en-US" sz="2400" dirty="0">
+                <a:latin typeface="BIZ UDPゴシック" panose="020B0400000000000000" pitchFamily="50" charset="-128"/>
+                <a:ea typeface="BIZ UDPゴシック" panose="020B0400000000000000" pitchFamily="50" charset="-128"/>
+              </a:rPr>
+              <a:t>固定</a:t>
+            </a:r>
+            <a:endParaRPr kumimoji="1" lang="en-US" altLang="ja-JP" sz="2400" dirty="0">
+              <a:latin typeface="BIZ UDPゴシック" panose="020B0400000000000000" pitchFamily="50" charset="-128"/>
+              <a:ea typeface="BIZ UDPゴシック" panose="020B0400000000000000" pitchFamily="50" charset="-128"/>
+            </a:endParaRPr>
+          </a:p>
+          <a:p>
+            <a:pPr marL="285750" indent="-285750">
+              <a:buFont typeface="Arial" panose="020B0604020202020204" pitchFamily="34" charset="0"/>
+              <a:buChar char="•"/>
+            </a:pPr>
+            <a:r>
+              <a:rPr kumimoji="1" lang="en-US" altLang="ja-JP" sz="2400" dirty="0">
+                <a:latin typeface="BIZ UDPゴシック" panose="020B0400000000000000" pitchFamily="50" charset="-128"/>
+                <a:ea typeface="BIZ UDPゴシック" panose="020B0400000000000000" pitchFamily="50" charset="-128"/>
+              </a:rPr>
+              <a:t>1</a:t>
+            </a:r>
+            <a:r>
+              <a:rPr kumimoji="1" lang="ja-JP" altLang="en-US" sz="2400" dirty="0">
+                <a:latin typeface="BIZ UDPゴシック" panose="020B0400000000000000" pitchFamily="50" charset="-128"/>
+                <a:ea typeface="BIZ UDPゴシック" panose="020B0400000000000000" pitchFamily="50" charset="-128"/>
+              </a:rPr>
+              <a:t>～</a:t>
+            </a:r>
+            <a:r>
+              <a:rPr kumimoji="1" lang="en-US" altLang="ja-JP" sz="2400" dirty="0">
+                <a:latin typeface="BIZ UDPゴシック" panose="020B0400000000000000" pitchFamily="50" charset="-128"/>
+                <a:ea typeface="BIZ UDPゴシック" panose="020B0400000000000000" pitchFamily="50" charset="-128"/>
+              </a:rPr>
+              <a:t>80</a:t>
+            </a:r>
+            <a:r>
+              <a:rPr kumimoji="1" lang="ja-JP" altLang="en-US" sz="2400" dirty="0">
+                <a:latin typeface="BIZ UDPゴシック" panose="020B0400000000000000" pitchFamily="50" charset="-128"/>
+                <a:ea typeface="BIZ UDPゴシック" panose="020B0400000000000000" pitchFamily="50" charset="-128"/>
+              </a:rPr>
+              <a:t>台</a:t>
+            </a:r>
+            <a:endParaRPr kumimoji="1" lang="en-US" altLang="ja-JP" sz="2400" dirty="0">
+              <a:latin typeface="BIZ UDPゴシック" panose="020B0400000000000000" pitchFamily="50" charset="-128"/>
+              <a:ea typeface="BIZ UDPゴシック" panose="020B0400000000000000" pitchFamily="50" charset="-128"/>
+            </a:endParaRPr>
+          </a:p>
+          <a:p>
+            <a:pPr marL="285750" indent="-285750">
+              <a:buFont typeface="Arial" panose="020B0604020202020204" pitchFamily="34" charset="0"/>
+              <a:buChar char="•"/>
+            </a:pPr>
+            <a:r>
+              <a:rPr kumimoji="1" lang="en-US" altLang="ja-JP" sz="2400" dirty="0">
+                <a:latin typeface="BIZ UDPゴシック" panose="020B0400000000000000" pitchFamily="50" charset="-128"/>
+                <a:ea typeface="BIZ UDPゴシック" panose="020B0400000000000000" pitchFamily="50" charset="-128"/>
+              </a:rPr>
+              <a:t>100</a:t>
+            </a:r>
+            <a:r>
+              <a:rPr lang="en-US" altLang="ja-JP" sz="2400" dirty="0">
+                <a:latin typeface="BIZ UDPゴシック" panose="020B0400000000000000" pitchFamily="50" charset="-128"/>
+                <a:ea typeface="BIZ UDPゴシック" panose="020B0400000000000000" pitchFamily="50" charset="-128"/>
+              </a:rPr>
+              <a:t>0</a:t>
+            </a:r>
+            <a:r>
+              <a:rPr lang="ja-JP" altLang="en-US" sz="2400" dirty="0">
+                <a:latin typeface="BIZ UDPゴシック" panose="020B0400000000000000" pitchFamily="50" charset="-128"/>
+                <a:ea typeface="BIZ UDPゴシック" panose="020B0400000000000000" pitchFamily="50" charset="-128"/>
+              </a:rPr>
+              <a:t>回</a:t>
+            </a:r>
+            <a:endParaRPr kumimoji="1" lang="en-US" altLang="ja-JP" sz="2400" dirty="0">
+              <a:latin typeface="BIZ UDPゴシック" panose="020B0400000000000000" pitchFamily="50" charset="-128"/>
+              <a:ea typeface="BIZ UDPゴシック" panose="020B0400000000000000" pitchFamily="50" charset="-128"/>
+            </a:endParaRPr>
+          </a:p>
+        </p:txBody>
+      </p:sp>
+      <p:sp>
+        <p:nvSpPr>
+          <p:cNvPr id="6" name="テキスト ボックス 5">
+            <a:extLst>
+              <a:ext uri="{FF2B5EF4-FFF2-40B4-BE49-F238E27FC236}">
+                <a16:creationId xmlns:a16="http://schemas.microsoft.com/office/drawing/2014/main" id="{8CFD28E5-4C2B-8646-324B-9A421958CA9D}"/>
+              </a:ext>
+            </a:extLst>
+          </p:cNvPr>
+          <p:cNvSpPr txBox="1"/>
+          <p:nvPr/>
+        </p:nvSpPr>
+        <p:spPr>
+          <a:xfrm>
+            <a:off x="1115616" y="4581128"/>
+            <a:ext cx="7216526" cy="1569660"/>
+          </a:xfrm>
+          <a:prstGeom prst="rect">
+            <a:avLst/>
+          </a:prstGeom>
+          <a:noFill/>
+        </p:spPr>
+        <p:txBody>
+          <a:bodyPr wrap="square" rtlCol="0">
+            <a:spAutoFit/>
+          </a:bodyPr>
+          <a:lstStyle/>
+          <a:p>
+            <a:pPr marL="285750" indent="-285750">
+              <a:buFont typeface="Arial" panose="020B0604020202020204" pitchFamily="34" charset="0"/>
+              <a:buChar char="•"/>
+            </a:pPr>
+            <a:r>
+              <a:rPr kumimoji="1" lang="en-US" altLang="ja-JP" sz="2400" dirty="0">
+                <a:latin typeface="BIZ UDPゴシック" panose="020B0400000000000000" pitchFamily="50" charset="-128"/>
+                <a:ea typeface="BIZ UDPゴシック" panose="020B0400000000000000" pitchFamily="50" charset="-128"/>
+              </a:rPr>
+              <a:t>MCS Index</a:t>
+            </a:r>
+            <a:r>
+              <a:rPr kumimoji="1" lang="ja-JP" altLang="en-US" sz="2400" dirty="0">
+                <a:latin typeface="BIZ UDPゴシック" panose="020B0400000000000000" pitchFamily="50" charset="-128"/>
+                <a:ea typeface="BIZ UDPゴシック" panose="020B0400000000000000" pitchFamily="50" charset="-128"/>
+              </a:rPr>
+              <a:t>で</a:t>
+            </a:r>
+            <a:r>
+              <a:rPr kumimoji="1" lang="en-US" altLang="ja-JP" sz="2400" dirty="0">
+                <a:latin typeface="BIZ UDPゴシック" panose="020B0400000000000000" pitchFamily="50" charset="-128"/>
+                <a:ea typeface="BIZ UDPゴシック" panose="020B0400000000000000" pitchFamily="50" charset="-128"/>
+              </a:rPr>
+              <a:t>IEEE 802.11a</a:t>
+            </a:r>
+            <a:r>
+              <a:rPr kumimoji="1" lang="ja-JP" altLang="en-US" sz="2400" dirty="0">
+                <a:latin typeface="BIZ UDPゴシック" panose="020B0400000000000000" pitchFamily="50" charset="-128"/>
+                <a:ea typeface="BIZ UDPゴシック" panose="020B0400000000000000" pitchFamily="50" charset="-128"/>
+              </a:rPr>
+              <a:t>に定義されている全ての伝送レートで比較</a:t>
+            </a:r>
+            <a:endParaRPr kumimoji="1" lang="en-US" altLang="ja-JP" sz="2400" dirty="0">
+              <a:latin typeface="BIZ UDPゴシック" panose="020B0400000000000000" pitchFamily="50" charset="-128"/>
+              <a:ea typeface="BIZ UDPゴシック" panose="020B0400000000000000" pitchFamily="50" charset="-128"/>
+            </a:endParaRPr>
+          </a:p>
+          <a:p>
+            <a:pPr marL="285750" indent="-285750">
+              <a:buFont typeface="Arial" panose="020B0604020202020204" pitchFamily="34" charset="0"/>
+              <a:buChar char="•"/>
+            </a:pPr>
+            <a:r>
+              <a:rPr kumimoji="1" lang="en-US" altLang="ja-JP" sz="2400" dirty="0">
+                <a:latin typeface="BIZ UDPゴシック" panose="020B0400000000000000" pitchFamily="50" charset="-128"/>
+                <a:ea typeface="BIZ UDPゴシック" panose="020B0400000000000000" pitchFamily="50" charset="-128"/>
+              </a:rPr>
+              <a:t>1</a:t>
+            </a:r>
+            <a:r>
+              <a:rPr kumimoji="1" lang="ja-JP" altLang="en-US" sz="2400" dirty="0">
+                <a:latin typeface="BIZ UDPゴシック" panose="020B0400000000000000" pitchFamily="50" charset="-128"/>
+                <a:ea typeface="BIZ UDPゴシック" panose="020B0400000000000000" pitchFamily="50" charset="-128"/>
+              </a:rPr>
+              <a:t>～</a:t>
+            </a:r>
+            <a:r>
+              <a:rPr kumimoji="1" lang="en-US" altLang="ja-JP" sz="2400" dirty="0">
+                <a:latin typeface="BIZ UDPゴシック" panose="020B0400000000000000" pitchFamily="50" charset="-128"/>
+                <a:ea typeface="BIZ UDPゴシック" panose="020B0400000000000000" pitchFamily="50" charset="-128"/>
+              </a:rPr>
+              <a:t>80</a:t>
+            </a:r>
+            <a:r>
+              <a:rPr kumimoji="1" lang="ja-JP" altLang="en-US" sz="2400" dirty="0">
+                <a:latin typeface="BIZ UDPゴシック" panose="020B0400000000000000" pitchFamily="50" charset="-128"/>
+                <a:ea typeface="BIZ UDPゴシック" panose="020B0400000000000000" pitchFamily="50" charset="-128"/>
+              </a:rPr>
+              <a:t>台</a:t>
+            </a:r>
+            <a:endParaRPr kumimoji="1" lang="en-US" altLang="ja-JP" sz="2400" dirty="0">
+              <a:latin typeface="BIZ UDPゴシック" panose="020B0400000000000000" pitchFamily="50" charset="-128"/>
+              <a:ea typeface="BIZ UDPゴシック" panose="020B0400000000000000" pitchFamily="50" charset="-128"/>
+            </a:endParaRPr>
+          </a:p>
+          <a:p>
+            <a:pPr marL="285750" indent="-285750">
+              <a:buFont typeface="Arial" panose="020B0604020202020204" pitchFamily="34" charset="0"/>
+              <a:buChar char="•"/>
+            </a:pPr>
+            <a:r>
+              <a:rPr kumimoji="1" lang="en-US" altLang="ja-JP" sz="2400" dirty="0">
+                <a:latin typeface="BIZ UDPゴシック" panose="020B0400000000000000" pitchFamily="50" charset="-128"/>
+                <a:ea typeface="BIZ UDPゴシック" panose="020B0400000000000000" pitchFamily="50" charset="-128"/>
+              </a:rPr>
+              <a:t>100</a:t>
+            </a:r>
+            <a:r>
+              <a:rPr lang="en-US" altLang="ja-JP" sz="2400" dirty="0">
+                <a:latin typeface="BIZ UDPゴシック" panose="020B0400000000000000" pitchFamily="50" charset="-128"/>
+                <a:ea typeface="BIZ UDPゴシック" panose="020B0400000000000000" pitchFamily="50" charset="-128"/>
+              </a:rPr>
+              <a:t>0</a:t>
+            </a:r>
+            <a:r>
+              <a:rPr lang="ja-JP" altLang="en-US" sz="2400" dirty="0">
+                <a:latin typeface="BIZ UDPゴシック" panose="020B0400000000000000" pitchFamily="50" charset="-128"/>
+                <a:ea typeface="BIZ UDPゴシック" panose="020B0400000000000000" pitchFamily="50" charset="-128"/>
+              </a:rPr>
+              <a:t>回</a:t>
+            </a:r>
+            <a:endParaRPr kumimoji="1" lang="en-US" altLang="ja-JP" sz="2400" dirty="0">
+              <a:latin typeface="BIZ UDPゴシック" panose="020B0400000000000000" pitchFamily="50" charset="-128"/>
+              <a:ea typeface="BIZ UDPゴシック" panose="020B0400000000000000" pitchFamily="50" charset="-128"/>
+            </a:endParaRPr>
+          </a:p>
+        </p:txBody>
+      </p:sp>
+      <p:sp>
+        <p:nvSpPr>
+          <p:cNvPr id="8" name="テキスト ボックス 7">
+            <a:extLst>
+              <a:ext uri="{FF2B5EF4-FFF2-40B4-BE49-F238E27FC236}">
+                <a16:creationId xmlns:a16="http://schemas.microsoft.com/office/drawing/2014/main" id="{AD1F9C1F-B3EE-A632-F418-C9CBF7C3B6DD}"/>
+              </a:ext>
+            </a:extLst>
+          </p:cNvPr>
+          <p:cNvSpPr txBox="1"/>
+          <p:nvPr/>
+        </p:nvSpPr>
+        <p:spPr>
+          <a:xfrm>
+            <a:off x="411262" y="1426783"/>
+            <a:ext cx="3276364" cy="523220"/>
+          </a:xfrm>
+          <a:prstGeom prst="rect">
+            <a:avLst/>
+          </a:prstGeom>
+          <a:noFill/>
+        </p:spPr>
+        <p:txBody>
+          <a:bodyPr wrap="square" rtlCol="0">
+            <a:spAutoFit/>
+          </a:bodyPr>
+          <a:lstStyle/>
+          <a:p>
+            <a:r>
+              <a:rPr kumimoji="1" lang="ja-JP" altLang="en-US" sz="2800" dirty="0">
+                <a:latin typeface="BIZ UDPゴシック" panose="020B0400000000000000" pitchFamily="50" charset="-128"/>
+                <a:ea typeface="BIZ UDPゴシック" panose="020B0400000000000000" pitchFamily="50" charset="-128"/>
+              </a:rPr>
+              <a:t>シミュレーション</a:t>
+            </a:r>
+            <a:r>
+              <a:rPr kumimoji="1" lang="en-US" altLang="ja-JP" sz="2800" dirty="0">
+                <a:latin typeface="BIZ UDPゴシック" panose="020B0400000000000000" pitchFamily="50" charset="-128"/>
+                <a:ea typeface="BIZ UDPゴシック" panose="020B0400000000000000" pitchFamily="50" charset="-128"/>
+              </a:rPr>
+              <a:t>1</a:t>
+            </a:r>
+            <a:endParaRPr kumimoji="1" lang="ja-JP" altLang="en-US" sz="2800" dirty="0">
+              <a:latin typeface="BIZ UDPゴシック" panose="020B0400000000000000" pitchFamily="50" charset="-128"/>
+              <a:ea typeface="BIZ UDPゴシック" panose="020B0400000000000000" pitchFamily="50" charset="-128"/>
+            </a:endParaRPr>
+          </a:p>
+        </p:txBody>
+      </p:sp>
+      <p:sp>
+        <p:nvSpPr>
+          <p:cNvPr id="11" name="テキスト ボックス 10">
+            <a:extLst>
+              <a:ext uri="{FF2B5EF4-FFF2-40B4-BE49-F238E27FC236}">
+                <a16:creationId xmlns:a16="http://schemas.microsoft.com/office/drawing/2014/main" id="{242D9401-DAE0-D087-563F-762804EEE154}"/>
+              </a:ext>
+            </a:extLst>
+          </p:cNvPr>
+          <p:cNvSpPr txBox="1"/>
+          <p:nvPr/>
+        </p:nvSpPr>
+        <p:spPr>
+          <a:xfrm>
+            <a:off x="387276" y="3933056"/>
+            <a:ext cx="3276364" cy="523220"/>
+          </a:xfrm>
+          <a:prstGeom prst="rect">
+            <a:avLst/>
+          </a:prstGeom>
+          <a:noFill/>
+        </p:spPr>
+        <p:txBody>
+          <a:bodyPr wrap="square" rtlCol="0">
+            <a:spAutoFit/>
+          </a:bodyPr>
+          <a:lstStyle/>
+          <a:p>
+            <a:r>
+              <a:rPr kumimoji="1" lang="ja-JP" altLang="en-US" sz="2800" dirty="0">
+                <a:latin typeface="BIZ UDPゴシック" panose="020B0400000000000000" pitchFamily="50" charset="-128"/>
+                <a:ea typeface="BIZ UDPゴシック" panose="020B0400000000000000" pitchFamily="50" charset="-128"/>
+              </a:rPr>
+              <a:t>シミュレーション</a:t>
+            </a:r>
+            <a:r>
+              <a:rPr lang="en-US" altLang="ja-JP" sz="2800" dirty="0">
+                <a:latin typeface="BIZ UDPゴシック" panose="020B0400000000000000" pitchFamily="50" charset="-128"/>
+                <a:ea typeface="BIZ UDPゴシック" panose="020B0400000000000000" pitchFamily="50" charset="-128"/>
+              </a:rPr>
+              <a:t>2</a:t>
+            </a:r>
+            <a:endParaRPr kumimoji="1" lang="ja-JP" altLang="en-US" sz="2800" dirty="0">
+              <a:latin typeface="BIZ UDPゴシック" panose="020B0400000000000000" pitchFamily="50" charset="-128"/>
+              <a:ea typeface="BIZ UDPゴシック" panose="020B0400000000000000" pitchFamily="50" charset="-128"/>
+            </a:endParaRPr>
+          </a:p>
+        </p:txBody>
+      </p:sp>
+    </p:spTree>
+    <p:extLst>
+      <p:ext uri="{BB962C8B-B14F-4D97-AF65-F5344CB8AC3E}">
+        <p14:creationId xmlns:p14="http://schemas.microsoft.com/office/powerpoint/2010/main" val="2759120447"/>
+      </p:ext>
+    </p:extLst>
+  </p:cSld>
+  <p:clrMapOvr>
+    <a:masterClrMapping/>
+  </p:clrMapOvr>
+</p:sld>
+</file>
+
+<file path=ppt/slides/slide13.xml><?xml version="1.0" encoding="utf-8"?>
+<p:sld xmlns:a="http://schemas.openxmlformats.org/drawingml/2006/main" xmlns:r="http://schemas.openxmlformats.org/officeDocument/2006/relationships" xmlns:p="http://schemas.openxmlformats.org/presentationml/2006/main">
+  <p:cSld>
+    <p:spTree>
+      <p:nvGrpSpPr>
+        <p:cNvPr id="1" name="">
+          <a:extLst>
+            <a:ext uri="{FF2B5EF4-FFF2-40B4-BE49-F238E27FC236}">
+              <a16:creationId xmlns:a16="http://schemas.microsoft.com/office/drawing/2014/main" id="{AEFA28B8-1973-1137-3DE7-A6F7ECBD2282}"/>
+            </a:ext>
+          </a:extLst>
+        </p:cNvPr>
+        <p:cNvGrpSpPr/>
+        <p:nvPr/>
+      </p:nvGrpSpPr>
+      <p:grpSpPr>
+        <a:xfrm>
+          <a:off x="0" y="0"/>
+          <a:ext cx="0" cy="0"/>
+          <a:chOff x="0" y="0"/>
+          <a:chExt cx="0" cy="0"/>
+        </a:xfrm>
+      </p:grpSpPr>
+      <p:sp>
+        <p:nvSpPr>
+          <p:cNvPr id="3" name="タイトル 2">
+            <a:extLst>
+              <a:ext uri="{FF2B5EF4-FFF2-40B4-BE49-F238E27FC236}">
+                <a16:creationId xmlns:a16="http://schemas.microsoft.com/office/drawing/2014/main" id="{53A04FDF-39B0-3FC7-6981-009A554979D8}"/>
+              </a:ext>
+            </a:extLst>
+          </p:cNvPr>
+          <p:cNvSpPr>
+            <a:spLocks noGrp="1"/>
+          </p:cNvSpPr>
+          <p:nvPr>
+            <p:ph type="title"/>
+          </p:nvPr>
+        </p:nvSpPr>
+        <p:spPr/>
+        <p:txBody>
+          <a:bodyPr/>
+          <a:lstStyle/>
+          <a:p>
+            <a:r>
+              <a:rPr kumimoji="1" lang="ja-JP" altLang="en-US" dirty="0">
+                <a:latin typeface="BIZ UDPゴシック" panose="020B0400000000000000" pitchFamily="50" charset="-128"/>
+                <a:ea typeface="BIZ UDPゴシック" panose="020B0400000000000000" pitchFamily="50" charset="-128"/>
+              </a:rPr>
+              <a:t>シミュレーション</a:t>
+            </a:r>
+            <a:r>
+              <a:rPr kumimoji="1" lang="en-US" altLang="ja-JP" dirty="0">
+                <a:latin typeface="BIZ UDPゴシック" panose="020B0400000000000000" pitchFamily="50" charset="-128"/>
+                <a:ea typeface="BIZ UDPゴシック" panose="020B0400000000000000" pitchFamily="50" charset="-128"/>
+              </a:rPr>
+              <a:t>1 </a:t>
+            </a:r>
+            <a:r>
+              <a:rPr kumimoji="1" lang="ja-JP" altLang="en-US" dirty="0"/>
+              <a:t>評価</a:t>
+            </a:r>
+          </a:p>
+        </p:txBody>
+      </p:sp>
+      <p:sp>
+        <p:nvSpPr>
+          <p:cNvPr id="4" name="スライド番号プレースホルダー 3">
+            <a:extLst>
+              <a:ext uri="{FF2B5EF4-FFF2-40B4-BE49-F238E27FC236}">
+                <a16:creationId xmlns:a16="http://schemas.microsoft.com/office/drawing/2014/main" id="{E02087B3-FA3F-D288-4445-7A65AFD3AFAD}"/>
+              </a:ext>
+            </a:extLst>
+          </p:cNvPr>
+          <p:cNvSpPr>
+            <a:spLocks noGrp="1"/>
+          </p:cNvSpPr>
+          <p:nvPr>
+            <p:ph type="sldNum" sz="quarter" idx="10"/>
+          </p:nvPr>
+        </p:nvSpPr>
+        <p:spPr/>
+        <p:txBody>
+          <a:bodyPr/>
+          <a:lstStyle/>
+          <a:p>
+            <a:fld id="{D2D8002D-B5B0-4BAC-B1F6-782DDCCE6D9C}" type="slidenum">
+              <a:rPr kumimoji="1" lang="ja-JP" altLang="en-US" smtClean="0"/>
+              <a:t>13</a:t>
+            </a:fld>
+            <a:endParaRPr kumimoji="1" lang="ja-JP" altLang="en-US"/>
+          </a:p>
+        </p:txBody>
+      </p:sp>
+      <p:sp>
+        <p:nvSpPr>
+          <p:cNvPr id="2" name="テキスト ボックス 1">
+            <a:extLst>
+              <a:ext uri="{FF2B5EF4-FFF2-40B4-BE49-F238E27FC236}">
+                <a16:creationId xmlns:a16="http://schemas.microsoft.com/office/drawing/2014/main" id="{A3C6957D-FBCF-49A5-D0D0-456B07E4D0A7}"/>
+              </a:ext>
+            </a:extLst>
+          </p:cNvPr>
+          <p:cNvSpPr txBox="1"/>
+          <p:nvPr/>
+        </p:nvSpPr>
+        <p:spPr>
+          <a:xfrm>
+            <a:off x="619183" y="4726789"/>
+            <a:ext cx="7799081" cy="1200329"/>
+          </a:xfrm>
+          <a:prstGeom prst="rect">
+            <a:avLst/>
+          </a:prstGeom>
+          <a:noFill/>
+        </p:spPr>
+        <p:txBody>
+          <a:bodyPr wrap="square" rtlCol="0">
+            <a:spAutoFit/>
+          </a:bodyPr>
+          <a:lstStyle/>
+          <a:p>
+            <a:pPr marL="285750" indent="-285750">
+              <a:buFont typeface="Arial" panose="020B0604020202020204" pitchFamily="34" charset="0"/>
+              <a:buChar char="•"/>
+            </a:pPr>
+            <a:r>
+              <a:rPr kumimoji="1" lang="ja-JP" altLang="en-US" sz="2400" dirty="0">
+                <a:solidFill>
+                  <a:schemeClr val="tx1">
+                    <a:lumMod val="50000"/>
+                  </a:schemeClr>
+                </a:solidFill>
+                <a:latin typeface="BIZ UDPゴシック" panose="020B0400000000000000" pitchFamily="50" charset="-128"/>
+                <a:ea typeface="BIZ UDPゴシック" panose="020B0400000000000000" pitchFamily="50" charset="-128"/>
+              </a:rPr>
+              <a:t>傾向は概ね一致している</a:t>
+            </a:r>
+            <a:endParaRPr kumimoji="1" lang="en-US" altLang="ja-JP" sz="2400" dirty="0">
+              <a:solidFill>
+                <a:schemeClr val="tx1">
+                  <a:lumMod val="50000"/>
+                </a:schemeClr>
+              </a:solidFill>
+              <a:latin typeface="BIZ UDPゴシック" panose="020B0400000000000000" pitchFamily="50" charset="-128"/>
+              <a:ea typeface="BIZ UDPゴシック" panose="020B0400000000000000" pitchFamily="50" charset="-128"/>
+            </a:endParaRPr>
+          </a:p>
+          <a:p>
+            <a:pPr marL="285750" indent="-285750">
+              <a:buFont typeface="Arial" panose="020B0604020202020204" pitchFamily="34" charset="0"/>
+              <a:buChar char="•"/>
+            </a:pPr>
+            <a:r>
+              <a:rPr kumimoji="1" lang="ja-JP" altLang="en-US" sz="2400" dirty="0">
+                <a:solidFill>
+                  <a:schemeClr val="tx1">
+                    <a:lumMod val="50000"/>
+                  </a:schemeClr>
+                </a:solidFill>
+                <a:latin typeface="BIZ UDPゴシック" panose="020B0400000000000000" pitchFamily="50" charset="-128"/>
+                <a:ea typeface="BIZ UDPゴシック" panose="020B0400000000000000" pitchFamily="50" charset="-128"/>
+              </a:rPr>
+              <a:t>差が一番大きい</a:t>
+            </a:r>
+            <a:r>
+              <a:rPr kumimoji="1" lang="en-US" altLang="ja-JP" sz="2400" dirty="0">
+                <a:solidFill>
+                  <a:schemeClr val="tx1">
+                    <a:lumMod val="50000"/>
+                  </a:schemeClr>
+                </a:solidFill>
+                <a:latin typeface="BIZ UDPゴシック" panose="020B0400000000000000" pitchFamily="50" charset="-128"/>
+                <a:ea typeface="BIZ UDPゴシック" panose="020B0400000000000000" pitchFamily="50" charset="-128"/>
+              </a:rPr>
+              <a:t>80</a:t>
+            </a:r>
+            <a:r>
+              <a:rPr kumimoji="1" lang="ja-JP" altLang="en-US" sz="2400" dirty="0">
+                <a:solidFill>
+                  <a:schemeClr val="tx1">
+                    <a:lumMod val="50000"/>
+                  </a:schemeClr>
+                </a:solidFill>
+                <a:latin typeface="BIZ UDPゴシック" panose="020B0400000000000000" pitchFamily="50" charset="-128"/>
+                <a:ea typeface="BIZ UDPゴシック" panose="020B0400000000000000" pitchFamily="50" charset="-128"/>
+              </a:rPr>
+              <a:t>台の場合でも誤差が約</a:t>
+            </a:r>
+            <a:r>
+              <a:rPr lang="en-US" altLang="ja-JP" sz="2400" dirty="0">
+                <a:solidFill>
+                  <a:schemeClr val="tx1">
+                    <a:lumMod val="50000"/>
+                  </a:schemeClr>
+                </a:solidFill>
+                <a:latin typeface="BIZ UDPゴシック" panose="020B0400000000000000" pitchFamily="50" charset="-128"/>
+                <a:ea typeface="BIZ UDPゴシック" panose="020B0400000000000000" pitchFamily="50" charset="-128"/>
+              </a:rPr>
+              <a:t>2.75%</a:t>
+            </a:r>
+            <a:endParaRPr kumimoji="1" lang="en-US" altLang="ja-JP" sz="2400" dirty="0">
+              <a:solidFill>
+                <a:schemeClr val="tx1">
+                  <a:lumMod val="50000"/>
+                </a:schemeClr>
+              </a:solidFill>
+              <a:latin typeface="BIZ UDPゴシック" panose="020B0400000000000000" pitchFamily="50" charset="-128"/>
+              <a:ea typeface="BIZ UDPゴシック" panose="020B0400000000000000" pitchFamily="50" charset="-128"/>
+            </a:endParaRPr>
+          </a:p>
+          <a:p>
+            <a:pPr marL="285750" indent="-285750">
+              <a:buFont typeface="Arial" panose="020B0604020202020204" pitchFamily="34" charset="0"/>
+              <a:buChar char="•"/>
+            </a:pPr>
+            <a:r>
+              <a:rPr kumimoji="1" lang="ja-JP" altLang="en-US" sz="2400" dirty="0">
+                <a:solidFill>
+                  <a:schemeClr val="tx1">
+                    <a:lumMod val="50000"/>
+                  </a:schemeClr>
+                </a:solidFill>
+                <a:latin typeface="BIZ UDPゴシック" panose="020B0400000000000000" pitchFamily="50" charset="-128"/>
+                <a:ea typeface="BIZ UDPゴシック" panose="020B0400000000000000" pitchFamily="50" charset="-128"/>
+              </a:rPr>
+              <a:t>差が生まれたのはモデル化方法の違いだと考えられる</a:t>
+            </a:r>
+          </a:p>
+        </p:txBody>
+      </p:sp>
       <p:pic>
         <p:nvPicPr>
-          <p:cNvPr id="6" name="図 5" descr="グラフ, 折れ線グラフ&#10;&#10;AI によって生成されたコンテンツは間違っている可能性があります。">
+          <p:cNvPr id="7" name="図 6" descr="グラフ, 折れ線グラフ&#10;&#10;AI によって生成されたコンテンツは間違っている可能性があります。">
             <a:extLst>
               <a:ext uri="{FF2B5EF4-FFF2-40B4-BE49-F238E27FC236}">
-                <a16:creationId xmlns:a16="http://schemas.microsoft.com/office/drawing/2014/main" id="{A73016BB-7BB7-A715-435F-CB4D9C529B38}"/>
+                <a16:creationId xmlns:a16="http://schemas.microsoft.com/office/drawing/2014/main" id="{9CB94964-0E24-7BA7-984E-ADF009EEA46D}"/>
               </a:ext>
             </a:extLst>
           </p:cNvPr>
@@ -5485,7 +8456,7 @@
           <p:nvPr/>
         </p:nvPicPr>
         <p:blipFill>
-          <a:blip r:embed="rId2">
+          <a:blip r:embed="rId3">
             <a:extLst>
               <a:ext uri="{28A0092B-C50C-407E-A947-70E740481C1C}">
                 <a14:useLocalDpi xmlns:a14="http://schemas.microsoft.com/office/drawing/2010/main" val="0"/>
@@ -5498,18 +8469,178 @@
         </p:blipFill>
         <p:spPr>
           <a:xfrm>
-            <a:off x="580636" y="1412776"/>
-            <a:ext cx="7982728" cy="5065786"/>
+            <a:off x="2328856" y="1412776"/>
+            <a:ext cx="4379733" cy="3280621"/>
           </a:xfrm>
           <a:prstGeom prst="rect">
             <a:avLst/>
           </a:prstGeom>
         </p:spPr>
       </p:pic>
+      <p:sp>
+        <p:nvSpPr>
+          <p:cNvPr id="10" name="テキスト ボックス 9">
+            <a:extLst>
+              <a:ext uri="{FF2B5EF4-FFF2-40B4-BE49-F238E27FC236}">
+                <a16:creationId xmlns:a16="http://schemas.microsoft.com/office/drawing/2014/main" id="{F5E1AE6A-4F21-434A-B78A-367D056E54DC}"/>
+              </a:ext>
+            </a:extLst>
+          </p:cNvPr>
+          <p:cNvSpPr txBox="1"/>
+          <p:nvPr/>
+        </p:nvSpPr>
+        <p:spPr>
+          <a:xfrm>
+            <a:off x="172803" y="6170706"/>
+            <a:ext cx="8362600" cy="646331"/>
+          </a:xfrm>
+          <a:prstGeom prst="rect">
+            <a:avLst/>
+          </a:prstGeom>
+          <a:noFill/>
+        </p:spPr>
+        <p:txBody>
+          <a:bodyPr wrap="square" rtlCol="0">
+            <a:spAutoFit/>
+          </a:bodyPr>
+          <a:lstStyle/>
+          <a:p>
+            <a:r>
+              <a:rPr lang="en-GB" altLang="ja-JP" sz="1200" b="0" dirty="0">
+                <a:solidFill>
+                  <a:schemeClr val="tx1">
+                    <a:lumMod val="50000"/>
+                  </a:schemeClr>
+                </a:solidFill>
+                <a:effectLst/>
+                <a:latin typeface="BIZ UDPゴシック" panose="020B0400000000000000" pitchFamily="50" charset="-128"/>
+                <a:ea typeface="BIZ UDPゴシック" panose="020B0400000000000000" pitchFamily="50" charset="-128"/>
+              </a:rPr>
+              <a:t>Y. </a:t>
+            </a:r>
+            <a:r>
+              <a:rPr lang="en-GB" altLang="ja-JP" sz="1200" b="0" dirty="0" err="1">
+                <a:solidFill>
+                  <a:schemeClr val="tx1">
+                    <a:lumMod val="50000"/>
+                  </a:schemeClr>
+                </a:solidFill>
+                <a:effectLst/>
+                <a:latin typeface="BIZ UDPゴシック" panose="020B0400000000000000" pitchFamily="50" charset="-128"/>
+                <a:ea typeface="BIZ UDPゴシック" panose="020B0400000000000000" pitchFamily="50" charset="-128"/>
+              </a:rPr>
+              <a:t>Morino</a:t>
+            </a:r>
+            <a:r>
+              <a:rPr lang="en-GB" altLang="ja-JP" sz="1200" b="0" dirty="0">
+                <a:solidFill>
+                  <a:schemeClr val="tx1">
+                    <a:lumMod val="50000"/>
+                  </a:schemeClr>
+                </a:solidFill>
+                <a:effectLst/>
+                <a:latin typeface="BIZ UDPゴシック" panose="020B0400000000000000" pitchFamily="50" charset="-128"/>
+                <a:ea typeface="BIZ UDPゴシック" panose="020B0400000000000000" pitchFamily="50" charset="-128"/>
+              </a:rPr>
+              <a:t>, T. </a:t>
+            </a:r>
+            <a:r>
+              <a:rPr lang="en-GB" altLang="ja-JP" sz="1200" b="0" dirty="0" err="1">
+                <a:solidFill>
+                  <a:schemeClr val="tx1">
+                    <a:lumMod val="50000"/>
+                  </a:schemeClr>
+                </a:solidFill>
+                <a:effectLst/>
+                <a:latin typeface="BIZ UDPゴシック" panose="020B0400000000000000" pitchFamily="50" charset="-128"/>
+                <a:ea typeface="BIZ UDPゴシック" panose="020B0400000000000000" pitchFamily="50" charset="-128"/>
+              </a:rPr>
+              <a:t>Hiraguri</a:t>
+            </a:r>
+            <a:r>
+              <a:rPr lang="en-GB" altLang="ja-JP" sz="1200" b="0" dirty="0">
+                <a:solidFill>
+                  <a:schemeClr val="tx1">
+                    <a:lumMod val="50000"/>
+                  </a:schemeClr>
+                </a:solidFill>
+                <a:effectLst/>
+                <a:latin typeface="BIZ UDPゴシック" panose="020B0400000000000000" pitchFamily="50" charset="-128"/>
+                <a:ea typeface="BIZ UDPゴシック" panose="020B0400000000000000" pitchFamily="50" charset="-128"/>
+              </a:rPr>
+              <a:t>, H. Yoshino, K. </a:t>
+            </a:r>
+            <a:r>
+              <a:rPr lang="en-GB" altLang="ja-JP" sz="1200" b="0" dirty="0" err="1">
+                <a:solidFill>
+                  <a:schemeClr val="tx1">
+                    <a:lumMod val="50000"/>
+                  </a:schemeClr>
+                </a:solidFill>
+                <a:effectLst/>
+                <a:latin typeface="BIZ UDPゴシック" panose="020B0400000000000000" pitchFamily="50" charset="-128"/>
+                <a:ea typeface="BIZ UDPゴシック" panose="020B0400000000000000" pitchFamily="50" charset="-128"/>
+              </a:rPr>
+              <a:t>Nishimori</a:t>
+            </a:r>
+            <a:r>
+              <a:rPr lang="en-GB" altLang="ja-JP" sz="1200" b="0" dirty="0">
+                <a:solidFill>
+                  <a:schemeClr val="tx1">
+                    <a:lumMod val="50000"/>
+                  </a:schemeClr>
+                </a:solidFill>
+                <a:effectLst/>
+                <a:latin typeface="BIZ UDPゴシック" panose="020B0400000000000000" pitchFamily="50" charset="-128"/>
+                <a:ea typeface="BIZ UDPゴシック" panose="020B0400000000000000" pitchFamily="50" charset="-128"/>
+              </a:rPr>
+              <a:t>, T. Matsuda, ``A Novel Collision Avoidance Scheme Using Optimized Contention Window in Dense Wireless LAN Environments‘’ </a:t>
+            </a:r>
+            <a:r>
+              <a:rPr lang="en-GB" altLang="ja-JP" sz="1200" b="0" i="1" dirty="0">
+                <a:solidFill>
+                  <a:schemeClr val="tx1">
+                    <a:lumMod val="50000"/>
+                  </a:schemeClr>
+                </a:solidFill>
+                <a:effectLst/>
+                <a:latin typeface="BIZ UDPゴシック" panose="020B0400000000000000" pitchFamily="50" charset="-128"/>
+                <a:ea typeface="BIZ UDPゴシック" panose="020B0400000000000000" pitchFamily="50" charset="-128"/>
+              </a:rPr>
+              <a:t>IEICE TRANS. COMMUN.</a:t>
+            </a:r>
+            <a:r>
+              <a:rPr lang="ja-JP" altLang="en-US" sz="1200" i="1" dirty="0">
+                <a:solidFill>
+                  <a:schemeClr val="tx1">
+                    <a:lumMod val="50000"/>
+                  </a:schemeClr>
+                </a:solidFill>
+                <a:latin typeface="BIZ UDPゴシック" panose="020B0400000000000000" pitchFamily="50" charset="-128"/>
+                <a:ea typeface="BIZ UDPゴシック" panose="020B0400000000000000" pitchFamily="50" charset="-128"/>
+              </a:rPr>
+              <a:t>　</a:t>
+            </a:r>
+            <a:r>
+              <a:rPr lang="en-GB" altLang="ja-JP" sz="1200" b="0" dirty="0">
+                <a:solidFill>
+                  <a:schemeClr val="tx1">
+                    <a:lumMod val="50000"/>
+                  </a:schemeClr>
+                </a:solidFill>
+                <a:effectLst/>
+                <a:latin typeface="BIZ UDPゴシック" panose="020B0400000000000000" pitchFamily="50" charset="-128"/>
+                <a:ea typeface="BIZ UDPゴシック" panose="020B0400000000000000" pitchFamily="50" charset="-128"/>
+              </a:rPr>
+              <a:t>, VOL.E99-B, NO.11 NOVEMBER 2016</a:t>
+            </a:r>
+          </a:p>
+        </p:txBody>
+      </p:sp>
     </p:spTree>
     <p:extLst>
       <p:ext uri="{BB962C8B-B14F-4D97-AF65-F5344CB8AC3E}">
-        <p14:creationId xmlns:p14="http://schemas.microsoft.com/office/powerpoint/2010/main" val="101874019"/>
+        <p14:creationId xmlns:p14="http://schemas.microsoft.com/office/powerpoint/2010/main" val="2822520875"/>
       </p:ext>
     </p:extLst>
   </p:cSld>
@@ -5519,7 +8650,7 @@
 </p:sld>
 </file>
 
-<file path=ppt/slides/slide12.xml><?xml version="1.0" encoding="utf-8"?>
+<file path=ppt/slides/slide14.xml><?xml version="1.0" encoding="utf-8"?>
 <p:sld xmlns:a="http://schemas.openxmlformats.org/drawingml/2006/main" xmlns:r="http://schemas.openxmlformats.org/officeDocument/2006/relationships" xmlns:p="http://schemas.openxmlformats.org/presentationml/2006/main">
   <p:cSld>
     <p:spTree>
@@ -5610,18 +8741,110 @@
           <a:p>
             <a:fld id="{D2D8002D-B5B0-4BAC-B1F6-782DDCCE6D9C}" type="slidenum">
               <a:rPr kumimoji="1" lang="ja-JP" altLang="en-US" smtClean="0"/>
-              <a:t>12</a:t>
+              <a:t>14</a:t>
             </a:fld>
             <a:endParaRPr kumimoji="1" lang="ja-JP" altLang="en-US"/>
           </a:p>
         </p:txBody>
       </p:sp>
+      <p:sp>
+        <p:nvSpPr>
+          <p:cNvPr id="8" name="テキスト ボックス 7">
+            <a:extLst>
+              <a:ext uri="{FF2B5EF4-FFF2-40B4-BE49-F238E27FC236}">
+                <a16:creationId xmlns:a16="http://schemas.microsoft.com/office/drawing/2014/main" id="{0BF48449-991C-3976-E259-FF35BC8C5AC9}"/>
+              </a:ext>
+            </a:extLst>
+          </p:cNvPr>
+          <p:cNvSpPr txBox="1"/>
+          <p:nvPr/>
+        </p:nvSpPr>
+        <p:spPr>
+          <a:xfrm>
+            <a:off x="747873" y="5675092"/>
+            <a:ext cx="7648251" cy="461665"/>
+          </a:xfrm>
+          <a:prstGeom prst="rect">
+            <a:avLst/>
+          </a:prstGeom>
+          <a:noFill/>
+        </p:spPr>
+        <p:txBody>
+          <a:bodyPr wrap="square" rtlCol="0">
+            <a:spAutoFit/>
+          </a:bodyPr>
+          <a:lstStyle/>
+          <a:p>
+            <a:pPr marL="285750" indent="-285750">
+              <a:buFont typeface="Arial" panose="020B0604020202020204" pitchFamily="34" charset="0"/>
+              <a:buChar char="•"/>
+            </a:pPr>
+            <a:r>
+              <a:rPr kumimoji="1" lang="ja-JP" altLang="en-US" sz="2400" dirty="0">
+                <a:solidFill>
+                  <a:schemeClr val="tx1">
+                    <a:lumMod val="50000"/>
+                  </a:schemeClr>
+                </a:solidFill>
+                <a:latin typeface="BIZ UDPゴシック" panose="020B0400000000000000" pitchFamily="50" charset="-128"/>
+                <a:ea typeface="BIZ UDPゴシック" panose="020B0400000000000000" pitchFamily="50" charset="-128"/>
+              </a:rPr>
+              <a:t>どの伝送レートでも</a:t>
+            </a:r>
+            <a:r>
+              <a:rPr kumimoji="1" lang="en-GB" altLang="ja-JP" sz="2400" dirty="0">
+                <a:solidFill>
+                  <a:schemeClr val="tx1">
+                    <a:lumMod val="50000"/>
+                  </a:schemeClr>
+                </a:solidFill>
+                <a:latin typeface="BIZ UDPゴシック" panose="020B0400000000000000" pitchFamily="50" charset="-128"/>
+                <a:ea typeface="BIZ UDPゴシック" panose="020B0400000000000000" pitchFamily="50" charset="-128"/>
+              </a:rPr>
+              <a:t>24Mbps</a:t>
+            </a:r>
+            <a:r>
+              <a:rPr kumimoji="1" lang="ja-JP" altLang="en-US" sz="2400" dirty="0">
+                <a:solidFill>
+                  <a:schemeClr val="tx1">
+                    <a:lumMod val="50000"/>
+                  </a:schemeClr>
+                </a:solidFill>
+                <a:latin typeface="BIZ UDPゴシック" panose="020B0400000000000000" pitchFamily="50" charset="-128"/>
+                <a:ea typeface="BIZ UDPゴシック" panose="020B0400000000000000" pitchFamily="50" charset="-128"/>
+              </a:rPr>
+              <a:t>と同じ傾向が見られる</a:t>
+            </a:r>
+            <a:r>
+              <a:rPr kumimoji="1" lang="en-US" altLang="ja-JP" sz="2400" dirty="0">
+                <a:solidFill>
+                  <a:schemeClr val="tx1">
+                    <a:lumMod val="50000"/>
+                  </a:schemeClr>
+                </a:solidFill>
+                <a:latin typeface="BIZ UDPゴシック" panose="020B0400000000000000" pitchFamily="50" charset="-128"/>
+                <a:ea typeface="BIZ UDPゴシック" panose="020B0400000000000000" pitchFamily="50" charset="-128"/>
+              </a:rPr>
+              <a:t>.</a:t>
+            </a:r>
+            <a:endParaRPr kumimoji="1" lang="ja-JP" altLang="en-US" sz="2400" dirty="0">
+              <a:solidFill>
+                <a:schemeClr val="tx1">
+                  <a:lumMod val="50000"/>
+                </a:schemeClr>
+              </a:solidFill>
+              <a:latin typeface="BIZ UDPゴシック" panose="020B0400000000000000" pitchFamily="50" charset="-128"/>
+              <a:ea typeface="BIZ UDPゴシック" panose="020B0400000000000000" pitchFamily="50" charset="-128"/>
+            </a:endParaRPr>
+          </a:p>
+        </p:txBody>
+      </p:sp>
       <p:pic>
         <p:nvPicPr>
-          <p:cNvPr id="7" name="図 6" descr="グラフ, 折れ線グラフ&#10;&#10;AI によって生成されたコンテンツは間違っている可能性があります。">
+          <p:cNvPr id="5" name="図 4" descr="グラフ, 折れ線グラフ&#10;&#10;AI によって生成されたコンテンツは間違っている可能性があります。">
             <a:extLst>
               <a:ext uri="{FF2B5EF4-FFF2-40B4-BE49-F238E27FC236}">
-                <a16:creationId xmlns:a16="http://schemas.microsoft.com/office/drawing/2014/main" id="{AD92EECE-BD57-4C63-3B10-852DB1C90E31}"/>
+                <a16:creationId xmlns:a16="http://schemas.microsoft.com/office/drawing/2014/main" id="{C765A56F-A28C-48C2-A052-3B02A8B4656F}"/>
               </a:ext>
             </a:extLst>
           </p:cNvPr>
@@ -5631,7 +8854,7 @@
           <p:nvPr/>
         </p:nvPicPr>
         <p:blipFill>
-          <a:blip r:embed="rId2">
+          <a:blip r:embed="rId3">
             <a:extLst>
               <a:ext uri="{28A0092B-C50C-407E-A947-70E740481C1C}">
                 <a14:useLocalDpi xmlns:a14="http://schemas.microsoft.com/office/drawing/2010/main" val="0"/>
@@ -5644,106 +8867,14 @@
         </p:blipFill>
         <p:spPr>
           <a:xfrm>
-            <a:off x="884188" y="1401622"/>
-            <a:ext cx="7375623" cy="4680520"/>
+            <a:off x="2153596" y="1579086"/>
+            <a:ext cx="4836803" cy="3699828"/>
           </a:xfrm>
           <a:prstGeom prst="rect">
             <a:avLst/>
           </a:prstGeom>
         </p:spPr>
       </p:pic>
-      <p:sp>
-        <p:nvSpPr>
-          <p:cNvPr id="8" name="テキスト ボックス 7">
-            <a:extLst>
-              <a:ext uri="{FF2B5EF4-FFF2-40B4-BE49-F238E27FC236}">
-                <a16:creationId xmlns:a16="http://schemas.microsoft.com/office/drawing/2014/main" id="{0BF48449-991C-3976-E259-FF35BC8C5AC9}"/>
-              </a:ext>
-            </a:extLst>
-          </p:cNvPr>
-          <p:cNvSpPr txBox="1"/>
-          <p:nvPr/>
-        </p:nvSpPr>
-        <p:spPr>
-          <a:xfrm>
-            <a:off x="683568" y="6165304"/>
-            <a:ext cx="7648251" cy="461665"/>
-          </a:xfrm>
-          <a:prstGeom prst="rect">
-            <a:avLst/>
-          </a:prstGeom>
-          <a:noFill/>
-        </p:spPr>
-        <p:txBody>
-          <a:bodyPr wrap="square" rtlCol="0">
-            <a:spAutoFit/>
-          </a:bodyPr>
-          <a:lstStyle/>
-          <a:p>
-            <a:pPr marL="285750" indent="-285750">
-              <a:buFont typeface="Arial" panose="020B0604020202020204" pitchFamily="34" charset="0"/>
-              <a:buChar char="•"/>
-            </a:pPr>
-            <a:r>
-              <a:rPr kumimoji="1" lang="ja-JP" altLang="en-US" sz="2400" dirty="0">
-                <a:solidFill>
-                  <a:schemeClr val="tx1">
-                    <a:lumMod val="50000"/>
-                  </a:schemeClr>
-                </a:solidFill>
-                <a:latin typeface="BIZ UDPゴシック" panose="020B0400000000000000" pitchFamily="50" charset="-128"/>
-                <a:ea typeface="BIZ UDPゴシック" panose="020B0400000000000000" pitchFamily="50" charset="-128"/>
-              </a:rPr>
-              <a:t>どの伝送レートでも</a:t>
-            </a:r>
-            <a:r>
-              <a:rPr kumimoji="1" lang="en-GB" altLang="ja-JP" sz="2400" dirty="0">
-                <a:solidFill>
-                  <a:schemeClr val="tx1">
-                    <a:lumMod val="50000"/>
-                  </a:schemeClr>
-                </a:solidFill>
-                <a:latin typeface="BIZ UDPゴシック" panose="020B0400000000000000" pitchFamily="50" charset="-128"/>
-                <a:ea typeface="BIZ UDPゴシック" panose="020B0400000000000000" pitchFamily="50" charset="-128"/>
-              </a:rPr>
-              <a:t>24Mbps</a:t>
-            </a:r>
-            <a:r>
-              <a:rPr kumimoji="1" lang="ja-JP" altLang="en-US" sz="2400" dirty="0">
-                <a:solidFill>
-                  <a:schemeClr val="tx1">
-                    <a:lumMod val="50000"/>
-                  </a:schemeClr>
-                </a:solidFill>
-                <a:latin typeface="BIZ UDPゴシック" panose="020B0400000000000000" pitchFamily="50" charset="-128"/>
-                <a:ea typeface="BIZ UDPゴシック" panose="020B0400000000000000" pitchFamily="50" charset="-128"/>
-              </a:rPr>
-              <a:t>と同じ傾向が見られる</a:t>
-            </a:r>
-            <a:r>
-              <a:rPr kumimoji="1" lang="en-US" altLang="ja-JP" sz="2400" dirty="0">
-                <a:solidFill>
-                  <a:schemeClr val="tx1">
-                    <a:lumMod val="50000"/>
-                  </a:schemeClr>
-                </a:solidFill>
-                <a:latin typeface="BIZ UDPゴシック" panose="020B0400000000000000" pitchFamily="50" charset="-128"/>
-                <a:ea typeface="BIZ UDPゴシック" panose="020B0400000000000000" pitchFamily="50" charset="-128"/>
-              </a:rPr>
-              <a:t>.</a:t>
-            </a:r>
-            <a:endParaRPr kumimoji="1" lang="ja-JP" altLang="en-US" sz="2400" dirty="0">
-              <a:solidFill>
-                <a:schemeClr val="tx1">
-                  <a:lumMod val="50000"/>
-                </a:schemeClr>
-              </a:solidFill>
-              <a:latin typeface="BIZ UDPゴシック" panose="020B0400000000000000" pitchFamily="50" charset="-128"/>
-              <a:ea typeface="BIZ UDPゴシック" panose="020B0400000000000000" pitchFamily="50" charset="-128"/>
-            </a:endParaRPr>
-          </a:p>
-        </p:txBody>
-      </p:sp>
     </p:spTree>
     <p:extLst>
       <p:ext uri="{BB962C8B-B14F-4D97-AF65-F5344CB8AC3E}">
@@ -5757,7 +8888,7 @@
 </p:sld>
 </file>
 
-<file path=ppt/slides/slide13.xml><?xml version="1.0" encoding="utf-8"?>
+<file path=ppt/slides/slide15.xml><?xml version="1.0" encoding="utf-8"?>
 <p:sld xmlns:a="http://schemas.openxmlformats.org/drawingml/2006/main" xmlns:r="http://schemas.openxmlformats.org/officeDocument/2006/relationships" xmlns:p="http://schemas.openxmlformats.org/presentationml/2006/main">
   <p:cSld>
     <p:spTree>
@@ -5993,7 +9124,7 @@
           <a:p>
             <a:fld id="{D2D8002D-B5B0-4BAC-B1F6-782DDCCE6D9C}" type="slidenum">
               <a:rPr kumimoji="1" lang="ja-JP" altLang="en-US" smtClean="0"/>
-              <a:t>13</a:t>
+              <a:t>15</a:t>
             </a:fld>
             <a:endParaRPr kumimoji="1" lang="ja-JP" altLang="en-US"/>
           </a:p>
@@ -6012,7 +9143,7 @@
 </p:sld>
 </file>
 
-<file path=ppt/slides/slide14.xml><?xml version="1.0" encoding="utf-8"?>
+<file path=ppt/slides/slide16.xml><?xml version="1.0" encoding="utf-8"?>
 <p:sld xmlns:a="http://schemas.openxmlformats.org/drawingml/2006/main" xmlns:r="http://schemas.openxmlformats.org/officeDocument/2006/relationships" xmlns:p="http://schemas.openxmlformats.org/presentationml/2006/main">
   <p:cSld>
     <p:spTree>
@@ -6020,7 +9151,7 @@
         <p:cNvPr id="1" name="">
           <a:extLst>
             <a:ext uri="{FF2B5EF4-FFF2-40B4-BE49-F238E27FC236}">
-              <a16:creationId xmlns:a16="http://schemas.microsoft.com/office/drawing/2014/main" id="{A56BC01D-7D12-71E1-C65F-FC9176FFA25E}"/>
+              <a16:creationId xmlns:a16="http://schemas.microsoft.com/office/drawing/2014/main" id="{9F3EB7D5-30F8-1187-1A34-33753F782FC6}"/>
             </a:ext>
           </a:extLst>
         </p:cNvPr>
@@ -6037,35 +9168,10 @@
       </p:grpSpPr>
       <p:sp>
         <p:nvSpPr>
-          <p:cNvPr id="2" name="コンテンツ プレースホルダー 1">
-            <a:extLst>
-              <a:ext uri="{FF2B5EF4-FFF2-40B4-BE49-F238E27FC236}">
-                <a16:creationId xmlns:a16="http://schemas.microsoft.com/office/drawing/2014/main" id="{C2E2AEE6-3646-0BF4-E51B-7A9D23340C66}"/>
-              </a:ext>
-            </a:extLst>
-          </p:cNvPr>
-          <p:cNvSpPr>
-            <a:spLocks noGrp="1"/>
-          </p:cNvSpPr>
-          <p:nvPr>
-            <p:ph idx="1"/>
-          </p:nvPr>
-        </p:nvSpPr>
-        <p:spPr/>
-        <p:txBody>
-          <a:bodyPr/>
-          <a:lstStyle/>
-          <a:p>
-            <a:endParaRPr kumimoji="1" lang="ja-JP" altLang="en-US" dirty="0"/>
-          </a:p>
-        </p:txBody>
-      </p:sp>
-      <p:sp>
-        <p:nvSpPr>
           <p:cNvPr id="3" name="タイトル 2">
             <a:extLst>
               <a:ext uri="{FF2B5EF4-FFF2-40B4-BE49-F238E27FC236}">
-                <a16:creationId xmlns:a16="http://schemas.microsoft.com/office/drawing/2014/main" id="{42160CD2-B2F8-A44A-5FEF-31E4209FD604}"/>
+                <a16:creationId xmlns:a16="http://schemas.microsoft.com/office/drawing/2014/main" id="{AF0F3C8E-4F79-D574-0C54-7160C67D3DED}"/>
               </a:ext>
             </a:extLst>
           </p:cNvPr>
@@ -6082,26 +9188,13 @@
           <a:lstStyle/>
           <a:p>
             <a:r>
-              <a:rPr kumimoji="1" lang="ja-JP" altLang="en-US" dirty="0">
-                <a:latin typeface="BIZ UDPゴシック" panose="020B0400000000000000" pitchFamily="50" charset="-128"/>
-                <a:ea typeface="BIZ UDPゴシック" panose="020B0400000000000000" pitchFamily="50" charset="-128"/>
-              </a:rPr>
-              <a:t>シミュレーション</a:t>
-            </a:r>
-            <a:r>
-              <a:rPr kumimoji="1" lang="en-US" altLang="ja-JP" dirty="0">
-                <a:latin typeface="BIZ UDPゴシック" panose="020B0400000000000000" pitchFamily="50" charset="-128"/>
-                <a:ea typeface="BIZ UDPゴシック" panose="020B0400000000000000" pitchFamily="50" charset="-128"/>
-              </a:rPr>
-              <a:t>2 </a:t>
-            </a:r>
-            <a:r>
-              <a:rPr kumimoji="1" lang="ja-JP" altLang="en-US" dirty="0">
-                <a:latin typeface="BIZ UDPゴシック" panose="020B0400000000000000" pitchFamily="50" charset="-128"/>
-                <a:ea typeface="BIZ UDPゴシック" panose="020B0400000000000000" pitchFamily="50" charset="-128"/>
-              </a:rPr>
-              <a:t>評価</a:t>
-            </a:r>
+              <a:rPr lang="ja-JP" altLang="en-US" dirty="0"/>
+              <a:t>まとめ</a:t>
+            </a:r>
+            <a:endParaRPr kumimoji="1" lang="ja-JP" altLang="en-US" dirty="0">
+              <a:latin typeface="BIZ UDPゴシック" panose="020B0400000000000000" pitchFamily="50" charset="-128"/>
+              <a:ea typeface="BIZ UDPゴシック" panose="020B0400000000000000" pitchFamily="50" charset="-128"/>
+            </a:endParaRPr>
           </a:p>
         </p:txBody>
       </p:sp>
@@ -6110,7 +9203,7 @@
           <p:cNvPr id="4" name="スライド番号プレースホルダー 3">
             <a:extLst>
               <a:ext uri="{FF2B5EF4-FFF2-40B4-BE49-F238E27FC236}">
-                <a16:creationId xmlns:a16="http://schemas.microsoft.com/office/drawing/2014/main" id="{E05102C6-6A4D-47C9-4F84-64E9077CB389}"/>
+                <a16:creationId xmlns:a16="http://schemas.microsoft.com/office/drawing/2014/main" id="{3BC3AA3A-660F-631B-8F55-2A14E05FDC23}"/>
               </a:ext>
             </a:extLst>
           </p:cNvPr>
@@ -6128,16 +9221,72 @@
           <a:p>
             <a:fld id="{D2D8002D-B5B0-4BAC-B1F6-782DDCCE6D9C}" type="slidenum">
               <a:rPr kumimoji="1" lang="ja-JP" altLang="en-US" smtClean="0"/>
-              <a:t>14</a:t>
+              <a:t>16</a:t>
             </a:fld>
             <a:endParaRPr kumimoji="1" lang="ja-JP" altLang="en-US"/>
+          </a:p>
+        </p:txBody>
+      </p:sp>
+      <p:sp>
+        <p:nvSpPr>
+          <p:cNvPr id="7" name="テキスト ボックス 6">
+            <a:extLst>
+              <a:ext uri="{FF2B5EF4-FFF2-40B4-BE49-F238E27FC236}">
+                <a16:creationId xmlns:a16="http://schemas.microsoft.com/office/drawing/2014/main" id="{D183A20C-9D62-D43E-A08F-81ECBA41AE5F}"/>
+              </a:ext>
+            </a:extLst>
+          </p:cNvPr>
+          <p:cNvSpPr txBox="1"/>
+          <p:nvPr/>
+        </p:nvSpPr>
+        <p:spPr>
+          <a:xfrm>
+            <a:off x="683568" y="1700808"/>
+            <a:ext cx="6048672" cy="707886"/>
+          </a:xfrm>
+          <a:prstGeom prst="rect">
+            <a:avLst/>
+          </a:prstGeom>
+          <a:noFill/>
+        </p:spPr>
+        <p:txBody>
+          <a:bodyPr wrap="square" rtlCol="0">
+            <a:spAutoFit/>
+          </a:bodyPr>
+          <a:lstStyle/>
+          <a:p>
+            <a:pPr marL="285750" indent="-285750">
+              <a:buFont typeface="Arial" panose="020B0604020202020204" pitchFamily="34" charset="0"/>
+              <a:buChar char="•"/>
+            </a:pPr>
+            <a:r>
+              <a:rPr kumimoji="1" lang="ja-JP" altLang="en-US" sz="2000" dirty="0">
+                <a:latin typeface="BIZ UDPゴシック" panose="020B0400000000000000" pitchFamily="50" charset="-128"/>
+                <a:ea typeface="BIZ UDPゴシック" panose="020B0400000000000000" pitchFamily="50" charset="-128"/>
+              </a:rPr>
+              <a:t>クロスレイヤシミュレータにおける無線</a:t>
+            </a:r>
+            <a:r>
+              <a:rPr kumimoji="1" lang="en-US" altLang="ja-JP" sz="2000" dirty="0">
+                <a:latin typeface="BIZ UDPゴシック" panose="020B0400000000000000" pitchFamily="50" charset="-128"/>
+                <a:ea typeface="BIZ UDPゴシック" panose="020B0400000000000000" pitchFamily="50" charset="-128"/>
+              </a:rPr>
+              <a:t>LAN</a:t>
+            </a:r>
+            <a:r>
+              <a:rPr kumimoji="1" lang="ja-JP" altLang="en-US" sz="2000" dirty="0">
+                <a:latin typeface="BIZ UDPゴシック" panose="020B0400000000000000" pitchFamily="50" charset="-128"/>
+                <a:ea typeface="BIZ UDPゴシック" panose="020B0400000000000000" pitchFamily="50" charset="-128"/>
+              </a:rPr>
+              <a:t>シミュレータを開発した</a:t>
+            </a:r>
           </a:p>
         </p:txBody>
       </p:sp>
     </p:spTree>
     <p:extLst>
       <p:ext uri="{BB962C8B-B14F-4D97-AF65-F5344CB8AC3E}">
-        <p14:creationId xmlns:p14="http://schemas.microsoft.com/office/powerpoint/2010/main" val="2267368293"/>
+        <p14:creationId xmlns:p14="http://schemas.microsoft.com/office/powerpoint/2010/main" val="3284628225"/>
       </p:ext>
     </p:extLst>
   </p:cSld>
@@ -6147,7 +9296,7 @@
 </p:sld>
 </file>
 
-<file path=ppt/slides/slide15.xml><?xml version="1.0" encoding="utf-8"?>
+<file path=ppt/slides/slide17.xml><?xml version="1.0" encoding="utf-8"?>
 <p:sld xmlns:a="http://schemas.openxmlformats.org/drawingml/2006/main" xmlns:r="http://schemas.openxmlformats.org/officeDocument/2006/relationships" xmlns:p="http://schemas.openxmlformats.org/presentationml/2006/main">
   <p:cSld>
     <p:spTree>
@@ -6295,7 +9444,7 @@
           <a:p>
             <a:fld id="{D2D8002D-B5B0-4BAC-B1F6-782DDCCE6D9C}" type="slidenum">
               <a:rPr kumimoji="1" lang="ja-JP" altLang="en-US" smtClean="0"/>
-              <a:t>15</a:t>
+              <a:t>17</a:t>
             </a:fld>
             <a:endParaRPr kumimoji="1" lang="ja-JP" altLang="en-US"/>
           </a:p>
@@ -6314,7 +9463,7 @@
 </p:sld>
 </file>
 
-<file path=ppt/slides/slide2.xml><?xml version="1.0" encoding="utf-8"?>
+<file path=ppt/slides/slide18.xml><?xml version="1.0" encoding="utf-8"?>
 <p:sld xmlns:a="http://schemas.openxmlformats.org/drawingml/2006/main" xmlns:r="http://schemas.openxmlformats.org/officeDocument/2006/relationships" xmlns:p="http://schemas.openxmlformats.org/presentationml/2006/main">
   <p:cSld>
     <p:spTree>
@@ -6339,31 +9488,6 @@
       </p:grpSpPr>
       <p:sp>
         <p:nvSpPr>
-          <p:cNvPr id="2" name="コンテンツ プレースホルダー 1">
-            <a:extLst>
-              <a:ext uri="{FF2B5EF4-FFF2-40B4-BE49-F238E27FC236}">
-                <a16:creationId xmlns:a16="http://schemas.microsoft.com/office/drawing/2014/main" id="{762F9B75-2C68-857E-263B-C3E1F5FD85E6}"/>
-              </a:ext>
-            </a:extLst>
-          </p:cNvPr>
-          <p:cNvSpPr>
-            <a:spLocks noGrp="1"/>
-          </p:cNvSpPr>
-          <p:nvPr>
-            <p:ph idx="1"/>
-          </p:nvPr>
-        </p:nvSpPr>
-        <p:spPr/>
-        <p:txBody>
-          <a:bodyPr/>
-          <a:lstStyle/>
-          <a:p>
-            <a:endParaRPr kumimoji="1" lang="ja-JP" altLang="en-US" dirty="0"/>
-          </a:p>
-        </p:txBody>
-      </p:sp>
-      <p:sp>
-        <p:nvSpPr>
           <p:cNvPr id="3" name="タイトル 2">
             <a:extLst>
               <a:ext uri="{FF2B5EF4-FFF2-40B4-BE49-F238E27FC236}">
@@ -6416,12 +9540,119 @@
           <a:p>
             <a:fld id="{D2D8002D-B5B0-4BAC-B1F6-782DDCCE6D9C}" type="slidenum">
               <a:rPr kumimoji="1" lang="ja-JP" altLang="en-US" smtClean="0"/>
-              <a:t>2</a:t>
+              <a:t>18</a:t>
             </a:fld>
             <a:endParaRPr kumimoji="1" lang="ja-JP" altLang="en-US"/>
           </a:p>
         </p:txBody>
       </p:sp>
+      <p:pic>
+        <p:nvPicPr>
+          <p:cNvPr id="8" name="グラフィックス 7">
+            <a:extLst>
+              <a:ext uri="{FF2B5EF4-FFF2-40B4-BE49-F238E27FC236}">
+                <a16:creationId xmlns:a16="http://schemas.microsoft.com/office/drawing/2014/main" id="{E41700B7-26FE-FC70-BC94-B1EA5AD40D71}"/>
+              </a:ext>
+            </a:extLst>
+          </p:cNvPr>
+          <p:cNvPicPr>
+            <a:picLocks noChangeAspect="1"/>
+          </p:cNvPicPr>
+          <p:nvPr/>
+        </p:nvPicPr>
+        <p:blipFill>
+          <a:blip r:embed="rId2">
+            <a:extLst>
+              <a:ext uri="{96DAC541-7B7A-43D3-8B79-37D633B846F1}">
+                <asvg:svgBlip xmlns:asvg="http://schemas.microsoft.com/office/drawing/2016/SVG/main" r:embed="rId3"/>
+              </a:ext>
+            </a:extLst>
+          </a:blip>
+          <a:stretch>
+            <a:fillRect/>
+          </a:stretch>
+        </p:blipFill>
+        <p:spPr>
+          <a:xfrm flipH="1">
+            <a:off x="5292080" y="4437112"/>
+            <a:ext cx="4444752" cy="4444752"/>
+          </a:xfrm>
+          <a:prstGeom prst="rect">
+            <a:avLst/>
+          </a:prstGeom>
+        </p:spPr>
+      </p:pic>
+      <p:pic>
+        <p:nvPicPr>
+          <p:cNvPr id="10" name="図 9" descr="文字の書かれた紙&#10;&#10;AI によって生成されたコンテンツは間違っている可能性があります。">
+            <a:extLst>
+              <a:ext uri="{FF2B5EF4-FFF2-40B4-BE49-F238E27FC236}">
+                <a16:creationId xmlns:a16="http://schemas.microsoft.com/office/drawing/2014/main" id="{D8752554-31F7-5DAB-04F3-0AE3B23B1CA2}"/>
+              </a:ext>
+            </a:extLst>
+          </p:cNvPr>
+          <p:cNvPicPr>
+            <a:picLocks noChangeAspect="1"/>
+          </p:cNvPicPr>
+          <p:nvPr/>
+        </p:nvPicPr>
+        <p:blipFill>
+          <a:blip r:embed="rId4" cstate="print">
+            <a:extLst>
+              <a:ext uri="{28A0092B-C50C-407E-A947-70E740481C1C}">
+                <a14:useLocalDpi xmlns:a14="http://schemas.microsoft.com/office/drawing/2010/main" val="0"/>
+              </a:ext>
+            </a:extLst>
+          </a:blip>
+          <a:srcRect l="50000" t="19098" r="5269" b="59262"/>
+          <a:stretch/>
+        </p:blipFill>
+        <p:spPr>
+          <a:xfrm>
+            <a:off x="539552" y="1484784"/>
+            <a:ext cx="3096344" cy="1127837"/>
+          </a:xfrm>
+          <a:prstGeom prst="rect">
+            <a:avLst/>
+          </a:prstGeom>
+        </p:spPr>
+      </p:pic>
+      <p:pic>
+        <p:nvPicPr>
+          <p:cNvPr id="12" name="グラフィックス 11">
+            <a:extLst>
+              <a:ext uri="{FF2B5EF4-FFF2-40B4-BE49-F238E27FC236}">
+                <a16:creationId xmlns:a16="http://schemas.microsoft.com/office/drawing/2014/main" id="{4551A97D-9093-CBF0-478D-230DE9CB08B2}"/>
+              </a:ext>
+            </a:extLst>
+          </p:cNvPr>
+          <p:cNvPicPr>
+            <a:picLocks noChangeAspect="1"/>
+          </p:cNvPicPr>
+          <p:nvPr/>
+        </p:nvPicPr>
+        <p:blipFill>
+          <a:blip r:embed="rId5">
+            <a:extLst>
+              <a:ext uri="{96DAC541-7B7A-43D3-8B79-37D633B846F1}">
+                <asvg:svgBlip xmlns:asvg="http://schemas.microsoft.com/office/drawing/2016/SVG/main" r:embed="rId6"/>
+              </a:ext>
+            </a:extLst>
+          </a:blip>
+          <a:stretch>
+            <a:fillRect/>
+          </a:stretch>
+        </p:blipFill>
+        <p:spPr>
+          <a:xfrm>
+            <a:off x="1187624" y="2708920"/>
+            <a:ext cx="1255018" cy="1952250"/>
+          </a:xfrm>
+          <a:prstGeom prst="rect">
+            <a:avLst/>
+          </a:prstGeom>
+        </p:spPr>
+      </p:pic>
     </p:spTree>
     <p:extLst>
       <p:ext uri="{BB962C8B-B14F-4D97-AF65-F5344CB8AC3E}">
@@ -6432,6 +9663,646 @@
   <p:clrMapOvr>
     <a:masterClrMapping/>
   </p:clrMapOvr>
+</p:sld>
+</file>
+
+<file path=ppt/slides/slide2.xml><?xml version="1.0" encoding="utf-8"?>
+<p:sld xmlns:a="http://schemas.openxmlformats.org/drawingml/2006/main" xmlns:r="http://schemas.openxmlformats.org/officeDocument/2006/relationships" xmlns:p="http://schemas.openxmlformats.org/presentationml/2006/main">
+  <p:cSld>
+    <p:spTree>
+      <p:nvGrpSpPr>
+        <p:cNvPr id="1" name=""/>
+        <p:cNvGrpSpPr/>
+        <p:nvPr/>
+      </p:nvGrpSpPr>
+      <p:grpSpPr>
+        <a:xfrm>
+          <a:off x="0" y="0"/>
+          <a:ext cx="0" cy="0"/>
+          <a:chOff x="0" y="0"/>
+          <a:chExt cx="0" cy="0"/>
+        </a:xfrm>
+      </p:grpSpPr>
+      <p:sp>
+        <p:nvSpPr>
+          <p:cNvPr id="3" name="タイトル 2">
+            <a:extLst>
+              <a:ext uri="{FF2B5EF4-FFF2-40B4-BE49-F238E27FC236}">
+                <a16:creationId xmlns:a16="http://schemas.microsoft.com/office/drawing/2014/main" id="{E2836967-3035-032B-B7C9-123CB7490EAA}"/>
+              </a:ext>
+            </a:extLst>
+          </p:cNvPr>
+          <p:cNvSpPr>
+            <a:spLocks noGrp="1"/>
+          </p:cNvSpPr>
+          <p:nvPr>
+            <p:ph type="title"/>
+          </p:nvPr>
+        </p:nvSpPr>
+        <p:spPr/>
+        <p:txBody>
+          <a:bodyPr/>
+          <a:lstStyle/>
+          <a:p>
+            <a:r>
+              <a:rPr kumimoji="1" lang="ja-JP" altLang="en-US" dirty="0">
+                <a:latin typeface="BIZ UDPゴシック" panose="020B0400000000000000" pitchFamily="50" charset="-128"/>
+                <a:ea typeface="BIZ UDPゴシック" panose="020B0400000000000000" pitchFamily="50" charset="-128"/>
+              </a:rPr>
+              <a:t>研究背景</a:t>
+            </a:r>
+            <a:endParaRPr kumimoji="1" lang="ja-JP" altLang="en-US" dirty="0"/>
+          </a:p>
+        </p:txBody>
+      </p:sp>
+      <p:sp>
+        <p:nvSpPr>
+          <p:cNvPr id="4" name="スライド番号プレースホルダー 3">
+            <a:extLst>
+              <a:ext uri="{FF2B5EF4-FFF2-40B4-BE49-F238E27FC236}">
+                <a16:creationId xmlns:a16="http://schemas.microsoft.com/office/drawing/2014/main" id="{31C7CBB5-1D95-95F2-869F-699EBCACDEDF}"/>
+              </a:ext>
+            </a:extLst>
+          </p:cNvPr>
+          <p:cNvSpPr>
+            <a:spLocks noGrp="1"/>
+          </p:cNvSpPr>
+          <p:nvPr>
+            <p:ph type="sldNum" sz="quarter" idx="10"/>
+          </p:nvPr>
+        </p:nvSpPr>
+        <p:spPr/>
+        <p:txBody>
+          <a:bodyPr/>
+          <a:lstStyle/>
+          <a:p>
+            <a:fld id="{D2D8002D-B5B0-4BAC-B1F6-782DDCCE6D9C}" type="slidenum">
+              <a:rPr kumimoji="1" lang="ja-JP" altLang="en-US" smtClean="0"/>
+              <a:t>2</a:t>
+            </a:fld>
+            <a:endParaRPr kumimoji="1" lang="ja-JP" altLang="en-US"/>
+          </a:p>
+        </p:txBody>
+      </p:sp>
+      <p:sp>
+        <p:nvSpPr>
+          <p:cNvPr id="5" name="テキスト ボックス 4">
+            <a:extLst>
+              <a:ext uri="{FF2B5EF4-FFF2-40B4-BE49-F238E27FC236}">
+                <a16:creationId xmlns:a16="http://schemas.microsoft.com/office/drawing/2014/main" id="{ECD846D3-2E94-17EC-90D0-2E85AD403981}"/>
+              </a:ext>
+            </a:extLst>
+          </p:cNvPr>
+          <p:cNvSpPr txBox="1"/>
+          <p:nvPr/>
+        </p:nvSpPr>
+        <p:spPr>
+          <a:xfrm>
+            <a:off x="1509484" y="1438129"/>
+            <a:ext cx="6120680" cy="1077218"/>
+          </a:xfrm>
+          <a:prstGeom prst="rect">
+            <a:avLst/>
+          </a:prstGeom>
+          <a:noFill/>
+        </p:spPr>
+        <p:txBody>
+          <a:bodyPr wrap="square" rtlCol="0">
+            <a:spAutoFit/>
+          </a:bodyPr>
+          <a:lstStyle/>
+          <a:p>
+            <a:pPr algn="ctr"/>
+            <a:r>
+              <a:rPr kumimoji="1" lang="ja-JP" altLang="en-US" sz="3200" dirty="0">
+                <a:latin typeface="BIZ UDPゴシック" panose="020B0400000000000000" pitchFamily="50" charset="-128"/>
+                <a:ea typeface="BIZ UDPゴシック" panose="020B0400000000000000" pitchFamily="50" charset="-128"/>
+              </a:rPr>
+              <a:t>これまでの無線</a:t>
+            </a:r>
+            <a:r>
+              <a:rPr kumimoji="1" lang="en-US" altLang="ja-JP" sz="3200" dirty="0">
+                <a:latin typeface="BIZ UDPゴシック" panose="020B0400000000000000" pitchFamily="50" charset="-128"/>
+                <a:ea typeface="BIZ UDPゴシック" panose="020B0400000000000000" pitchFamily="50" charset="-128"/>
+              </a:rPr>
+              <a:t>LAN</a:t>
+            </a:r>
+            <a:r>
+              <a:rPr kumimoji="1" lang="ja-JP" altLang="en-US" sz="3200" dirty="0">
+                <a:latin typeface="BIZ UDPゴシック" panose="020B0400000000000000" pitchFamily="50" charset="-128"/>
+                <a:ea typeface="BIZ UDPゴシック" panose="020B0400000000000000" pitchFamily="50" charset="-128"/>
+              </a:rPr>
+              <a:t>通信では</a:t>
+            </a:r>
+            <a:endParaRPr kumimoji="1" lang="en-US" altLang="ja-JP" sz="3200" dirty="0">
+              <a:latin typeface="BIZ UDPゴシック" panose="020B0400000000000000" pitchFamily="50" charset="-128"/>
+              <a:ea typeface="BIZ UDPゴシック" panose="020B0400000000000000" pitchFamily="50" charset="-128"/>
+            </a:endParaRPr>
+          </a:p>
+          <a:p>
+            <a:pPr algn="ctr"/>
+            <a:r>
+              <a:rPr kumimoji="1" lang="ja-JP" altLang="en-US" sz="3200" dirty="0">
+                <a:latin typeface="BIZ UDPゴシック" panose="020B0400000000000000" pitchFamily="50" charset="-128"/>
+                <a:ea typeface="BIZ UDPゴシック" panose="020B0400000000000000" pitchFamily="50" charset="-128"/>
+              </a:rPr>
+              <a:t>各レイヤごとに評価されてきた</a:t>
+            </a:r>
+          </a:p>
+        </p:txBody>
+      </p:sp>
+      <p:sp>
+        <p:nvSpPr>
+          <p:cNvPr id="7" name="テキスト ボックス 6">
+            <a:extLst>
+              <a:ext uri="{FF2B5EF4-FFF2-40B4-BE49-F238E27FC236}">
+                <a16:creationId xmlns:a16="http://schemas.microsoft.com/office/drawing/2014/main" id="{5BE6455F-36F9-D3EE-4CB9-C4E05B945F26}"/>
+              </a:ext>
+            </a:extLst>
+          </p:cNvPr>
+          <p:cNvSpPr txBox="1"/>
+          <p:nvPr/>
+        </p:nvSpPr>
+        <p:spPr>
+          <a:xfrm>
+            <a:off x="614324" y="3136810"/>
+            <a:ext cx="8055622" cy="584775"/>
+          </a:xfrm>
+          <a:prstGeom prst="rect">
+            <a:avLst/>
+          </a:prstGeom>
+          <a:noFill/>
+        </p:spPr>
+        <p:txBody>
+          <a:bodyPr wrap="square" rtlCol="0">
+            <a:spAutoFit/>
+          </a:bodyPr>
+          <a:lstStyle/>
+          <a:p>
+            <a:pPr algn="ctr"/>
+            <a:r>
+              <a:rPr kumimoji="1" lang="ja-JP" altLang="en-US" sz="3200" dirty="0">
+                <a:latin typeface="BIZ UDPゴシック" panose="020B0400000000000000" pitchFamily="50" charset="-128"/>
+                <a:ea typeface="BIZ UDPゴシック" panose="020B0400000000000000" pitchFamily="50" charset="-128"/>
+              </a:rPr>
+              <a:t>通信システム全体の十分な評価ができない</a:t>
+            </a:r>
+          </a:p>
+        </p:txBody>
+      </p:sp>
+      <p:sp>
+        <p:nvSpPr>
+          <p:cNvPr id="8" name="矢印: 下 7">
+            <a:extLst>
+              <a:ext uri="{FF2B5EF4-FFF2-40B4-BE49-F238E27FC236}">
+                <a16:creationId xmlns:a16="http://schemas.microsoft.com/office/drawing/2014/main" id="{9779C506-E4CF-89F9-15F0-C4A0CBC37F86}"/>
+              </a:ext>
+            </a:extLst>
+          </p:cNvPr>
+          <p:cNvSpPr/>
+          <p:nvPr/>
+        </p:nvSpPr>
+        <p:spPr>
+          <a:xfrm>
+            <a:off x="4281792" y="2560746"/>
+            <a:ext cx="576064" cy="576064"/>
+          </a:xfrm>
+          <a:prstGeom prst="downArrow">
+            <a:avLst/>
+          </a:prstGeom>
+          <a:noFill/>
+          <a:ln w="57150">
+            <a:solidFill>
+              <a:srgbClr val="2D4E97"/>
+            </a:solidFill>
+          </a:ln>
+        </p:spPr>
+        <p:txBody>
+          <a:bodyPr wrap="square" rtlCol="0" anchor="ctr">
+            <a:spAutoFit/>
+          </a:bodyPr>
+          <a:lstStyle/>
+          <a:p>
+            <a:pPr algn="ctr"/>
+            <a:endParaRPr kumimoji="1" lang="ja-JP" altLang="en-US" kern="0" dirty="0">
+              <a:latin typeface="+mn-lt"/>
+              <a:ea typeface="+mn-ea"/>
+            </a:endParaRPr>
+          </a:p>
+        </p:txBody>
+      </p:sp>
+      <p:sp>
+        <p:nvSpPr>
+          <p:cNvPr id="9" name="テキスト ボックス 8">
+            <a:extLst>
+              <a:ext uri="{FF2B5EF4-FFF2-40B4-BE49-F238E27FC236}">
+                <a16:creationId xmlns:a16="http://schemas.microsoft.com/office/drawing/2014/main" id="{5110930E-4BBB-126A-70A2-1550EEE5F701}"/>
+              </a:ext>
+            </a:extLst>
+          </p:cNvPr>
+          <p:cNvSpPr txBox="1"/>
+          <p:nvPr/>
+        </p:nvSpPr>
+        <p:spPr>
+          <a:xfrm>
+            <a:off x="702689" y="4773351"/>
+            <a:ext cx="7734270" cy="1569660"/>
+          </a:xfrm>
+          <a:prstGeom prst="rect">
+            <a:avLst/>
+          </a:prstGeom>
+          <a:noFill/>
+        </p:spPr>
+        <p:txBody>
+          <a:bodyPr wrap="square" rtlCol="0">
+            <a:spAutoFit/>
+          </a:bodyPr>
+          <a:lstStyle/>
+          <a:p>
+            <a:pPr algn="ctr"/>
+            <a:r>
+              <a:rPr kumimoji="1" lang="ja-JP" altLang="en-US" sz="3200" b="1" dirty="0">
+                <a:latin typeface="BIZ UDPゴシック" panose="020B0400000000000000" pitchFamily="50" charset="-128"/>
+                <a:ea typeface="BIZ UDPゴシック" panose="020B0400000000000000" pitchFamily="50" charset="-128"/>
+              </a:rPr>
+              <a:t>物理層から上位層までを考慮した</a:t>
+            </a:r>
+            <a:endParaRPr kumimoji="1" lang="en-US" altLang="ja-JP" sz="3200" b="1" dirty="0">
+              <a:latin typeface="BIZ UDPゴシック" panose="020B0400000000000000" pitchFamily="50" charset="-128"/>
+              <a:ea typeface="BIZ UDPゴシック" panose="020B0400000000000000" pitchFamily="50" charset="-128"/>
+            </a:endParaRPr>
+          </a:p>
+          <a:p>
+            <a:pPr algn="ctr"/>
+            <a:r>
+              <a:rPr lang="ja-JP" altLang="en-US" sz="3200" b="1" dirty="0">
+                <a:latin typeface="BIZ UDPゴシック" panose="020B0400000000000000" pitchFamily="50" charset="-128"/>
+                <a:ea typeface="BIZ UDPゴシック" panose="020B0400000000000000" pitchFamily="50" charset="-128"/>
+              </a:rPr>
+              <a:t>クロスレイヤでの評価を</a:t>
+            </a:r>
+            <a:endParaRPr lang="en-US" altLang="ja-JP" sz="3200" b="1" dirty="0">
+              <a:latin typeface="BIZ UDPゴシック" panose="020B0400000000000000" pitchFamily="50" charset="-128"/>
+              <a:ea typeface="BIZ UDPゴシック" panose="020B0400000000000000" pitchFamily="50" charset="-128"/>
+            </a:endParaRPr>
+          </a:p>
+          <a:p>
+            <a:pPr algn="ctr"/>
+            <a:r>
+              <a:rPr lang="ja-JP" altLang="en-US" sz="3200" b="1" dirty="0">
+                <a:latin typeface="BIZ UDPゴシック" panose="020B0400000000000000" pitchFamily="50" charset="-128"/>
+                <a:ea typeface="BIZ UDPゴシック" panose="020B0400000000000000" pitchFamily="50" charset="-128"/>
+              </a:rPr>
+              <a:t>行えるシミュレータが必要</a:t>
+            </a:r>
+            <a:endParaRPr kumimoji="1" lang="ja-JP" altLang="en-US" sz="3200" b="1" dirty="0">
+              <a:latin typeface="BIZ UDPゴシック" panose="020B0400000000000000" pitchFamily="50" charset="-128"/>
+              <a:ea typeface="BIZ UDPゴシック" panose="020B0400000000000000" pitchFamily="50" charset="-128"/>
+            </a:endParaRPr>
+          </a:p>
+        </p:txBody>
+      </p:sp>
+      <p:sp>
+        <p:nvSpPr>
+          <p:cNvPr id="10" name="テキスト ボックス 9">
+            <a:extLst>
+              <a:ext uri="{FF2B5EF4-FFF2-40B4-BE49-F238E27FC236}">
+                <a16:creationId xmlns:a16="http://schemas.microsoft.com/office/drawing/2014/main" id="{7180EEA0-E415-6911-9652-3F16EEF3034E}"/>
+              </a:ext>
+            </a:extLst>
+          </p:cNvPr>
+          <p:cNvSpPr txBox="1"/>
+          <p:nvPr/>
+        </p:nvSpPr>
+        <p:spPr>
+          <a:xfrm>
+            <a:off x="598395" y="3721191"/>
+            <a:ext cx="7880509" cy="830997"/>
+          </a:xfrm>
+          <a:prstGeom prst="rect">
+            <a:avLst/>
+          </a:prstGeom>
+          <a:noFill/>
+        </p:spPr>
+        <p:txBody>
+          <a:bodyPr wrap="square" rtlCol="0">
+            <a:spAutoFit/>
+          </a:bodyPr>
+          <a:lstStyle/>
+          <a:p>
+            <a:pPr algn="ctr"/>
+            <a:r>
+              <a:rPr lang="en-US" altLang="ja-JP" sz="2400" dirty="0">
+                <a:latin typeface="BIZ UDPゴシック" panose="020B0400000000000000" pitchFamily="50" charset="-128"/>
+                <a:ea typeface="BIZ UDPゴシック" panose="020B0400000000000000" pitchFamily="50" charset="-128"/>
+              </a:rPr>
+              <a:t>ex. 1Gbps</a:t>
+            </a:r>
+            <a:r>
+              <a:rPr lang="ja-JP" altLang="en-US" sz="2400" dirty="0">
+                <a:latin typeface="BIZ UDPゴシック" panose="020B0400000000000000" pitchFamily="50" charset="-128"/>
+                <a:ea typeface="BIZ UDPゴシック" panose="020B0400000000000000" pitchFamily="50" charset="-128"/>
+              </a:rPr>
+              <a:t>出るって書いてある</a:t>
+            </a:r>
+            <a:r>
+              <a:rPr lang="en-US" altLang="ja-JP" sz="2400" dirty="0" err="1">
+                <a:latin typeface="BIZ UDPゴシック" panose="020B0400000000000000" pitchFamily="50" charset="-128"/>
+                <a:ea typeface="BIZ UDPゴシック" panose="020B0400000000000000" pitchFamily="50" charset="-128"/>
+              </a:rPr>
+              <a:t>wifi</a:t>
+            </a:r>
+            <a:r>
+              <a:rPr lang="ja-JP" altLang="en-US" sz="2400" dirty="0">
+                <a:latin typeface="BIZ UDPゴシック" panose="020B0400000000000000" pitchFamily="50" charset="-128"/>
+                <a:ea typeface="BIZ UDPゴシック" panose="020B0400000000000000" pitchFamily="50" charset="-128"/>
+              </a:rPr>
+              <a:t>ルーター買ったけど</a:t>
+            </a:r>
+            <a:endParaRPr lang="en-US" altLang="ja-JP" sz="2400" dirty="0">
+              <a:latin typeface="BIZ UDPゴシック" panose="020B0400000000000000" pitchFamily="50" charset="-128"/>
+              <a:ea typeface="BIZ UDPゴシック" panose="020B0400000000000000" pitchFamily="50" charset="-128"/>
+            </a:endParaRPr>
+          </a:p>
+          <a:p>
+            <a:pPr algn="ctr"/>
+            <a:r>
+              <a:rPr lang="en-US" altLang="ja-JP" sz="2400" dirty="0">
+                <a:latin typeface="BIZ UDPゴシック" panose="020B0400000000000000" pitchFamily="50" charset="-128"/>
+                <a:ea typeface="BIZ UDPゴシック" panose="020B0400000000000000" pitchFamily="50" charset="-128"/>
+              </a:rPr>
+              <a:t>24Mbps</a:t>
+            </a:r>
+            <a:r>
+              <a:rPr lang="ja-JP" altLang="en-US" sz="2400" dirty="0">
+                <a:latin typeface="BIZ UDPゴシック" panose="020B0400000000000000" pitchFamily="50" charset="-128"/>
+                <a:ea typeface="BIZ UDPゴシック" panose="020B0400000000000000" pitchFamily="50" charset="-128"/>
+              </a:rPr>
+              <a:t>しか出ない</a:t>
+            </a:r>
+            <a:r>
+              <a:rPr lang="en-US" altLang="ja-JP" sz="2400" dirty="0">
+                <a:latin typeface="BIZ UDPゴシック" panose="020B0400000000000000" pitchFamily="50" charset="-128"/>
+                <a:ea typeface="BIZ UDPゴシック" panose="020B0400000000000000" pitchFamily="50" charset="-128"/>
+              </a:rPr>
+              <a:t>……</a:t>
+            </a:r>
+            <a:endParaRPr kumimoji="1" lang="ja-JP" altLang="en-US" sz="2400" dirty="0">
+              <a:latin typeface="BIZ UDPゴシック" panose="020B0400000000000000" pitchFamily="50" charset="-128"/>
+              <a:ea typeface="BIZ UDPゴシック" panose="020B0400000000000000" pitchFamily="50" charset="-128"/>
+            </a:endParaRPr>
+          </a:p>
+        </p:txBody>
+      </p:sp>
+      <p:sp>
+        <p:nvSpPr>
+          <p:cNvPr id="12" name="テキスト ボックス 11">
+            <a:extLst>
+              <a:ext uri="{FF2B5EF4-FFF2-40B4-BE49-F238E27FC236}">
+                <a16:creationId xmlns:a16="http://schemas.microsoft.com/office/drawing/2014/main" id="{89E479E6-4BEE-9E31-06DC-B48133ACCB98}"/>
+              </a:ext>
+            </a:extLst>
+          </p:cNvPr>
+          <p:cNvSpPr txBox="1"/>
+          <p:nvPr/>
+        </p:nvSpPr>
+        <p:spPr>
+          <a:xfrm>
+            <a:off x="12432" y="6490702"/>
+            <a:ext cx="6120680" cy="369332"/>
+          </a:xfrm>
+          <a:prstGeom prst="rect">
+            <a:avLst/>
+          </a:prstGeom>
+          <a:noFill/>
+        </p:spPr>
+        <p:txBody>
+          <a:bodyPr wrap="square" rtlCol="0">
+            <a:spAutoFit/>
+          </a:bodyPr>
+          <a:lstStyle/>
+          <a:p>
+            <a:r>
+              <a:rPr kumimoji="1" lang="ja-JP" altLang="en-US" dirty="0">
+                <a:latin typeface="BIZ UDPゴシック" panose="020B0400000000000000" pitchFamily="50" charset="-128"/>
+                <a:ea typeface="BIZ UDPゴシック" panose="020B0400000000000000" pitchFamily="50" charset="-128"/>
+              </a:rPr>
+              <a:t>スループット </a:t>
+            </a:r>
+            <a:r>
+              <a:rPr kumimoji="1" lang="en-US" altLang="ja-JP" dirty="0">
+                <a:latin typeface="BIZ UDPゴシック" panose="020B0400000000000000" pitchFamily="50" charset="-128"/>
+                <a:ea typeface="BIZ UDPゴシック" panose="020B0400000000000000" pitchFamily="50" charset="-128"/>
+              </a:rPr>
+              <a:t>: </a:t>
+            </a:r>
+            <a:r>
+              <a:rPr kumimoji="1" lang="ja-JP" altLang="en-US" dirty="0">
+                <a:latin typeface="BIZ UDPゴシック" panose="020B0400000000000000" pitchFamily="50" charset="-128"/>
+                <a:ea typeface="BIZ UDPゴシック" panose="020B0400000000000000" pitchFamily="50" charset="-128"/>
+              </a:rPr>
+              <a:t>伝送速度</a:t>
+            </a:r>
+            <a:r>
+              <a:rPr kumimoji="1" lang="en-US" altLang="ja-JP" dirty="0">
+                <a:latin typeface="BIZ UDPゴシック" panose="020B0400000000000000" pitchFamily="50" charset="-128"/>
+                <a:ea typeface="BIZ UDPゴシック" panose="020B0400000000000000" pitchFamily="50" charset="-128"/>
+              </a:rPr>
+              <a:t>(</a:t>
+            </a:r>
+            <a:r>
+              <a:rPr kumimoji="1" lang="ja-JP" altLang="en-US" dirty="0">
+                <a:latin typeface="BIZ UDPゴシック" panose="020B0400000000000000" pitchFamily="50" charset="-128"/>
+                <a:ea typeface="BIZ UDPゴシック" panose="020B0400000000000000" pitchFamily="50" charset="-128"/>
+              </a:rPr>
+              <a:t>伝送量 </a:t>
+            </a:r>
+            <a:r>
+              <a:rPr kumimoji="1" lang="en-US" altLang="ja-JP" dirty="0">
+                <a:latin typeface="BIZ UDPゴシック" panose="020B0400000000000000" pitchFamily="50" charset="-128"/>
+                <a:ea typeface="BIZ UDPゴシック" panose="020B0400000000000000" pitchFamily="50" charset="-128"/>
+              </a:rPr>
+              <a:t>/ </a:t>
+            </a:r>
+            <a:r>
+              <a:rPr kumimoji="1" lang="ja-JP" altLang="en-US" dirty="0">
+                <a:latin typeface="BIZ UDPゴシック" panose="020B0400000000000000" pitchFamily="50" charset="-128"/>
+                <a:ea typeface="BIZ UDPゴシック" panose="020B0400000000000000" pitchFamily="50" charset="-128"/>
+              </a:rPr>
+              <a:t>伝送時間 </a:t>
+            </a:r>
+            <a:r>
+              <a:rPr kumimoji="1" lang="en-US" altLang="ja-JP" dirty="0">
+                <a:latin typeface="BIZ UDPゴシック" panose="020B0400000000000000" pitchFamily="50" charset="-128"/>
+                <a:ea typeface="BIZ UDPゴシック" panose="020B0400000000000000" pitchFamily="50" charset="-128"/>
+              </a:rPr>
+              <a:t>[bps])</a:t>
+            </a:r>
+          </a:p>
+        </p:txBody>
+      </p:sp>
+    </p:spTree>
+    <p:extLst>
+      <p:ext uri="{BB962C8B-B14F-4D97-AF65-F5344CB8AC3E}">
+        <p14:creationId xmlns:p14="http://schemas.microsoft.com/office/powerpoint/2010/main" val="2564197525"/>
+      </p:ext>
+    </p:extLst>
+  </p:cSld>
+  <p:clrMapOvr>
+    <a:masterClrMapping/>
+  </p:clrMapOvr>
+  <p:timing>
+    <p:tnLst>
+      <p:par>
+        <p:cTn id="1" dur="indefinite" restart="never" nodeType="tmRoot">
+          <p:childTnLst>
+            <p:seq concurrent="1" nextAc="seek">
+              <p:cTn id="2" dur="indefinite" nodeType="mainSeq">
+                <p:childTnLst>
+                  <p:par>
+                    <p:cTn id="3" fill="hold">
+                      <p:stCondLst>
+                        <p:cond delay="indefinite"/>
+                      </p:stCondLst>
+                      <p:childTnLst>
+                        <p:par>
+                          <p:cTn id="4" fill="hold">
+                            <p:stCondLst>
+                              <p:cond delay="0"/>
+                            </p:stCondLst>
+                            <p:childTnLst>
+                              <p:par>
+                                <p:cTn id="5" presetID="1" presetClass="entr" presetSubtype="0" fill="hold" grpId="0" nodeType="clickEffect">
+                                  <p:stCondLst>
+                                    <p:cond delay="0"/>
+                                  </p:stCondLst>
+                                  <p:childTnLst>
+                                    <p:set>
+                                      <p:cBhvr>
+                                        <p:cTn id="6" dur="1" fill="hold">
+                                          <p:stCondLst>
+                                            <p:cond delay="0"/>
+                                          </p:stCondLst>
+                                        </p:cTn>
+                                        <p:tgtEl>
+                                          <p:spTgt spid="10"/>
+                                        </p:tgtEl>
+                                        <p:attrNameLst>
+                                          <p:attrName>style.visibility</p:attrName>
+                                        </p:attrNameLst>
+                                      </p:cBhvr>
+                                      <p:to>
+                                        <p:strVal val="visible"/>
+                                      </p:to>
+                                    </p:set>
+                                  </p:childTnLst>
+                                </p:cTn>
+                              </p:par>
+                              <p:par>
+                                <p:cTn id="7" presetID="1" presetClass="entr" presetSubtype="0" fill="hold" grpId="0" nodeType="withEffect">
+                                  <p:stCondLst>
+                                    <p:cond delay="0"/>
+                                  </p:stCondLst>
+                                  <p:childTnLst>
+                                    <p:set>
+                                      <p:cBhvr>
+                                        <p:cTn id="8" dur="1" fill="hold">
+                                          <p:stCondLst>
+                                            <p:cond delay="0"/>
+                                          </p:stCondLst>
+                                        </p:cTn>
+                                        <p:tgtEl>
+                                          <p:spTgt spid="8"/>
+                                        </p:tgtEl>
+                                        <p:attrNameLst>
+                                          <p:attrName>style.visibility</p:attrName>
+                                        </p:attrNameLst>
+                                      </p:cBhvr>
+                                      <p:to>
+                                        <p:strVal val="visible"/>
+                                      </p:to>
+                                    </p:set>
+                                  </p:childTnLst>
+                                </p:cTn>
+                              </p:par>
+                            </p:childTnLst>
+                          </p:cTn>
+                        </p:par>
+                      </p:childTnLst>
+                    </p:cTn>
+                  </p:par>
+                  <p:par>
+                    <p:cTn id="9" fill="hold">
+                      <p:stCondLst>
+                        <p:cond delay="indefinite"/>
+                      </p:stCondLst>
+                      <p:childTnLst>
+                        <p:par>
+                          <p:cTn id="10" fill="hold">
+                            <p:stCondLst>
+                              <p:cond delay="0"/>
+                            </p:stCondLst>
+                            <p:childTnLst>
+                              <p:par>
+                                <p:cTn id="11" presetID="1" presetClass="entr" presetSubtype="0" fill="hold" grpId="0" nodeType="clickEffect">
+                                  <p:stCondLst>
+                                    <p:cond delay="0"/>
+                                  </p:stCondLst>
+                                  <p:childTnLst>
+                                    <p:set>
+                                      <p:cBhvr>
+                                        <p:cTn id="12" dur="1" fill="hold">
+                                          <p:stCondLst>
+                                            <p:cond delay="0"/>
+                                          </p:stCondLst>
+                                        </p:cTn>
+                                        <p:tgtEl>
+                                          <p:spTgt spid="9"/>
+                                        </p:tgtEl>
+                                        <p:attrNameLst>
+                                          <p:attrName>style.visibility</p:attrName>
+                                        </p:attrNameLst>
+                                      </p:cBhvr>
+                                      <p:to>
+                                        <p:strVal val="visible"/>
+                                      </p:to>
+                                    </p:set>
+                                  </p:childTnLst>
+                                </p:cTn>
+                              </p:par>
+                            </p:childTnLst>
+                          </p:cTn>
+                        </p:par>
+                      </p:childTnLst>
+                    </p:cTn>
+                  </p:par>
+                </p:childTnLst>
+              </p:cTn>
+              <p:prevCondLst>
+                <p:cond evt="onPrev" delay="0">
+                  <p:tgtEl>
+                    <p:sldTgt/>
+                  </p:tgtEl>
+                </p:cond>
+              </p:prevCondLst>
+              <p:nextCondLst>
+                <p:cond evt="onNext" delay="0">
+                  <p:tgtEl>
+                    <p:sldTgt/>
+                  </p:tgtEl>
+                </p:cond>
+              </p:nextCondLst>
+            </p:seq>
+          </p:childTnLst>
+        </p:cTn>
+      </p:par>
+    </p:tnLst>
+    <p:bldLst>
+      <p:bldP spid="8" grpId="0" animBg="1"/>
+      <p:bldP spid="9" grpId="0"/>
+      <p:bldP spid="10" grpId="0"/>
+    </p:bldLst>
+  </p:timing>
 </p:sld>
 </file>
 
@@ -6474,10 +10345,7 @@
           <a:lstStyle/>
           <a:p>
             <a:r>
-              <a:rPr kumimoji="1" lang="ja-JP" altLang="en-US" dirty="0">
-                <a:latin typeface="BIZ UDPゴシック" panose="020B0400000000000000" pitchFamily="50" charset="-128"/>
-                <a:ea typeface="BIZ UDPゴシック" panose="020B0400000000000000" pitchFamily="50" charset="-128"/>
-              </a:rPr>
+              <a:rPr kumimoji="1" lang="ja-JP" altLang="en-US" dirty="0"/>
               <a:t>研究背景</a:t>
             </a:r>
           </a:p>
@@ -6549,10 +10417,7 @@
           <a:lstStyle/>
           <a:p>
             <a:pPr algn="ctr"/>
-            <a:endParaRPr kumimoji="1" lang="ja-JP" altLang="en-US" kern="0" dirty="0">
-              <a:latin typeface="+mn-lt"/>
-              <a:ea typeface="+mn-ea"/>
-            </a:endParaRPr>
+            <a:endParaRPr kumimoji="1" lang="ja-JP" altLang="en-US" kern="0" dirty="0"/>
           </a:p>
         </p:txBody>
       </p:sp>
@@ -6779,10 +10644,16 @@
               <a:buChar char="−"/>
             </a:pPr>
             <a:r>
-              <a:rPr lang="ja-JP" altLang="en-US" sz="2000" kern="0" dirty="0"/>
+              <a:rPr lang="ja-JP" altLang="en-US" sz="2000" kern="0" dirty="0">
+                <a:latin typeface="BIZ UDPゴシック" panose="020B0400000000000000" pitchFamily="50" charset="-128"/>
+                <a:ea typeface="BIZ UDPゴシック" panose="020B0400000000000000" pitchFamily="50" charset="-128"/>
+              </a:rPr>
               <a:t>他レイヤを含めたクロスレイヤ評価が難しい</a:t>
             </a:r>
-            <a:endParaRPr lang="en-US" altLang="ja-JP" sz="2000" kern="0" dirty="0"/>
+            <a:endParaRPr lang="en-US" altLang="ja-JP" sz="2000" kern="0" dirty="0">
+              <a:latin typeface="BIZ UDPゴシック" panose="020B0400000000000000" pitchFamily="50" charset="-128"/>
+              <a:ea typeface="BIZ UDPゴシック" panose="020B0400000000000000" pitchFamily="50" charset="-128"/>
+            </a:endParaRPr>
           </a:p>
           <a:p>
             <a:pPr>
@@ -6790,10 +10661,16 @@
               <a:buChar char="−"/>
             </a:pPr>
             <a:r>
-              <a:rPr lang="ja-JP" altLang="en-US" sz="2000" kern="0" dirty="0"/>
+              <a:rPr lang="ja-JP" altLang="en-US" sz="2000" kern="0" dirty="0">
+                <a:latin typeface="BIZ UDPゴシック" panose="020B0400000000000000" pitchFamily="50" charset="-128"/>
+                <a:ea typeface="BIZ UDPゴシック" panose="020B0400000000000000" pitchFamily="50" charset="-128"/>
+              </a:rPr>
               <a:t>装置を開発して実験を行う必要がある</a:t>
             </a:r>
-            <a:endParaRPr lang="en-US" altLang="ja-JP" sz="1800" kern="0" dirty="0"/>
+            <a:endParaRPr lang="en-US" altLang="ja-JP" sz="1800" kern="0" dirty="0">
+              <a:latin typeface="BIZ UDPゴシック" panose="020B0400000000000000" pitchFamily="50" charset="-128"/>
+              <a:ea typeface="BIZ UDPゴシック" panose="020B0400000000000000" pitchFamily="50" charset="-128"/>
+            </a:endParaRPr>
           </a:p>
         </p:txBody>
       </p:sp>
@@ -6834,10 +10711,7 @@
           <a:lstStyle/>
           <a:p>
             <a:pPr algn="ctr"/>
-            <a:endParaRPr kumimoji="1" lang="ja-JP" altLang="en-US" kern="0" dirty="0">
-              <a:latin typeface="+mn-lt"/>
-              <a:ea typeface="+mn-ea"/>
-            </a:endParaRPr>
+            <a:endParaRPr kumimoji="1" lang="ja-JP" altLang="en-US" kern="0" dirty="0"/>
           </a:p>
         </p:txBody>
       </p:sp>
@@ -6878,10 +10752,7 @@
           <a:lstStyle/>
           <a:p>
             <a:pPr algn="ctr"/>
-            <a:endParaRPr kumimoji="1" lang="ja-JP" altLang="en-US" kern="0" dirty="0">
-              <a:latin typeface="+mn-lt"/>
-              <a:ea typeface="+mn-ea"/>
-            </a:endParaRPr>
+            <a:endParaRPr kumimoji="1" lang="ja-JP" altLang="en-US" kern="0" dirty="0"/>
           </a:p>
         </p:txBody>
       </p:sp>
@@ -6916,18 +10787,21 @@
             <a:pPr algn="ctr"/>
             <a:r>
               <a:rPr kumimoji="1" lang="ja-JP" altLang="en-US" sz="2000" dirty="0">
-                <a:ea typeface="游ゴシック Medium" panose="020B0500000000000000" pitchFamily="50" charset="-128"/>
+                <a:latin typeface="BIZ UDPゴシック" panose="020B0400000000000000" pitchFamily="50" charset="-128"/>
+                <a:ea typeface="BIZ UDPゴシック" panose="020B0400000000000000" pitchFamily="50" charset="-128"/>
               </a:rPr>
               <a:t>統合</a:t>
             </a:r>
             <a:br>
               <a:rPr kumimoji="1" lang="en-US" altLang="ja-JP" sz="2000" dirty="0">
-                <a:ea typeface="游ゴシック Medium" panose="020B0500000000000000" pitchFamily="50" charset="-128"/>
+                <a:latin typeface="BIZ UDPゴシック" panose="020B0400000000000000" pitchFamily="50" charset="-128"/>
+                <a:ea typeface="BIZ UDPゴシック" panose="020B0400000000000000" pitchFamily="50" charset="-128"/>
               </a:rPr>
             </a:br>
             <a:r>
               <a:rPr kumimoji="1" lang="ja-JP" altLang="en-US" sz="2000" dirty="0">
-                <a:ea typeface="游ゴシック Medium" panose="020B0500000000000000" pitchFamily="50" charset="-128"/>
+                <a:latin typeface="BIZ UDPゴシック" panose="020B0400000000000000" pitchFamily="50" charset="-128"/>
+                <a:ea typeface="BIZ UDPゴシック" panose="020B0400000000000000" pitchFamily="50" charset="-128"/>
               </a:rPr>
               <a:t>評価</a:t>
             </a:r>
@@ -6965,7 +10839,8 @@
             <a:pPr algn="ctr"/>
             <a:r>
               <a:rPr kumimoji="1" lang="ja-JP" altLang="en-US" sz="2000" dirty="0">
-                <a:ea typeface="游ゴシック Medium" panose="020B0500000000000000" pitchFamily="50" charset="-128"/>
+                <a:latin typeface="BIZ UDPゴシック" panose="020B0400000000000000" pitchFamily="50" charset="-128"/>
+                <a:ea typeface="BIZ UDPゴシック" panose="020B0400000000000000" pitchFamily="50" charset="-128"/>
               </a:rPr>
               <a:t>上位層</a:t>
             </a:r>
@@ -7003,12 +10878,14 @@
             <a:pPr algn="ctr"/>
             <a:r>
               <a:rPr lang="ja-JP" altLang="en-US" sz="2000" dirty="0">
-                <a:ea typeface="游ゴシック Medium" panose="020B0500000000000000" pitchFamily="50" charset="-128"/>
+                <a:latin typeface="BIZ UDPゴシック" panose="020B0400000000000000" pitchFamily="50" charset="-128"/>
+                <a:ea typeface="BIZ UDPゴシック" panose="020B0400000000000000" pitchFamily="50" charset="-128"/>
               </a:rPr>
               <a:t>物理層</a:t>
             </a:r>
             <a:endParaRPr kumimoji="1" lang="ja-JP" altLang="en-US" sz="2000" dirty="0">
-              <a:ea typeface="游ゴシック Medium" panose="020B0500000000000000" pitchFamily="50" charset="-128"/>
+              <a:latin typeface="BIZ UDPゴシック" panose="020B0400000000000000" pitchFamily="50" charset="-128"/>
+              <a:ea typeface="BIZ UDPゴシック" panose="020B0400000000000000" pitchFamily="50" charset="-128"/>
             </a:endParaRPr>
           </a:p>
         </p:txBody>
@@ -7044,7 +10921,8 @@
             <a:pPr algn="ctr"/>
             <a:r>
               <a:rPr kumimoji="1" lang="ja-JP" altLang="en-US" sz="2000" dirty="0">
-                <a:ea typeface="游ゴシック Medium" panose="020B0500000000000000" pitchFamily="50" charset="-128"/>
+                <a:latin typeface="BIZ UDPゴシック" panose="020B0400000000000000" pitchFamily="50" charset="-128"/>
+                <a:ea typeface="BIZ UDPゴシック" panose="020B0400000000000000" pitchFamily="50" charset="-128"/>
               </a:rPr>
               <a:t>伝搬実験</a:t>
             </a:r>
@@ -7065,7 +10943,7 @@
         </p:nvSpPr>
         <p:spPr>
           <a:xfrm>
-            <a:off x="2737546" y="3609070"/>
+            <a:off x="2751733" y="3581749"/>
             <a:ext cx="1655474" cy="707886"/>
           </a:xfrm>
           <a:prstGeom prst="rect">
@@ -7082,25 +10960,29 @@
             <a:pPr algn="ctr"/>
             <a:r>
               <a:rPr kumimoji="1" lang="en-US" altLang="ja-JP" sz="2000" dirty="0">
-                <a:ea typeface="游ゴシック Medium" panose="020B0500000000000000" pitchFamily="50" charset="-128"/>
+                <a:latin typeface="BIZ UDPゴシック" panose="020B0400000000000000" pitchFamily="50" charset="-128"/>
+                <a:ea typeface="BIZ UDPゴシック" panose="020B0400000000000000" pitchFamily="50" charset="-128"/>
               </a:rPr>
               <a:t>MAC</a:t>
             </a:r>
             <a:r>
               <a:rPr kumimoji="1" lang="ja-JP" altLang="en-US" sz="2000" dirty="0">
-                <a:ea typeface="游ゴシック Medium" panose="020B0500000000000000" pitchFamily="50" charset="-128"/>
+                <a:latin typeface="BIZ UDPゴシック" panose="020B0400000000000000" pitchFamily="50" charset="-128"/>
+                <a:ea typeface="BIZ UDPゴシック" panose="020B0400000000000000" pitchFamily="50" charset="-128"/>
               </a:rPr>
               <a:t>層</a:t>
             </a:r>
             <a:endParaRPr kumimoji="1" lang="en-US" altLang="ja-JP" sz="2000" dirty="0">
-              <a:ea typeface="游ゴシック Medium" panose="020B0500000000000000" pitchFamily="50" charset="-128"/>
+              <a:latin typeface="BIZ UDPゴシック" panose="020B0400000000000000" pitchFamily="50" charset="-128"/>
+              <a:ea typeface="BIZ UDPゴシック" panose="020B0400000000000000" pitchFamily="50" charset="-128"/>
             </a:endParaRPr>
           </a:p>
           <a:p>
             <a:pPr algn="ctr"/>
             <a:r>
               <a:rPr kumimoji="1" lang="ja-JP" altLang="en-US" sz="2000" dirty="0">
-                <a:ea typeface="游ゴシック Medium" panose="020B0500000000000000" pitchFamily="50" charset="-128"/>
+                <a:latin typeface="BIZ UDPゴシック" panose="020B0400000000000000" pitchFamily="50" charset="-128"/>
+                <a:ea typeface="BIZ UDPゴシック" panose="020B0400000000000000" pitchFamily="50" charset="-128"/>
               </a:rPr>
               <a:t>評価</a:t>
             </a:r>
@@ -7144,10 +11026,7 @@
           <a:lstStyle/>
           <a:p>
             <a:pPr algn="ctr"/>
-            <a:endParaRPr kumimoji="1" lang="ja-JP" altLang="en-US" kern="0" dirty="0">
-              <a:latin typeface="+mn-lt"/>
-              <a:ea typeface="+mn-ea"/>
-            </a:endParaRPr>
+            <a:endParaRPr kumimoji="1" lang="ja-JP" altLang="en-US" kern="0" dirty="0"/>
           </a:p>
         </p:txBody>
       </p:sp>
@@ -7188,10 +11067,7 @@
           <a:lstStyle/>
           <a:p>
             <a:pPr algn="ctr"/>
-            <a:endParaRPr kumimoji="1" lang="ja-JP" altLang="en-US" kern="0" dirty="0">
-              <a:latin typeface="+mn-lt"/>
-              <a:ea typeface="+mn-ea"/>
-            </a:endParaRPr>
+            <a:endParaRPr kumimoji="1" lang="ja-JP" altLang="en-US" kern="0" dirty="0"/>
           </a:p>
         </p:txBody>
       </p:sp>
@@ -7267,7 +11143,8 @@
             <a:pPr algn="ctr"/>
             <a:r>
               <a:rPr kumimoji="1" lang="ja-JP" altLang="en-US" sz="2000" dirty="0">
-                <a:ea typeface="游ゴシック Medium" panose="020B0500000000000000" pitchFamily="50" charset="-128"/>
+                <a:latin typeface="BIZ UDPゴシック" panose="020B0400000000000000" pitchFamily="50" charset="-128"/>
+                <a:ea typeface="BIZ UDPゴシック" panose="020B0400000000000000" pitchFamily="50" charset="-128"/>
               </a:rPr>
               <a:t>実験</a:t>
             </a:r>
@@ -7305,19 +11182,22 @@
             <a:pPr algn="ctr"/>
             <a:r>
               <a:rPr kumimoji="1" lang="ja-JP" altLang="en-US" sz="2000" dirty="0">
-                <a:ea typeface="游ゴシック Medium" panose="020B0500000000000000" pitchFamily="50" charset="-128"/>
+                <a:latin typeface="BIZ UDPゴシック" panose="020B0400000000000000" pitchFamily="50" charset="-128"/>
+                <a:ea typeface="BIZ UDPゴシック" panose="020B0400000000000000" pitchFamily="50" charset="-128"/>
               </a:rPr>
               <a:t>実験</a:t>
             </a:r>
             <a:r>
               <a:rPr kumimoji="1" lang="en-US" altLang="ja-JP" sz="2000" dirty="0">
-                <a:ea typeface="游ゴシック Medium" panose="020B0500000000000000" pitchFamily="50" charset="-128"/>
+                <a:latin typeface="BIZ UDPゴシック" panose="020B0400000000000000" pitchFamily="50" charset="-128"/>
+                <a:ea typeface="BIZ UDPゴシック" panose="020B0400000000000000" pitchFamily="50" charset="-128"/>
               </a:rPr>
               <a:t>/</a:t>
             </a:r>
             <a:r>
               <a:rPr kumimoji="1" lang="ja-JP" altLang="en-US" sz="2000" dirty="0">
-                <a:ea typeface="游ゴシック Medium" panose="020B0500000000000000" pitchFamily="50" charset="-128"/>
+                <a:latin typeface="BIZ UDPゴシック" panose="020B0400000000000000" pitchFamily="50" charset="-128"/>
+                <a:ea typeface="BIZ UDPゴシック" panose="020B0400000000000000" pitchFamily="50" charset="-128"/>
               </a:rPr>
               <a:t>計算機</a:t>
             </a:r>
@@ -7361,10 +11241,7 @@
           <a:lstStyle/>
           <a:p>
             <a:pPr algn="ctr"/>
-            <a:endParaRPr kumimoji="1" lang="ja-JP" altLang="en-US" kern="0" dirty="0">
-              <a:latin typeface="+mn-lt"/>
-              <a:ea typeface="+mn-ea"/>
-            </a:endParaRPr>
+            <a:endParaRPr kumimoji="1" lang="ja-JP" altLang="en-US" kern="0" dirty="0"/>
           </a:p>
         </p:txBody>
       </p:sp>
@@ -7405,10 +11282,7 @@
           <a:lstStyle/>
           <a:p>
             <a:pPr algn="ctr"/>
-            <a:endParaRPr kumimoji="1" lang="ja-JP" altLang="en-US" kern="0" dirty="0">
-              <a:latin typeface="+mn-lt"/>
-              <a:ea typeface="+mn-ea"/>
-            </a:endParaRPr>
+            <a:endParaRPr kumimoji="1" lang="ja-JP" altLang="en-US" kern="0" dirty="0"/>
           </a:p>
         </p:txBody>
       </p:sp>
@@ -7426,8 +11300,8 @@
         </p:nvSpPr>
         <p:spPr>
           <a:xfrm>
-            <a:off x="4443439" y="4945206"/>
-            <a:ext cx="2189466" cy="531614"/>
+            <a:off x="4443439" y="4919095"/>
+            <a:ext cx="2189466" cy="584775"/>
           </a:xfrm>
           <a:prstGeom prst="rect">
             <a:avLst/>
@@ -7443,18 +11317,21 @@
             <a:pPr algn="ctr"/>
             <a:r>
               <a:rPr kumimoji="1" lang="ja-JP" altLang="en-US" sz="1600" dirty="0">
-                <a:ea typeface="游ゴシック Medium" panose="020B0500000000000000" pitchFamily="50" charset="-128"/>
+                <a:latin typeface="BIZ UDPゴシック" panose="020B0400000000000000" pitchFamily="50" charset="-128"/>
+                <a:ea typeface="BIZ UDPゴシック" panose="020B0400000000000000" pitchFamily="50" charset="-128"/>
               </a:rPr>
               <a:t>電波伝搬</a:t>
             </a:r>
             <a:br>
               <a:rPr kumimoji="1" lang="en-US" altLang="ja-JP" sz="1600" dirty="0">
-                <a:ea typeface="游ゴシック Medium" panose="020B0500000000000000" pitchFamily="50" charset="-128"/>
+                <a:latin typeface="BIZ UDPゴシック" panose="020B0400000000000000" pitchFamily="50" charset="-128"/>
+                <a:ea typeface="BIZ UDPゴシック" panose="020B0400000000000000" pitchFamily="50" charset="-128"/>
               </a:rPr>
             </a:br>
             <a:r>
               <a:rPr kumimoji="1" lang="ja-JP" altLang="en-US" sz="1600" dirty="0">
-                <a:ea typeface="游ゴシック Medium" panose="020B0500000000000000" pitchFamily="50" charset="-128"/>
+                <a:latin typeface="BIZ UDPゴシック" panose="020B0400000000000000" pitchFamily="50" charset="-128"/>
+                <a:ea typeface="BIZ UDPゴシック" panose="020B0400000000000000" pitchFamily="50" charset="-128"/>
               </a:rPr>
               <a:t>シミュレーション</a:t>
             </a:r>
@@ -7475,7 +11352,7 @@
         </p:nvSpPr>
         <p:spPr>
           <a:xfrm>
-            <a:off x="4708214" y="3622808"/>
+            <a:off x="4710435" y="3583507"/>
             <a:ext cx="1655474" cy="707886"/>
           </a:xfrm>
           <a:prstGeom prst="rect">
@@ -7492,25 +11369,29 @@
             <a:pPr algn="ctr"/>
             <a:r>
               <a:rPr kumimoji="1" lang="en-US" altLang="ja-JP" sz="2000" dirty="0">
-                <a:ea typeface="游ゴシック Medium" panose="020B0500000000000000" pitchFamily="50" charset="-128"/>
+                <a:latin typeface="BIZ UDPゴシック" panose="020B0400000000000000" pitchFamily="50" charset="-128"/>
+                <a:ea typeface="BIZ UDPゴシック" panose="020B0400000000000000" pitchFamily="50" charset="-128"/>
               </a:rPr>
               <a:t>MAC</a:t>
             </a:r>
             <a:r>
               <a:rPr kumimoji="1" lang="ja-JP" altLang="en-US" sz="2000" dirty="0">
-                <a:ea typeface="游ゴシック Medium" panose="020B0500000000000000" pitchFamily="50" charset="-128"/>
+                <a:latin typeface="BIZ UDPゴシック" panose="020B0400000000000000" pitchFamily="50" charset="-128"/>
+                <a:ea typeface="BIZ UDPゴシック" panose="020B0400000000000000" pitchFamily="50" charset="-128"/>
               </a:rPr>
               <a:t>層</a:t>
             </a:r>
             <a:endParaRPr kumimoji="1" lang="en-US" altLang="ja-JP" sz="2000" dirty="0">
-              <a:ea typeface="游ゴシック Medium" panose="020B0500000000000000" pitchFamily="50" charset="-128"/>
+              <a:latin typeface="BIZ UDPゴシック" panose="020B0400000000000000" pitchFamily="50" charset="-128"/>
+              <a:ea typeface="BIZ UDPゴシック" panose="020B0400000000000000" pitchFamily="50" charset="-128"/>
             </a:endParaRPr>
           </a:p>
           <a:p>
             <a:pPr algn="ctr"/>
             <a:r>
               <a:rPr kumimoji="1" lang="ja-JP" altLang="en-US" sz="2000" dirty="0">
-                <a:ea typeface="游ゴシック Medium" panose="020B0500000000000000" pitchFamily="50" charset="-128"/>
+                <a:latin typeface="BIZ UDPゴシック" panose="020B0400000000000000" pitchFamily="50" charset="-128"/>
+                <a:ea typeface="BIZ UDPゴシック" panose="020B0400000000000000" pitchFamily="50" charset="-128"/>
               </a:rPr>
               <a:t>評価</a:t>
             </a:r>
@@ -7554,10 +11435,7 @@
           <a:lstStyle/>
           <a:p>
             <a:pPr algn="ctr"/>
-            <a:endParaRPr kumimoji="1" lang="ja-JP" altLang="en-US" kern="0" dirty="0">
-              <a:latin typeface="+mn-lt"/>
-              <a:ea typeface="+mn-ea"/>
-            </a:endParaRPr>
+            <a:endParaRPr kumimoji="1" lang="ja-JP" altLang="en-US" kern="0" dirty="0"/>
           </a:p>
         </p:txBody>
       </p:sp>
@@ -7598,10 +11476,7 @@
           <a:lstStyle/>
           <a:p>
             <a:pPr algn="ctr"/>
-            <a:endParaRPr kumimoji="1" lang="ja-JP" altLang="en-US" kern="0" dirty="0">
-              <a:latin typeface="+mn-lt"/>
-              <a:ea typeface="+mn-ea"/>
-            </a:endParaRPr>
+            <a:endParaRPr kumimoji="1" lang="ja-JP" altLang="en-US" kern="0" dirty="0"/>
           </a:p>
         </p:txBody>
       </p:sp>
@@ -7619,7 +11494,7 @@
         </p:nvSpPr>
         <p:spPr>
           <a:xfrm rot="16200000">
-            <a:off x="4959733" y="3167445"/>
+            <a:off x="4882502" y="3167390"/>
             <a:ext cx="1008112" cy="523220"/>
           </a:xfrm>
           <a:prstGeom prst="rect">
@@ -7677,7 +11552,8 @@
             <a:pPr algn="ctr"/>
             <a:r>
               <a:rPr kumimoji="1" lang="ja-JP" altLang="en-US" sz="2000" dirty="0">
-                <a:ea typeface="游ゴシック Medium" panose="020B0500000000000000" pitchFamily="50" charset="-128"/>
+                <a:latin typeface="BIZ UDPゴシック" panose="020B0400000000000000" pitchFamily="50" charset="-128"/>
+                <a:ea typeface="BIZ UDPゴシック" panose="020B0400000000000000" pitchFamily="50" charset="-128"/>
               </a:rPr>
               <a:t>計算機</a:t>
             </a:r>
@@ -7718,10 +11594,7 @@
           <a:lstStyle/>
           <a:p>
             <a:pPr algn="ctr"/>
-            <a:endParaRPr kumimoji="1" lang="ja-JP" altLang="en-US" kern="0" dirty="0">
-              <a:latin typeface="+mn-lt"/>
-              <a:ea typeface="+mn-ea"/>
-            </a:endParaRPr>
+            <a:endParaRPr kumimoji="1" lang="ja-JP" altLang="en-US" kern="0" dirty="0"/>
           </a:p>
         </p:txBody>
       </p:sp>
@@ -7759,10 +11632,7 @@
           <a:lstStyle/>
           <a:p>
             <a:pPr algn="ctr"/>
-            <a:endParaRPr kumimoji="1" lang="ja-JP" altLang="en-US" kern="0" dirty="0">
-              <a:latin typeface="+mn-lt"/>
-              <a:ea typeface="+mn-ea"/>
-            </a:endParaRPr>
+            <a:endParaRPr kumimoji="1" lang="ja-JP" altLang="en-US" kern="0" dirty="0"/>
           </a:p>
         </p:txBody>
       </p:sp>
@@ -7803,7 +11673,8 @@
                     <a:lumOff val="25000"/>
                   </a:schemeClr>
                 </a:solidFill>
-                <a:ea typeface="游ゴシック Medium" panose="020B0500000000000000" pitchFamily="50" charset="-128"/>
+                <a:latin typeface="BIZ UDPゴシック" panose="020B0400000000000000" pitchFamily="50" charset="-128"/>
+                <a:ea typeface="BIZ UDPゴシック" panose="020B0400000000000000" pitchFamily="50" charset="-128"/>
               </a:rPr>
               <a:t>高コスト</a:t>
             </a:r>
@@ -7814,7 +11685,8 @@
                   <a:lumOff val="25000"/>
                 </a:schemeClr>
               </a:solidFill>
-              <a:ea typeface="游ゴシック Medium" panose="020B0500000000000000" pitchFamily="50" charset="-128"/>
+              <a:latin typeface="BIZ UDPゴシック" panose="020B0400000000000000" pitchFamily="50" charset="-128"/>
+              <a:ea typeface="BIZ UDPゴシック" panose="020B0400000000000000" pitchFamily="50" charset="-128"/>
             </a:endParaRPr>
           </a:p>
           <a:p>
@@ -7827,7 +11699,8 @@
                     <a:lumOff val="25000"/>
                   </a:schemeClr>
                 </a:solidFill>
-                <a:ea typeface="游ゴシック Medium" panose="020B0500000000000000" pitchFamily="50" charset="-128"/>
+                <a:latin typeface="BIZ UDPゴシック" panose="020B0400000000000000" pitchFamily="50" charset="-128"/>
+                <a:ea typeface="BIZ UDPゴシック" panose="020B0400000000000000" pitchFamily="50" charset="-128"/>
               </a:rPr>
               <a:t>高リソース</a:t>
             </a:r>
@@ -7871,7 +11744,8 @@
                     <a:lumOff val="25000"/>
                   </a:schemeClr>
                 </a:solidFill>
-                <a:ea typeface="游ゴシック Medium" panose="020B0500000000000000" pitchFamily="50" charset="-128"/>
+                <a:latin typeface="BIZ UDPゴシック" panose="020B0400000000000000" pitchFamily="50" charset="-128"/>
+                <a:ea typeface="BIZ UDPゴシック" panose="020B0400000000000000" pitchFamily="50" charset="-128"/>
               </a:rPr>
               <a:t>要実験</a:t>
             </a:r>
@@ -7882,7 +11756,8 @@
                   <a:lumOff val="25000"/>
                 </a:schemeClr>
               </a:solidFill>
-              <a:ea typeface="游ゴシック Medium" panose="020B0500000000000000" pitchFamily="50" charset="-128"/>
+              <a:latin typeface="BIZ UDPゴシック" panose="020B0400000000000000" pitchFamily="50" charset="-128"/>
+              <a:ea typeface="BIZ UDPゴシック" panose="020B0400000000000000" pitchFamily="50" charset="-128"/>
             </a:endParaRPr>
           </a:p>
           <a:p>
@@ -7895,7 +11770,8 @@
                     <a:lumOff val="25000"/>
                   </a:schemeClr>
                 </a:solidFill>
-                <a:ea typeface="游ゴシック Medium" panose="020B0500000000000000" pitchFamily="50" charset="-128"/>
+                <a:latin typeface="BIZ UDPゴシック" panose="020B0400000000000000" pitchFamily="50" charset="-128"/>
+                <a:ea typeface="BIZ UDPゴシック" panose="020B0400000000000000" pitchFamily="50" charset="-128"/>
               </a:rPr>
               <a:t>連携評価が難しい</a:t>
             </a:r>
@@ -7939,7 +11815,8 @@
                     <a:lumOff val="25000"/>
                   </a:schemeClr>
                 </a:solidFill>
-                <a:ea typeface="游ゴシック Medium" panose="020B0500000000000000" pitchFamily="50" charset="-128"/>
+                <a:latin typeface="BIZ UDPゴシック" panose="020B0400000000000000" pitchFamily="50" charset="-128"/>
+                <a:ea typeface="BIZ UDPゴシック" panose="020B0400000000000000" pitchFamily="50" charset="-128"/>
               </a:rPr>
               <a:t>連携評価が難しい</a:t>
             </a:r>
@@ -7983,10 +11860,7 @@
           <a:lstStyle/>
           <a:p>
             <a:pPr algn="ctr"/>
-            <a:endParaRPr kumimoji="1" lang="ja-JP" altLang="en-US" kern="0" dirty="0">
-              <a:latin typeface="+mn-lt"/>
-              <a:ea typeface="+mn-ea"/>
-            </a:endParaRPr>
+            <a:endParaRPr kumimoji="1" lang="ja-JP" altLang="en-US" kern="0" dirty="0"/>
           </a:p>
         </p:txBody>
       </p:sp>
@@ -8027,10 +11901,7 @@
           <a:lstStyle/>
           <a:p>
             <a:pPr algn="ctr"/>
-            <a:endParaRPr kumimoji="1" lang="ja-JP" altLang="en-US" kern="0" dirty="0">
-              <a:latin typeface="+mn-lt"/>
-              <a:ea typeface="+mn-ea"/>
-            </a:endParaRPr>
+            <a:endParaRPr kumimoji="1" lang="ja-JP" altLang="en-US" kern="0" dirty="0"/>
           </a:p>
         </p:txBody>
       </p:sp>
@@ -8048,8 +11919,8 @@
         </p:nvSpPr>
         <p:spPr>
           <a:xfrm>
-            <a:off x="2617457" y="2669674"/>
-            <a:ext cx="1825763" cy="523220"/>
+            <a:off x="2666808" y="2630816"/>
+            <a:ext cx="1776412" cy="584775"/>
           </a:xfrm>
           <a:prstGeom prst="rect">
             <a:avLst/>
@@ -8064,8 +11935,9 @@
           <a:p>
             <a:pPr algn="ctr"/>
             <a:r>
-              <a:rPr kumimoji="1" lang="ja-JP" altLang="en-US" sz="1400" dirty="0">
-                <a:ea typeface="游ゴシック Medium" panose="020B0500000000000000" pitchFamily="50" charset="-128"/>
+              <a:rPr kumimoji="1" lang="ja-JP" altLang="en-US" sz="1600" dirty="0">
+                <a:latin typeface="BIZ UDPゴシック" panose="020B0400000000000000" pitchFamily="50" charset="-128"/>
+                <a:ea typeface="BIZ UDPゴシック" panose="020B0400000000000000" pitchFamily="50" charset="-128"/>
               </a:rPr>
               <a:t>アプリケーション層評価</a:t>
             </a:r>
@@ -8086,8 +11958,8 @@
         </p:nvSpPr>
         <p:spPr>
           <a:xfrm>
-            <a:off x="4570674" y="2669346"/>
-            <a:ext cx="1825763" cy="584775"/>
+            <a:off x="4612094" y="2641945"/>
+            <a:ext cx="1791941" cy="584775"/>
           </a:xfrm>
           <a:prstGeom prst="rect">
             <a:avLst/>
@@ -8103,7 +11975,8 @@
             <a:pPr algn="ctr"/>
             <a:r>
               <a:rPr kumimoji="1" lang="ja-JP" altLang="en-US" sz="1600" dirty="0">
-                <a:ea typeface="游ゴシック Medium" panose="020B0500000000000000" pitchFamily="50" charset="-128"/>
+                <a:latin typeface="BIZ UDPゴシック" panose="020B0400000000000000" pitchFamily="50" charset="-128"/>
+                <a:ea typeface="BIZ UDPゴシック" panose="020B0400000000000000" pitchFamily="50" charset="-128"/>
               </a:rPr>
               <a:t>アプリケーション層評価</a:t>
             </a:r>
@@ -8221,7 +12094,8 @@
                     <a:lumOff val="25000"/>
                   </a:schemeClr>
                 </a:solidFill>
-                <a:ea typeface="游ゴシック Medium" panose="020B0500000000000000" pitchFamily="50" charset="-128"/>
+                <a:latin typeface="BIZ UDPゴシック" panose="020B0400000000000000" pitchFamily="50" charset="-128"/>
+                <a:ea typeface="BIZ UDPゴシック" panose="020B0400000000000000" pitchFamily="50" charset="-128"/>
               </a:rPr>
               <a:t>他レイヤの知識</a:t>
             </a:r>
@@ -8232,7 +12106,8 @@
                   <a:lumOff val="25000"/>
                 </a:schemeClr>
               </a:solidFill>
-              <a:ea typeface="游ゴシック Medium" panose="020B0500000000000000" pitchFamily="50" charset="-128"/>
+              <a:latin typeface="BIZ UDPゴシック" panose="020B0400000000000000" pitchFamily="50" charset="-128"/>
+              <a:ea typeface="BIZ UDPゴシック" panose="020B0400000000000000" pitchFamily="50" charset="-128"/>
             </a:endParaRPr>
           </a:p>
           <a:p>
@@ -8248,7 +12123,8 @@
                     <a:lumOff val="25000"/>
                   </a:schemeClr>
                 </a:solidFill>
-                <a:ea typeface="游ゴシック Medium" panose="020B0500000000000000" pitchFamily="50" charset="-128"/>
+                <a:latin typeface="BIZ UDPゴシック" panose="020B0400000000000000" pitchFamily="50" charset="-128"/>
+                <a:ea typeface="BIZ UDPゴシック" panose="020B0400000000000000" pitchFamily="50" charset="-128"/>
               </a:rPr>
               <a:t>専門的な評価方法</a:t>
             </a:r>
@@ -8259,7 +12135,8 @@
                   <a:lumOff val="25000"/>
                 </a:schemeClr>
               </a:solidFill>
-              <a:ea typeface="游ゴシック Medium" panose="020B0500000000000000" pitchFamily="50" charset="-128"/>
+              <a:latin typeface="BIZ UDPゴシック" panose="020B0400000000000000" pitchFamily="50" charset="-128"/>
+              <a:ea typeface="BIZ UDPゴシック" panose="020B0400000000000000" pitchFamily="50" charset="-128"/>
             </a:endParaRPr>
           </a:p>
           <a:p>
@@ -8275,7 +12152,8 @@
                     <a:lumOff val="25000"/>
                   </a:schemeClr>
                 </a:solidFill>
-                <a:ea typeface="游ゴシック Medium" panose="020B0500000000000000" pitchFamily="50" charset="-128"/>
+                <a:latin typeface="BIZ UDPゴシック" panose="020B0400000000000000" pitchFamily="50" charset="-128"/>
+                <a:ea typeface="BIZ UDPゴシック" panose="020B0400000000000000" pitchFamily="50" charset="-128"/>
               </a:rPr>
               <a:t>コーディングスキル</a:t>
             </a:r>
@@ -8286,7 +12164,8 @@
                   <a:lumOff val="25000"/>
                 </a:schemeClr>
               </a:solidFill>
-              <a:ea typeface="游ゴシック Medium" panose="020B0500000000000000" pitchFamily="50" charset="-128"/>
+              <a:latin typeface="BIZ UDPゴシック" panose="020B0400000000000000" pitchFamily="50" charset="-128"/>
+              <a:ea typeface="BIZ UDPゴシック" panose="020B0400000000000000" pitchFamily="50" charset="-128"/>
             </a:endParaRPr>
           </a:p>
           <a:p>
@@ -8302,7 +12181,8 @@
                     <a:lumOff val="25000"/>
                   </a:schemeClr>
                 </a:solidFill>
-                <a:ea typeface="游ゴシック Medium" panose="020B0500000000000000" pitchFamily="50" charset="-128"/>
+                <a:latin typeface="BIZ UDPゴシック" panose="020B0400000000000000" pitchFamily="50" charset="-128"/>
+                <a:ea typeface="BIZ UDPゴシック" panose="020B0400000000000000" pitchFamily="50" charset="-128"/>
               </a:rPr>
               <a:t>計算スキル</a:t>
             </a:r>
@@ -8314,7 +12194,8 @@
                     <a:lumOff val="25000"/>
                   </a:schemeClr>
                 </a:solidFill>
-                <a:ea typeface="游ゴシック Medium" panose="020B0500000000000000" pitchFamily="50" charset="-128"/>
+                <a:latin typeface="BIZ UDPゴシック" panose="020B0400000000000000" pitchFamily="50" charset="-128"/>
+                <a:ea typeface="BIZ UDPゴシック" panose="020B0400000000000000" pitchFamily="50" charset="-128"/>
               </a:rPr>
             </a:br>
             <a:endParaRPr lang="en-US" altLang="ja-JP" sz="1600" dirty="0">
@@ -8324,7 +12205,8 @@
                   <a:lumOff val="25000"/>
                 </a:schemeClr>
               </a:solidFill>
-              <a:ea typeface="游ゴシック Medium" panose="020B0500000000000000" pitchFamily="50" charset="-128"/>
+              <a:latin typeface="BIZ UDPゴシック" panose="020B0400000000000000" pitchFamily="50" charset="-128"/>
+              <a:ea typeface="BIZ UDPゴシック" panose="020B0400000000000000" pitchFamily="50" charset="-128"/>
             </a:endParaRPr>
           </a:p>
           <a:p>
@@ -8337,7 +12219,8 @@
                     <a:lumOff val="25000"/>
                   </a:schemeClr>
                 </a:solidFill>
-                <a:ea typeface="游ゴシック Medium" panose="020B0500000000000000" pitchFamily="50" charset="-128"/>
+                <a:latin typeface="BIZ UDPゴシック" panose="020B0400000000000000" pitchFamily="50" charset="-128"/>
+                <a:ea typeface="BIZ UDPゴシック" panose="020B0400000000000000" pitchFamily="50" charset="-128"/>
               </a:rPr>
               <a:t>などが必要</a:t>
             </a:r>
@@ -8358,7 +12241,7 @@
         </p:nvSpPr>
         <p:spPr>
           <a:xfrm>
-            <a:off x="570179" y="6122473"/>
+            <a:off x="568853" y="6070688"/>
             <a:ext cx="8003641" cy="830997"/>
           </a:xfrm>
           <a:prstGeom prst="rect">
@@ -8372,48 +12255,91 @@
           </a:bodyPr>
           <a:lstStyle/>
           <a:p>
-            <a:pPr algn="ctr"/>
             <a:r>
               <a:rPr kumimoji="1" lang="ja-JP" altLang="en-US" sz="2400" b="1" dirty="0">
                 <a:solidFill>
                   <a:srgbClr val="0070C0"/>
                 </a:solidFill>
-                <a:ea typeface="游ゴシック Medium" panose="020B0500000000000000" pitchFamily="50" charset="-128"/>
-              </a:rPr>
-              <a:t>⇒ 計算機</a:t>
+                <a:latin typeface="BIZ UDPゴシック" panose="020B0400000000000000" pitchFamily="50" charset="-128"/>
+                <a:ea typeface="BIZ UDPゴシック" panose="020B0400000000000000" pitchFamily="50" charset="-128"/>
+              </a:rPr>
+              <a:t>⇒ クロスレイヤシミュレータ</a:t>
             </a:r>
             <a:r>
               <a:rPr lang="ja-JP" altLang="en-US" sz="2400" b="1" dirty="0">
                 <a:solidFill>
                   <a:srgbClr val="0070C0"/>
                 </a:solidFill>
-                <a:ea typeface="游ゴシック Medium" panose="020B0500000000000000" pitchFamily="50" charset="-128"/>
-              </a:rPr>
-              <a:t>シミュレーションによる統合評価ツールにおける無線</a:t>
+                <a:latin typeface="BIZ UDPゴシック" panose="020B0400000000000000" pitchFamily="50" charset="-128"/>
+                <a:ea typeface="BIZ UDPゴシック" panose="020B0400000000000000" pitchFamily="50" charset="-128"/>
+              </a:rPr>
+              <a:t>における</a:t>
+            </a:r>
+            <a:endParaRPr lang="en-US" altLang="ja-JP" sz="2400" b="1" dirty="0">
+              <a:solidFill>
+                <a:srgbClr val="0070C0"/>
+              </a:solidFill>
+              <a:latin typeface="BIZ UDPゴシック" panose="020B0400000000000000" pitchFamily="50" charset="-128"/>
+              <a:ea typeface="BIZ UDPゴシック" panose="020B0400000000000000" pitchFamily="50" charset="-128"/>
+            </a:endParaRPr>
+          </a:p>
+          <a:p>
+            <a:r>
+              <a:rPr lang="ja-JP" altLang="en-US" sz="2400" b="1" dirty="0">
+                <a:solidFill>
+                  <a:srgbClr val="0070C0"/>
+                </a:solidFill>
+                <a:latin typeface="BIZ UDPゴシック" panose="020B0400000000000000" pitchFamily="50" charset="-128"/>
+                <a:ea typeface="BIZ UDPゴシック" panose="020B0400000000000000" pitchFamily="50" charset="-128"/>
+              </a:rPr>
+              <a:t>　　</a:t>
             </a:r>
             <a:r>
               <a:rPr lang="en-US" altLang="ja-JP" sz="2400" b="1" dirty="0">
                 <a:solidFill>
                   <a:srgbClr val="0070C0"/>
                 </a:solidFill>
-                <a:ea typeface="游ゴシック Medium" panose="020B0500000000000000" pitchFamily="50" charset="-128"/>
-              </a:rPr>
-              <a:t>LAN</a:t>
+                <a:latin typeface="BIZ UDPゴシック" panose="020B0400000000000000" pitchFamily="50" charset="-128"/>
+                <a:ea typeface="BIZ UDPゴシック" panose="020B0400000000000000" pitchFamily="50" charset="-128"/>
+              </a:rPr>
+              <a:t>CSMA/CA</a:t>
             </a:r>
             <a:r>
               <a:rPr lang="ja-JP" altLang="en-US" sz="2400" b="1" dirty="0">
                 <a:solidFill>
                   <a:srgbClr val="0070C0"/>
                 </a:solidFill>
-                <a:ea typeface="游ゴシック Medium" panose="020B0500000000000000" pitchFamily="50" charset="-128"/>
-              </a:rPr>
-              <a:t>評価モデルを開発</a:t>
+                <a:latin typeface="BIZ UDPゴシック" panose="020B0400000000000000" pitchFamily="50" charset="-128"/>
+                <a:ea typeface="BIZ UDPゴシック" panose="020B0400000000000000" pitchFamily="50" charset="-128"/>
+              </a:rPr>
+              <a:t>に基づいた無線</a:t>
+            </a:r>
+            <a:r>
+              <a:rPr lang="en-US" altLang="ja-JP" sz="2400" b="1" dirty="0">
+                <a:solidFill>
+                  <a:srgbClr val="0070C0"/>
+                </a:solidFill>
+                <a:latin typeface="BIZ UDPゴシック" panose="020B0400000000000000" pitchFamily="50" charset="-128"/>
+                <a:ea typeface="BIZ UDPゴシック" panose="020B0400000000000000" pitchFamily="50" charset="-128"/>
+              </a:rPr>
+              <a:t>LAN</a:t>
+            </a:r>
+            <a:r>
+              <a:rPr lang="ja-JP" altLang="en-US" sz="2400" b="1" dirty="0">
+                <a:solidFill>
+                  <a:srgbClr val="0070C0"/>
+                </a:solidFill>
+                <a:latin typeface="BIZ UDPゴシック" panose="020B0400000000000000" pitchFamily="50" charset="-128"/>
+                <a:ea typeface="BIZ UDPゴシック" panose="020B0400000000000000" pitchFamily="50" charset="-128"/>
+              </a:rPr>
+              <a:t>シミュレータを開発</a:t>
             </a:r>
             <a:endParaRPr lang="en-US" altLang="ja-JP" sz="2400" b="1" dirty="0">
               <a:solidFill>
                 <a:srgbClr val="0070C0"/>
               </a:solidFill>
-              <a:ea typeface="游ゴシック Medium" panose="020B0500000000000000" pitchFamily="50" charset="-128"/>
+              <a:latin typeface="BIZ UDPゴシック" panose="020B0400000000000000" pitchFamily="50" charset="-128"/>
+              <a:ea typeface="BIZ UDPゴシック" panose="020B0400000000000000" pitchFamily="50" charset="-128"/>
             </a:endParaRPr>
           </a:p>
         </p:txBody>
@@ -8455,10 +12381,7 @@
           <a:lstStyle/>
           <a:p>
             <a:pPr algn="ctr"/>
-            <a:endParaRPr kumimoji="1" lang="ja-JP" altLang="en-US" kern="0" dirty="0">
-              <a:latin typeface="+mn-lt"/>
-              <a:ea typeface="+mn-ea"/>
-            </a:endParaRPr>
+            <a:endParaRPr kumimoji="1" lang="ja-JP" altLang="en-US" kern="0" dirty="0"/>
           </a:p>
         </p:txBody>
       </p:sp>
@@ -8493,12 +12416,14 @@
             <a:pPr algn="ctr"/>
             <a:r>
               <a:rPr lang="ja-JP" altLang="en-US" sz="2000" dirty="0">
-                <a:ea typeface="游ゴシック Medium" panose="020B0500000000000000" pitchFamily="50" charset="-128"/>
+                <a:latin typeface="BIZ UDPゴシック" panose="020B0400000000000000" pitchFamily="50" charset="-128"/>
+                <a:ea typeface="BIZ UDPゴシック" panose="020B0400000000000000" pitchFamily="50" charset="-128"/>
               </a:rPr>
               <a:t>信号処理</a:t>
             </a:r>
             <a:endParaRPr kumimoji="1" lang="ja-JP" altLang="en-US" sz="2000" dirty="0">
-              <a:ea typeface="游ゴシック Medium" panose="020B0500000000000000" pitchFamily="50" charset="-128"/>
+              <a:latin typeface="BIZ UDPゴシック" panose="020B0400000000000000" pitchFamily="50" charset="-128"/>
+              <a:ea typeface="BIZ UDPゴシック" panose="020B0400000000000000" pitchFamily="50" charset="-128"/>
             </a:endParaRPr>
           </a:p>
         </p:txBody>
@@ -8540,10 +12465,7 @@
           <a:lstStyle/>
           <a:p>
             <a:pPr algn="ctr"/>
-            <a:endParaRPr kumimoji="1" lang="ja-JP" altLang="en-US" kern="0" dirty="0">
-              <a:latin typeface="+mn-lt"/>
-              <a:ea typeface="+mn-ea"/>
-            </a:endParaRPr>
+            <a:endParaRPr kumimoji="1" lang="ja-JP" altLang="en-US" kern="0" dirty="0"/>
           </a:p>
         </p:txBody>
       </p:sp>
@@ -8578,12 +12500,14 @@
             <a:pPr algn="ctr"/>
             <a:r>
               <a:rPr lang="ja-JP" altLang="en-US" sz="2000" dirty="0">
-                <a:ea typeface="游ゴシック Medium" panose="020B0500000000000000" pitchFamily="50" charset="-128"/>
+                <a:latin typeface="BIZ UDPゴシック" panose="020B0400000000000000" pitchFamily="50" charset="-128"/>
+                <a:ea typeface="BIZ UDPゴシック" panose="020B0400000000000000" pitchFamily="50" charset="-128"/>
               </a:rPr>
               <a:t>信号処理</a:t>
             </a:r>
             <a:endParaRPr kumimoji="1" lang="ja-JP" altLang="en-US" sz="2000" dirty="0">
-              <a:ea typeface="游ゴシック Medium" panose="020B0500000000000000" pitchFamily="50" charset="-128"/>
+              <a:latin typeface="BIZ UDPゴシック" panose="020B0400000000000000" pitchFamily="50" charset="-128"/>
+              <a:ea typeface="BIZ UDPゴシック" panose="020B0400000000000000" pitchFamily="50" charset="-128"/>
             </a:endParaRPr>
           </a:p>
         </p:txBody>
@@ -8598,6 +12522,84 @@
   <p:clrMapOvr>
     <a:masterClrMapping/>
   </p:clrMapOvr>
+  <p:timing>
+    <p:tnLst>
+      <p:par>
+        <p:cTn id="1" dur="indefinite" restart="never" nodeType="tmRoot">
+          <p:childTnLst>
+            <p:seq concurrent="1" nextAc="seek">
+              <p:cTn id="2" dur="indefinite" nodeType="mainSeq">
+                <p:childTnLst>
+                  <p:par>
+                    <p:cTn id="3" fill="hold">
+                      <p:stCondLst>
+                        <p:cond delay="indefinite"/>
+                      </p:stCondLst>
+                      <p:childTnLst>
+                        <p:par>
+                          <p:cTn id="4" fill="hold">
+                            <p:stCondLst>
+                              <p:cond delay="0"/>
+                            </p:stCondLst>
+                            <p:childTnLst>
+                              <p:par>
+                                <p:cTn id="5" presetID="1" presetClass="entr" presetSubtype="0" fill="hold" grpId="0" nodeType="clickEffect">
+                                  <p:stCondLst>
+                                    <p:cond delay="0"/>
+                                  </p:stCondLst>
+                                  <p:childTnLst>
+                                    <p:set>
+                                      <p:cBhvr>
+                                        <p:cTn id="6" dur="1" fill="hold">
+                                          <p:stCondLst>
+                                            <p:cond delay="0"/>
+                                          </p:stCondLst>
+                                        </p:cTn>
+                                        <p:tgtEl>
+                                          <p:spTgt spid="38"/>
+                                        </p:tgtEl>
+                                        <p:attrNameLst>
+                                          <p:attrName>style.visibility</p:attrName>
+                                        </p:attrNameLst>
+                                      </p:cBhvr>
+                                      <p:to>
+                                        <p:strVal val="visible"/>
+                                      </p:to>
+                                    </p:set>
+                                  </p:childTnLst>
+                                </p:cTn>
+                              </p:par>
+                            </p:childTnLst>
+                          </p:cTn>
+                        </p:par>
+                      </p:childTnLst>
+                    </p:cTn>
+                  </p:par>
+                </p:childTnLst>
+              </p:cTn>
+              <p:prevCondLst>
+                <p:cond evt="onPrev" delay="0">
+                  <p:tgtEl>
+                    <p:sldTgt/>
+                  </p:tgtEl>
+                </p:cond>
+              </p:prevCondLst>
+              <p:nextCondLst>
+                <p:cond evt="onNext" delay="0">
+                  <p:tgtEl>
+                    <p:sldTgt/>
+                  </p:tgtEl>
+                </p:cond>
+              </p:nextCondLst>
+            </p:seq>
+          </p:childTnLst>
+        </p:cTn>
+      </p:par>
+    </p:tnLst>
+    <p:bldLst>
+      <p:bldP spid="38" grpId="0"/>
+    </p:bldLst>
+  </p:timing>
 </p:sld>
 </file>
 
@@ -8738,8 +12740,8 @@
         </p:nvSpPr>
         <p:spPr>
           <a:xfrm>
-            <a:off x="3131840" y="5973679"/>
-            <a:ext cx="2880320" cy="369332"/>
+            <a:off x="2699792" y="5980051"/>
+            <a:ext cx="3744416" cy="369332"/>
           </a:xfrm>
           <a:prstGeom prst="rect">
             <a:avLst/>
@@ -8779,11 +12781,53 @@
                 <a:latin typeface="BIZ UDPGothic" panose="020B0400000000000000" pitchFamily="34" charset="-128"/>
                 <a:ea typeface="BIZ UDPGothic" panose="020B0400000000000000" pitchFamily="34" charset="-128"/>
               </a:rPr>
-              <a:t>成功時</a:t>
+              <a:t>送信成功時</a:t>
             </a:r>
             <a:endParaRPr kumimoji="1" lang="en-GB" dirty="0">
               <a:latin typeface="BIZ UDPGothic" panose="020B0400000000000000" pitchFamily="34" charset="-128"/>
               <a:ea typeface="BIZ UDPGothic" panose="020B0400000000000000" pitchFamily="34" charset="-128"/>
+            </a:endParaRPr>
+          </a:p>
+        </p:txBody>
+      </p:sp>
+      <p:sp>
+        <p:nvSpPr>
+          <p:cNvPr id="2" name="テキスト ボックス 1">
+            <a:extLst>
+              <a:ext uri="{FF2B5EF4-FFF2-40B4-BE49-F238E27FC236}">
+                <a16:creationId xmlns:a16="http://schemas.microsoft.com/office/drawing/2014/main" id="{DC8B591D-0C82-2D0A-C0F1-14E4A3566E0C}"/>
+              </a:ext>
+            </a:extLst>
+          </p:cNvPr>
+          <p:cNvSpPr txBox="1"/>
+          <p:nvPr/>
+        </p:nvSpPr>
+        <p:spPr>
+          <a:xfrm>
+            <a:off x="-59344" y="6454601"/>
+            <a:ext cx="8892479" cy="369332"/>
+          </a:xfrm>
+          <a:prstGeom prst="rect">
+            <a:avLst/>
+          </a:prstGeom>
+          <a:noFill/>
+        </p:spPr>
+        <p:txBody>
+          <a:bodyPr wrap="square" rtlCol="0">
+            <a:spAutoFit/>
+          </a:bodyPr>
+          <a:lstStyle/>
+          <a:p>
+            <a:r>
+              <a:rPr kumimoji="1" lang="en-US" altLang="ja-JP" dirty="0">
+                <a:latin typeface="BIZ UDPゴシック" panose="020B0400000000000000" pitchFamily="50" charset="-128"/>
+                <a:ea typeface="BIZ UDPゴシック" panose="020B0400000000000000" pitchFamily="50" charset="-128"/>
+              </a:rPr>
+              <a:t>CSMA/CA : (Carrier Sense Multiple Access with Collision Avoidance)</a:t>
+            </a:r>
+            <a:endParaRPr kumimoji="1" lang="ja-JP" altLang="en-US" dirty="0">
+              <a:latin typeface="BIZ UDPゴシック" panose="020B0400000000000000" pitchFamily="50" charset="-128"/>
+              <a:ea typeface="BIZ UDPゴシック" panose="020B0400000000000000" pitchFamily="50" charset="-128"/>
             </a:endParaRPr>
           </a:p>
         </p:txBody>
@@ -8903,7 +12947,7 @@
           <p:nvPr/>
         </p:nvPicPr>
         <p:blipFill>
-          <a:blip r:embed="rId2" cstate="print">
+          <a:blip r:embed="rId3" cstate="print">
             <a:extLst>
               <a:ext uri="{28A0092B-C50C-407E-A947-70E740481C1C}">
                 <a14:useLocalDpi xmlns:a14="http://schemas.microsoft.com/office/drawing/2010/main" val="0"/>
@@ -9009,7 +13053,7 @@
         <p:cNvPr id="1" name="">
           <a:extLst>
             <a:ext uri="{FF2B5EF4-FFF2-40B4-BE49-F238E27FC236}">
-              <a16:creationId xmlns:a16="http://schemas.microsoft.com/office/drawing/2014/main" id="{E8AA060E-2CBB-C7E1-6D32-694859CC2EAF}"/>
+              <a16:creationId xmlns:a16="http://schemas.microsoft.com/office/drawing/2014/main" id="{16C89B97-C48B-EB11-C860-C2BC7A27046C}"/>
             </a:ext>
           </a:extLst>
         </p:cNvPr>
@@ -9029,7 +13073,7 @@
           <p:cNvPr id="3" name="タイトル 2">
             <a:extLst>
               <a:ext uri="{FF2B5EF4-FFF2-40B4-BE49-F238E27FC236}">
-                <a16:creationId xmlns:a16="http://schemas.microsoft.com/office/drawing/2014/main" id="{116E2AED-0A53-00C0-22EC-9272221C1133}"/>
+                <a16:creationId xmlns:a16="http://schemas.microsoft.com/office/drawing/2014/main" id="{0557FC4E-D26C-BC35-4E2E-DB68EA4E61E2}"/>
               </a:ext>
             </a:extLst>
           </p:cNvPr>
@@ -9067,7 +13111,7 @@
           <p:cNvPr id="4" name="スライド番号プレースホルダー 3">
             <a:extLst>
               <a:ext uri="{FF2B5EF4-FFF2-40B4-BE49-F238E27FC236}">
-                <a16:creationId xmlns:a16="http://schemas.microsoft.com/office/drawing/2014/main" id="{65C93932-DAEB-3D70-EA7B-D453FE666E64}"/>
+                <a16:creationId xmlns:a16="http://schemas.microsoft.com/office/drawing/2014/main" id="{C33639D1-3FE4-5F2F-193B-66D5E6069C16}"/>
               </a:ext>
             </a:extLst>
           </p:cNvPr>
@@ -9093,24 +13137,20 @@
       </p:sp>
       <p:pic>
         <p:nvPicPr>
-          <p:cNvPr id="17" name="Picture 16" descr="\documentclass{article}&#10;\usepackage{amsmath}&#10;\usepackage{fontspec} % フォント設定用&#10;\pagestyle{empty}&#10;&#10;% フォント設定&#10;\newfontfamily\TitleJFont{BIZ UDPGothic}[BoldFont=BIZ UDPGothicBold]&#10;\newfontfamily\SectionJFont{BIZ UDPGothic}[BoldFont=BIZ UDPGothicBold]&#10;&#10;\begin{document}&#10;&#10;\begin{align*}&#10;  \mathrm{CW}_{\max} &amp;= 2^{4 + n} - 1&#10;\end{align*}&#10;&#10;\vspace{-2em}&#10;&#10;\begin{align*}&#10;  s &amp;= \mathrm{randint}(0, \, \min(c_{\max}, \, 1023))&#10;  \label{slot}&#10;\end{align*}&#10;&#10;\end{document}&#10;" title="IguanaTex Picture Display">
+          <p:cNvPr id="7" name="図 6" descr="図形&#10;&#10;AI によって生成されたコンテンツは間違っている可能性があります。">
             <a:extLst>
               <a:ext uri="{FF2B5EF4-FFF2-40B4-BE49-F238E27FC236}">
-                <a16:creationId xmlns:a16="http://schemas.microsoft.com/office/drawing/2014/main" id="{6F980FE1-1FF8-D78F-C566-CF9ADB72CEAE}"/>
+                <a16:creationId xmlns:a16="http://schemas.microsoft.com/office/drawing/2014/main" id="{E5F6DA05-B731-FFF1-08DA-B019386D3AD9}"/>
               </a:ext>
             </a:extLst>
           </p:cNvPr>
           <p:cNvPicPr>
             <a:picLocks noChangeAspect="1"/>
           </p:cNvPicPr>
-          <p:nvPr>
-            <p:custDataLst>
-              <p:tags r:id="rId1"/>
-            </p:custDataLst>
-          </p:nvPr>
+          <p:nvPr/>
         </p:nvPicPr>
         <p:blipFill>
-          <a:blip r:embed="rId3" cstate="print">
+          <a:blip r:embed="rId5" cstate="print">
             <a:extLst>
               <a:ext uri="{28A0092B-C50C-407E-A947-70E740481C1C}">
                 <a14:useLocalDpi xmlns:a14="http://schemas.microsoft.com/office/drawing/2010/main" val="0"/>
@@ -9123,20 +13163,218 @@
         </p:blipFill>
         <p:spPr>
           <a:xfrm>
-            <a:off x="2480272" y="3539412"/>
-            <a:ext cx="4183456" cy="1077363"/>
+            <a:off x="-180528" y="1772816"/>
+            <a:ext cx="5893459" cy="4752528"/>
           </a:xfrm>
           <a:prstGeom prst="rect">
             <a:avLst/>
           </a:prstGeom>
         </p:spPr>
       </p:pic>
-      <p:sp>
-        <p:nvSpPr>
-          <p:cNvPr id="18" name="TextBox 17">
+      <p:grpSp>
+        <p:nvGrpSpPr>
+          <p:cNvPr id="24" name="グループ化 23">
             <a:extLst>
               <a:ext uri="{FF2B5EF4-FFF2-40B4-BE49-F238E27FC236}">
-                <a16:creationId xmlns:a16="http://schemas.microsoft.com/office/drawing/2014/main" id="{45749195-79C8-46AB-8FD0-176A67F9B849}"/>
+                <a16:creationId xmlns:a16="http://schemas.microsoft.com/office/drawing/2014/main" id="{C236A844-C7CB-7AE8-F3D4-C8C4B7279578}"/>
+              </a:ext>
+            </a:extLst>
+          </p:cNvPr>
+          <p:cNvGrpSpPr/>
+          <p:nvPr/>
+        </p:nvGrpSpPr>
+        <p:grpSpPr>
+          <a:xfrm>
+            <a:off x="5292080" y="2060848"/>
+            <a:ext cx="4032448" cy="1438226"/>
+            <a:chOff x="5292080" y="2629564"/>
+            <a:chExt cx="4032448" cy="1438226"/>
+          </a:xfrm>
+        </p:grpSpPr>
+        <p:pic>
+          <p:nvPicPr>
+            <p:cNvPr id="15" name="図 14" descr="\documentclass{article}&#10;\usepackage{amsmath}&#10;\usepackage{fontspec} % フォント設定用&#10;\pagestyle{empty}&#10;&#10;% フォント設定&#10;\newfontfamily\TitleJFont{BIZ UDPGothic}[BoldFont=BIZ UDPGothicBold]&#10;\newfontfamily\SectionJFont{BIZ UDPGothic}[BoldFont=BIZ UDPGothicBold]&#10;&#10;\begin{document}&#10;&#10;\begin{align*}&#10;  \mathrm{CW} &amp;= 2^{4 + n} - 1&#10;\end{align*}&#10;&#10;\vspace{-2em}&#10;&#10;\begin{align*}&#10;  s &amp;= \mathrm{randint}(0, \, \min(\mathrm{CW}, \, 1023))&#10;  \label{slot}&#10;\end{align*}&#10;&#10;\end{document}&#10;" title="IguanaTex Bitmap Display">
+              <a:extLst>
+                <a:ext uri="{FF2B5EF4-FFF2-40B4-BE49-F238E27FC236}">
+                  <a16:creationId xmlns:a16="http://schemas.microsoft.com/office/drawing/2014/main" id="{C877A902-B9B0-E297-7C13-E5691B1FAC31}"/>
+                </a:ext>
+              </a:extLst>
+            </p:cNvPr>
+            <p:cNvPicPr>
+              <a:picLocks noChangeAspect="1"/>
+            </p:cNvPicPr>
+            <p:nvPr>
+              <p:custDataLst>
+                <p:tags r:id="rId1"/>
+              </p:custDataLst>
+            </p:nvPr>
+          </p:nvPicPr>
+          <p:blipFill>
+            <a:blip r:embed="rId6" cstate="print">
+              <a:extLst>
+                <a:ext uri="{28A0092B-C50C-407E-A947-70E740481C1C}">
+                  <a14:useLocalDpi xmlns:a14="http://schemas.microsoft.com/office/drawing/2010/main" val="0"/>
+                </a:ext>
+              </a:extLst>
+            </a:blip>
+            <a:stretch>
+              <a:fillRect/>
+            </a:stretch>
+          </p:blipFill>
+          <p:spPr>
+            <a:xfrm>
+              <a:off x="5811021" y="3284984"/>
+              <a:ext cx="2994565" cy="782806"/>
+            </a:xfrm>
+            <a:prstGeom prst="rect">
+              <a:avLst/>
+            </a:prstGeom>
+          </p:spPr>
+        </p:pic>
+        <p:sp>
+          <p:nvSpPr>
+            <p:cNvPr id="11" name="TextBox 19">
+              <a:extLst>
+                <a:ext uri="{FF2B5EF4-FFF2-40B4-BE49-F238E27FC236}">
+                  <a16:creationId xmlns:a16="http://schemas.microsoft.com/office/drawing/2014/main" id="{826755C9-C7DB-BFAC-C130-F4D493478C9C}"/>
+                </a:ext>
+              </a:extLst>
+            </p:cNvPr>
+            <p:cNvSpPr txBox="1"/>
+            <p:nvPr/>
+          </p:nvSpPr>
+          <p:spPr>
+            <a:xfrm>
+              <a:off x="5292080" y="2629564"/>
+              <a:ext cx="4032448" cy="369332"/>
+            </a:xfrm>
+            <a:prstGeom prst="rect">
+              <a:avLst/>
+            </a:prstGeom>
+            <a:noFill/>
+          </p:spPr>
+          <p:txBody>
+            <a:bodyPr wrap="square" rtlCol="0">
+              <a:spAutoFit/>
+            </a:bodyPr>
+            <a:lstStyle/>
+            <a:p>
+              <a:pPr algn="ctr"/>
+              <a:r>
+                <a:rPr kumimoji="1" lang="ja-JP" altLang="en-US" dirty="0">
+                  <a:latin typeface="BIZ UDPGothic" panose="020B0400000000000000" pitchFamily="34" charset="-128"/>
+                  <a:ea typeface="BIZ UDPGothic" panose="020B0400000000000000" pitchFamily="34" charset="-128"/>
+                </a:rPr>
+                <a:t>再送回数を  </a:t>
+              </a:r>
+              <a:r>
+                <a:rPr kumimoji="1" lang="en-US" altLang="ja-JP" dirty="0">
+                  <a:latin typeface="BIZ UDPGothic" panose="020B0400000000000000" pitchFamily="34" charset="-128"/>
+                  <a:ea typeface="BIZ UDPGothic" panose="020B0400000000000000" pitchFamily="34" charset="-128"/>
+                </a:rPr>
+                <a:t>,</a:t>
+              </a:r>
+              <a:r>
+                <a:rPr lang="ja-JP" altLang="en-US" dirty="0">
+                  <a:latin typeface="BIZ UDPGothic" panose="020B0400000000000000" pitchFamily="34" charset="-128"/>
+                  <a:ea typeface="BIZ UDPGothic" panose="020B0400000000000000" pitchFamily="34" charset="-128"/>
+                </a:rPr>
+                <a:t>スロット数を　とすると</a:t>
+              </a:r>
+              <a:endParaRPr kumimoji="1" lang="en-GB" dirty="0">
+                <a:latin typeface="BIZ UDPGothic" panose="020B0400000000000000" pitchFamily="34" charset="-128"/>
+                <a:ea typeface="BIZ UDPGothic" panose="020B0400000000000000" pitchFamily="34" charset="-128"/>
+              </a:endParaRPr>
+            </a:p>
+          </p:txBody>
+        </p:sp>
+        <p:pic>
+          <p:nvPicPr>
+            <p:cNvPr id="13" name="図 12" descr="\documentclass{jsarticle}&#10;\usepackage{amsmath}&#10;\usepackage[T1]{fontenc}&#10;\usepackage{lmodern}&#10;\usepackage{caption}&#10;\pagestyle{empty}&#10;&#10;\begin{document}&#10;&#10;&#10;\begin{align*}&#10;n  &#10;\end{align*}&#10;&#10;&#10;\end{document}" title="IguanaTex Bitmap Display">
+              <a:extLst>
+                <a:ext uri="{FF2B5EF4-FFF2-40B4-BE49-F238E27FC236}">
+                  <a16:creationId xmlns:a16="http://schemas.microsoft.com/office/drawing/2014/main" id="{C5786A0F-CCF8-A7E7-528D-8B8E23BD78A2}"/>
+                </a:ext>
+              </a:extLst>
+            </p:cNvPr>
+            <p:cNvPicPr>
+              <a:picLocks noChangeAspect="1"/>
+            </p:cNvPicPr>
+            <p:nvPr>
+              <p:custDataLst>
+                <p:tags r:id="rId2"/>
+              </p:custDataLst>
+            </p:nvPr>
+          </p:nvPicPr>
+          <p:blipFill>
+            <a:blip r:embed="rId7" cstate="print">
+              <a:extLst>
+                <a:ext uri="{28A0092B-C50C-407E-A947-70E740481C1C}">
+                  <a14:useLocalDpi xmlns:a14="http://schemas.microsoft.com/office/drawing/2010/main" val="0"/>
+                </a:ext>
+              </a:extLst>
+            </a:blip>
+            <a:stretch>
+              <a:fillRect/>
+            </a:stretch>
+          </p:blipFill>
+          <p:spPr>
+            <a:xfrm>
+              <a:off x="6660232" y="2814230"/>
+              <a:ext cx="127577" cy="108372"/>
+            </a:xfrm>
+            <a:prstGeom prst="rect">
+              <a:avLst/>
+            </a:prstGeom>
+          </p:spPr>
+        </p:pic>
+        <p:pic>
+          <p:nvPicPr>
+            <p:cNvPr id="22" name="図 21" descr="\documentclass{jsarticle}&#10;\usepackage{amsmath}&#10;\usepackage[T1]{fontenc}&#10;\usepackage{lmodern}&#10;\usepackage{caption}&#10;\pagestyle{empty}&#10;&#10;\begin{document}&#10;&#10;&#10;\begin{align*}&#10;s  &#10;\end{align*}&#10;&#10;&#10;\end{document}" title="IguanaTex Bitmap Display">
+              <a:extLst>
+                <a:ext uri="{FF2B5EF4-FFF2-40B4-BE49-F238E27FC236}">
+                  <a16:creationId xmlns:a16="http://schemas.microsoft.com/office/drawing/2014/main" id="{3052B08B-F455-D3E6-9A07-CCFCAB8DACEE}"/>
+                </a:ext>
+              </a:extLst>
+            </p:cNvPr>
+            <p:cNvPicPr>
+              <a:picLocks noChangeAspect="1"/>
+            </p:cNvPicPr>
+            <p:nvPr>
+              <p:custDataLst>
+                <p:tags r:id="rId3"/>
+              </p:custDataLst>
+            </p:nvPr>
+          </p:nvPicPr>
+          <p:blipFill>
+            <a:blip r:embed="rId8" cstate="print">
+              <a:extLst>
+                <a:ext uri="{28A0092B-C50C-407E-A947-70E740481C1C}">
+                  <a14:useLocalDpi xmlns:a14="http://schemas.microsoft.com/office/drawing/2010/main" val="0"/>
+                </a:ext>
+              </a:extLst>
+            </a:blip>
+            <a:stretch>
+              <a:fillRect/>
+            </a:stretch>
+          </p:blipFill>
+          <p:spPr>
+            <a:xfrm>
+              <a:off x="8155241" y="2814230"/>
+              <a:ext cx="89167" cy="108372"/>
+            </a:xfrm>
+            <a:prstGeom prst="rect">
+              <a:avLst/>
+            </a:prstGeom>
+          </p:spPr>
+        </p:pic>
+      </p:grpSp>
+      <p:sp>
+        <p:nvSpPr>
+          <p:cNvPr id="23" name="TextBox 19">
+            <a:extLst>
+              <a:ext uri="{FF2B5EF4-FFF2-40B4-BE49-F238E27FC236}">
+                <a16:creationId xmlns:a16="http://schemas.microsoft.com/office/drawing/2014/main" id="{F1105A9E-A451-DD93-D140-CAF502E9AAF5}"/>
               </a:ext>
             </a:extLst>
           </p:cNvPr>
@@ -9145,8 +13383,8 @@
         </p:nvSpPr>
         <p:spPr>
           <a:xfrm>
-            <a:off x="1619672" y="1772816"/>
-            <a:ext cx="6552728" cy="646331"/>
+            <a:off x="5436096" y="3624490"/>
+            <a:ext cx="4032448" cy="369332"/>
           </a:xfrm>
           <a:prstGeom prst="rect">
             <a:avLst/>
@@ -9160,46 +13398,18 @@
           <a:lstStyle/>
           <a:p>
             <a:r>
-              <a:rPr lang="en-GB" altLang="ja-JP" dirty="0">
+              <a:rPr kumimoji="1" lang="ja-JP" altLang="en-US" dirty="0">
                 <a:latin typeface="BIZ UDPGothic" panose="020B0400000000000000" pitchFamily="34" charset="-128"/>
                 <a:ea typeface="BIZ UDPGothic" panose="020B0400000000000000" pitchFamily="34" charset="-128"/>
               </a:rPr>
-              <a:t>Contention Window(CW)</a:t>
-            </a:r>
-            <a:r>
-              <a:rPr lang="ja-JP" altLang="en-US" dirty="0">
+              <a:t>で求められる</a:t>
+            </a:r>
+            <a:r>
+              <a:rPr kumimoji="1" lang="en-US" altLang="ja-JP" dirty="0">
                 <a:latin typeface="BIZ UDPGothic" panose="020B0400000000000000" pitchFamily="34" charset="-128"/>
                 <a:ea typeface="BIZ UDPGothic" panose="020B0400000000000000" pitchFamily="34" charset="-128"/>
               </a:rPr>
-              <a:t>サイズ最小値を</a:t>
-            </a:r>
-            <a:r>
-              <a:rPr lang="en-GB" altLang="ja-JP" dirty="0">
-                <a:latin typeface="BIZ UDPGothic" panose="020B0400000000000000" pitchFamily="34" charset="-128"/>
-                <a:ea typeface="BIZ UDPGothic" panose="020B0400000000000000" pitchFamily="34" charset="-128"/>
-              </a:rPr>
-              <a:t>15,</a:t>
-            </a:r>
-            <a:r>
-              <a:rPr lang="ja-JP" altLang="en-US" dirty="0">
-                <a:latin typeface="BIZ UDPGothic" panose="020B0400000000000000" pitchFamily="34" charset="-128"/>
-                <a:ea typeface="BIZ UDPGothic" panose="020B0400000000000000" pitchFamily="34" charset="-128"/>
-              </a:rPr>
-              <a:t>最大値を</a:t>
-            </a:r>
-            <a:r>
-              <a:rPr lang="en-GB" altLang="ja-JP" dirty="0">
-                <a:latin typeface="BIZ UDPGothic" panose="020B0400000000000000" pitchFamily="34" charset="-128"/>
-                <a:ea typeface="BIZ UDPGothic" panose="020B0400000000000000" pitchFamily="34" charset="-128"/>
-              </a:rPr>
-              <a:t>1023</a:t>
-            </a:r>
-            <a:r>
-              <a:rPr lang="ja-JP" altLang="en-US" dirty="0">
-                <a:latin typeface="BIZ UDPGothic" panose="020B0400000000000000" pitchFamily="34" charset="-128"/>
-                <a:ea typeface="BIZ UDPGothic" panose="020B0400000000000000" pitchFamily="34" charset="-128"/>
-              </a:rPr>
-              <a:t>として</a:t>
+              <a:t>.</a:t>
             </a:r>
             <a:endParaRPr kumimoji="1" lang="en-GB" dirty="0">
               <a:latin typeface="BIZ UDPGothic" panose="020B0400000000000000" pitchFamily="34" charset="-128"/>
@@ -9210,10 +13420,10 @@
       </p:sp>
       <p:sp>
         <p:nvSpPr>
-          <p:cNvPr id="19" name="TextBox 18">
+          <p:cNvPr id="25" name="TextBox 19">
             <a:extLst>
               <a:ext uri="{FF2B5EF4-FFF2-40B4-BE49-F238E27FC236}">
-                <a16:creationId xmlns:a16="http://schemas.microsoft.com/office/drawing/2014/main" id="{42077018-A7BB-976A-F8C9-81E34F530A11}"/>
+                <a16:creationId xmlns:a16="http://schemas.microsoft.com/office/drawing/2014/main" id="{DCC1593D-3D2D-7708-6555-0EDDBB82057A}"/>
               </a:ext>
             </a:extLst>
           </p:cNvPr>
@@ -9222,8 +13432,8 @@
         </p:nvSpPr>
         <p:spPr>
           <a:xfrm>
-            <a:off x="1593811" y="2461259"/>
-            <a:ext cx="6552728" cy="646331"/>
+            <a:off x="5364088" y="4261267"/>
+            <a:ext cx="4032448" cy="646331"/>
           </a:xfrm>
           <a:prstGeom prst="rect">
             <a:avLst/>
@@ -9237,60 +13447,38 @@
           <a:lstStyle/>
           <a:p>
             <a:r>
-              <a:rPr kumimoji="1" lang="en-GB" dirty="0">
-                <a:latin typeface="BIZ UDPGothic" panose="020B0400000000000000" pitchFamily="34" charset="-128"/>
-                <a:ea typeface="BIZ UDPGothic" panose="020B0400000000000000" pitchFamily="34" charset="-128"/>
-              </a:rPr>
-              <a:t>0</a:t>
-            </a:r>
-            <a:r>
               <a:rPr kumimoji="1" lang="ja-JP" altLang="en-US" dirty="0">
                 <a:latin typeface="BIZ UDPGothic" panose="020B0400000000000000" pitchFamily="34" charset="-128"/>
                 <a:ea typeface="BIZ UDPGothic" panose="020B0400000000000000" pitchFamily="34" charset="-128"/>
               </a:rPr>
-              <a:t>～</a:t>
-            </a:r>
-            <a:r>
-              <a:rPr kumimoji="1" lang="en-GB" altLang="ja-JP" dirty="0">
-                <a:latin typeface="BIZ UDPGothic" panose="020B0400000000000000" pitchFamily="34" charset="-128"/>
-                <a:ea typeface="BIZ UDPGothic" panose="020B0400000000000000" pitchFamily="34" charset="-128"/>
-              </a:rPr>
-              <a:t>CW</a:t>
-            </a:r>
-            <a:r>
-              <a:rPr kumimoji="1" lang="ja-JP" altLang="en-US" dirty="0">
-                <a:latin typeface="BIZ UDPGothic" panose="020B0400000000000000" pitchFamily="34" charset="-128"/>
-                <a:ea typeface="BIZ UDPGothic" panose="020B0400000000000000" pitchFamily="34" charset="-128"/>
-              </a:rPr>
-              <a:t>の範囲でランダムな値を発生させ</a:t>
-            </a:r>
-            <a:r>
-              <a:rPr kumimoji="1" lang="en-GB" altLang="ja-JP" dirty="0">
-                <a:latin typeface="BIZ UDPGothic" panose="020B0400000000000000" pitchFamily="34" charset="-128"/>
-                <a:ea typeface="BIZ UDPGothic" panose="020B0400000000000000" pitchFamily="34" charset="-128"/>
-              </a:rPr>
-              <a:t>,</a:t>
-            </a:r>
-            <a:r>
-              <a:rPr kumimoji="1" lang="ja-JP" altLang="en-US" dirty="0">
-                <a:latin typeface="BIZ UDPGothic" panose="020B0400000000000000" pitchFamily="34" charset="-128"/>
-                <a:ea typeface="BIZ UDPGothic" panose="020B0400000000000000" pitchFamily="34" charset="-128"/>
-              </a:rPr>
-              <a:t>その値を元にしたバックオフ時間が決められる</a:t>
-            </a:r>
-            <a:endParaRPr kumimoji="1" lang="en-GB" dirty="0">
+              <a:t>同じスロット数を生成する可能性は</a:t>
+            </a:r>
+            <a:endParaRPr kumimoji="1" lang="en-US" altLang="ja-JP" dirty="0">
               <a:latin typeface="BIZ UDPGothic" panose="020B0400000000000000" pitchFamily="34" charset="-128"/>
               <a:ea typeface="BIZ UDPGothic" panose="020B0400000000000000" pitchFamily="34" charset="-128"/>
             </a:endParaRPr>
           </a:p>
-        </p:txBody>
-      </p:sp>
-      <p:sp>
-        <p:nvSpPr>
-          <p:cNvPr id="20" name="TextBox 19">
+          <a:p>
+            <a:r>
+              <a:rPr lang="ja-JP" altLang="en-US" dirty="0">
+                <a:latin typeface="BIZ UDPGothic" panose="020B0400000000000000" pitchFamily="34" charset="-128"/>
+                <a:ea typeface="BIZ UDPGothic" panose="020B0400000000000000" pitchFamily="34" charset="-128"/>
+              </a:rPr>
+              <a:t>低くなるがオーバヘッドが大きくなる</a:t>
+            </a:r>
+            <a:endParaRPr kumimoji="1" lang="en-US" altLang="ja-JP" dirty="0">
+              <a:latin typeface="BIZ UDPGothic" panose="020B0400000000000000" pitchFamily="34" charset="-128"/>
+              <a:ea typeface="BIZ UDPGothic" panose="020B0400000000000000" pitchFamily="34" charset="-128"/>
+            </a:endParaRPr>
+          </a:p>
+        </p:txBody>
+      </p:sp>
+      <p:sp>
+        <p:nvSpPr>
+          <p:cNvPr id="26" name="TextBox 19">
             <a:extLst>
               <a:ext uri="{FF2B5EF4-FFF2-40B4-BE49-F238E27FC236}">
-                <a16:creationId xmlns:a16="http://schemas.microsoft.com/office/drawing/2014/main" id="{FFCC60F3-44CD-9BD9-54F2-E1BC32D8D883}"/>
+                <a16:creationId xmlns:a16="http://schemas.microsoft.com/office/drawing/2014/main" id="{6A140566-6D29-E5D4-58A1-5B153828ED9F}"/>
               </a:ext>
             </a:extLst>
           </p:cNvPr>
@@ -9299,8 +13487,8 @@
         </p:nvSpPr>
         <p:spPr>
           <a:xfrm>
-            <a:off x="1619672" y="4869160"/>
-            <a:ext cx="6552728" cy="646331"/>
+            <a:off x="5469631" y="4960829"/>
+            <a:ext cx="4032448" cy="369332"/>
           </a:xfrm>
           <a:prstGeom prst="rect">
             <a:avLst/>
@@ -9315,54 +13503,24 @@
           <a:p>
             <a:r>
               <a:rPr kumimoji="1" lang="ja-JP" altLang="en-US" dirty="0">
+                <a:solidFill>
+                  <a:schemeClr val="bg2">
+                    <a:lumMod val="50000"/>
+                    <a:lumOff val="50000"/>
+                  </a:schemeClr>
+                </a:solidFill>
                 <a:latin typeface="BIZ UDPGothic" panose="020B0400000000000000" pitchFamily="34" charset="-128"/>
                 <a:ea typeface="BIZ UDPGothic" panose="020B0400000000000000" pitchFamily="34" charset="-128"/>
               </a:rPr>
-              <a:t>衝突が発生すると</a:t>
-            </a:r>
-            <a:r>
-              <a:rPr kumimoji="1" lang="en-GB" altLang="ja-JP" dirty="0">
-                <a:latin typeface="BIZ UDPGothic" panose="020B0400000000000000" pitchFamily="34" charset="-128"/>
-                <a:ea typeface="BIZ UDPGothic" panose="020B0400000000000000" pitchFamily="34" charset="-128"/>
-              </a:rPr>
-              <a:t>CW</a:t>
-            </a:r>
-            <a:r>
-              <a:rPr kumimoji="1" lang="ja-JP" altLang="en-US" dirty="0">
-                <a:latin typeface="BIZ UDPGothic" panose="020B0400000000000000" pitchFamily="34" charset="-128"/>
-                <a:ea typeface="BIZ UDPGothic" panose="020B0400000000000000" pitchFamily="34" charset="-128"/>
-              </a:rPr>
-              <a:t>サイズの最大値は</a:t>
-            </a:r>
-            <a:r>
-              <a:rPr kumimoji="1" lang="en-GB" altLang="ja-JP" dirty="0">
-                <a:latin typeface="BIZ UDPGothic" panose="020B0400000000000000" pitchFamily="34" charset="-128"/>
-                <a:ea typeface="BIZ UDPGothic" panose="020B0400000000000000" pitchFamily="34" charset="-128"/>
-              </a:rPr>
-              <a:t>2</a:t>
-            </a:r>
-            <a:r>
-              <a:rPr kumimoji="1" lang="ja-JP" altLang="en-US" dirty="0">
-                <a:latin typeface="BIZ UDPGothic" panose="020B0400000000000000" pitchFamily="34" charset="-128"/>
-                <a:ea typeface="BIZ UDPGothic" panose="020B0400000000000000" pitchFamily="34" charset="-128"/>
-              </a:rPr>
-              <a:t>倍となりバックオフ時間が長くなることで他端末と同じ</a:t>
-            </a:r>
-            <a:r>
-              <a:rPr kumimoji="1" lang="en-US" altLang="ja-JP" dirty="0">
-                <a:latin typeface="BIZ UDPGothic" panose="020B0400000000000000" pitchFamily="34" charset="-128"/>
-                <a:ea typeface="BIZ UDPGothic" panose="020B0400000000000000" pitchFamily="34" charset="-128"/>
-              </a:rPr>
-              <a:t>CW</a:t>
-            </a:r>
-            <a:r>
-              <a:rPr kumimoji="1" lang="ja-JP" altLang="en-US" dirty="0">
-                <a:latin typeface="BIZ UDPGothic" panose="020B0400000000000000" pitchFamily="34" charset="-128"/>
-                <a:ea typeface="BIZ UDPGothic" panose="020B0400000000000000" pitchFamily="34" charset="-128"/>
-              </a:rPr>
-              <a:t>サイズに</a:t>
-            </a:r>
-            <a:endParaRPr kumimoji="1" lang="en-GB" dirty="0">
+              <a:t>⇒スループットの低下</a:t>
+            </a:r>
+            <a:endParaRPr kumimoji="1" lang="en-US" altLang="ja-JP" dirty="0">
+              <a:solidFill>
+                <a:schemeClr val="bg2">
+                  <a:lumMod val="50000"/>
+                  <a:lumOff val="50000"/>
+                </a:schemeClr>
+              </a:solidFill>
               <a:latin typeface="BIZ UDPGothic" panose="020B0400000000000000" pitchFamily="34" charset="-128"/>
               <a:ea typeface="BIZ UDPGothic" panose="020B0400000000000000" pitchFamily="34" charset="-128"/>
             </a:endParaRPr>
@@ -9372,7 +13530,7 @@
     </p:spTree>
     <p:extLst>
       <p:ext uri="{BB962C8B-B14F-4D97-AF65-F5344CB8AC3E}">
-        <p14:creationId xmlns:p14="http://schemas.microsoft.com/office/powerpoint/2010/main" val="1630363695"/>
+        <p14:creationId xmlns:p14="http://schemas.microsoft.com/office/powerpoint/2010/main" val="857088905"/>
       </p:ext>
     </p:extLst>
   </p:cSld>
@@ -9435,7 +13593,7 @@
         </p:blipFill>
         <p:spPr>
           <a:xfrm>
-            <a:off x="431800" y="4571487"/>
+            <a:off x="431800" y="3879671"/>
             <a:ext cx="8280400" cy="2263967"/>
           </a:xfrm>
         </p:spPr>
@@ -9521,8 +13679,8 @@
         </p:nvSpPr>
         <p:spPr>
           <a:xfrm>
-            <a:off x="-36512" y="1265231"/>
-            <a:ext cx="9144123" cy="3693319"/>
+            <a:off x="395349" y="1402752"/>
+            <a:ext cx="9144123" cy="2369880"/>
           </a:xfrm>
           <a:prstGeom prst="rect">
             <a:avLst/>
@@ -9547,102 +13705,26 @@
               <a:t>フレーム間には</a:t>
             </a:r>
             <a:r>
+              <a:rPr kumimoji="1" lang="en-US" altLang="ja-JP" sz="2400" dirty="0">
+                <a:latin typeface="BIZ UDPGothic" panose="020B0400000000000000" pitchFamily="34" charset="-128"/>
+                <a:ea typeface="BIZ UDPGothic" panose="020B0400000000000000" pitchFamily="34" charset="-128"/>
+              </a:rPr>
+              <a:t>IFS</a:t>
+            </a:r>
+            <a:r>
+              <a:rPr kumimoji="1" lang="ja-JP" altLang="en-US" sz="2400" dirty="0">
+                <a:latin typeface="BIZ UDPGothic" panose="020B0400000000000000" pitchFamily="34" charset="-128"/>
+                <a:ea typeface="BIZ UDPGothic" panose="020B0400000000000000" pitchFamily="34" charset="-128"/>
+              </a:rPr>
+              <a:t>と呼ばれる待機時間が設定されている</a:t>
+            </a:r>
+            <a:r>
               <a:rPr kumimoji="1" lang="en-GB" altLang="ja-JP" sz="2400" dirty="0">
                 <a:latin typeface="BIZ UDPGothic" panose="020B0400000000000000" pitchFamily="34" charset="-128"/>
                 <a:ea typeface="BIZ UDPGothic" panose="020B0400000000000000" pitchFamily="34" charset="-128"/>
               </a:rPr>
-              <a:t>IFS(Inter Frame Space)</a:t>
-            </a:r>
-            <a:r>
-              <a:rPr kumimoji="1" lang="ja-JP" altLang="en-US" sz="2400" dirty="0">
-                <a:latin typeface="BIZ UDPGothic" panose="020B0400000000000000" pitchFamily="34" charset="-128"/>
-                <a:ea typeface="BIZ UDPGothic" panose="020B0400000000000000" pitchFamily="34" charset="-128"/>
-              </a:rPr>
-              <a:t>と呼ばれる待機時間が設定されている</a:t>
-            </a:r>
-            <a:r>
-              <a:rPr kumimoji="1" lang="en-GB" altLang="ja-JP" sz="2400" dirty="0">
-                <a:latin typeface="BIZ UDPGothic" panose="020B0400000000000000" pitchFamily="34" charset="-128"/>
-                <a:ea typeface="BIZ UDPGothic" panose="020B0400000000000000" pitchFamily="34" charset="-128"/>
-              </a:rPr>
               <a:t>.</a:t>
             </a:r>
-          </a:p>
-          <a:p>
-            <a:pPr marL="285750" indent="-285750">
-              <a:buFont typeface="Arial" panose="020B0604020202020204" pitchFamily="34" charset="0"/>
-              <a:buChar char="•"/>
-            </a:pPr>
-            <a:endParaRPr kumimoji="1" lang="en-GB" altLang="ja-JP" sz="1400" dirty="0">
-              <a:latin typeface="BIZ UDPGothic" panose="020B0400000000000000" pitchFamily="34" charset="-128"/>
-              <a:ea typeface="BIZ UDPGothic" panose="020B0400000000000000" pitchFamily="34" charset="-128"/>
-            </a:endParaRPr>
-          </a:p>
-          <a:p>
-            <a:pPr marL="285750" indent="-285750">
-              <a:buFont typeface="Arial" panose="020B0604020202020204" pitchFamily="34" charset="0"/>
-              <a:buChar char="•"/>
-            </a:pPr>
-            <a:r>
-              <a:rPr lang="en-GB" altLang="ja-JP" sz="2400" dirty="0">
-                <a:latin typeface="BIZ UDPGothic" panose="020B0400000000000000" pitchFamily="34" charset="-128"/>
-                <a:ea typeface="BIZ UDPGothic" panose="020B0400000000000000" pitchFamily="34" charset="-128"/>
-              </a:rPr>
-              <a:t>6</a:t>
-            </a:r>
-            <a:r>
-              <a:rPr lang="ja-JP" altLang="en-US" sz="2400" dirty="0">
-                <a:latin typeface="BIZ UDPGothic" panose="020B0400000000000000" pitchFamily="34" charset="-128"/>
-                <a:ea typeface="BIZ UDPGothic" panose="020B0400000000000000" pitchFamily="34" charset="-128"/>
-              </a:rPr>
-              <a:t>種類あり</a:t>
-            </a:r>
-            <a:r>
-              <a:rPr lang="en-GB" altLang="ja-JP" sz="2400" dirty="0">
-                <a:latin typeface="BIZ UDPGothic" panose="020B0400000000000000" pitchFamily="34" charset="-128"/>
-                <a:ea typeface="BIZ UDPGothic" panose="020B0400000000000000" pitchFamily="34" charset="-128"/>
-              </a:rPr>
-              <a:t>,</a:t>
-            </a:r>
-            <a:r>
-              <a:rPr lang="ja-JP" altLang="en-US" sz="2400" dirty="0">
-                <a:latin typeface="BIZ UDPGothic" panose="020B0400000000000000" pitchFamily="34" charset="-128"/>
-                <a:ea typeface="BIZ UDPGothic" panose="020B0400000000000000" pitchFamily="34" charset="-128"/>
-              </a:rPr>
-              <a:t>代表的なものに</a:t>
-            </a:r>
-            <a:r>
-              <a:rPr lang="en-GB" altLang="ja-JP" sz="2400" dirty="0">
-                <a:latin typeface="BIZ UDPGothic" panose="020B0400000000000000" pitchFamily="34" charset="-128"/>
-                <a:ea typeface="BIZ UDPGothic" panose="020B0400000000000000" pitchFamily="34" charset="-128"/>
-              </a:rPr>
-              <a:t>DIFS(Distributed Inter Frame Space)</a:t>
-            </a:r>
-            <a:r>
-              <a:rPr lang="ja-JP" altLang="en-US" sz="2400" dirty="0">
-                <a:latin typeface="BIZ UDPGothic" panose="020B0400000000000000" pitchFamily="34" charset="-128"/>
-                <a:ea typeface="BIZ UDPGothic" panose="020B0400000000000000" pitchFamily="34" charset="-128"/>
-              </a:rPr>
-              <a:t>と</a:t>
-            </a:r>
-            <a:r>
-              <a:rPr lang="en-GB" altLang="ja-JP" sz="2400" dirty="0">
-                <a:latin typeface="BIZ UDPGothic" panose="020B0400000000000000" pitchFamily="34" charset="-128"/>
-                <a:ea typeface="BIZ UDPGothic" panose="020B0400000000000000" pitchFamily="34" charset="-128"/>
-              </a:rPr>
-              <a:t>SIFS(Short Inter Frame Space)</a:t>
-            </a:r>
-            <a:r>
-              <a:rPr lang="ja-JP" altLang="en-US" sz="2400" dirty="0">
-                <a:latin typeface="BIZ UDPGothic" panose="020B0400000000000000" pitchFamily="34" charset="-128"/>
-                <a:ea typeface="BIZ UDPGothic" panose="020B0400000000000000" pitchFamily="34" charset="-128"/>
-              </a:rPr>
-              <a:t>がある</a:t>
-            </a:r>
-            <a:endParaRPr lang="en-GB" altLang="ja-JP" sz="2400" dirty="0">
-              <a:latin typeface="BIZ UDPGothic" panose="020B0400000000000000" pitchFamily="34" charset="-128"/>
-              <a:ea typeface="BIZ UDPGothic" panose="020B0400000000000000" pitchFamily="34" charset="-128"/>
-            </a:endParaRPr>
           </a:p>
           <a:p>
             <a:pPr marL="285750" indent="-285750">
@@ -9782,7 +13864,28 @@
                 <a:latin typeface="BIZ UDPGothic" panose="020B0400000000000000" pitchFamily="34" charset="-128"/>
                 <a:ea typeface="BIZ UDPGothic" panose="020B0400000000000000" pitchFamily="34" charset="-128"/>
               </a:rPr>
-              <a:t>フレームなどの優先順位が高い制御フレームに適用される</a:t>
+              <a:t>フレームなどの優先順位が高い制御</a:t>
+            </a:r>
+            <a:endParaRPr lang="en-US" altLang="ja-JP" sz="2400" dirty="0">
+              <a:latin typeface="BIZ UDPGothic" panose="020B0400000000000000" pitchFamily="34" charset="-128"/>
+              <a:ea typeface="BIZ UDPGothic" panose="020B0400000000000000" pitchFamily="34" charset="-128"/>
+            </a:endParaRPr>
+          </a:p>
+          <a:p>
+            <a:pPr lvl="2"/>
+            <a:r>
+              <a:rPr lang="en-US" altLang="ja-JP" sz="2400" dirty="0">
+                <a:latin typeface="BIZ UDPGothic" panose="020B0400000000000000" pitchFamily="34" charset="-128"/>
+                <a:ea typeface="BIZ UDPGothic" panose="020B0400000000000000" pitchFamily="34" charset="-128"/>
+              </a:rPr>
+              <a:t>	       </a:t>
+            </a:r>
+            <a:r>
+              <a:rPr lang="ja-JP" altLang="en-US" sz="2400" dirty="0">
+                <a:latin typeface="BIZ UDPGothic" panose="020B0400000000000000" pitchFamily="34" charset="-128"/>
+                <a:ea typeface="BIZ UDPGothic" panose="020B0400000000000000" pitchFamily="34" charset="-128"/>
+              </a:rPr>
+              <a:t>フレームに適用される</a:t>
             </a:r>
             <a:endParaRPr lang="en-GB" altLang="ja-JP" sz="2400" dirty="0">
               <a:latin typeface="BIZ UDPGothic" panose="020B0400000000000000" pitchFamily="34" charset="-128"/>
@@ -9797,6 +13900,129 @@
             <a:endParaRPr lang="en-GB" altLang="ja-JP" sz="2400" dirty="0">
               <a:latin typeface="BIZ UDPGothic" panose="020B0400000000000000" pitchFamily="34" charset="-128"/>
               <a:ea typeface="BIZ UDPGothic" panose="020B0400000000000000" pitchFamily="34" charset="-128"/>
+            </a:endParaRPr>
+          </a:p>
+        </p:txBody>
+      </p:sp>
+      <p:sp>
+        <p:nvSpPr>
+          <p:cNvPr id="2" name="テキスト ボックス 1">
+            <a:extLst>
+              <a:ext uri="{FF2B5EF4-FFF2-40B4-BE49-F238E27FC236}">
+                <a16:creationId xmlns:a16="http://schemas.microsoft.com/office/drawing/2014/main" id="{186F1998-A504-12A9-BFB0-1E2B279A9435}"/>
+              </a:ext>
+            </a:extLst>
+          </p:cNvPr>
+          <p:cNvSpPr txBox="1"/>
+          <p:nvPr/>
+        </p:nvSpPr>
+        <p:spPr>
+          <a:xfrm>
+            <a:off x="-42048" y="6250678"/>
+            <a:ext cx="3168352" cy="338554"/>
+          </a:xfrm>
+          <a:prstGeom prst="rect">
+            <a:avLst/>
+          </a:prstGeom>
+          <a:noFill/>
+        </p:spPr>
+        <p:txBody>
+          <a:bodyPr wrap="square" rtlCol="0">
+            <a:spAutoFit/>
+          </a:bodyPr>
+          <a:lstStyle/>
+          <a:p>
+            <a:r>
+              <a:rPr kumimoji="1" lang="en-GB" altLang="ja-JP" sz="1600" dirty="0">
+                <a:latin typeface="BIZ UDPGothic" panose="020B0400000000000000" pitchFamily="34" charset="-128"/>
+                <a:ea typeface="BIZ UDPGothic" panose="020B0400000000000000" pitchFamily="34" charset="-128"/>
+              </a:rPr>
+              <a:t>IFS : Inter Frame Space</a:t>
+            </a:r>
+            <a:endParaRPr kumimoji="1" lang="ja-JP" altLang="en-US" sz="1600" dirty="0">
+              <a:ea typeface="游ゴシック Medium" panose="020B0500000000000000" pitchFamily="50" charset="-128"/>
+            </a:endParaRPr>
+          </a:p>
+        </p:txBody>
+      </p:sp>
+      <p:sp>
+        <p:nvSpPr>
+          <p:cNvPr id="5" name="テキスト ボックス 4">
+            <a:extLst>
+              <a:ext uri="{FF2B5EF4-FFF2-40B4-BE49-F238E27FC236}">
+                <a16:creationId xmlns:a16="http://schemas.microsoft.com/office/drawing/2014/main" id="{13D2BB55-579B-D772-F384-BC6AE020081B}"/>
+              </a:ext>
+            </a:extLst>
+          </p:cNvPr>
+          <p:cNvSpPr txBox="1"/>
+          <p:nvPr/>
+        </p:nvSpPr>
+        <p:spPr>
+          <a:xfrm>
+            <a:off x="-42048" y="6581350"/>
+            <a:ext cx="5832648" cy="338554"/>
+          </a:xfrm>
+          <a:prstGeom prst="rect">
+            <a:avLst/>
+          </a:prstGeom>
+          <a:noFill/>
+        </p:spPr>
+        <p:txBody>
+          <a:bodyPr wrap="square" rtlCol="0">
+            <a:spAutoFit/>
+          </a:bodyPr>
+          <a:lstStyle/>
+          <a:p>
+            <a:r>
+              <a:rPr lang="en-GB" altLang="ja-JP" sz="1600" dirty="0">
+                <a:latin typeface="BIZ UDPGothic" panose="020B0400000000000000" pitchFamily="34" charset="-128"/>
+                <a:ea typeface="BIZ UDPGothic" panose="020B0400000000000000" pitchFamily="34" charset="-128"/>
+              </a:rPr>
+              <a:t>DIFS : Distributed Inter Frame Space</a:t>
+            </a:r>
+            <a:endParaRPr kumimoji="1" lang="ja-JP" altLang="en-US" sz="1600" dirty="0">
+              <a:ea typeface="游ゴシック Medium" panose="020B0500000000000000" pitchFamily="50" charset="-128"/>
+            </a:endParaRPr>
+          </a:p>
+        </p:txBody>
+      </p:sp>
+      <p:sp>
+        <p:nvSpPr>
+          <p:cNvPr id="8" name="テキスト ボックス 7">
+            <a:extLst>
+              <a:ext uri="{FF2B5EF4-FFF2-40B4-BE49-F238E27FC236}">
+                <a16:creationId xmlns:a16="http://schemas.microsoft.com/office/drawing/2014/main" id="{E46F546D-F272-7297-DC71-907E7A205CAF}"/>
+              </a:ext>
+            </a:extLst>
+          </p:cNvPr>
+          <p:cNvSpPr txBox="1"/>
+          <p:nvPr/>
+        </p:nvSpPr>
+        <p:spPr>
+          <a:xfrm>
+            <a:off x="4501229" y="6581237"/>
+            <a:ext cx="4536504" cy="338554"/>
+          </a:xfrm>
+          <a:prstGeom prst="rect">
+            <a:avLst/>
+          </a:prstGeom>
+          <a:noFill/>
+        </p:spPr>
+        <p:txBody>
+          <a:bodyPr wrap="square" rtlCol="0">
+            <a:spAutoFit/>
+          </a:bodyPr>
+          <a:lstStyle/>
+          <a:p>
+            <a:r>
+              <a:rPr lang="en-GB" altLang="ja-JP" sz="1600" dirty="0">
+                <a:latin typeface="BIZ UDPGothic" panose="020B0400000000000000" pitchFamily="34" charset="-128"/>
+                <a:ea typeface="BIZ UDPGothic" panose="020B0400000000000000" pitchFamily="34" charset="-128"/>
+              </a:rPr>
+              <a:t>SIFS : Short Inter Frame Space</a:t>
+            </a:r>
+            <a:endParaRPr kumimoji="1" lang="ja-JP" altLang="en-US" sz="1600" dirty="0">
+              <a:ea typeface="游ゴシック Medium" panose="020B0500000000000000" pitchFamily="50" charset="-128"/>
             </a:endParaRPr>
           </a:p>
         </p:txBody>
@@ -9854,7 +14080,7 @@
           </p:nvPr>
         </p:nvPicPr>
         <p:blipFill>
-          <a:blip r:embed="rId2" cstate="print">
+          <a:blip r:embed="rId3" cstate="print">
             <a:extLst>
               <a:ext uri="{28A0092B-C50C-407E-A947-70E740481C1C}">
                 <a14:useLocalDpi xmlns:a14="http://schemas.microsoft.com/office/drawing/2010/main" val="0"/>
@@ -9867,7 +14093,7 @@
         </p:blipFill>
         <p:spPr>
           <a:xfrm>
-            <a:off x="431800" y="4797152"/>
+            <a:off x="431800" y="3197631"/>
             <a:ext cx="8280400" cy="1695699"/>
           </a:xfrm>
         </p:spPr>
@@ -9929,6 +14155,155 @@
               <a:t>8</a:t>
             </a:fld>
             <a:endParaRPr kumimoji="1" lang="ja-JP" altLang="en-US"/>
+          </a:p>
+        </p:txBody>
+      </p:sp>
+      <p:sp>
+        <p:nvSpPr>
+          <p:cNvPr id="2" name="TextBox 6">
+            <a:extLst>
+              <a:ext uri="{FF2B5EF4-FFF2-40B4-BE49-F238E27FC236}">
+                <a16:creationId xmlns:a16="http://schemas.microsoft.com/office/drawing/2014/main" id="{2EED65DF-855E-F2BC-A044-EE4A82772B46}"/>
+              </a:ext>
+            </a:extLst>
+          </p:cNvPr>
+          <p:cNvSpPr txBox="1"/>
+          <p:nvPr/>
+        </p:nvSpPr>
+        <p:spPr>
+          <a:xfrm>
+            <a:off x="394359" y="1940090"/>
+            <a:ext cx="8784083" cy="461665"/>
+          </a:xfrm>
+          <a:prstGeom prst="rect">
+            <a:avLst/>
+          </a:prstGeom>
+          <a:noFill/>
+        </p:spPr>
+        <p:txBody>
+          <a:bodyPr wrap="square" rtlCol="0">
+            <a:spAutoFit/>
+          </a:bodyPr>
+          <a:lstStyle/>
+          <a:p>
+            <a:pPr marL="285750" indent="-285750">
+              <a:buFont typeface="Arial" panose="020B0604020202020204" pitchFamily="34" charset="0"/>
+              <a:buChar char="•"/>
+            </a:pPr>
+            <a:r>
+              <a:rPr lang="en-US" altLang="ja-JP" sz="2400" dirty="0">
+                <a:latin typeface="BIZ UDPGothic" panose="020B0400000000000000" pitchFamily="34" charset="-128"/>
+                <a:ea typeface="BIZ UDPGothic" panose="020B0400000000000000" pitchFamily="34" charset="-128"/>
+              </a:rPr>
+              <a:t>UDP</a:t>
+            </a:r>
+            <a:r>
+              <a:rPr lang="ja-JP" altLang="en-US" sz="2400" dirty="0">
+                <a:latin typeface="BIZ UDPGothic" panose="020B0400000000000000" pitchFamily="34" charset="-128"/>
+                <a:ea typeface="BIZ UDPGothic" panose="020B0400000000000000" pitchFamily="34" charset="-128"/>
+              </a:rPr>
+              <a:t>レベルのフレーム構成をモデル化した</a:t>
+            </a:r>
+            <a:r>
+              <a:rPr lang="en-US" altLang="ja-JP" sz="2400" dirty="0">
+                <a:latin typeface="BIZ UDPGothic" panose="020B0400000000000000" pitchFamily="34" charset="-128"/>
+                <a:ea typeface="BIZ UDPGothic" panose="020B0400000000000000" pitchFamily="34" charset="-128"/>
+              </a:rPr>
+              <a:t>.</a:t>
+            </a:r>
+            <a:endParaRPr lang="en-GB" altLang="ja-JP" sz="2400" dirty="0">
+              <a:latin typeface="BIZ UDPGothic" panose="020B0400000000000000" pitchFamily="34" charset="-128"/>
+              <a:ea typeface="BIZ UDPGothic" panose="020B0400000000000000" pitchFamily="34" charset="-128"/>
+            </a:endParaRPr>
+          </a:p>
+        </p:txBody>
+      </p:sp>
+      <p:sp>
+        <p:nvSpPr>
+          <p:cNvPr id="5" name="テキスト ボックス 4">
+            <a:extLst>
+              <a:ext uri="{FF2B5EF4-FFF2-40B4-BE49-F238E27FC236}">
+                <a16:creationId xmlns:a16="http://schemas.microsoft.com/office/drawing/2014/main" id="{D1D6EB35-5436-B21E-7C25-4D076A07A2B8}"/>
+              </a:ext>
+            </a:extLst>
+          </p:cNvPr>
+          <p:cNvSpPr txBox="1"/>
+          <p:nvPr/>
+        </p:nvSpPr>
+        <p:spPr>
+          <a:xfrm>
+            <a:off x="107504" y="6454601"/>
+            <a:ext cx="4824536" cy="369332"/>
+          </a:xfrm>
+          <a:prstGeom prst="rect">
+            <a:avLst/>
+          </a:prstGeom>
+          <a:noFill/>
+        </p:spPr>
+        <p:txBody>
+          <a:bodyPr wrap="square" rtlCol="0">
+            <a:spAutoFit/>
+          </a:bodyPr>
+          <a:lstStyle/>
+          <a:p>
+            <a:r>
+              <a:rPr lang="en-US" altLang="ja-JP" sz="1800" dirty="0">
+                <a:latin typeface="BIZ UDPGothic" panose="020B0400000000000000" pitchFamily="34" charset="-128"/>
+                <a:ea typeface="BIZ UDPGothic" panose="020B0400000000000000" pitchFamily="34" charset="-128"/>
+              </a:rPr>
+              <a:t>UDP : User Datagram Protocol</a:t>
+            </a:r>
+            <a:endParaRPr kumimoji="1" lang="ja-JP" altLang="en-US" dirty="0">
+              <a:ea typeface="游ゴシック Medium" panose="020B0500000000000000" pitchFamily="50" charset="-128"/>
+            </a:endParaRPr>
+          </a:p>
+        </p:txBody>
+      </p:sp>
+      <p:sp>
+        <p:nvSpPr>
+          <p:cNvPr id="7" name="テキスト ボックス 6">
+            <a:extLst>
+              <a:ext uri="{FF2B5EF4-FFF2-40B4-BE49-F238E27FC236}">
+                <a16:creationId xmlns:a16="http://schemas.microsoft.com/office/drawing/2014/main" id="{7C38327C-EB31-7F2E-2CEE-BB72E51D3F4F}"/>
+              </a:ext>
+            </a:extLst>
+          </p:cNvPr>
+          <p:cNvSpPr txBox="1"/>
+          <p:nvPr/>
+        </p:nvSpPr>
+        <p:spPr>
+          <a:xfrm>
+            <a:off x="4354103" y="6458127"/>
+            <a:ext cx="4824536" cy="369332"/>
+          </a:xfrm>
+          <a:prstGeom prst="rect">
+            <a:avLst/>
+          </a:prstGeom>
+          <a:noFill/>
+        </p:spPr>
+        <p:txBody>
+          <a:bodyPr wrap="square" rtlCol="0">
+            <a:spAutoFit/>
+          </a:bodyPr>
+          <a:lstStyle/>
+          <a:p>
+            <a:r>
+              <a:rPr lang="en-US" altLang="ja-JP" dirty="0">
+                <a:latin typeface="BIZ UDPGothic" panose="020B0400000000000000" pitchFamily="34" charset="-128"/>
+                <a:ea typeface="BIZ UDPGothic" panose="020B0400000000000000" pitchFamily="34" charset="-128"/>
+              </a:rPr>
+              <a:t>FCS</a:t>
+            </a:r>
+            <a:r>
+              <a:rPr lang="en-US" altLang="ja-JP" sz="1800" dirty="0">
+                <a:latin typeface="BIZ UDPGothic" panose="020B0400000000000000" pitchFamily="34" charset="-128"/>
+                <a:ea typeface="BIZ UDPGothic" panose="020B0400000000000000" pitchFamily="34" charset="-128"/>
+              </a:rPr>
+              <a:t> : Frame Check Sequence</a:t>
+            </a:r>
+            <a:endParaRPr kumimoji="1" lang="ja-JP" altLang="en-US" dirty="0">
+              <a:ea typeface="游ゴシック Medium" panose="020B0500000000000000" pitchFamily="50" charset="-128"/>
+            </a:endParaRPr>
           </a:p>
         </p:txBody>
       </p:sp>
@@ -10008,7 +14383,7 @@
                 <a:latin typeface="BIZ UDPゴシック" panose="020B0400000000000000" pitchFamily="50" charset="-128"/>
                 <a:ea typeface="BIZ UDPゴシック" panose="020B0400000000000000" pitchFamily="50" charset="-128"/>
               </a:rPr>
-              <a:t>(RSSI (Received Signal Strength Indicator))</a:t>
+              <a:t>(RSSI)</a:t>
             </a:r>
             <a:r>
               <a:rPr lang="ja-JP" altLang="en-US" sz="2400" dirty="0">
@@ -10022,21 +14397,7 @@
                 <a:latin typeface="BIZ UDPゴシック" panose="020B0400000000000000" pitchFamily="50" charset="-128"/>
                 <a:ea typeface="BIZ UDPゴシック" panose="020B0400000000000000" pitchFamily="50" charset="-128"/>
               </a:rPr>
-              <a:t>,MCS(Modulation and Coding Scheme)</a:t>
-            </a:r>
-            <a:r>
-              <a:rPr lang="ja-JP" altLang="en-US" sz="2400" dirty="0">
-                <a:latin typeface="BIZ UDPゴシック" panose="020B0400000000000000" pitchFamily="50" charset="-128"/>
-                <a:ea typeface="BIZ UDPゴシック" panose="020B0400000000000000" pitchFamily="50" charset="-128"/>
-              </a:rPr>
-              <a:t> </a:t>
-            </a:r>
-            <a:r>
-              <a:rPr lang="en-US" altLang="ja-JP" sz="2400" dirty="0">
-                <a:latin typeface="BIZ UDPゴシック" panose="020B0400000000000000" pitchFamily="50" charset="-128"/>
-                <a:ea typeface="BIZ UDPゴシック" panose="020B0400000000000000" pitchFamily="50" charset="-128"/>
-              </a:rPr>
-              <a:t>Index</a:t>
+              <a:t>,MCS Index</a:t>
             </a:r>
             <a:r>
               <a:rPr lang="ja-JP" altLang="en-US" sz="2400" dirty="0">
@@ -10178,7 +14539,7 @@
         </p:blipFill>
         <p:spPr>
           <a:xfrm>
-            <a:off x="488059" y="3174660"/>
+            <a:off x="488059" y="2780928"/>
             <a:ext cx="8167882" cy="3168351"/>
           </a:xfrm>
           <a:prstGeom prst="rect">
@@ -10186,6 +14547,88 @@
           </a:prstGeom>
         </p:spPr>
       </p:pic>
+      <p:sp>
+        <p:nvSpPr>
+          <p:cNvPr id="5" name="テキスト ボックス 4">
+            <a:extLst>
+              <a:ext uri="{FF2B5EF4-FFF2-40B4-BE49-F238E27FC236}">
+                <a16:creationId xmlns:a16="http://schemas.microsoft.com/office/drawing/2014/main" id="{72FEDE72-4DE3-51D1-6A4C-CC5BF0077262}"/>
+              </a:ext>
+            </a:extLst>
+          </p:cNvPr>
+          <p:cNvSpPr txBox="1"/>
+          <p:nvPr/>
+        </p:nvSpPr>
+        <p:spPr>
+          <a:xfrm>
+            <a:off x="-51908" y="6173734"/>
+            <a:ext cx="6768752" cy="338554"/>
+          </a:xfrm>
+          <a:prstGeom prst="rect">
+            <a:avLst/>
+          </a:prstGeom>
+          <a:noFill/>
+        </p:spPr>
+        <p:txBody>
+          <a:bodyPr wrap="square" rtlCol="0">
+            <a:spAutoFit/>
+          </a:bodyPr>
+          <a:lstStyle/>
+          <a:p>
+            <a:r>
+              <a:rPr lang="en-US" altLang="ja-JP" sz="1600" dirty="0">
+                <a:latin typeface="BIZ UDPゴシック" panose="020B0400000000000000" pitchFamily="50" charset="-128"/>
+                <a:ea typeface="BIZ UDPゴシック" panose="020B0400000000000000" pitchFamily="50" charset="-128"/>
+              </a:rPr>
+              <a:t>RSSI : Received Signal Strength Indicator</a:t>
+            </a:r>
+            <a:endParaRPr kumimoji="1" lang="ja-JP" altLang="en-US" sz="1600" dirty="0">
+              <a:ea typeface="游ゴシック Medium" panose="020B0500000000000000" pitchFamily="50" charset="-128"/>
+            </a:endParaRPr>
+          </a:p>
+        </p:txBody>
+      </p:sp>
+      <p:sp>
+        <p:nvSpPr>
+          <p:cNvPr id="6" name="テキスト ボックス 5">
+            <a:extLst>
+              <a:ext uri="{FF2B5EF4-FFF2-40B4-BE49-F238E27FC236}">
+                <a16:creationId xmlns:a16="http://schemas.microsoft.com/office/drawing/2014/main" id="{C3C737E1-9B8E-05A5-8646-CB17689370AF}"/>
+              </a:ext>
+            </a:extLst>
+          </p:cNvPr>
+          <p:cNvSpPr txBox="1"/>
+          <p:nvPr/>
+        </p:nvSpPr>
+        <p:spPr>
+          <a:xfrm>
+            <a:off x="-20528" y="6519446"/>
+            <a:ext cx="5976664" cy="338554"/>
+          </a:xfrm>
+          <a:prstGeom prst="rect">
+            <a:avLst/>
+          </a:prstGeom>
+          <a:noFill/>
+        </p:spPr>
+        <p:txBody>
+          <a:bodyPr wrap="square" rtlCol="0">
+            <a:spAutoFit/>
+          </a:bodyPr>
+          <a:lstStyle/>
+          <a:p>
+            <a:r>
+              <a:rPr lang="en-US" altLang="ja-JP" sz="1600" dirty="0">
+                <a:latin typeface="BIZ UDPゴシック" panose="020B0400000000000000" pitchFamily="50" charset="-128"/>
+                <a:ea typeface="BIZ UDPゴシック" panose="020B0400000000000000" pitchFamily="50" charset="-128"/>
+              </a:rPr>
+              <a:t>MCS : Modulation and Coding Scheme</a:t>
+            </a:r>
+            <a:endParaRPr kumimoji="1" lang="ja-JP" altLang="en-US" sz="1600" dirty="0">
+              <a:ea typeface="游ゴシック Medium" panose="020B0500000000000000" pitchFamily="50" charset="-128"/>
+            </a:endParaRPr>
+          </a:p>
+        </p:txBody>
+      </p:sp>
     </p:spTree>
     <p:extLst>
       <p:ext uri="{BB962C8B-B14F-4D97-AF65-F5344CB8AC3E}">
@@ -10203,15 +14646,15 @@
 <p:tagLst xmlns:a="http://schemas.openxmlformats.org/drawingml/2006/main" xmlns:r="http://schemas.openxmlformats.org/officeDocument/2006/relationships" xmlns:p="http://schemas.openxmlformats.org/presentationml/2006/main">
   <p:tag name="OUTPUTDPI" val="1200"/>
   <p:tag name="ORIGINALHEIGHT" val="442.5617"/>
-  <p:tag name="ORIGINALWIDTH" val="1718.49"/>
+  <p:tag name="ORIGINALWIDTH" val="1692.986"/>
   <p:tag name="OUTPUTTYPE" val="PNG"/>
-  <p:tag name="IGUANATEXVERSION" val="161"/>
-  <p:tag name="LATEXADDIN" val="\documentclass{article}&#10;\usepackage{amsmath}&#10;\usepackage{fontspec} % フォント設定用&#10;\pagestyle{empty}&#10;&#10;% フォント設定&#10;\newfontfamily\TitleJFont{BIZ UDPGothic}[BoldFont=BIZ UDPGothicBold]&#10;\newfontfamily\SectionJFont{BIZ UDPGothic}[BoldFont=BIZ UDPGothicBold]&#10;&#10;\begin{document}&#10;&#10;\begin{align*}&#10;  \mathrm{CW}_{\max} &amp;= 2^{4 + n} - 1&#10;\end{align*}&#10;&#10;\vspace{-2em}&#10;&#10;\begin{align*}&#10;  s &amp;= \mathrm{randint}(0, \, \min(c_{\max}, \, 1023))&#10;  \label{slot}&#10;\end{align*}&#10;&#10;\end{document}&#10;"/>
+  <p:tag name="IGUANATEXVERSION" val="160"/>
+  <p:tag name="LATEXADDIN" val="\documentclass{article}&#10;\usepackage{amsmath}&#10;\usepackage{fontspec} % フォント設定用&#10;\pagestyle{empty}&#10;&#10;% フォント設定&#10;\newfontfamily\TitleJFont{BIZ UDPGothic}[BoldFont=BIZ UDPGothicBold]&#10;\newfontfamily\SectionJFont{BIZ UDPGothic}[BoldFont=BIZ UDPGothicBold]&#10;&#10;\begin{document}&#10;&#10;\begin{align*}&#10;  \mathrm{CW} &amp;= 2^{4 + n} - 1&#10;\end{align*}&#10;&#10;\vspace{-2em}&#10;&#10;\begin{align*}&#10;  s &amp;= \mathrm{randint}(0, \, \min(\mathrm{CW}, \, 1023))&#10;  \label{slot}&#10;\end{align*}&#10;&#10;\end{document}&#10;"/>
   <p:tag name="IGUANATEXSIZE" val="20"/>
-  <p:tag name="IGUANATEXCURSOR" val="442"/>
+  <p:tag name="IGUANATEXCURSOR" val="400"/>
   <p:tag name="TRANSPARENCY" val="True"/>
   <p:tag name="LATEXENGINEID" val="3"/>
-  <p:tag name="TEMPFOLDER" val="C:\temp\"/>
+  <p:tag name="TEMPFOLDER" val="c:\temptex\"/>
   <p:tag name="LATEXFORMHEIGHT" val="320"/>
   <p:tag name="LATEXFORMWIDTH" val="385"/>
   <p:tag name="LATEXFORMWRAP" val="True"/>
@@ -10220,6 +14663,46 @@
 </file>
 
 <file path=ppt/tags/tag2.xml><?xml version="1.0" encoding="utf-8"?>
+<p:tagLst xmlns:a="http://schemas.openxmlformats.org/drawingml/2006/main" xmlns:r="http://schemas.openxmlformats.org/officeDocument/2006/relationships" xmlns:p="http://schemas.openxmlformats.org/presentationml/2006/main">
+  <p:tag name="OUTPUTDPI" val="1200"/>
+  <p:tag name="ORIGINALHEIGHT" val="59.25827"/>
+  <p:tag name="ORIGINALWIDTH" val="69.75977"/>
+  <p:tag name="OUTPUTTYPE" val="PNG"/>
+  <p:tag name="IGUANATEXVERSION" val="160"/>
+  <p:tag name="LATEXADDIN" val="\documentclass{jsarticle}&#10;\usepackage{amsmath}&#10;\usepackage[T1]{fontenc}&#10;\usepackage{lmodern}&#10;\usepackage{caption}&#10;\pagestyle{empty}&#10;&#10;\begin{document}&#10;&#10;&#10;\begin{align*}&#10;n  &#10;\end{align*}&#10;&#10;&#10;\end{document}"/>
+  <p:tag name="IGUANATEXSIZE" val="18"/>
+  <p:tag name="IGUANATEXCURSOR" val="168"/>
+  <p:tag name="TRANSPARENCY" val="True"/>
+  <p:tag name="LATEXENGINEID" val="4"/>
+  <p:tag name="TEMPFOLDER" val="c:\temptex\"/>
+  <p:tag name="LATEXFORMHEIGHT" val="320"/>
+  <p:tag name="LATEXFORMWIDTH" val="385"/>
+  <p:tag name="LATEXFORMWRAP" val="True"/>
+  <p:tag name="BITMAPVECTOR" val="0"/>
+</p:tagLst>
+</file>
+
+<file path=ppt/tags/tag3.xml><?xml version="1.0" encoding="utf-8"?>
+<p:tagLst xmlns:a="http://schemas.openxmlformats.org/drawingml/2006/main" xmlns:r="http://schemas.openxmlformats.org/officeDocument/2006/relationships" xmlns:p="http://schemas.openxmlformats.org/presentationml/2006/main">
+  <p:tag name="OUTPUTDPI" val="1200"/>
+  <p:tag name="ORIGINALHEIGHT" val="59.25827"/>
+  <p:tag name="ORIGINALWIDTH" val="48.75677"/>
+  <p:tag name="OUTPUTTYPE" val="PNG"/>
+  <p:tag name="IGUANATEXVERSION" val="160"/>
+  <p:tag name="LATEXADDIN" val="\documentclass{jsarticle}&#10;\usepackage{amsmath}&#10;\usepackage[T1]{fontenc}&#10;\usepackage{lmodern}&#10;\usepackage{caption}&#10;\pagestyle{empty}&#10;&#10;\begin{document}&#10;&#10;&#10;\begin{align*}&#10;s  &#10;\end{align*}&#10;&#10;&#10;\end{document}"/>
+  <p:tag name="IGUANATEXSIZE" val="18"/>
+  <p:tag name="IGUANATEXCURSOR" val="168"/>
+  <p:tag name="TRANSPARENCY" val="True"/>
+  <p:tag name="LATEXENGINEID" val="4"/>
+  <p:tag name="TEMPFOLDER" val="c:\temptex\"/>
+  <p:tag name="LATEXFORMHEIGHT" val="320"/>
+  <p:tag name="LATEXFORMWIDTH" val="385"/>
+  <p:tag name="LATEXFORMWRAP" val="True"/>
+  <p:tag name="BITMAPVECTOR" val="0"/>
+</p:tagLst>
+</file>
+
+<file path=ppt/tags/tag4.xml><?xml version="1.0" encoding="utf-8"?>
 <p:tagLst xmlns:a="http://schemas.openxmlformats.org/drawingml/2006/main" xmlns:r="http://schemas.openxmlformats.org/officeDocument/2006/relationships" xmlns:p="http://schemas.openxmlformats.org/presentationml/2006/main">
   <p:tag name="OUTPUTDPI" val="1200"/>
   <p:tag name="ORIGINALHEIGHT" val="372.2218"/>
